--- a/ISTEA-WatITis2015.pptx
+++ b/ISTEA-WatITis2015.pptx
@@ -5,10 +5,10 @@
     <p:sldMasterId id="2147483648" r:id="rId1"/>
   </p:sldMasterIdLst>
   <p:notesMasterIdLst>
-    <p:notesMasterId r:id="rId27"/>
+    <p:notesMasterId r:id="rId24"/>
   </p:notesMasterIdLst>
   <p:handoutMasterIdLst>
-    <p:handoutMasterId r:id="rId28"/>
+    <p:handoutMasterId r:id="rId25"/>
   </p:handoutMasterIdLst>
   <p:sldIdLst>
     <p:sldId id="256" r:id="rId2"/>
@@ -19,23 +19,20 @@
     <p:sldId id="260" r:id="rId7"/>
     <p:sldId id="261" r:id="rId8"/>
     <p:sldId id="265" r:id="rId9"/>
-    <p:sldId id="263" r:id="rId10"/>
-    <p:sldId id="266" r:id="rId11"/>
-    <p:sldId id="267" r:id="rId12"/>
-    <p:sldId id="268" r:id="rId13"/>
-    <p:sldId id="269" r:id="rId14"/>
-    <p:sldId id="270" r:id="rId15"/>
-    <p:sldId id="271" r:id="rId16"/>
-    <p:sldId id="272" r:id="rId17"/>
-    <p:sldId id="273" r:id="rId18"/>
-    <p:sldId id="274" r:id="rId19"/>
-    <p:sldId id="276" r:id="rId20"/>
-    <p:sldId id="275" r:id="rId21"/>
-    <p:sldId id="277" r:id="rId22"/>
-    <p:sldId id="278" r:id="rId23"/>
-    <p:sldId id="279" r:id="rId24"/>
-    <p:sldId id="280" r:id="rId25"/>
-    <p:sldId id="258" r:id="rId26"/>
+    <p:sldId id="282" r:id="rId10"/>
+    <p:sldId id="269" r:id="rId11"/>
+    <p:sldId id="270" r:id="rId12"/>
+    <p:sldId id="271" r:id="rId13"/>
+    <p:sldId id="272" r:id="rId14"/>
+    <p:sldId id="273" r:id="rId15"/>
+    <p:sldId id="274" r:id="rId16"/>
+    <p:sldId id="276" r:id="rId17"/>
+    <p:sldId id="275" r:id="rId18"/>
+    <p:sldId id="277" r:id="rId19"/>
+    <p:sldId id="278" r:id="rId20"/>
+    <p:sldId id="279" r:id="rId21"/>
+    <p:sldId id="280" r:id="rId22"/>
+    <p:sldId id="258" r:id="rId23"/>
   </p:sldIdLst>
   <p:sldSz cx="9144000" cy="6858000" type="screen4x3"/>
   <p:notesSz cx="6858000" cy="9144000"/>
@@ -166,7 +163,7 @@
   </p:defaultTextStyle>
   <p:extLst>
     <p:ext uri="{EFAFB233-063F-42B5-8137-9DF3F51BA10A}">
-      <p15:sldGuideLst xmlns:p15="http://schemas.microsoft.com/office/powerpoint/2012/main" xmlns="">
+      <p15:sldGuideLst xmlns:p15="http://schemas.microsoft.com/office/powerpoint/2012/main">
         <p15:guide id="1" orient="horz" pos="2160">
           <p15:clr>
             <a:srgbClr val="A4A3A4"/>
@@ -1127,7 +1124,6 @@
             <a:rPr lang="en-US" dirty="0" smtClean="0"/>
             <a:t>Director, EA</a:t>
           </a:r>
-          <a:endParaRPr lang="en-US" dirty="0" smtClean="0"/>
         </a:p>
         <a:p>
           <a:r>
@@ -2022,39 +2018,39 @@
     </dgm:pt>
   </dgm:ptLst>
   <dgm:cxnLst>
+    <dgm:cxn modelId="{5AB00A3A-4FE5-EE4D-AA43-3D22B1596F8D}" srcId="{F4C30524-E4F6-DF48-936C-5D5395C6BA27}" destId="{78EDDD28-C3E5-E046-B06B-6AAD3B93B13F}" srcOrd="0" destOrd="0" parTransId="{CC009DD9-ED07-1A4E-BBD1-514FD6464B66}" sibTransId="{1FA2F17C-A565-4C49-82E3-ADE818EB5B95}"/>
+    <dgm:cxn modelId="{DF0061F5-CF5D-F54A-8077-B4793022FA31}" type="presOf" srcId="{9C6EE8EB-0605-954B-AB69-CA10019F8270}" destId="{055F9B1E-CE94-794B-A2EC-380B4A6FE0CC}" srcOrd="0" destOrd="0" presId="urn:microsoft.com/office/officeart/2005/8/layout/hierarchy1"/>
+    <dgm:cxn modelId="{DA1C98E6-EEFF-9C47-A604-F734384D88E8}" type="presOf" srcId="{3B14A212-A46B-9841-AF80-55223416BB0C}" destId="{C05847A9-5869-3344-B2DB-1DACEF36B6CE}" srcOrd="0" destOrd="0" presId="urn:microsoft.com/office/officeart/2005/8/layout/hierarchy1"/>
+    <dgm:cxn modelId="{CD625556-608F-B047-8469-006BA6443E81}" srcId="{9C6EE8EB-0605-954B-AB69-CA10019F8270}" destId="{F4C30524-E4F6-DF48-936C-5D5395C6BA27}" srcOrd="0" destOrd="0" parTransId="{1EAA066F-E382-DE43-ACAE-A8AC34E9D638}" sibTransId="{E3ABFA7B-C686-F540-BBB0-418AD989B14D}"/>
+    <dgm:cxn modelId="{B3D8557B-6429-A241-9544-5EE854227F2A}" type="presOf" srcId="{0B819BEE-8E36-9E46-ABAC-E924A7B068D9}" destId="{8C83A6C8-A0AD-044A-9320-6F9E5A1C9E22}" srcOrd="0" destOrd="0" presId="urn:microsoft.com/office/officeart/2005/8/layout/hierarchy1"/>
+    <dgm:cxn modelId="{BC2EC009-B0D0-1A44-9C89-A1F6F2978323}" type="presOf" srcId="{26288953-E0B3-794A-889F-A75F0656E573}" destId="{508B2945-1CC7-7049-A182-9F9988270D18}" srcOrd="0" destOrd="0" presId="urn:microsoft.com/office/officeart/2005/8/layout/hierarchy1"/>
+    <dgm:cxn modelId="{89FDB62F-45D6-FE4A-9C49-25EFE2408C61}" srcId="{750F6115-83C1-2B48-81D5-4A872946DC58}" destId="{F2D0900B-5FAE-8E4C-BCD9-6485F3F02CDF}" srcOrd="0" destOrd="0" parTransId="{5554DB3E-F44C-D547-BFA2-43C61D297E19}" sibTransId="{44CB860F-77DD-7B4F-8E3F-7772976A3D8A}"/>
+    <dgm:cxn modelId="{21E35E9B-9EC0-1C41-9676-45C8810A36B4}" type="presOf" srcId="{F2D0900B-5FAE-8E4C-BCD9-6485F3F02CDF}" destId="{9A4FBC09-E4D8-964A-81F7-FA23737D74EC}" srcOrd="0" destOrd="0" presId="urn:microsoft.com/office/officeart/2005/8/layout/hierarchy1"/>
+    <dgm:cxn modelId="{18269101-63E3-F143-860F-2B5286E1159B}" type="presOf" srcId="{A8EDF43F-DFCF-4340-89C9-B6223A8A9A60}" destId="{4F466830-CB6A-6E4A-A172-CDCA01C18AC4}" srcOrd="0" destOrd="0" presId="urn:microsoft.com/office/officeart/2005/8/layout/hierarchy1"/>
+    <dgm:cxn modelId="{425076D2-B102-5B4B-BA79-A39F8CEED86C}" type="presOf" srcId="{EF094513-4F09-2D49-95B9-C993DDD5D312}" destId="{229FC484-A2BD-9142-821A-02F33E492F9D}" srcOrd="0" destOrd="0" presId="urn:microsoft.com/office/officeart/2005/8/layout/hierarchy1"/>
+    <dgm:cxn modelId="{17D5FA1E-40DF-B840-94FD-3A5C44F9D449}" type="presOf" srcId="{750F6115-83C1-2B48-81D5-4A872946DC58}" destId="{73D9F737-930F-6D46-BF96-12255840E6EF}" srcOrd="0" destOrd="0" presId="urn:microsoft.com/office/officeart/2005/8/layout/hierarchy1"/>
+    <dgm:cxn modelId="{B759839F-8356-CA48-BE3E-AB20670586D8}" type="presOf" srcId="{5554DB3E-F44C-D547-BFA2-43C61D297E19}" destId="{D8E01C4E-19C0-9445-BB0B-96178876A8D8}" srcOrd="0" destOrd="0" presId="urn:microsoft.com/office/officeart/2005/8/layout/hierarchy1"/>
+    <dgm:cxn modelId="{5452ADE5-29AD-564A-842C-AFFA0D37AC40}" type="presOf" srcId="{78EDDD28-C3E5-E046-B06B-6AAD3B93B13F}" destId="{CB82861A-F8B8-EE45-8163-36DA03331D91}" srcOrd="0" destOrd="0" presId="urn:microsoft.com/office/officeart/2005/8/layout/hierarchy1"/>
+    <dgm:cxn modelId="{AEDC45CD-3F77-BE4F-9DBA-D30B389F6C8C}" type="presOf" srcId="{CFC94B76-8A25-E347-9C2D-BC9A47E34853}" destId="{85376042-4EBE-334E-9442-8FBDC7C273BA}" srcOrd="0" destOrd="0" presId="urn:microsoft.com/office/officeart/2005/8/layout/hierarchy1"/>
+    <dgm:cxn modelId="{57ACF7E7-9A0D-0D40-97B5-507128248DEA}" type="presOf" srcId="{B86784D9-7224-2342-8F81-D7FBCE13400D}" destId="{8EF6B767-D51B-D744-8F02-FAE17B665321}" srcOrd="0" destOrd="0" presId="urn:microsoft.com/office/officeart/2005/8/layout/hierarchy1"/>
+    <dgm:cxn modelId="{FA14DA2B-1D80-8142-8B7F-C0DFF08982D3}" type="presOf" srcId="{AF60A7E9-7B4B-1741-AE37-945B59D779F4}" destId="{45FA114C-61AB-0149-BC93-F749679C9A74}" srcOrd="0" destOrd="0" presId="urn:microsoft.com/office/officeart/2005/8/layout/hierarchy1"/>
+    <dgm:cxn modelId="{6D3B1981-DA5A-7740-BCAA-547FC1201425}" srcId="{26288953-E0B3-794A-889F-A75F0656E573}" destId="{CFC94B76-8A25-E347-9C2D-BC9A47E34853}" srcOrd="0" destOrd="0" parTransId="{B6A31B2B-14F6-5341-91B0-167E851FA046}" sibTransId="{D568A483-2E6E-0647-B512-E91F7C04647B}"/>
+    <dgm:cxn modelId="{D29EB8EA-52F6-4D47-82C4-E2C2A86AAF0B}" type="presOf" srcId="{CC009DD9-ED07-1A4E-BBD1-514FD6464B66}" destId="{3903562F-CDA4-D04D-BF97-9AD7AF9A640A}" srcOrd="0" destOrd="0" presId="urn:microsoft.com/office/officeart/2005/8/layout/hierarchy1"/>
+    <dgm:cxn modelId="{09E1E5AE-1516-8246-8326-FC2DDF3C297C}" type="presOf" srcId="{6E665B2E-3653-7A4E-821D-AB21839E6B33}" destId="{385FD872-70F8-5241-A93F-162C31BDA5C5}" srcOrd="0" destOrd="0" presId="urn:microsoft.com/office/officeart/2005/8/layout/hierarchy1"/>
+    <dgm:cxn modelId="{BB17BA35-4558-9D40-8856-8F2FB8BBB27D}" type="presOf" srcId="{DA12EF2D-271B-C94B-95CA-CB9DE98C9A6F}" destId="{320D9C45-FD56-AB4E-ABC0-9267EFBBD48E}" srcOrd="0" destOrd="0" presId="urn:microsoft.com/office/officeart/2005/8/layout/hierarchy1"/>
+    <dgm:cxn modelId="{51DD5032-060A-A64D-8631-BF8FB731BBC3}" srcId="{750F6115-83C1-2B48-81D5-4A872946DC58}" destId="{0B819BEE-8E36-9E46-ABAC-E924A7B068D9}" srcOrd="1" destOrd="0" parTransId="{E35252ED-AC6B-2C49-835C-72D69D9BD05B}" sibTransId="{676F88F8-18A0-C648-B69C-6D8A6E90AC14}"/>
+    <dgm:cxn modelId="{49425FF1-7328-1443-9558-78451B49F8A0}" type="presOf" srcId="{F4C30524-E4F6-DF48-936C-5D5395C6BA27}" destId="{79F7EA0C-D4BF-3546-B249-F1BD100F9346}" srcOrd="0" destOrd="0" presId="urn:microsoft.com/office/officeart/2005/8/layout/hierarchy1"/>
+    <dgm:cxn modelId="{C2BA5F7E-FD29-774A-B28E-F82012F21578}" type="presOf" srcId="{E35252ED-AC6B-2C49-835C-72D69D9BD05B}" destId="{C9602C4E-C116-CF4D-83AE-B9FD128A60F2}" srcOrd="0" destOrd="0" presId="urn:microsoft.com/office/officeart/2005/8/layout/hierarchy1"/>
+    <dgm:cxn modelId="{9E725E2C-EE3C-D547-9746-DFEC0B574616}" srcId="{F2D0900B-5FAE-8E4C-BCD9-6485F3F02CDF}" destId="{EF094513-4F09-2D49-95B9-C993DDD5D312}" srcOrd="0" destOrd="0" parTransId="{6E665B2E-3653-7A4E-821D-AB21839E6B33}" sibTransId="{034EFB4A-A057-D540-B9D9-CAF2FD436BD6}"/>
+    <dgm:cxn modelId="{F9DB5A3A-65E1-244A-AC8B-B26D4B5A99EF}" srcId="{0B819BEE-8E36-9E46-ABAC-E924A7B068D9}" destId="{B86784D9-7224-2342-8F81-D7FBCE13400D}" srcOrd="0" destOrd="0" parTransId="{3B14A212-A46B-9841-AF80-55223416BB0C}" sibTransId="{552AC828-1ECD-D540-A94C-13DD5DBAC5A0}"/>
     <dgm:cxn modelId="{2D66FD8D-B7A9-3E43-B775-69781BBE46D7}" srcId="{AF60A7E9-7B4B-1741-AE37-945B59D779F4}" destId="{9C6EE8EB-0605-954B-AB69-CA10019F8270}" srcOrd="0" destOrd="0" parTransId="{DA12EF2D-271B-C94B-95CA-CB9DE98C9A6F}" sibTransId="{65EEB55A-4F03-B04B-864E-27FD36C078DE}"/>
-    <dgm:cxn modelId="{FA14DA2B-1D80-8142-8B7F-C0DFF08982D3}" type="presOf" srcId="{AF60A7E9-7B4B-1741-AE37-945B59D779F4}" destId="{45FA114C-61AB-0149-BC93-F749679C9A74}" srcOrd="0" destOrd="0" presId="urn:microsoft.com/office/officeart/2005/8/layout/hierarchy1"/>
-    <dgm:cxn modelId="{B0D89D6B-A3BE-FC4B-BB53-D17E80FE5262}" srcId="{AF60A7E9-7B4B-1741-AE37-945B59D779F4}" destId="{750F6115-83C1-2B48-81D5-4A872946DC58}" srcOrd="1" destOrd="0" parTransId="{7EBFA951-74F2-FB46-B66A-7D6DBA6184DA}" sibTransId="{E42F8D11-CAC4-204F-810E-F5C495A439FC}"/>
-    <dgm:cxn modelId="{DF0061F5-CF5D-F54A-8077-B4793022FA31}" type="presOf" srcId="{9C6EE8EB-0605-954B-AB69-CA10019F8270}" destId="{055F9B1E-CE94-794B-A2EC-380B4A6FE0CC}" srcOrd="0" destOrd="0" presId="urn:microsoft.com/office/officeart/2005/8/layout/hierarchy1"/>
-    <dgm:cxn modelId="{57ACF7E7-9A0D-0D40-97B5-507128248DEA}" type="presOf" srcId="{B86784D9-7224-2342-8F81-D7FBCE13400D}" destId="{8EF6B767-D51B-D744-8F02-FAE17B665321}" srcOrd="0" destOrd="0" presId="urn:microsoft.com/office/officeart/2005/8/layout/hierarchy1"/>
-    <dgm:cxn modelId="{CD625556-608F-B047-8469-006BA6443E81}" srcId="{9C6EE8EB-0605-954B-AB69-CA10019F8270}" destId="{F4C30524-E4F6-DF48-936C-5D5395C6BA27}" srcOrd="0" destOrd="0" parTransId="{1EAA066F-E382-DE43-ACAE-A8AC34E9D638}" sibTransId="{E3ABFA7B-C686-F540-BBB0-418AD989B14D}"/>
-    <dgm:cxn modelId="{F9DB5A3A-65E1-244A-AC8B-B26D4B5A99EF}" srcId="{0B819BEE-8E36-9E46-ABAC-E924A7B068D9}" destId="{B86784D9-7224-2342-8F81-D7FBCE13400D}" srcOrd="0" destOrd="0" parTransId="{3B14A212-A46B-9841-AF80-55223416BB0C}" sibTransId="{552AC828-1ECD-D540-A94C-13DD5DBAC5A0}"/>
-    <dgm:cxn modelId="{21E35E9B-9EC0-1C41-9676-45C8810A36B4}" type="presOf" srcId="{F2D0900B-5FAE-8E4C-BCD9-6485F3F02CDF}" destId="{9A4FBC09-E4D8-964A-81F7-FA23737D74EC}" srcOrd="0" destOrd="0" presId="urn:microsoft.com/office/officeart/2005/8/layout/hierarchy1"/>
-    <dgm:cxn modelId="{425076D2-B102-5B4B-BA79-A39F8CEED86C}" type="presOf" srcId="{EF094513-4F09-2D49-95B9-C993DDD5D312}" destId="{229FC484-A2BD-9142-821A-02F33E492F9D}" srcOrd="0" destOrd="0" presId="urn:microsoft.com/office/officeart/2005/8/layout/hierarchy1"/>
-    <dgm:cxn modelId="{89FDB62F-45D6-FE4A-9C49-25EFE2408C61}" srcId="{750F6115-83C1-2B48-81D5-4A872946DC58}" destId="{F2D0900B-5FAE-8E4C-BCD9-6485F3F02CDF}" srcOrd="0" destOrd="0" parTransId="{5554DB3E-F44C-D547-BFA2-43C61D297E19}" sibTransId="{44CB860F-77DD-7B4F-8E3F-7772976A3D8A}"/>
-    <dgm:cxn modelId="{D29EB8EA-52F6-4D47-82C4-E2C2A86AAF0B}" type="presOf" srcId="{CC009DD9-ED07-1A4E-BBD1-514FD6464B66}" destId="{3903562F-CDA4-D04D-BF97-9AD7AF9A640A}" srcOrd="0" destOrd="0" presId="urn:microsoft.com/office/officeart/2005/8/layout/hierarchy1"/>
-    <dgm:cxn modelId="{5AB00A3A-4FE5-EE4D-AA43-3D22B1596F8D}" srcId="{F4C30524-E4F6-DF48-936C-5D5395C6BA27}" destId="{78EDDD28-C3E5-E046-B06B-6AAD3B93B13F}" srcOrd="0" destOrd="0" parTransId="{CC009DD9-ED07-1A4E-BBD1-514FD6464B66}" sibTransId="{1FA2F17C-A565-4C49-82E3-ADE818EB5B95}"/>
+    <dgm:cxn modelId="{4F1A9C92-1207-5C4F-A82C-C7CC0B446CBB}" type="presOf" srcId="{B6A31B2B-14F6-5341-91B0-167E851FA046}" destId="{69171C6E-5D9F-9E43-9363-E1BEE9A94213}" srcOrd="0" destOrd="0" presId="urn:microsoft.com/office/officeart/2005/8/layout/hierarchy1"/>
+    <dgm:cxn modelId="{26E4B017-4959-FF4D-9584-725959646593}" srcId="{A8EDF43F-DFCF-4340-89C9-B6223A8A9A60}" destId="{AF60A7E9-7B4B-1741-AE37-945B59D779F4}" srcOrd="0" destOrd="0" parTransId="{246AAB7D-8E1F-B947-B89B-9C899A737DF6}" sibTransId="{D7CB0B9B-6934-984C-8C74-3508EC9F3B1B}"/>
     <dgm:cxn modelId="{F381F491-25BA-0049-BFA9-AF0AEB7472D8}" type="presOf" srcId="{7EBFA951-74F2-FB46-B66A-7D6DBA6184DA}" destId="{99DCB216-4A8E-E341-B2EC-531CB38158B5}" srcOrd="0" destOrd="0" presId="urn:microsoft.com/office/officeart/2005/8/layout/hierarchy1"/>
-    <dgm:cxn modelId="{BB17BA35-4558-9D40-8856-8F2FB8BBB27D}" type="presOf" srcId="{DA12EF2D-271B-C94B-95CA-CB9DE98C9A6F}" destId="{320D9C45-FD56-AB4E-ABC0-9267EFBBD48E}" srcOrd="0" destOrd="0" presId="urn:microsoft.com/office/officeart/2005/8/layout/hierarchy1"/>
-    <dgm:cxn modelId="{49425FF1-7328-1443-9558-78451B49F8A0}" type="presOf" srcId="{F4C30524-E4F6-DF48-936C-5D5395C6BA27}" destId="{79F7EA0C-D4BF-3546-B249-F1BD100F9346}" srcOrd="0" destOrd="0" presId="urn:microsoft.com/office/officeart/2005/8/layout/hierarchy1"/>
-    <dgm:cxn modelId="{26E4B017-4959-FF4D-9584-725959646593}" srcId="{A8EDF43F-DFCF-4340-89C9-B6223A8A9A60}" destId="{AF60A7E9-7B4B-1741-AE37-945B59D779F4}" srcOrd="0" destOrd="0" parTransId="{246AAB7D-8E1F-B947-B89B-9C899A737DF6}" sibTransId="{D7CB0B9B-6934-984C-8C74-3508EC9F3B1B}"/>
-    <dgm:cxn modelId="{9E725E2C-EE3C-D547-9746-DFEC0B574616}" srcId="{F2D0900B-5FAE-8E4C-BCD9-6485F3F02CDF}" destId="{EF094513-4F09-2D49-95B9-C993DDD5D312}" srcOrd="0" destOrd="0" parTransId="{6E665B2E-3653-7A4E-821D-AB21839E6B33}" sibTransId="{034EFB4A-A057-D540-B9D9-CAF2FD436BD6}"/>
-    <dgm:cxn modelId="{AEDC45CD-3F77-BE4F-9DBA-D30B389F6C8C}" type="presOf" srcId="{CFC94B76-8A25-E347-9C2D-BC9A47E34853}" destId="{85376042-4EBE-334E-9442-8FBDC7C273BA}" srcOrd="0" destOrd="0" presId="urn:microsoft.com/office/officeart/2005/8/layout/hierarchy1"/>
-    <dgm:cxn modelId="{18269101-63E3-F143-860F-2B5286E1159B}" type="presOf" srcId="{A8EDF43F-DFCF-4340-89C9-B6223A8A9A60}" destId="{4F466830-CB6A-6E4A-A172-CDCA01C18AC4}" srcOrd="0" destOrd="0" presId="urn:microsoft.com/office/officeart/2005/8/layout/hierarchy1"/>
-    <dgm:cxn modelId="{17D5FA1E-40DF-B840-94FD-3A5C44F9D449}" type="presOf" srcId="{750F6115-83C1-2B48-81D5-4A872946DC58}" destId="{73D9F737-930F-6D46-BF96-12255840E6EF}" srcOrd="0" destOrd="0" presId="urn:microsoft.com/office/officeart/2005/8/layout/hierarchy1"/>
     <dgm:cxn modelId="{6462A309-D391-804F-B8DE-9046B7937964}" type="presOf" srcId="{1EAA066F-E382-DE43-ACAE-A8AC34E9D638}" destId="{F9A19B5E-33B3-2D46-8442-DB5D2D916681}" srcOrd="0" destOrd="0" presId="urn:microsoft.com/office/officeart/2005/8/layout/hierarchy1"/>
-    <dgm:cxn modelId="{B759839F-8356-CA48-BE3E-AB20670586D8}" type="presOf" srcId="{5554DB3E-F44C-D547-BFA2-43C61D297E19}" destId="{D8E01C4E-19C0-9445-BB0B-96178876A8D8}" srcOrd="0" destOrd="0" presId="urn:microsoft.com/office/officeart/2005/8/layout/hierarchy1"/>
-    <dgm:cxn modelId="{C2BA5F7E-FD29-774A-B28E-F82012F21578}" type="presOf" srcId="{E35252ED-AC6B-2C49-835C-72D69D9BD05B}" destId="{C9602C4E-C116-CF4D-83AE-B9FD128A60F2}" srcOrd="0" destOrd="0" presId="urn:microsoft.com/office/officeart/2005/8/layout/hierarchy1"/>
     <dgm:cxn modelId="{2FF1114C-1B5A-1445-8B1D-8D33D4F2662E}" srcId="{9C6EE8EB-0605-954B-AB69-CA10019F8270}" destId="{26288953-E0B3-794A-889F-A75F0656E573}" srcOrd="1" destOrd="0" parTransId="{5270322C-0368-8F49-A254-87FB3926A792}" sibTransId="{7BB65941-FDF8-F14C-B39C-EF013B98BFC0}"/>
     <dgm:cxn modelId="{BBC3CC7B-B614-9446-BA93-4929BA224959}" type="presOf" srcId="{5270322C-0368-8F49-A254-87FB3926A792}" destId="{CE90EECC-09AF-BB42-9F0C-29E885392FDD}" srcOrd="0" destOrd="0" presId="urn:microsoft.com/office/officeart/2005/8/layout/hierarchy1"/>
-    <dgm:cxn modelId="{BC2EC009-B0D0-1A44-9C89-A1F6F2978323}" type="presOf" srcId="{26288953-E0B3-794A-889F-A75F0656E573}" destId="{508B2945-1CC7-7049-A182-9F9988270D18}" srcOrd="0" destOrd="0" presId="urn:microsoft.com/office/officeart/2005/8/layout/hierarchy1"/>
-    <dgm:cxn modelId="{09E1E5AE-1516-8246-8326-FC2DDF3C297C}" type="presOf" srcId="{6E665B2E-3653-7A4E-821D-AB21839E6B33}" destId="{385FD872-70F8-5241-A93F-162C31BDA5C5}" srcOrd="0" destOrd="0" presId="urn:microsoft.com/office/officeart/2005/8/layout/hierarchy1"/>
-    <dgm:cxn modelId="{51DD5032-060A-A64D-8631-BF8FB731BBC3}" srcId="{750F6115-83C1-2B48-81D5-4A872946DC58}" destId="{0B819BEE-8E36-9E46-ABAC-E924A7B068D9}" srcOrd="1" destOrd="0" parTransId="{E35252ED-AC6B-2C49-835C-72D69D9BD05B}" sibTransId="{676F88F8-18A0-C648-B69C-6D8A6E90AC14}"/>
-    <dgm:cxn modelId="{5452ADE5-29AD-564A-842C-AFFA0D37AC40}" type="presOf" srcId="{78EDDD28-C3E5-E046-B06B-6AAD3B93B13F}" destId="{CB82861A-F8B8-EE45-8163-36DA03331D91}" srcOrd="0" destOrd="0" presId="urn:microsoft.com/office/officeart/2005/8/layout/hierarchy1"/>
-    <dgm:cxn modelId="{4F1A9C92-1207-5C4F-A82C-C7CC0B446CBB}" type="presOf" srcId="{B6A31B2B-14F6-5341-91B0-167E851FA046}" destId="{69171C6E-5D9F-9E43-9363-E1BEE9A94213}" srcOrd="0" destOrd="0" presId="urn:microsoft.com/office/officeart/2005/8/layout/hierarchy1"/>
-    <dgm:cxn modelId="{DA1C98E6-EEFF-9C47-A604-F734384D88E8}" type="presOf" srcId="{3B14A212-A46B-9841-AF80-55223416BB0C}" destId="{C05847A9-5869-3344-B2DB-1DACEF36B6CE}" srcOrd="0" destOrd="0" presId="urn:microsoft.com/office/officeart/2005/8/layout/hierarchy1"/>
-    <dgm:cxn modelId="{B3D8557B-6429-A241-9544-5EE854227F2A}" type="presOf" srcId="{0B819BEE-8E36-9E46-ABAC-E924A7B068D9}" destId="{8C83A6C8-A0AD-044A-9320-6F9E5A1C9E22}" srcOrd="0" destOrd="0" presId="urn:microsoft.com/office/officeart/2005/8/layout/hierarchy1"/>
-    <dgm:cxn modelId="{6D3B1981-DA5A-7740-BCAA-547FC1201425}" srcId="{26288953-E0B3-794A-889F-A75F0656E573}" destId="{CFC94B76-8A25-E347-9C2D-BC9A47E34853}" srcOrd="0" destOrd="0" parTransId="{B6A31B2B-14F6-5341-91B0-167E851FA046}" sibTransId="{D568A483-2E6E-0647-B512-E91F7C04647B}"/>
+    <dgm:cxn modelId="{B0D89D6B-A3BE-FC4B-BB53-D17E80FE5262}" srcId="{AF60A7E9-7B4B-1741-AE37-945B59D779F4}" destId="{750F6115-83C1-2B48-81D5-4A872946DC58}" srcOrd="1" destOrd="0" parTransId="{7EBFA951-74F2-FB46-B66A-7D6DBA6184DA}" sibTransId="{E42F8D11-CAC4-204F-810E-F5C495A439FC}"/>
     <dgm:cxn modelId="{6F050682-DA42-6644-8083-2C733B21CFE8}" type="presParOf" srcId="{4F466830-CB6A-6E4A-A172-CDCA01C18AC4}" destId="{E23A91C0-334A-E240-8E43-1BE16E7D91C2}" srcOrd="0" destOrd="0" presId="urn:microsoft.com/office/officeart/2005/8/layout/hierarchy1"/>
     <dgm:cxn modelId="{AA2BF110-B0D4-4A4F-A2F6-149A91413BFC}" type="presParOf" srcId="{E23A91C0-334A-E240-8E43-1BE16E7D91C2}" destId="{5DA14854-2F95-9945-BCB7-608422DB89CC}" srcOrd="0" destOrd="0" presId="urn:microsoft.com/office/officeart/2005/8/layout/hierarchy1"/>
     <dgm:cxn modelId="{0A306A90-B691-D04B-8416-D344F3B3086D}" type="presParOf" srcId="{5DA14854-2F95-9945-BCB7-608422DB89CC}" destId="{C3B27E84-8128-E34C-B10F-FD3400D4F167}" srcOrd="0" destOrd="0" presId="urn:microsoft.com/office/officeart/2005/8/layout/hierarchy1"/>
@@ -2885,7 +2881,6 @@
             <a:rPr lang="en-US" sz="1400" kern="1200" dirty="0" smtClean="0"/>
             <a:t>Director, EA</a:t>
           </a:r>
-          <a:endParaRPr lang="en-US" sz="1400" kern="1200" dirty="0" smtClean="0"/>
         </a:p>
         <a:p>
           <a:pPr lvl="0" algn="ctr" defTabSz="622300">
@@ -6051,7 +6046,7 @@
           <a:p>
             <a:fld id="{3EBD304B-4F32-DB42-AA51-EDA38B867F6B}" type="datetimeFigureOut">
               <a:rPr lang="en-US" smtClean="0"/>
-              <a:t>15-12-01</a:t>
+              <a:t>12/4/15</a:t>
             </a:fld>
             <a:endParaRPr lang="en-US"/>
           </a:p>
@@ -6246,7 +6241,7 @@
               <a:pPr>
                 <a:defRPr/>
               </a:pPr>
-              <a:t>15-12-01</a:t>
+              <a:t>12/4/15</a:t>
             </a:fld>
             <a:endParaRPr lang="en-US"/>
           </a:p>
@@ -6683,6 +6678,922 @@
       </p:grpSpPr>
       <p:sp>
         <p:nvSpPr>
+          <p:cNvPr id="2" name="Slide Image Placeholder 1"/>
+          <p:cNvSpPr>
+            <a:spLocks noGrp="1" noRot="1" noChangeAspect="1"/>
+          </p:cNvSpPr>
+          <p:nvPr>
+            <p:ph type="sldImg"/>
+          </p:nvPr>
+        </p:nvSpPr>
+        <p:spPr/>
+      </p:sp>
+      <p:sp>
+        <p:nvSpPr>
+          <p:cNvPr id="3" name="Notes Placeholder 2"/>
+          <p:cNvSpPr>
+            <a:spLocks noGrp="1"/>
+          </p:cNvSpPr>
+          <p:nvPr>
+            <p:ph type="body" idx="1"/>
+          </p:nvPr>
+        </p:nvSpPr>
+        <p:spPr/>
+        <p:txBody>
+          <a:bodyPr/>
+          <a:lstStyle/>
+          <a:p>
+            <a:r>
+              <a:rPr lang="en-US" dirty="0" smtClean="0"/>
+              <a:t>This is a story all about how… J/K</a:t>
+            </a:r>
+          </a:p>
+          <a:p>
+            <a:endParaRPr lang="en-US" dirty="0" smtClean="0"/>
+          </a:p>
+          <a:p>
+            <a:r>
+              <a:rPr lang="en-US" dirty="0" smtClean="0"/>
+              <a:t>We want</a:t>
+            </a:r>
+            <a:r>
+              <a:rPr lang="en-US" baseline="0" dirty="0" smtClean="0"/>
+              <a:t> to begin by introducing Enterprise Architecture through a </a:t>
+            </a:r>
+            <a:r>
+              <a:rPr lang="en-US" baseline="0" dirty="0" err="1" smtClean="0"/>
+              <a:t>strawdog</a:t>
+            </a:r>
+            <a:r>
+              <a:rPr lang="en-US" baseline="0" dirty="0" smtClean="0"/>
+              <a:t> story. The ideas and problems introduced in this story are meant to be representative of the problems an enterprise faces when widespread change is occurring simultaneously across multiple areas in pursuit of . </a:t>
+            </a:r>
+          </a:p>
+          <a:p>
+            <a:endParaRPr lang="en-US" sz="1200" b="1" i="0" kern="1200" baseline="0" dirty="0" smtClean="0">
+              <a:solidFill>
+                <a:schemeClr val="tx1"/>
+              </a:solidFill>
+              <a:effectLst/>
+              <a:latin typeface="+mn-lt"/>
+              <a:ea typeface="ＭＳ Ｐゴシック" charset="0"/>
+              <a:cs typeface="ＭＳ Ｐゴシック" charset="0"/>
+            </a:endParaRPr>
+          </a:p>
+          <a:p>
+            <a:r>
+              <a:rPr lang="en-US" sz="1200" b="1" i="0" kern="1200" baseline="0" dirty="0" smtClean="0">
+                <a:solidFill>
+                  <a:schemeClr val="tx1"/>
+                </a:solidFill>
+                <a:effectLst/>
+                <a:latin typeface="+mn-lt"/>
+                <a:ea typeface="ＭＳ Ｐゴシック" charset="0"/>
+                <a:cs typeface="ＭＳ Ｐゴシック" charset="0"/>
+              </a:rPr>
+              <a:t>DISCLAIMER: </a:t>
+            </a:r>
+            <a:r>
+              <a:rPr lang="en-US" sz="1200" b="1" i="0" kern="1200" dirty="0" smtClean="0">
+                <a:solidFill>
+                  <a:schemeClr val="tx1"/>
+                </a:solidFill>
+                <a:effectLst/>
+                <a:latin typeface="+mn-lt"/>
+                <a:ea typeface="ＭＳ Ｐゴシック" charset="0"/>
+                <a:cs typeface="ＭＳ Ｐゴシック" charset="0"/>
+              </a:rPr>
+              <a:t>All characters appearing in this work are fictitious. Any resemblance to real persons, living or dead, is purely coincidental.</a:t>
+            </a:r>
+          </a:p>
+          <a:p>
+            <a:endParaRPr lang="en-US" sz="1200" b="1" i="0" kern="1200" dirty="0" smtClean="0">
+              <a:solidFill>
+                <a:schemeClr val="tx1"/>
+              </a:solidFill>
+              <a:effectLst/>
+              <a:latin typeface="+mn-lt"/>
+              <a:ea typeface="ＭＳ Ｐゴシック" charset="0"/>
+              <a:cs typeface="ＭＳ Ｐゴシック" charset="0"/>
+            </a:endParaRPr>
+          </a:p>
+          <a:p>
+            <a:r>
+              <a:rPr lang="en-US" sz="1200" b="0" i="0" kern="1200" dirty="0" smtClean="0">
+                <a:solidFill>
+                  <a:schemeClr val="tx1"/>
+                </a:solidFill>
+                <a:effectLst/>
+                <a:latin typeface="+mn-lt"/>
+                <a:ea typeface="ＭＳ Ｐゴシック" charset="0"/>
+                <a:cs typeface="ＭＳ Ｐゴシック" charset="0"/>
+              </a:rPr>
+              <a:t>Let’s start with an</a:t>
+            </a:r>
+            <a:r>
+              <a:rPr lang="en-US" sz="1200" b="0" i="0" kern="1200" baseline="0" dirty="0" smtClean="0">
+                <a:solidFill>
+                  <a:schemeClr val="tx1"/>
+                </a:solidFill>
+                <a:effectLst/>
+                <a:latin typeface="+mn-lt"/>
+                <a:ea typeface="ＭＳ Ｐゴシック" charset="0"/>
+                <a:cs typeface="ＭＳ Ｐゴシック" charset="0"/>
+              </a:rPr>
+              <a:t> enterprise called ACME Incorporated. ACME has been in business for a number of years and has two core missions: training coyotes and developing innovative solutions to address the roadrunner problems of the world. To fulfill these missions, ACME maintains a number business elements (functions, services, units) that support but are not directly connected to their core missions.</a:t>
+            </a:r>
+          </a:p>
+          <a:p>
+            <a:endParaRPr lang="en-US" sz="1200" b="0" i="0" kern="1200" baseline="0" dirty="0" smtClean="0">
+              <a:solidFill>
+                <a:schemeClr val="tx1"/>
+              </a:solidFill>
+              <a:effectLst/>
+              <a:latin typeface="+mn-lt"/>
+              <a:ea typeface="ＭＳ Ｐゴシック" charset="0"/>
+              <a:cs typeface="ＭＳ Ｐゴシック" charset="0"/>
+            </a:endParaRPr>
+          </a:p>
+          <a:p>
+            <a:r>
+              <a:rPr lang="en-US" sz="1200" b="0" i="0" kern="1200" baseline="0" dirty="0" smtClean="0">
+                <a:solidFill>
+                  <a:schemeClr val="tx1"/>
+                </a:solidFill>
+                <a:effectLst/>
+                <a:latin typeface="+mn-lt"/>
+                <a:ea typeface="ＭＳ Ｐゴシック" charset="0"/>
+                <a:cs typeface="ＭＳ Ｐゴシック" charset="0"/>
+              </a:rPr>
+              <a:t>To fulfill their core missions, ACME must:</a:t>
+            </a:r>
+          </a:p>
+          <a:p>
+            <a:endParaRPr lang="en-US" sz="1200" b="0" i="0" kern="1200" baseline="0" dirty="0" smtClean="0">
+              <a:solidFill>
+                <a:schemeClr val="tx1"/>
+              </a:solidFill>
+              <a:effectLst/>
+              <a:latin typeface="+mn-lt"/>
+              <a:ea typeface="ＭＳ Ｐゴシック" charset="0"/>
+              <a:cs typeface="ＭＳ Ｐゴシック" charset="0"/>
+            </a:endParaRPr>
+          </a:p>
+          <a:p>
+            <a:r>
+              <a:rPr lang="en-US" sz="1200" b="0" i="0" kern="1200" baseline="0" dirty="0" smtClean="0">
+                <a:solidFill>
+                  <a:schemeClr val="tx1"/>
+                </a:solidFill>
+                <a:effectLst/>
+                <a:latin typeface="+mn-lt"/>
+                <a:ea typeface="ＭＳ Ｐゴシック" charset="0"/>
+                <a:cs typeface="ＭＳ Ｐゴシック" charset="0"/>
+              </a:rPr>
+              <a:t> - Find high quality coyotes and convince them to train with ACME.</a:t>
+            </a:r>
+          </a:p>
+          <a:p>
+            <a:r>
+              <a:rPr lang="en-US" sz="1200" b="0" i="0" kern="1200" baseline="0" dirty="0" smtClean="0">
+                <a:solidFill>
+                  <a:schemeClr val="tx1"/>
+                </a:solidFill>
+                <a:effectLst/>
+                <a:latin typeface="+mn-lt"/>
+                <a:ea typeface="ＭＳ Ｐゴシック" charset="0"/>
+                <a:cs typeface="ＭＳ Ｐゴシック" charset="0"/>
+              </a:rPr>
+              <a:t>    - Deliver top-notch training facilities and services to keep coyotes at ACME.</a:t>
+            </a:r>
+          </a:p>
+          <a:p>
+            <a:endParaRPr lang="en-US" sz="1200" b="0" i="0" kern="1200" baseline="0" dirty="0" smtClean="0">
+              <a:solidFill>
+                <a:schemeClr val="tx1"/>
+              </a:solidFill>
+              <a:effectLst/>
+              <a:latin typeface="+mn-lt"/>
+              <a:ea typeface="ＭＳ Ｐゴシック" charset="0"/>
+              <a:cs typeface="ＭＳ Ｐゴシック" charset="0"/>
+            </a:endParaRPr>
+          </a:p>
+          <a:p>
+            <a:r>
+              <a:rPr lang="en-US" sz="1200" b="0" i="0" kern="1200" baseline="0" dirty="0" smtClean="0">
+                <a:solidFill>
+                  <a:schemeClr val="tx1"/>
+                </a:solidFill>
+                <a:effectLst/>
+                <a:latin typeface="+mn-lt"/>
+                <a:ea typeface="ＭＳ Ｐゴシック" charset="0"/>
+                <a:cs typeface="ＭＳ Ｐゴシック" charset="0"/>
+              </a:rPr>
+              <a:t> - Find the best and the brightest roadrunner specialists and convince them to join ACME’s cause.</a:t>
+            </a:r>
+          </a:p>
+          <a:p>
+            <a:r>
+              <a:rPr lang="en-US" sz="1200" b="0" i="0" kern="1200" baseline="0" dirty="0" smtClean="0">
+                <a:solidFill>
+                  <a:schemeClr val="tx1"/>
+                </a:solidFill>
+                <a:effectLst/>
+                <a:latin typeface="+mn-lt"/>
+                <a:ea typeface="ＭＳ Ｐゴシック" charset="0"/>
+                <a:cs typeface="ＭＳ Ｐゴシック" charset="0"/>
+              </a:rPr>
+              <a:t>    - Provide a series of support services and facilities to allow these specialists to focus on their work.</a:t>
+            </a:r>
+          </a:p>
+          <a:p>
+            <a:endParaRPr lang="en-US" sz="1200" b="0" i="0" kern="1200" baseline="0" dirty="0" smtClean="0">
+              <a:solidFill>
+                <a:schemeClr val="tx1"/>
+              </a:solidFill>
+              <a:effectLst/>
+              <a:latin typeface="+mn-lt"/>
+              <a:ea typeface="ＭＳ Ｐゴシック" charset="0"/>
+              <a:cs typeface="ＭＳ Ｐゴシック" charset="0"/>
+            </a:endParaRPr>
+          </a:p>
+          <a:p>
+            <a:r>
+              <a:rPr lang="en-US" sz="1200" b="0" i="0" kern="1200" baseline="0" dirty="0" smtClean="0">
+                <a:solidFill>
+                  <a:schemeClr val="tx1"/>
+                </a:solidFill>
+                <a:effectLst/>
+                <a:latin typeface="+mn-lt"/>
+                <a:ea typeface="ＭＳ Ｐゴシック" charset="0"/>
+                <a:cs typeface="ＭＳ Ｐゴシック" charset="0"/>
+              </a:rPr>
+              <a:t>In support of these core missions, ACME must maintain or acquire secondary business services to:</a:t>
+            </a:r>
+          </a:p>
+          <a:p>
+            <a:r>
+              <a:rPr lang="en-US" sz="1200" b="0" i="0" kern="1200" baseline="0" dirty="0" smtClean="0">
+                <a:solidFill>
+                  <a:schemeClr val="tx1"/>
+                </a:solidFill>
+                <a:effectLst/>
+                <a:latin typeface="+mn-lt"/>
+                <a:ea typeface="ＭＳ Ｐゴシック" charset="0"/>
+                <a:cs typeface="ＭＳ Ｐゴシック" charset="0"/>
+              </a:rPr>
+              <a:t> - Manage finances.</a:t>
+            </a:r>
+          </a:p>
+          <a:p>
+            <a:r>
+              <a:rPr lang="en-US" sz="1200" b="0" i="0" kern="1200" baseline="0" dirty="0" smtClean="0">
+                <a:solidFill>
+                  <a:schemeClr val="tx1"/>
+                </a:solidFill>
+                <a:effectLst/>
+                <a:latin typeface="+mn-lt"/>
+                <a:ea typeface="ＭＳ Ｐゴシック" charset="0"/>
+                <a:cs typeface="ＭＳ Ｐゴシック" charset="0"/>
+              </a:rPr>
+              <a:t> - Support the coyotes in training.</a:t>
+            </a:r>
+          </a:p>
+          <a:p>
+            <a:r>
+              <a:rPr lang="en-US" sz="1200" b="0" i="0" kern="1200" baseline="0" dirty="0" smtClean="0">
+                <a:solidFill>
+                  <a:schemeClr val="tx1"/>
+                </a:solidFill>
+                <a:effectLst/>
+                <a:latin typeface="+mn-lt"/>
+                <a:ea typeface="ＭＳ Ｐゴシック" charset="0"/>
+                <a:cs typeface="ＭＳ Ｐゴシック" charset="0"/>
+              </a:rPr>
+              <a:t> - Support the individuals and teams that work on roadrunner innovations.</a:t>
+            </a:r>
+          </a:p>
+          <a:p>
+            <a:endParaRPr lang="en-US" sz="1200" b="0" i="0" kern="1200" baseline="0" dirty="0" smtClean="0">
+              <a:solidFill>
+                <a:schemeClr val="tx1"/>
+              </a:solidFill>
+              <a:effectLst/>
+              <a:latin typeface="+mn-lt"/>
+              <a:ea typeface="ＭＳ Ｐゴシック" charset="0"/>
+              <a:cs typeface="ＭＳ Ｐゴシック" charset="0"/>
+            </a:endParaRPr>
+          </a:p>
+          <a:p>
+            <a:r>
+              <a:rPr lang="en-US" sz="1200" b="0" i="0" kern="1200" baseline="0" dirty="0" smtClean="0">
+                <a:solidFill>
+                  <a:schemeClr val="tx1"/>
+                </a:solidFill>
+                <a:effectLst/>
+                <a:latin typeface="+mn-lt"/>
+                <a:ea typeface="ＭＳ Ｐゴシック" charset="0"/>
+                <a:cs typeface="ＭＳ Ｐゴシック" charset="0"/>
+              </a:rPr>
+              <a:t>In addition to this, ACME must maintain or acquire tertiary services to:</a:t>
+            </a:r>
+          </a:p>
+          <a:p>
+            <a:r>
+              <a:rPr lang="en-US" sz="1200" b="0" i="0" kern="1200" baseline="0" dirty="0" smtClean="0">
+                <a:solidFill>
+                  <a:schemeClr val="tx1"/>
+                </a:solidFill>
+                <a:effectLst/>
+                <a:latin typeface="+mn-lt"/>
+                <a:ea typeface="ＭＳ Ｐゴシック" charset="0"/>
+                <a:cs typeface="ＭＳ Ｐゴシック" charset="0"/>
+              </a:rPr>
+              <a:t> - Support the individuals that manage finances, support the coyotes, and support the innovators.</a:t>
+            </a:r>
+          </a:p>
+          <a:p>
+            <a:r>
+              <a:rPr lang="en-US" sz="1200" b="0" i="0" kern="1200" baseline="0" dirty="0" smtClean="0">
+                <a:solidFill>
+                  <a:schemeClr val="tx1"/>
+                </a:solidFill>
+                <a:effectLst/>
+                <a:latin typeface="+mn-lt"/>
+                <a:ea typeface="ＭＳ Ｐゴシック" charset="0"/>
+                <a:cs typeface="ＭＳ Ｐゴシック" charset="0"/>
+              </a:rPr>
+              <a:t> - Keep records and information about the activities of ACME Incorporated.</a:t>
+            </a:r>
+          </a:p>
+          <a:p>
+            <a:r>
+              <a:rPr lang="en-US" sz="1200" b="0" i="0" kern="1200" baseline="0" dirty="0" smtClean="0">
+                <a:solidFill>
+                  <a:schemeClr val="tx1"/>
+                </a:solidFill>
+                <a:effectLst/>
+                <a:latin typeface="+mn-lt"/>
+                <a:ea typeface="ＭＳ Ｐゴシック" charset="0"/>
+                <a:cs typeface="ＭＳ Ｐゴシック" charset="0"/>
+              </a:rPr>
+              <a:t> - Maintain a physical space for everyone to work (the ACME Incorporated campus).</a:t>
+            </a:r>
+          </a:p>
+          <a:p>
+            <a:r>
+              <a:rPr lang="en-US" sz="1200" b="0" i="0" kern="1200" baseline="0" dirty="0" smtClean="0">
+                <a:solidFill>
+                  <a:schemeClr val="tx1"/>
+                </a:solidFill>
+                <a:effectLst/>
+                <a:latin typeface="+mn-lt"/>
+                <a:ea typeface="ＭＳ Ｐゴシック" charset="0"/>
+                <a:cs typeface="ＭＳ Ｐゴシック" charset="0"/>
+              </a:rPr>
+              <a:t> - Create anvils, magic ‘tunnel’ paint, and other “tools of the trade.”</a:t>
+            </a:r>
+          </a:p>
+          <a:p>
+            <a:r>
+              <a:rPr lang="en-US" sz="1200" b="0" i="0" kern="1200" baseline="0" dirty="0" smtClean="0">
+                <a:solidFill>
+                  <a:schemeClr val="tx1"/>
+                </a:solidFill>
+                <a:effectLst/>
+                <a:latin typeface="+mn-lt"/>
+                <a:ea typeface="ＭＳ Ｐゴシック" charset="0"/>
+                <a:cs typeface="ＭＳ Ｐゴシック" charset="0"/>
+              </a:rPr>
+              <a:t> - Market, advertise, and seek support for the ACME mission.</a:t>
+            </a:r>
+          </a:p>
+          <a:p>
+            <a:r>
+              <a:rPr lang="en-US" sz="1200" b="0" i="0" kern="1200" baseline="0" dirty="0" smtClean="0">
+                <a:solidFill>
+                  <a:schemeClr val="tx1"/>
+                </a:solidFill>
+                <a:effectLst/>
+                <a:latin typeface="+mn-lt"/>
+                <a:ea typeface="ＭＳ Ｐゴシック" charset="0"/>
+                <a:cs typeface="ＭＳ Ｐゴシック" charset="0"/>
+              </a:rPr>
+              <a:t> - Plan how ACME will respond to changes in the world around it.</a:t>
+            </a:r>
+          </a:p>
+          <a:p>
+            <a:r>
+              <a:rPr lang="en-US" sz="1200" b="0" i="0" kern="1200" baseline="0" dirty="0" smtClean="0">
+                <a:solidFill>
+                  <a:schemeClr val="tx1"/>
+                </a:solidFill>
+                <a:effectLst/>
+                <a:latin typeface="+mn-lt"/>
+                <a:ea typeface="ＭＳ Ｐゴシック" charset="0"/>
+                <a:cs typeface="ＭＳ Ｐゴシック" charset="0"/>
+              </a:rPr>
+              <a:t> - Manage / Administer the whole orchestra of individuals that make up ACME.</a:t>
+            </a:r>
+          </a:p>
+          <a:p>
+            <a:endParaRPr lang="en-US" sz="1200" b="0" i="0" kern="1200" baseline="0" dirty="0" smtClean="0">
+              <a:solidFill>
+                <a:schemeClr val="tx1"/>
+              </a:solidFill>
+              <a:effectLst/>
+              <a:latin typeface="+mn-lt"/>
+              <a:ea typeface="ＭＳ Ｐゴシック" charset="0"/>
+              <a:cs typeface="ＭＳ Ｐゴシック" charset="0"/>
+            </a:endParaRPr>
+          </a:p>
+          <a:p>
+            <a:r>
+              <a:rPr lang="en-US" sz="1200" b="0" i="0" kern="1200" baseline="0" dirty="0" smtClean="0">
+                <a:solidFill>
+                  <a:schemeClr val="tx1"/>
+                </a:solidFill>
+                <a:effectLst/>
+                <a:latin typeface="+mn-lt"/>
+                <a:ea typeface="ＭＳ Ｐゴシック" charset="0"/>
+                <a:cs typeface="ＭＳ Ｐゴシック" charset="0"/>
+              </a:rPr>
+              <a:t>As ACME is a modern enterprise, business elements (functions, services, units) require technology to fulfill their mandate.</a:t>
+            </a:r>
+          </a:p>
+          <a:p>
+            <a:endParaRPr lang="en-US" sz="1200" b="0" i="0" kern="1200" baseline="0" dirty="0" smtClean="0">
+              <a:solidFill>
+                <a:schemeClr val="tx1"/>
+              </a:solidFill>
+              <a:effectLst/>
+              <a:latin typeface="+mn-lt"/>
+              <a:ea typeface="ＭＳ Ｐゴシック" charset="0"/>
+              <a:cs typeface="ＭＳ Ｐゴシック" charset="0"/>
+            </a:endParaRPr>
+          </a:p>
+          <a:p>
+            <a:r>
+              <a:rPr lang="en-US" sz="1200" b="0" i="0" kern="1200" baseline="0" dirty="0" smtClean="0">
+                <a:solidFill>
+                  <a:schemeClr val="tx1"/>
+                </a:solidFill>
+                <a:effectLst/>
+                <a:latin typeface="+mn-lt"/>
+                <a:ea typeface="ＭＳ Ｐゴシック" charset="0"/>
+                <a:cs typeface="ＭＳ Ｐゴシック" charset="0"/>
+              </a:rPr>
+              <a:t>This provides the basis for our story. With this basis in mind. we will discuss a common challenge experienced by every modern enterprise.</a:t>
+            </a:r>
+          </a:p>
+          <a:p>
+            <a:endParaRPr lang="en-US" sz="1200" b="0" i="0" kern="1200" baseline="0" dirty="0" smtClean="0">
+              <a:solidFill>
+                <a:schemeClr val="tx1"/>
+              </a:solidFill>
+              <a:effectLst/>
+              <a:latin typeface="+mn-lt"/>
+              <a:ea typeface="ＭＳ Ｐゴシック" charset="0"/>
+              <a:cs typeface="ＭＳ Ｐゴシック" charset="0"/>
+            </a:endParaRPr>
+          </a:p>
+          <a:p>
+            <a:r>
+              <a:rPr lang="en-US" sz="1200" b="0" i="0" kern="1200" baseline="0" dirty="0" smtClean="0">
+                <a:solidFill>
+                  <a:schemeClr val="tx1"/>
+                </a:solidFill>
+                <a:effectLst/>
+                <a:latin typeface="+mn-lt"/>
+                <a:ea typeface="ＭＳ Ｐゴシック" charset="0"/>
+                <a:cs typeface="ＭＳ Ｐゴシック" charset="0"/>
+              </a:rPr>
+              <a:t>In an effort to better serve the core missions of the enterprise, secondary and tertiary business elements are constantly on the look out to improve themselves. They want to be efficient and effective to better support the core mission of the enterprise.  To do this, changes to business processes and underlying technology are required.</a:t>
+            </a:r>
+          </a:p>
+          <a:p>
+            <a:endParaRPr lang="en-US" sz="1200" b="0" i="0" kern="1200" baseline="0" dirty="0" smtClean="0">
+              <a:solidFill>
+                <a:schemeClr val="tx1"/>
+              </a:solidFill>
+              <a:effectLst/>
+              <a:latin typeface="+mn-lt"/>
+              <a:ea typeface="ＭＳ Ｐゴシック" charset="0"/>
+              <a:cs typeface="ＭＳ Ｐゴシック" charset="0"/>
+            </a:endParaRPr>
+          </a:p>
+          <a:p>
+            <a:r>
+              <a:rPr lang="en-US" sz="1200" b="0" i="0" kern="1200" baseline="0" dirty="0" smtClean="0">
+                <a:solidFill>
+                  <a:schemeClr val="tx1"/>
+                </a:solidFill>
+                <a:effectLst/>
+                <a:latin typeface="+mn-lt"/>
+                <a:ea typeface="ＭＳ Ｐゴシック" charset="0"/>
+                <a:cs typeface="ＭＳ Ｐゴシック" charset="0"/>
+              </a:rPr>
+              <a:t>A business element has individuals working with technology the way it works today.  This is the referred to as the ‘current state’.  They have some combination of technologies that support their operations.  Often times other elements of the enterprise rely on these technologies for something local to them. Work flows from one business unit to another through different business services and processes that, ultimately, all rely on underlying technologies.  Sometimes that technology is paper and pen.  More often than not, as it is 2015, that technology is some combination of computer systems.</a:t>
+            </a:r>
+          </a:p>
+          <a:p>
+            <a:endParaRPr lang="en-US" sz="1200" b="0" i="0" kern="1200" baseline="0" dirty="0" smtClean="0">
+              <a:solidFill>
+                <a:schemeClr val="tx1"/>
+              </a:solidFill>
+              <a:effectLst/>
+              <a:latin typeface="+mn-lt"/>
+              <a:ea typeface="ＭＳ Ｐゴシック" charset="0"/>
+              <a:cs typeface="ＭＳ Ｐゴシック" charset="0"/>
+            </a:endParaRPr>
+          </a:p>
+          <a:p>
+            <a:r>
+              <a:rPr lang="en-US" sz="1200" b="0" i="0" kern="1200" baseline="0" dirty="0" smtClean="0">
+                <a:solidFill>
+                  <a:schemeClr val="tx1"/>
+                </a:solidFill>
+                <a:effectLst/>
+                <a:latin typeface="+mn-lt"/>
+                <a:ea typeface="ＭＳ Ｐゴシック" charset="0"/>
+                <a:cs typeface="ＭＳ Ｐゴシック" charset="0"/>
+              </a:rPr>
+              <a:t>One day a business element of the enterprise identifies some problem with their current technology. For this example we will point at the anvil makers in the ACME Anvil department. They have a production management system that keeps track of how many anvils are needed, when they are needed, and how much iron ore is needed to make them.  They realize that the tool they’ve been using for years fails to capture and validate some key information on the way into the production system.  They learned this the hard way after charging, creating, and delivering 200 anvils when the requestor only needed 2.  They’ve always known there was a problem with validation but they always cautioned users to be careful.  This one slipped through and, while it seems like a simple fix, the system vendor has moved on to a new version and doesn’t support changing the system they are running on.</a:t>
+            </a:r>
+          </a:p>
+          <a:p>
+            <a:endParaRPr lang="en-US" sz="1200" b="0" i="0" kern="1200" baseline="0" dirty="0" smtClean="0">
+              <a:solidFill>
+                <a:schemeClr val="tx1"/>
+              </a:solidFill>
+              <a:effectLst/>
+              <a:latin typeface="+mn-lt"/>
+              <a:ea typeface="ＭＳ Ｐゴシック" charset="0"/>
+              <a:cs typeface="ＭＳ Ｐゴシック" charset="0"/>
+            </a:endParaRPr>
+          </a:p>
+          <a:p>
+            <a:r>
+              <a:rPr lang="en-US" sz="1200" b="0" i="0" kern="1200" baseline="0" dirty="0" smtClean="0">
+                <a:solidFill>
+                  <a:schemeClr val="tx1"/>
+                </a:solidFill>
+                <a:effectLst/>
+                <a:latin typeface="+mn-lt"/>
+                <a:ea typeface="ＭＳ Ｐゴシック" charset="0"/>
+                <a:cs typeface="ＭＳ Ｐゴシック" charset="0"/>
+              </a:rPr>
+              <a:t>ACME Anvil has a decision to face. How do they fix the problem? As the problem is with the old production management system, they immediate think “let’s buy a new one.”  ACME’s anvil department then sets off on a journey to buy a new production management system. They issue an RFP that describes what their old system does with a special focus on that pesky capture and validation problem– they know their requirements “we need our old system plus these features.”</a:t>
+            </a:r>
+          </a:p>
+          <a:p>
+            <a:endParaRPr lang="en-US" sz="1200" b="0" i="0" kern="1200" baseline="0" dirty="0" smtClean="0">
+              <a:solidFill>
+                <a:schemeClr val="tx1"/>
+              </a:solidFill>
+              <a:effectLst/>
+              <a:latin typeface="+mn-lt"/>
+              <a:ea typeface="ＭＳ Ｐゴシック" charset="0"/>
+              <a:cs typeface="ＭＳ Ｐゴシック" charset="0"/>
+            </a:endParaRPr>
+          </a:p>
+          <a:p>
+            <a:r>
+              <a:rPr lang="en-US" sz="1200" b="0" i="0" kern="1200" baseline="0" dirty="0" smtClean="0">
+                <a:solidFill>
+                  <a:schemeClr val="tx1"/>
+                </a:solidFill>
+                <a:effectLst/>
+                <a:latin typeface="+mn-lt"/>
+                <a:ea typeface="ＭＳ Ｐゴシック" charset="0"/>
+                <a:cs typeface="ＭＳ Ｐゴシック" charset="0"/>
+              </a:rPr>
+              <a:t>When responses come in ACME is faced with a first question:  Cloud or On-Premise.  They decide on Cloud because it seems easy.  It won’t require them to worry about the ACME IT department (which always seems to be a bottleneck).  They can sign on the dotted line and get a new production management system.  They’ve made a decision to start a transition– they have an ‘intermediate state’ defined.</a:t>
+            </a:r>
+          </a:p>
+          <a:p>
+            <a:endParaRPr lang="en-US" sz="1200" b="0" i="0" kern="1200" baseline="0" dirty="0" smtClean="0">
+              <a:solidFill>
+                <a:schemeClr val="tx1"/>
+              </a:solidFill>
+              <a:effectLst/>
+              <a:latin typeface="+mn-lt"/>
+              <a:ea typeface="ＭＳ Ｐゴシック" charset="0"/>
+              <a:cs typeface="ＭＳ Ｐゴシック" charset="0"/>
+            </a:endParaRPr>
+          </a:p>
+          <a:p>
+            <a:r>
+              <a:rPr lang="en-US" sz="1200" b="0" i="0" kern="1200" baseline="0" dirty="0" smtClean="0">
+                <a:solidFill>
+                  <a:schemeClr val="tx1"/>
+                </a:solidFill>
+                <a:effectLst/>
+                <a:latin typeface="+mn-lt"/>
+                <a:ea typeface="ＭＳ Ｐゴシック" charset="0"/>
+                <a:cs typeface="ＭＳ Ｐゴシック" charset="0"/>
+              </a:rPr>
+              <a:t>Then implementation starts.  As this is a cloud solution it is up and running quickly. They get a login screen, create some accounts, and they are off to the races.  Anvils are being produced and there will never be a mistake again. Champagne for all!</a:t>
+            </a:r>
+          </a:p>
+          <a:p>
+            <a:endParaRPr lang="en-US" sz="1200" b="0" i="0" kern="1200" baseline="0" dirty="0" smtClean="0">
+              <a:solidFill>
+                <a:schemeClr val="tx1"/>
+              </a:solidFill>
+              <a:effectLst/>
+              <a:latin typeface="+mn-lt"/>
+              <a:ea typeface="ＭＳ Ｐゴシック" charset="0"/>
+              <a:cs typeface="ＭＳ Ｐゴシック" charset="0"/>
+            </a:endParaRPr>
+          </a:p>
+          <a:p>
+            <a:r>
+              <a:rPr lang="en-US" sz="1200" b="0" i="0" kern="1200" baseline="0" dirty="0" smtClean="0">
+                <a:solidFill>
+                  <a:schemeClr val="tx1"/>
+                </a:solidFill>
+                <a:effectLst/>
+                <a:latin typeface="+mn-lt"/>
+                <a:ea typeface="ＭＳ Ｐゴシック" charset="0"/>
+                <a:cs typeface="ＭＳ Ｐゴシック" charset="0"/>
+              </a:rPr>
+              <a:t>Three weeks go by when the anvil department receives their first phone call. The ACME finance department is phoning asking why the anvil department hasn’t validated their monthly expenses in the Finance system. After some calls they realize there was an old process that someone followed where they ran a report in the system and put the output of the report on a network share.  The person thought the new system dealt with that so didn’t mention it.  Turns out that old report does not exist in the new system. They scrape the bottom of their budget and contract the cloud provider to make the report for them.</a:t>
+            </a:r>
+          </a:p>
+          <a:p>
+            <a:endParaRPr lang="en-US" sz="1200" b="0" i="0" kern="1200" baseline="0" dirty="0" smtClean="0">
+              <a:solidFill>
+                <a:schemeClr val="tx1"/>
+              </a:solidFill>
+              <a:effectLst/>
+              <a:latin typeface="+mn-lt"/>
+              <a:ea typeface="ＭＳ Ｐゴシック" charset="0"/>
+              <a:cs typeface="ＭＳ Ｐゴシック" charset="0"/>
+            </a:endParaRPr>
+          </a:p>
+          <a:p>
+            <a:r>
+              <a:rPr lang="en-US" sz="1200" b="0" i="0" kern="1200" baseline="0" dirty="0" smtClean="0">
+                <a:solidFill>
+                  <a:schemeClr val="tx1"/>
+                </a:solidFill>
+                <a:effectLst/>
+                <a:latin typeface="+mn-lt"/>
+                <a:ea typeface="ＭＳ Ｐゴシック" charset="0"/>
+                <a:cs typeface="ＭＳ Ｐゴシック" charset="0"/>
+              </a:rPr>
+              <a:t>Then another couple weeks go by and they receive a call from the ACME police saying a former employee had been stopped with a car full of anvils.  They look at the production management system and realize that person had been asking for anvils to be made for weeks.  The anvil department phones HR to ask why they weren’t notified of this person’s departure.  The HR department tells them they don’t notify everyone, they update the central authentication system.  A couple more phone calls and the anvil department realizes they need IT to help configure the authentication system.  Luckily the protocol is supported by the cloud solution so anvil schedules some ‘emergency’ work with the ACME IT department.</a:t>
+            </a:r>
+          </a:p>
+          <a:p>
+            <a:endParaRPr lang="en-US" sz="1200" b="0" i="0" kern="1200" baseline="0" dirty="0" smtClean="0">
+              <a:solidFill>
+                <a:schemeClr val="tx1"/>
+              </a:solidFill>
+              <a:effectLst/>
+              <a:latin typeface="+mn-lt"/>
+              <a:ea typeface="ＭＳ Ｐゴシック" charset="0"/>
+              <a:cs typeface="ＭＳ Ｐゴシック" charset="0"/>
+            </a:endParaRPr>
+          </a:p>
+          <a:p>
+            <a:r>
+              <a:rPr lang="en-US" sz="1200" b="0" i="0" kern="1200" baseline="0" dirty="0" smtClean="0">
+                <a:solidFill>
+                  <a:schemeClr val="tx1"/>
+                </a:solidFill>
+                <a:effectLst/>
+                <a:latin typeface="+mn-lt"/>
+                <a:ea typeface="ＭＳ Ｐゴシック" charset="0"/>
+                <a:cs typeface="ＭＳ Ｐゴシック" charset="0"/>
+              </a:rPr>
+              <a:t>Next there is a phone call from an innovator.  They say they’ve figured out a brilliant new alloy for the anvils and they’d like to start asking for alloy anvils instead of iron.  The anvil department looks at the tool and realizes there is no way to set ‘alloy’ as an option so they tell the innovator to just use the ‘notes’ field in the submission form.  When they start looking through the production management system they realize that they can only track ordering of iron ore.  To track the alloy instead, they need to manually read all requests and see if they want alloy and order the alloy separate from the ore.</a:t>
+            </a:r>
+          </a:p>
+          <a:p>
+            <a:endParaRPr lang="en-US" sz="1200" b="0" i="0" kern="1200" baseline="0" dirty="0" smtClean="0">
+              <a:solidFill>
+                <a:schemeClr val="tx1"/>
+              </a:solidFill>
+              <a:effectLst/>
+              <a:latin typeface="+mn-lt"/>
+              <a:ea typeface="ＭＳ Ｐゴシック" charset="0"/>
+              <a:cs typeface="ＭＳ Ｐゴシック" charset="0"/>
+            </a:endParaRPr>
+          </a:p>
+          <a:p>
+            <a:r>
+              <a:rPr lang="en-US" sz="1200" b="0" i="0" kern="1200" baseline="0" dirty="0" smtClean="0">
+                <a:solidFill>
+                  <a:schemeClr val="tx1"/>
+                </a:solidFill>
+                <a:effectLst/>
+                <a:latin typeface="+mn-lt"/>
+                <a:ea typeface="ＭＳ Ｐゴシック" charset="0"/>
+                <a:cs typeface="ＭＳ Ｐゴシック" charset="0"/>
+              </a:rPr>
+              <a:t>Next the HR department calls. The auditors have reviewed the enterprise operations and ACME has had major problems with workplace injuries.  Anvils seem to be a major cause.  They ask the anvil department to initiate a training program to keep people from requesting anvil production without being ned.  They realize that their system does not support this and, so, they have to go shopping for a new system.  They pay a new vendor and the original cloud vendor to build a nice slick integrated anvil production management system with safety interlocks.</a:t>
+            </a:r>
+          </a:p>
+          <a:p>
+            <a:endParaRPr lang="en-US" sz="1200" b="0" i="0" kern="1200" baseline="0" dirty="0" smtClean="0">
+              <a:solidFill>
+                <a:schemeClr val="tx1"/>
+              </a:solidFill>
+              <a:effectLst/>
+              <a:latin typeface="+mn-lt"/>
+              <a:ea typeface="ＭＳ Ｐゴシック" charset="0"/>
+              <a:cs typeface="ＭＳ Ｐゴシック" charset="0"/>
+            </a:endParaRPr>
+          </a:p>
+          <a:p>
+            <a:r>
+              <a:rPr lang="en-US" sz="1200" b="0" i="0" kern="1200" baseline="0" dirty="0" smtClean="0">
+                <a:solidFill>
+                  <a:schemeClr val="tx1"/>
+                </a:solidFill>
+                <a:effectLst/>
+                <a:latin typeface="+mn-lt"/>
+                <a:ea typeface="ＭＳ Ｐゴシック" charset="0"/>
+                <a:cs typeface="ＭＳ Ｐゴシック" charset="0"/>
+              </a:rPr>
+              <a:t>Everything was good… for a time.</a:t>
+            </a:r>
+          </a:p>
+          <a:p>
+            <a:endParaRPr lang="en-US" sz="1200" b="0" i="0" kern="1200" baseline="0" dirty="0" smtClean="0">
+              <a:solidFill>
+                <a:schemeClr val="tx1"/>
+              </a:solidFill>
+              <a:effectLst/>
+              <a:latin typeface="+mn-lt"/>
+              <a:ea typeface="ＭＳ Ｐゴシック" charset="0"/>
+              <a:cs typeface="ＭＳ Ｐゴシック" charset="0"/>
+            </a:endParaRPr>
+          </a:p>
+          <a:p>
+            <a:r>
+              <a:rPr lang="en-US" sz="1200" b="0" i="0" kern="1200" baseline="0" dirty="0" smtClean="0">
+                <a:solidFill>
+                  <a:schemeClr val="tx1"/>
+                </a:solidFill>
+                <a:effectLst/>
+                <a:latin typeface="+mn-lt"/>
+                <a:ea typeface="ＭＳ Ｐゴシック" charset="0"/>
+                <a:cs typeface="ＭＳ Ｐゴシック" charset="0"/>
+              </a:rPr>
+              <a:t>Then the finance department called again.  They’ve got a new system coming.  The anvil department is told it will need to find money in its budget to upgrade the custom integration with the old system to support the new system.</a:t>
+            </a:r>
+          </a:p>
+          <a:p>
+            <a:endParaRPr lang="en-US" sz="1200" b="0" i="0" kern="1200" baseline="0" dirty="0" smtClean="0">
+              <a:solidFill>
+                <a:schemeClr val="tx1"/>
+              </a:solidFill>
+              <a:effectLst/>
+              <a:latin typeface="+mn-lt"/>
+              <a:ea typeface="ＭＳ Ｐゴシック" charset="0"/>
+              <a:cs typeface="ＭＳ Ｐゴシック" charset="0"/>
+            </a:endParaRPr>
+          </a:p>
+          <a:p>
+            <a:r>
+              <a:rPr lang="en-US" sz="1200" b="0" i="0" kern="1200" baseline="0" dirty="0" smtClean="0">
+                <a:solidFill>
+                  <a:schemeClr val="tx1"/>
+                </a:solidFill>
+                <a:effectLst/>
+                <a:latin typeface="+mn-lt"/>
+                <a:ea typeface="ＭＳ Ｐゴシック" charset="0"/>
+                <a:cs typeface="ＭＳ Ｐゴシック" charset="0"/>
+              </a:rPr>
+              <a:t>Not long after that, the HR department is calling again.  They’ve got a new system coming too.  They will need the anvil department to update their training system and integration to support the new system.</a:t>
+            </a:r>
+          </a:p>
+          <a:p>
+            <a:endParaRPr lang="en-US" sz="1200" b="0" i="0" kern="1200" baseline="0" dirty="0" smtClean="0">
+              <a:solidFill>
+                <a:schemeClr val="tx1"/>
+              </a:solidFill>
+              <a:effectLst/>
+              <a:latin typeface="+mn-lt"/>
+              <a:ea typeface="ＭＳ Ｐゴシック" charset="0"/>
+              <a:cs typeface="ＭＳ Ｐゴシック" charset="0"/>
+            </a:endParaRPr>
+          </a:p>
+          <a:p>
+            <a:r>
+              <a:rPr lang="en-US" sz="1200" b="0" i="0" kern="1200" baseline="0" dirty="0" smtClean="0">
+                <a:solidFill>
+                  <a:schemeClr val="tx1"/>
+                </a:solidFill>
+                <a:effectLst/>
+                <a:latin typeface="+mn-lt"/>
+                <a:ea typeface="ＭＳ Ｐゴシック" charset="0"/>
+                <a:cs typeface="ＭＳ Ｐゴシック" charset="0"/>
+              </a:rPr>
+              <a:t>No sooner than the HR department has hung up, the ACME police calling again.  There is another person with anvils that should not have them.  They discover an order number with the anvils that they trace back to a person named ‘</a:t>
+            </a:r>
+            <a:r>
+              <a:rPr lang="en-US" sz="1200" b="0" i="0" kern="1200" baseline="0" dirty="0" err="1" smtClean="0">
+                <a:solidFill>
+                  <a:schemeClr val="tx1"/>
+                </a:solidFill>
+                <a:effectLst/>
+                <a:latin typeface="+mn-lt"/>
+                <a:ea typeface="ＭＳ Ｐゴシック" charset="0"/>
+                <a:cs typeface="ＭＳ Ｐゴシック" charset="0"/>
+              </a:rPr>
+              <a:t>closetsystem</a:t>
+            </a:r>
+            <a:r>
+              <a:rPr lang="en-US" sz="1200" b="0" i="0" kern="1200" baseline="0" dirty="0" smtClean="0">
+                <a:solidFill>
+                  <a:schemeClr val="tx1"/>
+                </a:solidFill>
+                <a:effectLst/>
+                <a:latin typeface="+mn-lt"/>
+                <a:ea typeface="ＭＳ Ｐゴシック" charset="0"/>
+                <a:cs typeface="ＭＳ Ｐゴシック" charset="0"/>
+              </a:rPr>
+              <a:t>.’  They determine that one of the innovators has innovated around a problem– they’ve built an automatic system locally that orders anvils based on a camera taking pictures of a storage closet.</a:t>
+            </a:r>
+          </a:p>
+          <a:p>
+            <a:endParaRPr lang="en-US" sz="1200" b="0" i="0" kern="1200" baseline="0" dirty="0" smtClean="0">
+              <a:solidFill>
+                <a:schemeClr val="tx1"/>
+              </a:solidFill>
+              <a:effectLst/>
+              <a:latin typeface="+mn-lt"/>
+              <a:ea typeface="ＭＳ Ｐゴシック" charset="0"/>
+              <a:cs typeface="ＭＳ Ｐゴシック" charset="0"/>
+            </a:endParaRPr>
+          </a:p>
+        </p:txBody>
+      </p:sp>
+      <p:sp>
+        <p:nvSpPr>
+          <p:cNvPr id="4" name="Slide Number Placeholder 3"/>
+          <p:cNvSpPr>
+            <a:spLocks noGrp="1"/>
+          </p:cNvSpPr>
+          <p:nvPr>
+            <p:ph type="sldNum" sz="quarter" idx="10"/>
+          </p:nvPr>
+        </p:nvSpPr>
+        <p:spPr/>
+        <p:txBody>
+          <a:bodyPr/>
+          <a:lstStyle/>
+          <a:p>
+            <a:pPr>
+              <a:defRPr/>
+            </a:pPr>
+            <a:fld id="{2243CCA8-BAFD-7144-8E02-BD9119658895}" type="slidenum">
+              <a:rPr lang="en-US" smtClean="0"/>
+              <a:pPr>
+                <a:defRPr/>
+              </a:pPr>
+              <a:t>9</a:t>
+            </a:fld>
+            <a:endParaRPr lang="en-US"/>
+          </a:p>
+        </p:txBody>
+      </p:sp>
+    </p:spTree>
+    <p:extLst>
+      <p:ext uri="{BB962C8B-B14F-4D97-AF65-F5344CB8AC3E}">
+        <p14:creationId xmlns:p14="http://schemas.microsoft.com/office/powerpoint/2010/main" val="522773556"/>
+      </p:ext>
+    </p:extLst>
+  </p:cSld>
+  <p:clrMapOvr>
+    <a:masterClrMapping/>
+  </p:clrMapOvr>
+</p:notes>
+</file>
+
+<file path=ppt/notesSlides/notesSlide3.xml><?xml version="1.0" encoding="utf-8"?>
+<p:notes xmlns:a="http://schemas.openxmlformats.org/drawingml/2006/main" xmlns:r="http://schemas.openxmlformats.org/officeDocument/2006/relationships" xmlns:p="http://schemas.openxmlformats.org/presentationml/2006/main">
+  <p:cSld>
+    <p:spTree>
+      <p:nvGrpSpPr>
+        <p:cNvPr id="1" name=""/>
+        <p:cNvGrpSpPr/>
+        <p:nvPr/>
+      </p:nvGrpSpPr>
+      <p:grpSpPr>
+        <a:xfrm>
+          <a:off x="0" y="0"/>
+          <a:ext cx="0" cy="0"/>
+          <a:chOff x="0" y="0"/>
+          <a:chExt cx="0" cy="0"/>
+        </a:xfrm>
+      </p:grpSpPr>
+      <p:sp>
+        <p:nvSpPr>
           <p:cNvPr id="13313" name="Slide Image Placeholder 1"/>
           <p:cNvSpPr>
             <a:spLocks noGrp="1" noRot="1" noChangeAspect="1"/>
@@ -6702,15 +7613,15 @@
             <a:tailEnd/>
           </a:ln>
           <a:extLst>
+            <a:ext uri="{FAA26D3D-D897-4be2-8F04-BA451C77F1D7}">
+              <ma14:placeholderFlag xmlns:ma14="http://schemas.microsoft.com/office/mac/drawingml/2011/main" val="1"/>
+            </a:ext>
             <a:ext uri="{909E8E84-426E-40dd-AFC4-6F175D3DCCD1}">
-              <a14:hiddenFill xmlns:a14="http://schemas.microsoft.com/office/drawing/2010/main">
+              <a14:hiddenFill xmlns:a14="http://schemas.microsoft.com/office/drawing/2010/main" xmlns="">
                 <a:solidFill>
                   <a:srgbClr val="FFFFFF"/>
                 </a:solidFill>
               </a14:hiddenFill>
-            </a:ext>
-            <a:ext uri="{FAA26D3D-D897-4be2-8F04-BA451C77F1D7}">
-              <ma14:placeholderFlag xmlns:ma14="http://schemas.microsoft.com/office/mac/drawingml/2011/main" val="1"/>
             </a:ext>
           </a:extLst>
         </p:spPr>
@@ -6728,14 +7639,14 @@
         <p:spPr bwMode="auto">
           <a:extLst>
             <a:ext uri="{909E8E84-426E-40dd-AFC4-6F175D3DCCD1}">
-              <a14:hiddenFill xmlns:a14="http://schemas.microsoft.com/office/drawing/2010/main">
+              <a14:hiddenFill xmlns:a14="http://schemas.microsoft.com/office/drawing/2010/main" xmlns="">
                 <a:solidFill>
                   <a:srgbClr val="FFFFFF"/>
                 </a:solidFill>
               </a14:hiddenFill>
             </a:ext>
             <a:ext uri="{91240B29-F687-4f45-9708-019B960494DF}">
-              <a14:hiddenLine xmlns:a14="http://schemas.microsoft.com/office/drawing/2010/main" w="9525">
+              <a14:hiddenLine xmlns:a14="http://schemas.microsoft.com/office/drawing/2010/main" xmlns="" w="9525">
                 <a:solidFill>
                   <a:srgbClr val="000000"/>
                 </a:solidFill>
@@ -6828,14 +7739,14 @@
           <a:noFill/>
           <a:extLst>
             <a:ext uri="{909E8E84-426E-40dd-AFC4-6F175D3DCCD1}">
-              <a14:hiddenFill xmlns:a14="http://schemas.microsoft.com/office/drawing/2010/main">
+              <a14:hiddenFill xmlns:a14="http://schemas.microsoft.com/office/drawing/2010/main" xmlns="">
                 <a:solidFill>
                   <a:srgbClr val="FFFFFF"/>
                 </a:solidFill>
               </a14:hiddenFill>
             </a:ext>
             <a:ext uri="{91240B29-F687-4f45-9708-019B960494DF}">
-              <a14:hiddenLine xmlns:a14="http://schemas.microsoft.com/office/drawing/2010/main" w="9525">
+              <a14:hiddenLine xmlns:a14="http://schemas.microsoft.com/office/drawing/2010/main" xmlns="" w="9525">
                 <a:solidFill>
                   <a:srgbClr val="000000"/>
                 </a:solidFill>
@@ -6979,7 +7890,7 @@
                   <a:spcPct val="0"/>
                 </a:spcAft>
               </a:pPr>
-              <a:t>25</a:t>
+              <a:t>22</a:t>
             </a:fld>
             <a:endParaRPr lang="en-US" sz="1200"/>
           </a:p>
@@ -8354,14 +9265,14 @@
           </a:ln>
           <a:extLst>
             <a:ext uri="{909E8E84-426E-40dd-AFC4-6F175D3DCCD1}">
-              <a14:hiddenFill xmlns:a14="http://schemas.microsoft.com/office/drawing/2010/main">
+              <a14:hiddenFill xmlns:a14="http://schemas.microsoft.com/office/drawing/2010/main" xmlns="">
                 <a:solidFill>
                   <a:srgbClr val="FFFFFF"/>
                 </a:solidFill>
               </a14:hiddenFill>
             </a:ext>
             <a:ext uri="{91240B29-F687-4f45-9708-019B960494DF}">
-              <a14:hiddenLine xmlns:a14="http://schemas.microsoft.com/office/drawing/2010/main" w="9525">
+              <a14:hiddenLine xmlns:a14="http://schemas.microsoft.com/office/drawing/2010/main" xmlns="" w="9525">
                 <a:solidFill>
                   <a:srgbClr val="000000"/>
                 </a:solidFill>
@@ -9078,7 +9989,7 @@
   <p:clrMapOvr>
     <a:masterClrMapping/>
   </p:clrMapOvr>
-  <p:transition xmlns:p14="http://schemas.microsoft.com/office/powerpoint/2010/main">
+  <p:transition>
     <p:fade/>
   </p:transition>
 </p:sldLayout>
@@ -9141,14 +10052,14 @@
           </a:ln>
           <a:extLst>
             <a:ext uri="{909E8E84-426E-40dd-AFC4-6F175D3DCCD1}">
-              <a14:hiddenFill xmlns:a14="http://schemas.microsoft.com/office/drawing/2010/main">
+              <a14:hiddenFill xmlns:a14="http://schemas.microsoft.com/office/drawing/2010/main" xmlns="">
                 <a:solidFill>
                   <a:srgbClr val="FFFFFF"/>
                 </a:solidFill>
               </a14:hiddenFill>
             </a:ext>
             <a:ext uri="{91240B29-F687-4f45-9708-019B960494DF}">
-              <a14:hiddenLine xmlns:a14="http://schemas.microsoft.com/office/drawing/2010/main" w="9525">
+              <a14:hiddenLine xmlns:a14="http://schemas.microsoft.com/office/drawing/2010/main" xmlns="" w="9525">
                 <a:solidFill>
                   <a:srgbClr val="000000"/>
                 </a:solidFill>
@@ -9439,7 +10350,7 @@
   <p:timing>
     <p:tnLst>
       <p:par>
-        <p:cTn xmlns:p14="http://schemas.microsoft.com/office/powerpoint/2010/main" id="1" dur="indefinite" restart="never" nodeType="tmRoot"/>
+        <p:cTn id="1" dur="indefinite" restart="never" nodeType="tmRoot"/>
       </p:par>
     </p:tnLst>
   </p:timing>
@@ -10008,7 +10919,7 @@
   <p:timing>
     <p:tnLst>
       <p:par>
-        <p:cTn xmlns:p14="http://schemas.microsoft.com/office/powerpoint/2010/main" id="1" dur="indefinite" restart="never" nodeType="tmRoot"/>
+        <p:cTn id="1" dur="indefinite" restart="never" nodeType="tmRoot"/>
       </p:par>
     </p:tnLst>
   </p:timing>
@@ -10067,7 +10978,9 @@
         </p:nvSpPr>
         <p:spPr/>
         <p:txBody>
-          <a:bodyPr/>
+          <a:bodyPr>
+            <a:normAutofit fontScale="92500"/>
+          </a:bodyPr>
           <a:lstStyle/>
           <a:p>
             <a:pPr marL="0" indent="0">
@@ -10084,7 +10997,46 @@
             </a:pPr>
             <a:r>
               <a:rPr lang="en-US" dirty="0" smtClean="0"/>
-              <a:t>“We bought it.”   (Cloud vs. On-Premise)</a:t>
+              <a:t>“Does it do Y?   No.  But you could do it this way.”</a:t>
+            </a:r>
+          </a:p>
+          <a:p>
+            <a:pPr marL="0" indent="0">
+              <a:buNone/>
+            </a:pPr>
+            <a:r>
+              <a:rPr lang="en-US" dirty="0" smtClean="0"/>
+              <a:t>“How about Z?    No.  We’ll need another tool.”</a:t>
+            </a:r>
+          </a:p>
+          <a:p>
+            <a:pPr marL="0" indent="0">
+              <a:buNone/>
+            </a:pPr>
+            <a:endParaRPr lang="en-US" dirty="0"/>
+          </a:p>
+          <a:p>
+            <a:pPr marL="0" indent="0">
+              <a:buNone/>
+            </a:pPr>
+            <a:r>
+              <a:rPr lang="en-US" dirty="0" smtClean="0"/>
+              <a:t>“Can it hold information Q?  No.  Maybe put it in this field.”</a:t>
+            </a:r>
+          </a:p>
+          <a:p>
+            <a:pPr marL="0" indent="0">
+              <a:buNone/>
+            </a:pPr>
+            <a:endParaRPr lang="en-US" dirty="0"/>
+          </a:p>
+          <a:p>
+            <a:pPr marL="0" indent="0">
+              <a:buNone/>
+            </a:pPr>
+            <a:r>
+              <a:rPr lang="en-US" dirty="0" smtClean="0"/>
+              <a:t>“Can it integrate with this system?  Not without custom work. </a:t>
             </a:r>
             <a:endParaRPr lang="en-US" dirty="0"/>
           </a:p>
@@ -10119,7 +11071,7 @@
     </p:spTree>
     <p:extLst>
       <p:ext uri="{BB962C8B-B14F-4D97-AF65-F5344CB8AC3E}">
-        <p14:creationId xmlns:p14="http://schemas.microsoft.com/office/powerpoint/2010/main" val="192984252"/>
+        <p14:creationId xmlns:p14="http://schemas.microsoft.com/office/powerpoint/2010/main" val="3751524969"/>
       </p:ext>
     </p:extLst>
   </p:cSld>
@@ -10181,7 +11133,9 @@
         </p:nvSpPr>
         <p:spPr/>
         <p:txBody>
-          <a:bodyPr/>
+          <a:bodyPr>
+            <a:normAutofit/>
+          </a:bodyPr>
           <a:lstStyle/>
           <a:p>
             <a:pPr marL="0" indent="0">
@@ -10198,9 +11152,39 @@
             </a:pPr>
             <a:r>
               <a:rPr lang="en-US" dirty="0" smtClean="0"/>
-              <a:t>“Yay!  It’s running!”</a:t>
-            </a:r>
-            <a:endParaRPr lang="en-US" dirty="0"/>
+              <a:t>“I don’t like the button there.  I want it to work like this.”   </a:t>
+            </a:r>
+            <a:r>
+              <a:rPr lang="is-IS" dirty="0" smtClean="0"/>
+              <a:t>…  “Fine, I’ll build my own.”</a:t>
+            </a:r>
+          </a:p>
+          <a:p>
+            <a:pPr marL="0" indent="0">
+              <a:buNone/>
+            </a:pPr>
+            <a:endParaRPr lang="is-IS" dirty="0"/>
+          </a:p>
+          <a:p>
+            <a:pPr marL="0" indent="0">
+              <a:buNone/>
+            </a:pPr>
+            <a:r>
+              <a:rPr lang="is-IS" dirty="0" smtClean="0"/>
+              <a:t>...   “But I’ll need a data feed.”</a:t>
+            </a:r>
+          </a:p>
+          <a:p>
+            <a:pPr marL="0" indent="0">
+              <a:buNone/>
+            </a:pPr>
+            <a:endParaRPr lang="is-IS" dirty="0"/>
+          </a:p>
+          <a:p>
+            <a:pPr marL="0" indent="0">
+              <a:buNone/>
+            </a:pPr>
+            <a:endParaRPr lang="en-US" dirty="0" smtClean="0"/>
           </a:p>
         </p:txBody>
       </p:sp>
@@ -10233,7 +11217,7 @@
     </p:spTree>
     <p:extLst>
       <p:ext uri="{BB962C8B-B14F-4D97-AF65-F5344CB8AC3E}">
-        <p14:creationId xmlns:p14="http://schemas.microsoft.com/office/powerpoint/2010/main" val="3865541440"/>
+        <p14:creationId xmlns:p14="http://schemas.microsoft.com/office/powerpoint/2010/main" val="3427193202"/>
       </p:ext>
     </p:extLst>
   </p:cSld>
@@ -10295,7 +11279,9 @@
         </p:nvSpPr>
         <p:spPr/>
         <p:txBody>
-          <a:bodyPr/>
+          <a:bodyPr>
+            <a:normAutofit/>
+          </a:bodyPr>
           <a:lstStyle/>
           <a:p>
             <a:pPr marL="0" indent="0">
@@ -10311,10 +11297,31 @@
               <a:buNone/>
             </a:pPr>
             <a:r>
-              <a:rPr lang="en-US" dirty="0" smtClean="0"/>
-              <a:t>“Yay! It’s running!  Champagne for all.”</a:t>
-            </a:r>
-            <a:endParaRPr lang="en-US" dirty="0"/>
+              <a:rPr lang="is-IS" dirty="0" smtClean="0"/>
+              <a:t>“Spaghetti Architecture diagram.”</a:t>
+            </a:r>
+          </a:p>
+          <a:p>
+            <a:pPr marL="0" indent="0">
+              <a:buNone/>
+            </a:pPr>
+            <a:endParaRPr lang="is-IS" dirty="0"/>
+          </a:p>
+          <a:p>
+            <a:pPr marL="0" indent="0">
+              <a:buNone/>
+            </a:pPr>
+            <a:r>
+              <a:rPr lang="is-IS" dirty="0" smtClean="0"/>
+              <a:t>“Spaghetti Architecture at scale diagram.”</a:t>
+            </a:r>
+            <a:endParaRPr lang="is-IS" dirty="0"/>
+          </a:p>
+          <a:p>
+            <a:pPr marL="0" indent="0">
+              <a:buNone/>
+            </a:pPr>
+            <a:endParaRPr lang="en-US" dirty="0" smtClean="0"/>
           </a:p>
         </p:txBody>
       </p:sp>
@@ -10347,7 +11354,7 @@
     </p:spTree>
     <p:extLst>
       <p:ext uri="{BB962C8B-B14F-4D97-AF65-F5344CB8AC3E}">
-        <p14:creationId xmlns:p14="http://schemas.microsoft.com/office/powerpoint/2010/main" val="106517387"/>
+        <p14:creationId xmlns:p14="http://schemas.microsoft.com/office/powerpoint/2010/main" val="4263207760"/>
       </p:ext>
     </p:extLst>
   </p:cSld>
@@ -10410,7 +11417,7 @@
         <p:spPr/>
         <p:txBody>
           <a:bodyPr>
-            <a:normAutofit fontScale="92500"/>
+            <a:normAutofit/>
           </a:bodyPr>
           <a:lstStyle/>
           <a:p>
@@ -10428,16 +11435,7 @@
             </a:pPr>
             <a:r>
               <a:rPr lang="en-US" dirty="0" smtClean="0"/>
-              <a:t>“Does it do Y?   No.  But you could do it this way.”</a:t>
-            </a:r>
-          </a:p>
-          <a:p>
-            <a:pPr marL="0" indent="0">
-              <a:buNone/>
-            </a:pPr>
-            <a:r>
-              <a:rPr lang="en-US" dirty="0" smtClean="0"/>
-              <a:t>“How about Z?    No.  We’ll need another tool.”</a:t>
+              <a:t>“What went wrong?”</a:t>
             </a:r>
           </a:p>
           <a:p>
@@ -10452,24 +11450,13 @@
             </a:pPr>
             <a:r>
               <a:rPr lang="en-US" dirty="0" smtClean="0"/>
-              <a:t>“Can it hold information Q?  No.  Maybe put it in this field.”</a:t>
-            </a:r>
-          </a:p>
-          <a:p>
-            <a:pPr marL="0" indent="0">
-              <a:buNone/>
-            </a:pPr>
-            <a:endParaRPr lang="en-US" dirty="0"/>
-          </a:p>
-          <a:p>
-            <a:pPr marL="0" indent="0">
-              <a:buNone/>
-            </a:pPr>
-            <a:r>
-              <a:rPr lang="en-US" dirty="0" smtClean="0"/>
-              <a:t>“Can it integrate with this system?  Not without custom work. </a:t>
-            </a:r>
-            <a:endParaRPr lang="en-US" dirty="0"/>
+              <a:t>NEEDS </a:t>
+            </a:r>
+            <a:r>
+              <a:rPr lang="is-IS" dirty="0" smtClean="0"/>
+              <a:t>… not of the users but, ultimately, of the mission of the University.</a:t>
+            </a:r>
+            <a:endParaRPr lang="en-US" dirty="0" smtClean="0"/>
           </a:p>
         </p:txBody>
       </p:sp>
@@ -10502,7 +11489,7 @@
     </p:spTree>
     <p:extLst>
       <p:ext uri="{BB962C8B-B14F-4D97-AF65-F5344CB8AC3E}">
-        <p14:creationId xmlns:p14="http://schemas.microsoft.com/office/powerpoint/2010/main" val="3751524969"/>
+        <p14:creationId xmlns:p14="http://schemas.microsoft.com/office/powerpoint/2010/main" val="3010692526"/>
       </p:ext>
     </p:extLst>
   </p:cSld>
@@ -10574,48 +11561,54 @@
             </a:pPr>
             <a:r>
               <a:rPr lang="en-US" dirty="0" smtClean="0"/>
-              <a:t>Story:</a:t>
-            </a:r>
-          </a:p>
-          <a:p>
-            <a:pPr marL="0" indent="0">
-              <a:buNone/>
-            </a:pPr>
-            <a:r>
-              <a:rPr lang="en-US" dirty="0" smtClean="0"/>
-              <a:t>“I don’t like the button there.  I want it to work like this.”   </a:t>
-            </a:r>
-            <a:r>
-              <a:rPr lang="is-IS" dirty="0" smtClean="0"/>
-              <a:t>…  “Fine, I’ll build my own.”</a:t>
-            </a:r>
-          </a:p>
-          <a:p>
-            <a:pPr marL="0" indent="0">
-              <a:buNone/>
-            </a:pPr>
-            <a:endParaRPr lang="is-IS" dirty="0"/>
-          </a:p>
-          <a:p>
-            <a:pPr marL="0" indent="0">
-              <a:buNone/>
-            </a:pPr>
-            <a:r>
-              <a:rPr lang="is-IS" dirty="0" smtClean="0"/>
-              <a:t>...   “But I’ll need a data feed.”</a:t>
-            </a:r>
-          </a:p>
-          <a:p>
-            <a:pPr marL="0" indent="0">
-              <a:buNone/>
-            </a:pPr>
-            <a:endParaRPr lang="is-IS" dirty="0"/>
+              <a:t>This is where EA comes in.  Objective of EA:</a:t>
+            </a:r>
           </a:p>
           <a:p>
             <a:pPr marL="0" indent="0">
               <a:buNone/>
             </a:pPr>
             <a:endParaRPr lang="en-US" dirty="0" smtClean="0"/>
+          </a:p>
+          <a:p>
+            <a:r>
+              <a:rPr lang="en-US" dirty="0" smtClean="0"/>
+              <a:t>Draw clear lines to ‘align’ Business need (mission) with IT capability.</a:t>
+            </a:r>
+          </a:p>
+          <a:p>
+            <a:r>
+              <a:rPr lang="en-US" dirty="0" smtClean="0"/>
+              <a:t>Provide components that are:</a:t>
+            </a:r>
+          </a:p>
+          <a:p>
+            <a:pPr lvl="1"/>
+            <a:r>
+              <a:rPr lang="en-US" dirty="0" smtClean="0"/>
+              <a:t>Robust</a:t>
+            </a:r>
+          </a:p>
+          <a:p>
+            <a:pPr lvl="1"/>
+            <a:r>
+              <a:rPr lang="en-US" dirty="0" smtClean="0"/>
+              <a:t>Extensible</a:t>
+            </a:r>
+          </a:p>
+          <a:p>
+            <a:pPr lvl="1"/>
+            <a:r>
+              <a:rPr lang="en-US" dirty="0" smtClean="0"/>
+              <a:t>Scalable</a:t>
+            </a:r>
+          </a:p>
+          <a:p>
+            <a:pPr lvl="1"/>
+            <a:r>
+              <a:rPr lang="en-US" dirty="0" smtClean="0"/>
+              <a:t>Reusable </a:t>
+            </a:r>
           </a:p>
         </p:txBody>
       </p:sp>
@@ -10648,7 +11641,7 @@
     </p:spTree>
     <p:extLst>
       <p:ext uri="{BB962C8B-B14F-4D97-AF65-F5344CB8AC3E}">
-        <p14:creationId xmlns:p14="http://schemas.microsoft.com/office/powerpoint/2010/main" val="3427193202"/>
+        <p14:creationId xmlns:p14="http://schemas.microsoft.com/office/powerpoint/2010/main" val="3472154492"/>
       </p:ext>
     </p:extLst>
   </p:cSld>
@@ -10720,39 +11713,54 @@
             </a:pPr>
             <a:r>
               <a:rPr lang="en-US" dirty="0" smtClean="0"/>
-              <a:t>Story:</a:t>
-            </a:r>
-          </a:p>
-          <a:p>
-            <a:pPr marL="0" indent="0">
-              <a:buNone/>
-            </a:pPr>
-            <a:r>
-              <a:rPr lang="is-IS" dirty="0" smtClean="0"/>
-              <a:t>“Spaghetti Architecture diagram.”</a:t>
-            </a:r>
-          </a:p>
-          <a:p>
-            <a:pPr marL="0" indent="0">
-              <a:buNone/>
-            </a:pPr>
-            <a:endParaRPr lang="is-IS" dirty="0"/>
-          </a:p>
-          <a:p>
-            <a:pPr marL="0" indent="0">
-              <a:buNone/>
-            </a:pPr>
-            <a:r>
-              <a:rPr lang="is-IS" dirty="0" smtClean="0"/>
-              <a:t>“Spaghetti Architecture at scale diagram.”</a:t>
-            </a:r>
-            <a:endParaRPr lang="is-IS" dirty="0"/>
+              <a:t>This is where EA comes in.  Objective of EA:</a:t>
+            </a:r>
           </a:p>
           <a:p>
             <a:pPr marL="0" indent="0">
               <a:buNone/>
             </a:pPr>
             <a:endParaRPr lang="en-US" dirty="0" smtClean="0"/>
+          </a:p>
+          <a:p>
+            <a:r>
+              <a:rPr lang="en-US" dirty="0" smtClean="0"/>
+              <a:t>Draw clear lines to ‘align’ Business need (mission) with IT capability.</a:t>
+            </a:r>
+          </a:p>
+          <a:p>
+            <a:r>
+              <a:rPr lang="en-US" dirty="0" smtClean="0"/>
+              <a:t>Provide components that are:</a:t>
+            </a:r>
+          </a:p>
+          <a:p>
+            <a:pPr lvl="1"/>
+            <a:r>
+              <a:rPr lang="en-US" dirty="0" smtClean="0"/>
+              <a:t>Robust</a:t>
+            </a:r>
+          </a:p>
+          <a:p>
+            <a:pPr lvl="1"/>
+            <a:r>
+              <a:rPr lang="en-US" dirty="0" smtClean="0"/>
+              <a:t>Extensible</a:t>
+            </a:r>
+          </a:p>
+          <a:p>
+            <a:pPr lvl="1"/>
+            <a:r>
+              <a:rPr lang="en-US" dirty="0" smtClean="0"/>
+              <a:t>Scalable</a:t>
+            </a:r>
+          </a:p>
+          <a:p>
+            <a:pPr lvl="1"/>
+            <a:r>
+              <a:rPr lang="en-US" dirty="0" smtClean="0"/>
+              <a:t>Reusable </a:t>
+            </a:r>
           </a:p>
         </p:txBody>
       </p:sp>
@@ -10785,7 +11793,7 @@
     </p:spTree>
     <p:extLst>
       <p:ext uri="{BB962C8B-B14F-4D97-AF65-F5344CB8AC3E}">
-        <p14:creationId xmlns:p14="http://schemas.microsoft.com/office/powerpoint/2010/main" val="4263207760"/>
+        <p14:creationId xmlns:p14="http://schemas.microsoft.com/office/powerpoint/2010/main" val="1154092908"/>
       </p:ext>
     </p:extLst>
   </p:cSld>
@@ -10822,72 +11830,22 @@
             <p:ph type="title"/>
           </p:nvPr>
         </p:nvSpPr>
-        <p:spPr/>
+        <p:spPr>
+          <a:xfrm>
+            <a:off x="457200" y="2492520"/>
+            <a:ext cx="8229600" cy="1143000"/>
+          </a:xfrm>
+        </p:spPr>
         <p:txBody>
           <a:bodyPr/>
           <a:lstStyle/>
           <a:p>
+            <a:pPr algn="ctr"/>
             <a:r>
               <a:rPr lang="en-US" dirty="0" smtClean="0"/>
-              <a:t>Why – EA Value Proposition</a:t>
+              <a:t>WHAT?</a:t>
             </a:r>
             <a:endParaRPr lang="en-US" dirty="0"/>
-          </a:p>
-        </p:txBody>
-      </p:sp>
-      <p:sp>
-        <p:nvSpPr>
-          <p:cNvPr id="3" name="Content Placeholder 2"/>
-          <p:cNvSpPr>
-            <a:spLocks noGrp="1"/>
-          </p:cNvSpPr>
-          <p:nvPr>
-            <p:ph idx="1"/>
-          </p:nvPr>
-        </p:nvSpPr>
-        <p:spPr/>
-        <p:txBody>
-          <a:bodyPr>
-            <a:normAutofit/>
-          </a:bodyPr>
-          <a:lstStyle/>
-          <a:p>
-            <a:pPr marL="0" indent="0">
-              <a:buNone/>
-            </a:pPr>
-            <a:r>
-              <a:rPr lang="en-US" dirty="0" smtClean="0"/>
-              <a:t>Story:</a:t>
-            </a:r>
-          </a:p>
-          <a:p>
-            <a:pPr marL="0" indent="0">
-              <a:buNone/>
-            </a:pPr>
-            <a:r>
-              <a:rPr lang="en-US" dirty="0" smtClean="0"/>
-              <a:t>“What went wrong?”</a:t>
-            </a:r>
-          </a:p>
-          <a:p>
-            <a:pPr marL="0" indent="0">
-              <a:buNone/>
-            </a:pPr>
-            <a:endParaRPr lang="en-US" dirty="0"/>
-          </a:p>
-          <a:p>
-            <a:pPr marL="0" indent="0">
-              <a:buNone/>
-            </a:pPr>
-            <a:r>
-              <a:rPr lang="en-US" dirty="0" smtClean="0"/>
-              <a:t>NEEDS </a:t>
-            </a:r>
-            <a:r>
-              <a:rPr lang="is-IS" dirty="0" smtClean="0"/>
-              <a:t>… not of the users but, ultimately, of the mission of the University.</a:t>
-            </a:r>
-            <a:endParaRPr lang="en-US" dirty="0" smtClean="0"/>
           </a:p>
         </p:txBody>
       </p:sp>
@@ -10920,7 +11878,7 @@
     </p:spTree>
     <p:extLst>
       <p:ext uri="{BB962C8B-B14F-4D97-AF65-F5344CB8AC3E}">
-        <p14:creationId xmlns:p14="http://schemas.microsoft.com/office/powerpoint/2010/main" val="3010692526"/>
+        <p14:creationId xmlns:p14="http://schemas.microsoft.com/office/powerpoint/2010/main" val="1174273634"/>
       </p:ext>
     </p:extLst>
   </p:cSld>
@@ -10962,10 +11920,6 @@
           <a:bodyPr/>
           <a:lstStyle/>
           <a:p>
-            <a:r>
-              <a:rPr lang="en-US" dirty="0" smtClean="0"/>
-              <a:t>Why – EA Value Proposition</a:t>
-            </a:r>
             <a:endParaRPr lang="en-US" dirty="0"/>
           </a:p>
         </p:txBody>
@@ -10982,64 +11936,10 @@
         </p:nvSpPr>
         <p:spPr/>
         <p:txBody>
-          <a:bodyPr>
-            <a:normAutofit/>
-          </a:bodyPr>
+          <a:bodyPr/>
           <a:lstStyle/>
           <a:p>
-            <a:pPr marL="0" indent="0">
-              <a:buNone/>
-            </a:pPr>
-            <a:r>
-              <a:rPr lang="en-US" dirty="0" smtClean="0"/>
-              <a:t>This is where EA comes in.  Objective of EA:</a:t>
-            </a:r>
-          </a:p>
-          <a:p>
-            <a:pPr marL="0" indent="0">
-              <a:buNone/>
-            </a:pPr>
-            <a:endParaRPr lang="en-US" dirty="0" smtClean="0"/>
-          </a:p>
-          <a:p>
-            <a:r>
-              <a:rPr lang="en-US" dirty="0" smtClean="0"/>
-              <a:t>Draw clear lines to ‘align’ Business need (mission) with IT capability.</a:t>
-            </a:r>
-          </a:p>
-          <a:p>
-            <a:r>
-              <a:rPr lang="en-US" dirty="0" smtClean="0"/>
-              <a:t>Provide components that are:</a:t>
-            </a:r>
-          </a:p>
-          <a:p>
-            <a:pPr lvl="1"/>
-            <a:r>
-              <a:rPr lang="en-US" dirty="0" smtClean="0"/>
-              <a:t>Robust</a:t>
-            </a:r>
-          </a:p>
-          <a:p>
-            <a:pPr lvl="1"/>
-            <a:r>
-              <a:rPr lang="en-US" dirty="0" smtClean="0"/>
-              <a:t>Extensible</a:t>
-            </a:r>
-          </a:p>
-          <a:p>
-            <a:pPr lvl="1"/>
-            <a:r>
-              <a:rPr lang="en-US" dirty="0" smtClean="0"/>
-              <a:t>Scalable</a:t>
-            </a:r>
-          </a:p>
-          <a:p>
-            <a:pPr lvl="1"/>
-            <a:r>
-              <a:rPr lang="en-US" dirty="0" smtClean="0"/>
-              <a:t>Reusable </a:t>
-            </a:r>
+            <a:endParaRPr lang="en-US" dirty="0"/>
           </a:p>
         </p:txBody>
       </p:sp>
@@ -11072,7 +11972,7 @@
     </p:spTree>
     <p:extLst>
       <p:ext uri="{BB962C8B-B14F-4D97-AF65-F5344CB8AC3E}">
-        <p14:creationId xmlns:p14="http://schemas.microsoft.com/office/powerpoint/2010/main" val="3472154492"/>
+        <p14:creationId xmlns:p14="http://schemas.microsoft.com/office/powerpoint/2010/main" val="1941461553"/>
       </p:ext>
     </p:extLst>
   </p:cSld>
@@ -11109,89 +12009,22 @@
             <p:ph type="title"/>
           </p:nvPr>
         </p:nvSpPr>
-        <p:spPr/>
+        <p:spPr>
+          <a:xfrm>
+            <a:off x="457200" y="2492520"/>
+            <a:ext cx="8229600" cy="1143000"/>
+          </a:xfrm>
+        </p:spPr>
         <p:txBody>
           <a:bodyPr/>
           <a:lstStyle/>
           <a:p>
+            <a:pPr algn="ctr"/>
             <a:r>
               <a:rPr lang="en-US" dirty="0" smtClean="0"/>
-              <a:t>Why – EA Value Proposition</a:t>
+              <a:t>HOW?</a:t>
             </a:r>
             <a:endParaRPr lang="en-US" dirty="0"/>
-          </a:p>
-        </p:txBody>
-      </p:sp>
-      <p:sp>
-        <p:nvSpPr>
-          <p:cNvPr id="3" name="Content Placeholder 2"/>
-          <p:cNvSpPr>
-            <a:spLocks noGrp="1"/>
-          </p:cNvSpPr>
-          <p:nvPr>
-            <p:ph idx="1"/>
-          </p:nvPr>
-        </p:nvSpPr>
-        <p:spPr/>
-        <p:txBody>
-          <a:bodyPr>
-            <a:normAutofit/>
-          </a:bodyPr>
-          <a:lstStyle/>
-          <a:p>
-            <a:pPr marL="0" indent="0">
-              <a:buNone/>
-            </a:pPr>
-            <a:r>
-              <a:rPr lang="en-US" dirty="0" smtClean="0"/>
-              <a:t>This is where EA comes in.  Objective of EA:</a:t>
-            </a:r>
-          </a:p>
-          <a:p>
-            <a:pPr marL="0" indent="0">
-              <a:buNone/>
-            </a:pPr>
-            <a:endParaRPr lang="en-US" dirty="0" smtClean="0"/>
-          </a:p>
-          <a:p>
-            <a:r>
-              <a:rPr lang="en-US" dirty="0" smtClean="0"/>
-              <a:t>Draw clear lines to ‘align’ Business need (mission) with IT capability.</a:t>
-            </a:r>
-          </a:p>
-          <a:p>
-            <a:r>
-              <a:rPr lang="en-US" dirty="0" smtClean="0"/>
-              <a:t>Provide components that are:</a:t>
-            </a:r>
-          </a:p>
-          <a:p>
-            <a:pPr lvl="1"/>
-            <a:r>
-              <a:rPr lang="en-US" dirty="0" smtClean="0"/>
-              <a:t>Robust</a:t>
-            </a:r>
-          </a:p>
-          <a:p>
-            <a:pPr lvl="1"/>
-            <a:r>
-              <a:rPr lang="en-US" dirty="0" smtClean="0"/>
-              <a:t>Extensible</a:t>
-            </a:r>
-          </a:p>
-          <a:p>
-            <a:pPr lvl="1"/>
-            <a:r>
-              <a:rPr lang="en-US" dirty="0" smtClean="0"/>
-              <a:t>Scalable</a:t>
-            </a:r>
-          </a:p>
-          <a:p>
-            <a:pPr lvl="1"/>
-            <a:r>
-              <a:rPr lang="en-US" dirty="0" smtClean="0"/>
-              <a:t>Reusable </a:t>
-            </a:r>
           </a:p>
         </p:txBody>
       </p:sp>
@@ -11224,7 +12057,7 @@
     </p:spTree>
     <p:extLst>
       <p:ext uri="{BB962C8B-B14F-4D97-AF65-F5344CB8AC3E}">
-        <p14:creationId xmlns:p14="http://schemas.microsoft.com/office/powerpoint/2010/main" val="1154092908"/>
+        <p14:creationId xmlns:p14="http://schemas.microsoft.com/office/powerpoint/2010/main" val="3160377490"/>
       </p:ext>
     </p:extLst>
   </p:cSld>
@@ -11261,21 +12094,30 @@
             <p:ph type="title"/>
           </p:nvPr>
         </p:nvSpPr>
-        <p:spPr>
-          <a:xfrm>
-            <a:off x="457200" y="2492520"/>
-            <a:ext cx="8229600" cy="1143000"/>
-          </a:xfrm>
-        </p:spPr>
+        <p:spPr/>
         <p:txBody>
           <a:bodyPr/>
           <a:lstStyle/>
           <a:p>
-            <a:pPr algn="ctr"/>
-            <a:r>
-              <a:rPr lang="en-US" dirty="0" smtClean="0"/>
-              <a:t>WHAT?</a:t>
-            </a:r>
+            <a:endParaRPr lang="en-US"/>
+          </a:p>
+        </p:txBody>
+      </p:sp>
+      <p:sp>
+        <p:nvSpPr>
+          <p:cNvPr id="3" name="Content Placeholder 2"/>
+          <p:cNvSpPr>
+            <a:spLocks noGrp="1"/>
+          </p:cNvSpPr>
+          <p:nvPr>
+            <p:ph idx="1"/>
+          </p:nvPr>
+        </p:nvSpPr>
+        <p:spPr/>
+        <p:txBody>
+          <a:bodyPr/>
+          <a:lstStyle/>
+          <a:p>
             <a:endParaRPr lang="en-US" dirty="0"/>
           </a:p>
         </p:txBody>
@@ -11309,7 +12151,7 @@
     </p:spTree>
     <p:extLst>
       <p:ext uri="{BB962C8B-B14F-4D97-AF65-F5344CB8AC3E}">
-        <p14:creationId xmlns:p14="http://schemas.microsoft.com/office/powerpoint/2010/main" val="1174273634"/>
+        <p14:creationId xmlns:p14="http://schemas.microsoft.com/office/powerpoint/2010/main" val="298649094"/>
       </p:ext>
     </p:extLst>
   </p:cSld>
@@ -11614,14 +12456,14 @@
           <a:noFill/>
           <a:extLst>
             <a:ext uri="{909E8E84-426E-40dd-AFC4-6F175D3DCCD1}">
-              <a14:hiddenFill xmlns:a14="http://schemas.microsoft.com/office/drawing/2010/main">
+              <a14:hiddenFill xmlns:a14="http://schemas.microsoft.com/office/drawing/2010/main" xmlns="">
                 <a:solidFill>
                   <a:srgbClr val="FFFFFF"/>
                 </a:solidFill>
               </a14:hiddenFill>
             </a:ext>
             <a:ext uri="{91240B29-F687-4f45-9708-019B960494DF}">
-              <a14:hiddenLine xmlns:a14="http://schemas.microsoft.com/office/drawing/2010/main" w="9525">
+              <a14:hiddenLine xmlns:a14="http://schemas.microsoft.com/office/drawing/2010/main" xmlns="" w="9525">
                 <a:solidFill>
                   <a:srgbClr val="000000"/>
                 </a:solidFill>
@@ -11760,14 +12602,7 @@
                 <a:latin typeface="Arial" charset="0"/>
                 <a:cs typeface="Arial" charset="0"/>
               </a:rPr>
-              <a:t>Enterprise Architecture </a:t>
-            </a:r>
-            <a:r>
-              <a:rPr lang="en-US" sz="1200" dirty="0" smtClean="0">
-                <a:latin typeface="Arial" charset="0"/>
-                <a:cs typeface="Arial" charset="0"/>
-              </a:rPr>
-              <a:t>@ Waterloo</a:t>
+              <a:t>Enterprise Architecture @ Waterloo</a:t>
             </a:r>
             <a:endParaRPr lang="en-US" sz="1200" dirty="0">
               <a:latin typeface="Arial" charset="0"/>
@@ -11784,7 +12619,7 @@
   <p:timing>
     <p:tnLst>
       <p:par>
-        <p:cTn xmlns:p14="http://schemas.microsoft.com/office/powerpoint/2010/main" id="1" dur="indefinite" restart="never" nodeType="tmRoot"/>
+        <p:cTn id="1" dur="indefinite" restart="never" nodeType="tmRoot"/>
       </p:par>
     </p:tnLst>
   </p:timing>
@@ -11818,30 +12653,21 @@
             <p:ph type="title"/>
           </p:nvPr>
         </p:nvSpPr>
-        <p:spPr/>
+        <p:spPr>
+          <a:xfrm>
+            <a:off x="457200" y="2492520"/>
+            <a:ext cx="8229600" cy="1143000"/>
+          </a:xfrm>
+        </p:spPr>
         <p:txBody>
           <a:bodyPr/>
           <a:lstStyle/>
           <a:p>
-            <a:endParaRPr lang="en-US" dirty="0"/>
-          </a:p>
-        </p:txBody>
-      </p:sp>
-      <p:sp>
-        <p:nvSpPr>
-          <p:cNvPr id="3" name="Content Placeholder 2"/>
-          <p:cNvSpPr>
-            <a:spLocks noGrp="1"/>
-          </p:cNvSpPr>
-          <p:nvPr>
-            <p:ph idx="1"/>
-          </p:nvPr>
-        </p:nvSpPr>
-        <p:spPr/>
-        <p:txBody>
-          <a:bodyPr/>
-          <a:lstStyle/>
-          <a:p>
+            <a:pPr algn="ctr"/>
+            <a:r>
+              <a:rPr lang="en-US" dirty="0" smtClean="0"/>
+              <a:t>WHERE?</a:t>
+            </a:r>
             <a:endParaRPr lang="en-US" dirty="0"/>
           </a:p>
         </p:txBody>
@@ -11875,7 +12701,7 @@
     </p:spTree>
     <p:extLst>
       <p:ext uri="{BB962C8B-B14F-4D97-AF65-F5344CB8AC3E}">
-        <p14:creationId xmlns:p14="http://schemas.microsoft.com/office/powerpoint/2010/main" val="1941461553"/>
+        <p14:creationId xmlns:p14="http://schemas.microsoft.com/office/powerpoint/2010/main" val="3806824904"/>
       </p:ext>
     </p:extLst>
   </p:cSld>
@@ -11912,21 +12738,30 @@
             <p:ph type="title"/>
           </p:nvPr>
         </p:nvSpPr>
-        <p:spPr>
-          <a:xfrm>
-            <a:off x="457200" y="2492520"/>
-            <a:ext cx="8229600" cy="1143000"/>
-          </a:xfrm>
-        </p:spPr>
+        <p:spPr/>
         <p:txBody>
           <a:bodyPr/>
           <a:lstStyle/>
           <a:p>
-            <a:pPr algn="ctr"/>
-            <a:r>
-              <a:rPr lang="en-US" dirty="0" smtClean="0"/>
-              <a:t>HOW?</a:t>
-            </a:r>
+            <a:endParaRPr lang="en-US"/>
+          </a:p>
+        </p:txBody>
+      </p:sp>
+      <p:sp>
+        <p:nvSpPr>
+          <p:cNvPr id="3" name="Content Placeholder 2"/>
+          <p:cNvSpPr>
+            <a:spLocks noGrp="1"/>
+          </p:cNvSpPr>
+          <p:nvPr>
+            <p:ph idx="1"/>
+          </p:nvPr>
+        </p:nvSpPr>
+        <p:spPr/>
+        <p:txBody>
+          <a:bodyPr/>
+          <a:lstStyle/>
+          <a:p>
             <a:endParaRPr lang="en-US" dirty="0"/>
           </a:p>
         </p:txBody>
@@ -11960,7 +12795,7 @@
     </p:spTree>
     <p:extLst>
       <p:ext uri="{BB962C8B-B14F-4D97-AF65-F5344CB8AC3E}">
-        <p14:creationId xmlns:p14="http://schemas.microsoft.com/office/powerpoint/2010/main" val="3160377490"/>
+        <p14:creationId xmlns:p14="http://schemas.microsoft.com/office/powerpoint/2010/main" val="3586137305"/>
       </p:ext>
     </p:extLst>
   </p:cSld>
@@ -11971,279 +12806,6 @@
 </file>
 
 <file path=ppt/slides/slide22.xml><?xml version="1.0" encoding="utf-8"?>
-<p:sld xmlns:a="http://schemas.openxmlformats.org/drawingml/2006/main" xmlns:r="http://schemas.openxmlformats.org/officeDocument/2006/relationships" xmlns:p="http://schemas.openxmlformats.org/presentationml/2006/main">
-  <p:cSld>
-    <p:spTree>
-      <p:nvGrpSpPr>
-        <p:cNvPr id="1" name=""/>
-        <p:cNvGrpSpPr/>
-        <p:nvPr/>
-      </p:nvGrpSpPr>
-      <p:grpSpPr>
-        <a:xfrm>
-          <a:off x="0" y="0"/>
-          <a:ext cx="0" cy="0"/>
-          <a:chOff x="0" y="0"/>
-          <a:chExt cx="0" cy="0"/>
-        </a:xfrm>
-      </p:grpSpPr>
-      <p:sp>
-        <p:nvSpPr>
-          <p:cNvPr id="2" name="Title 1"/>
-          <p:cNvSpPr>
-            <a:spLocks noGrp="1"/>
-          </p:cNvSpPr>
-          <p:nvPr>
-            <p:ph type="title"/>
-          </p:nvPr>
-        </p:nvSpPr>
-        <p:spPr/>
-        <p:txBody>
-          <a:bodyPr/>
-          <a:lstStyle/>
-          <a:p>
-            <a:endParaRPr lang="en-US"/>
-          </a:p>
-        </p:txBody>
-      </p:sp>
-      <p:sp>
-        <p:nvSpPr>
-          <p:cNvPr id="3" name="Content Placeholder 2"/>
-          <p:cNvSpPr>
-            <a:spLocks noGrp="1"/>
-          </p:cNvSpPr>
-          <p:nvPr>
-            <p:ph idx="1"/>
-          </p:nvPr>
-        </p:nvSpPr>
-        <p:spPr/>
-        <p:txBody>
-          <a:bodyPr/>
-          <a:lstStyle/>
-          <a:p>
-            <a:endParaRPr lang="en-US" dirty="0"/>
-          </a:p>
-        </p:txBody>
-      </p:sp>
-      <p:sp>
-        <p:nvSpPr>
-          <p:cNvPr id="4" name="Footer Placeholder 3"/>
-          <p:cNvSpPr>
-            <a:spLocks noGrp="1"/>
-          </p:cNvSpPr>
-          <p:nvPr>
-            <p:ph type="ftr" sz="quarter" idx="10"/>
-          </p:nvPr>
-        </p:nvSpPr>
-        <p:spPr/>
-        <p:txBody>
-          <a:bodyPr/>
-          <a:lstStyle/>
-          <a:p>
-            <a:pPr>
-              <a:defRPr/>
-            </a:pPr>
-            <a:r>
-              <a:rPr lang="en-US" dirty="0" smtClean="0"/>
-              <a:t>Enterprise Architecture @ Waterloo</a:t>
-            </a:r>
-            <a:endParaRPr lang="en-US" dirty="0"/>
-          </a:p>
-        </p:txBody>
-      </p:sp>
-    </p:spTree>
-    <p:extLst>
-      <p:ext uri="{BB962C8B-B14F-4D97-AF65-F5344CB8AC3E}">
-        <p14:creationId xmlns:p14="http://schemas.microsoft.com/office/powerpoint/2010/main" val="298649094"/>
-      </p:ext>
-    </p:extLst>
-  </p:cSld>
-  <p:clrMapOvr>
-    <a:masterClrMapping/>
-  </p:clrMapOvr>
-</p:sld>
-</file>
-
-<file path=ppt/slides/slide23.xml><?xml version="1.0" encoding="utf-8"?>
-<p:sld xmlns:a="http://schemas.openxmlformats.org/drawingml/2006/main" xmlns:r="http://schemas.openxmlformats.org/officeDocument/2006/relationships" xmlns:p="http://schemas.openxmlformats.org/presentationml/2006/main">
-  <p:cSld>
-    <p:spTree>
-      <p:nvGrpSpPr>
-        <p:cNvPr id="1" name=""/>
-        <p:cNvGrpSpPr/>
-        <p:nvPr/>
-      </p:nvGrpSpPr>
-      <p:grpSpPr>
-        <a:xfrm>
-          <a:off x="0" y="0"/>
-          <a:ext cx="0" cy="0"/>
-          <a:chOff x="0" y="0"/>
-          <a:chExt cx="0" cy="0"/>
-        </a:xfrm>
-      </p:grpSpPr>
-      <p:sp>
-        <p:nvSpPr>
-          <p:cNvPr id="2" name="Title 1"/>
-          <p:cNvSpPr>
-            <a:spLocks noGrp="1"/>
-          </p:cNvSpPr>
-          <p:nvPr>
-            <p:ph type="title"/>
-          </p:nvPr>
-        </p:nvSpPr>
-        <p:spPr>
-          <a:xfrm>
-            <a:off x="457200" y="2492520"/>
-            <a:ext cx="8229600" cy="1143000"/>
-          </a:xfrm>
-        </p:spPr>
-        <p:txBody>
-          <a:bodyPr/>
-          <a:lstStyle/>
-          <a:p>
-            <a:pPr algn="ctr"/>
-            <a:r>
-              <a:rPr lang="en-US" dirty="0" smtClean="0"/>
-              <a:t>WHERE?</a:t>
-            </a:r>
-            <a:endParaRPr lang="en-US" dirty="0"/>
-          </a:p>
-        </p:txBody>
-      </p:sp>
-      <p:sp>
-        <p:nvSpPr>
-          <p:cNvPr id="4" name="Footer Placeholder 3"/>
-          <p:cNvSpPr>
-            <a:spLocks noGrp="1"/>
-          </p:cNvSpPr>
-          <p:nvPr>
-            <p:ph type="ftr" sz="quarter" idx="10"/>
-          </p:nvPr>
-        </p:nvSpPr>
-        <p:spPr/>
-        <p:txBody>
-          <a:bodyPr/>
-          <a:lstStyle/>
-          <a:p>
-            <a:pPr>
-              <a:defRPr/>
-            </a:pPr>
-            <a:r>
-              <a:rPr lang="en-US" dirty="0" smtClean="0"/>
-              <a:t>Enterprise Architecture @ Waterloo</a:t>
-            </a:r>
-            <a:endParaRPr lang="en-US" dirty="0"/>
-          </a:p>
-        </p:txBody>
-      </p:sp>
-    </p:spTree>
-    <p:extLst>
-      <p:ext uri="{BB962C8B-B14F-4D97-AF65-F5344CB8AC3E}">
-        <p14:creationId xmlns:p14="http://schemas.microsoft.com/office/powerpoint/2010/main" val="3806824904"/>
-      </p:ext>
-    </p:extLst>
-  </p:cSld>
-  <p:clrMapOvr>
-    <a:masterClrMapping/>
-  </p:clrMapOvr>
-</p:sld>
-</file>
-
-<file path=ppt/slides/slide24.xml><?xml version="1.0" encoding="utf-8"?>
-<p:sld xmlns:a="http://schemas.openxmlformats.org/drawingml/2006/main" xmlns:r="http://schemas.openxmlformats.org/officeDocument/2006/relationships" xmlns:p="http://schemas.openxmlformats.org/presentationml/2006/main">
-  <p:cSld>
-    <p:spTree>
-      <p:nvGrpSpPr>
-        <p:cNvPr id="1" name=""/>
-        <p:cNvGrpSpPr/>
-        <p:nvPr/>
-      </p:nvGrpSpPr>
-      <p:grpSpPr>
-        <a:xfrm>
-          <a:off x="0" y="0"/>
-          <a:ext cx="0" cy="0"/>
-          <a:chOff x="0" y="0"/>
-          <a:chExt cx="0" cy="0"/>
-        </a:xfrm>
-      </p:grpSpPr>
-      <p:sp>
-        <p:nvSpPr>
-          <p:cNvPr id="2" name="Title 1"/>
-          <p:cNvSpPr>
-            <a:spLocks noGrp="1"/>
-          </p:cNvSpPr>
-          <p:nvPr>
-            <p:ph type="title"/>
-          </p:nvPr>
-        </p:nvSpPr>
-        <p:spPr/>
-        <p:txBody>
-          <a:bodyPr/>
-          <a:lstStyle/>
-          <a:p>
-            <a:endParaRPr lang="en-US"/>
-          </a:p>
-        </p:txBody>
-      </p:sp>
-      <p:sp>
-        <p:nvSpPr>
-          <p:cNvPr id="3" name="Content Placeholder 2"/>
-          <p:cNvSpPr>
-            <a:spLocks noGrp="1"/>
-          </p:cNvSpPr>
-          <p:nvPr>
-            <p:ph idx="1"/>
-          </p:nvPr>
-        </p:nvSpPr>
-        <p:spPr/>
-        <p:txBody>
-          <a:bodyPr/>
-          <a:lstStyle/>
-          <a:p>
-            <a:endParaRPr lang="en-US" dirty="0"/>
-          </a:p>
-        </p:txBody>
-      </p:sp>
-      <p:sp>
-        <p:nvSpPr>
-          <p:cNvPr id="4" name="Footer Placeholder 3"/>
-          <p:cNvSpPr>
-            <a:spLocks noGrp="1"/>
-          </p:cNvSpPr>
-          <p:nvPr>
-            <p:ph type="ftr" sz="quarter" idx="10"/>
-          </p:nvPr>
-        </p:nvSpPr>
-        <p:spPr/>
-        <p:txBody>
-          <a:bodyPr/>
-          <a:lstStyle/>
-          <a:p>
-            <a:pPr>
-              <a:defRPr/>
-            </a:pPr>
-            <a:r>
-              <a:rPr lang="en-US" dirty="0" smtClean="0"/>
-              <a:t>Enterprise Architecture @ Waterloo</a:t>
-            </a:r>
-            <a:endParaRPr lang="en-US" dirty="0"/>
-          </a:p>
-        </p:txBody>
-      </p:sp>
-    </p:spTree>
-    <p:extLst>
-      <p:ext uri="{BB962C8B-B14F-4D97-AF65-F5344CB8AC3E}">
-        <p14:creationId xmlns:p14="http://schemas.microsoft.com/office/powerpoint/2010/main" val="3586137305"/>
-      </p:ext>
-    </p:extLst>
-  </p:cSld>
-  <p:clrMapOvr>
-    <a:masterClrMapping/>
-  </p:clrMapOvr>
-</p:sld>
-</file>
-
-<file path=ppt/slides/slide25.xml><?xml version="1.0" encoding="utf-8"?>
 <p:sld xmlns:a="http://schemas.openxmlformats.org/drawingml/2006/main" xmlns:r="http://schemas.openxmlformats.org/officeDocument/2006/relationships" xmlns:p="http://schemas.openxmlformats.org/presentationml/2006/main">
   <p:cSld>
     <p:spTree>
@@ -12274,14 +12836,14 @@
           <a:noFill/>
           <a:extLst>
             <a:ext uri="{909E8E84-426E-40dd-AFC4-6F175D3DCCD1}">
-              <a14:hiddenFill xmlns:a14="http://schemas.microsoft.com/office/drawing/2010/main">
+              <a14:hiddenFill xmlns:a14="http://schemas.microsoft.com/office/drawing/2010/main" xmlns="">
                 <a:solidFill>
                   <a:srgbClr val="FFFFFF"/>
                 </a:solidFill>
               </a14:hiddenFill>
             </a:ext>
             <a:ext uri="{91240B29-F687-4f45-9708-019B960494DF}">
-              <a14:hiddenLine xmlns:a14="http://schemas.microsoft.com/office/drawing/2010/main" w="9525">
+              <a14:hiddenLine xmlns:a14="http://schemas.microsoft.com/office/drawing/2010/main" xmlns="" w="9525">
                 <a:solidFill>
                   <a:srgbClr val="000000"/>
                 </a:solidFill>
@@ -12558,14 +13120,14 @@
           </a:ln>
           <a:extLst>
             <a:ext uri="{909E8E84-426E-40dd-AFC4-6F175D3DCCD1}">
-              <a14:hiddenFill xmlns:a14="http://schemas.microsoft.com/office/drawing/2010/main">
+              <a14:hiddenFill xmlns:a14="http://schemas.microsoft.com/office/drawing/2010/main" xmlns="">
                 <a:solidFill>
                   <a:srgbClr val="FFFFFF"/>
                 </a:solidFill>
               </a14:hiddenFill>
             </a:ext>
             <a:ext uri="{91240B29-F687-4f45-9708-019B960494DF}">
-              <a14:hiddenLine xmlns:a14="http://schemas.microsoft.com/office/drawing/2010/main" w="9525">
+              <a14:hiddenLine xmlns:a14="http://schemas.microsoft.com/office/drawing/2010/main" xmlns="" w="9525">
                 <a:solidFill>
                   <a:srgbClr val="000000"/>
                 </a:solidFill>
@@ -12585,7 +13147,7 @@
   <p:timing>
     <p:tnLst>
       <p:par>
-        <p:cTn xmlns:p14="http://schemas.microsoft.com/office/powerpoint/2010/main" id="1" dur="indefinite" restart="never" nodeType="tmRoot"/>
+        <p:cTn id="1" dur="indefinite" restart="never" nodeType="tmRoot"/>
       </p:par>
     </p:tnLst>
   </p:timing>
@@ -12782,11 +13344,7 @@
             </a:pPr>
             <a:r>
               <a:rPr lang="en-US" dirty="0" smtClean="0"/>
-              <a:t>Enterprise Architecture </a:t>
-            </a:r>
-            <a:r>
-              <a:rPr lang="en-US" dirty="0" smtClean="0"/>
-              <a:t>@ Waterloo</a:t>
+              <a:t>Enterprise Architecture @ Waterloo</a:t>
             </a:r>
             <a:endParaRPr lang="en-US" dirty="0"/>
           </a:p>
@@ -12934,11 +13492,7 @@
             </a:pPr>
             <a:r>
               <a:rPr lang="en-US" dirty="0" smtClean="0"/>
-              <a:t>Enterprise Architecture </a:t>
-            </a:r>
-            <a:r>
-              <a:rPr lang="en-US" dirty="0" smtClean="0"/>
-              <a:t>@ Waterloo</a:t>
+              <a:t>Enterprise Architecture @ Waterloo</a:t>
             </a:r>
             <a:endParaRPr lang="en-US" dirty="0"/>
           </a:p>
@@ -13082,11 +13636,7 @@
             </a:pPr>
             <a:r>
               <a:rPr lang="en-US" dirty="0" smtClean="0"/>
-              <a:t>Enterprise Architecture </a:t>
-            </a:r>
-            <a:r>
-              <a:rPr lang="en-US" dirty="0" smtClean="0"/>
-              <a:t>@ Waterloo</a:t>
+              <a:t>Enterprise Architecture @ Waterloo</a:t>
             </a:r>
             <a:endParaRPr lang="en-US" dirty="0"/>
           </a:p>
@@ -13326,72 +13876,7 @@
           <a:p>
             <a:r>
               <a:rPr lang="en-US" dirty="0" smtClean="0"/>
-              <a:t>Why – EA Value Proposition</a:t>
-            </a:r>
-            <a:endParaRPr lang="en-US" dirty="0"/>
-          </a:p>
-        </p:txBody>
-      </p:sp>
-      <p:sp>
-        <p:nvSpPr>
-          <p:cNvPr id="3" name="Content Placeholder 2"/>
-          <p:cNvSpPr>
-            <a:spLocks noGrp="1"/>
-          </p:cNvSpPr>
-          <p:nvPr>
-            <p:ph idx="1"/>
-          </p:nvPr>
-        </p:nvSpPr>
-        <p:spPr/>
-        <p:txBody>
-          <a:bodyPr/>
-          <a:lstStyle/>
-          <a:p>
-            <a:pPr marL="0" indent="0">
-              <a:buNone/>
-            </a:pPr>
-            <a:r>
-              <a:rPr lang="en-US" dirty="0" smtClean="0"/>
-              <a:t>Story:</a:t>
-            </a:r>
-          </a:p>
-          <a:p>
-            <a:pPr marL="0" indent="0">
-              <a:buNone/>
-            </a:pPr>
-            <a:r>
-              <a:rPr lang="en-US" dirty="0" smtClean="0"/>
-              <a:t>“A classic application acquisition.</a:t>
-            </a:r>
-          </a:p>
-          <a:p>
-            <a:pPr marL="0" indent="0">
-              <a:buNone/>
-            </a:pPr>
-            <a:r>
-              <a:rPr lang="en-US" dirty="0" smtClean="0"/>
-              <a:t>‘I need an application that does X. </a:t>
-            </a:r>
-            <a:r>
-              <a:rPr lang="en-US" dirty="0"/>
-              <a:t> </a:t>
-            </a:r>
-            <a:r>
-              <a:rPr lang="en-US" dirty="0" smtClean="0"/>
-              <a:t>X does that, we should buy it.’ ”</a:t>
-            </a:r>
-          </a:p>
-          <a:p>
-            <a:pPr marL="0" indent="0">
-              <a:buNone/>
-            </a:pPr>
-            <a:r>
-              <a:rPr lang="en-US" dirty="0"/>
-              <a:t> </a:t>
-            </a:r>
-            <a:r>
-              <a:rPr lang="en-US" dirty="0" smtClean="0"/>
-              <a:t>  -&gt; Draw a story board.</a:t>
+              <a:t>Story time...</a:t>
             </a:r>
             <a:endParaRPr lang="en-US" dirty="0"/>
           </a:p>
@@ -13423,10 +13908,85 @@
           </a:p>
         </p:txBody>
       </p:sp>
+      <p:pic>
+        <p:nvPicPr>
+          <p:cNvPr id="7" name="Content Placeholder 6"/>
+          <p:cNvPicPr>
+            <a:picLocks noGrp="1" noChangeAspect="1"/>
+          </p:cNvPicPr>
+          <p:nvPr>
+            <p:ph idx="1"/>
+          </p:nvPr>
+        </p:nvPicPr>
+        <p:blipFill>
+          <a:blip r:embed="rId3">
+            <a:extLst>
+              <a:ext uri="{28A0092B-C50C-407E-A947-70E740481C1C}">
+                <a14:useLocalDpi xmlns:a14="http://schemas.microsoft.com/office/drawing/2010/main" val="0"/>
+              </a:ext>
+            </a:extLst>
+          </a:blip>
+          <a:stretch>
+            <a:fillRect/>
+          </a:stretch>
+        </p:blipFill>
+        <p:spPr>
+          <a:xfrm>
+            <a:off x="2910605" y="1240492"/>
+            <a:ext cx="2877728" cy="3574576"/>
+          </a:xfrm>
+        </p:spPr>
+      </p:pic>
+      <p:sp>
+        <p:nvSpPr>
+          <p:cNvPr id="9" name="TextBox 8"/>
+          <p:cNvSpPr txBox="1"/>
+          <p:nvPr/>
+        </p:nvSpPr>
+        <p:spPr>
+          <a:xfrm>
+            <a:off x="2615879" y="5405923"/>
+            <a:ext cx="6277681" cy="261610"/>
+          </a:xfrm>
+          <a:prstGeom prst="rect">
+            <a:avLst/>
+          </a:prstGeom>
+          <a:noFill/>
+        </p:spPr>
+        <p:txBody>
+          <a:bodyPr wrap="none" rtlCol="0">
+            <a:spAutoFit/>
+          </a:bodyPr>
+          <a:lstStyle/>
+          <a:p>
+            <a:r>
+              <a:rPr lang="en-US" sz="1100" smtClean="0"/>
+              <a:t>SOURCE: http</a:t>
+            </a:r>
+            <a:r>
+              <a:rPr lang="en-US" sz="1100" dirty="0"/>
+              <a:t>://</a:t>
+            </a:r>
+            <a:r>
+              <a:rPr lang="en-US" sz="1100" dirty="0" err="1"/>
+              <a:t>www.usborne.com</a:t>
+            </a:r>
+            <a:r>
+              <a:rPr lang="en-US" sz="1100" dirty="0"/>
+              <a:t>/catalogue/book/1~ED~EDWYO~5161/write-your-own-story-</a:t>
+            </a:r>
+            <a:r>
+              <a:rPr lang="en-US" sz="1100" dirty="0" err="1"/>
+              <a:t>book.aspx</a:t>
+            </a:r>
+            <a:endParaRPr lang="en-US" sz="1100" dirty="0"/>
+          </a:p>
+        </p:txBody>
+      </p:sp>
     </p:spTree>
     <p:extLst>
       <p:ext uri="{BB962C8B-B14F-4D97-AF65-F5344CB8AC3E}">
-        <p14:creationId xmlns:p14="http://schemas.microsoft.com/office/powerpoint/2010/main" val="4174524811"/>
+        <p14:creationId xmlns:p14="http://schemas.microsoft.com/office/powerpoint/2010/main" val="1171768130"/>
       </p:ext>
     </p:extLst>
   </p:cSld>
@@ -13755,7 +14315,7 @@
   <a:extraClrSchemeLst/>
   <a:extLst>
     <a:ext uri="{05A4C25C-085E-4340-85A3-A5531E510DB2}">
-      <thm15:themeFamily xmlns:thm15="http://schemas.microsoft.com/office/thememl/2012/main" xmlns="" name="Presentation1" id="{9477BE6E-335C-6A4D-9AC4-F2AD07DB35E5}" vid="{6E65C0AF-245B-1445-948D-96A7C6D0ECEB}"/>
+      <thm15:themeFamily xmlns:thm15="http://schemas.microsoft.com/office/thememl/2012/main" name="Presentation1" id="{9477BE6E-335C-6A4D-9AC4-F2AD07DB35E5}" vid="{6E65C0AF-245B-1445-948D-96A7C6D0ECEB}"/>
     </a:ext>
   </a:extLst>
 </a:theme>

--- a/ISTEA-WatITis2015.pptx
+++ b/ISTEA-WatITis2015.pptx
@@ -5,10 +5,10 @@
     <p:sldMasterId id="2147483648" r:id="rId1"/>
   </p:sldMasterIdLst>
   <p:notesMasterIdLst>
-    <p:notesMasterId r:id="rId24"/>
+    <p:notesMasterId r:id="rId25"/>
   </p:notesMasterIdLst>
   <p:handoutMasterIdLst>
-    <p:handoutMasterId r:id="rId25"/>
+    <p:handoutMasterId r:id="rId26"/>
   </p:handoutMasterIdLst>
   <p:sldIdLst>
     <p:sldId id="256" r:id="rId2"/>
@@ -19,20 +19,21 @@
     <p:sldId id="260" r:id="rId7"/>
     <p:sldId id="261" r:id="rId8"/>
     <p:sldId id="265" r:id="rId9"/>
-    <p:sldId id="282" r:id="rId10"/>
-    <p:sldId id="269" r:id="rId11"/>
-    <p:sldId id="270" r:id="rId12"/>
-    <p:sldId id="271" r:id="rId13"/>
-    <p:sldId id="272" r:id="rId14"/>
-    <p:sldId id="273" r:id="rId15"/>
-    <p:sldId id="274" r:id="rId16"/>
-    <p:sldId id="276" r:id="rId17"/>
-    <p:sldId id="275" r:id="rId18"/>
-    <p:sldId id="277" r:id="rId19"/>
-    <p:sldId id="278" r:id="rId20"/>
-    <p:sldId id="279" r:id="rId21"/>
-    <p:sldId id="280" r:id="rId22"/>
-    <p:sldId id="258" r:id="rId23"/>
+    <p:sldId id="271" r:id="rId10"/>
+    <p:sldId id="281" r:id="rId11"/>
+    <p:sldId id="282" r:id="rId12"/>
+    <p:sldId id="273" r:id="rId13"/>
+    <p:sldId id="284" r:id="rId14"/>
+    <p:sldId id="276" r:id="rId15"/>
+    <p:sldId id="275" r:id="rId16"/>
+    <p:sldId id="285" r:id="rId17"/>
+    <p:sldId id="286" r:id="rId18"/>
+    <p:sldId id="287" r:id="rId19"/>
+    <p:sldId id="277" r:id="rId20"/>
+    <p:sldId id="278" r:id="rId21"/>
+    <p:sldId id="279" r:id="rId22"/>
+    <p:sldId id="280" r:id="rId23"/>
+    <p:sldId id="258" r:id="rId24"/>
   </p:sldIdLst>
   <p:sldSz cx="9144000" cy="6858000" type="screen4x3"/>
   <p:notesSz cx="6858000" cy="9144000"/>
@@ -163,7 +164,7 @@
   </p:defaultTextStyle>
   <p:extLst>
     <p:ext uri="{EFAFB233-063F-42B5-8137-9DF3F51BA10A}">
-      <p15:sldGuideLst xmlns:p15="http://schemas.microsoft.com/office/powerpoint/2012/main">
+      <p15:sldGuideLst xmlns:p15="http://schemas.microsoft.com/office/powerpoint/2012/main" xmlns="">
         <p15:guide id="1" orient="horz" pos="2160">
           <p15:clr>
             <a:srgbClr val="A4A3A4"/>
@@ -6046,7 +6047,7 @@
           <a:p>
             <a:fld id="{3EBD304B-4F32-DB42-AA51-EDA38B867F6B}" type="datetimeFigureOut">
               <a:rPr lang="en-US" smtClean="0"/>
-              <a:t>12/4/15</a:t>
+              <a:t>15-12-06</a:t>
             </a:fld>
             <a:endParaRPr lang="en-US"/>
           </a:p>
@@ -6241,7 +6242,7 @@
               <a:pPr>
                 <a:defRPr/>
               </a:pPr>
-              <a:t>12/4/15</a:t>
+              <a:t>15-12-06</a:t>
             </a:fld>
             <a:endParaRPr lang="en-US"/>
           </a:p>
@@ -6705,15 +6706,6 @@
           <a:p>
             <a:r>
               <a:rPr lang="en-US" dirty="0" smtClean="0"/>
-              <a:t>This is a story all about how… J/K</a:t>
-            </a:r>
-          </a:p>
-          <a:p>
-            <a:endParaRPr lang="en-US" dirty="0" smtClean="0"/>
-          </a:p>
-          <a:p>
-            <a:r>
-              <a:rPr lang="en-US" dirty="0" smtClean="0"/>
               <a:t>We want</a:t>
             </a:r>
             <a:r>
@@ -6726,7 +6718,7 @@
             </a:r>
             <a:r>
               <a:rPr lang="en-US" baseline="0" dirty="0" smtClean="0"/>
-              <a:t> story. The ideas and problems introduced in this story are meant to be representative of the problems an enterprise faces when widespread change is occurring simultaneously across multiple areas in pursuit of . </a:t>
+              <a:t> story. The ideas and problems introduced in this story are meant to be representative of the problems an enterprise faces when widespread change is occurring simultaneously across multiple areas of the business. </a:t>
             </a:r>
           </a:p>
           <a:p>
@@ -6800,7 +6792,7 @@
                 <a:ea typeface="ＭＳ Ｐゴシック" charset="0"/>
                 <a:cs typeface="ＭＳ Ｐゴシック" charset="0"/>
               </a:rPr>
-              <a:t> enterprise called ACME Incorporated. ACME has been in business for a number of years and has two core missions: training coyotes and developing innovative solutions to address the roadrunner problems of the world. To fulfill these missions, ACME maintains a number business elements (functions, services, units) that support but are not directly connected to their core missions.</a:t>
+              <a:t> enterprise called ACME Academy. ACME has been operating for a number of years and has two core missions: training coyotes and developing innovative roadrunner counter measures. To fulfill these missions, ACME maintains a number business units that support their core missions.</a:t>
             </a:r>
           </a:p>
           <a:p>
@@ -6928,7 +6920,7 @@
                 <a:ea typeface="ＭＳ Ｐゴシック" charset="0"/>
                 <a:cs typeface="ＭＳ Ｐゴシック" charset="0"/>
               </a:rPr>
-              <a:t>In support of these core missions, ACME must maintain or acquire secondary business services to:</a:t>
+              <a:t>In support of these core missions, ACME must maintain or acquire business units to:</a:t>
             </a:r>
           </a:p>
           <a:p>
@@ -6974,31 +6966,6 @@
             </a:r>
           </a:p>
           <a:p>
-            <a:endParaRPr lang="en-US" sz="1200" b="0" i="0" kern="1200" baseline="0" dirty="0" smtClean="0">
-              <a:solidFill>
-                <a:schemeClr val="tx1"/>
-              </a:solidFill>
-              <a:effectLst/>
-              <a:latin typeface="+mn-lt"/>
-              <a:ea typeface="ＭＳ Ｐゴシック" charset="0"/>
-              <a:cs typeface="ＭＳ Ｐゴシック" charset="0"/>
-            </a:endParaRPr>
-          </a:p>
-          <a:p>
-            <a:r>
-              <a:rPr lang="en-US" sz="1200" b="0" i="0" kern="1200" baseline="0" dirty="0" smtClean="0">
-                <a:solidFill>
-                  <a:schemeClr val="tx1"/>
-                </a:solidFill>
-                <a:effectLst/>
-                <a:latin typeface="+mn-lt"/>
-                <a:ea typeface="ＭＳ Ｐゴシック" charset="0"/>
-                <a:cs typeface="ＭＳ Ｐゴシック" charset="0"/>
-              </a:rPr>
-              <a:t>In addition to this, ACME must maintain or acquire tertiary services to:</a:t>
-            </a:r>
-          </a:p>
-          <a:p>
             <a:r>
               <a:rPr lang="en-US" sz="1200" b="0" i="0" kern="1200" baseline="0" dirty="0" smtClean="0">
                 <a:solidFill>
@@ -7097,6 +7064,20 @@
             </a:r>
           </a:p>
           <a:p>
+            <a:r>
+              <a:rPr lang="en-US" sz="1200" b="0" i="0" kern="1200" baseline="0" dirty="0" smtClean="0">
+                <a:solidFill>
+                  <a:schemeClr val="tx1"/>
+                </a:solidFill>
+                <a:effectLst/>
+                <a:latin typeface="+mn-lt"/>
+                <a:ea typeface="ＭＳ Ｐゴシック" charset="0"/>
+                <a:cs typeface="ＭＳ Ｐゴシック" charset="0"/>
+              </a:rPr>
+              <a:t> - NOTE: This list is not complete.</a:t>
+            </a:r>
+          </a:p>
+          <a:p>
             <a:endParaRPr lang="en-US" sz="1200" b="0" i="0" kern="1200" baseline="0" dirty="0" smtClean="0">
               <a:solidFill>
                 <a:schemeClr val="tx1"/>
@@ -7118,7 +7099,7 @@
                 <a:ea typeface="ＭＳ Ｐゴシック" charset="0"/>
                 <a:cs typeface="ＭＳ Ｐゴシック" charset="0"/>
               </a:rPr>
-              <a:t>As ACME is a modern enterprise, business elements (functions, services, units) require technology to fulfill their mandate.</a:t>
+              <a:t>As ACME is a modern enterprise, business units require technology to fulfill their respective mandates.</a:t>
             </a:r>
           </a:p>
           <a:p>
@@ -7143,7 +7124,7 @@
                 <a:ea typeface="ＭＳ Ｐゴシック" charset="0"/>
                 <a:cs typeface="ＭＳ Ｐゴシック" charset="0"/>
               </a:rPr>
-              <a:t>This provides the basis for our story. With this basis in mind. we will discuss a common challenge experienced by every modern enterprise.</a:t>
+              <a:t>This provides the basis for our story. With this in mind, we will discuss a common challenge experienced by every modern enterprise.</a:t>
             </a:r>
           </a:p>
           <a:p>
@@ -7168,7 +7149,7 @@
                 <a:ea typeface="ＭＳ Ｐゴシック" charset="0"/>
                 <a:cs typeface="ＭＳ Ｐゴシック" charset="0"/>
               </a:rPr>
-              <a:t>In an effort to better serve the core missions of the enterprise, secondary and tertiary business elements are constantly on the look out to improve themselves. They want to be efficient and effective to better support the core mission of the enterprise.  To do this, changes to business processes and underlying technology are required.</a:t>
+              <a:t>In an effort to better serve the core missions of the enterprise, business units are constantly on the look out to improve themselves. They want to be efficient and effective to better support the core mission of the enterprise.  To do this, changes to business processes and underlying technology are required.</a:t>
             </a:r>
           </a:p>
           <a:p>
@@ -7193,7 +7174,7 @@
                 <a:ea typeface="ＭＳ Ｐゴシック" charset="0"/>
                 <a:cs typeface="ＭＳ Ｐゴシック" charset="0"/>
               </a:rPr>
-              <a:t>A business element has individuals working with technology the way it works today.  This is the referred to as the ‘current state’.  They have some combination of technologies that support their operations.  Often times other elements of the enterprise rely on these technologies for something local to them. Work flows from one business unit to another through different business services and processes that, ultimately, all rely on underlying technologies.  Sometimes that technology is paper and pen.  More often than not, as it is 2015, that technology is some combination of computer systems.</a:t>
+              <a:t>A business unit has individuals working with technology the way it works today.  This is the referred to as the ‘current state’.  They have some combination of technologies that support their operations.  Often times other units of the enterprise rely on these technologies for something local to them. Work flows from one business unit to another through some combination of process, people, and technology.  Sometimes that technology is paper and pen.  More often than not, as it is 2015, that technology is some combination of IT systems.</a:t>
             </a:r>
           </a:p>
           <a:p>
@@ -7218,7 +7199,7 @@
                 <a:ea typeface="ＭＳ Ｐゴシック" charset="0"/>
                 <a:cs typeface="ＭＳ Ｐゴシック" charset="0"/>
               </a:rPr>
-              <a:t>One day a business element of the enterprise identifies some problem with their current technology. For this example we will point at the anvil makers in the ACME Anvil department. They have a production management system that keeps track of how many anvils are needed, when they are needed, and how much iron ore is needed to make them.  They realize that the tool they’ve been using for years fails to capture and validate some key information on the way into the production system.  They learned this the hard way after charging, creating, and delivering 200 anvils when the requestor only needed 2.  They’ve always known there was a problem with validation but they always cautioned users to be careful.  This one slipped through and, while it seems like a simple fix, the system vendor has moved on to a new version and doesn’t support changing the system they are running on.</a:t>
+              <a:t>One day a business unit identifies some problem with their current technology. For this example we will point at the anvil production line in the ACME Academy ‘Anvil Department.’ The Anvil Department has a production management system that keeps track of how many anvils are needed, when they are needed, and how much iron ore is needed to make them.  They realize that the tool they’ve been using for years fails to capture and validate some key information on the way into the production system.  They learned this the hard way after creating and delivering 200 anvils when the requestor only needed 2.  They’ve always known there was a problem with validation but they always cautioned users to be careful.  This one slipped through and, while it seems like a simple fix, the system vendor has moved on to a new version and doesn’t support changing the system they are running on.</a:t>
             </a:r>
           </a:p>
           <a:p>
@@ -7243,7 +7224,7 @@
                 <a:ea typeface="ＭＳ Ｐゴシック" charset="0"/>
                 <a:cs typeface="ＭＳ Ｐゴシック" charset="0"/>
               </a:rPr>
-              <a:t>ACME Anvil has a decision to face. How do they fix the problem? As the problem is with the old production management system, they immediate think “let’s buy a new one.”  ACME’s anvil department then sets off on a journey to buy a new production management system. They issue an RFP that describes what their old system does with a special focus on that pesky capture and validation problem– they know their requirements “we need our old system plus these features.”</a:t>
+              <a:t>ACME Anvil has a decision to make. How do they fix the problem? As the problem is with the old production management system, they immediate think “let’s buy a new one.”  ACME’s anvil department then sets off on a journey to buy a new production management system. They issue an RFP that describes what their old system does with a special focus on that pesky capture and validation problem– they know their requirements “we need our old system plus these features.”</a:t>
             </a:r>
           </a:p>
           <a:p>
@@ -7318,7 +7299,7 @@
                 <a:ea typeface="ＭＳ Ｐゴシック" charset="0"/>
                 <a:cs typeface="ＭＳ Ｐゴシック" charset="0"/>
               </a:rPr>
-              <a:t>Three weeks go by when the anvil department receives their first phone call. The ACME finance department is phoning asking why the anvil department hasn’t validated their monthly expenses in the Finance system. After some calls they realize there was an old process that someone followed where they ran a report in the system and put the output of the report on a network share.  The person thought the new system dealt with that so didn’t mention it.  Turns out that old report does not exist in the new system. They scrape the bottom of their budget and contract the cloud provider to make the report for them.</a:t>
+              <a:t>Three weeks go by when the anvil department receives their first phone call. The ACME finance department is phoning asking why the anvil department hasn’t validated their monthly expenses in the Finance system. After some digging they realize there was an old process in the old system that ran a report and put the output of the on a network share.  The people involved thought the new system dealt with that so they didn’t mention it.  Turns out that old report does not exist in the new system. They scrape the bottom of their budget (running a little over) and contract the cloud provider to make the report for them.  Close call but all is resolved.  Back to anvil production.</a:t>
             </a:r>
           </a:p>
           <a:p>
@@ -7343,7 +7324,7 @@
                 <a:ea typeface="ＭＳ Ｐゴシック" charset="0"/>
                 <a:cs typeface="ＭＳ Ｐゴシック" charset="0"/>
               </a:rPr>
-              <a:t>Then another couple weeks go by and they receive a call from the ACME police saying a former employee had been stopped with a car full of anvils.  They look at the production management system and realize that person had been asking for anvils to be made for weeks.  The anvil department phones HR to ask why they weren’t notified of this person’s departure.  The HR department tells them they don’t notify everyone, they update the central authentication system.  A couple more phone calls and the anvil department realizes they need IT to help configure the authentication system.  Luckily the protocol is supported by the cloud solution so anvil schedules some ‘emergency’ work with the ACME IT department.</a:t>
+              <a:t>Then another couple weeks go by and they receive a call from the ACME police saying a former employee had been stopped with a car full of anvils.  They look at the production management system and realize that person had been asking for anvils to be made for weeks.  The anvil department phones HR to ask why they weren’t notified of this person’s departure.  The HR department tells them they don’t notify everyone, they update the central authentication system.  A couple more phone calls and the anvil department realizes they need IT to help configure the central authentication system for use in their cloud solution.  Luckily the protocol is supported by the cloud solution so anvil schedules some ‘emergency’ work with the ACME IT department.</a:t>
             </a:r>
           </a:p>
           <a:p>
@@ -7368,7 +7349,7 @@
                 <a:ea typeface="ＭＳ Ｐゴシック" charset="0"/>
                 <a:cs typeface="ＭＳ Ｐゴシック" charset="0"/>
               </a:rPr>
-              <a:t>Next there is a phone call from an innovator.  They say they’ve figured out a brilliant new alloy for the anvils and they’d like to start asking for alloy anvils instead of iron.  The anvil department looks at the tool and realizes there is no way to set ‘alloy’ as an option so they tell the innovator to just use the ‘notes’ field in the submission form.  When they start looking through the production management system they realize that they can only track ordering of iron ore.  To track the alloy instead, they need to manually read all requests and see if they want alloy and order the alloy separate from the ore.</a:t>
+              <a:t>Next there is a phone call from someone in the innovation department.  They say they’ve figured out a brilliant new alloy for the anvils and they’d like to start asking for alloy anvils instead of iron.  The anvil department looks at the tool and realizes there is no way to set ‘alloy’ as an option.  They tell the requestor to just use the ‘notes’ field in the submission form.  When they start looking through the production management system they realize that they can only track ordering of iron ore anvils.  To track the alloy instead, they need to manually read all requests and see if they want alloy and order the alloy separate from the iron ore.</a:t>
             </a:r>
           </a:p>
           <a:p>
@@ -7393,7 +7374,7 @@
                 <a:ea typeface="ＭＳ Ｐゴシック" charset="0"/>
                 <a:cs typeface="ＭＳ Ｐゴシック" charset="0"/>
               </a:rPr>
-              <a:t>Next the HR department calls. The auditors have reviewed the enterprise operations and ACME has had major problems with workplace injuries.  Anvils seem to be a major cause.  They ask the anvil department to initiate a training program to keep people from requesting anvil production without being ned.  They realize that their system does not support this and, so, they have to go shopping for a new system.  They pay a new vendor and the original cloud vendor to build a nice slick integrated anvil production management system with safety interlocks.</a:t>
+              <a:t>Next the HR department calls. The auditors have reviewed the enterprise operations and ACME has had major problems with anvil related injuries. They ask the anvil department to initiate a training program to keep people from receiving anvils without the necessary training.  They realize that their system does not support this and, so, they have to go shopping for a new safety training system.  They pay a new vendor and the original cloud vendor to build a nice slick integrated anvil production management system with safety interlocks.</a:t>
             </a:r>
           </a:p>
           <a:p>
@@ -7517,7 +7498,7 @@
                 <a:ea typeface="ＭＳ Ｐゴシック" charset="0"/>
                 <a:cs typeface="ＭＳ Ｐゴシック" charset="0"/>
               </a:rPr>
-              <a:t>.’  They determine that one of the innovators has innovated around a problem– they’ve built an automatic system locally that orders anvils based on a camera taking pictures of a storage closet.</a:t>
+              <a:t>.’  They determine that one of employees in the innovation department has ‘innovated’ around a problem– they’ve built an automatic system locally that orders anvils based on a camera taking pictures of a storage closet.</a:t>
             </a:r>
           </a:p>
           <a:p>
@@ -7530,6 +7511,9 @@
               <a:ea typeface="ＭＳ Ｐゴシック" charset="0"/>
               <a:cs typeface="ＭＳ Ｐゴシック" charset="0"/>
             </a:endParaRPr>
+          </a:p>
+          <a:p>
+            <a:endParaRPr lang="en-US" dirty="0"/>
           </a:p>
         </p:txBody>
       </p:sp>
@@ -7556,7 +7540,7 @@
               <a:pPr>
                 <a:defRPr/>
               </a:pPr>
-              <a:t>9</a:t>
+              <a:t>8</a:t>
             </a:fld>
             <a:endParaRPr lang="en-US"/>
           </a:p>
@@ -7565,7 +7549,7 @@
     </p:spTree>
     <p:extLst>
       <p:ext uri="{BB962C8B-B14F-4D97-AF65-F5344CB8AC3E}">
-        <p14:creationId xmlns:p14="http://schemas.microsoft.com/office/powerpoint/2010/main" val="522773556"/>
+        <p14:creationId xmlns:p14="http://schemas.microsoft.com/office/powerpoint/2010/main" val="4239418155"/>
       </p:ext>
     </p:extLst>
   </p:cSld>
@@ -7576,6 +7560,706 @@
 </file>
 
 <file path=ppt/notesSlides/notesSlide3.xml><?xml version="1.0" encoding="utf-8"?>
+<p:notes xmlns:a="http://schemas.openxmlformats.org/drawingml/2006/main" xmlns:r="http://schemas.openxmlformats.org/officeDocument/2006/relationships" xmlns:p="http://schemas.openxmlformats.org/presentationml/2006/main">
+  <p:cSld>
+    <p:spTree>
+      <p:nvGrpSpPr>
+        <p:cNvPr id="1" name=""/>
+        <p:cNvGrpSpPr/>
+        <p:nvPr/>
+      </p:nvGrpSpPr>
+      <p:grpSpPr>
+        <a:xfrm>
+          <a:off x="0" y="0"/>
+          <a:ext cx="0" cy="0"/>
+          <a:chOff x="0" y="0"/>
+          <a:chExt cx="0" cy="0"/>
+        </a:xfrm>
+      </p:grpSpPr>
+      <p:sp>
+        <p:nvSpPr>
+          <p:cNvPr id="2" name="Slide Image Placeholder 1"/>
+          <p:cNvSpPr>
+            <a:spLocks noGrp="1" noRot="1" noChangeAspect="1"/>
+          </p:cNvSpPr>
+          <p:nvPr>
+            <p:ph type="sldImg"/>
+          </p:nvPr>
+        </p:nvSpPr>
+        <p:spPr/>
+      </p:sp>
+      <p:sp>
+        <p:nvSpPr>
+          <p:cNvPr id="3" name="Notes Placeholder 2"/>
+          <p:cNvSpPr>
+            <a:spLocks noGrp="1"/>
+          </p:cNvSpPr>
+          <p:nvPr>
+            <p:ph type="body" idx="1"/>
+          </p:nvPr>
+        </p:nvSpPr>
+        <p:spPr/>
+        <p:txBody>
+          <a:bodyPr/>
+          <a:lstStyle/>
+          <a:p>
+            <a:r>
+              <a:rPr lang="en-US" dirty="0" smtClean="0"/>
+              <a:t>Gartner(http://</a:t>
+            </a:r>
+            <a:r>
+              <a:rPr lang="en-US" dirty="0" err="1" smtClean="0"/>
+              <a:t>www.gartner.com</a:t>
+            </a:r>
+            <a:r>
+              <a:rPr lang="en-US" dirty="0" smtClean="0"/>
+              <a:t>/it-glossary/enterprise-architecture-</a:t>
+            </a:r>
+            <a:r>
+              <a:rPr lang="en-US" dirty="0" err="1" smtClean="0"/>
+              <a:t>ea</a:t>
+            </a:r>
+            <a:r>
+              <a:rPr lang="en-US" dirty="0" smtClean="0"/>
+              <a:t>/):</a:t>
+            </a:r>
+            <a:r>
+              <a:rPr lang="en-US" baseline="0" dirty="0" smtClean="0"/>
+              <a:t> </a:t>
+            </a:r>
+            <a:r>
+              <a:rPr lang="en-US" sz="1200" b="1" kern="1200" dirty="0" smtClean="0">
+                <a:solidFill>
+                  <a:schemeClr val="tx1"/>
+                </a:solidFill>
+                <a:latin typeface="+mn-lt"/>
+                <a:ea typeface="ＭＳ Ｐゴシック" charset="0"/>
+                <a:cs typeface="ＭＳ Ｐゴシック" charset="0"/>
+              </a:rPr>
+              <a:t>Enterprise architecture (EA)</a:t>
+            </a:r>
+            <a:r>
+              <a:rPr lang="en-US" sz="1200" b="0" kern="1200" dirty="0" smtClean="0">
+                <a:solidFill>
+                  <a:schemeClr val="tx1"/>
+                </a:solidFill>
+                <a:latin typeface="+mn-lt"/>
+                <a:ea typeface="ＭＳ Ｐゴシック" charset="0"/>
+                <a:cs typeface="ＭＳ Ｐゴシック" charset="0"/>
+              </a:rPr>
+              <a:t> is a discipline for proactively and holistically leading enterprise responses to disruptive forces by identifying and analyzing the execution of change toward desired business vision and outcomes. EA delivers value by presenting business and IT leaders with signature-ready recommendations for adjusting policies and projects to achieve target business outcomes that capitalize on relevant business disruptions.</a:t>
+            </a:r>
+          </a:p>
+          <a:p>
+            <a:endParaRPr lang="en-US" sz="1200" b="0" kern="1200" dirty="0" smtClean="0">
+              <a:solidFill>
+                <a:schemeClr val="tx1"/>
+              </a:solidFill>
+              <a:latin typeface="+mn-lt"/>
+              <a:ea typeface="ＭＳ Ｐゴシック" charset="0"/>
+              <a:cs typeface="ＭＳ Ｐゴシック" charset="0"/>
+            </a:endParaRPr>
+          </a:p>
+          <a:p>
+            <a:r>
+              <a:rPr lang="en-US" sz="1200" b="0" kern="1200" dirty="0" smtClean="0">
+                <a:solidFill>
+                  <a:schemeClr val="tx1"/>
+                </a:solidFill>
+                <a:latin typeface="+mn-lt"/>
+                <a:ea typeface="ＭＳ Ｐゴシック" charset="0"/>
+                <a:cs typeface="ＭＳ Ｐゴシック" charset="0"/>
+              </a:rPr>
+              <a:t>Wikipedia(https://</a:t>
+            </a:r>
+            <a:r>
+              <a:rPr lang="en-US" sz="1200" b="0" kern="1200" dirty="0" err="1" smtClean="0">
+                <a:solidFill>
+                  <a:schemeClr val="tx1"/>
+                </a:solidFill>
+                <a:latin typeface="+mn-lt"/>
+                <a:ea typeface="ＭＳ Ｐゴシック" charset="0"/>
+                <a:cs typeface="ＭＳ Ｐゴシック" charset="0"/>
+              </a:rPr>
+              <a:t>en.wikipedia.org</a:t>
+            </a:r>
+            <a:r>
+              <a:rPr lang="en-US" sz="1200" b="0" kern="1200" dirty="0" smtClean="0">
+                <a:solidFill>
+                  <a:schemeClr val="tx1"/>
+                </a:solidFill>
+                <a:latin typeface="+mn-lt"/>
+                <a:ea typeface="ＭＳ Ｐゴシック" charset="0"/>
+                <a:cs typeface="ＭＳ Ｐゴシック" charset="0"/>
+              </a:rPr>
+              <a:t>/wiki/</a:t>
+            </a:r>
+            <a:r>
+              <a:rPr lang="en-US" sz="1200" b="0" kern="1200" dirty="0" err="1" smtClean="0">
+                <a:solidFill>
+                  <a:schemeClr val="tx1"/>
+                </a:solidFill>
+                <a:latin typeface="+mn-lt"/>
+                <a:ea typeface="ＭＳ Ｐゴシック" charset="0"/>
+                <a:cs typeface="ＭＳ Ｐゴシック" charset="0"/>
+              </a:rPr>
+              <a:t>Enterprise_architecture</a:t>
+            </a:r>
+            <a:r>
+              <a:rPr lang="en-US" sz="1200" b="0" kern="1200" dirty="0" smtClean="0">
+                <a:solidFill>
+                  <a:schemeClr val="tx1"/>
+                </a:solidFill>
+                <a:latin typeface="+mn-lt"/>
+                <a:ea typeface="ＭＳ Ｐゴシック" charset="0"/>
+                <a:cs typeface="ＭＳ Ｐゴシック" charset="0"/>
+              </a:rPr>
+              <a:t>):</a:t>
+            </a:r>
+            <a:r>
+              <a:rPr lang="en-US" sz="1200" b="0" kern="1200" baseline="0" dirty="0" smtClean="0">
+                <a:solidFill>
+                  <a:schemeClr val="tx1"/>
+                </a:solidFill>
+                <a:latin typeface="+mn-lt"/>
+                <a:ea typeface="ＭＳ Ｐゴシック" charset="0"/>
+                <a:cs typeface="ＭＳ Ｐゴシック" charset="0"/>
+              </a:rPr>
+              <a:t> </a:t>
+            </a:r>
+            <a:r>
+              <a:rPr lang="en-US" sz="1200" b="1" kern="1200" dirty="0" smtClean="0">
+                <a:solidFill>
+                  <a:schemeClr val="tx1"/>
+                </a:solidFill>
+                <a:latin typeface="+mn-lt"/>
+                <a:ea typeface="ＭＳ Ｐゴシック" charset="0"/>
+                <a:cs typeface="ＭＳ Ｐゴシック" charset="0"/>
+              </a:rPr>
+              <a:t>Enterprise architecture</a:t>
+            </a:r>
+            <a:r>
+              <a:rPr lang="en-US" sz="1200" b="0" kern="1200" dirty="0" smtClean="0">
+                <a:solidFill>
+                  <a:schemeClr val="tx1"/>
+                </a:solidFill>
+                <a:latin typeface="+mn-lt"/>
+                <a:ea typeface="ＭＳ Ｐゴシック" charset="0"/>
+                <a:cs typeface="ＭＳ Ｐゴシック" charset="0"/>
+              </a:rPr>
+              <a:t> (</a:t>
+            </a:r>
+            <a:r>
+              <a:rPr lang="en-US" sz="1200" b="1" kern="1200" dirty="0" smtClean="0">
+                <a:solidFill>
+                  <a:schemeClr val="tx1"/>
+                </a:solidFill>
+                <a:latin typeface="+mn-lt"/>
+                <a:ea typeface="ＭＳ Ｐゴシック" charset="0"/>
+                <a:cs typeface="ＭＳ Ｐゴシック" charset="0"/>
+              </a:rPr>
+              <a:t>EA</a:t>
+            </a:r>
+            <a:r>
+              <a:rPr lang="en-US" sz="1200" b="0" kern="1200" dirty="0" smtClean="0">
+                <a:solidFill>
+                  <a:schemeClr val="tx1"/>
+                </a:solidFill>
+                <a:latin typeface="+mn-lt"/>
+                <a:ea typeface="ＭＳ Ｐゴシック" charset="0"/>
+                <a:cs typeface="ＭＳ Ｐゴシック" charset="0"/>
+              </a:rPr>
+              <a:t>) is "a well-defined practice for conducting enterprise analysis, design, planning, and implementation, using a holistic approach at all times, for the successful development and execution of strategy. Enterprise architecture applies architecture principles and practices to guide organizations through the business, information, process, and technology changes necessary to execute their strategies. These practices utilize the various aspects of an enterprise to identify, motivate, and achieve these changes.".</a:t>
+            </a:r>
+            <a:r>
+              <a:rPr lang="en-US" sz="1200" b="0" kern="1200" baseline="30000" dirty="0" smtClean="0">
+                <a:solidFill>
+                  <a:schemeClr val="tx1"/>
+                </a:solidFill>
+                <a:latin typeface="+mn-lt"/>
+                <a:ea typeface="ＭＳ Ｐゴシック" charset="0"/>
+                <a:cs typeface="ＭＳ Ｐゴシック" charset="0"/>
+                <a:hlinkClick r:id="rId3"/>
+              </a:rPr>
+              <a:t>[1]</a:t>
+            </a:r>
+            <a:endParaRPr lang="en-US" sz="1200" b="0" kern="1200" baseline="0" dirty="0" smtClean="0">
+              <a:solidFill>
+                <a:schemeClr val="tx1"/>
+              </a:solidFill>
+              <a:latin typeface="+mn-lt"/>
+              <a:ea typeface="ＭＳ Ｐゴシック" charset="0"/>
+              <a:cs typeface="ＭＳ Ｐゴシック" charset="0"/>
+            </a:endParaRPr>
+          </a:p>
+          <a:p>
+            <a:r>
+              <a:rPr lang="en-US" sz="1200" b="0" kern="1200" baseline="0" dirty="0" smtClean="0">
+                <a:solidFill>
+                  <a:schemeClr val="tx1"/>
+                </a:solidFill>
+                <a:latin typeface="+mn-lt"/>
+                <a:ea typeface="ＭＳ Ｐゴシック" charset="0"/>
+                <a:cs typeface="ＭＳ Ｐゴシック" charset="0"/>
+              </a:rPr>
+              <a:t>    =&gt; BASED ON:  Federation of Enterprise Architecture Professional Organizations: FEAPO - http://</a:t>
+            </a:r>
+            <a:r>
+              <a:rPr lang="en-US" sz="1200" b="0" kern="1200" baseline="0" dirty="0" err="1" smtClean="0">
+                <a:solidFill>
+                  <a:schemeClr val="tx1"/>
+                </a:solidFill>
+                <a:latin typeface="+mn-lt"/>
+                <a:ea typeface="ＭＳ Ｐゴシック" charset="0"/>
+                <a:cs typeface="ＭＳ Ｐゴシック" charset="0"/>
+              </a:rPr>
+              <a:t>feapo.org</a:t>
+            </a:r>
+            <a:r>
+              <a:rPr lang="en-US" sz="1200" b="0" kern="1200" baseline="0" dirty="0" smtClean="0">
+                <a:solidFill>
+                  <a:schemeClr val="tx1"/>
+                </a:solidFill>
+                <a:latin typeface="+mn-lt"/>
+                <a:ea typeface="ＭＳ Ｐゴシック" charset="0"/>
+                <a:cs typeface="ＭＳ Ｐゴシック" charset="0"/>
+              </a:rPr>
+              <a:t>/</a:t>
+            </a:r>
+            <a:r>
+              <a:rPr lang="en-US" sz="1200" b="0" kern="1200" baseline="0" dirty="0" err="1" smtClean="0">
+                <a:solidFill>
+                  <a:schemeClr val="tx1"/>
+                </a:solidFill>
+                <a:latin typeface="+mn-lt"/>
+                <a:ea typeface="ＭＳ Ｐゴシック" charset="0"/>
+                <a:cs typeface="ＭＳ Ｐゴシック" charset="0"/>
+              </a:rPr>
+              <a:t>wp</a:t>
+            </a:r>
+            <a:r>
+              <a:rPr lang="en-US" sz="1200" b="0" kern="1200" baseline="0" dirty="0" smtClean="0">
+                <a:solidFill>
+                  <a:schemeClr val="tx1"/>
+                </a:solidFill>
+                <a:latin typeface="+mn-lt"/>
+                <a:ea typeface="ＭＳ Ｐゴシック" charset="0"/>
+                <a:cs typeface="ＭＳ Ｐゴシック" charset="0"/>
+              </a:rPr>
+              <a:t>-content/uploads/2013/11/Common-Perspectives-on-Enterprise-Architecture-v15.pdf</a:t>
+            </a:r>
+          </a:p>
+          <a:p>
+            <a:endParaRPr lang="en-US" sz="1200" b="0" kern="1200" baseline="0" dirty="0" smtClean="0">
+              <a:solidFill>
+                <a:schemeClr val="tx1"/>
+              </a:solidFill>
+              <a:latin typeface="+mn-lt"/>
+              <a:ea typeface="ＭＳ Ｐゴシック" charset="0"/>
+              <a:cs typeface="ＭＳ Ｐゴシック" charset="0"/>
+            </a:endParaRPr>
+          </a:p>
+          <a:p>
+            <a:pPr marL="0" marR="0" indent="0" algn="l" defTabSz="457200" rtl="0" eaLnBrk="0" fontAlgn="base" latinLnBrk="0" hangingPunct="0">
+              <a:lnSpc>
+                <a:spcPct val="100000"/>
+              </a:lnSpc>
+              <a:spcBef>
+                <a:spcPct val="30000"/>
+              </a:spcBef>
+              <a:spcAft>
+                <a:spcPct val="0"/>
+              </a:spcAft>
+              <a:buClrTx/>
+              <a:buSzTx/>
+              <a:buFontTx/>
+              <a:buNone/>
+              <a:tabLst/>
+              <a:defRPr/>
+            </a:pPr>
+            <a:r>
+              <a:rPr lang="en-US" sz="1200" b="0" kern="1200" baseline="0" dirty="0" smtClean="0">
+                <a:solidFill>
+                  <a:schemeClr val="tx1"/>
+                </a:solidFill>
+                <a:latin typeface="+mn-lt"/>
+                <a:ea typeface="ＭＳ Ｐゴシック" charset="0"/>
+                <a:cs typeface="ＭＳ Ｐゴシック" charset="0"/>
+              </a:rPr>
+              <a:t>IST-EA’s 3-year plan(): </a:t>
+            </a:r>
+            <a:r>
+              <a:rPr lang="en-CA" sz="1200" b="1" kern="1200" dirty="0" smtClean="0">
+                <a:solidFill>
+                  <a:schemeClr val="tx1"/>
+                </a:solidFill>
+                <a:effectLst/>
+                <a:latin typeface="+mn-lt"/>
+                <a:ea typeface="ＭＳ Ｐゴシック" charset="0"/>
+                <a:cs typeface="ＭＳ Ｐゴシック" charset="0"/>
+              </a:rPr>
+              <a:t>Enterprise Architecture (EA)</a:t>
+            </a:r>
+            <a:r>
+              <a:rPr lang="en-CA" sz="1200" kern="1200" dirty="0" smtClean="0">
+                <a:solidFill>
+                  <a:schemeClr val="tx1"/>
+                </a:solidFill>
+                <a:effectLst/>
+                <a:latin typeface="+mn-lt"/>
+                <a:ea typeface="ＭＳ Ｐゴシック" charset="0"/>
+                <a:cs typeface="ＭＳ Ｐゴシック" charset="0"/>
+              </a:rPr>
+              <a:t> is the overall representation of an enterprise’s business and information technology.  EA plays a key role in formulating and implementing the strategic plans of an enterprise.  It provides architectural principles, standards and guidelines to inform the procurement, development and deployment of an integrated technology ecosystem. The ultimate goal of EA is to meet the business needs within the enterprise in an </a:t>
+            </a:r>
+            <a:r>
+              <a:rPr lang="en-US" sz="1200" kern="1200" dirty="0" smtClean="0">
+                <a:solidFill>
+                  <a:schemeClr val="tx1"/>
+                </a:solidFill>
+                <a:effectLst/>
+                <a:latin typeface="+mn-lt"/>
+                <a:ea typeface="ＭＳ Ｐゴシック" charset="0"/>
+                <a:cs typeface="ＭＳ Ｐゴシック" charset="0"/>
+              </a:rPr>
+              <a:t>efficient, sustainable, agile and adaptable manner</a:t>
+            </a:r>
+            <a:r>
+              <a:rPr lang="en-CA" sz="1200" kern="1200" dirty="0" smtClean="0">
+                <a:solidFill>
+                  <a:schemeClr val="tx1"/>
+                </a:solidFill>
+                <a:effectLst/>
+                <a:latin typeface="+mn-lt"/>
+                <a:ea typeface="ＭＳ Ｐゴシック" charset="0"/>
+                <a:cs typeface="ＭＳ Ｐゴシック" charset="0"/>
+              </a:rPr>
+              <a:t>. </a:t>
+            </a:r>
+          </a:p>
+          <a:p>
+            <a:endParaRPr lang="en-US" sz="1200" b="0" kern="1200" baseline="30000" dirty="0" smtClean="0">
+              <a:solidFill>
+                <a:schemeClr val="tx1"/>
+              </a:solidFill>
+              <a:latin typeface="+mn-lt"/>
+              <a:ea typeface="ＭＳ Ｐゴシック" charset="0"/>
+              <a:cs typeface="ＭＳ Ｐゴシック" charset="0"/>
+            </a:endParaRPr>
+          </a:p>
+        </p:txBody>
+      </p:sp>
+      <p:sp>
+        <p:nvSpPr>
+          <p:cNvPr id="4" name="Slide Number Placeholder 3"/>
+          <p:cNvSpPr>
+            <a:spLocks noGrp="1"/>
+          </p:cNvSpPr>
+          <p:nvPr>
+            <p:ph type="sldNum" sz="quarter" idx="10"/>
+          </p:nvPr>
+        </p:nvSpPr>
+        <p:spPr/>
+        <p:txBody>
+          <a:bodyPr/>
+          <a:lstStyle/>
+          <a:p>
+            <a:pPr>
+              <a:defRPr/>
+            </a:pPr>
+            <a:fld id="{2243CCA8-BAFD-7144-8E02-BD9119658895}" type="slidenum">
+              <a:rPr lang="en-US" smtClean="0"/>
+              <a:pPr>
+                <a:defRPr/>
+              </a:pPr>
+              <a:t>16</a:t>
+            </a:fld>
+            <a:endParaRPr lang="en-US"/>
+          </a:p>
+        </p:txBody>
+      </p:sp>
+    </p:spTree>
+    <p:extLst>
+      <p:ext uri="{BB962C8B-B14F-4D97-AF65-F5344CB8AC3E}">
+        <p14:creationId xmlns:p14="http://schemas.microsoft.com/office/powerpoint/2010/main" val="527736154"/>
+      </p:ext>
+    </p:extLst>
+  </p:cSld>
+  <p:clrMapOvr>
+    <a:masterClrMapping/>
+  </p:clrMapOvr>
+</p:notes>
+</file>
+
+<file path=ppt/notesSlides/notesSlide4.xml><?xml version="1.0" encoding="utf-8"?>
+<p:notes xmlns:a="http://schemas.openxmlformats.org/drawingml/2006/main" xmlns:r="http://schemas.openxmlformats.org/officeDocument/2006/relationships" xmlns:p="http://schemas.openxmlformats.org/presentationml/2006/main">
+  <p:cSld>
+    <p:spTree>
+      <p:nvGrpSpPr>
+        <p:cNvPr id="1" name=""/>
+        <p:cNvGrpSpPr/>
+        <p:nvPr/>
+      </p:nvGrpSpPr>
+      <p:grpSpPr>
+        <a:xfrm>
+          <a:off x="0" y="0"/>
+          <a:ext cx="0" cy="0"/>
+          <a:chOff x="0" y="0"/>
+          <a:chExt cx="0" cy="0"/>
+        </a:xfrm>
+      </p:grpSpPr>
+      <p:sp>
+        <p:nvSpPr>
+          <p:cNvPr id="2" name="Slide Image Placeholder 1"/>
+          <p:cNvSpPr>
+            <a:spLocks noGrp="1" noRot="1" noChangeAspect="1"/>
+          </p:cNvSpPr>
+          <p:nvPr>
+            <p:ph type="sldImg"/>
+          </p:nvPr>
+        </p:nvSpPr>
+        <p:spPr/>
+      </p:sp>
+      <p:sp>
+        <p:nvSpPr>
+          <p:cNvPr id="3" name="Notes Placeholder 2"/>
+          <p:cNvSpPr>
+            <a:spLocks noGrp="1"/>
+          </p:cNvSpPr>
+          <p:nvPr>
+            <p:ph type="body" idx="1"/>
+          </p:nvPr>
+        </p:nvSpPr>
+        <p:spPr/>
+        <p:txBody>
+          <a:bodyPr/>
+          <a:lstStyle/>
+          <a:p>
+            <a:pPr marL="0" marR="0" indent="0" algn="l" defTabSz="457200" rtl="0" eaLnBrk="0" fontAlgn="base" latinLnBrk="0" hangingPunct="0">
+              <a:lnSpc>
+                <a:spcPct val="100000"/>
+              </a:lnSpc>
+              <a:spcBef>
+                <a:spcPct val="30000"/>
+              </a:spcBef>
+              <a:spcAft>
+                <a:spcPct val="0"/>
+              </a:spcAft>
+              <a:buClrTx/>
+              <a:buSzTx/>
+              <a:buFontTx/>
+              <a:buNone/>
+              <a:tabLst/>
+              <a:defRPr/>
+            </a:pPr>
+            <a:r>
+              <a:rPr lang="en-CA" sz="1200" kern="1200" dirty="0" smtClean="0">
+                <a:solidFill>
+                  <a:schemeClr val="tx1"/>
+                </a:solidFill>
+                <a:effectLst/>
+                <a:latin typeface="+mn-lt"/>
+                <a:ea typeface="ＭＳ Ｐゴシック" charset="0"/>
+                <a:cs typeface="ＭＳ Ｐゴシック" charset="0"/>
+              </a:rPr>
+              <a:t>Whitehouse (https://</a:t>
+            </a:r>
+            <a:r>
+              <a:rPr lang="en-CA" sz="1200" kern="1200" dirty="0" err="1" smtClean="0">
+                <a:solidFill>
+                  <a:schemeClr val="tx1"/>
+                </a:solidFill>
+                <a:effectLst/>
+                <a:latin typeface="+mn-lt"/>
+                <a:ea typeface="ＭＳ Ｐゴシック" charset="0"/>
+                <a:cs typeface="ＭＳ Ｐゴシック" charset="0"/>
+              </a:rPr>
+              <a:t>www.whitehouse.gov</a:t>
+            </a:r>
+            <a:r>
+              <a:rPr lang="en-CA" sz="1200" kern="1200" dirty="0" smtClean="0">
+                <a:solidFill>
+                  <a:schemeClr val="tx1"/>
+                </a:solidFill>
+                <a:effectLst/>
+                <a:latin typeface="+mn-lt"/>
+                <a:ea typeface="ＭＳ Ｐゴシック" charset="0"/>
+                <a:cs typeface="ＭＳ Ｐゴシック" charset="0"/>
+              </a:rPr>
+              <a:t>/sites/default/files/</a:t>
+            </a:r>
+            <a:r>
+              <a:rPr lang="en-CA" sz="1200" kern="1200" dirty="0" err="1" smtClean="0">
+                <a:solidFill>
+                  <a:schemeClr val="tx1"/>
+                </a:solidFill>
+                <a:effectLst/>
+                <a:latin typeface="+mn-lt"/>
+                <a:ea typeface="ＭＳ Ｐゴシック" charset="0"/>
+                <a:cs typeface="ＭＳ Ｐゴシック" charset="0"/>
+              </a:rPr>
+              <a:t>omb</a:t>
+            </a:r>
+            <a:r>
+              <a:rPr lang="en-CA" sz="1200" kern="1200" dirty="0" smtClean="0">
+                <a:solidFill>
+                  <a:schemeClr val="tx1"/>
+                </a:solidFill>
+                <a:effectLst/>
+                <a:latin typeface="+mn-lt"/>
+                <a:ea typeface="ＭＳ Ｐゴシック" charset="0"/>
+                <a:cs typeface="ＭＳ Ｐゴシック" charset="0"/>
+              </a:rPr>
+              <a:t>/assets/</a:t>
+            </a:r>
+            <a:r>
+              <a:rPr lang="en-CA" sz="1200" kern="1200" dirty="0" err="1" smtClean="0">
+                <a:solidFill>
+                  <a:schemeClr val="tx1"/>
+                </a:solidFill>
+                <a:effectLst/>
+                <a:latin typeface="+mn-lt"/>
+                <a:ea typeface="ＭＳ Ｐゴシック" charset="0"/>
+                <a:cs typeface="ＭＳ Ｐゴシック" charset="0"/>
+              </a:rPr>
+              <a:t>egov_docs</a:t>
+            </a:r>
+            <a:r>
+              <a:rPr lang="en-CA" sz="1200" kern="1200" dirty="0" smtClean="0">
+                <a:solidFill>
+                  <a:schemeClr val="tx1"/>
+                </a:solidFill>
+                <a:effectLst/>
+                <a:latin typeface="+mn-lt"/>
+                <a:ea typeface="ＭＳ Ｐゴシック" charset="0"/>
+                <a:cs typeface="ＭＳ Ｐゴシック" charset="0"/>
+              </a:rPr>
+              <a:t>/</a:t>
+            </a:r>
+            <a:r>
+              <a:rPr lang="en-CA" sz="1200" kern="1200" dirty="0" err="1" smtClean="0">
+                <a:solidFill>
+                  <a:schemeClr val="tx1"/>
+                </a:solidFill>
+                <a:effectLst/>
+                <a:latin typeface="+mn-lt"/>
+                <a:ea typeface="ＭＳ Ｐゴシック" charset="0"/>
+                <a:cs typeface="ＭＳ Ｐゴシック" charset="0"/>
+              </a:rPr>
+              <a:t>common_approach_to_federal_ea.pdf</a:t>
+            </a:r>
+            <a:r>
+              <a:rPr lang="en-CA" sz="1200" kern="1200" dirty="0" smtClean="0">
+                <a:solidFill>
+                  <a:schemeClr val="tx1"/>
+                </a:solidFill>
+                <a:effectLst/>
+                <a:latin typeface="+mn-lt"/>
+                <a:ea typeface="ＭＳ Ｐゴシック" charset="0"/>
+                <a:cs typeface="ＭＳ Ｐゴシック" charset="0"/>
+              </a:rPr>
+              <a:t>)</a:t>
+            </a:r>
+            <a:r>
+              <a:rPr lang="en-CA" sz="1200" b="1" kern="1200" dirty="0" smtClean="0">
+                <a:solidFill>
+                  <a:schemeClr val="tx1"/>
+                </a:solidFill>
+                <a:effectLst/>
+                <a:latin typeface="+mn-lt"/>
+                <a:ea typeface="ＭＳ Ｐゴシック" charset="0"/>
+                <a:cs typeface="ＭＳ Ｐゴシック" charset="0"/>
+              </a:rPr>
+              <a:t>:</a:t>
+            </a:r>
+            <a:r>
+              <a:rPr lang="en-CA" sz="1200" b="1" kern="1200" baseline="0" dirty="0" smtClean="0">
+                <a:solidFill>
+                  <a:schemeClr val="tx1"/>
+                </a:solidFill>
+                <a:effectLst/>
+                <a:latin typeface="+mn-lt"/>
+                <a:ea typeface="ＭＳ Ｐゴシック" charset="0"/>
+                <a:cs typeface="ＭＳ Ｐゴシック" charset="0"/>
+              </a:rPr>
+              <a:t> </a:t>
+            </a:r>
+            <a:r>
+              <a:rPr lang="en-US" sz="1200" b="1" kern="1200" dirty="0" smtClean="0">
+                <a:solidFill>
+                  <a:schemeClr val="tx1"/>
+                </a:solidFill>
+                <a:latin typeface="+mn-lt"/>
+                <a:ea typeface="ＭＳ Ｐゴシック" charset="0"/>
+                <a:cs typeface="ＭＳ Ｐゴシック" charset="0"/>
+              </a:rPr>
+              <a:t>Enterprise Architecture </a:t>
+            </a:r>
+            <a:r>
+              <a:rPr lang="en-US" sz="1200" kern="1200" dirty="0" smtClean="0">
+                <a:solidFill>
+                  <a:schemeClr val="tx1"/>
+                </a:solidFill>
+                <a:latin typeface="+mn-lt"/>
+                <a:ea typeface="ＭＳ Ｐゴシック" charset="0"/>
+                <a:cs typeface="ＭＳ Ｐゴシック" charset="0"/>
+              </a:rPr>
+              <a:t>means a strategic information asset base, which defines the mission; the information necessary to perform the mission, the technologies necessary to perform the mission, and the transitional processes for implementing new technologies in response to changing mission needs; and includes a baseline architecture, a target architecture, and a sequencing plan.</a:t>
+            </a:r>
+            <a:endParaRPr lang="en-US" sz="1200" b="0" kern="1200" baseline="30000" dirty="0" smtClean="0">
+              <a:solidFill>
+                <a:schemeClr val="tx1"/>
+              </a:solidFill>
+              <a:latin typeface="+mn-lt"/>
+              <a:ea typeface="ＭＳ Ｐゴシック" charset="0"/>
+              <a:cs typeface="ＭＳ Ｐゴシック" charset="0"/>
+            </a:endParaRPr>
+          </a:p>
+        </p:txBody>
+      </p:sp>
+      <p:sp>
+        <p:nvSpPr>
+          <p:cNvPr id="4" name="Slide Number Placeholder 3"/>
+          <p:cNvSpPr>
+            <a:spLocks noGrp="1"/>
+          </p:cNvSpPr>
+          <p:nvPr>
+            <p:ph type="sldNum" sz="quarter" idx="10"/>
+          </p:nvPr>
+        </p:nvSpPr>
+        <p:spPr/>
+        <p:txBody>
+          <a:bodyPr/>
+          <a:lstStyle/>
+          <a:p>
+            <a:pPr>
+              <a:defRPr/>
+            </a:pPr>
+            <a:fld id="{2243CCA8-BAFD-7144-8E02-BD9119658895}" type="slidenum">
+              <a:rPr lang="en-US" smtClean="0"/>
+              <a:pPr>
+                <a:defRPr/>
+              </a:pPr>
+              <a:t>17</a:t>
+            </a:fld>
+            <a:endParaRPr lang="en-US"/>
+          </a:p>
+        </p:txBody>
+      </p:sp>
+    </p:spTree>
+    <p:extLst>
+      <p:ext uri="{BB962C8B-B14F-4D97-AF65-F5344CB8AC3E}">
+        <p14:creationId xmlns:p14="http://schemas.microsoft.com/office/powerpoint/2010/main" val="527736154"/>
+      </p:ext>
+    </p:extLst>
+  </p:cSld>
+  <p:clrMapOvr>
+    <a:masterClrMapping/>
+  </p:clrMapOvr>
+</p:notes>
+</file>
+
+<file path=ppt/notesSlides/notesSlide5.xml><?xml version="1.0" encoding="utf-8"?>
 <p:notes xmlns:a="http://schemas.openxmlformats.org/drawingml/2006/main" xmlns:r="http://schemas.openxmlformats.org/officeDocument/2006/relationships" xmlns:p="http://schemas.openxmlformats.org/presentationml/2006/main">
   <p:cSld>
     <p:spTree>
@@ -7613,15 +8297,15 @@
             <a:tailEnd/>
           </a:ln>
           <a:extLst>
-            <a:ext uri="{FAA26D3D-D897-4be2-8F04-BA451C77F1D7}">
-              <ma14:placeholderFlag xmlns:ma14="http://schemas.microsoft.com/office/mac/drawingml/2011/main" val="1"/>
-            </a:ext>
             <a:ext uri="{909E8E84-426E-40dd-AFC4-6F175D3DCCD1}">
-              <a14:hiddenFill xmlns:a14="http://schemas.microsoft.com/office/drawing/2010/main" xmlns="">
+              <a14:hiddenFill xmlns:a14="http://schemas.microsoft.com/office/drawing/2010/main">
                 <a:solidFill>
                   <a:srgbClr val="FFFFFF"/>
                 </a:solidFill>
               </a14:hiddenFill>
+            </a:ext>
+            <a:ext uri="{FAA26D3D-D897-4be2-8F04-BA451C77F1D7}">
+              <ma14:placeholderFlag xmlns:ma14="http://schemas.microsoft.com/office/mac/drawingml/2011/main" val="1"/>
             </a:ext>
           </a:extLst>
         </p:spPr>
@@ -7639,14 +8323,14 @@
         <p:spPr bwMode="auto">
           <a:extLst>
             <a:ext uri="{909E8E84-426E-40dd-AFC4-6F175D3DCCD1}">
-              <a14:hiddenFill xmlns:a14="http://schemas.microsoft.com/office/drawing/2010/main" xmlns="">
+              <a14:hiddenFill xmlns:a14="http://schemas.microsoft.com/office/drawing/2010/main">
                 <a:solidFill>
                   <a:srgbClr val="FFFFFF"/>
                 </a:solidFill>
               </a14:hiddenFill>
             </a:ext>
             <a:ext uri="{91240B29-F687-4f45-9708-019B960494DF}">
-              <a14:hiddenLine xmlns:a14="http://schemas.microsoft.com/office/drawing/2010/main" xmlns="" w="9525">
+              <a14:hiddenLine xmlns:a14="http://schemas.microsoft.com/office/drawing/2010/main" w="9525">
                 <a:solidFill>
                   <a:srgbClr val="000000"/>
                 </a:solidFill>
@@ -7739,14 +8423,14 @@
           <a:noFill/>
           <a:extLst>
             <a:ext uri="{909E8E84-426E-40dd-AFC4-6F175D3DCCD1}">
-              <a14:hiddenFill xmlns:a14="http://schemas.microsoft.com/office/drawing/2010/main" xmlns="">
+              <a14:hiddenFill xmlns:a14="http://schemas.microsoft.com/office/drawing/2010/main">
                 <a:solidFill>
                   <a:srgbClr val="FFFFFF"/>
                 </a:solidFill>
               </a14:hiddenFill>
             </a:ext>
             <a:ext uri="{91240B29-F687-4f45-9708-019B960494DF}">
-              <a14:hiddenLine xmlns:a14="http://schemas.microsoft.com/office/drawing/2010/main" xmlns="" w="9525">
+              <a14:hiddenLine xmlns:a14="http://schemas.microsoft.com/office/drawing/2010/main" w="9525">
                 <a:solidFill>
                   <a:srgbClr val="000000"/>
                 </a:solidFill>
@@ -7890,7 +8574,7 @@
                   <a:spcPct val="0"/>
                 </a:spcAft>
               </a:pPr>
-              <a:t>22</a:t>
+              <a:t>23</a:t>
             </a:fld>
             <a:endParaRPr lang="en-US" sz="1200"/>
           </a:p>
@@ -9265,14 +9949,14 @@
           </a:ln>
           <a:extLst>
             <a:ext uri="{909E8E84-426E-40dd-AFC4-6F175D3DCCD1}">
-              <a14:hiddenFill xmlns:a14="http://schemas.microsoft.com/office/drawing/2010/main" xmlns="">
+              <a14:hiddenFill xmlns:a14="http://schemas.microsoft.com/office/drawing/2010/main">
                 <a:solidFill>
                   <a:srgbClr val="FFFFFF"/>
                 </a:solidFill>
               </a14:hiddenFill>
             </a:ext>
             <a:ext uri="{91240B29-F687-4f45-9708-019B960494DF}">
-              <a14:hiddenLine xmlns:a14="http://schemas.microsoft.com/office/drawing/2010/main" xmlns="" w="9525">
+              <a14:hiddenLine xmlns:a14="http://schemas.microsoft.com/office/drawing/2010/main" w="9525">
                 <a:solidFill>
                   <a:srgbClr val="000000"/>
                 </a:solidFill>
@@ -9989,7 +10673,7 @@
   <p:clrMapOvr>
     <a:masterClrMapping/>
   </p:clrMapOvr>
-  <p:transition>
+  <p:transition xmlns:p14="http://schemas.microsoft.com/office/powerpoint/2010/main">
     <p:fade/>
   </p:transition>
 </p:sldLayout>
@@ -10052,14 +10736,14 @@
           </a:ln>
           <a:extLst>
             <a:ext uri="{909E8E84-426E-40dd-AFC4-6F175D3DCCD1}">
-              <a14:hiddenFill xmlns:a14="http://schemas.microsoft.com/office/drawing/2010/main" xmlns="">
+              <a14:hiddenFill xmlns:a14="http://schemas.microsoft.com/office/drawing/2010/main">
                 <a:solidFill>
                   <a:srgbClr val="FFFFFF"/>
                 </a:solidFill>
               </a14:hiddenFill>
             </a:ext>
             <a:ext uri="{91240B29-F687-4f45-9708-019B960494DF}">
-              <a14:hiddenLine xmlns:a14="http://schemas.microsoft.com/office/drawing/2010/main" xmlns="" w="9525">
+              <a14:hiddenLine xmlns:a14="http://schemas.microsoft.com/office/drawing/2010/main" w="9525">
                 <a:solidFill>
                   <a:srgbClr val="000000"/>
                 </a:solidFill>
@@ -10350,7 +11034,7 @@
   <p:timing>
     <p:tnLst>
       <p:par>
-        <p:cTn id="1" dur="indefinite" restart="never" nodeType="tmRoot"/>
+        <p:cTn xmlns:p14="http://schemas.microsoft.com/office/powerpoint/2010/main" id="1" dur="indefinite" restart="never" nodeType="tmRoot"/>
       </p:par>
     </p:tnLst>
   </p:timing>
@@ -10911,6 +11595,36 @@
           </a:p>
         </p:txBody>
       </p:sp>
+      <p:sp>
+        <p:nvSpPr>
+          <p:cNvPr id="5" name="TextBox 4"/>
+          <p:cNvSpPr txBox="1"/>
+          <p:nvPr/>
+        </p:nvSpPr>
+        <p:spPr>
+          <a:xfrm>
+            <a:off x="3590637" y="6176818"/>
+            <a:ext cx="1903085" cy="369332"/>
+          </a:xfrm>
+          <a:prstGeom prst="rect">
+            <a:avLst/>
+          </a:prstGeom>
+          <a:noFill/>
+        </p:spPr>
+        <p:txBody>
+          <a:bodyPr wrap="none" rtlCol="0">
+            <a:spAutoFit/>
+          </a:bodyPr>
+          <a:lstStyle/>
+          <a:p>
+            <a:r>
+              <a:rPr lang="en-US" dirty="0" smtClean="0"/>
+              <a:t>December 7, 2014</a:t>
+            </a:r>
+            <a:endParaRPr lang="en-US" dirty="0"/>
+          </a:p>
+        </p:txBody>
+      </p:sp>
     </p:spTree>
   </p:cSld>
   <p:clrMapOvr>
@@ -10919,7 +11633,7 @@
   <p:timing>
     <p:tnLst>
       <p:par>
-        <p:cTn id="1" dur="indefinite" restart="never" nodeType="tmRoot"/>
+        <p:cTn xmlns:p14="http://schemas.microsoft.com/office/powerpoint/2010/main" id="1" dur="indefinite" restart="never" nodeType="tmRoot"/>
       </p:par>
     </p:tnLst>
   </p:timing>
@@ -10968,82 +11682,6 @@
       </p:sp>
       <p:sp>
         <p:nvSpPr>
-          <p:cNvPr id="3" name="Content Placeholder 2"/>
-          <p:cNvSpPr>
-            <a:spLocks noGrp="1"/>
-          </p:cNvSpPr>
-          <p:nvPr>
-            <p:ph idx="1"/>
-          </p:nvPr>
-        </p:nvSpPr>
-        <p:spPr/>
-        <p:txBody>
-          <a:bodyPr>
-            <a:normAutofit fontScale="92500"/>
-          </a:bodyPr>
-          <a:lstStyle/>
-          <a:p>
-            <a:pPr marL="0" indent="0">
-              <a:buNone/>
-            </a:pPr>
-            <a:r>
-              <a:rPr lang="en-US" dirty="0" smtClean="0"/>
-              <a:t>Story:</a:t>
-            </a:r>
-          </a:p>
-          <a:p>
-            <a:pPr marL="0" indent="0">
-              <a:buNone/>
-            </a:pPr>
-            <a:r>
-              <a:rPr lang="en-US" dirty="0" smtClean="0"/>
-              <a:t>“Does it do Y?   No.  But you could do it this way.”</a:t>
-            </a:r>
-          </a:p>
-          <a:p>
-            <a:pPr marL="0" indent="0">
-              <a:buNone/>
-            </a:pPr>
-            <a:r>
-              <a:rPr lang="en-US" dirty="0" smtClean="0"/>
-              <a:t>“How about Z?    No.  We’ll need another tool.”</a:t>
-            </a:r>
-          </a:p>
-          <a:p>
-            <a:pPr marL="0" indent="0">
-              <a:buNone/>
-            </a:pPr>
-            <a:endParaRPr lang="en-US" dirty="0"/>
-          </a:p>
-          <a:p>
-            <a:pPr marL="0" indent="0">
-              <a:buNone/>
-            </a:pPr>
-            <a:r>
-              <a:rPr lang="en-US" dirty="0" smtClean="0"/>
-              <a:t>“Can it hold information Q?  No.  Maybe put it in this field.”</a:t>
-            </a:r>
-          </a:p>
-          <a:p>
-            <a:pPr marL="0" indent="0">
-              <a:buNone/>
-            </a:pPr>
-            <a:endParaRPr lang="en-US" dirty="0"/>
-          </a:p>
-          <a:p>
-            <a:pPr marL="0" indent="0">
-              <a:buNone/>
-            </a:pPr>
-            <a:r>
-              <a:rPr lang="en-US" dirty="0" smtClean="0"/>
-              <a:t>“Can it integrate with this system?  Not without custom work. </a:t>
-            </a:r>
-            <a:endParaRPr lang="en-US" dirty="0"/>
-          </a:p>
-        </p:txBody>
-      </p:sp>
-      <p:sp>
-        <p:nvSpPr>
           <p:cNvPr id="4" name="Footer Placeholder 3"/>
           <p:cNvSpPr>
             <a:spLocks noGrp="1"/>
@@ -11068,16 +11706,5330 @@
           </a:p>
         </p:txBody>
       </p:sp>
+      <p:pic>
+        <p:nvPicPr>
+          <p:cNvPr id="6" name="Content Placeholder 5"/>
+          <p:cNvPicPr>
+            <a:picLocks noGrp="1" noChangeAspect="1"/>
+          </p:cNvPicPr>
+          <p:nvPr>
+            <p:ph idx="1"/>
+          </p:nvPr>
+        </p:nvPicPr>
+        <p:blipFill>
+          <a:blip r:embed="rId2"/>
+          <a:srcRect l="-6694" r="-6694"/>
+          <a:stretch>
+            <a:fillRect/>
+          </a:stretch>
+        </p:blipFill>
+        <p:spPr>
+          <a:xfrm>
+            <a:off x="457200" y="1283422"/>
+            <a:ext cx="3814618" cy="1997818"/>
+          </a:xfrm>
+        </p:spPr>
+      </p:pic>
+      <p:pic>
+        <p:nvPicPr>
+          <p:cNvPr id="96" name="Content Placeholder 5"/>
+          <p:cNvPicPr>
+            <a:picLocks noChangeAspect="1"/>
+          </p:cNvPicPr>
+          <p:nvPr/>
+        </p:nvPicPr>
+        <p:blipFill>
+          <a:blip r:embed="rId2"/>
+          <a:srcRect l="-6694" r="-6694"/>
+          <a:stretch>
+            <a:fillRect/>
+          </a:stretch>
+        </p:blipFill>
+        <p:spPr>
+          <a:xfrm>
+            <a:off x="609600" y="1435822"/>
+            <a:ext cx="3814618" cy="1997818"/>
+          </a:xfrm>
+          <a:prstGeom prst="rect">
+            <a:avLst/>
+          </a:prstGeom>
+        </p:spPr>
+      </p:pic>
+      <p:pic>
+        <p:nvPicPr>
+          <p:cNvPr id="97" name="Content Placeholder 5"/>
+          <p:cNvPicPr>
+            <a:picLocks noChangeAspect="1"/>
+          </p:cNvPicPr>
+          <p:nvPr/>
+        </p:nvPicPr>
+        <p:blipFill>
+          <a:blip r:embed="rId2"/>
+          <a:srcRect l="-6694" r="-6694"/>
+          <a:stretch>
+            <a:fillRect/>
+          </a:stretch>
+        </p:blipFill>
+        <p:spPr>
+          <a:xfrm>
+            <a:off x="762000" y="1588222"/>
+            <a:ext cx="3814618" cy="1997818"/>
+          </a:xfrm>
+          <a:prstGeom prst="rect">
+            <a:avLst/>
+          </a:prstGeom>
+        </p:spPr>
+      </p:pic>
+      <p:pic>
+        <p:nvPicPr>
+          <p:cNvPr id="98" name="Content Placeholder 5"/>
+          <p:cNvPicPr>
+            <a:picLocks noChangeAspect="1"/>
+          </p:cNvPicPr>
+          <p:nvPr/>
+        </p:nvPicPr>
+        <p:blipFill>
+          <a:blip r:embed="rId2"/>
+          <a:srcRect l="-6694" r="-6694"/>
+          <a:stretch>
+            <a:fillRect/>
+          </a:stretch>
+        </p:blipFill>
+        <p:spPr>
+          <a:xfrm>
+            <a:off x="914400" y="1740622"/>
+            <a:ext cx="3814618" cy="1997818"/>
+          </a:xfrm>
+          <a:prstGeom prst="rect">
+            <a:avLst/>
+          </a:prstGeom>
+        </p:spPr>
+      </p:pic>
+      <p:pic>
+        <p:nvPicPr>
+          <p:cNvPr id="99" name="Content Placeholder 5"/>
+          <p:cNvPicPr>
+            <a:picLocks noChangeAspect="1"/>
+          </p:cNvPicPr>
+          <p:nvPr/>
+        </p:nvPicPr>
+        <p:blipFill>
+          <a:blip r:embed="rId2"/>
+          <a:srcRect l="-6694" r="-6694"/>
+          <a:stretch>
+            <a:fillRect/>
+          </a:stretch>
+        </p:blipFill>
+        <p:spPr>
+          <a:xfrm>
+            <a:off x="1066800" y="1893022"/>
+            <a:ext cx="3814618" cy="1997818"/>
+          </a:xfrm>
+          <a:prstGeom prst="rect">
+            <a:avLst/>
+          </a:prstGeom>
+        </p:spPr>
+      </p:pic>
+      <p:pic>
+        <p:nvPicPr>
+          <p:cNvPr id="100" name="Content Placeholder 5"/>
+          <p:cNvPicPr>
+            <a:picLocks noChangeAspect="1"/>
+          </p:cNvPicPr>
+          <p:nvPr/>
+        </p:nvPicPr>
+        <p:blipFill>
+          <a:blip r:embed="rId2"/>
+          <a:srcRect l="-6694" r="-6694"/>
+          <a:stretch>
+            <a:fillRect/>
+          </a:stretch>
+        </p:blipFill>
+        <p:spPr>
+          <a:xfrm>
+            <a:off x="1219200" y="2045422"/>
+            <a:ext cx="3814618" cy="1997818"/>
+          </a:xfrm>
+          <a:prstGeom prst="rect">
+            <a:avLst/>
+          </a:prstGeom>
+        </p:spPr>
+      </p:pic>
+      <p:pic>
+        <p:nvPicPr>
+          <p:cNvPr id="101" name="Content Placeholder 5"/>
+          <p:cNvPicPr>
+            <a:picLocks noChangeAspect="1"/>
+          </p:cNvPicPr>
+          <p:nvPr/>
+        </p:nvPicPr>
+        <p:blipFill>
+          <a:blip r:embed="rId2"/>
+          <a:srcRect l="-6694" r="-6694"/>
+          <a:stretch>
+            <a:fillRect/>
+          </a:stretch>
+        </p:blipFill>
+        <p:spPr>
+          <a:xfrm>
+            <a:off x="1371600" y="2197822"/>
+            <a:ext cx="3814618" cy="1997818"/>
+          </a:xfrm>
+          <a:prstGeom prst="rect">
+            <a:avLst/>
+          </a:prstGeom>
+        </p:spPr>
+      </p:pic>
+      <p:pic>
+        <p:nvPicPr>
+          <p:cNvPr id="102" name="Content Placeholder 5"/>
+          <p:cNvPicPr>
+            <a:picLocks noChangeAspect="1"/>
+          </p:cNvPicPr>
+          <p:nvPr/>
+        </p:nvPicPr>
+        <p:blipFill>
+          <a:blip r:embed="rId2"/>
+          <a:srcRect l="-6694" r="-6694"/>
+          <a:stretch>
+            <a:fillRect/>
+          </a:stretch>
+        </p:blipFill>
+        <p:spPr>
+          <a:xfrm>
+            <a:off x="1524000" y="2350222"/>
+            <a:ext cx="3814618" cy="1997818"/>
+          </a:xfrm>
+          <a:prstGeom prst="rect">
+            <a:avLst/>
+          </a:prstGeom>
+        </p:spPr>
+      </p:pic>
+      <p:pic>
+        <p:nvPicPr>
+          <p:cNvPr id="103" name="Content Placeholder 5"/>
+          <p:cNvPicPr>
+            <a:picLocks noChangeAspect="1"/>
+          </p:cNvPicPr>
+          <p:nvPr/>
+        </p:nvPicPr>
+        <p:blipFill>
+          <a:blip r:embed="rId2"/>
+          <a:srcRect l="-6694" r="-6694"/>
+          <a:stretch>
+            <a:fillRect/>
+          </a:stretch>
+        </p:blipFill>
+        <p:spPr>
+          <a:xfrm>
+            <a:off x="1676400" y="2502622"/>
+            <a:ext cx="3814618" cy="1997818"/>
+          </a:xfrm>
+          <a:prstGeom prst="rect">
+            <a:avLst/>
+          </a:prstGeom>
+        </p:spPr>
+      </p:pic>
+      <p:pic>
+        <p:nvPicPr>
+          <p:cNvPr id="104" name="Content Placeholder 5"/>
+          <p:cNvPicPr>
+            <a:picLocks noChangeAspect="1"/>
+          </p:cNvPicPr>
+          <p:nvPr/>
+        </p:nvPicPr>
+        <p:blipFill>
+          <a:blip r:embed="rId2"/>
+          <a:srcRect l="-6694" r="-6694"/>
+          <a:stretch>
+            <a:fillRect/>
+          </a:stretch>
+        </p:blipFill>
+        <p:spPr>
+          <a:xfrm>
+            <a:off x="1828800" y="2655022"/>
+            <a:ext cx="3814618" cy="1997818"/>
+          </a:xfrm>
+          <a:prstGeom prst="rect">
+            <a:avLst/>
+          </a:prstGeom>
+        </p:spPr>
+      </p:pic>
+      <p:pic>
+        <p:nvPicPr>
+          <p:cNvPr id="105" name="Content Placeholder 5"/>
+          <p:cNvPicPr>
+            <a:picLocks noChangeAspect="1"/>
+          </p:cNvPicPr>
+          <p:nvPr/>
+        </p:nvPicPr>
+        <p:blipFill>
+          <a:blip r:embed="rId2"/>
+          <a:srcRect l="-6694" r="-6694"/>
+          <a:stretch>
+            <a:fillRect/>
+          </a:stretch>
+        </p:blipFill>
+        <p:spPr>
+          <a:xfrm>
+            <a:off x="1981200" y="2807422"/>
+            <a:ext cx="3814618" cy="1997818"/>
+          </a:xfrm>
+          <a:prstGeom prst="rect">
+            <a:avLst/>
+          </a:prstGeom>
+        </p:spPr>
+      </p:pic>
+      <p:pic>
+        <p:nvPicPr>
+          <p:cNvPr id="106" name="Content Placeholder 5"/>
+          <p:cNvPicPr>
+            <a:picLocks noChangeAspect="1"/>
+          </p:cNvPicPr>
+          <p:nvPr/>
+        </p:nvPicPr>
+        <p:blipFill>
+          <a:blip r:embed="rId2"/>
+          <a:srcRect l="-6694" r="-6694"/>
+          <a:stretch>
+            <a:fillRect/>
+          </a:stretch>
+        </p:blipFill>
+        <p:spPr>
+          <a:xfrm>
+            <a:off x="2133600" y="2959822"/>
+            <a:ext cx="3814618" cy="1997818"/>
+          </a:xfrm>
+          <a:prstGeom prst="rect">
+            <a:avLst/>
+          </a:prstGeom>
+        </p:spPr>
+      </p:pic>
+      <p:pic>
+        <p:nvPicPr>
+          <p:cNvPr id="107" name="Content Placeholder 5"/>
+          <p:cNvPicPr>
+            <a:picLocks noChangeAspect="1"/>
+          </p:cNvPicPr>
+          <p:nvPr/>
+        </p:nvPicPr>
+        <p:blipFill>
+          <a:blip r:embed="rId2"/>
+          <a:srcRect l="-6694" r="-6694"/>
+          <a:stretch>
+            <a:fillRect/>
+          </a:stretch>
+        </p:blipFill>
+        <p:spPr>
+          <a:xfrm>
+            <a:off x="2286000" y="3112222"/>
+            <a:ext cx="3814618" cy="1997818"/>
+          </a:xfrm>
+          <a:prstGeom prst="rect">
+            <a:avLst/>
+          </a:prstGeom>
+        </p:spPr>
+      </p:pic>
+      <p:pic>
+        <p:nvPicPr>
+          <p:cNvPr id="108" name="Content Placeholder 5"/>
+          <p:cNvPicPr>
+            <a:picLocks noChangeAspect="1"/>
+          </p:cNvPicPr>
+          <p:nvPr/>
+        </p:nvPicPr>
+        <p:blipFill>
+          <a:blip r:embed="rId2"/>
+          <a:srcRect l="-6694" r="-6694"/>
+          <a:stretch>
+            <a:fillRect/>
+          </a:stretch>
+        </p:blipFill>
+        <p:spPr>
+          <a:xfrm>
+            <a:off x="2438400" y="3264622"/>
+            <a:ext cx="3814618" cy="1997818"/>
+          </a:xfrm>
+          <a:prstGeom prst="rect">
+            <a:avLst/>
+          </a:prstGeom>
+        </p:spPr>
+      </p:pic>
+      <p:pic>
+        <p:nvPicPr>
+          <p:cNvPr id="109" name="Content Placeholder 5"/>
+          <p:cNvPicPr>
+            <a:picLocks noChangeAspect="1"/>
+          </p:cNvPicPr>
+          <p:nvPr/>
+        </p:nvPicPr>
+        <p:blipFill>
+          <a:blip r:embed="rId2"/>
+          <a:srcRect l="-6694" r="-6694"/>
+          <a:stretch>
+            <a:fillRect/>
+          </a:stretch>
+        </p:blipFill>
+        <p:spPr>
+          <a:xfrm>
+            <a:off x="2590800" y="3417022"/>
+            <a:ext cx="3814618" cy="1997818"/>
+          </a:xfrm>
+          <a:prstGeom prst="rect">
+            <a:avLst/>
+          </a:prstGeom>
+        </p:spPr>
+      </p:pic>
+      <p:pic>
+        <p:nvPicPr>
+          <p:cNvPr id="110" name="Content Placeholder 5"/>
+          <p:cNvPicPr>
+            <a:picLocks noChangeAspect="1"/>
+          </p:cNvPicPr>
+          <p:nvPr/>
+        </p:nvPicPr>
+        <p:blipFill>
+          <a:blip r:embed="rId2"/>
+          <a:srcRect l="-6694" r="-6694"/>
+          <a:stretch>
+            <a:fillRect/>
+          </a:stretch>
+        </p:blipFill>
+        <p:spPr>
+          <a:xfrm>
+            <a:off x="2743200" y="3569422"/>
+            <a:ext cx="3814618" cy="1997818"/>
+          </a:xfrm>
+          <a:prstGeom prst="rect">
+            <a:avLst/>
+          </a:prstGeom>
+        </p:spPr>
+      </p:pic>
+      <p:pic>
+        <p:nvPicPr>
+          <p:cNvPr id="111" name="Content Placeholder 5"/>
+          <p:cNvPicPr>
+            <a:picLocks noChangeAspect="1"/>
+          </p:cNvPicPr>
+          <p:nvPr/>
+        </p:nvPicPr>
+        <p:blipFill>
+          <a:blip r:embed="rId2"/>
+          <a:srcRect l="-6694" r="-6694"/>
+          <a:stretch>
+            <a:fillRect/>
+          </a:stretch>
+        </p:blipFill>
+        <p:spPr>
+          <a:xfrm>
+            <a:off x="2895600" y="3721822"/>
+            <a:ext cx="3814618" cy="1997818"/>
+          </a:xfrm>
+          <a:prstGeom prst="rect">
+            <a:avLst/>
+          </a:prstGeom>
+        </p:spPr>
+      </p:pic>
+      <p:pic>
+        <p:nvPicPr>
+          <p:cNvPr id="112" name="Content Placeholder 5"/>
+          <p:cNvPicPr>
+            <a:picLocks noChangeAspect="1"/>
+          </p:cNvPicPr>
+          <p:nvPr/>
+        </p:nvPicPr>
+        <p:blipFill>
+          <a:blip r:embed="rId2"/>
+          <a:srcRect l="-6694" r="-6694"/>
+          <a:stretch>
+            <a:fillRect/>
+          </a:stretch>
+        </p:blipFill>
+        <p:spPr>
+          <a:xfrm>
+            <a:off x="3048000" y="3874222"/>
+            <a:ext cx="3814618" cy="1997818"/>
+          </a:xfrm>
+          <a:prstGeom prst="rect">
+            <a:avLst/>
+          </a:prstGeom>
+        </p:spPr>
+      </p:pic>
+      <p:pic>
+        <p:nvPicPr>
+          <p:cNvPr id="113" name="Content Placeholder 5"/>
+          <p:cNvPicPr>
+            <a:picLocks noChangeAspect="1"/>
+          </p:cNvPicPr>
+          <p:nvPr/>
+        </p:nvPicPr>
+        <p:blipFill>
+          <a:blip r:embed="rId2"/>
+          <a:srcRect l="-6694" r="-6694"/>
+          <a:stretch>
+            <a:fillRect/>
+          </a:stretch>
+        </p:blipFill>
+        <p:spPr>
+          <a:xfrm>
+            <a:off x="4271818" y="657204"/>
+            <a:ext cx="3814618" cy="1997818"/>
+          </a:xfrm>
+          <a:prstGeom prst="rect">
+            <a:avLst/>
+          </a:prstGeom>
+        </p:spPr>
+      </p:pic>
+      <p:pic>
+        <p:nvPicPr>
+          <p:cNvPr id="114" name="Content Placeholder 5"/>
+          <p:cNvPicPr>
+            <a:picLocks noChangeAspect="1"/>
+          </p:cNvPicPr>
+          <p:nvPr/>
+        </p:nvPicPr>
+        <p:blipFill>
+          <a:blip r:embed="rId2"/>
+          <a:srcRect l="-6694" r="-6694"/>
+          <a:stretch>
+            <a:fillRect/>
+          </a:stretch>
+        </p:blipFill>
+        <p:spPr>
+          <a:xfrm>
+            <a:off x="4498109" y="894113"/>
+            <a:ext cx="3814618" cy="1997818"/>
+          </a:xfrm>
+          <a:prstGeom prst="rect">
+            <a:avLst/>
+          </a:prstGeom>
+        </p:spPr>
+      </p:pic>
+      <p:pic>
+        <p:nvPicPr>
+          <p:cNvPr id="115" name="Content Placeholder 5"/>
+          <p:cNvPicPr>
+            <a:picLocks noChangeAspect="1"/>
+          </p:cNvPicPr>
+          <p:nvPr/>
+        </p:nvPicPr>
+        <p:blipFill>
+          <a:blip r:embed="rId2"/>
+          <a:srcRect l="-6694" r="-6694"/>
+          <a:stretch>
+            <a:fillRect/>
+          </a:stretch>
+        </p:blipFill>
+        <p:spPr>
+          <a:xfrm>
+            <a:off x="4724400" y="1131022"/>
+            <a:ext cx="3814618" cy="1997818"/>
+          </a:xfrm>
+          <a:prstGeom prst="rect">
+            <a:avLst/>
+          </a:prstGeom>
+        </p:spPr>
+      </p:pic>
+      <p:pic>
+        <p:nvPicPr>
+          <p:cNvPr id="116" name="Content Placeholder 5"/>
+          <p:cNvPicPr>
+            <a:picLocks noChangeAspect="1"/>
+          </p:cNvPicPr>
+          <p:nvPr/>
+        </p:nvPicPr>
+        <p:blipFill>
+          <a:blip r:embed="rId2"/>
+          <a:srcRect l="-6694" r="-6694"/>
+          <a:stretch>
+            <a:fillRect/>
+          </a:stretch>
+        </p:blipFill>
+        <p:spPr>
+          <a:xfrm>
+            <a:off x="4950691" y="1367931"/>
+            <a:ext cx="3814618" cy="1997818"/>
+          </a:xfrm>
+          <a:prstGeom prst="rect">
+            <a:avLst/>
+          </a:prstGeom>
+        </p:spPr>
+      </p:pic>
+      <p:pic>
+        <p:nvPicPr>
+          <p:cNvPr id="117" name="Content Placeholder 5"/>
+          <p:cNvPicPr>
+            <a:picLocks noChangeAspect="1"/>
+          </p:cNvPicPr>
+          <p:nvPr/>
+        </p:nvPicPr>
+        <p:blipFill>
+          <a:blip r:embed="rId2"/>
+          <a:srcRect l="-6694" r="-6694"/>
+          <a:stretch>
+            <a:fillRect/>
+          </a:stretch>
+        </p:blipFill>
+        <p:spPr>
+          <a:xfrm>
+            <a:off x="5176982" y="1604840"/>
+            <a:ext cx="3814618" cy="1997818"/>
+          </a:xfrm>
+          <a:prstGeom prst="rect">
+            <a:avLst/>
+          </a:prstGeom>
+        </p:spPr>
+      </p:pic>
+      <p:pic>
+        <p:nvPicPr>
+          <p:cNvPr id="118" name="Content Placeholder 5"/>
+          <p:cNvPicPr>
+            <a:picLocks noChangeAspect="1"/>
+          </p:cNvPicPr>
+          <p:nvPr/>
+        </p:nvPicPr>
+        <p:blipFill>
+          <a:blip r:embed="rId2"/>
+          <a:srcRect l="-6694" r="-6694"/>
+          <a:stretch>
+            <a:fillRect/>
+          </a:stretch>
+        </p:blipFill>
+        <p:spPr>
+          <a:xfrm>
+            <a:off x="5403273" y="1841749"/>
+            <a:ext cx="3814618" cy="1997818"/>
+          </a:xfrm>
+          <a:prstGeom prst="rect">
+            <a:avLst/>
+          </a:prstGeom>
+        </p:spPr>
+      </p:pic>
+      <p:pic>
+        <p:nvPicPr>
+          <p:cNvPr id="120" name="Content Placeholder 5"/>
+          <p:cNvPicPr>
+            <a:picLocks noChangeAspect="1"/>
+          </p:cNvPicPr>
+          <p:nvPr/>
+        </p:nvPicPr>
+        <p:blipFill>
+          <a:blip r:embed="rId2"/>
+          <a:srcRect l="-6694" r="-6694"/>
+          <a:stretch>
+            <a:fillRect/>
+          </a:stretch>
+        </p:blipFill>
+        <p:spPr>
+          <a:xfrm>
+            <a:off x="4498109" y="2875313"/>
+            <a:ext cx="3814618" cy="1997818"/>
+          </a:xfrm>
+          <a:prstGeom prst="rect">
+            <a:avLst/>
+          </a:prstGeom>
+        </p:spPr>
+      </p:pic>
+      <p:pic>
+        <p:nvPicPr>
+          <p:cNvPr id="121" name="Content Placeholder 5"/>
+          <p:cNvPicPr>
+            <a:picLocks noChangeAspect="1"/>
+          </p:cNvPicPr>
+          <p:nvPr/>
+        </p:nvPicPr>
+        <p:blipFill>
+          <a:blip r:embed="rId2"/>
+          <a:srcRect l="-6694" r="-6694"/>
+          <a:stretch>
+            <a:fillRect/>
+          </a:stretch>
+        </p:blipFill>
+        <p:spPr>
+          <a:xfrm>
+            <a:off x="3592945" y="3908877"/>
+            <a:ext cx="3814618" cy="1997818"/>
+          </a:xfrm>
+          <a:prstGeom prst="rect">
+            <a:avLst/>
+          </a:prstGeom>
+        </p:spPr>
+      </p:pic>
+      <p:pic>
+        <p:nvPicPr>
+          <p:cNvPr id="122" name="Content Placeholder 5"/>
+          <p:cNvPicPr>
+            <a:picLocks noChangeAspect="1"/>
+          </p:cNvPicPr>
+          <p:nvPr/>
+        </p:nvPicPr>
+        <p:blipFill>
+          <a:blip r:embed="rId2"/>
+          <a:srcRect l="-6694" r="-6694"/>
+          <a:stretch>
+            <a:fillRect/>
+          </a:stretch>
+        </p:blipFill>
+        <p:spPr>
+          <a:xfrm>
+            <a:off x="5329382" y="3501531"/>
+            <a:ext cx="3814618" cy="1997818"/>
+          </a:xfrm>
+          <a:prstGeom prst="rect">
+            <a:avLst/>
+          </a:prstGeom>
+        </p:spPr>
+      </p:pic>
+      <p:pic>
+        <p:nvPicPr>
+          <p:cNvPr id="124" name="Content Placeholder 5"/>
+          <p:cNvPicPr>
+            <a:picLocks noChangeAspect="1"/>
+          </p:cNvPicPr>
+          <p:nvPr/>
+        </p:nvPicPr>
+        <p:blipFill>
+          <a:blip r:embed="rId2"/>
+          <a:srcRect l="-6694" r="-6694"/>
+          <a:stretch>
+            <a:fillRect/>
+          </a:stretch>
+        </p:blipFill>
+        <p:spPr>
+          <a:xfrm>
+            <a:off x="378691" y="3586040"/>
+            <a:ext cx="3814618" cy="1997818"/>
+          </a:xfrm>
+          <a:prstGeom prst="rect">
+            <a:avLst/>
+          </a:prstGeom>
+        </p:spPr>
+      </p:pic>
+      <p:pic>
+        <p:nvPicPr>
+          <p:cNvPr id="125" name="Content Placeholder 5"/>
+          <p:cNvPicPr>
+            <a:picLocks noChangeAspect="1"/>
+          </p:cNvPicPr>
+          <p:nvPr/>
+        </p:nvPicPr>
+        <p:blipFill>
+          <a:blip r:embed="rId2"/>
+          <a:srcRect l="-6694" r="-6694"/>
+          <a:stretch>
+            <a:fillRect/>
+          </a:stretch>
+        </p:blipFill>
+        <p:spPr>
+          <a:xfrm>
+            <a:off x="-230909" y="1523589"/>
+            <a:ext cx="3814618" cy="1997818"/>
+          </a:xfrm>
+          <a:prstGeom prst="rect">
+            <a:avLst/>
+          </a:prstGeom>
+        </p:spPr>
+      </p:pic>
+      <p:pic>
+        <p:nvPicPr>
+          <p:cNvPr id="126" name="Content Placeholder 5"/>
+          <p:cNvPicPr>
+            <a:picLocks noChangeAspect="1"/>
+          </p:cNvPicPr>
+          <p:nvPr/>
+        </p:nvPicPr>
+        <p:blipFill>
+          <a:blip r:embed="rId2"/>
+          <a:srcRect l="-6694" r="-6694"/>
+          <a:stretch>
+            <a:fillRect/>
+          </a:stretch>
+        </p:blipFill>
+        <p:spPr>
+          <a:xfrm>
+            <a:off x="2133600" y="877495"/>
+            <a:ext cx="3814618" cy="1997818"/>
+          </a:xfrm>
+          <a:prstGeom prst="rect">
+            <a:avLst/>
+          </a:prstGeom>
+        </p:spPr>
+      </p:pic>
+      <p:pic>
+        <p:nvPicPr>
+          <p:cNvPr id="127" name="Content Placeholder 5"/>
+          <p:cNvPicPr>
+            <a:picLocks noChangeAspect="1"/>
+          </p:cNvPicPr>
+          <p:nvPr/>
+        </p:nvPicPr>
+        <p:blipFill>
+          <a:blip r:embed="rId2"/>
+          <a:srcRect l="-6694" r="-6694"/>
+          <a:stretch>
+            <a:fillRect/>
+          </a:stretch>
+        </p:blipFill>
+        <p:spPr>
+          <a:xfrm>
+            <a:off x="3736109" y="1876404"/>
+            <a:ext cx="3814618" cy="1997818"/>
+          </a:xfrm>
+          <a:prstGeom prst="rect">
+            <a:avLst/>
+          </a:prstGeom>
+        </p:spPr>
+      </p:pic>
+      <p:pic>
+        <p:nvPicPr>
+          <p:cNvPr id="128" name="Content Placeholder 5"/>
+          <p:cNvPicPr>
+            <a:picLocks noChangeAspect="1"/>
+          </p:cNvPicPr>
+          <p:nvPr/>
+        </p:nvPicPr>
+        <p:blipFill>
+          <a:blip r:embed="rId2"/>
+          <a:srcRect l="-6694" r="-6694"/>
+          <a:stretch>
+            <a:fillRect/>
+          </a:stretch>
+        </p:blipFill>
+        <p:spPr>
+          <a:xfrm>
+            <a:off x="5338618" y="2875313"/>
+            <a:ext cx="3814618" cy="1997818"/>
+          </a:xfrm>
+          <a:prstGeom prst="rect">
+            <a:avLst/>
+          </a:prstGeom>
+        </p:spPr>
+      </p:pic>
+      <p:pic>
+        <p:nvPicPr>
+          <p:cNvPr id="129" name="Content Placeholder 5"/>
+          <p:cNvPicPr>
+            <a:picLocks noChangeAspect="1"/>
+          </p:cNvPicPr>
+          <p:nvPr/>
+        </p:nvPicPr>
+        <p:blipFill>
+          <a:blip r:embed="rId2"/>
+          <a:srcRect l="-6694" r="-6694"/>
+          <a:stretch>
+            <a:fillRect/>
+          </a:stretch>
+        </p:blipFill>
+        <p:spPr>
+          <a:xfrm>
+            <a:off x="1687945" y="3890840"/>
+            <a:ext cx="3814618" cy="1997818"/>
+          </a:xfrm>
+          <a:prstGeom prst="rect">
+            <a:avLst/>
+          </a:prstGeom>
+        </p:spPr>
+      </p:pic>
+      <p:pic>
+        <p:nvPicPr>
+          <p:cNvPr id="130" name="Content Placeholder 5"/>
+          <p:cNvPicPr>
+            <a:picLocks noChangeAspect="1"/>
+          </p:cNvPicPr>
+          <p:nvPr/>
+        </p:nvPicPr>
+        <p:blipFill>
+          <a:blip r:embed="rId2"/>
+          <a:srcRect l="-6694" r="-6694"/>
+          <a:stretch>
+            <a:fillRect/>
+          </a:stretch>
+        </p:blipFill>
+        <p:spPr>
+          <a:xfrm>
+            <a:off x="73891" y="2502622"/>
+            <a:ext cx="3814618" cy="1997818"/>
+          </a:xfrm>
+          <a:prstGeom prst="rect">
+            <a:avLst/>
+          </a:prstGeom>
+        </p:spPr>
+      </p:pic>
+      <p:pic>
+        <p:nvPicPr>
+          <p:cNvPr id="131" name="Content Placeholder 5"/>
+          <p:cNvPicPr>
+            <a:picLocks noChangeAspect="1"/>
+          </p:cNvPicPr>
+          <p:nvPr/>
+        </p:nvPicPr>
+        <p:blipFill>
+          <a:blip r:embed="rId2"/>
+          <a:srcRect l="-6694" r="-6694"/>
+          <a:stretch>
+            <a:fillRect/>
+          </a:stretch>
+        </p:blipFill>
+        <p:spPr>
+          <a:xfrm>
+            <a:off x="5491018" y="3908877"/>
+            <a:ext cx="3814618" cy="1997818"/>
+          </a:xfrm>
+          <a:prstGeom prst="rect">
+            <a:avLst/>
+          </a:prstGeom>
+        </p:spPr>
+      </p:pic>
     </p:spTree>
     <p:extLst>
       <p:ext uri="{BB962C8B-B14F-4D97-AF65-F5344CB8AC3E}">
-        <p14:creationId xmlns:p14="http://schemas.microsoft.com/office/powerpoint/2010/main" val="3751524969"/>
+        <p14:creationId xmlns:p14="http://schemas.microsoft.com/office/powerpoint/2010/main" val="2617721924"/>
       </p:ext>
     </p:extLst>
   </p:cSld>
   <p:clrMapOvr>
     <a:masterClrMapping/>
   </p:clrMapOvr>
+  <p:timing>
+    <p:tnLst>
+      <p:par>
+        <p:cTn xmlns:p14="http://schemas.microsoft.com/office/powerpoint/2010/main" id="1" dur="indefinite" restart="never" nodeType="tmRoot">
+          <p:childTnLst>
+            <p:seq concurrent="1" nextAc="seek">
+              <p:cTn id="2" dur="indefinite" nodeType="mainSeq">
+                <p:childTnLst>
+                  <p:par>
+                    <p:cTn id="3" fill="hold">
+                      <p:stCondLst>
+                        <p:cond delay="indefinite"/>
+                      </p:stCondLst>
+                      <p:childTnLst>
+                        <p:par>
+                          <p:cTn id="4" fill="hold">
+                            <p:stCondLst>
+                              <p:cond delay="0"/>
+                            </p:stCondLst>
+                            <p:childTnLst>
+                              <p:par>
+                                <p:cTn id="5" presetID="37" presetClass="entr" presetSubtype="0" fill="hold" nodeType="clickEffect">
+                                  <p:stCondLst>
+                                    <p:cond delay="0"/>
+                                  </p:stCondLst>
+                                  <p:childTnLst>
+                                    <p:set>
+                                      <p:cBhvr>
+                                        <p:cTn id="6" dur="1" fill="hold">
+                                          <p:stCondLst>
+                                            <p:cond delay="0"/>
+                                          </p:stCondLst>
+                                        </p:cTn>
+                                        <p:tgtEl>
+                                          <p:spTgt spid="6"/>
+                                        </p:tgtEl>
+                                        <p:attrNameLst>
+                                          <p:attrName>style.visibility</p:attrName>
+                                        </p:attrNameLst>
+                                      </p:cBhvr>
+                                      <p:to>
+                                        <p:strVal val="visible"/>
+                                      </p:to>
+                                    </p:set>
+                                    <p:animEffect transition="in" filter="fade">
+                                      <p:cBhvr>
+                                        <p:cTn id="7" dur="1000"/>
+                                        <p:tgtEl>
+                                          <p:spTgt spid="6"/>
+                                        </p:tgtEl>
+                                      </p:cBhvr>
+                                    </p:animEffect>
+                                    <p:anim calcmode="lin" valueType="num">
+                                      <p:cBhvr>
+                                        <p:cTn id="8" dur="1000" fill="hold"/>
+                                        <p:tgtEl>
+                                          <p:spTgt spid="6"/>
+                                        </p:tgtEl>
+                                        <p:attrNameLst>
+                                          <p:attrName>ppt_x</p:attrName>
+                                        </p:attrNameLst>
+                                      </p:cBhvr>
+                                      <p:tavLst>
+                                        <p:tav tm="0">
+                                          <p:val>
+                                            <p:strVal val="#ppt_x"/>
+                                          </p:val>
+                                        </p:tav>
+                                        <p:tav tm="100000">
+                                          <p:val>
+                                            <p:strVal val="#ppt_x"/>
+                                          </p:val>
+                                        </p:tav>
+                                      </p:tavLst>
+                                    </p:anim>
+                                    <p:anim calcmode="lin" valueType="num">
+                                      <p:cBhvr>
+                                        <p:cTn id="9" dur="900" decel="100000" fill="hold"/>
+                                        <p:tgtEl>
+                                          <p:spTgt spid="6"/>
+                                        </p:tgtEl>
+                                        <p:attrNameLst>
+                                          <p:attrName>ppt_y</p:attrName>
+                                        </p:attrNameLst>
+                                      </p:cBhvr>
+                                      <p:tavLst>
+                                        <p:tav tm="0">
+                                          <p:val>
+                                            <p:strVal val="#ppt_y+1"/>
+                                          </p:val>
+                                        </p:tav>
+                                        <p:tav tm="100000">
+                                          <p:val>
+                                            <p:strVal val="#ppt_y-.03"/>
+                                          </p:val>
+                                        </p:tav>
+                                      </p:tavLst>
+                                    </p:anim>
+                                    <p:anim calcmode="lin" valueType="num">
+                                      <p:cBhvr>
+                                        <p:cTn id="10" dur="100" accel="100000" fill="hold">
+                                          <p:stCondLst>
+                                            <p:cond delay="900"/>
+                                          </p:stCondLst>
+                                        </p:cTn>
+                                        <p:tgtEl>
+                                          <p:spTgt spid="6"/>
+                                        </p:tgtEl>
+                                        <p:attrNameLst>
+                                          <p:attrName>ppt_y</p:attrName>
+                                        </p:attrNameLst>
+                                      </p:cBhvr>
+                                      <p:tavLst>
+                                        <p:tav tm="0">
+                                          <p:val>
+                                            <p:strVal val="#ppt_y-.03"/>
+                                          </p:val>
+                                        </p:tav>
+                                        <p:tav tm="100000">
+                                          <p:val>
+                                            <p:strVal val="#ppt_y"/>
+                                          </p:val>
+                                        </p:tav>
+                                      </p:tavLst>
+                                    </p:anim>
+                                  </p:childTnLst>
+                                </p:cTn>
+                              </p:par>
+                            </p:childTnLst>
+                          </p:cTn>
+                        </p:par>
+                      </p:childTnLst>
+                    </p:cTn>
+                  </p:par>
+                  <p:par>
+                    <p:cTn id="11" fill="hold">
+                      <p:stCondLst>
+                        <p:cond delay="indefinite"/>
+                      </p:stCondLst>
+                      <p:childTnLst>
+                        <p:par>
+                          <p:cTn id="12" fill="hold">
+                            <p:stCondLst>
+                              <p:cond delay="0"/>
+                            </p:stCondLst>
+                            <p:childTnLst>
+                              <p:par>
+                                <p:cTn id="13" presetID="37" presetClass="entr" presetSubtype="0" fill="hold" nodeType="clickEffect">
+                                  <p:stCondLst>
+                                    <p:cond delay="0"/>
+                                  </p:stCondLst>
+                                  <p:childTnLst>
+                                    <p:set>
+                                      <p:cBhvr>
+                                        <p:cTn id="14" dur="1" fill="hold">
+                                          <p:stCondLst>
+                                            <p:cond delay="0"/>
+                                          </p:stCondLst>
+                                        </p:cTn>
+                                        <p:tgtEl>
+                                          <p:spTgt spid="96"/>
+                                        </p:tgtEl>
+                                        <p:attrNameLst>
+                                          <p:attrName>style.visibility</p:attrName>
+                                        </p:attrNameLst>
+                                      </p:cBhvr>
+                                      <p:to>
+                                        <p:strVal val="visible"/>
+                                      </p:to>
+                                    </p:set>
+                                    <p:animEffect transition="in" filter="fade">
+                                      <p:cBhvr>
+                                        <p:cTn id="15" dur="1000"/>
+                                        <p:tgtEl>
+                                          <p:spTgt spid="96"/>
+                                        </p:tgtEl>
+                                      </p:cBhvr>
+                                    </p:animEffect>
+                                    <p:anim calcmode="lin" valueType="num">
+                                      <p:cBhvr>
+                                        <p:cTn id="16" dur="1000" fill="hold"/>
+                                        <p:tgtEl>
+                                          <p:spTgt spid="96"/>
+                                        </p:tgtEl>
+                                        <p:attrNameLst>
+                                          <p:attrName>ppt_x</p:attrName>
+                                        </p:attrNameLst>
+                                      </p:cBhvr>
+                                      <p:tavLst>
+                                        <p:tav tm="0">
+                                          <p:val>
+                                            <p:strVal val="#ppt_x"/>
+                                          </p:val>
+                                        </p:tav>
+                                        <p:tav tm="100000">
+                                          <p:val>
+                                            <p:strVal val="#ppt_x"/>
+                                          </p:val>
+                                        </p:tav>
+                                      </p:tavLst>
+                                    </p:anim>
+                                    <p:anim calcmode="lin" valueType="num">
+                                      <p:cBhvr>
+                                        <p:cTn id="17" dur="900" decel="100000" fill="hold"/>
+                                        <p:tgtEl>
+                                          <p:spTgt spid="96"/>
+                                        </p:tgtEl>
+                                        <p:attrNameLst>
+                                          <p:attrName>ppt_y</p:attrName>
+                                        </p:attrNameLst>
+                                      </p:cBhvr>
+                                      <p:tavLst>
+                                        <p:tav tm="0">
+                                          <p:val>
+                                            <p:strVal val="#ppt_y+1"/>
+                                          </p:val>
+                                        </p:tav>
+                                        <p:tav tm="100000">
+                                          <p:val>
+                                            <p:strVal val="#ppt_y-.03"/>
+                                          </p:val>
+                                        </p:tav>
+                                      </p:tavLst>
+                                    </p:anim>
+                                    <p:anim calcmode="lin" valueType="num">
+                                      <p:cBhvr>
+                                        <p:cTn id="18" dur="100" accel="100000" fill="hold">
+                                          <p:stCondLst>
+                                            <p:cond delay="900"/>
+                                          </p:stCondLst>
+                                        </p:cTn>
+                                        <p:tgtEl>
+                                          <p:spTgt spid="96"/>
+                                        </p:tgtEl>
+                                        <p:attrNameLst>
+                                          <p:attrName>ppt_y</p:attrName>
+                                        </p:attrNameLst>
+                                      </p:cBhvr>
+                                      <p:tavLst>
+                                        <p:tav tm="0">
+                                          <p:val>
+                                            <p:strVal val="#ppt_y-.03"/>
+                                          </p:val>
+                                        </p:tav>
+                                        <p:tav tm="100000">
+                                          <p:val>
+                                            <p:strVal val="#ppt_y"/>
+                                          </p:val>
+                                        </p:tav>
+                                      </p:tavLst>
+                                    </p:anim>
+                                  </p:childTnLst>
+                                </p:cTn>
+                              </p:par>
+                            </p:childTnLst>
+                          </p:cTn>
+                        </p:par>
+                      </p:childTnLst>
+                    </p:cTn>
+                  </p:par>
+                  <p:par>
+                    <p:cTn id="19" fill="hold">
+                      <p:stCondLst>
+                        <p:cond delay="indefinite"/>
+                      </p:stCondLst>
+                      <p:childTnLst>
+                        <p:par>
+                          <p:cTn id="20" fill="hold">
+                            <p:stCondLst>
+                              <p:cond delay="0"/>
+                            </p:stCondLst>
+                            <p:childTnLst>
+                              <p:par>
+                                <p:cTn id="21" presetID="37" presetClass="entr" presetSubtype="0" fill="hold" nodeType="clickEffect">
+                                  <p:stCondLst>
+                                    <p:cond delay="0"/>
+                                  </p:stCondLst>
+                                  <p:childTnLst>
+                                    <p:set>
+                                      <p:cBhvr>
+                                        <p:cTn id="22" dur="1" fill="hold">
+                                          <p:stCondLst>
+                                            <p:cond delay="0"/>
+                                          </p:stCondLst>
+                                        </p:cTn>
+                                        <p:tgtEl>
+                                          <p:spTgt spid="97"/>
+                                        </p:tgtEl>
+                                        <p:attrNameLst>
+                                          <p:attrName>style.visibility</p:attrName>
+                                        </p:attrNameLst>
+                                      </p:cBhvr>
+                                      <p:to>
+                                        <p:strVal val="visible"/>
+                                      </p:to>
+                                    </p:set>
+                                    <p:animEffect transition="in" filter="fade">
+                                      <p:cBhvr>
+                                        <p:cTn id="23" dur="1000"/>
+                                        <p:tgtEl>
+                                          <p:spTgt spid="97"/>
+                                        </p:tgtEl>
+                                      </p:cBhvr>
+                                    </p:animEffect>
+                                    <p:anim calcmode="lin" valueType="num">
+                                      <p:cBhvr>
+                                        <p:cTn id="24" dur="1000" fill="hold"/>
+                                        <p:tgtEl>
+                                          <p:spTgt spid="97"/>
+                                        </p:tgtEl>
+                                        <p:attrNameLst>
+                                          <p:attrName>ppt_x</p:attrName>
+                                        </p:attrNameLst>
+                                      </p:cBhvr>
+                                      <p:tavLst>
+                                        <p:tav tm="0">
+                                          <p:val>
+                                            <p:strVal val="#ppt_x"/>
+                                          </p:val>
+                                        </p:tav>
+                                        <p:tav tm="100000">
+                                          <p:val>
+                                            <p:strVal val="#ppt_x"/>
+                                          </p:val>
+                                        </p:tav>
+                                      </p:tavLst>
+                                    </p:anim>
+                                    <p:anim calcmode="lin" valueType="num">
+                                      <p:cBhvr>
+                                        <p:cTn id="25" dur="900" decel="100000" fill="hold"/>
+                                        <p:tgtEl>
+                                          <p:spTgt spid="97"/>
+                                        </p:tgtEl>
+                                        <p:attrNameLst>
+                                          <p:attrName>ppt_y</p:attrName>
+                                        </p:attrNameLst>
+                                      </p:cBhvr>
+                                      <p:tavLst>
+                                        <p:tav tm="0">
+                                          <p:val>
+                                            <p:strVal val="#ppt_y+1"/>
+                                          </p:val>
+                                        </p:tav>
+                                        <p:tav tm="100000">
+                                          <p:val>
+                                            <p:strVal val="#ppt_y-.03"/>
+                                          </p:val>
+                                        </p:tav>
+                                      </p:tavLst>
+                                    </p:anim>
+                                    <p:anim calcmode="lin" valueType="num">
+                                      <p:cBhvr>
+                                        <p:cTn id="26" dur="100" accel="100000" fill="hold">
+                                          <p:stCondLst>
+                                            <p:cond delay="900"/>
+                                          </p:stCondLst>
+                                        </p:cTn>
+                                        <p:tgtEl>
+                                          <p:spTgt spid="97"/>
+                                        </p:tgtEl>
+                                        <p:attrNameLst>
+                                          <p:attrName>ppt_y</p:attrName>
+                                        </p:attrNameLst>
+                                      </p:cBhvr>
+                                      <p:tavLst>
+                                        <p:tav tm="0">
+                                          <p:val>
+                                            <p:strVal val="#ppt_y-.03"/>
+                                          </p:val>
+                                        </p:tav>
+                                        <p:tav tm="100000">
+                                          <p:val>
+                                            <p:strVal val="#ppt_y"/>
+                                          </p:val>
+                                        </p:tav>
+                                      </p:tavLst>
+                                    </p:anim>
+                                  </p:childTnLst>
+                                </p:cTn>
+                              </p:par>
+                            </p:childTnLst>
+                          </p:cTn>
+                        </p:par>
+                      </p:childTnLst>
+                    </p:cTn>
+                  </p:par>
+                  <p:par>
+                    <p:cTn id="27" fill="hold">
+                      <p:stCondLst>
+                        <p:cond delay="indefinite"/>
+                      </p:stCondLst>
+                      <p:childTnLst>
+                        <p:par>
+                          <p:cTn id="28" fill="hold">
+                            <p:stCondLst>
+                              <p:cond delay="0"/>
+                            </p:stCondLst>
+                            <p:childTnLst>
+                              <p:par>
+                                <p:cTn id="29" presetID="37" presetClass="entr" presetSubtype="0" fill="hold" nodeType="clickEffect">
+                                  <p:stCondLst>
+                                    <p:cond delay="0"/>
+                                  </p:stCondLst>
+                                  <p:childTnLst>
+                                    <p:set>
+                                      <p:cBhvr>
+                                        <p:cTn id="30" dur="1" fill="hold">
+                                          <p:stCondLst>
+                                            <p:cond delay="0"/>
+                                          </p:stCondLst>
+                                        </p:cTn>
+                                        <p:tgtEl>
+                                          <p:spTgt spid="98"/>
+                                        </p:tgtEl>
+                                        <p:attrNameLst>
+                                          <p:attrName>style.visibility</p:attrName>
+                                        </p:attrNameLst>
+                                      </p:cBhvr>
+                                      <p:to>
+                                        <p:strVal val="visible"/>
+                                      </p:to>
+                                    </p:set>
+                                    <p:animEffect transition="in" filter="fade">
+                                      <p:cBhvr>
+                                        <p:cTn id="31" dur="1000"/>
+                                        <p:tgtEl>
+                                          <p:spTgt spid="98"/>
+                                        </p:tgtEl>
+                                      </p:cBhvr>
+                                    </p:animEffect>
+                                    <p:anim calcmode="lin" valueType="num">
+                                      <p:cBhvr>
+                                        <p:cTn id="32" dur="1000" fill="hold"/>
+                                        <p:tgtEl>
+                                          <p:spTgt spid="98"/>
+                                        </p:tgtEl>
+                                        <p:attrNameLst>
+                                          <p:attrName>ppt_x</p:attrName>
+                                        </p:attrNameLst>
+                                      </p:cBhvr>
+                                      <p:tavLst>
+                                        <p:tav tm="0">
+                                          <p:val>
+                                            <p:strVal val="#ppt_x"/>
+                                          </p:val>
+                                        </p:tav>
+                                        <p:tav tm="100000">
+                                          <p:val>
+                                            <p:strVal val="#ppt_x"/>
+                                          </p:val>
+                                        </p:tav>
+                                      </p:tavLst>
+                                    </p:anim>
+                                    <p:anim calcmode="lin" valueType="num">
+                                      <p:cBhvr>
+                                        <p:cTn id="33" dur="900" decel="100000" fill="hold"/>
+                                        <p:tgtEl>
+                                          <p:spTgt spid="98"/>
+                                        </p:tgtEl>
+                                        <p:attrNameLst>
+                                          <p:attrName>ppt_y</p:attrName>
+                                        </p:attrNameLst>
+                                      </p:cBhvr>
+                                      <p:tavLst>
+                                        <p:tav tm="0">
+                                          <p:val>
+                                            <p:strVal val="#ppt_y+1"/>
+                                          </p:val>
+                                        </p:tav>
+                                        <p:tav tm="100000">
+                                          <p:val>
+                                            <p:strVal val="#ppt_y-.03"/>
+                                          </p:val>
+                                        </p:tav>
+                                      </p:tavLst>
+                                    </p:anim>
+                                    <p:anim calcmode="lin" valueType="num">
+                                      <p:cBhvr>
+                                        <p:cTn id="34" dur="100" accel="100000" fill="hold">
+                                          <p:stCondLst>
+                                            <p:cond delay="900"/>
+                                          </p:stCondLst>
+                                        </p:cTn>
+                                        <p:tgtEl>
+                                          <p:spTgt spid="98"/>
+                                        </p:tgtEl>
+                                        <p:attrNameLst>
+                                          <p:attrName>ppt_y</p:attrName>
+                                        </p:attrNameLst>
+                                      </p:cBhvr>
+                                      <p:tavLst>
+                                        <p:tav tm="0">
+                                          <p:val>
+                                            <p:strVal val="#ppt_y-.03"/>
+                                          </p:val>
+                                        </p:tav>
+                                        <p:tav tm="100000">
+                                          <p:val>
+                                            <p:strVal val="#ppt_y"/>
+                                          </p:val>
+                                        </p:tav>
+                                      </p:tavLst>
+                                    </p:anim>
+                                  </p:childTnLst>
+                                </p:cTn>
+                              </p:par>
+                            </p:childTnLst>
+                          </p:cTn>
+                        </p:par>
+                      </p:childTnLst>
+                    </p:cTn>
+                  </p:par>
+                  <p:par>
+                    <p:cTn id="35" fill="hold">
+                      <p:stCondLst>
+                        <p:cond delay="indefinite"/>
+                      </p:stCondLst>
+                      <p:childTnLst>
+                        <p:par>
+                          <p:cTn id="36" fill="hold">
+                            <p:stCondLst>
+                              <p:cond delay="0"/>
+                            </p:stCondLst>
+                            <p:childTnLst>
+                              <p:par>
+                                <p:cTn id="37" presetID="37" presetClass="entr" presetSubtype="0" fill="hold" nodeType="clickEffect">
+                                  <p:stCondLst>
+                                    <p:cond delay="0"/>
+                                  </p:stCondLst>
+                                  <p:childTnLst>
+                                    <p:set>
+                                      <p:cBhvr>
+                                        <p:cTn id="38" dur="1" fill="hold">
+                                          <p:stCondLst>
+                                            <p:cond delay="0"/>
+                                          </p:stCondLst>
+                                        </p:cTn>
+                                        <p:tgtEl>
+                                          <p:spTgt spid="99"/>
+                                        </p:tgtEl>
+                                        <p:attrNameLst>
+                                          <p:attrName>style.visibility</p:attrName>
+                                        </p:attrNameLst>
+                                      </p:cBhvr>
+                                      <p:to>
+                                        <p:strVal val="visible"/>
+                                      </p:to>
+                                    </p:set>
+                                    <p:animEffect transition="in" filter="fade">
+                                      <p:cBhvr>
+                                        <p:cTn id="39" dur="1000"/>
+                                        <p:tgtEl>
+                                          <p:spTgt spid="99"/>
+                                        </p:tgtEl>
+                                      </p:cBhvr>
+                                    </p:animEffect>
+                                    <p:anim calcmode="lin" valueType="num">
+                                      <p:cBhvr>
+                                        <p:cTn id="40" dur="1000" fill="hold"/>
+                                        <p:tgtEl>
+                                          <p:spTgt spid="99"/>
+                                        </p:tgtEl>
+                                        <p:attrNameLst>
+                                          <p:attrName>ppt_x</p:attrName>
+                                        </p:attrNameLst>
+                                      </p:cBhvr>
+                                      <p:tavLst>
+                                        <p:tav tm="0">
+                                          <p:val>
+                                            <p:strVal val="#ppt_x"/>
+                                          </p:val>
+                                        </p:tav>
+                                        <p:tav tm="100000">
+                                          <p:val>
+                                            <p:strVal val="#ppt_x"/>
+                                          </p:val>
+                                        </p:tav>
+                                      </p:tavLst>
+                                    </p:anim>
+                                    <p:anim calcmode="lin" valueType="num">
+                                      <p:cBhvr>
+                                        <p:cTn id="41" dur="900" decel="100000" fill="hold"/>
+                                        <p:tgtEl>
+                                          <p:spTgt spid="99"/>
+                                        </p:tgtEl>
+                                        <p:attrNameLst>
+                                          <p:attrName>ppt_y</p:attrName>
+                                        </p:attrNameLst>
+                                      </p:cBhvr>
+                                      <p:tavLst>
+                                        <p:tav tm="0">
+                                          <p:val>
+                                            <p:strVal val="#ppt_y+1"/>
+                                          </p:val>
+                                        </p:tav>
+                                        <p:tav tm="100000">
+                                          <p:val>
+                                            <p:strVal val="#ppt_y-.03"/>
+                                          </p:val>
+                                        </p:tav>
+                                      </p:tavLst>
+                                    </p:anim>
+                                    <p:anim calcmode="lin" valueType="num">
+                                      <p:cBhvr>
+                                        <p:cTn id="42" dur="100" accel="100000" fill="hold">
+                                          <p:stCondLst>
+                                            <p:cond delay="900"/>
+                                          </p:stCondLst>
+                                        </p:cTn>
+                                        <p:tgtEl>
+                                          <p:spTgt spid="99"/>
+                                        </p:tgtEl>
+                                        <p:attrNameLst>
+                                          <p:attrName>ppt_y</p:attrName>
+                                        </p:attrNameLst>
+                                      </p:cBhvr>
+                                      <p:tavLst>
+                                        <p:tav tm="0">
+                                          <p:val>
+                                            <p:strVal val="#ppt_y-.03"/>
+                                          </p:val>
+                                        </p:tav>
+                                        <p:tav tm="100000">
+                                          <p:val>
+                                            <p:strVal val="#ppt_y"/>
+                                          </p:val>
+                                        </p:tav>
+                                      </p:tavLst>
+                                    </p:anim>
+                                  </p:childTnLst>
+                                </p:cTn>
+                              </p:par>
+                            </p:childTnLst>
+                          </p:cTn>
+                        </p:par>
+                      </p:childTnLst>
+                    </p:cTn>
+                  </p:par>
+                  <p:par>
+                    <p:cTn id="43" fill="hold">
+                      <p:stCondLst>
+                        <p:cond delay="indefinite"/>
+                      </p:stCondLst>
+                      <p:childTnLst>
+                        <p:par>
+                          <p:cTn id="44" fill="hold">
+                            <p:stCondLst>
+                              <p:cond delay="0"/>
+                            </p:stCondLst>
+                            <p:childTnLst>
+                              <p:par>
+                                <p:cTn id="45" presetID="37" presetClass="entr" presetSubtype="0" fill="hold" nodeType="clickEffect">
+                                  <p:stCondLst>
+                                    <p:cond delay="0"/>
+                                  </p:stCondLst>
+                                  <p:childTnLst>
+                                    <p:set>
+                                      <p:cBhvr>
+                                        <p:cTn id="46" dur="1" fill="hold">
+                                          <p:stCondLst>
+                                            <p:cond delay="0"/>
+                                          </p:stCondLst>
+                                        </p:cTn>
+                                        <p:tgtEl>
+                                          <p:spTgt spid="100"/>
+                                        </p:tgtEl>
+                                        <p:attrNameLst>
+                                          <p:attrName>style.visibility</p:attrName>
+                                        </p:attrNameLst>
+                                      </p:cBhvr>
+                                      <p:to>
+                                        <p:strVal val="visible"/>
+                                      </p:to>
+                                    </p:set>
+                                    <p:animEffect transition="in" filter="fade">
+                                      <p:cBhvr>
+                                        <p:cTn id="47" dur="1000"/>
+                                        <p:tgtEl>
+                                          <p:spTgt spid="100"/>
+                                        </p:tgtEl>
+                                      </p:cBhvr>
+                                    </p:animEffect>
+                                    <p:anim calcmode="lin" valueType="num">
+                                      <p:cBhvr>
+                                        <p:cTn id="48" dur="1000" fill="hold"/>
+                                        <p:tgtEl>
+                                          <p:spTgt spid="100"/>
+                                        </p:tgtEl>
+                                        <p:attrNameLst>
+                                          <p:attrName>ppt_x</p:attrName>
+                                        </p:attrNameLst>
+                                      </p:cBhvr>
+                                      <p:tavLst>
+                                        <p:tav tm="0">
+                                          <p:val>
+                                            <p:strVal val="#ppt_x"/>
+                                          </p:val>
+                                        </p:tav>
+                                        <p:tav tm="100000">
+                                          <p:val>
+                                            <p:strVal val="#ppt_x"/>
+                                          </p:val>
+                                        </p:tav>
+                                      </p:tavLst>
+                                    </p:anim>
+                                    <p:anim calcmode="lin" valueType="num">
+                                      <p:cBhvr>
+                                        <p:cTn id="49" dur="900" decel="100000" fill="hold"/>
+                                        <p:tgtEl>
+                                          <p:spTgt spid="100"/>
+                                        </p:tgtEl>
+                                        <p:attrNameLst>
+                                          <p:attrName>ppt_y</p:attrName>
+                                        </p:attrNameLst>
+                                      </p:cBhvr>
+                                      <p:tavLst>
+                                        <p:tav tm="0">
+                                          <p:val>
+                                            <p:strVal val="#ppt_y+1"/>
+                                          </p:val>
+                                        </p:tav>
+                                        <p:tav tm="100000">
+                                          <p:val>
+                                            <p:strVal val="#ppt_y-.03"/>
+                                          </p:val>
+                                        </p:tav>
+                                      </p:tavLst>
+                                    </p:anim>
+                                    <p:anim calcmode="lin" valueType="num">
+                                      <p:cBhvr>
+                                        <p:cTn id="50" dur="100" accel="100000" fill="hold">
+                                          <p:stCondLst>
+                                            <p:cond delay="900"/>
+                                          </p:stCondLst>
+                                        </p:cTn>
+                                        <p:tgtEl>
+                                          <p:spTgt spid="100"/>
+                                        </p:tgtEl>
+                                        <p:attrNameLst>
+                                          <p:attrName>ppt_y</p:attrName>
+                                        </p:attrNameLst>
+                                      </p:cBhvr>
+                                      <p:tavLst>
+                                        <p:tav tm="0">
+                                          <p:val>
+                                            <p:strVal val="#ppt_y-.03"/>
+                                          </p:val>
+                                        </p:tav>
+                                        <p:tav tm="100000">
+                                          <p:val>
+                                            <p:strVal val="#ppt_y"/>
+                                          </p:val>
+                                        </p:tav>
+                                      </p:tavLst>
+                                    </p:anim>
+                                  </p:childTnLst>
+                                </p:cTn>
+                              </p:par>
+                            </p:childTnLst>
+                          </p:cTn>
+                        </p:par>
+                      </p:childTnLst>
+                    </p:cTn>
+                  </p:par>
+                  <p:par>
+                    <p:cTn id="51" fill="hold">
+                      <p:stCondLst>
+                        <p:cond delay="indefinite"/>
+                      </p:stCondLst>
+                      <p:childTnLst>
+                        <p:par>
+                          <p:cTn id="52" fill="hold">
+                            <p:stCondLst>
+                              <p:cond delay="0"/>
+                            </p:stCondLst>
+                            <p:childTnLst>
+                              <p:par>
+                                <p:cTn id="53" presetID="37" presetClass="entr" presetSubtype="0" fill="hold" nodeType="clickEffect">
+                                  <p:stCondLst>
+                                    <p:cond delay="0"/>
+                                  </p:stCondLst>
+                                  <p:childTnLst>
+                                    <p:set>
+                                      <p:cBhvr>
+                                        <p:cTn id="54" dur="1" fill="hold">
+                                          <p:stCondLst>
+                                            <p:cond delay="0"/>
+                                          </p:stCondLst>
+                                        </p:cTn>
+                                        <p:tgtEl>
+                                          <p:spTgt spid="101"/>
+                                        </p:tgtEl>
+                                        <p:attrNameLst>
+                                          <p:attrName>style.visibility</p:attrName>
+                                        </p:attrNameLst>
+                                      </p:cBhvr>
+                                      <p:to>
+                                        <p:strVal val="visible"/>
+                                      </p:to>
+                                    </p:set>
+                                    <p:animEffect transition="in" filter="fade">
+                                      <p:cBhvr>
+                                        <p:cTn id="55" dur="1000"/>
+                                        <p:tgtEl>
+                                          <p:spTgt spid="101"/>
+                                        </p:tgtEl>
+                                      </p:cBhvr>
+                                    </p:animEffect>
+                                    <p:anim calcmode="lin" valueType="num">
+                                      <p:cBhvr>
+                                        <p:cTn id="56" dur="1000" fill="hold"/>
+                                        <p:tgtEl>
+                                          <p:spTgt spid="101"/>
+                                        </p:tgtEl>
+                                        <p:attrNameLst>
+                                          <p:attrName>ppt_x</p:attrName>
+                                        </p:attrNameLst>
+                                      </p:cBhvr>
+                                      <p:tavLst>
+                                        <p:tav tm="0">
+                                          <p:val>
+                                            <p:strVal val="#ppt_x"/>
+                                          </p:val>
+                                        </p:tav>
+                                        <p:tav tm="100000">
+                                          <p:val>
+                                            <p:strVal val="#ppt_x"/>
+                                          </p:val>
+                                        </p:tav>
+                                      </p:tavLst>
+                                    </p:anim>
+                                    <p:anim calcmode="lin" valueType="num">
+                                      <p:cBhvr>
+                                        <p:cTn id="57" dur="900" decel="100000" fill="hold"/>
+                                        <p:tgtEl>
+                                          <p:spTgt spid="101"/>
+                                        </p:tgtEl>
+                                        <p:attrNameLst>
+                                          <p:attrName>ppt_y</p:attrName>
+                                        </p:attrNameLst>
+                                      </p:cBhvr>
+                                      <p:tavLst>
+                                        <p:tav tm="0">
+                                          <p:val>
+                                            <p:strVal val="#ppt_y+1"/>
+                                          </p:val>
+                                        </p:tav>
+                                        <p:tav tm="100000">
+                                          <p:val>
+                                            <p:strVal val="#ppt_y-.03"/>
+                                          </p:val>
+                                        </p:tav>
+                                      </p:tavLst>
+                                    </p:anim>
+                                    <p:anim calcmode="lin" valueType="num">
+                                      <p:cBhvr>
+                                        <p:cTn id="58" dur="100" accel="100000" fill="hold">
+                                          <p:stCondLst>
+                                            <p:cond delay="900"/>
+                                          </p:stCondLst>
+                                        </p:cTn>
+                                        <p:tgtEl>
+                                          <p:spTgt spid="101"/>
+                                        </p:tgtEl>
+                                        <p:attrNameLst>
+                                          <p:attrName>ppt_y</p:attrName>
+                                        </p:attrNameLst>
+                                      </p:cBhvr>
+                                      <p:tavLst>
+                                        <p:tav tm="0">
+                                          <p:val>
+                                            <p:strVal val="#ppt_y-.03"/>
+                                          </p:val>
+                                        </p:tav>
+                                        <p:tav tm="100000">
+                                          <p:val>
+                                            <p:strVal val="#ppt_y"/>
+                                          </p:val>
+                                        </p:tav>
+                                      </p:tavLst>
+                                    </p:anim>
+                                  </p:childTnLst>
+                                </p:cTn>
+                              </p:par>
+                            </p:childTnLst>
+                          </p:cTn>
+                        </p:par>
+                      </p:childTnLst>
+                    </p:cTn>
+                  </p:par>
+                  <p:par>
+                    <p:cTn id="59" fill="hold">
+                      <p:stCondLst>
+                        <p:cond delay="indefinite"/>
+                      </p:stCondLst>
+                      <p:childTnLst>
+                        <p:par>
+                          <p:cTn id="60" fill="hold">
+                            <p:stCondLst>
+                              <p:cond delay="0"/>
+                            </p:stCondLst>
+                            <p:childTnLst>
+                              <p:par>
+                                <p:cTn id="61" presetID="37" presetClass="entr" presetSubtype="0" fill="hold" nodeType="clickEffect">
+                                  <p:stCondLst>
+                                    <p:cond delay="0"/>
+                                  </p:stCondLst>
+                                  <p:childTnLst>
+                                    <p:set>
+                                      <p:cBhvr>
+                                        <p:cTn id="62" dur="1" fill="hold">
+                                          <p:stCondLst>
+                                            <p:cond delay="0"/>
+                                          </p:stCondLst>
+                                        </p:cTn>
+                                        <p:tgtEl>
+                                          <p:spTgt spid="102"/>
+                                        </p:tgtEl>
+                                        <p:attrNameLst>
+                                          <p:attrName>style.visibility</p:attrName>
+                                        </p:attrNameLst>
+                                      </p:cBhvr>
+                                      <p:to>
+                                        <p:strVal val="visible"/>
+                                      </p:to>
+                                    </p:set>
+                                    <p:animEffect transition="in" filter="fade">
+                                      <p:cBhvr>
+                                        <p:cTn id="63" dur="1000"/>
+                                        <p:tgtEl>
+                                          <p:spTgt spid="102"/>
+                                        </p:tgtEl>
+                                      </p:cBhvr>
+                                    </p:animEffect>
+                                    <p:anim calcmode="lin" valueType="num">
+                                      <p:cBhvr>
+                                        <p:cTn id="64" dur="1000" fill="hold"/>
+                                        <p:tgtEl>
+                                          <p:spTgt spid="102"/>
+                                        </p:tgtEl>
+                                        <p:attrNameLst>
+                                          <p:attrName>ppt_x</p:attrName>
+                                        </p:attrNameLst>
+                                      </p:cBhvr>
+                                      <p:tavLst>
+                                        <p:tav tm="0">
+                                          <p:val>
+                                            <p:strVal val="#ppt_x"/>
+                                          </p:val>
+                                        </p:tav>
+                                        <p:tav tm="100000">
+                                          <p:val>
+                                            <p:strVal val="#ppt_x"/>
+                                          </p:val>
+                                        </p:tav>
+                                      </p:tavLst>
+                                    </p:anim>
+                                    <p:anim calcmode="lin" valueType="num">
+                                      <p:cBhvr>
+                                        <p:cTn id="65" dur="900" decel="100000" fill="hold"/>
+                                        <p:tgtEl>
+                                          <p:spTgt spid="102"/>
+                                        </p:tgtEl>
+                                        <p:attrNameLst>
+                                          <p:attrName>ppt_y</p:attrName>
+                                        </p:attrNameLst>
+                                      </p:cBhvr>
+                                      <p:tavLst>
+                                        <p:tav tm="0">
+                                          <p:val>
+                                            <p:strVal val="#ppt_y+1"/>
+                                          </p:val>
+                                        </p:tav>
+                                        <p:tav tm="100000">
+                                          <p:val>
+                                            <p:strVal val="#ppt_y-.03"/>
+                                          </p:val>
+                                        </p:tav>
+                                      </p:tavLst>
+                                    </p:anim>
+                                    <p:anim calcmode="lin" valueType="num">
+                                      <p:cBhvr>
+                                        <p:cTn id="66" dur="100" accel="100000" fill="hold">
+                                          <p:stCondLst>
+                                            <p:cond delay="900"/>
+                                          </p:stCondLst>
+                                        </p:cTn>
+                                        <p:tgtEl>
+                                          <p:spTgt spid="102"/>
+                                        </p:tgtEl>
+                                        <p:attrNameLst>
+                                          <p:attrName>ppt_y</p:attrName>
+                                        </p:attrNameLst>
+                                      </p:cBhvr>
+                                      <p:tavLst>
+                                        <p:tav tm="0">
+                                          <p:val>
+                                            <p:strVal val="#ppt_y-.03"/>
+                                          </p:val>
+                                        </p:tav>
+                                        <p:tav tm="100000">
+                                          <p:val>
+                                            <p:strVal val="#ppt_y"/>
+                                          </p:val>
+                                        </p:tav>
+                                      </p:tavLst>
+                                    </p:anim>
+                                  </p:childTnLst>
+                                </p:cTn>
+                              </p:par>
+                            </p:childTnLst>
+                          </p:cTn>
+                        </p:par>
+                      </p:childTnLst>
+                    </p:cTn>
+                  </p:par>
+                  <p:par>
+                    <p:cTn id="67" fill="hold">
+                      <p:stCondLst>
+                        <p:cond delay="indefinite"/>
+                      </p:stCondLst>
+                      <p:childTnLst>
+                        <p:par>
+                          <p:cTn id="68" fill="hold">
+                            <p:stCondLst>
+                              <p:cond delay="0"/>
+                            </p:stCondLst>
+                            <p:childTnLst>
+                              <p:par>
+                                <p:cTn id="69" presetID="37" presetClass="entr" presetSubtype="0" fill="hold" nodeType="clickEffect">
+                                  <p:stCondLst>
+                                    <p:cond delay="0"/>
+                                  </p:stCondLst>
+                                  <p:childTnLst>
+                                    <p:set>
+                                      <p:cBhvr>
+                                        <p:cTn id="70" dur="1" fill="hold">
+                                          <p:stCondLst>
+                                            <p:cond delay="0"/>
+                                          </p:stCondLst>
+                                        </p:cTn>
+                                        <p:tgtEl>
+                                          <p:spTgt spid="103"/>
+                                        </p:tgtEl>
+                                        <p:attrNameLst>
+                                          <p:attrName>style.visibility</p:attrName>
+                                        </p:attrNameLst>
+                                      </p:cBhvr>
+                                      <p:to>
+                                        <p:strVal val="visible"/>
+                                      </p:to>
+                                    </p:set>
+                                    <p:animEffect transition="in" filter="fade">
+                                      <p:cBhvr>
+                                        <p:cTn id="71" dur="1000"/>
+                                        <p:tgtEl>
+                                          <p:spTgt spid="103"/>
+                                        </p:tgtEl>
+                                      </p:cBhvr>
+                                    </p:animEffect>
+                                    <p:anim calcmode="lin" valueType="num">
+                                      <p:cBhvr>
+                                        <p:cTn id="72" dur="1000" fill="hold"/>
+                                        <p:tgtEl>
+                                          <p:spTgt spid="103"/>
+                                        </p:tgtEl>
+                                        <p:attrNameLst>
+                                          <p:attrName>ppt_x</p:attrName>
+                                        </p:attrNameLst>
+                                      </p:cBhvr>
+                                      <p:tavLst>
+                                        <p:tav tm="0">
+                                          <p:val>
+                                            <p:strVal val="#ppt_x"/>
+                                          </p:val>
+                                        </p:tav>
+                                        <p:tav tm="100000">
+                                          <p:val>
+                                            <p:strVal val="#ppt_x"/>
+                                          </p:val>
+                                        </p:tav>
+                                      </p:tavLst>
+                                    </p:anim>
+                                    <p:anim calcmode="lin" valueType="num">
+                                      <p:cBhvr>
+                                        <p:cTn id="73" dur="900" decel="100000" fill="hold"/>
+                                        <p:tgtEl>
+                                          <p:spTgt spid="103"/>
+                                        </p:tgtEl>
+                                        <p:attrNameLst>
+                                          <p:attrName>ppt_y</p:attrName>
+                                        </p:attrNameLst>
+                                      </p:cBhvr>
+                                      <p:tavLst>
+                                        <p:tav tm="0">
+                                          <p:val>
+                                            <p:strVal val="#ppt_y+1"/>
+                                          </p:val>
+                                        </p:tav>
+                                        <p:tav tm="100000">
+                                          <p:val>
+                                            <p:strVal val="#ppt_y-.03"/>
+                                          </p:val>
+                                        </p:tav>
+                                      </p:tavLst>
+                                    </p:anim>
+                                    <p:anim calcmode="lin" valueType="num">
+                                      <p:cBhvr>
+                                        <p:cTn id="74" dur="100" accel="100000" fill="hold">
+                                          <p:stCondLst>
+                                            <p:cond delay="900"/>
+                                          </p:stCondLst>
+                                        </p:cTn>
+                                        <p:tgtEl>
+                                          <p:spTgt spid="103"/>
+                                        </p:tgtEl>
+                                        <p:attrNameLst>
+                                          <p:attrName>ppt_y</p:attrName>
+                                        </p:attrNameLst>
+                                      </p:cBhvr>
+                                      <p:tavLst>
+                                        <p:tav tm="0">
+                                          <p:val>
+                                            <p:strVal val="#ppt_y-.03"/>
+                                          </p:val>
+                                        </p:tav>
+                                        <p:tav tm="100000">
+                                          <p:val>
+                                            <p:strVal val="#ppt_y"/>
+                                          </p:val>
+                                        </p:tav>
+                                      </p:tavLst>
+                                    </p:anim>
+                                  </p:childTnLst>
+                                </p:cTn>
+                              </p:par>
+                            </p:childTnLst>
+                          </p:cTn>
+                        </p:par>
+                      </p:childTnLst>
+                    </p:cTn>
+                  </p:par>
+                  <p:par>
+                    <p:cTn id="75" fill="hold">
+                      <p:stCondLst>
+                        <p:cond delay="indefinite"/>
+                      </p:stCondLst>
+                      <p:childTnLst>
+                        <p:par>
+                          <p:cTn id="76" fill="hold">
+                            <p:stCondLst>
+                              <p:cond delay="0"/>
+                            </p:stCondLst>
+                            <p:childTnLst>
+                              <p:par>
+                                <p:cTn id="77" presetID="37" presetClass="entr" presetSubtype="0" fill="hold" nodeType="clickEffect">
+                                  <p:stCondLst>
+                                    <p:cond delay="0"/>
+                                  </p:stCondLst>
+                                  <p:childTnLst>
+                                    <p:set>
+                                      <p:cBhvr>
+                                        <p:cTn id="78" dur="1" fill="hold">
+                                          <p:stCondLst>
+                                            <p:cond delay="0"/>
+                                          </p:stCondLst>
+                                        </p:cTn>
+                                        <p:tgtEl>
+                                          <p:spTgt spid="104"/>
+                                        </p:tgtEl>
+                                        <p:attrNameLst>
+                                          <p:attrName>style.visibility</p:attrName>
+                                        </p:attrNameLst>
+                                      </p:cBhvr>
+                                      <p:to>
+                                        <p:strVal val="visible"/>
+                                      </p:to>
+                                    </p:set>
+                                    <p:animEffect transition="in" filter="fade">
+                                      <p:cBhvr>
+                                        <p:cTn id="79" dur="1000"/>
+                                        <p:tgtEl>
+                                          <p:spTgt spid="104"/>
+                                        </p:tgtEl>
+                                      </p:cBhvr>
+                                    </p:animEffect>
+                                    <p:anim calcmode="lin" valueType="num">
+                                      <p:cBhvr>
+                                        <p:cTn id="80" dur="1000" fill="hold"/>
+                                        <p:tgtEl>
+                                          <p:spTgt spid="104"/>
+                                        </p:tgtEl>
+                                        <p:attrNameLst>
+                                          <p:attrName>ppt_x</p:attrName>
+                                        </p:attrNameLst>
+                                      </p:cBhvr>
+                                      <p:tavLst>
+                                        <p:tav tm="0">
+                                          <p:val>
+                                            <p:strVal val="#ppt_x"/>
+                                          </p:val>
+                                        </p:tav>
+                                        <p:tav tm="100000">
+                                          <p:val>
+                                            <p:strVal val="#ppt_x"/>
+                                          </p:val>
+                                        </p:tav>
+                                      </p:tavLst>
+                                    </p:anim>
+                                    <p:anim calcmode="lin" valueType="num">
+                                      <p:cBhvr>
+                                        <p:cTn id="81" dur="900" decel="100000" fill="hold"/>
+                                        <p:tgtEl>
+                                          <p:spTgt spid="104"/>
+                                        </p:tgtEl>
+                                        <p:attrNameLst>
+                                          <p:attrName>ppt_y</p:attrName>
+                                        </p:attrNameLst>
+                                      </p:cBhvr>
+                                      <p:tavLst>
+                                        <p:tav tm="0">
+                                          <p:val>
+                                            <p:strVal val="#ppt_y+1"/>
+                                          </p:val>
+                                        </p:tav>
+                                        <p:tav tm="100000">
+                                          <p:val>
+                                            <p:strVal val="#ppt_y-.03"/>
+                                          </p:val>
+                                        </p:tav>
+                                      </p:tavLst>
+                                    </p:anim>
+                                    <p:anim calcmode="lin" valueType="num">
+                                      <p:cBhvr>
+                                        <p:cTn id="82" dur="100" accel="100000" fill="hold">
+                                          <p:stCondLst>
+                                            <p:cond delay="900"/>
+                                          </p:stCondLst>
+                                        </p:cTn>
+                                        <p:tgtEl>
+                                          <p:spTgt spid="104"/>
+                                        </p:tgtEl>
+                                        <p:attrNameLst>
+                                          <p:attrName>ppt_y</p:attrName>
+                                        </p:attrNameLst>
+                                      </p:cBhvr>
+                                      <p:tavLst>
+                                        <p:tav tm="0">
+                                          <p:val>
+                                            <p:strVal val="#ppt_y-.03"/>
+                                          </p:val>
+                                        </p:tav>
+                                        <p:tav tm="100000">
+                                          <p:val>
+                                            <p:strVal val="#ppt_y"/>
+                                          </p:val>
+                                        </p:tav>
+                                      </p:tavLst>
+                                    </p:anim>
+                                  </p:childTnLst>
+                                </p:cTn>
+                              </p:par>
+                            </p:childTnLst>
+                          </p:cTn>
+                        </p:par>
+                      </p:childTnLst>
+                    </p:cTn>
+                  </p:par>
+                  <p:par>
+                    <p:cTn id="83" fill="hold">
+                      <p:stCondLst>
+                        <p:cond delay="indefinite"/>
+                      </p:stCondLst>
+                      <p:childTnLst>
+                        <p:par>
+                          <p:cTn id="84" fill="hold">
+                            <p:stCondLst>
+                              <p:cond delay="0"/>
+                            </p:stCondLst>
+                            <p:childTnLst>
+                              <p:par>
+                                <p:cTn id="85" presetID="37" presetClass="entr" presetSubtype="0" fill="hold" nodeType="clickEffect">
+                                  <p:stCondLst>
+                                    <p:cond delay="0"/>
+                                  </p:stCondLst>
+                                  <p:childTnLst>
+                                    <p:set>
+                                      <p:cBhvr>
+                                        <p:cTn id="86" dur="1" fill="hold">
+                                          <p:stCondLst>
+                                            <p:cond delay="0"/>
+                                          </p:stCondLst>
+                                        </p:cTn>
+                                        <p:tgtEl>
+                                          <p:spTgt spid="105"/>
+                                        </p:tgtEl>
+                                        <p:attrNameLst>
+                                          <p:attrName>style.visibility</p:attrName>
+                                        </p:attrNameLst>
+                                      </p:cBhvr>
+                                      <p:to>
+                                        <p:strVal val="visible"/>
+                                      </p:to>
+                                    </p:set>
+                                    <p:animEffect transition="in" filter="fade">
+                                      <p:cBhvr>
+                                        <p:cTn id="87" dur="1000"/>
+                                        <p:tgtEl>
+                                          <p:spTgt spid="105"/>
+                                        </p:tgtEl>
+                                      </p:cBhvr>
+                                    </p:animEffect>
+                                    <p:anim calcmode="lin" valueType="num">
+                                      <p:cBhvr>
+                                        <p:cTn id="88" dur="1000" fill="hold"/>
+                                        <p:tgtEl>
+                                          <p:spTgt spid="105"/>
+                                        </p:tgtEl>
+                                        <p:attrNameLst>
+                                          <p:attrName>ppt_x</p:attrName>
+                                        </p:attrNameLst>
+                                      </p:cBhvr>
+                                      <p:tavLst>
+                                        <p:tav tm="0">
+                                          <p:val>
+                                            <p:strVal val="#ppt_x"/>
+                                          </p:val>
+                                        </p:tav>
+                                        <p:tav tm="100000">
+                                          <p:val>
+                                            <p:strVal val="#ppt_x"/>
+                                          </p:val>
+                                        </p:tav>
+                                      </p:tavLst>
+                                    </p:anim>
+                                    <p:anim calcmode="lin" valueType="num">
+                                      <p:cBhvr>
+                                        <p:cTn id="89" dur="900" decel="100000" fill="hold"/>
+                                        <p:tgtEl>
+                                          <p:spTgt spid="105"/>
+                                        </p:tgtEl>
+                                        <p:attrNameLst>
+                                          <p:attrName>ppt_y</p:attrName>
+                                        </p:attrNameLst>
+                                      </p:cBhvr>
+                                      <p:tavLst>
+                                        <p:tav tm="0">
+                                          <p:val>
+                                            <p:strVal val="#ppt_y+1"/>
+                                          </p:val>
+                                        </p:tav>
+                                        <p:tav tm="100000">
+                                          <p:val>
+                                            <p:strVal val="#ppt_y-.03"/>
+                                          </p:val>
+                                        </p:tav>
+                                      </p:tavLst>
+                                    </p:anim>
+                                    <p:anim calcmode="lin" valueType="num">
+                                      <p:cBhvr>
+                                        <p:cTn id="90" dur="100" accel="100000" fill="hold">
+                                          <p:stCondLst>
+                                            <p:cond delay="900"/>
+                                          </p:stCondLst>
+                                        </p:cTn>
+                                        <p:tgtEl>
+                                          <p:spTgt spid="105"/>
+                                        </p:tgtEl>
+                                        <p:attrNameLst>
+                                          <p:attrName>ppt_y</p:attrName>
+                                        </p:attrNameLst>
+                                      </p:cBhvr>
+                                      <p:tavLst>
+                                        <p:tav tm="0">
+                                          <p:val>
+                                            <p:strVal val="#ppt_y-.03"/>
+                                          </p:val>
+                                        </p:tav>
+                                        <p:tav tm="100000">
+                                          <p:val>
+                                            <p:strVal val="#ppt_y"/>
+                                          </p:val>
+                                        </p:tav>
+                                      </p:tavLst>
+                                    </p:anim>
+                                  </p:childTnLst>
+                                </p:cTn>
+                              </p:par>
+                            </p:childTnLst>
+                          </p:cTn>
+                        </p:par>
+                      </p:childTnLst>
+                    </p:cTn>
+                  </p:par>
+                  <p:par>
+                    <p:cTn id="91" fill="hold">
+                      <p:stCondLst>
+                        <p:cond delay="indefinite"/>
+                      </p:stCondLst>
+                      <p:childTnLst>
+                        <p:par>
+                          <p:cTn id="92" fill="hold">
+                            <p:stCondLst>
+                              <p:cond delay="0"/>
+                            </p:stCondLst>
+                            <p:childTnLst>
+                              <p:par>
+                                <p:cTn id="93" presetID="37" presetClass="entr" presetSubtype="0" fill="hold" nodeType="clickEffect">
+                                  <p:stCondLst>
+                                    <p:cond delay="0"/>
+                                  </p:stCondLst>
+                                  <p:childTnLst>
+                                    <p:set>
+                                      <p:cBhvr>
+                                        <p:cTn id="94" dur="1" fill="hold">
+                                          <p:stCondLst>
+                                            <p:cond delay="0"/>
+                                          </p:stCondLst>
+                                        </p:cTn>
+                                        <p:tgtEl>
+                                          <p:spTgt spid="106"/>
+                                        </p:tgtEl>
+                                        <p:attrNameLst>
+                                          <p:attrName>style.visibility</p:attrName>
+                                        </p:attrNameLst>
+                                      </p:cBhvr>
+                                      <p:to>
+                                        <p:strVal val="visible"/>
+                                      </p:to>
+                                    </p:set>
+                                    <p:animEffect transition="in" filter="fade">
+                                      <p:cBhvr>
+                                        <p:cTn id="95" dur="1000"/>
+                                        <p:tgtEl>
+                                          <p:spTgt spid="106"/>
+                                        </p:tgtEl>
+                                      </p:cBhvr>
+                                    </p:animEffect>
+                                    <p:anim calcmode="lin" valueType="num">
+                                      <p:cBhvr>
+                                        <p:cTn id="96" dur="1000" fill="hold"/>
+                                        <p:tgtEl>
+                                          <p:spTgt spid="106"/>
+                                        </p:tgtEl>
+                                        <p:attrNameLst>
+                                          <p:attrName>ppt_x</p:attrName>
+                                        </p:attrNameLst>
+                                      </p:cBhvr>
+                                      <p:tavLst>
+                                        <p:tav tm="0">
+                                          <p:val>
+                                            <p:strVal val="#ppt_x"/>
+                                          </p:val>
+                                        </p:tav>
+                                        <p:tav tm="100000">
+                                          <p:val>
+                                            <p:strVal val="#ppt_x"/>
+                                          </p:val>
+                                        </p:tav>
+                                      </p:tavLst>
+                                    </p:anim>
+                                    <p:anim calcmode="lin" valueType="num">
+                                      <p:cBhvr>
+                                        <p:cTn id="97" dur="900" decel="100000" fill="hold"/>
+                                        <p:tgtEl>
+                                          <p:spTgt spid="106"/>
+                                        </p:tgtEl>
+                                        <p:attrNameLst>
+                                          <p:attrName>ppt_y</p:attrName>
+                                        </p:attrNameLst>
+                                      </p:cBhvr>
+                                      <p:tavLst>
+                                        <p:tav tm="0">
+                                          <p:val>
+                                            <p:strVal val="#ppt_y+1"/>
+                                          </p:val>
+                                        </p:tav>
+                                        <p:tav tm="100000">
+                                          <p:val>
+                                            <p:strVal val="#ppt_y-.03"/>
+                                          </p:val>
+                                        </p:tav>
+                                      </p:tavLst>
+                                    </p:anim>
+                                    <p:anim calcmode="lin" valueType="num">
+                                      <p:cBhvr>
+                                        <p:cTn id="98" dur="100" accel="100000" fill="hold">
+                                          <p:stCondLst>
+                                            <p:cond delay="900"/>
+                                          </p:stCondLst>
+                                        </p:cTn>
+                                        <p:tgtEl>
+                                          <p:spTgt spid="106"/>
+                                        </p:tgtEl>
+                                        <p:attrNameLst>
+                                          <p:attrName>ppt_y</p:attrName>
+                                        </p:attrNameLst>
+                                      </p:cBhvr>
+                                      <p:tavLst>
+                                        <p:tav tm="0">
+                                          <p:val>
+                                            <p:strVal val="#ppt_y-.03"/>
+                                          </p:val>
+                                        </p:tav>
+                                        <p:tav tm="100000">
+                                          <p:val>
+                                            <p:strVal val="#ppt_y"/>
+                                          </p:val>
+                                        </p:tav>
+                                      </p:tavLst>
+                                    </p:anim>
+                                  </p:childTnLst>
+                                </p:cTn>
+                              </p:par>
+                            </p:childTnLst>
+                          </p:cTn>
+                        </p:par>
+                      </p:childTnLst>
+                    </p:cTn>
+                  </p:par>
+                  <p:par>
+                    <p:cTn id="99" fill="hold">
+                      <p:stCondLst>
+                        <p:cond delay="indefinite"/>
+                      </p:stCondLst>
+                      <p:childTnLst>
+                        <p:par>
+                          <p:cTn id="100" fill="hold">
+                            <p:stCondLst>
+                              <p:cond delay="0"/>
+                            </p:stCondLst>
+                            <p:childTnLst>
+                              <p:par>
+                                <p:cTn id="101" presetID="37" presetClass="entr" presetSubtype="0" fill="hold" nodeType="clickEffect">
+                                  <p:stCondLst>
+                                    <p:cond delay="0"/>
+                                  </p:stCondLst>
+                                  <p:childTnLst>
+                                    <p:set>
+                                      <p:cBhvr>
+                                        <p:cTn id="102" dur="1" fill="hold">
+                                          <p:stCondLst>
+                                            <p:cond delay="0"/>
+                                          </p:stCondLst>
+                                        </p:cTn>
+                                        <p:tgtEl>
+                                          <p:spTgt spid="107"/>
+                                        </p:tgtEl>
+                                        <p:attrNameLst>
+                                          <p:attrName>style.visibility</p:attrName>
+                                        </p:attrNameLst>
+                                      </p:cBhvr>
+                                      <p:to>
+                                        <p:strVal val="visible"/>
+                                      </p:to>
+                                    </p:set>
+                                    <p:animEffect transition="in" filter="fade">
+                                      <p:cBhvr>
+                                        <p:cTn id="103" dur="1000"/>
+                                        <p:tgtEl>
+                                          <p:spTgt spid="107"/>
+                                        </p:tgtEl>
+                                      </p:cBhvr>
+                                    </p:animEffect>
+                                    <p:anim calcmode="lin" valueType="num">
+                                      <p:cBhvr>
+                                        <p:cTn id="104" dur="1000" fill="hold"/>
+                                        <p:tgtEl>
+                                          <p:spTgt spid="107"/>
+                                        </p:tgtEl>
+                                        <p:attrNameLst>
+                                          <p:attrName>ppt_x</p:attrName>
+                                        </p:attrNameLst>
+                                      </p:cBhvr>
+                                      <p:tavLst>
+                                        <p:tav tm="0">
+                                          <p:val>
+                                            <p:strVal val="#ppt_x"/>
+                                          </p:val>
+                                        </p:tav>
+                                        <p:tav tm="100000">
+                                          <p:val>
+                                            <p:strVal val="#ppt_x"/>
+                                          </p:val>
+                                        </p:tav>
+                                      </p:tavLst>
+                                    </p:anim>
+                                    <p:anim calcmode="lin" valueType="num">
+                                      <p:cBhvr>
+                                        <p:cTn id="105" dur="900" decel="100000" fill="hold"/>
+                                        <p:tgtEl>
+                                          <p:spTgt spid="107"/>
+                                        </p:tgtEl>
+                                        <p:attrNameLst>
+                                          <p:attrName>ppt_y</p:attrName>
+                                        </p:attrNameLst>
+                                      </p:cBhvr>
+                                      <p:tavLst>
+                                        <p:tav tm="0">
+                                          <p:val>
+                                            <p:strVal val="#ppt_y+1"/>
+                                          </p:val>
+                                        </p:tav>
+                                        <p:tav tm="100000">
+                                          <p:val>
+                                            <p:strVal val="#ppt_y-.03"/>
+                                          </p:val>
+                                        </p:tav>
+                                      </p:tavLst>
+                                    </p:anim>
+                                    <p:anim calcmode="lin" valueType="num">
+                                      <p:cBhvr>
+                                        <p:cTn id="106" dur="100" accel="100000" fill="hold">
+                                          <p:stCondLst>
+                                            <p:cond delay="900"/>
+                                          </p:stCondLst>
+                                        </p:cTn>
+                                        <p:tgtEl>
+                                          <p:spTgt spid="107"/>
+                                        </p:tgtEl>
+                                        <p:attrNameLst>
+                                          <p:attrName>ppt_y</p:attrName>
+                                        </p:attrNameLst>
+                                      </p:cBhvr>
+                                      <p:tavLst>
+                                        <p:tav tm="0">
+                                          <p:val>
+                                            <p:strVal val="#ppt_y-.03"/>
+                                          </p:val>
+                                        </p:tav>
+                                        <p:tav tm="100000">
+                                          <p:val>
+                                            <p:strVal val="#ppt_y"/>
+                                          </p:val>
+                                        </p:tav>
+                                      </p:tavLst>
+                                    </p:anim>
+                                  </p:childTnLst>
+                                </p:cTn>
+                              </p:par>
+                            </p:childTnLst>
+                          </p:cTn>
+                        </p:par>
+                      </p:childTnLst>
+                    </p:cTn>
+                  </p:par>
+                  <p:par>
+                    <p:cTn id="107" fill="hold">
+                      <p:stCondLst>
+                        <p:cond delay="indefinite"/>
+                      </p:stCondLst>
+                      <p:childTnLst>
+                        <p:par>
+                          <p:cTn id="108" fill="hold">
+                            <p:stCondLst>
+                              <p:cond delay="0"/>
+                            </p:stCondLst>
+                            <p:childTnLst>
+                              <p:par>
+                                <p:cTn id="109" presetID="37" presetClass="entr" presetSubtype="0" fill="hold" nodeType="clickEffect">
+                                  <p:stCondLst>
+                                    <p:cond delay="0"/>
+                                  </p:stCondLst>
+                                  <p:childTnLst>
+                                    <p:set>
+                                      <p:cBhvr>
+                                        <p:cTn id="110" dur="1" fill="hold">
+                                          <p:stCondLst>
+                                            <p:cond delay="0"/>
+                                          </p:stCondLst>
+                                        </p:cTn>
+                                        <p:tgtEl>
+                                          <p:spTgt spid="108"/>
+                                        </p:tgtEl>
+                                        <p:attrNameLst>
+                                          <p:attrName>style.visibility</p:attrName>
+                                        </p:attrNameLst>
+                                      </p:cBhvr>
+                                      <p:to>
+                                        <p:strVal val="visible"/>
+                                      </p:to>
+                                    </p:set>
+                                    <p:animEffect transition="in" filter="fade">
+                                      <p:cBhvr>
+                                        <p:cTn id="111" dur="1000"/>
+                                        <p:tgtEl>
+                                          <p:spTgt spid="108"/>
+                                        </p:tgtEl>
+                                      </p:cBhvr>
+                                    </p:animEffect>
+                                    <p:anim calcmode="lin" valueType="num">
+                                      <p:cBhvr>
+                                        <p:cTn id="112" dur="1000" fill="hold"/>
+                                        <p:tgtEl>
+                                          <p:spTgt spid="108"/>
+                                        </p:tgtEl>
+                                        <p:attrNameLst>
+                                          <p:attrName>ppt_x</p:attrName>
+                                        </p:attrNameLst>
+                                      </p:cBhvr>
+                                      <p:tavLst>
+                                        <p:tav tm="0">
+                                          <p:val>
+                                            <p:strVal val="#ppt_x"/>
+                                          </p:val>
+                                        </p:tav>
+                                        <p:tav tm="100000">
+                                          <p:val>
+                                            <p:strVal val="#ppt_x"/>
+                                          </p:val>
+                                        </p:tav>
+                                      </p:tavLst>
+                                    </p:anim>
+                                    <p:anim calcmode="lin" valueType="num">
+                                      <p:cBhvr>
+                                        <p:cTn id="113" dur="900" decel="100000" fill="hold"/>
+                                        <p:tgtEl>
+                                          <p:spTgt spid="108"/>
+                                        </p:tgtEl>
+                                        <p:attrNameLst>
+                                          <p:attrName>ppt_y</p:attrName>
+                                        </p:attrNameLst>
+                                      </p:cBhvr>
+                                      <p:tavLst>
+                                        <p:tav tm="0">
+                                          <p:val>
+                                            <p:strVal val="#ppt_y+1"/>
+                                          </p:val>
+                                        </p:tav>
+                                        <p:tav tm="100000">
+                                          <p:val>
+                                            <p:strVal val="#ppt_y-.03"/>
+                                          </p:val>
+                                        </p:tav>
+                                      </p:tavLst>
+                                    </p:anim>
+                                    <p:anim calcmode="lin" valueType="num">
+                                      <p:cBhvr>
+                                        <p:cTn id="114" dur="100" accel="100000" fill="hold">
+                                          <p:stCondLst>
+                                            <p:cond delay="900"/>
+                                          </p:stCondLst>
+                                        </p:cTn>
+                                        <p:tgtEl>
+                                          <p:spTgt spid="108"/>
+                                        </p:tgtEl>
+                                        <p:attrNameLst>
+                                          <p:attrName>ppt_y</p:attrName>
+                                        </p:attrNameLst>
+                                      </p:cBhvr>
+                                      <p:tavLst>
+                                        <p:tav tm="0">
+                                          <p:val>
+                                            <p:strVal val="#ppt_y-.03"/>
+                                          </p:val>
+                                        </p:tav>
+                                        <p:tav tm="100000">
+                                          <p:val>
+                                            <p:strVal val="#ppt_y"/>
+                                          </p:val>
+                                        </p:tav>
+                                      </p:tavLst>
+                                    </p:anim>
+                                  </p:childTnLst>
+                                </p:cTn>
+                              </p:par>
+                            </p:childTnLst>
+                          </p:cTn>
+                        </p:par>
+                      </p:childTnLst>
+                    </p:cTn>
+                  </p:par>
+                  <p:par>
+                    <p:cTn id="115" fill="hold">
+                      <p:stCondLst>
+                        <p:cond delay="indefinite"/>
+                      </p:stCondLst>
+                      <p:childTnLst>
+                        <p:par>
+                          <p:cTn id="116" fill="hold">
+                            <p:stCondLst>
+                              <p:cond delay="0"/>
+                            </p:stCondLst>
+                            <p:childTnLst>
+                              <p:par>
+                                <p:cTn id="117" presetID="37" presetClass="entr" presetSubtype="0" fill="hold" nodeType="clickEffect">
+                                  <p:stCondLst>
+                                    <p:cond delay="0"/>
+                                  </p:stCondLst>
+                                  <p:childTnLst>
+                                    <p:set>
+                                      <p:cBhvr>
+                                        <p:cTn id="118" dur="1" fill="hold">
+                                          <p:stCondLst>
+                                            <p:cond delay="0"/>
+                                          </p:stCondLst>
+                                        </p:cTn>
+                                        <p:tgtEl>
+                                          <p:spTgt spid="109"/>
+                                        </p:tgtEl>
+                                        <p:attrNameLst>
+                                          <p:attrName>style.visibility</p:attrName>
+                                        </p:attrNameLst>
+                                      </p:cBhvr>
+                                      <p:to>
+                                        <p:strVal val="visible"/>
+                                      </p:to>
+                                    </p:set>
+                                    <p:animEffect transition="in" filter="fade">
+                                      <p:cBhvr>
+                                        <p:cTn id="119" dur="1000"/>
+                                        <p:tgtEl>
+                                          <p:spTgt spid="109"/>
+                                        </p:tgtEl>
+                                      </p:cBhvr>
+                                    </p:animEffect>
+                                    <p:anim calcmode="lin" valueType="num">
+                                      <p:cBhvr>
+                                        <p:cTn id="120" dur="1000" fill="hold"/>
+                                        <p:tgtEl>
+                                          <p:spTgt spid="109"/>
+                                        </p:tgtEl>
+                                        <p:attrNameLst>
+                                          <p:attrName>ppt_x</p:attrName>
+                                        </p:attrNameLst>
+                                      </p:cBhvr>
+                                      <p:tavLst>
+                                        <p:tav tm="0">
+                                          <p:val>
+                                            <p:strVal val="#ppt_x"/>
+                                          </p:val>
+                                        </p:tav>
+                                        <p:tav tm="100000">
+                                          <p:val>
+                                            <p:strVal val="#ppt_x"/>
+                                          </p:val>
+                                        </p:tav>
+                                      </p:tavLst>
+                                    </p:anim>
+                                    <p:anim calcmode="lin" valueType="num">
+                                      <p:cBhvr>
+                                        <p:cTn id="121" dur="900" decel="100000" fill="hold"/>
+                                        <p:tgtEl>
+                                          <p:spTgt spid="109"/>
+                                        </p:tgtEl>
+                                        <p:attrNameLst>
+                                          <p:attrName>ppt_y</p:attrName>
+                                        </p:attrNameLst>
+                                      </p:cBhvr>
+                                      <p:tavLst>
+                                        <p:tav tm="0">
+                                          <p:val>
+                                            <p:strVal val="#ppt_y+1"/>
+                                          </p:val>
+                                        </p:tav>
+                                        <p:tav tm="100000">
+                                          <p:val>
+                                            <p:strVal val="#ppt_y-.03"/>
+                                          </p:val>
+                                        </p:tav>
+                                      </p:tavLst>
+                                    </p:anim>
+                                    <p:anim calcmode="lin" valueType="num">
+                                      <p:cBhvr>
+                                        <p:cTn id="122" dur="100" accel="100000" fill="hold">
+                                          <p:stCondLst>
+                                            <p:cond delay="900"/>
+                                          </p:stCondLst>
+                                        </p:cTn>
+                                        <p:tgtEl>
+                                          <p:spTgt spid="109"/>
+                                        </p:tgtEl>
+                                        <p:attrNameLst>
+                                          <p:attrName>ppt_y</p:attrName>
+                                        </p:attrNameLst>
+                                      </p:cBhvr>
+                                      <p:tavLst>
+                                        <p:tav tm="0">
+                                          <p:val>
+                                            <p:strVal val="#ppt_y-.03"/>
+                                          </p:val>
+                                        </p:tav>
+                                        <p:tav tm="100000">
+                                          <p:val>
+                                            <p:strVal val="#ppt_y"/>
+                                          </p:val>
+                                        </p:tav>
+                                      </p:tavLst>
+                                    </p:anim>
+                                  </p:childTnLst>
+                                </p:cTn>
+                              </p:par>
+                            </p:childTnLst>
+                          </p:cTn>
+                        </p:par>
+                      </p:childTnLst>
+                    </p:cTn>
+                  </p:par>
+                  <p:par>
+                    <p:cTn id="123" fill="hold">
+                      <p:stCondLst>
+                        <p:cond delay="indefinite"/>
+                      </p:stCondLst>
+                      <p:childTnLst>
+                        <p:par>
+                          <p:cTn id="124" fill="hold">
+                            <p:stCondLst>
+                              <p:cond delay="0"/>
+                            </p:stCondLst>
+                            <p:childTnLst>
+                              <p:par>
+                                <p:cTn id="125" presetID="37" presetClass="entr" presetSubtype="0" fill="hold" nodeType="clickEffect">
+                                  <p:stCondLst>
+                                    <p:cond delay="0"/>
+                                  </p:stCondLst>
+                                  <p:childTnLst>
+                                    <p:set>
+                                      <p:cBhvr>
+                                        <p:cTn id="126" dur="1" fill="hold">
+                                          <p:stCondLst>
+                                            <p:cond delay="0"/>
+                                          </p:stCondLst>
+                                        </p:cTn>
+                                        <p:tgtEl>
+                                          <p:spTgt spid="110"/>
+                                        </p:tgtEl>
+                                        <p:attrNameLst>
+                                          <p:attrName>style.visibility</p:attrName>
+                                        </p:attrNameLst>
+                                      </p:cBhvr>
+                                      <p:to>
+                                        <p:strVal val="visible"/>
+                                      </p:to>
+                                    </p:set>
+                                    <p:animEffect transition="in" filter="fade">
+                                      <p:cBhvr>
+                                        <p:cTn id="127" dur="1000"/>
+                                        <p:tgtEl>
+                                          <p:spTgt spid="110"/>
+                                        </p:tgtEl>
+                                      </p:cBhvr>
+                                    </p:animEffect>
+                                    <p:anim calcmode="lin" valueType="num">
+                                      <p:cBhvr>
+                                        <p:cTn id="128" dur="1000" fill="hold"/>
+                                        <p:tgtEl>
+                                          <p:spTgt spid="110"/>
+                                        </p:tgtEl>
+                                        <p:attrNameLst>
+                                          <p:attrName>ppt_x</p:attrName>
+                                        </p:attrNameLst>
+                                      </p:cBhvr>
+                                      <p:tavLst>
+                                        <p:tav tm="0">
+                                          <p:val>
+                                            <p:strVal val="#ppt_x"/>
+                                          </p:val>
+                                        </p:tav>
+                                        <p:tav tm="100000">
+                                          <p:val>
+                                            <p:strVal val="#ppt_x"/>
+                                          </p:val>
+                                        </p:tav>
+                                      </p:tavLst>
+                                    </p:anim>
+                                    <p:anim calcmode="lin" valueType="num">
+                                      <p:cBhvr>
+                                        <p:cTn id="129" dur="900" decel="100000" fill="hold"/>
+                                        <p:tgtEl>
+                                          <p:spTgt spid="110"/>
+                                        </p:tgtEl>
+                                        <p:attrNameLst>
+                                          <p:attrName>ppt_y</p:attrName>
+                                        </p:attrNameLst>
+                                      </p:cBhvr>
+                                      <p:tavLst>
+                                        <p:tav tm="0">
+                                          <p:val>
+                                            <p:strVal val="#ppt_y+1"/>
+                                          </p:val>
+                                        </p:tav>
+                                        <p:tav tm="100000">
+                                          <p:val>
+                                            <p:strVal val="#ppt_y-.03"/>
+                                          </p:val>
+                                        </p:tav>
+                                      </p:tavLst>
+                                    </p:anim>
+                                    <p:anim calcmode="lin" valueType="num">
+                                      <p:cBhvr>
+                                        <p:cTn id="130" dur="100" accel="100000" fill="hold">
+                                          <p:stCondLst>
+                                            <p:cond delay="900"/>
+                                          </p:stCondLst>
+                                        </p:cTn>
+                                        <p:tgtEl>
+                                          <p:spTgt spid="110"/>
+                                        </p:tgtEl>
+                                        <p:attrNameLst>
+                                          <p:attrName>ppt_y</p:attrName>
+                                        </p:attrNameLst>
+                                      </p:cBhvr>
+                                      <p:tavLst>
+                                        <p:tav tm="0">
+                                          <p:val>
+                                            <p:strVal val="#ppt_y-.03"/>
+                                          </p:val>
+                                        </p:tav>
+                                        <p:tav tm="100000">
+                                          <p:val>
+                                            <p:strVal val="#ppt_y"/>
+                                          </p:val>
+                                        </p:tav>
+                                      </p:tavLst>
+                                    </p:anim>
+                                  </p:childTnLst>
+                                </p:cTn>
+                              </p:par>
+                            </p:childTnLst>
+                          </p:cTn>
+                        </p:par>
+                      </p:childTnLst>
+                    </p:cTn>
+                  </p:par>
+                  <p:par>
+                    <p:cTn id="131" fill="hold">
+                      <p:stCondLst>
+                        <p:cond delay="indefinite"/>
+                      </p:stCondLst>
+                      <p:childTnLst>
+                        <p:par>
+                          <p:cTn id="132" fill="hold">
+                            <p:stCondLst>
+                              <p:cond delay="0"/>
+                            </p:stCondLst>
+                            <p:childTnLst>
+                              <p:par>
+                                <p:cTn id="133" presetID="37" presetClass="entr" presetSubtype="0" fill="hold" nodeType="clickEffect">
+                                  <p:stCondLst>
+                                    <p:cond delay="0"/>
+                                  </p:stCondLst>
+                                  <p:childTnLst>
+                                    <p:set>
+                                      <p:cBhvr>
+                                        <p:cTn id="134" dur="1" fill="hold">
+                                          <p:stCondLst>
+                                            <p:cond delay="0"/>
+                                          </p:stCondLst>
+                                        </p:cTn>
+                                        <p:tgtEl>
+                                          <p:spTgt spid="111"/>
+                                        </p:tgtEl>
+                                        <p:attrNameLst>
+                                          <p:attrName>style.visibility</p:attrName>
+                                        </p:attrNameLst>
+                                      </p:cBhvr>
+                                      <p:to>
+                                        <p:strVal val="visible"/>
+                                      </p:to>
+                                    </p:set>
+                                    <p:animEffect transition="in" filter="fade">
+                                      <p:cBhvr>
+                                        <p:cTn id="135" dur="1000"/>
+                                        <p:tgtEl>
+                                          <p:spTgt spid="111"/>
+                                        </p:tgtEl>
+                                      </p:cBhvr>
+                                    </p:animEffect>
+                                    <p:anim calcmode="lin" valueType="num">
+                                      <p:cBhvr>
+                                        <p:cTn id="136" dur="1000" fill="hold"/>
+                                        <p:tgtEl>
+                                          <p:spTgt spid="111"/>
+                                        </p:tgtEl>
+                                        <p:attrNameLst>
+                                          <p:attrName>ppt_x</p:attrName>
+                                        </p:attrNameLst>
+                                      </p:cBhvr>
+                                      <p:tavLst>
+                                        <p:tav tm="0">
+                                          <p:val>
+                                            <p:strVal val="#ppt_x"/>
+                                          </p:val>
+                                        </p:tav>
+                                        <p:tav tm="100000">
+                                          <p:val>
+                                            <p:strVal val="#ppt_x"/>
+                                          </p:val>
+                                        </p:tav>
+                                      </p:tavLst>
+                                    </p:anim>
+                                    <p:anim calcmode="lin" valueType="num">
+                                      <p:cBhvr>
+                                        <p:cTn id="137" dur="900" decel="100000" fill="hold"/>
+                                        <p:tgtEl>
+                                          <p:spTgt spid="111"/>
+                                        </p:tgtEl>
+                                        <p:attrNameLst>
+                                          <p:attrName>ppt_y</p:attrName>
+                                        </p:attrNameLst>
+                                      </p:cBhvr>
+                                      <p:tavLst>
+                                        <p:tav tm="0">
+                                          <p:val>
+                                            <p:strVal val="#ppt_y+1"/>
+                                          </p:val>
+                                        </p:tav>
+                                        <p:tav tm="100000">
+                                          <p:val>
+                                            <p:strVal val="#ppt_y-.03"/>
+                                          </p:val>
+                                        </p:tav>
+                                      </p:tavLst>
+                                    </p:anim>
+                                    <p:anim calcmode="lin" valueType="num">
+                                      <p:cBhvr>
+                                        <p:cTn id="138" dur="100" accel="100000" fill="hold">
+                                          <p:stCondLst>
+                                            <p:cond delay="900"/>
+                                          </p:stCondLst>
+                                        </p:cTn>
+                                        <p:tgtEl>
+                                          <p:spTgt spid="111"/>
+                                        </p:tgtEl>
+                                        <p:attrNameLst>
+                                          <p:attrName>ppt_y</p:attrName>
+                                        </p:attrNameLst>
+                                      </p:cBhvr>
+                                      <p:tavLst>
+                                        <p:tav tm="0">
+                                          <p:val>
+                                            <p:strVal val="#ppt_y-.03"/>
+                                          </p:val>
+                                        </p:tav>
+                                        <p:tav tm="100000">
+                                          <p:val>
+                                            <p:strVal val="#ppt_y"/>
+                                          </p:val>
+                                        </p:tav>
+                                      </p:tavLst>
+                                    </p:anim>
+                                  </p:childTnLst>
+                                </p:cTn>
+                              </p:par>
+                            </p:childTnLst>
+                          </p:cTn>
+                        </p:par>
+                      </p:childTnLst>
+                    </p:cTn>
+                  </p:par>
+                  <p:par>
+                    <p:cTn id="139" fill="hold">
+                      <p:stCondLst>
+                        <p:cond delay="indefinite"/>
+                      </p:stCondLst>
+                      <p:childTnLst>
+                        <p:par>
+                          <p:cTn id="140" fill="hold">
+                            <p:stCondLst>
+                              <p:cond delay="0"/>
+                            </p:stCondLst>
+                            <p:childTnLst>
+                              <p:par>
+                                <p:cTn id="141" presetID="37" presetClass="entr" presetSubtype="0" fill="hold" nodeType="clickEffect">
+                                  <p:stCondLst>
+                                    <p:cond delay="0"/>
+                                  </p:stCondLst>
+                                  <p:childTnLst>
+                                    <p:set>
+                                      <p:cBhvr>
+                                        <p:cTn id="142" dur="1" fill="hold">
+                                          <p:stCondLst>
+                                            <p:cond delay="0"/>
+                                          </p:stCondLst>
+                                        </p:cTn>
+                                        <p:tgtEl>
+                                          <p:spTgt spid="112"/>
+                                        </p:tgtEl>
+                                        <p:attrNameLst>
+                                          <p:attrName>style.visibility</p:attrName>
+                                        </p:attrNameLst>
+                                      </p:cBhvr>
+                                      <p:to>
+                                        <p:strVal val="visible"/>
+                                      </p:to>
+                                    </p:set>
+                                    <p:animEffect transition="in" filter="fade">
+                                      <p:cBhvr>
+                                        <p:cTn id="143" dur="1000"/>
+                                        <p:tgtEl>
+                                          <p:spTgt spid="112"/>
+                                        </p:tgtEl>
+                                      </p:cBhvr>
+                                    </p:animEffect>
+                                    <p:anim calcmode="lin" valueType="num">
+                                      <p:cBhvr>
+                                        <p:cTn id="144" dur="1000" fill="hold"/>
+                                        <p:tgtEl>
+                                          <p:spTgt spid="112"/>
+                                        </p:tgtEl>
+                                        <p:attrNameLst>
+                                          <p:attrName>ppt_x</p:attrName>
+                                        </p:attrNameLst>
+                                      </p:cBhvr>
+                                      <p:tavLst>
+                                        <p:tav tm="0">
+                                          <p:val>
+                                            <p:strVal val="#ppt_x"/>
+                                          </p:val>
+                                        </p:tav>
+                                        <p:tav tm="100000">
+                                          <p:val>
+                                            <p:strVal val="#ppt_x"/>
+                                          </p:val>
+                                        </p:tav>
+                                      </p:tavLst>
+                                    </p:anim>
+                                    <p:anim calcmode="lin" valueType="num">
+                                      <p:cBhvr>
+                                        <p:cTn id="145" dur="900" decel="100000" fill="hold"/>
+                                        <p:tgtEl>
+                                          <p:spTgt spid="112"/>
+                                        </p:tgtEl>
+                                        <p:attrNameLst>
+                                          <p:attrName>ppt_y</p:attrName>
+                                        </p:attrNameLst>
+                                      </p:cBhvr>
+                                      <p:tavLst>
+                                        <p:tav tm="0">
+                                          <p:val>
+                                            <p:strVal val="#ppt_y+1"/>
+                                          </p:val>
+                                        </p:tav>
+                                        <p:tav tm="100000">
+                                          <p:val>
+                                            <p:strVal val="#ppt_y-.03"/>
+                                          </p:val>
+                                        </p:tav>
+                                      </p:tavLst>
+                                    </p:anim>
+                                    <p:anim calcmode="lin" valueType="num">
+                                      <p:cBhvr>
+                                        <p:cTn id="146" dur="100" accel="100000" fill="hold">
+                                          <p:stCondLst>
+                                            <p:cond delay="900"/>
+                                          </p:stCondLst>
+                                        </p:cTn>
+                                        <p:tgtEl>
+                                          <p:spTgt spid="112"/>
+                                        </p:tgtEl>
+                                        <p:attrNameLst>
+                                          <p:attrName>ppt_y</p:attrName>
+                                        </p:attrNameLst>
+                                      </p:cBhvr>
+                                      <p:tavLst>
+                                        <p:tav tm="0">
+                                          <p:val>
+                                            <p:strVal val="#ppt_y-.03"/>
+                                          </p:val>
+                                        </p:tav>
+                                        <p:tav tm="100000">
+                                          <p:val>
+                                            <p:strVal val="#ppt_y"/>
+                                          </p:val>
+                                        </p:tav>
+                                      </p:tavLst>
+                                    </p:anim>
+                                  </p:childTnLst>
+                                </p:cTn>
+                              </p:par>
+                            </p:childTnLst>
+                          </p:cTn>
+                        </p:par>
+                      </p:childTnLst>
+                    </p:cTn>
+                  </p:par>
+                  <p:par>
+                    <p:cTn id="147" fill="hold">
+                      <p:stCondLst>
+                        <p:cond delay="indefinite"/>
+                      </p:stCondLst>
+                      <p:childTnLst>
+                        <p:par>
+                          <p:cTn id="148" fill="hold">
+                            <p:stCondLst>
+                              <p:cond delay="0"/>
+                            </p:stCondLst>
+                            <p:childTnLst>
+                              <p:par>
+                                <p:cTn id="149" presetID="37" presetClass="entr" presetSubtype="0" fill="hold" nodeType="clickEffect">
+                                  <p:stCondLst>
+                                    <p:cond delay="0"/>
+                                  </p:stCondLst>
+                                  <p:childTnLst>
+                                    <p:set>
+                                      <p:cBhvr>
+                                        <p:cTn id="150" dur="1" fill="hold">
+                                          <p:stCondLst>
+                                            <p:cond delay="0"/>
+                                          </p:stCondLst>
+                                        </p:cTn>
+                                        <p:tgtEl>
+                                          <p:spTgt spid="113"/>
+                                        </p:tgtEl>
+                                        <p:attrNameLst>
+                                          <p:attrName>style.visibility</p:attrName>
+                                        </p:attrNameLst>
+                                      </p:cBhvr>
+                                      <p:to>
+                                        <p:strVal val="visible"/>
+                                      </p:to>
+                                    </p:set>
+                                    <p:animEffect transition="in" filter="fade">
+                                      <p:cBhvr>
+                                        <p:cTn id="151" dur="1000"/>
+                                        <p:tgtEl>
+                                          <p:spTgt spid="113"/>
+                                        </p:tgtEl>
+                                      </p:cBhvr>
+                                    </p:animEffect>
+                                    <p:anim calcmode="lin" valueType="num">
+                                      <p:cBhvr>
+                                        <p:cTn id="152" dur="1000" fill="hold"/>
+                                        <p:tgtEl>
+                                          <p:spTgt spid="113"/>
+                                        </p:tgtEl>
+                                        <p:attrNameLst>
+                                          <p:attrName>ppt_x</p:attrName>
+                                        </p:attrNameLst>
+                                      </p:cBhvr>
+                                      <p:tavLst>
+                                        <p:tav tm="0">
+                                          <p:val>
+                                            <p:strVal val="#ppt_x"/>
+                                          </p:val>
+                                        </p:tav>
+                                        <p:tav tm="100000">
+                                          <p:val>
+                                            <p:strVal val="#ppt_x"/>
+                                          </p:val>
+                                        </p:tav>
+                                      </p:tavLst>
+                                    </p:anim>
+                                    <p:anim calcmode="lin" valueType="num">
+                                      <p:cBhvr>
+                                        <p:cTn id="153" dur="900" decel="100000" fill="hold"/>
+                                        <p:tgtEl>
+                                          <p:spTgt spid="113"/>
+                                        </p:tgtEl>
+                                        <p:attrNameLst>
+                                          <p:attrName>ppt_y</p:attrName>
+                                        </p:attrNameLst>
+                                      </p:cBhvr>
+                                      <p:tavLst>
+                                        <p:tav tm="0">
+                                          <p:val>
+                                            <p:strVal val="#ppt_y+1"/>
+                                          </p:val>
+                                        </p:tav>
+                                        <p:tav tm="100000">
+                                          <p:val>
+                                            <p:strVal val="#ppt_y-.03"/>
+                                          </p:val>
+                                        </p:tav>
+                                      </p:tavLst>
+                                    </p:anim>
+                                    <p:anim calcmode="lin" valueType="num">
+                                      <p:cBhvr>
+                                        <p:cTn id="154" dur="100" accel="100000" fill="hold">
+                                          <p:stCondLst>
+                                            <p:cond delay="900"/>
+                                          </p:stCondLst>
+                                        </p:cTn>
+                                        <p:tgtEl>
+                                          <p:spTgt spid="113"/>
+                                        </p:tgtEl>
+                                        <p:attrNameLst>
+                                          <p:attrName>ppt_y</p:attrName>
+                                        </p:attrNameLst>
+                                      </p:cBhvr>
+                                      <p:tavLst>
+                                        <p:tav tm="0">
+                                          <p:val>
+                                            <p:strVal val="#ppt_y-.03"/>
+                                          </p:val>
+                                        </p:tav>
+                                        <p:tav tm="100000">
+                                          <p:val>
+                                            <p:strVal val="#ppt_y"/>
+                                          </p:val>
+                                        </p:tav>
+                                      </p:tavLst>
+                                    </p:anim>
+                                  </p:childTnLst>
+                                </p:cTn>
+                              </p:par>
+                            </p:childTnLst>
+                          </p:cTn>
+                        </p:par>
+                      </p:childTnLst>
+                    </p:cTn>
+                  </p:par>
+                  <p:par>
+                    <p:cTn id="155" fill="hold">
+                      <p:stCondLst>
+                        <p:cond delay="indefinite"/>
+                      </p:stCondLst>
+                      <p:childTnLst>
+                        <p:par>
+                          <p:cTn id="156" fill="hold">
+                            <p:stCondLst>
+                              <p:cond delay="0"/>
+                            </p:stCondLst>
+                            <p:childTnLst>
+                              <p:par>
+                                <p:cTn id="157" presetID="37" presetClass="entr" presetSubtype="0" fill="hold" nodeType="clickEffect">
+                                  <p:stCondLst>
+                                    <p:cond delay="0"/>
+                                  </p:stCondLst>
+                                  <p:childTnLst>
+                                    <p:set>
+                                      <p:cBhvr>
+                                        <p:cTn id="158" dur="1" fill="hold">
+                                          <p:stCondLst>
+                                            <p:cond delay="0"/>
+                                          </p:stCondLst>
+                                        </p:cTn>
+                                        <p:tgtEl>
+                                          <p:spTgt spid="114"/>
+                                        </p:tgtEl>
+                                        <p:attrNameLst>
+                                          <p:attrName>style.visibility</p:attrName>
+                                        </p:attrNameLst>
+                                      </p:cBhvr>
+                                      <p:to>
+                                        <p:strVal val="visible"/>
+                                      </p:to>
+                                    </p:set>
+                                    <p:animEffect transition="in" filter="fade">
+                                      <p:cBhvr>
+                                        <p:cTn id="159" dur="1000"/>
+                                        <p:tgtEl>
+                                          <p:spTgt spid="114"/>
+                                        </p:tgtEl>
+                                      </p:cBhvr>
+                                    </p:animEffect>
+                                    <p:anim calcmode="lin" valueType="num">
+                                      <p:cBhvr>
+                                        <p:cTn id="160" dur="1000" fill="hold"/>
+                                        <p:tgtEl>
+                                          <p:spTgt spid="114"/>
+                                        </p:tgtEl>
+                                        <p:attrNameLst>
+                                          <p:attrName>ppt_x</p:attrName>
+                                        </p:attrNameLst>
+                                      </p:cBhvr>
+                                      <p:tavLst>
+                                        <p:tav tm="0">
+                                          <p:val>
+                                            <p:strVal val="#ppt_x"/>
+                                          </p:val>
+                                        </p:tav>
+                                        <p:tav tm="100000">
+                                          <p:val>
+                                            <p:strVal val="#ppt_x"/>
+                                          </p:val>
+                                        </p:tav>
+                                      </p:tavLst>
+                                    </p:anim>
+                                    <p:anim calcmode="lin" valueType="num">
+                                      <p:cBhvr>
+                                        <p:cTn id="161" dur="900" decel="100000" fill="hold"/>
+                                        <p:tgtEl>
+                                          <p:spTgt spid="114"/>
+                                        </p:tgtEl>
+                                        <p:attrNameLst>
+                                          <p:attrName>ppt_y</p:attrName>
+                                        </p:attrNameLst>
+                                      </p:cBhvr>
+                                      <p:tavLst>
+                                        <p:tav tm="0">
+                                          <p:val>
+                                            <p:strVal val="#ppt_y+1"/>
+                                          </p:val>
+                                        </p:tav>
+                                        <p:tav tm="100000">
+                                          <p:val>
+                                            <p:strVal val="#ppt_y-.03"/>
+                                          </p:val>
+                                        </p:tav>
+                                      </p:tavLst>
+                                    </p:anim>
+                                    <p:anim calcmode="lin" valueType="num">
+                                      <p:cBhvr>
+                                        <p:cTn id="162" dur="100" accel="100000" fill="hold">
+                                          <p:stCondLst>
+                                            <p:cond delay="900"/>
+                                          </p:stCondLst>
+                                        </p:cTn>
+                                        <p:tgtEl>
+                                          <p:spTgt spid="114"/>
+                                        </p:tgtEl>
+                                        <p:attrNameLst>
+                                          <p:attrName>ppt_y</p:attrName>
+                                        </p:attrNameLst>
+                                      </p:cBhvr>
+                                      <p:tavLst>
+                                        <p:tav tm="0">
+                                          <p:val>
+                                            <p:strVal val="#ppt_y-.03"/>
+                                          </p:val>
+                                        </p:tav>
+                                        <p:tav tm="100000">
+                                          <p:val>
+                                            <p:strVal val="#ppt_y"/>
+                                          </p:val>
+                                        </p:tav>
+                                      </p:tavLst>
+                                    </p:anim>
+                                  </p:childTnLst>
+                                </p:cTn>
+                              </p:par>
+                            </p:childTnLst>
+                          </p:cTn>
+                        </p:par>
+                      </p:childTnLst>
+                    </p:cTn>
+                  </p:par>
+                  <p:par>
+                    <p:cTn id="163" fill="hold">
+                      <p:stCondLst>
+                        <p:cond delay="indefinite"/>
+                      </p:stCondLst>
+                      <p:childTnLst>
+                        <p:par>
+                          <p:cTn id="164" fill="hold">
+                            <p:stCondLst>
+                              <p:cond delay="0"/>
+                            </p:stCondLst>
+                            <p:childTnLst>
+                              <p:par>
+                                <p:cTn id="165" presetID="37" presetClass="entr" presetSubtype="0" fill="hold" nodeType="clickEffect">
+                                  <p:stCondLst>
+                                    <p:cond delay="0"/>
+                                  </p:stCondLst>
+                                  <p:childTnLst>
+                                    <p:set>
+                                      <p:cBhvr>
+                                        <p:cTn id="166" dur="1" fill="hold">
+                                          <p:stCondLst>
+                                            <p:cond delay="0"/>
+                                          </p:stCondLst>
+                                        </p:cTn>
+                                        <p:tgtEl>
+                                          <p:spTgt spid="115"/>
+                                        </p:tgtEl>
+                                        <p:attrNameLst>
+                                          <p:attrName>style.visibility</p:attrName>
+                                        </p:attrNameLst>
+                                      </p:cBhvr>
+                                      <p:to>
+                                        <p:strVal val="visible"/>
+                                      </p:to>
+                                    </p:set>
+                                    <p:animEffect transition="in" filter="fade">
+                                      <p:cBhvr>
+                                        <p:cTn id="167" dur="1000"/>
+                                        <p:tgtEl>
+                                          <p:spTgt spid="115"/>
+                                        </p:tgtEl>
+                                      </p:cBhvr>
+                                    </p:animEffect>
+                                    <p:anim calcmode="lin" valueType="num">
+                                      <p:cBhvr>
+                                        <p:cTn id="168" dur="1000" fill="hold"/>
+                                        <p:tgtEl>
+                                          <p:spTgt spid="115"/>
+                                        </p:tgtEl>
+                                        <p:attrNameLst>
+                                          <p:attrName>ppt_x</p:attrName>
+                                        </p:attrNameLst>
+                                      </p:cBhvr>
+                                      <p:tavLst>
+                                        <p:tav tm="0">
+                                          <p:val>
+                                            <p:strVal val="#ppt_x"/>
+                                          </p:val>
+                                        </p:tav>
+                                        <p:tav tm="100000">
+                                          <p:val>
+                                            <p:strVal val="#ppt_x"/>
+                                          </p:val>
+                                        </p:tav>
+                                      </p:tavLst>
+                                    </p:anim>
+                                    <p:anim calcmode="lin" valueType="num">
+                                      <p:cBhvr>
+                                        <p:cTn id="169" dur="900" decel="100000" fill="hold"/>
+                                        <p:tgtEl>
+                                          <p:spTgt spid="115"/>
+                                        </p:tgtEl>
+                                        <p:attrNameLst>
+                                          <p:attrName>ppt_y</p:attrName>
+                                        </p:attrNameLst>
+                                      </p:cBhvr>
+                                      <p:tavLst>
+                                        <p:tav tm="0">
+                                          <p:val>
+                                            <p:strVal val="#ppt_y+1"/>
+                                          </p:val>
+                                        </p:tav>
+                                        <p:tav tm="100000">
+                                          <p:val>
+                                            <p:strVal val="#ppt_y-.03"/>
+                                          </p:val>
+                                        </p:tav>
+                                      </p:tavLst>
+                                    </p:anim>
+                                    <p:anim calcmode="lin" valueType="num">
+                                      <p:cBhvr>
+                                        <p:cTn id="170" dur="100" accel="100000" fill="hold">
+                                          <p:stCondLst>
+                                            <p:cond delay="900"/>
+                                          </p:stCondLst>
+                                        </p:cTn>
+                                        <p:tgtEl>
+                                          <p:spTgt spid="115"/>
+                                        </p:tgtEl>
+                                        <p:attrNameLst>
+                                          <p:attrName>ppt_y</p:attrName>
+                                        </p:attrNameLst>
+                                      </p:cBhvr>
+                                      <p:tavLst>
+                                        <p:tav tm="0">
+                                          <p:val>
+                                            <p:strVal val="#ppt_y-.03"/>
+                                          </p:val>
+                                        </p:tav>
+                                        <p:tav tm="100000">
+                                          <p:val>
+                                            <p:strVal val="#ppt_y"/>
+                                          </p:val>
+                                        </p:tav>
+                                      </p:tavLst>
+                                    </p:anim>
+                                  </p:childTnLst>
+                                </p:cTn>
+                              </p:par>
+                            </p:childTnLst>
+                          </p:cTn>
+                        </p:par>
+                      </p:childTnLst>
+                    </p:cTn>
+                  </p:par>
+                  <p:par>
+                    <p:cTn id="171" fill="hold">
+                      <p:stCondLst>
+                        <p:cond delay="indefinite"/>
+                      </p:stCondLst>
+                      <p:childTnLst>
+                        <p:par>
+                          <p:cTn id="172" fill="hold">
+                            <p:stCondLst>
+                              <p:cond delay="0"/>
+                            </p:stCondLst>
+                            <p:childTnLst>
+                              <p:par>
+                                <p:cTn id="173" presetID="37" presetClass="entr" presetSubtype="0" fill="hold" nodeType="clickEffect">
+                                  <p:stCondLst>
+                                    <p:cond delay="0"/>
+                                  </p:stCondLst>
+                                  <p:childTnLst>
+                                    <p:set>
+                                      <p:cBhvr>
+                                        <p:cTn id="174" dur="1" fill="hold">
+                                          <p:stCondLst>
+                                            <p:cond delay="0"/>
+                                          </p:stCondLst>
+                                        </p:cTn>
+                                        <p:tgtEl>
+                                          <p:spTgt spid="116"/>
+                                        </p:tgtEl>
+                                        <p:attrNameLst>
+                                          <p:attrName>style.visibility</p:attrName>
+                                        </p:attrNameLst>
+                                      </p:cBhvr>
+                                      <p:to>
+                                        <p:strVal val="visible"/>
+                                      </p:to>
+                                    </p:set>
+                                    <p:animEffect transition="in" filter="fade">
+                                      <p:cBhvr>
+                                        <p:cTn id="175" dur="1000"/>
+                                        <p:tgtEl>
+                                          <p:spTgt spid="116"/>
+                                        </p:tgtEl>
+                                      </p:cBhvr>
+                                    </p:animEffect>
+                                    <p:anim calcmode="lin" valueType="num">
+                                      <p:cBhvr>
+                                        <p:cTn id="176" dur="1000" fill="hold"/>
+                                        <p:tgtEl>
+                                          <p:spTgt spid="116"/>
+                                        </p:tgtEl>
+                                        <p:attrNameLst>
+                                          <p:attrName>ppt_x</p:attrName>
+                                        </p:attrNameLst>
+                                      </p:cBhvr>
+                                      <p:tavLst>
+                                        <p:tav tm="0">
+                                          <p:val>
+                                            <p:strVal val="#ppt_x"/>
+                                          </p:val>
+                                        </p:tav>
+                                        <p:tav tm="100000">
+                                          <p:val>
+                                            <p:strVal val="#ppt_x"/>
+                                          </p:val>
+                                        </p:tav>
+                                      </p:tavLst>
+                                    </p:anim>
+                                    <p:anim calcmode="lin" valueType="num">
+                                      <p:cBhvr>
+                                        <p:cTn id="177" dur="900" decel="100000" fill="hold"/>
+                                        <p:tgtEl>
+                                          <p:spTgt spid="116"/>
+                                        </p:tgtEl>
+                                        <p:attrNameLst>
+                                          <p:attrName>ppt_y</p:attrName>
+                                        </p:attrNameLst>
+                                      </p:cBhvr>
+                                      <p:tavLst>
+                                        <p:tav tm="0">
+                                          <p:val>
+                                            <p:strVal val="#ppt_y+1"/>
+                                          </p:val>
+                                        </p:tav>
+                                        <p:tav tm="100000">
+                                          <p:val>
+                                            <p:strVal val="#ppt_y-.03"/>
+                                          </p:val>
+                                        </p:tav>
+                                      </p:tavLst>
+                                    </p:anim>
+                                    <p:anim calcmode="lin" valueType="num">
+                                      <p:cBhvr>
+                                        <p:cTn id="178" dur="100" accel="100000" fill="hold">
+                                          <p:stCondLst>
+                                            <p:cond delay="900"/>
+                                          </p:stCondLst>
+                                        </p:cTn>
+                                        <p:tgtEl>
+                                          <p:spTgt spid="116"/>
+                                        </p:tgtEl>
+                                        <p:attrNameLst>
+                                          <p:attrName>ppt_y</p:attrName>
+                                        </p:attrNameLst>
+                                      </p:cBhvr>
+                                      <p:tavLst>
+                                        <p:tav tm="0">
+                                          <p:val>
+                                            <p:strVal val="#ppt_y-.03"/>
+                                          </p:val>
+                                        </p:tav>
+                                        <p:tav tm="100000">
+                                          <p:val>
+                                            <p:strVal val="#ppt_y"/>
+                                          </p:val>
+                                        </p:tav>
+                                      </p:tavLst>
+                                    </p:anim>
+                                  </p:childTnLst>
+                                </p:cTn>
+                              </p:par>
+                            </p:childTnLst>
+                          </p:cTn>
+                        </p:par>
+                      </p:childTnLst>
+                    </p:cTn>
+                  </p:par>
+                  <p:par>
+                    <p:cTn id="179" fill="hold">
+                      <p:stCondLst>
+                        <p:cond delay="indefinite"/>
+                      </p:stCondLst>
+                      <p:childTnLst>
+                        <p:par>
+                          <p:cTn id="180" fill="hold">
+                            <p:stCondLst>
+                              <p:cond delay="0"/>
+                            </p:stCondLst>
+                            <p:childTnLst>
+                              <p:par>
+                                <p:cTn id="181" presetID="37" presetClass="entr" presetSubtype="0" fill="hold" nodeType="clickEffect">
+                                  <p:stCondLst>
+                                    <p:cond delay="0"/>
+                                  </p:stCondLst>
+                                  <p:childTnLst>
+                                    <p:set>
+                                      <p:cBhvr>
+                                        <p:cTn id="182" dur="1" fill="hold">
+                                          <p:stCondLst>
+                                            <p:cond delay="0"/>
+                                          </p:stCondLst>
+                                        </p:cTn>
+                                        <p:tgtEl>
+                                          <p:spTgt spid="117"/>
+                                        </p:tgtEl>
+                                        <p:attrNameLst>
+                                          <p:attrName>style.visibility</p:attrName>
+                                        </p:attrNameLst>
+                                      </p:cBhvr>
+                                      <p:to>
+                                        <p:strVal val="visible"/>
+                                      </p:to>
+                                    </p:set>
+                                    <p:animEffect transition="in" filter="fade">
+                                      <p:cBhvr>
+                                        <p:cTn id="183" dur="1000"/>
+                                        <p:tgtEl>
+                                          <p:spTgt spid="117"/>
+                                        </p:tgtEl>
+                                      </p:cBhvr>
+                                    </p:animEffect>
+                                    <p:anim calcmode="lin" valueType="num">
+                                      <p:cBhvr>
+                                        <p:cTn id="184" dur="1000" fill="hold"/>
+                                        <p:tgtEl>
+                                          <p:spTgt spid="117"/>
+                                        </p:tgtEl>
+                                        <p:attrNameLst>
+                                          <p:attrName>ppt_x</p:attrName>
+                                        </p:attrNameLst>
+                                      </p:cBhvr>
+                                      <p:tavLst>
+                                        <p:tav tm="0">
+                                          <p:val>
+                                            <p:strVal val="#ppt_x"/>
+                                          </p:val>
+                                        </p:tav>
+                                        <p:tav tm="100000">
+                                          <p:val>
+                                            <p:strVal val="#ppt_x"/>
+                                          </p:val>
+                                        </p:tav>
+                                      </p:tavLst>
+                                    </p:anim>
+                                    <p:anim calcmode="lin" valueType="num">
+                                      <p:cBhvr>
+                                        <p:cTn id="185" dur="900" decel="100000" fill="hold"/>
+                                        <p:tgtEl>
+                                          <p:spTgt spid="117"/>
+                                        </p:tgtEl>
+                                        <p:attrNameLst>
+                                          <p:attrName>ppt_y</p:attrName>
+                                        </p:attrNameLst>
+                                      </p:cBhvr>
+                                      <p:tavLst>
+                                        <p:tav tm="0">
+                                          <p:val>
+                                            <p:strVal val="#ppt_y+1"/>
+                                          </p:val>
+                                        </p:tav>
+                                        <p:tav tm="100000">
+                                          <p:val>
+                                            <p:strVal val="#ppt_y-.03"/>
+                                          </p:val>
+                                        </p:tav>
+                                      </p:tavLst>
+                                    </p:anim>
+                                    <p:anim calcmode="lin" valueType="num">
+                                      <p:cBhvr>
+                                        <p:cTn id="186" dur="100" accel="100000" fill="hold">
+                                          <p:stCondLst>
+                                            <p:cond delay="900"/>
+                                          </p:stCondLst>
+                                        </p:cTn>
+                                        <p:tgtEl>
+                                          <p:spTgt spid="117"/>
+                                        </p:tgtEl>
+                                        <p:attrNameLst>
+                                          <p:attrName>ppt_y</p:attrName>
+                                        </p:attrNameLst>
+                                      </p:cBhvr>
+                                      <p:tavLst>
+                                        <p:tav tm="0">
+                                          <p:val>
+                                            <p:strVal val="#ppt_y-.03"/>
+                                          </p:val>
+                                        </p:tav>
+                                        <p:tav tm="100000">
+                                          <p:val>
+                                            <p:strVal val="#ppt_y"/>
+                                          </p:val>
+                                        </p:tav>
+                                      </p:tavLst>
+                                    </p:anim>
+                                  </p:childTnLst>
+                                </p:cTn>
+                              </p:par>
+                            </p:childTnLst>
+                          </p:cTn>
+                        </p:par>
+                      </p:childTnLst>
+                    </p:cTn>
+                  </p:par>
+                  <p:par>
+                    <p:cTn id="187" fill="hold">
+                      <p:stCondLst>
+                        <p:cond delay="indefinite"/>
+                      </p:stCondLst>
+                      <p:childTnLst>
+                        <p:par>
+                          <p:cTn id="188" fill="hold">
+                            <p:stCondLst>
+                              <p:cond delay="0"/>
+                            </p:stCondLst>
+                            <p:childTnLst>
+                              <p:par>
+                                <p:cTn id="189" presetID="37" presetClass="entr" presetSubtype="0" fill="hold" nodeType="clickEffect">
+                                  <p:stCondLst>
+                                    <p:cond delay="0"/>
+                                  </p:stCondLst>
+                                  <p:childTnLst>
+                                    <p:set>
+                                      <p:cBhvr>
+                                        <p:cTn id="190" dur="1" fill="hold">
+                                          <p:stCondLst>
+                                            <p:cond delay="0"/>
+                                          </p:stCondLst>
+                                        </p:cTn>
+                                        <p:tgtEl>
+                                          <p:spTgt spid="118"/>
+                                        </p:tgtEl>
+                                        <p:attrNameLst>
+                                          <p:attrName>style.visibility</p:attrName>
+                                        </p:attrNameLst>
+                                      </p:cBhvr>
+                                      <p:to>
+                                        <p:strVal val="visible"/>
+                                      </p:to>
+                                    </p:set>
+                                    <p:animEffect transition="in" filter="fade">
+                                      <p:cBhvr>
+                                        <p:cTn id="191" dur="1000"/>
+                                        <p:tgtEl>
+                                          <p:spTgt spid="118"/>
+                                        </p:tgtEl>
+                                      </p:cBhvr>
+                                    </p:animEffect>
+                                    <p:anim calcmode="lin" valueType="num">
+                                      <p:cBhvr>
+                                        <p:cTn id="192" dur="1000" fill="hold"/>
+                                        <p:tgtEl>
+                                          <p:spTgt spid="118"/>
+                                        </p:tgtEl>
+                                        <p:attrNameLst>
+                                          <p:attrName>ppt_x</p:attrName>
+                                        </p:attrNameLst>
+                                      </p:cBhvr>
+                                      <p:tavLst>
+                                        <p:tav tm="0">
+                                          <p:val>
+                                            <p:strVal val="#ppt_x"/>
+                                          </p:val>
+                                        </p:tav>
+                                        <p:tav tm="100000">
+                                          <p:val>
+                                            <p:strVal val="#ppt_x"/>
+                                          </p:val>
+                                        </p:tav>
+                                      </p:tavLst>
+                                    </p:anim>
+                                    <p:anim calcmode="lin" valueType="num">
+                                      <p:cBhvr>
+                                        <p:cTn id="193" dur="900" decel="100000" fill="hold"/>
+                                        <p:tgtEl>
+                                          <p:spTgt spid="118"/>
+                                        </p:tgtEl>
+                                        <p:attrNameLst>
+                                          <p:attrName>ppt_y</p:attrName>
+                                        </p:attrNameLst>
+                                      </p:cBhvr>
+                                      <p:tavLst>
+                                        <p:tav tm="0">
+                                          <p:val>
+                                            <p:strVal val="#ppt_y+1"/>
+                                          </p:val>
+                                        </p:tav>
+                                        <p:tav tm="100000">
+                                          <p:val>
+                                            <p:strVal val="#ppt_y-.03"/>
+                                          </p:val>
+                                        </p:tav>
+                                      </p:tavLst>
+                                    </p:anim>
+                                    <p:anim calcmode="lin" valueType="num">
+                                      <p:cBhvr>
+                                        <p:cTn id="194" dur="100" accel="100000" fill="hold">
+                                          <p:stCondLst>
+                                            <p:cond delay="900"/>
+                                          </p:stCondLst>
+                                        </p:cTn>
+                                        <p:tgtEl>
+                                          <p:spTgt spid="118"/>
+                                        </p:tgtEl>
+                                        <p:attrNameLst>
+                                          <p:attrName>ppt_y</p:attrName>
+                                        </p:attrNameLst>
+                                      </p:cBhvr>
+                                      <p:tavLst>
+                                        <p:tav tm="0">
+                                          <p:val>
+                                            <p:strVal val="#ppt_y-.03"/>
+                                          </p:val>
+                                        </p:tav>
+                                        <p:tav tm="100000">
+                                          <p:val>
+                                            <p:strVal val="#ppt_y"/>
+                                          </p:val>
+                                        </p:tav>
+                                      </p:tavLst>
+                                    </p:anim>
+                                  </p:childTnLst>
+                                </p:cTn>
+                              </p:par>
+                            </p:childTnLst>
+                          </p:cTn>
+                        </p:par>
+                      </p:childTnLst>
+                    </p:cTn>
+                  </p:par>
+                  <p:par>
+                    <p:cTn id="195" fill="hold">
+                      <p:stCondLst>
+                        <p:cond delay="indefinite"/>
+                      </p:stCondLst>
+                      <p:childTnLst>
+                        <p:par>
+                          <p:cTn id="196" fill="hold">
+                            <p:stCondLst>
+                              <p:cond delay="0"/>
+                            </p:stCondLst>
+                            <p:childTnLst>
+                              <p:par>
+                                <p:cTn id="197" presetID="37" presetClass="entr" presetSubtype="0" fill="hold" nodeType="clickEffect">
+                                  <p:stCondLst>
+                                    <p:cond delay="0"/>
+                                  </p:stCondLst>
+                                  <p:childTnLst>
+                                    <p:set>
+                                      <p:cBhvr>
+                                        <p:cTn id="198" dur="1" fill="hold">
+                                          <p:stCondLst>
+                                            <p:cond delay="0"/>
+                                          </p:stCondLst>
+                                        </p:cTn>
+                                        <p:tgtEl>
+                                          <p:spTgt spid="120"/>
+                                        </p:tgtEl>
+                                        <p:attrNameLst>
+                                          <p:attrName>style.visibility</p:attrName>
+                                        </p:attrNameLst>
+                                      </p:cBhvr>
+                                      <p:to>
+                                        <p:strVal val="visible"/>
+                                      </p:to>
+                                    </p:set>
+                                    <p:animEffect transition="in" filter="fade">
+                                      <p:cBhvr>
+                                        <p:cTn id="199" dur="1000"/>
+                                        <p:tgtEl>
+                                          <p:spTgt spid="120"/>
+                                        </p:tgtEl>
+                                      </p:cBhvr>
+                                    </p:animEffect>
+                                    <p:anim calcmode="lin" valueType="num">
+                                      <p:cBhvr>
+                                        <p:cTn id="200" dur="1000" fill="hold"/>
+                                        <p:tgtEl>
+                                          <p:spTgt spid="120"/>
+                                        </p:tgtEl>
+                                        <p:attrNameLst>
+                                          <p:attrName>ppt_x</p:attrName>
+                                        </p:attrNameLst>
+                                      </p:cBhvr>
+                                      <p:tavLst>
+                                        <p:tav tm="0">
+                                          <p:val>
+                                            <p:strVal val="#ppt_x"/>
+                                          </p:val>
+                                        </p:tav>
+                                        <p:tav tm="100000">
+                                          <p:val>
+                                            <p:strVal val="#ppt_x"/>
+                                          </p:val>
+                                        </p:tav>
+                                      </p:tavLst>
+                                    </p:anim>
+                                    <p:anim calcmode="lin" valueType="num">
+                                      <p:cBhvr>
+                                        <p:cTn id="201" dur="900" decel="100000" fill="hold"/>
+                                        <p:tgtEl>
+                                          <p:spTgt spid="120"/>
+                                        </p:tgtEl>
+                                        <p:attrNameLst>
+                                          <p:attrName>ppt_y</p:attrName>
+                                        </p:attrNameLst>
+                                      </p:cBhvr>
+                                      <p:tavLst>
+                                        <p:tav tm="0">
+                                          <p:val>
+                                            <p:strVal val="#ppt_y+1"/>
+                                          </p:val>
+                                        </p:tav>
+                                        <p:tav tm="100000">
+                                          <p:val>
+                                            <p:strVal val="#ppt_y-.03"/>
+                                          </p:val>
+                                        </p:tav>
+                                      </p:tavLst>
+                                    </p:anim>
+                                    <p:anim calcmode="lin" valueType="num">
+                                      <p:cBhvr>
+                                        <p:cTn id="202" dur="100" accel="100000" fill="hold">
+                                          <p:stCondLst>
+                                            <p:cond delay="900"/>
+                                          </p:stCondLst>
+                                        </p:cTn>
+                                        <p:tgtEl>
+                                          <p:spTgt spid="120"/>
+                                        </p:tgtEl>
+                                        <p:attrNameLst>
+                                          <p:attrName>ppt_y</p:attrName>
+                                        </p:attrNameLst>
+                                      </p:cBhvr>
+                                      <p:tavLst>
+                                        <p:tav tm="0">
+                                          <p:val>
+                                            <p:strVal val="#ppt_y-.03"/>
+                                          </p:val>
+                                        </p:tav>
+                                        <p:tav tm="100000">
+                                          <p:val>
+                                            <p:strVal val="#ppt_y"/>
+                                          </p:val>
+                                        </p:tav>
+                                      </p:tavLst>
+                                    </p:anim>
+                                  </p:childTnLst>
+                                </p:cTn>
+                              </p:par>
+                            </p:childTnLst>
+                          </p:cTn>
+                        </p:par>
+                      </p:childTnLst>
+                    </p:cTn>
+                  </p:par>
+                  <p:par>
+                    <p:cTn id="203" fill="hold">
+                      <p:stCondLst>
+                        <p:cond delay="indefinite"/>
+                      </p:stCondLst>
+                      <p:childTnLst>
+                        <p:par>
+                          <p:cTn id="204" fill="hold">
+                            <p:stCondLst>
+                              <p:cond delay="0"/>
+                            </p:stCondLst>
+                            <p:childTnLst>
+                              <p:par>
+                                <p:cTn id="205" presetID="37" presetClass="entr" presetSubtype="0" fill="hold" nodeType="clickEffect">
+                                  <p:stCondLst>
+                                    <p:cond delay="0"/>
+                                  </p:stCondLst>
+                                  <p:childTnLst>
+                                    <p:set>
+                                      <p:cBhvr>
+                                        <p:cTn id="206" dur="1" fill="hold">
+                                          <p:stCondLst>
+                                            <p:cond delay="0"/>
+                                          </p:stCondLst>
+                                        </p:cTn>
+                                        <p:tgtEl>
+                                          <p:spTgt spid="121"/>
+                                        </p:tgtEl>
+                                        <p:attrNameLst>
+                                          <p:attrName>style.visibility</p:attrName>
+                                        </p:attrNameLst>
+                                      </p:cBhvr>
+                                      <p:to>
+                                        <p:strVal val="visible"/>
+                                      </p:to>
+                                    </p:set>
+                                    <p:animEffect transition="in" filter="fade">
+                                      <p:cBhvr>
+                                        <p:cTn id="207" dur="1000"/>
+                                        <p:tgtEl>
+                                          <p:spTgt spid="121"/>
+                                        </p:tgtEl>
+                                      </p:cBhvr>
+                                    </p:animEffect>
+                                    <p:anim calcmode="lin" valueType="num">
+                                      <p:cBhvr>
+                                        <p:cTn id="208" dur="1000" fill="hold"/>
+                                        <p:tgtEl>
+                                          <p:spTgt spid="121"/>
+                                        </p:tgtEl>
+                                        <p:attrNameLst>
+                                          <p:attrName>ppt_x</p:attrName>
+                                        </p:attrNameLst>
+                                      </p:cBhvr>
+                                      <p:tavLst>
+                                        <p:tav tm="0">
+                                          <p:val>
+                                            <p:strVal val="#ppt_x"/>
+                                          </p:val>
+                                        </p:tav>
+                                        <p:tav tm="100000">
+                                          <p:val>
+                                            <p:strVal val="#ppt_x"/>
+                                          </p:val>
+                                        </p:tav>
+                                      </p:tavLst>
+                                    </p:anim>
+                                    <p:anim calcmode="lin" valueType="num">
+                                      <p:cBhvr>
+                                        <p:cTn id="209" dur="900" decel="100000" fill="hold"/>
+                                        <p:tgtEl>
+                                          <p:spTgt spid="121"/>
+                                        </p:tgtEl>
+                                        <p:attrNameLst>
+                                          <p:attrName>ppt_y</p:attrName>
+                                        </p:attrNameLst>
+                                      </p:cBhvr>
+                                      <p:tavLst>
+                                        <p:tav tm="0">
+                                          <p:val>
+                                            <p:strVal val="#ppt_y+1"/>
+                                          </p:val>
+                                        </p:tav>
+                                        <p:tav tm="100000">
+                                          <p:val>
+                                            <p:strVal val="#ppt_y-.03"/>
+                                          </p:val>
+                                        </p:tav>
+                                      </p:tavLst>
+                                    </p:anim>
+                                    <p:anim calcmode="lin" valueType="num">
+                                      <p:cBhvr>
+                                        <p:cTn id="210" dur="100" accel="100000" fill="hold">
+                                          <p:stCondLst>
+                                            <p:cond delay="900"/>
+                                          </p:stCondLst>
+                                        </p:cTn>
+                                        <p:tgtEl>
+                                          <p:spTgt spid="121"/>
+                                        </p:tgtEl>
+                                        <p:attrNameLst>
+                                          <p:attrName>ppt_y</p:attrName>
+                                        </p:attrNameLst>
+                                      </p:cBhvr>
+                                      <p:tavLst>
+                                        <p:tav tm="0">
+                                          <p:val>
+                                            <p:strVal val="#ppt_y-.03"/>
+                                          </p:val>
+                                        </p:tav>
+                                        <p:tav tm="100000">
+                                          <p:val>
+                                            <p:strVal val="#ppt_y"/>
+                                          </p:val>
+                                        </p:tav>
+                                      </p:tavLst>
+                                    </p:anim>
+                                  </p:childTnLst>
+                                </p:cTn>
+                              </p:par>
+                            </p:childTnLst>
+                          </p:cTn>
+                        </p:par>
+                      </p:childTnLst>
+                    </p:cTn>
+                  </p:par>
+                  <p:par>
+                    <p:cTn id="211" fill="hold">
+                      <p:stCondLst>
+                        <p:cond delay="indefinite"/>
+                      </p:stCondLst>
+                      <p:childTnLst>
+                        <p:par>
+                          <p:cTn id="212" fill="hold">
+                            <p:stCondLst>
+                              <p:cond delay="0"/>
+                            </p:stCondLst>
+                            <p:childTnLst>
+                              <p:par>
+                                <p:cTn id="213" presetID="37" presetClass="entr" presetSubtype="0" fill="hold" nodeType="clickEffect">
+                                  <p:stCondLst>
+                                    <p:cond delay="0"/>
+                                  </p:stCondLst>
+                                  <p:childTnLst>
+                                    <p:set>
+                                      <p:cBhvr>
+                                        <p:cTn id="214" dur="1" fill="hold">
+                                          <p:stCondLst>
+                                            <p:cond delay="0"/>
+                                          </p:stCondLst>
+                                        </p:cTn>
+                                        <p:tgtEl>
+                                          <p:spTgt spid="122"/>
+                                        </p:tgtEl>
+                                        <p:attrNameLst>
+                                          <p:attrName>style.visibility</p:attrName>
+                                        </p:attrNameLst>
+                                      </p:cBhvr>
+                                      <p:to>
+                                        <p:strVal val="visible"/>
+                                      </p:to>
+                                    </p:set>
+                                    <p:animEffect transition="in" filter="fade">
+                                      <p:cBhvr>
+                                        <p:cTn id="215" dur="1000"/>
+                                        <p:tgtEl>
+                                          <p:spTgt spid="122"/>
+                                        </p:tgtEl>
+                                      </p:cBhvr>
+                                    </p:animEffect>
+                                    <p:anim calcmode="lin" valueType="num">
+                                      <p:cBhvr>
+                                        <p:cTn id="216" dur="1000" fill="hold"/>
+                                        <p:tgtEl>
+                                          <p:spTgt spid="122"/>
+                                        </p:tgtEl>
+                                        <p:attrNameLst>
+                                          <p:attrName>ppt_x</p:attrName>
+                                        </p:attrNameLst>
+                                      </p:cBhvr>
+                                      <p:tavLst>
+                                        <p:tav tm="0">
+                                          <p:val>
+                                            <p:strVal val="#ppt_x"/>
+                                          </p:val>
+                                        </p:tav>
+                                        <p:tav tm="100000">
+                                          <p:val>
+                                            <p:strVal val="#ppt_x"/>
+                                          </p:val>
+                                        </p:tav>
+                                      </p:tavLst>
+                                    </p:anim>
+                                    <p:anim calcmode="lin" valueType="num">
+                                      <p:cBhvr>
+                                        <p:cTn id="217" dur="900" decel="100000" fill="hold"/>
+                                        <p:tgtEl>
+                                          <p:spTgt spid="122"/>
+                                        </p:tgtEl>
+                                        <p:attrNameLst>
+                                          <p:attrName>ppt_y</p:attrName>
+                                        </p:attrNameLst>
+                                      </p:cBhvr>
+                                      <p:tavLst>
+                                        <p:tav tm="0">
+                                          <p:val>
+                                            <p:strVal val="#ppt_y+1"/>
+                                          </p:val>
+                                        </p:tav>
+                                        <p:tav tm="100000">
+                                          <p:val>
+                                            <p:strVal val="#ppt_y-.03"/>
+                                          </p:val>
+                                        </p:tav>
+                                      </p:tavLst>
+                                    </p:anim>
+                                    <p:anim calcmode="lin" valueType="num">
+                                      <p:cBhvr>
+                                        <p:cTn id="218" dur="100" accel="100000" fill="hold">
+                                          <p:stCondLst>
+                                            <p:cond delay="900"/>
+                                          </p:stCondLst>
+                                        </p:cTn>
+                                        <p:tgtEl>
+                                          <p:spTgt spid="122"/>
+                                        </p:tgtEl>
+                                        <p:attrNameLst>
+                                          <p:attrName>ppt_y</p:attrName>
+                                        </p:attrNameLst>
+                                      </p:cBhvr>
+                                      <p:tavLst>
+                                        <p:tav tm="0">
+                                          <p:val>
+                                            <p:strVal val="#ppt_y-.03"/>
+                                          </p:val>
+                                        </p:tav>
+                                        <p:tav tm="100000">
+                                          <p:val>
+                                            <p:strVal val="#ppt_y"/>
+                                          </p:val>
+                                        </p:tav>
+                                      </p:tavLst>
+                                    </p:anim>
+                                  </p:childTnLst>
+                                </p:cTn>
+                              </p:par>
+                            </p:childTnLst>
+                          </p:cTn>
+                        </p:par>
+                      </p:childTnLst>
+                    </p:cTn>
+                  </p:par>
+                  <p:par>
+                    <p:cTn id="219" fill="hold">
+                      <p:stCondLst>
+                        <p:cond delay="indefinite"/>
+                      </p:stCondLst>
+                      <p:childTnLst>
+                        <p:par>
+                          <p:cTn id="220" fill="hold">
+                            <p:stCondLst>
+                              <p:cond delay="0"/>
+                            </p:stCondLst>
+                            <p:childTnLst>
+                              <p:par>
+                                <p:cTn id="221" presetID="37" presetClass="entr" presetSubtype="0" fill="hold" nodeType="clickEffect">
+                                  <p:stCondLst>
+                                    <p:cond delay="0"/>
+                                  </p:stCondLst>
+                                  <p:childTnLst>
+                                    <p:set>
+                                      <p:cBhvr>
+                                        <p:cTn id="222" dur="1" fill="hold">
+                                          <p:stCondLst>
+                                            <p:cond delay="0"/>
+                                          </p:stCondLst>
+                                        </p:cTn>
+                                        <p:tgtEl>
+                                          <p:spTgt spid="124"/>
+                                        </p:tgtEl>
+                                        <p:attrNameLst>
+                                          <p:attrName>style.visibility</p:attrName>
+                                        </p:attrNameLst>
+                                      </p:cBhvr>
+                                      <p:to>
+                                        <p:strVal val="visible"/>
+                                      </p:to>
+                                    </p:set>
+                                    <p:animEffect transition="in" filter="fade">
+                                      <p:cBhvr>
+                                        <p:cTn id="223" dur="1000"/>
+                                        <p:tgtEl>
+                                          <p:spTgt spid="124"/>
+                                        </p:tgtEl>
+                                      </p:cBhvr>
+                                    </p:animEffect>
+                                    <p:anim calcmode="lin" valueType="num">
+                                      <p:cBhvr>
+                                        <p:cTn id="224" dur="1000" fill="hold"/>
+                                        <p:tgtEl>
+                                          <p:spTgt spid="124"/>
+                                        </p:tgtEl>
+                                        <p:attrNameLst>
+                                          <p:attrName>ppt_x</p:attrName>
+                                        </p:attrNameLst>
+                                      </p:cBhvr>
+                                      <p:tavLst>
+                                        <p:tav tm="0">
+                                          <p:val>
+                                            <p:strVal val="#ppt_x"/>
+                                          </p:val>
+                                        </p:tav>
+                                        <p:tav tm="100000">
+                                          <p:val>
+                                            <p:strVal val="#ppt_x"/>
+                                          </p:val>
+                                        </p:tav>
+                                      </p:tavLst>
+                                    </p:anim>
+                                    <p:anim calcmode="lin" valueType="num">
+                                      <p:cBhvr>
+                                        <p:cTn id="225" dur="900" decel="100000" fill="hold"/>
+                                        <p:tgtEl>
+                                          <p:spTgt spid="124"/>
+                                        </p:tgtEl>
+                                        <p:attrNameLst>
+                                          <p:attrName>ppt_y</p:attrName>
+                                        </p:attrNameLst>
+                                      </p:cBhvr>
+                                      <p:tavLst>
+                                        <p:tav tm="0">
+                                          <p:val>
+                                            <p:strVal val="#ppt_y+1"/>
+                                          </p:val>
+                                        </p:tav>
+                                        <p:tav tm="100000">
+                                          <p:val>
+                                            <p:strVal val="#ppt_y-.03"/>
+                                          </p:val>
+                                        </p:tav>
+                                      </p:tavLst>
+                                    </p:anim>
+                                    <p:anim calcmode="lin" valueType="num">
+                                      <p:cBhvr>
+                                        <p:cTn id="226" dur="100" accel="100000" fill="hold">
+                                          <p:stCondLst>
+                                            <p:cond delay="900"/>
+                                          </p:stCondLst>
+                                        </p:cTn>
+                                        <p:tgtEl>
+                                          <p:spTgt spid="124"/>
+                                        </p:tgtEl>
+                                        <p:attrNameLst>
+                                          <p:attrName>ppt_y</p:attrName>
+                                        </p:attrNameLst>
+                                      </p:cBhvr>
+                                      <p:tavLst>
+                                        <p:tav tm="0">
+                                          <p:val>
+                                            <p:strVal val="#ppt_y-.03"/>
+                                          </p:val>
+                                        </p:tav>
+                                        <p:tav tm="100000">
+                                          <p:val>
+                                            <p:strVal val="#ppt_y"/>
+                                          </p:val>
+                                        </p:tav>
+                                      </p:tavLst>
+                                    </p:anim>
+                                  </p:childTnLst>
+                                </p:cTn>
+                              </p:par>
+                            </p:childTnLst>
+                          </p:cTn>
+                        </p:par>
+                      </p:childTnLst>
+                    </p:cTn>
+                  </p:par>
+                  <p:par>
+                    <p:cTn id="227" fill="hold">
+                      <p:stCondLst>
+                        <p:cond delay="indefinite"/>
+                      </p:stCondLst>
+                      <p:childTnLst>
+                        <p:par>
+                          <p:cTn id="228" fill="hold">
+                            <p:stCondLst>
+                              <p:cond delay="0"/>
+                            </p:stCondLst>
+                            <p:childTnLst>
+                              <p:par>
+                                <p:cTn id="229" presetID="37" presetClass="entr" presetSubtype="0" fill="hold" nodeType="clickEffect">
+                                  <p:stCondLst>
+                                    <p:cond delay="0"/>
+                                  </p:stCondLst>
+                                  <p:childTnLst>
+                                    <p:set>
+                                      <p:cBhvr>
+                                        <p:cTn id="230" dur="1" fill="hold">
+                                          <p:stCondLst>
+                                            <p:cond delay="0"/>
+                                          </p:stCondLst>
+                                        </p:cTn>
+                                        <p:tgtEl>
+                                          <p:spTgt spid="125"/>
+                                        </p:tgtEl>
+                                        <p:attrNameLst>
+                                          <p:attrName>style.visibility</p:attrName>
+                                        </p:attrNameLst>
+                                      </p:cBhvr>
+                                      <p:to>
+                                        <p:strVal val="visible"/>
+                                      </p:to>
+                                    </p:set>
+                                    <p:animEffect transition="in" filter="fade">
+                                      <p:cBhvr>
+                                        <p:cTn id="231" dur="1000"/>
+                                        <p:tgtEl>
+                                          <p:spTgt spid="125"/>
+                                        </p:tgtEl>
+                                      </p:cBhvr>
+                                    </p:animEffect>
+                                    <p:anim calcmode="lin" valueType="num">
+                                      <p:cBhvr>
+                                        <p:cTn id="232" dur="1000" fill="hold"/>
+                                        <p:tgtEl>
+                                          <p:spTgt spid="125"/>
+                                        </p:tgtEl>
+                                        <p:attrNameLst>
+                                          <p:attrName>ppt_x</p:attrName>
+                                        </p:attrNameLst>
+                                      </p:cBhvr>
+                                      <p:tavLst>
+                                        <p:tav tm="0">
+                                          <p:val>
+                                            <p:strVal val="#ppt_x"/>
+                                          </p:val>
+                                        </p:tav>
+                                        <p:tav tm="100000">
+                                          <p:val>
+                                            <p:strVal val="#ppt_x"/>
+                                          </p:val>
+                                        </p:tav>
+                                      </p:tavLst>
+                                    </p:anim>
+                                    <p:anim calcmode="lin" valueType="num">
+                                      <p:cBhvr>
+                                        <p:cTn id="233" dur="900" decel="100000" fill="hold"/>
+                                        <p:tgtEl>
+                                          <p:spTgt spid="125"/>
+                                        </p:tgtEl>
+                                        <p:attrNameLst>
+                                          <p:attrName>ppt_y</p:attrName>
+                                        </p:attrNameLst>
+                                      </p:cBhvr>
+                                      <p:tavLst>
+                                        <p:tav tm="0">
+                                          <p:val>
+                                            <p:strVal val="#ppt_y+1"/>
+                                          </p:val>
+                                        </p:tav>
+                                        <p:tav tm="100000">
+                                          <p:val>
+                                            <p:strVal val="#ppt_y-.03"/>
+                                          </p:val>
+                                        </p:tav>
+                                      </p:tavLst>
+                                    </p:anim>
+                                    <p:anim calcmode="lin" valueType="num">
+                                      <p:cBhvr>
+                                        <p:cTn id="234" dur="100" accel="100000" fill="hold">
+                                          <p:stCondLst>
+                                            <p:cond delay="900"/>
+                                          </p:stCondLst>
+                                        </p:cTn>
+                                        <p:tgtEl>
+                                          <p:spTgt spid="125"/>
+                                        </p:tgtEl>
+                                        <p:attrNameLst>
+                                          <p:attrName>ppt_y</p:attrName>
+                                        </p:attrNameLst>
+                                      </p:cBhvr>
+                                      <p:tavLst>
+                                        <p:tav tm="0">
+                                          <p:val>
+                                            <p:strVal val="#ppt_y-.03"/>
+                                          </p:val>
+                                        </p:tav>
+                                        <p:tav tm="100000">
+                                          <p:val>
+                                            <p:strVal val="#ppt_y"/>
+                                          </p:val>
+                                        </p:tav>
+                                      </p:tavLst>
+                                    </p:anim>
+                                  </p:childTnLst>
+                                </p:cTn>
+                              </p:par>
+                            </p:childTnLst>
+                          </p:cTn>
+                        </p:par>
+                      </p:childTnLst>
+                    </p:cTn>
+                  </p:par>
+                  <p:par>
+                    <p:cTn id="235" fill="hold">
+                      <p:stCondLst>
+                        <p:cond delay="indefinite"/>
+                      </p:stCondLst>
+                      <p:childTnLst>
+                        <p:par>
+                          <p:cTn id="236" fill="hold">
+                            <p:stCondLst>
+                              <p:cond delay="0"/>
+                            </p:stCondLst>
+                            <p:childTnLst>
+                              <p:par>
+                                <p:cTn id="237" presetID="37" presetClass="entr" presetSubtype="0" fill="hold" nodeType="clickEffect">
+                                  <p:stCondLst>
+                                    <p:cond delay="0"/>
+                                  </p:stCondLst>
+                                  <p:childTnLst>
+                                    <p:set>
+                                      <p:cBhvr>
+                                        <p:cTn id="238" dur="1" fill="hold">
+                                          <p:stCondLst>
+                                            <p:cond delay="0"/>
+                                          </p:stCondLst>
+                                        </p:cTn>
+                                        <p:tgtEl>
+                                          <p:spTgt spid="126"/>
+                                        </p:tgtEl>
+                                        <p:attrNameLst>
+                                          <p:attrName>style.visibility</p:attrName>
+                                        </p:attrNameLst>
+                                      </p:cBhvr>
+                                      <p:to>
+                                        <p:strVal val="visible"/>
+                                      </p:to>
+                                    </p:set>
+                                    <p:animEffect transition="in" filter="fade">
+                                      <p:cBhvr>
+                                        <p:cTn id="239" dur="1000"/>
+                                        <p:tgtEl>
+                                          <p:spTgt spid="126"/>
+                                        </p:tgtEl>
+                                      </p:cBhvr>
+                                    </p:animEffect>
+                                    <p:anim calcmode="lin" valueType="num">
+                                      <p:cBhvr>
+                                        <p:cTn id="240" dur="1000" fill="hold"/>
+                                        <p:tgtEl>
+                                          <p:spTgt spid="126"/>
+                                        </p:tgtEl>
+                                        <p:attrNameLst>
+                                          <p:attrName>ppt_x</p:attrName>
+                                        </p:attrNameLst>
+                                      </p:cBhvr>
+                                      <p:tavLst>
+                                        <p:tav tm="0">
+                                          <p:val>
+                                            <p:strVal val="#ppt_x"/>
+                                          </p:val>
+                                        </p:tav>
+                                        <p:tav tm="100000">
+                                          <p:val>
+                                            <p:strVal val="#ppt_x"/>
+                                          </p:val>
+                                        </p:tav>
+                                      </p:tavLst>
+                                    </p:anim>
+                                    <p:anim calcmode="lin" valueType="num">
+                                      <p:cBhvr>
+                                        <p:cTn id="241" dur="900" decel="100000" fill="hold"/>
+                                        <p:tgtEl>
+                                          <p:spTgt spid="126"/>
+                                        </p:tgtEl>
+                                        <p:attrNameLst>
+                                          <p:attrName>ppt_y</p:attrName>
+                                        </p:attrNameLst>
+                                      </p:cBhvr>
+                                      <p:tavLst>
+                                        <p:tav tm="0">
+                                          <p:val>
+                                            <p:strVal val="#ppt_y+1"/>
+                                          </p:val>
+                                        </p:tav>
+                                        <p:tav tm="100000">
+                                          <p:val>
+                                            <p:strVal val="#ppt_y-.03"/>
+                                          </p:val>
+                                        </p:tav>
+                                      </p:tavLst>
+                                    </p:anim>
+                                    <p:anim calcmode="lin" valueType="num">
+                                      <p:cBhvr>
+                                        <p:cTn id="242" dur="100" accel="100000" fill="hold">
+                                          <p:stCondLst>
+                                            <p:cond delay="900"/>
+                                          </p:stCondLst>
+                                        </p:cTn>
+                                        <p:tgtEl>
+                                          <p:spTgt spid="126"/>
+                                        </p:tgtEl>
+                                        <p:attrNameLst>
+                                          <p:attrName>ppt_y</p:attrName>
+                                        </p:attrNameLst>
+                                      </p:cBhvr>
+                                      <p:tavLst>
+                                        <p:tav tm="0">
+                                          <p:val>
+                                            <p:strVal val="#ppt_y-.03"/>
+                                          </p:val>
+                                        </p:tav>
+                                        <p:tav tm="100000">
+                                          <p:val>
+                                            <p:strVal val="#ppt_y"/>
+                                          </p:val>
+                                        </p:tav>
+                                      </p:tavLst>
+                                    </p:anim>
+                                  </p:childTnLst>
+                                </p:cTn>
+                              </p:par>
+                            </p:childTnLst>
+                          </p:cTn>
+                        </p:par>
+                      </p:childTnLst>
+                    </p:cTn>
+                  </p:par>
+                  <p:par>
+                    <p:cTn id="243" fill="hold">
+                      <p:stCondLst>
+                        <p:cond delay="indefinite"/>
+                      </p:stCondLst>
+                      <p:childTnLst>
+                        <p:par>
+                          <p:cTn id="244" fill="hold">
+                            <p:stCondLst>
+                              <p:cond delay="0"/>
+                            </p:stCondLst>
+                            <p:childTnLst>
+                              <p:par>
+                                <p:cTn id="245" presetID="37" presetClass="entr" presetSubtype="0" fill="hold" nodeType="clickEffect">
+                                  <p:stCondLst>
+                                    <p:cond delay="0"/>
+                                  </p:stCondLst>
+                                  <p:childTnLst>
+                                    <p:set>
+                                      <p:cBhvr>
+                                        <p:cTn id="246" dur="1" fill="hold">
+                                          <p:stCondLst>
+                                            <p:cond delay="0"/>
+                                          </p:stCondLst>
+                                        </p:cTn>
+                                        <p:tgtEl>
+                                          <p:spTgt spid="127"/>
+                                        </p:tgtEl>
+                                        <p:attrNameLst>
+                                          <p:attrName>style.visibility</p:attrName>
+                                        </p:attrNameLst>
+                                      </p:cBhvr>
+                                      <p:to>
+                                        <p:strVal val="visible"/>
+                                      </p:to>
+                                    </p:set>
+                                    <p:animEffect transition="in" filter="fade">
+                                      <p:cBhvr>
+                                        <p:cTn id="247" dur="1000"/>
+                                        <p:tgtEl>
+                                          <p:spTgt spid="127"/>
+                                        </p:tgtEl>
+                                      </p:cBhvr>
+                                    </p:animEffect>
+                                    <p:anim calcmode="lin" valueType="num">
+                                      <p:cBhvr>
+                                        <p:cTn id="248" dur="1000" fill="hold"/>
+                                        <p:tgtEl>
+                                          <p:spTgt spid="127"/>
+                                        </p:tgtEl>
+                                        <p:attrNameLst>
+                                          <p:attrName>ppt_x</p:attrName>
+                                        </p:attrNameLst>
+                                      </p:cBhvr>
+                                      <p:tavLst>
+                                        <p:tav tm="0">
+                                          <p:val>
+                                            <p:strVal val="#ppt_x"/>
+                                          </p:val>
+                                        </p:tav>
+                                        <p:tav tm="100000">
+                                          <p:val>
+                                            <p:strVal val="#ppt_x"/>
+                                          </p:val>
+                                        </p:tav>
+                                      </p:tavLst>
+                                    </p:anim>
+                                    <p:anim calcmode="lin" valueType="num">
+                                      <p:cBhvr>
+                                        <p:cTn id="249" dur="900" decel="100000" fill="hold"/>
+                                        <p:tgtEl>
+                                          <p:spTgt spid="127"/>
+                                        </p:tgtEl>
+                                        <p:attrNameLst>
+                                          <p:attrName>ppt_y</p:attrName>
+                                        </p:attrNameLst>
+                                      </p:cBhvr>
+                                      <p:tavLst>
+                                        <p:tav tm="0">
+                                          <p:val>
+                                            <p:strVal val="#ppt_y+1"/>
+                                          </p:val>
+                                        </p:tav>
+                                        <p:tav tm="100000">
+                                          <p:val>
+                                            <p:strVal val="#ppt_y-.03"/>
+                                          </p:val>
+                                        </p:tav>
+                                      </p:tavLst>
+                                    </p:anim>
+                                    <p:anim calcmode="lin" valueType="num">
+                                      <p:cBhvr>
+                                        <p:cTn id="250" dur="100" accel="100000" fill="hold">
+                                          <p:stCondLst>
+                                            <p:cond delay="900"/>
+                                          </p:stCondLst>
+                                        </p:cTn>
+                                        <p:tgtEl>
+                                          <p:spTgt spid="127"/>
+                                        </p:tgtEl>
+                                        <p:attrNameLst>
+                                          <p:attrName>ppt_y</p:attrName>
+                                        </p:attrNameLst>
+                                      </p:cBhvr>
+                                      <p:tavLst>
+                                        <p:tav tm="0">
+                                          <p:val>
+                                            <p:strVal val="#ppt_y-.03"/>
+                                          </p:val>
+                                        </p:tav>
+                                        <p:tav tm="100000">
+                                          <p:val>
+                                            <p:strVal val="#ppt_y"/>
+                                          </p:val>
+                                        </p:tav>
+                                      </p:tavLst>
+                                    </p:anim>
+                                  </p:childTnLst>
+                                </p:cTn>
+                              </p:par>
+                            </p:childTnLst>
+                          </p:cTn>
+                        </p:par>
+                      </p:childTnLst>
+                    </p:cTn>
+                  </p:par>
+                  <p:par>
+                    <p:cTn id="251" fill="hold">
+                      <p:stCondLst>
+                        <p:cond delay="indefinite"/>
+                      </p:stCondLst>
+                      <p:childTnLst>
+                        <p:par>
+                          <p:cTn id="252" fill="hold">
+                            <p:stCondLst>
+                              <p:cond delay="0"/>
+                            </p:stCondLst>
+                            <p:childTnLst>
+                              <p:par>
+                                <p:cTn id="253" presetID="37" presetClass="entr" presetSubtype="0" fill="hold" nodeType="clickEffect">
+                                  <p:stCondLst>
+                                    <p:cond delay="0"/>
+                                  </p:stCondLst>
+                                  <p:childTnLst>
+                                    <p:set>
+                                      <p:cBhvr>
+                                        <p:cTn id="254" dur="1" fill="hold">
+                                          <p:stCondLst>
+                                            <p:cond delay="0"/>
+                                          </p:stCondLst>
+                                        </p:cTn>
+                                        <p:tgtEl>
+                                          <p:spTgt spid="128"/>
+                                        </p:tgtEl>
+                                        <p:attrNameLst>
+                                          <p:attrName>style.visibility</p:attrName>
+                                        </p:attrNameLst>
+                                      </p:cBhvr>
+                                      <p:to>
+                                        <p:strVal val="visible"/>
+                                      </p:to>
+                                    </p:set>
+                                    <p:animEffect transition="in" filter="fade">
+                                      <p:cBhvr>
+                                        <p:cTn id="255" dur="1000"/>
+                                        <p:tgtEl>
+                                          <p:spTgt spid="128"/>
+                                        </p:tgtEl>
+                                      </p:cBhvr>
+                                    </p:animEffect>
+                                    <p:anim calcmode="lin" valueType="num">
+                                      <p:cBhvr>
+                                        <p:cTn id="256" dur="1000" fill="hold"/>
+                                        <p:tgtEl>
+                                          <p:spTgt spid="128"/>
+                                        </p:tgtEl>
+                                        <p:attrNameLst>
+                                          <p:attrName>ppt_x</p:attrName>
+                                        </p:attrNameLst>
+                                      </p:cBhvr>
+                                      <p:tavLst>
+                                        <p:tav tm="0">
+                                          <p:val>
+                                            <p:strVal val="#ppt_x"/>
+                                          </p:val>
+                                        </p:tav>
+                                        <p:tav tm="100000">
+                                          <p:val>
+                                            <p:strVal val="#ppt_x"/>
+                                          </p:val>
+                                        </p:tav>
+                                      </p:tavLst>
+                                    </p:anim>
+                                    <p:anim calcmode="lin" valueType="num">
+                                      <p:cBhvr>
+                                        <p:cTn id="257" dur="900" decel="100000" fill="hold"/>
+                                        <p:tgtEl>
+                                          <p:spTgt spid="128"/>
+                                        </p:tgtEl>
+                                        <p:attrNameLst>
+                                          <p:attrName>ppt_y</p:attrName>
+                                        </p:attrNameLst>
+                                      </p:cBhvr>
+                                      <p:tavLst>
+                                        <p:tav tm="0">
+                                          <p:val>
+                                            <p:strVal val="#ppt_y+1"/>
+                                          </p:val>
+                                        </p:tav>
+                                        <p:tav tm="100000">
+                                          <p:val>
+                                            <p:strVal val="#ppt_y-.03"/>
+                                          </p:val>
+                                        </p:tav>
+                                      </p:tavLst>
+                                    </p:anim>
+                                    <p:anim calcmode="lin" valueType="num">
+                                      <p:cBhvr>
+                                        <p:cTn id="258" dur="100" accel="100000" fill="hold">
+                                          <p:stCondLst>
+                                            <p:cond delay="900"/>
+                                          </p:stCondLst>
+                                        </p:cTn>
+                                        <p:tgtEl>
+                                          <p:spTgt spid="128"/>
+                                        </p:tgtEl>
+                                        <p:attrNameLst>
+                                          <p:attrName>ppt_y</p:attrName>
+                                        </p:attrNameLst>
+                                      </p:cBhvr>
+                                      <p:tavLst>
+                                        <p:tav tm="0">
+                                          <p:val>
+                                            <p:strVal val="#ppt_y-.03"/>
+                                          </p:val>
+                                        </p:tav>
+                                        <p:tav tm="100000">
+                                          <p:val>
+                                            <p:strVal val="#ppt_y"/>
+                                          </p:val>
+                                        </p:tav>
+                                      </p:tavLst>
+                                    </p:anim>
+                                  </p:childTnLst>
+                                </p:cTn>
+                              </p:par>
+                            </p:childTnLst>
+                          </p:cTn>
+                        </p:par>
+                      </p:childTnLst>
+                    </p:cTn>
+                  </p:par>
+                  <p:par>
+                    <p:cTn id="259" fill="hold">
+                      <p:stCondLst>
+                        <p:cond delay="indefinite"/>
+                      </p:stCondLst>
+                      <p:childTnLst>
+                        <p:par>
+                          <p:cTn id="260" fill="hold">
+                            <p:stCondLst>
+                              <p:cond delay="0"/>
+                            </p:stCondLst>
+                            <p:childTnLst>
+                              <p:par>
+                                <p:cTn id="261" presetID="37" presetClass="entr" presetSubtype="0" fill="hold" nodeType="clickEffect">
+                                  <p:stCondLst>
+                                    <p:cond delay="0"/>
+                                  </p:stCondLst>
+                                  <p:childTnLst>
+                                    <p:set>
+                                      <p:cBhvr>
+                                        <p:cTn id="262" dur="1" fill="hold">
+                                          <p:stCondLst>
+                                            <p:cond delay="0"/>
+                                          </p:stCondLst>
+                                        </p:cTn>
+                                        <p:tgtEl>
+                                          <p:spTgt spid="129"/>
+                                        </p:tgtEl>
+                                        <p:attrNameLst>
+                                          <p:attrName>style.visibility</p:attrName>
+                                        </p:attrNameLst>
+                                      </p:cBhvr>
+                                      <p:to>
+                                        <p:strVal val="visible"/>
+                                      </p:to>
+                                    </p:set>
+                                    <p:animEffect transition="in" filter="fade">
+                                      <p:cBhvr>
+                                        <p:cTn id="263" dur="1000"/>
+                                        <p:tgtEl>
+                                          <p:spTgt spid="129"/>
+                                        </p:tgtEl>
+                                      </p:cBhvr>
+                                    </p:animEffect>
+                                    <p:anim calcmode="lin" valueType="num">
+                                      <p:cBhvr>
+                                        <p:cTn id="264" dur="1000" fill="hold"/>
+                                        <p:tgtEl>
+                                          <p:spTgt spid="129"/>
+                                        </p:tgtEl>
+                                        <p:attrNameLst>
+                                          <p:attrName>ppt_x</p:attrName>
+                                        </p:attrNameLst>
+                                      </p:cBhvr>
+                                      <p:tavLst>
+                                        <p:tav tm="0">
+                                          <p:val>
+                                            <p:strVal val="#ppt_x"/>
+                                          </p:val>
+                                        </p:tav>
+                                        <p:tav tm="100000">
+                                          <p:val>
+                                            <p:strVal val="#ppt_x"/>
+                                          </p:val>
+                                        </p:tav>
+                                      </p:tavLst>
+                                    </p:anim>
+                                    <p:anim calcmode="lin" valueType="num">
+                                      <p:cBhvr>
+                                        <p:cTn id="265" dur="900" decel="100000" fill="hold"/>
+                                        <p:tgtEl>
+                                          <p:spTgt spid="129"/>
+                                        </p:tgtEl>
+                                        <p:attrNameLst>
+                                          <p:attrName>ppt_y</p:attrName>
+                                        </p:attrNameLst>
+                                      </p:cBhvr>
+                                      <p:tavLst>
+                                        <p:tav tm="0">
+                                          <p:val>
+                                            <p:strVal val="#ppt_y+1"/>
+                                          </p:val>
+                                        </p:tav>
+                                        <p:tav tm="100000">
+                                          <p:val>
+                                            <p:strVal val="#ppt_y-.03"/>
+                                          </p:val>
+                                        </p:tav>
+                                      </p:tavLst>
+                                    </p:anim>
+                                    <p:anim calcmode="lin" valueType="num">
+                                      <p:cBhvr>
+                                        <p:cTn id="266" dur="100" accel="100000" fill="hold">
+                                          <p:stCondLst>
+                                            <p:cond delay="900"/>
+                                          </p:stCondLst>
+                                        </p:cTn>
+                                        <p:tgtEl>
+                                          <p:spTgt spid="129"/>
+                                        </p:tgtEl>
+                                        <p:attrNameLst>
+                                          <p:attrName>ppt_y</p:attrName>
+                                        </p:attrNameLst>
+                                      </p:cBhvr>
+                                      <p:tavLst>
+                                        <p:tav tm="0">
+                                          <p:val>
+                                            <p:strVal val="#ppt_y-.03"/>
+                                          </p:val>
+                                        </p:tav>
+                                        <p:tav tm="100000">
+                                          <p:val>
+                                            <p:strVal val="#ppt_y"/>
+                                          </p:val>
+                                        </p:tav>
+                                      </p:tavLst>
+                                    </p:anim>
+                                  </p:childTnLst>
+                                </p:cTn>
+                              </p:par>
+                            </p:childTnLst>
+                          </p:cTn>
+                        </p:par>
+                      </p:childTnLst>
+                    </p:cTn>
+                  </p:par>
+                  <p:par>
+                    <p:cTn id="267" fill="hold">
+                      <p:stCondLst>
+                        <p:cond delay="indefinite"/>
+                      </p:stCondLst>
+                      <p:childTnLst>
+                        <p:par>
+                          <p:cTn id="268" fill="hold">
+                            <p:stCondLst>
+                              <p:cond delay="0"/>
+                            </p:stCondLst>
+                            <p:childTnLst>
+                              <p:par>
+                                <p:cTn id="269" presetID="37" presetClass="entr" presetSubtype="0" fill="hold" nodeType="clickEffect">
+                                  <p:stCondLst>
+                                    <p:cond delay="0"/>
+                                  </p:stCondLst>
+                                  <p:childTnLst>
+                                    <p:set>
+                                      <p:cBhvr>
+                                        <p:cTn id="270" dur="1" fill="hold">
+                                          <p:stCondLst>
+                                            <p:cond delay="0"/>
+                                          </p:stCondLst>
+                                        </p:cTn>
+                                        <p:tgtEl>
+                                          <p:spTgt spid="130"/>
+                                        </p:tgtEl>
+                                        <p:attrNameLst>
+                                          <p:attrName>style.visibility</p:attrName>
+                                        </p:attrNameLst>
+                                      </p:cBhvr>
+                                      <p:to>
+                                        <p:strVal val="visible"/>
+                                      </p:to>
+                                    </p:set>
+                                    <p:animEffect transition="in" filter="fade">
+                                      <p:cBhvr>
+                                        <p:cTn id="271" dur="1000"/>
+                                        <p:tgtEl>
+                                          <p:spTgt spid="130"/>
+                                        </p:tgtEl>
+                                      </p:cBhvr>
+                                    </p:animEffect>
+                                    <p:anim calcmode="lin" valueType="num">
+                                      <p:cBhvr>
+                                        <p:cTn id="272" dur="1000" fill="hold"/>
+                                        <p:tgtEl>
+                                          <p:spTgt spid="130"/>
+                                        </p:tgtEl>
+                                        <p:attrNameLst>
+                                          <p:attrName>ppt_x</p:attrName>
+                                        </p:attrNameLst>
+                                      </p:cBhvr>
+                                      <p:tavLst>
+                                        <p:tav tm="0">
+                                          <p:val>
+                                            <p:strVal val="#ppt_x"/>
+                                          </p:val>
+                                        </p:tav>
+                                        <p:tav tm="100000">
+                                          <p:val>
+                                            <p:strVal val="#ppt_x"/>
+                                          </p:val>
+                                        </p:tav>
+                                      </p:tavLst>
+                                    </p:anim>
+                                    <p:anim calcmode="lin" valueType="num">
+                                      <p:cBhvr>
+                                        <p:cTn id="273" dur="900" decel="100000" fill="hold"/>
+                                        <p:tgtEl>
+                                          <p:spTgt spid="130"/>
+                                        </p:tgtEl>
+                                        <p:attrNameLst>
+                                          <p:attrName>ppt_y</p:attrName>
+                                        </p:attrNameLst>
+                                      </p:cBhvr>
+                                      <p:tavLst>
+                                        <p:tav tm="0">
+                                          <p:val>
+                                            <p:strVal val="#ppt_y+1"/>
+                                          </p:val>
+                                        </p:tav>
+                                        <p:tav tm="100000">
+                                          <p:val>
+                                            <p:strVal val="#ppt_y-.03"/>
+                                          </p:val>
+                                        </p:tav>
+                                      </p:tavLst>
+                                    </p:anim>
+                                    <p:anim calcmode="lin" valueType="num">
+                                      <p:cBhvr>
+                                        <p:cTn id="274" dur="100" accel="100000" fill="hold">
+                                          <p:stCondLst>
+                                            <p:cond delay="900"/>
+                                          </p:stCondLst>
+                                        </p:cTn>
+                                        <p:tgtEl>
+                                          <p:spTgt spid="130"/>
+                                        </p:tgtEl>
+                                        <p:attrNameLst>
+                                          <p:attrName>ppt_y</p:attrName>
+                                        </p:attrNameLst>
+                                      </p:cBhvr>
+                                      <p:tavLst>
+                                        <p:tav tm="0">
+                                          <p:val>
+                                            <p:strVal val="#ppt_y-.03"/>
+                                          </p:val>
+                                        </p:tav>
+                                        <p:tav tm="100000">
+                                          <p:val>
+                                            <p:strVal val="#ppt_y"/>
+                                          </p:val>
+                                        </p:tav>
+                                      </p:tavLst>
+                                    </p:anim>
+                                  </p:childTnLst>
+                                </p:cTn>
+                              </p:par>
+                            </p:childTnLst>
+                          </p:cTn>
+                        </p:par>
+                      </p:childTnLst>
+                    </p:cTn>
+                  </p:par>
+                  <p:par>
+                    <p:cTn id="275" fill="hold">
+                      <p:stCondLst>
+                        <p:cond delay="indefinite"/>
+                      </p:stCondLst>
+                      <p:childTnLst>
+                        <p:par>
+                          <p:cTn id="276" fill="hold">
+                            <p:stCondLst>
+                              <p:cond delay="0"/>
+                            </p:stCondLst>
+                            <p:childTnLst>
+                              <p:par>
+                                <p:cTn id="277" presetID="37" presetClass="entr" presetSubtype="0" fill="hold" nodeType="clickEffect">
+                                  <p:stCondLst>
+                                    <p:cond delay="0"/>
+                                  </p:stCondLst>
+                                  <p:childTnLst>
+                                    <p:set>
+                                      <p:cBhvr>
+                                        <p:cTn id="278" dur="1" fill="hold">
+                                          <p:stCondLst>
+                                            <p:cond delay="0"/>
+                                          </p:stCondLst>
+                                        </p:cTn>
+                                        <p:tgtEl>
+                                          <p:spTgt spid="131"/>
+                                        </p:tgtEl>
+                                        <p:attrNameLst>
+                                          <p:attrName>style.visibility</p:attrName>
+                                        </p:attrNameLst>
+                                      </p:cBhvr>
+                                      <p:to>
+                                        <p:strVal val="visible"/>
+                                      </p:to>
+                                    </p:set>
+                                    <p:animEffect transition="in" filter="fade">
+                                      <p:cBhvr>
+                                        <p:cTn id="279" dur="1000"/>
+                                        <p:tgtEl>
+                                          <p:spTgt spid="131"/>
+                                        </p:tgtEl>
+                                      </p:cBhvr>
+                                    </p:animEffect>
+                                    <p:anim calcmode="lin" valueType="num">
+                                      <p:cBhvr>
+                                        <p:cTn id="280" dur="1000" fill="hold"/>
+                                        <p:tgtEl>
+                                          <p:spTgt spid="131"/>
+                                        </p:tgtEl>
+                                        <p:attrNameLst>
+                                          <p:attrName>ppt_x</p:attrName>
+                                        </p:attrNameLst>
+                                      </p:cBhvr>
+                                      <p:tavLst>
+                                        <p:tav tm="0">
+                                          <p:val>
+                                            <p:strVal val="#ppt_x"/>
+                                          </p:val>
+                                        </p:tav>
+                                        <p:tav tm="100000">
+                                          <p:val>
+                                            <p:strVal val="#ppt_x"/>
+                                          </p:val>
+                                        </p:tav>
+                                      </p:tavLst>
+                                    </p:anim>
+                                    <p:anim calcmode="lin" valueType="num">
+                                      <p:cBhvr>
+                                        <p:cTn id="281" dur="900" decel="100000" fill="hold"/>
+                                        <p:tgtEl>
+                                          <p:spTgt spid="131"/>
+                                        </p:tgtEl>
+                                        <p:attrNameLst>
+                                          <p:attrName>ppt_y</p:attrName>
+                                        </p:attrNameLst>
+                                      </p:cBhvr>
+                                      <p:tavLst>
+                                        <p:tav tm="0">
+                                          <p:val>
+                                            <p:strVal val="#ppt_y+1"/>
+                                          </p:val>
+                                        </p:tav>
+                                        <p:tav tm="100000">
+                                          <p:val>
+                                            <p:strVal val="#ppt_y-.03"/>
+                                          </p:val>
+                                        </p:tav>
+                                      </p:tavLst>
+                                    </p:anim>
+                                    <p:anim calcmode="lin" valueType="num">
+                                      <p:cBhvr>
+                                        <p:cTn id="282" dur="100" accel="100000" fill="hold">
+                                          <p:stCondLst>
+                                            <p:cond delay="900"/>
+                                          </p:stCondLst>
+                                        </p:cTn>
+                                        <p:tgtEl>
+                                          <p:spTgt spid="131"/>
+                                        </p:tgtEl>
+                                        <p:attrNameLst>
+                                          <p:attrName>ppt_y</p:attrName>
+                                        </p:attrNameLst>
+                                      </p:cBhvr>
+                                      <p:tavLst>
+                                        <p:tav tm="0">
+                                          <p:val>
+                                            <p:strVal val="#ppt_y-.03"/>
+                                          </p:val>
+                                        </p:tav>
+                                        <p:tav tm="100000">
+                                          <p:val>
+                                            <p:strVal val="#ppt_y"/>
+                                          </p:val>
+                                        </p:tav>
+                                      </p:tavLst>
+                                    </p:anim>
+                                  </p:childTnLst>
+                                </p:cTn>
+                              </p:par>
+                            </p:childTnLst>
+                          </p:cTn>
+                        </p:par>
+                      </p:childTnLst>
+                    </p:cTn>
+                  </p:par>
+                </p:childTnLst>
+              </p:cTn>
+              <p:prevCondLst>
+                <p:cond evt="onPrev" delay="0">
+                  <p:tgtEl>
+                    <p:sldTgt/>
+                  </p:tgtEl>
+                </p:cond>
+              </p:prevCondLst>
+              <p:nextCondLst>
+                <p:cond evt="onNext" delay="0">
+                  <p:tgtEl>
+                    <p:sldTgt/>
+                  </p:tgtEl>
+                </p:cond>
+              </p:nextCondLst>
+            </p:seq>
+          </p:childTnLst>
+        </p:cTn>
+      </p:par>
+    </p:tnLst>
+  </p:timing>
 </p:sld>
 </file>
 
@@ -11123,73 +17075,6 @@
       </p:sp>
       <p:sp>
         <p:nvSpPr>
-          <p:cNvPr id="3" name="Content Placeholder 2"/>
-          <p:cNvSpPr>
-            <a:spLocks noGrp="1"/>
-          </p:cNvSpPr>
-          <p:nvPr>
-            <p:ph idx="1"/>
-          </p:nvPr>
-        </p:nvSpPr>
-        <p:spPr/>
-        <p:txBody>
-          <a:bodyPr>
-            <a:normAutofit/>
-          </a:bodyPr>
-          <a:lstStyle/>
-          <a:p>
-            <a:pPr marL="0" indent="0">
-              <a:buNone/>
-            </a:pPr>
-            <a:r>
-              <a:rPr lang="en-US" dirty="0" smtClean="0"/>
-              <a:t>Story:</a:t>
-            </a:r>
-          </a:p>
-          <a:p>
-            <a:pPr marL="0" indent="0">
-              <a:buNone/>
-            </a:pPr>
-            <a:r>
-              <a:rPr lang="en-US" dirty="0" smtClean="0"/>
-              <a:t>“I don’t like the button there.  I want it to work like this.”   </a:t>
-            </a:r>
-            <a:r>
-              <a:rPr lang="is-IS" dirty="0" smtClean="0"/>
-              <a:t>…  “Fine, I’ll build my own.”</a:t>
-            </a:r>
-          </a:p>
-          <a:p>
-            <a:pPr marL="0" indent="0">
-              <a:buNone/>
-            </a:pPr>
-            <a:endParaRPr lang="is-IS" dirty="0"/>
-          </a:p>
-          <a:p>
-            <a:pPr marL="0" indent="0">
-              <a:buNone/>
-            </a:pPr>
-            <a:r>
-              <a:rPr lang="is-IS" dirty="0" smtClean="0"/>
-              <a:t>...   “But I’ll need a data feed.”</a:t>
-            </a:r>
-          </a:p>
-          <a:p>
-            <a:pPr marL="0" indent="0">
-              <a:buNone/>
-            </a:pPr>
-            <a:endParaRPr lang="is-IS" dirty="0"/>
-          </a:p>
-          <a:p>
-            <a:pPr marL="0" indent="0">
-              <a:buNone/>
-            </a:pPr>
-            <a:endParaRPr lang="en-US" dirty="0" smtClean="0"/>
-          </a:p>
-        </p:txBody>
-      </p:sp>
-      <p:sp>
-        <p:nvSpPr>
           <p:cNvPr id="4" name="Footer Placeholder 3"/>
           <p:cNvSpPr>
             <a:spLocks noGrp="1"/>
@@ -11214,16 +17099,97 @@
           </a:p>
         </p:txBody>
       </p:sp>
+      <p:sp>
+        <p:nvSpPr>
+          <p:cNvPr id="3" name="Content Placeholder 2"/>
+          <p:cNvSpPr>
+            <a:spLocks noGrp="1"/>
+          </p:cNvSpPr>
+          <p:nvPr>
+            <p:ph idx="1"/>
+          </p:nvPr>
+        </p:nvSpPr>
+        <p:spPr/>
+        <p:txBody>
+          <a:bodyPr/>
+          <a:lstStyle/>
+          <a:p>
+            <a:r>
+              <a:rPr lang="en-US" dirty="0" smtClean="0"/>
+              <a:t>“Spaghetti Architecture”</a:t>
+            </a:r>
+          </a:p>
+          <a:p>
+            <a:pPr lvl="1"/>
+            <a:r>
+              <a:rPr lang="en-US" dirty="0" smtClean="0"/>
+              <a:t>Each unit is trying to optimize locally.</a:t>
+            </a:r>
+          </a:p>
+          <a:p>
+            <a:pPr marL="457200" lvl="1" indent="0">
+              <a:buNone/>
+            </a:pPr>
+            <a:endParaRPr lang="en-US" dirty="0" smtClean="0"/>
+          </a:p>
+          <a:p>
+            <a:pPr lvl="1"/>
+            <a:r>
+              <a:rPr lang="en-US" dirty="0" smtClean="0"/>
+              <a:t>Many interdependencies are created.</a:t>
+            </a:r>
+          </a:p>
+          <a:p>
+            <a:pPr lvl="2"/>
+            <a:r>
+              <a:rPr lang="en-US" dirty="0" smtClean="0"/>
+              <a:t>Increases costs (maintenance) + risks (change)</a:t>
+            </a:r>
+          </a:p>
+          <a:p>
+            <a:pPr marL="914400" lvl="2" indent="0">
+              <a:buNone/>
+            </a:pPr>
+            <a:endParaRPr lang="en-US" dirty="0" smtClean="0"/>
+          </a:p>
+          <a:p>
+            <a:pPr lvl="1"/>
+            <a:r>
+              <a:rPr lang="en-US" dirty="0" smtClean="0"/>
+              <a:t>Local optima artificially constrain the search for global optima.</a:t>
+            </a:r>
+          </a:p>
+          <a:p>
+            <a:pPr lvl="2"/>
+            <a:r>
+              <a:rPr lang="en-US" dirty="0"/>
+              <a:t>Decreases enterprises ability to </a:t>
+            </a:r>
+            <a:r>
+              <a:rPr lang="en-US" dirty="0" smtClean="0"/>
+              <a:t>optimize.</a:t>
+            </a:r>
+            <a:endParaRPr lang="en-US" dirty="0"/>
+          </a:p>
+        </p:txBody>
+      </p:sp>
     </p:spTree>
     <p:extLst>
       <p:ext uri="{BB962C8B-B14F-4D97-AF65-F5344CB8AC3E}">
-        <p14:creationId xmlns:p14="http://schemas.microsoft.com/office/powerpoint/2010/main" val="3427193202"/>
+        <p14:creationId xmlns:p14="http://schemas.microsoft.com/office/powerpoint/2010/main" val="3002127099"/>
       </p:ext>
     </p:extLst>
   </p:cSld>
   <p:clrMapOvr>
     <a:masterClrMapping/>
   </p:clrMapOvr>
+  <p:timing>
+    <p:tnLst>
+      <p:par>
+        <p:cTn xmlns:p14="http://schemas.microsoft.com/office/powerpoint/2010/main" id="1" dur="indefinite" restart="never" nodeType="tmRoot"/>
+      </p:par>
+    </p:tnLst>
+  </p:timing>
 </p:sld>
 </file>
 
@@ -11277,50 +17243,29 @@
             <p:ph idx="1"/>
           </p:nvPr>
         </p:nvSpPr>
-        <p:spPr/>
+        <p:spPr>
+          <a:xfrm>
+            <a:off x="457200" y="2749694"/>
+            <a:ext cx="8229600" cy="794760"/>
+          </a:xfrm>
+        </p:spPr>
         <p:txBody>
           <a:bodyPr>
             <a:normAutofit/>
           </a:bodyPr>
           <a:lstStyle/>
           <a:p>
-            <a:pPr marL="0" indent="0">
+            <a:pPr marL="0" indent="0" algn="ctr">
               <a:buNone/>
             </a:pPr>
             <a:r>
               <a:rPr lang="en-US" dirty="0" smtClean="0"/>
-              <a:t>Story:</a:t>
-            </a:r>
-          </a:p>
-          <a:p>
-            <a:pPr marL="0" indent="0">
-              <a:buNone/>
-            </a:pPr>
-            <a:r>
-              <a:rPr lang="is-IS" dirty="0" smtClean="0"/>
-              <a:t>“Spaghetti Architecture diagram.”</a:t>
-            </a:r>
-          </a:p>
-          <a:p>
-            <a:pPr marL="0" indent="0">
-              <a:buNone/>
-            </a:pPr>
-            <a:endParaRPr lang="is-IS" dirty="0"/>
-          </a:p>
-          <a:p>
-            <a:pPr marL="0" indent="0">
-              <a:buNone/>
-            </a:pPr>
-            <a:r>
-              <a:rPr lang="is-IS" dirty="0" smtClean="0"/>
-              <a:t>“Spaghetti Architecture at scale diagram.”</a:t>
-            </a:r>
-            <a:endParaRPr lang="is-IS" dirty="0"/>
-          </a:p>
-          <a:p>
-            <a:pPr marL="0" indent="0">
-              <a:buNone/>
-            </a:pPr>
+              <a:t>This is where EA comes in</a:t>
+            </a:r>
+            <a:r>
+              <a:rPr lang="en-US" dirty="0" smtClean="0"/>
+              <a:t>.</a:t>
+            </a:r>
             <a:endParaRPr lang="en-US" dirty="0" smtClean="0"/>
           </a:p>
         </p:txBody>
@@ -11354,13 +17299,20 @@
     </p:spTree>
     <p:extLst>
       <p:ext uri="{BB962C8B-B14F-4D97-AF65-F5344CB8AC3E}">
-        <p14:creationId xmlns:p14="http://schemas.microsoft.com/office/powerpoint/2010/main" val="4263207760"/>
+        <p14:creationId xmlns:p14="http://schemas.microsoft.com/office/powerpoint/2010/main" val="3472154492"/>
       </p:ext>
     </p:extLst>
   </p:cSld>
   <p:clrMapOvr>
     <a:masterClrMapping/>
   </p:clrMapOvr>
+  <p:timing>
+    <p:tnLst>
+      <p:par>
+        <p:cTn xmlns:p14="http://schemas.microsoft.com/office/powerpoint/2010/main" id="1" dur="indefinite" restart="never" nodeType="tmRoot"/>
+      </p:par>
+    </p:tnLst>
+  </p:timing>
 </p:sld>
 </file>
 
@@ -11406,6 +17358,32 @@
       </p:sp>
       <p:sp>
         <p:nvSpPr>
+          <p:cNvPr id="4" name="Footer Placeholder 3"/>
+          <p:cNvSpPr>
+            <a:spLocks noGrp="1"/>
+          </p:cNvSpPr>
+          <p:nvPr>
+            <p:ph type="ftr" sz="quarter" idx="10"/>
+          </p:nvPr>
+        </p:nvSpPr>
+        <p:spPr/>
+        <p:txBody>
+          <a:bodyPr/>
+          <a:lstStyle/>
+          <a:p>
+            <a:pPr>
+              <a:defRPr/>
+            </a:pPr>
+            <a:r>
+              <a:rPr lang="en-US" dirty="0" smtClean="0"/>
+              <a:t>Enterprise Architecture @ Waterloo</a:t>
+            </a:r>
+            <a:endParaRPr lang="en-US" dirty="0"/>
+          </a:p>
+        </p:txBody>
+      </p:sp>
+      <p:sp>
+        <p:nvSpPr>
           <p:cNvPr id="3" name="Content Placeholder 2"/>
           <p:cNvSpPr>
             <a:spLocks noGrp="1"/>
@@ -11425,62 +17403,70 @@
               <a:buNone/>
             </a:pPr>
             <a:r>
+              <a:rPr lang="en-US" dirty="0"/>
+              <a:t>Objective of </a:t>
+            </a:r>
+            <a:r>
               <a:rPr lang="en-US" dirty="0" smtClean="0"/>
-              <a:t>Story:</a:t>
-            </a:r>
-          </a:p>
-          <a:p>
-            <a:pPr marL="0" indent="0">
-              <a:buNone/>
-            </a:pPr>
+              <a:t>Enterprise Architecture (EA):</a:t>
+            </a:r>
+            <a:endParaRPr lang="en-US" dirty="0"/>
+          </a:p>
+          <a:p>
             <a:r>
               <a:rPr lang="en-US" dirty="0" smtClean="0"/>
-              <a:t>“What went wrong?”</a:t>
-            </a:r>
-          </a:p>
-          <a:p>
-            <a:pPr marL="0" indent="0">
-              <a:buNone/>
-            </a:pPr>
+              <a:t>Document the whole enterprise to capture Business </a:t>
+            </a:r>
+            <a:r>
+              <a:rPr lang="en-US" dirty="0"/>
+              <a:t>need (mission) </a:t>
+            </a:r>
+            <a:r>
+              <a:rPr lang="en-US" dirty="0" smtClean="0"/>
+              <a:t>alongside IT.</a:t>
+            </a:r>
             <a:endParaRPr lang="en-US" dirty="0"/>
           </a:p>
           <a:p>
-            <a:pPr marL="0" indent="0">
-              <a:buNone/>
-            </a:pPr>
+            <a:r>
+              <a:rPr lang="en-US" dirty="0"/>
+              <a:t>Support optimal global acquisition of </a:t>
+            </a:r>
             <a:r>
               <a:rPr lang="en-US" dirty="0" smtClean="0"/>
-              <a:t>NEEDS </a:t>
-            </a:r>
-            <a:r>
-              <a:rPr lang="is-IS" dirty="0" smtClean="0"/>
-              <a:t>… not of the users but, ultimately, of the mission of the University.</a:t>
-            </a:r>
-            <a:endParaRPr lang="en-US" dirty="0" smtClean="0"/>
-          </a:p>
-        </p:txBody>
-      </p:sp>
-      <p:sp>
-        <p:nvSpPr>
-          <p:cNvPr id="4" name="Footer Placeholder 3"/>
-          <p:cNvSpPr>
-            <a:spLocks noGrp="1"/>
-          </p:cNvSpPr>
-          <p:nvPr>
-            <p:ph type="ftr" sz="quarter" idx="10"/>
-          </p:nvPr>
-        </p:nvSpPr>
-        <p:spPr/>
-        <p:txBody>
-          <a:bodyPr/>
-          <a:lstStyle/>
-          <a:p>
-            <a:pPr>
-              <a:defRPr/>
-            </a:pPr>
+              <a:t>enterprise components </a:t>
+            </a:r>
+            <a:r>
+              <a:rPr lang="en-US" dirty="0"/>
+              <a:t>that are:</a:t>
+            </a:r>
+          </a:p>
+          <a:p>
+            <a:pPr lvl="1"/>
+            <a:r>
+              <a:rPr lang="en-US" dirty="0"/>
+              <a:t>Robust</a:t>
+            </a:r>
+          </a:p>
+          <a:p>
+            <a:pPr lvl="1"/>
+            <a:r>
+              <a:rPr lang="en-US" dirty="0"/>
+              <a:t>Flexible</a:t>
+            </a:r>
+          </a:p>
+          <a:p>
+            <a:pPr lvl="1"/>
             <a:r>
               <a:rPr lang="en-US" dirty="0" smtClean="0"/>
-              <a:t>Enterprise Architecture @ Waterloo</a:t>
+              <a:t>Reusable</a:t>
+            </a:r>
+          </a:p>
+          <a:p>
+            <a:pPr lvl="1"/>
+            <a:r>
+              <a:rPr lang="en-US" dirty="0" smtClean="0"/>
+              <a:t>Efficient + Effective</a:t>
             </a:r>
             <a:endParaRPr lang="en-US" dirty="0"/>
           </a:p>
@@ -11489,13 +17475,20 @@
     </p:spTree>
     <p:extLst>
       <p:ext uri="{BB962C8B-B14F-4D97-AF65-F5344CB8AC3E}">
-        <p14:creationId xmlns:p14="http://schemas.microsoft.com/office/powerpoint/2010/main" val="3010692526"/>
+        <p14:creationId xmlns:p14="http://schemas.microsoft.com/office/powerpoint/2010/main" val="3247412445"/>
       </p:ext>
     </p:extLst>
   </p:cSld>
   <p:clrMapOvr>
     <a:masterClrMapping/>
   </p:clrMapOvr>
+  <p:timing>
+    <p:tnLst>
+      <p:par>
+        <p:cTn xmlns:p14="http://schemas.microsoft.com/office/powerpoint/2010/main" id="1" dur="indefinite" restart="never" nodeType="tmRoot"/>
+      </p:par>
+    </p:tnLst>
+  </p:timing>
 </p:sld>
 </file>
 
@@ -11526,89 +17519,35 @@
             <p:ph type="title"/>
           </p:nvPr>
         </p:nvSpPr>
-        <p:spPr/>
-        <p:txBody>
-          <a:bodyPr/>
-          <a:lstStyle/>
-          <a:p>
-            <a:r>
-              <a:rPr lang="en-US" dirty="0" smtClean="0"/>
-              <a:t>Why – EA Value Proposition</a:t>
-            </a:r>
-            <a:endParaRPr lang="en-US" dirty="0"/>
-          </a:p>
-        </p:txBody>
-      </p:sp>
-      <p:sp>
-        <p:nvSpPr>
-          <p:cNvPr id="3" name="Content Placeholder 2"/>
-          <p:cNvSpPr>
-            <a:spLocks noGrp="1"/>
-          </p:cNvSpPr>
-          <p:nvPr>
-            <p:ph idx="1"/>
-          </p:nvPr>
-        </p:nvSpPr>
-        <p:spPr/>
+        <p:spPr>
+          <a:xfrm>
+            <a:off x="457200" y="2492520"/>
+            <a:ext cx="8229600" cy="1143000"/>
+          </a:xfrm>
+        </p:spPr>
         <p:txBody>
           <a:bodyPr>
-            <a:normAutofit/>
+            <a:normAutofit fontScale="90000"/>
           </a:bodyPr>
           <a:lstStyle/>
           <a:p>
-            <a:pPr marL="0" indent="0">
-              <a:buNone/>
-            </a:pPr>
+            <a:pPr algn="ctr"/>
             <a:r>
               <a:rPr lang="en-US" dirty="0" smtClean="0"/>
-              <a:t>This is where EA comes in.  Objective of EA:</a:t>
-            </a:r>
-          </a:p>
-          <a:p>
-            <a:pPr marL="0" indent="0">
-              <a:buNone/>
-            </a:pPr>
-            <a:endParaRPr lang="en-US" dirty="0" smtClean="0"/>
-          </a:p>
-          <a:p>
+              <a:t>WHAT</a:t>
+            </a:r>
             <a:r>
               <a:rPr lang="en-US" dirty="0" smtClean="0"/>
-              <a:t>Draw clear lines to ‘align’ Business need (mission) with IT capability.</a:t>
-            </a:r>
-          </a:p>
-          <a:p>
-            <a:r>
+              <a:t>?</a:t>
+            </a:r>
+            <a:br>
               <a:rPr lang="en-US" dirty="0" smtClean="0"/>
-              <a:t>Provide components that are:</a:t>
-            </a:r>
-          </a:p>
-          <a:p>
-            <a:pPr lvl="1"/>
+            </a:br>
             <a:r>
               <a:rPr lang="en-US" dirty="0" smtClean="0"/>
-              <a:t>Robust</a:t>
-            </a:r>
-          </a:p>
-          <a:p>
-            <a:pPr lvl="1"/>
-            <a:r>
-              <a:rPr lang="en-US" dirty="0" smtClean="0"/>
-              <a:t>Extensible</a:t>
-            </a:r>
-          </a:p>
-          <a:p>
-            <a:pPr lvl="1"/>
-            <a:r>
-              <a:rPr lang="en-US" dirty="0" smtClean="0"/>
-              <a:t>Scalable</a:t>
-            </a:r>
-          </a:p>
-          <a:p>
-            <a:pPr lvl="1"/>
-            <a:r>
-              <a:rPr lang="en-US" dirty="0" smtClean="0"/>
-              <a:t>Reusable </a:t>
-            </a:r>
+              <a:t>The “Enterprise Architecture”</a:t>
+            </a:r>
+            <a:endParaRPr lang="en-US" dirty="0"/>
           </a:p>
         </p:txBody>
       </p:sp>
@@ -11641,13 +17580,20 @@
     </p:spTree>
     <p:extLst>
       <p:ext uri="{BB962C8B-B14F-4D97-AF65-F5344CB8AC3E}">
-        <p14:creationId xmlns:p14="http://schemas.microsoft.com/office/powerpoint/2010/main" val="3472154492"/>
+        <p14:creationId xmlns:p14="http://schemas.microsoft.com/office/powerpoint/2010/main" val="1174273634"/>
       </p:ext>
     </p:extLst>
   </p:cSld>
   <p:clrMapOvr>
     <a:masterClrMapping/>
   </p:clrMapOvr>
+  <p:timing>
+    <p:tnLst>
+      <p:par>
+        <p:cTn xmlns:p14="http://schemas.microsoft.com/office/powerpoint/2010/main" id="1" dur="indefinite" restart="never" nodeType="tmRoot"/>
+      </p:par>
+    </p:tnLst>
+  </p:timing>
 </p:sld>
 </file>
 
@@ -11685,7 +17631,7 @@
           <a:p>
             <a:r>
               <a:rPr lang="en-US" dirty="0" smtClean="0"/>
-              <a:t>Why – EA Value Proposition</a:t>
+              <a:t>What – Enterprise Architecture</a:t>
             </a:r>
             <a:endParaRPr lang="en-US" dirty="0"/>
           </a:p>
@@ -11708,59 +17654,62 @@
           </a:bodyPr>
           <a:lstStyle/>
           <a:p>
-            <a:pPr marL="0" indent="0">
-              <a:buNone/>
-            </a:pPr>
             <a:r>
               <a:rPr lang="en-US" dirty="0" smtClean="0"/>
-              <a:t>This is where EA comes in.  Objective of EA:</a:t>
-            </a:r>
-          </a:p>
-          <a:p>
-            <a:pPr marL="0" indent="0">
-              <a:buNone/>
-            </a:pPr>
+              <a:t>Multiple definitions and approaches exist.</a:t>
+            </a:r>
+          </a:p>
+          <a:p>
+            <a:r>
+              <a:rPr lang="en-US" dirty="0"/>
+              <a:t>E</a:t>
+            </a:r>
+            <a:r>
+              <a:rPr lang="en-US" dirty="0" smtClean="0"/>
+              <a:t>nterprises must </a:t>
+            </a:r>
+            <a:r>
+              <a:rPr lang="en-US" dirty="0" smtClean="0"/>
+              <a:t>reach consensus about what</a:t>
+            </a:r>
+            <a:r>
+              <a:rPr lang="en-US" dirty="0" smtClean="0"/>
+              <a:t> EA is to them (captured in an “Enterprise Architecture Framework”)</a:t>
+            </a:r>
+          </a:p>
+          <a:p>
+            <a:pPr lvl="1"/>
+            <a:r>
+              <a:rPr lang="en-US" dirty="0" smtClean="0"/>
+              <a:t>Some ‘big’ EAFs exist: </a:t>
+            </a:r>
+            <a:r>
+              <a:rPr lang="en-US" dirty="0" err="1" smtClean="0"/>
+              <a:t>Zachman</a:t>
+            </a:r>
+            <a:r>
+              <a:rPr lang="en-US" dirty="0" smtClean="0"/>
+              <a:t>, TOGAF, FEAF</a:t>
+            </a:r>
+          </a:p>
+          <a:p>
+            <a:pPr lvl="1"/>
+            <a:r>
+              <a:rPr lang="en-US" dirty="0" smtClean="0"/>
+              <a:t>Many enterprises build hybrids to fit their needs.</a:t>
+            </a:r>
             <a:endParaRPr lang="en-US" dirty="0" smtClean="0"/>
           </a:p>
           <a:p>
             <a:r>
               <a:rPr lang="en-US" dirty="0" smtClean="0"/>
-              <a:t>Draw clear lines to ‘align’ Business need (mission) with IT capability.</a:t>
-            </a:r>
-          </a:p>
-          <a:p>
-            <a:r>
-              <a:rPr lang="en-US" dirty="0" smtClean="0"/>
-              <a:t>Provide components that are:</a:t>
-            </a:r>
-          </a:p>
-          <a:p>
-            <a:pPr lvl="1"/>
-            <a:r>
-              <a:rPr lang="en-US" dirty="0" smtClean="0"/>
-              <a:t>Robust</a:t>
-            </a:r>
-          </a:p>
-          <a:p>
-            <a:pPr lvl="1"/>
-            <a:r>
-              <a:rPr lang="en-US" dirty="0" smtClean="0"/>
-              <a:t>Extensible</a:t>
-            </a:r>
-          </a:p>
-          <a:p>
-            <a:pPr lvl="1"/>
-            <a:r>
-              <a:rPr lang="en-US" dirty="0" smtClean="0"/>
-              <a:t>Scalable</a:t>
-            </a:r>
-          </a:p>
-          <a:p>
-            <a:pPr lvl="1"/>
-            <a:r>
-              <a:rPr lang="en-US" dirty="0" smtClean="0"/>
-              <a:t>Reusable </a:t>
-            </a:r>
+              <a:t>This presentation is intended to initiate a discussion about the </a:t>
+            </a:r>
+            <a:r>
+              <a:rPr lang="en-US" b="1" dirty="0" smtClean="0"/>
+              <a:t>“Waterloo Enterprise Architecture Framework”</a:t>
+            </a:r>
+            <a:endParaRPr lang="en-US" b="1" dirty="0"/>
           </a:p>
         </p:txBody>
       </p:sp>
@@ -11793,17 +17742,428 @@
     </p:spTree>
     <p:extLst>
       <p:ext uri="{BB962C8B-B14F-4D97-AF65-F5344CB8AC3E}">
-        <p14:creationId xmlns:p14="http://schemas.microsoft.com/office/powerpoint/2010/main" val="1154092908"/>
+        <p14:creationId xmlns:p14="http://schemas.microsoft.com/office/powerpoint/2010/main" val="1941461553"/>
       </p:ext>
     </p:extLst>
   </p:cSld>
   <p:clrMapOvr>
     <a:masterClrMapping/>
   </p:clrMapOvr>
+  <p:timing>
+    <p:tnLst>
+      <p:par>
+        <p:cTn xmlns:p14="http://schemas.microsoft.com/office/powerpoint/2010/main" id="1" dur="indefinite" restart="never" nodeType="tmRoot"/>
+      </p:par>
+    </p:tnLst>
+  </p:timing>
 </p:sld>
 </file>
 
 <file path=ppt/slides/slide16.xml><?xml version="1.0" encoding="utf-8"?>
+<p:sld xmlns:a="http://schemas.openxmlformats.org/drawingml/2006/main" xmlns:r="http://schemas.openxmlformats.org/officeDocument/2006/relationships" xmlns:p="http://schemas.openxmlformats.org/presentationml/2006/main">
+  <p:cSld>
+    <p:spTree>
+      <p:nvGrpSpPr>
+        <p:cNvPr id="1" name=""/>
+        <p:cNvGrpSpPr/>
+        <p:nvPr/>
+      </p:nvGrpSpPr>
+      <p:grpSpPr>
+        <a:xfrm>
+          <a:off x="0" y="0"/>
+          <a:ext cx="0" cy="0"/>
+          <a:chOff x="0" y="0"/>
+          <a:chExt cx="0" cy="0"/>
+        </a:xfrm>
+      </p:grpSpPr>
+      <p:sp>
+        <p:nvSpPr>
+          <p:cNvPr id="2" name="Title 1"/>
+          <p:cNvSpPr>
+            <a:spLocks noGrp="1"/>
+          </p:cNvSpPr>
+          <p:nvPr>
+            <p:ph type="title"/>
+          </p:nvPr>
+        </p:nvSpPr>
+        <p:spPr/>
+        <p:txBody>
+          <a:bodyPr/>
+          <a:lstStyle/>
+          <a:p>
+            <a:r>
+              <a:rPr lang="en-US" dirty="0" smtClean="0"/>
+              <a:t>Enterprise Architecture definitions</a:t>
+            </a:r>
+            <a:endParaRPr lang="en-US" dirty="0"/>
+          </a:p>
+        </p:txBody>
+      </p:sp>
+      <p:sp>
+        <p:nvSpPr>
+          <p:cNvPr id="3" name="Content Placeholder 2"/>
+          <p:cNvSpPr>
+            <a:spLocks noGrp="1"/>
+          </p:cNvSpPr>
+          <p:nvPr>
+            <p:ph idx="1"/>
+          </p:nvPr>
+        </p:nvSpPr>
+        <p:spPr/>
+        <p:txBody>
+          <a:bodyPr/>
+          <a:lstStyle/>
+          <a:p>
+            <a:r>
+              <a:rPr lang="en-US" dirty="0" smtClean="0"/>
+              <a:t>Gartner</a:t>
+            </a:r>
+          </a:p>
+          <a:p>
+            <a:endParaRPr lang="en-US" dirty="0"/>
+          </a:p>
+          <a:p>
+            <a:r>
+              <a:rPr lang="en-US" dirty="0" smtClean="0"/>
+              <a:t>Wikipedia</a:t>
+            </a:r>
+          </a:p>
+          <a:p>
+            <a:pPr marL="0" indent="0">
+              <a:buNone/>
+            </a:pPr>
+            <a:endParaRPr lang="en-US" dirty="0"/>
+          </a:p>
+          <a:p>
+            <a:r>
+              <a:rPr lang="en-US" dirty="0" smtClean="0"/>
+              <a:t>Maher’s definition in IST-EA’s 3-year Plan</a:t>
+            </a:r>
+          </a:p>
+          <a:p>
+            <a:endParaRPr lang="en-US" dirty="0"/>
+          </a:p>
+          <a:p>
+            <a:endParaRPr lang="en-US" dirty="0"/>
+          </a:p>
+        </p:txBody>
+      </p:sp>
+      <p:sp>
+        <p:nvSpPr>
+          <p:cNvPr id="4" name="Footer Placeholder 3"/>
+          <p:cNvSpPr>
+            <a:spLocks noGrp="1"/>
+          </p:cNvSpPr>
+          <p:nvPr>
+            <p:ph type="ftr" sz="quarter" idx="10"/>
+          </p:nvPr>
+        </p:nvSpPr>
+        <p:spPr/>
+        <p:txBody>
+          <a:bodyPr/>
+          <a:lstStyle/>
+          <a:p>
+            <a:pPr>
+              <a:defRPr/>
+            </a:pPr>
+            <a:r>
+              <a:rPr lang="en-US" dirty="0" smtClean="0"/>
+              <a:t>Enterprise Architecture @ Waterloo</a:t>
+            </a:r>
+            <a:endParaRPr lang="en-US" dirty="0"/>
+          </a:p>
+        </p:txBody>
+      </p:sp>
+    </p:spTree>
+    <p:extLst>
+      <p:ext uri="{BB962C8B-B14F-4D97-AF65-F5344CB8AC3E}">
+        <p14:creationId xmlns:p14="http://schemas.microsoft.com/office/powerpoint/2010/main" val="2833954216"/>
+      </p:ext>
+    </p:extLst>
+  </p:cSld>
+  <p:clrMapOvr>
+    <a:masterClrMapping/>
+  </p:clrMapOvr>
+  <p:timing>
+    <p:tnLst>
+      <p:par>
+        <p:cTn xmlns:p14="http://schemas.microsoft.com/office/powerpoint/2010/main" id="1" dur="indefinite" restart="never" nodeType="tmRoot"/>
+      </p:par>
+    </p:tnLst>
+  </p:timing>
+</p:sld>
+</file>
+
+<file path=ppt/slides/slide17.xml><?xml version="1.0" encoding="utf-8"?>
+<p:sld xmlns:a="http://schemas.openxmlformats.org/drawingml/2006/main" xmlns:r="http://schemas.openxmlformats.org/officeDocument/2006/relationships" xmlns:p="http://schemas.openxmlformats.org/presentationml/2006/main">
+  <p:cSld>
+    <p:spTree>
+      <p:nvGrpSpPr>
+        <p:cNvPr id="1" name=""/>
+        <p:cNvGrpSpPr/>
+        <p:nvPr/>
+      </p:nvGrpSpPr>
+      <p:grpSpPr>
+        <a:xfrm>
+          <a:off x="0" y="0"/>
+          <a:ext cx="0" cy="0"/>
+          <a:chOff x="0" y="0"/>
+          <a:chExt cx="0" cy="0"/>
+        </a:xfrm>
+      </p:grpSpPr>
+      <p:sp>
+        <p:nvSpPr>
+          <p:cNvPr id="2" name="Title 1"/>
+          <p:cNvSpPr>
+            <a:spLocks noGrp="1"/>
+          </p:cNvSpPr>
+          <p:nvPr>
+            <p:ph type="title"/>
+          </p:nvPr>
+        </p:nvSpPr>
+        <p:spPr/>
+        <p:txBody>
+          <a:bodyPr/>
+          <a:lstStyle/>
+          <a:p>
+            <a:r>
+              <a:rPr lang="en-US" dirty="0" smtClean="0"/>
+              <a:t>Enterprise Architecture definitions</a:t>
+            </a:r>
+            <a:endParaRPr lang="en-US" dirty="0"/>
+          </a:p>
+        </p:txBody>
+      </p:sp>
+      <p:sp>
+        <p:nvSpPr>
+          <p:cNvPr id="3" name="Content Placeholder 2"/>
+          <p:cNvSpPr>
+            <a:spLocks noGrp="1"/>
+          </p:cNvSpPr>
+          <p:nvPr>
+            <p:ph idx="1"/>
+          </p:nvPr>
+        </p:nvSpPr>
+        <p:spPr/>
+        <p:txBody>
+          <a:bodyPr>
+            <a:normAutofit fontScale="92500" lnSpcReduction="10000"/>
+          </a:bodyPr>
+          <a:lstStyle/>
+          <a:p>
+            <a:r>
+              <a:rPr lang="en-US" dirty="0" smtClean="0"/>
+              <a:t>Current working definition:</a:t>
+            </a:r>
+          </a:p>
+          <a:p>
+            <a:pPr lvl="1"/>
+            <a:r>
+              <a:rPr lang="en-US" dirty="0" smtClean="0"/>
+              <a:t>Whitehouse Common Approach to Federal Enterprise Architecture:</a:t>
+            </a:r>
+          </a:p>
+          <a:p>
+            <a:pPr marL="457200" lvl="1" indent="0">
+              <a:buNone/>
+            </a:pPr>
+            <a:endParaRPr lang="en-US" dirty="0"/>
+          </a:p>
+          <a:p>
+            <a:pPr marL="457200" lvl="1" indent="0">
+              <a:buNone/>
+            </a:pPr>
+            <a:r>
+              <a:rPr lang="en-US" dirty="0" smtClean="0"/>
+              <a:t>“An Enterprise </a:t>
+            </a:r>
+            <a:r>
+              <a:rPr lang="en-US" dirty="0"/>
+              <a:t>Architecture </a:t>
+            </a:r>
+            <a:r>
+              <a:rPr lang="en-US" dirty="0" smtClean="0"/>
+              <a:t>is </a:t>
+            </a:r>
+            <a:r>
+              <a:rPr lang="en-US" dirty="0"/>
+              <a:t>a strategic information asset base, which defines the mission; the information necessary to perform the mission, the technologies necessary to perform the mission, and the transitional processes for implementing new technologies in response to changing mission </a:t>
+            </a:r>
+            <a:r>
+              <a:rPr lang="en-US" dirty="0" smtClean="0"/>
+              <a:t>needs. An EA includes </a:t>
+            </a:r>
+            <a:r>
+              <a:rPr lang="en-US" dirty="0"/>
+              <a:t>a baseline architecture, a target architecture, and a sequencing plan</a:t>
+            </a:r>
+            <a:r>
+              <a:rPr lang="en-US" dirty="0" smtClean="0"/>
+              <a:t>.”</a:t>
+            </a:r>
+            <a:endParaRPr lang="en-US" dirty="0"/>
+          </a:p>
+          <a:p>
+            <a:endParaRPr lang="en-US" dirty="0"/>
+          </a:p>
+        </p:txBody>
+      </p:sp>
+      <p:sp>
+        <p:nvSpPr>
+          <p:cNvPr id="4" name="Footer Placeholder 3"/>
+          <p:cNvSpPr>
+            <a:spLocks noGrp="1"/>
+          </p:cNvSpPr>
+          <p:nvPr>
+            <p:ph type="ftr" sz="quarter" idx="10"/>
+          </p:nvPr>
+        </p:nvSpPr>
+        <p:spPr/>
+        <p:txBody>
+          <a:bodyPr/>
+          <a:lstStyle/>
+          <a:p>
+            <a:pPr>
+              <a:defRPr/>
+            </a:pPr>
+            <a:r>
+              <a:rPr lang="en-US" dirty="0" smtClean="0"/>
+              <a:t>Enterprise Architecture @ Waterloo</a:t>
+            </a:r>
+            <a:endParaRPr lang="en-US" dirty="0"/>
+          </a:p>
+        </p:txBody>
+      </p:sp>
+    </p:spTree>
+    <p:extLst>
+      <p:ext uri="{BB962C8B-B14F-4D97-AF65-F5344CB8AC3E}">
+        <p14:creationId xmlns:p14="http://schemas.microsoft.com/office/powerpoint/2010/main" val="2485257446"/>
+      </p:ext>
+    </p:extLst>
+  </p:cSld>
+  <p:clrMapOvr>
+    <a:masterClrMapping/>
+  </p:clrMapOvr>
+  <p:timing>
+    <p:tnLst>
+      <p:par>
+        <p:cTn xmlns:p14="http://schemas.microsoft.com/office/powerpoint/2010/main" id="1" dur="indefinite" restart="never" nodeType="tmRoot"/>
+      </p:par>
+    </p:tnLst>
+  </p:timing>
+</p:sld>
+</file>
+
+<file path=ppt/slides/slide18.xml><?xml version="1.0" encoding="utf-8"?>
+<p:sld xmlns:a="http://schemas.openxmlformats.org/drawingml/2006/main" xmlns:r="http://schemas.openxmlformats.org/officeDocument/2006/relationships" xmlns:p="http://schemas.openxmlformats.org/presentationml/2006/main">
+  <p:cSld>
+    <p:spTree>
+      <p:nvGrpSpPr>
+        <p:cNvPr id="1" name=""/>
+        <p:cNvGrpSpPr/>
+        <p:nvPr/>
+      </p:nvGrpSpPr>
+      <p:grpSpPr>
+        <a:xfrm>
+          <a:off x="0" y="0"/>
+          <a:ext cx="0" cy="0"/>
+          <a:chOff x="0" y="0"/>
+          <a:chExt cx="0" cy="0"/>
+        </a:xfrm>
+      </p:grpSpPr>
+      <p:sp>
+        <p:nvSpPr>
+          <p:cNvPr id="2" name="Title 1"/>
+          <p:cNvSpPr>
+            <a:spLocks noGrp="1"/>
+          </p:cNvSpPr>
+          <p:nvPr>
+            <p:ph type="title"/>
+          </p:nvPr>
+        </p:nvSpPr>
+        <p:spPr/>
+        <p:txBody>
+          <a:bodyPr/>
+          <a:lstStyle/>
+          <a:p>
+            <a:r>
+              <a:rPr lang="en-US" dirty="0"/>
+              <a:t>Enterprise Architecture </a:t>
+            </a:r>
+            <a:r>
+              <a:rPr lang="en-US" dirty="0" smtClean="0"/>
+              <a:t>VIEWS</a:t>
+            </a:r>
+            <a:endParaRPr lang="en-US" dirty="0"/>
+          </a:p>
+        </p:txBody>
+      </p:sp>
+      <p:sp>
+        <p:nvSpPr>
+          <p:cNvPr id="3" name="Content Placeholder 2"/>
+          <p:cNvSpPr>
+            <a:spLocks noGrp="1"/>
+          </p:cNvSpPr>
+          <p:nvPr>
+            <p:ph idx="1"/>
+          </p:nvPr>
+        </p:nvSpPr>
+        <p:spPr/>
+        <p:txBody>
+          <a:bodyPr/>
+          <a:lstStyle/>
+          <a:p>
+            <a:endParaRPr lang="en-US" dirty="0"/>
+          </a:p>
+        </p:txBody>
+      </p:sp>
+      <p:sp>
+        <p:nvSpPr>
+          <p:cNvPr id="4" name="Footer Placeholder 3"/>
+          <p:cNvSpPr>
+            <a:spLocks noGrp="1"/>
+          </p:cNvSpPr>
+          <p:nvPr>
+            <p:ph type="ftr" sz="quarter" idx="10"/>
+          </p:nvPr>
+        </p:nvSpPr>
+        <p:spPr/>
+        <p:txBody>
+          <a:bodyPr/>
+          <a:lstStyle/>
+          <a:p>
+            <a:pPr>
+              <a:defRPr/>
+            </a:pPr>
+            <a:r>
+              <a:rPr lang="en-US" dirty="0" smtClean="0"/>
+              <a:t>Enterprise Architecture @ Waterloo</a:t>
+            </a:r>
+            <a:endParaRPr lang="en-US" dirty="0"/>
+          </a:p>
+        </p:txBody>
+      </p:sp>
+    </p:spTree>
+    <p:extLst>
+      <p:ext uri="{BB962C8B-B14F-4D97-AF65-F5344CB8AC3E}">
+        <p14:creationId xmlns:p14="http://schemas.microsoft.com/office/powerpoint/2010/main" val="2210544803"/>
+      </p:ext>
+    </p:extLst>
+  </p:cSld>
+  <p:clrMapOvr>
+    <a:masterClrMapping/>
+  </p:clrMapOvr>
+  <p:timing>
+    <p:tnLst>
+      <p:par>
+        <p:cTn xmlns:p14="http://schemas.microsoft.com/office/powerpoint/2010/main" id="1" dur="indefinite" restart="never" nodeType="tmRoot"/>
+      </p:par>
+    </p:tnLst>
+  </p:timing>
+</p:sld>
+</file>
+
+<file path=ppt/slides/slide19.xml><?xml version="1.0" encoding="utf-8"?>
 <p:sld xmlns:a="http://schemas.openxmlformats.org/drawingml/2006/main" xmlns:r="http://schemas.openxmlformats.org/officeDocument/2006/relationships" xmlns:p="http://schemas.openxmlformats.org/presentationml/2006/main">
   <p:cSld>
     <p:spTree>
@@ -11843,7 +18203,7 @@
             <a:pPr algn="ctr"/>
             <a:r>
               <a:rPr lang="en-US" dirty="0" smtClean="0"/>
-              <a:t>WHAT?</a:t>
+              <a:t>HOW?</a:t>
             </a:r>
             <a:endParaRPr lang="en-US" dirty="0"/>
           </a:p>
@@ -11878,280 +18238,7 @@
     </p:spTree>
     <p:extLst>
       <p:ext uri="{BB962C8B-B14F-4D97-AF65-F5344CB8AC3E}">
-        <p14:creationId xmlns:p14="http://schemas.microsoft.com/office/powerpoint/2010/main" val="1174273634"/>
-      </p:ext>
-    </p:extLst>
-  </p:cSld>
-  <p:clrMapOvr>
-    <a:masterClrMapping/>
-  </p:clrMapOvr>
-</p:sld>
-</file>
-
-<file path=ppt/slides/slide17.xml><?xml version="1.0" encoding="utf-8"?>
-<p:sld xmlns:a="http://schemas.openxmlformats.org/drawingml/2006/main" xmlns:r="http://schemas.openxmlformats.org/officeDocument/2006/relationships" xmlns:p="http://schemas.openxmlformats.org/presentationml/2006/main">
-  <p:cSld>
-    <p:spTree>
-      <p:nvGrpSpPr>
-        <p:cNvPr id="1" name=""/>
-        <p:cNvGrpSpPr/>
-        <p:nvPr/>
-      </p:nvGrpSpPr>
-      <p:grpSpPr>
-        <a:xfrm>
-          <a:off x="0" y="0"/>
-          <a:ext cx="0" cy="0"/>
-          <a:chOff x="0" y="0"/>
-          <a:chExt cx="0" cy="0"/>
-        </a:xfrm>
-      </p:grpSpPr>
-      <p:sp>
-        <p:nvSpPr>
-          <p:cNvPr id="2" name="Title 1"/>
-          <p:cNvSpPr>
-            <a:spLocks noGrp="1"/>
-          </p:cNvSpPr>
-          <p:nvPr>
-            <p:ph type="title"/>
-          </p:nvPr>
-        </p:nvSpPr>
-        <p:spPr/>
-        <p:txBody>
-          <a:bodyPr/>
-          <a:lstStyle/>
-          <a:p>
-            <a:endParaRPr lang="en-US" dirty="0"/>
-          </a:p>
-        </p:txBody>
-      </p:sp>
-      <p:sp>
-        <p:nvSpPr>
-          <p:cNvPr id="3" name="Content Placeholder 2"/>
-          <p:cNvSpPr>
-            <a:spLocks noGrp="1"/>
-          </p:cNvSpPr>
-          <p:nvPr>
-            <p:ph idx="1"/>
-          </p:nvPr>
-        </p:nvSpPr>
-        <p:spPr/>
-        <p:txBody>
-          <a:bodyPr/>
-          <a:lstStyle/>
-          <a:p>
-            <a:endParaRPr lang="en-US" dirty="0"/>
-          </a:p>
-        </p:txBody>
-      </p:sp>
-      <p:sp>
-        <p:nvSpPr>
-          <p:cNvPr id="4" name="Footer Placeholder 3"/>
-          <p:cNvSpPr>
-            <a:spLocks noGrp="1"/>
-          </p:cNvSpPr>
-          <p:nvPr>
-            <p:ph type="ftr" sz="quarter" idx="10"/>
-          </p:nvPr>
-        </p:nvSpPr>
-        <p:spPr/>
-        <p:txBody>
-          <a:bodyPr/>
-          <a:lstStyle/>
-          <a:p>
-            <a:pPr>
-              <a:defRPr/>
-            </a:pPr>
-            <a:r>
-              <a:rPr lang="en-US" dirty="0" smtClean="0"/>
-              <a:t>Enterprise Architecture @ Waterloo</a:t>
-            </a:r>
-            <a:endParaRPr lang="en-US" dirty="0"/>
-          </a:p>
-        </p:txBody>
-      </p:sp>
-    </p:spTree>
-    <p:extLst>
-      <p:ext uri="{BB962C8B-B14F-4D97-AF65-F5344CB8AC3E}">
-        <p14:creationId xmlns:p14="http://schemas.microsoft.com/office/powerpoint/2010/main" val="1941461553"/>
-      </p:ext>
-    </p:extLst>
-  </p:cSld>
-  <p:clrMapOvr>
-    <a:masterClrMapping/>
-  </p:clrMapOvr>
-</p:sld>
-</file>
-
-<file path=ppt/slides/slide18.xml><?xml version="1.0" encoding="utf-8"?>
-<p:sld xmlns:a="http://schemas.openxmlformats.org/drawingml/2006/main" xmlns:r="http://schemas.openxmlformats.org/officeDocument/2006/relationships" xmlns:p="http://schemas.openxmlformats.org/presentationml/2006/main">
-  <p:cSld>
-    <p:spTree>
-      <p:nvGrpSpPr>
-        <p:cNvPr id="1" name=""/>
-        <p:cNvGrpSpPr/>
-        <p:nvPr/>
-      </p:nvGrpSpPr>
-      <p:grpSpPr>
-        <a:xfrm>
-          <a:off x="0" y="0"/>
-          <a:ext cx="0" cy="0"/>
-          <a:chOff x="0" y="0"/>
-          <a:chExt cx="0" cy="0"/>
-        </a:xfrm>
-      </p:grpSpPr>
-      <p:sp>
-        <p:nvSpPr>
-          <p:cNvPr id="2" name="Title 1"/>
-          <p:cNvSpPr>
-            <a:spLocks noGrp="1"/>
-          </p:cNvSpPr>
-          <p:nvPr>
-            <p:ph type="title"/>
-          </p:nvPr>
-        </p:nvSpPr>
-        <p:spPr>
-          <a:xfrm>
-            <a:off x="457200" y="2492520"/>
-            <a:ext cx="8229600" cy="1143000"/>
-          </a:xfrm>
-        </p:spPr>
-        <p:txBody>
-          <a:bodyPr/>
-          <a:lstStyle/>
-          <a:p>
-            <a:pPr algn="ctr"/>
-            <a:r>
-              <a:rPr lang="en-US" dirty="0" smtClean="0"/>
-              <a:t>HOW?</a:t>
-            </a:r>
-            <a:endParaRPr lang="en-US" dirty="0"/>
-          </a:p>
-        </p:txBody>
-      </p:sp>
-      <p:sp>
-        <p:nvSpPr>
-          <p:cNvPr id="4" name="Footer Placeholder 3"/>
-          <p:cNvSpPr>
-            <a:spLocks noGrp="1"/>
-          </p:cNvSpPr>
-          <p:nvPr>
-            <p:ph type="ftr" sz="quarter" idx="10"/>
-          </p:nvPr>
-        </p:nvSpPr>
-        <p:spPr/>
-        <p:txBody>
-          <a:bodyPr/>
-          <a:lstStyle/>
-          <a:p>
-            <a:pPr>
-              <a:defRPr/>
-            </a:pPr>
-            <a:r>
-              <a:rPr lang="en-US" dirty="0" smtClean="0"/>
-              <a:t>Enterprise Architecture @ Waterloo</a:t>
-            </a:r>
-            <a:endParaRPr lang="en-US" dirty="0"/>
-          </a:p>
-        </p:txBody>
-      </p:sp>
-    </p:spTree>
-    <p:extLst>
-      <p:ext uri="{BB962C8B-B14F-4D97-AF65-F5344CB8AC3E}">
         <p14:creationId xmlns:p14="http://schemas.microsoft.com/office/powerpoint/2010/main" val="3160377490"/>
-      </p:ext>
-    </p:extLst>
-  </p:cSld>
-  <p:clrMapOvr>
-    <a:masterClrMapping/>
-  </p:clrMapOvr>
-</p:sld>
-</file>
-
-<file path=ppt/slides/slide19.xml><?xml version="1.0" encoding="utf-8"?>
-<p:sld xmlns:a="http://schemas.openxmlformats.org/drawingml/2006/main" xmlns:r="http://schemas.openxmlformats.org/officeDocument/2006/relationships" xmlns:p="http://schemas.openxmlformats.org/presentationml/2006/main">
-  <p:cSld>
-    <p:spTree>
-      <p:nvGrpSpPr>
-        <p:cNvPr id="1" name=""/>
-        <p:cNvGrpSpPr/>
-        <p:nvPr/>
-      </p:nvGrpSpPr>
-      <p:grpSpPr>
-        <a:xfrm>
-          <a:off x="0" y="0"/>
-          <a:ext cx="0" cy="0"/>
-          <a:chOff x="0" y="0"/>
-          <a:chExt cx="0" cy="0"/>
-        </a:xfrm>
-      </p:grpSpPr>
-      <p:sp>
-        <p:nvSpPr>
-          <p:cNvPr id="2" name="Title 1"/>
-          <p:cNvSpPr>
-            <a:spLocks noGrp="1"/>
-          </p:cNvSpPr>
-          <p:nvPr>
-            <p:ph type="title"/>
-          </p:nvPr>
-        </p:nvSpPr>
-        <p:spPr/>
-        <p:txBody>
-          <a:bodyPr/>
-          <a:lstStyle/>
-          <a:p>
-            <a:endParaRPr lang="en-US"/>
-          </a:p>
-        </p:txBody>
-      </p:sp>
-      <p:sp>
-        <p:nvSpPr>
-          <p:cNvPr id="3" name="Content Placeholder 2"/>
-          <p:cNvSpPr>
-            <a:spLocks noGrp="1"/>
-          </p:cNvSpPr>
-          <p:nvPr>
-            <p:ph idx="1"/>
-          </p:nvPr>
-        </p:nvSpPr>
-        <p:spPr/>
-        <p:txBody>
-          <a:bodyPr/>
-          <a:lstStyle/>
-          <a:p>
-            <a:endParaRPr lang="en-US" dirty="0"/>
-          </a:p>
-        </p:txBody>
-      </p:sp>
-      <p:sp>
-        <p:nvSpPr>
-          <p:cNvPr id="4" name="Footer Placeholder 3"/>
-          <p:cNvSpPr>
-            <a:spLocks noGrp="1"/>
-          </p:cNvSpPr>
-          <p:nvPr>
-            <p:ph type="ftr" sz="quarter" idx="10"/>
-          </p:nvPr>
-        </p:nvSpPr>
-        <p:spPr/>
-        <p:txBody>
-          <a:bodyPr/>
-          <a:lstStyle/>
-          <a:p>
-            <a:pPr>
-              <a:defRPr/>
-            </a:pPr>
-            <a:r>
-              <a:rPr lang="en-US" dirty="0" smtClean="0"/>
-              <a:t>Enterprise Architecture @ Waterloo</a:t>
-            </a:r>
-            <a:endParaRPr lang="en-US" dirty="0"/>
-          </a:p>
-        </p:txBody>
-      </p:sp>
-    </p:spTree>
-    <p:extLst>
-      <p:ext uri="{BB962C8B-B14F-4D97-AF65-F5344CB8AC3E}">
-        <p14:creationId xmlns:p14="http://schemas.microsoft.com/office/powerpoint/2010/main" val="298649094"/>
       </p:ext>
     </p:extLst>
   </p:cSld>
@@ -12456,14 +18543,14 @@
           <a:noFill/>
           <a:extLst>
             <a:ext uri="{909E8E84-426E-40dd-AFC4-6F175D3DCCD1}">
-              <a14:hiddenFill xmlns:a14="http://schemas.microsoft.com/office/drawing/2010/main" xmlns="">
+              <a14:hiddenFill xmlns:a14="http://schemas.microsoft.com/office/drawing/2010/main">
                 <a:solidFill>
                   <a:srgbClr val="FFFFFF"/>
                 </a:solidFill>
               </a14:hiddenFill>
             </a:ext>
             <a:ext uri="{91240B29-F687-4f45-9708-019B960494DF}">
-              <a14:hiddenLine xmlns:a14="http://schemas.microsoft.com/office/drawing/2010/main" xmlns="" w="9525">
+              <a14:hiddenLine xmlns:a14="http://schemas.microsoft.com/office/drawing/2010/main" w="9525">
                 <a:solidFill>
                   <a:srgbClr val="000000"/>
                 </a:solidFill>
@@ -12619,7 +18706,7 @@
   <p:timing>
     <p:tnLst>
       <p:par>
-        <p:cTn id="1" dur="indefinite" restart="never" nodeType="tmRoot"/>
+        <p:cTn xmlns:p14="http://schemas.microsoft.com/office/powerpoint/2010/main" id="1" dur="indefinite" restart="never" nodeType="tmRoot"/>
       </p:par>
     </p:tnLst>
   </p:timing>
@@ -12627,6 +18714,107 @@
 </file>
 
 <file path=ppt/slides/slide20.xml><?xml version="1.0" encoding="utf-8"?>
+<p:sld xmlns:a="http://schemas.openxmlformats.org/drawingml/2006/main" xmlns:r="http://schemas.openxmlformats.org/officeDocument/2006/relationships" xmlns:p="http://schemas.openxmlformats.org/presentationml/2006/main">
+  <p:cSld>
+    <p:spTree>
+      <p:nvGrpSpPr>
+        <p:cNvPr id="1" name=""/>
+        <p:cNvGrpSpPr/>
+        <p:nvPr/>
+      </p:nvGrpSpPr>
+      <p:grpSpPr>
+        <a:xfrm>
+          <a:off x="0" y="0"/>
+          <a:ext cx="0" cy="0"/>
+          <a:chOff x="0" y="0"/>
+          <a:chExt cx="0" cy="0"/>
+        </a:xfrm>
+      </p:grpSpPr>
+      <p:sp>
+        <p:nvSpPr>
+          <p:cNvPr id="2" name="Title 1"/>
+          <p:cNvSpPr>
+            <a:spLocks noGrp="1"/>
+          </p:cNvSpPr>
+          <p:nvPr>
+            <p:ph type="title"/>
+          </p:nvPr>
+        </p:nvSpPr>
+        <p:spPr/>
+        <p:txBody>
+          <a:bodyPr/>
+          <a:lstStyle/>
+          <a:p>
+            <a:endParaRPr lang="en-US"/>
+          </a:p>
+        </p:txBody>
+      </p:sp>
+      <p:sp>
+        <p:nvSpPr>
+          <p:cNvPr id="3" name="Content Placeholder 2"/>
+          <p:cNvSpPr>
+            <a:spLocks noGrp="1"/>
+          </p:cNvSpPr>
+          <p:nvPr>
+            <p:ph idx="1"/>
+          </p:nvPr>
+        </p:nvSpPr>
+        <p:spPr/>
+        <p:txBody>
+          <a:bodyPr/>
+          <a:lstStyle/>
+          <a:p>
+            <a:endParaRPr lang="en-US" dirty="0"/>
+          </a:p>
+        </p:txBody>
+      </p:sp>
+      <p:sp>
+        <p:nvSpPr>
+          <p:cNvPr id="4" name="Footer Placeholder 3"/>
+          <p:cNvSpPr>
+            <a:spLocks noGrp="1"/>
+          </p:cNvSpPr>
+          <p:nvPr>
+            <p:ph type="ftr" sz="quarter" idx="10"/>
+          </p:nvPr>
+        </p:nvSpPr>
+        <p:spPr/>
+        <p:txBody>
+          <a:bodyPr/>
+          <a:lstStyle/>
+          <a:p>
+            <a:pPr>
+              <a:defRPr/>
+            </a:pPr>
+            <a:r>
+              <a:rPr lang="en-US" dirty="0" smtClean="0"/>
+              <a:t>Enterprise Architecture @ Waterloo</a:t>
+            </a:r>
+            <a:endParaRPr lang="en-US" dirty="0"/>
+          </a:p>
+        </p:txBody>
+      </p:sp>
+    </p:spTree>
+    <p:extLst>
+      <p:ext uri="{BB962C8B-B14F-4D97-AF65-F5344CB8AC3E}">
+        <p14:creationId xmlns:p14="http://schemas.microsoft.com/office/powerpoint/2010/main" val="298649094"/>
+      </p:ext>
+    </p:extLst>
+  </p:cSld>
+  <p:clrMapOvr>
+    <a:masterClrMapping/>
+  </p:clrMapOvr>
+  <p:timing>
+    <p:tnLst>
+      <p:par>
+        <p:cTn xmlns:p14="http://schemas.microsoft.com/office/powerpoint/2010/main" id="1" dur="indefinite" restart="never" nodeType="tmRoot"/>
+      </p:par>
+    </p:tnLst>
+  </p:timing>
+</p:sld>
+</file>
+
+<file path=ppt/slides/slide21.xml><?xml version="1.0" encoding="utf-8"?>
 <p:sld xmlns:a="http://schemas.openxmlformats.org/drawingml/2006/main" xmlns:r="http://schemas.openxmlformats.org/officeDocument/2006/relationships" xmlns:p="http://schemas.openxmlformats.org/presentationml/2006/main">
   <p:cSld>
     <p:spTree>
@@ -12708,10 +18896,17 @@
   <p:clrMapOvr>
     <a:masterClrMapping/>
   </p:clrMapOvr>
+  <p:timing>
+    <p:tnLst>
+      <p:par>
+        <p:cTn xmlns:p14="http://schemas.microsoft.com/office/powerpoint/2010/main" id="1" dur="indefinite" restart="never" nodeType="tmRoot"/>
+      </p:par>
+    </p:tnLst>
+  </p:timing>
 </p:sld>
 </file>
 
-<file path=ppt/slides/slide21.xml><?xml version="1.0" encoding="utf-8"?>
+<file path=ppt/slides/slide22.xml><?xml version="1.0" encoding="utf-8"?>
 <p:sld xmlns:a="http://schemas.openxmlformats.org/drawingml/2006/main" xmlns:r="http://schemas.openxmlformats.org/officeDocument/2006/relationships" xmlns:p="http://schemas.openxmlformats.org/presentationml/2006/main">
   <p:cSld>
     <p:spTree>
@@ -12805,7 +19000,7 @@
 </p:sld>
 </file>
 
-<file path=ppt/slides/slide22.xml><?xml version="1.0" encoding="utf-8"?>
+<file path=ppt/slides/slide23.xml><?xml version="1.0" encoding="utf-8"?>
 <p:sld xmlns:a="http://schemas.openxmlformats.org/drawingml/2006/main" xmlns:r="http://schemas.openxmlformats.org/officeDocument/2006/relationships" xmlns:p="http://schemas.openxmlformats.org/presentationml/2006/main">
   <p:cSld>
     <p:spTree>
@@ -12836,14 +19031,14 @@
           <a:noFill/>
           <a:extLst>
             <a:ext uri="{909E8E84-426E-40dd-AFC4-6F175D3DCCD1}">
-              <a14:hiddenFill xmlns:a14="http://schemas.microsoft.com/office/drawing/2010/main" xmlns="">
+              <a14:hiddenFill xmlns:a14="http://schemas.microsoft.com/office/drawing/2010/main">
                 <a:solidFill>
                   <a:srgbClr val="FFFFFF"/>
                 </a:solidFill>
               </a14:hiddenFill>
             </a:ext>
             <a:ext uri="{91240B29-F687-4f45-9708-019B960494DF}">
-              <a14:hiddenLine xmlns:a14="http://schemas.microsoft.com/office/drawing/2010/main" xmlns="" w="9525">
+              <a14:hiddenLine xmlns:a14="http://schemas.microsoft.com/office/drawing/2010/main" w="9525">
                 <a:solidFill>
                   <a:srgbClr val="000000"/>
                 </a:solidFill>
@@ -13120,14 +19315,14 @@
           </a:ln>
           <a:extLst>
             <a:ext uri="{909E8E84-426E-40dd-AFC4-6F175D3DCCD1}">
-              <a14:hiddenFill xmlns:a14="http://schemas.microsoft.com/office/drawing/2010/main" xmlns="">
+              <a14:hiddenFill xmlns:a14="http://schemas.microsoft.com/office/drawing/2010/main">
                 <a:solidFill>
                   <a:srgbClr val="FFFFFF"/>
                 </a:solidFill>
               </a14:hiddenFill>
             </a:ext>
             <a:ext uri="{91240B29-F687-4f45-9708-019B960494DF}">
-              <a14:hiddenLine xmlns:a14="http://schemas.microsoft.com/office/drawing/2010/main" xmlns="" w="9525">
+              <a14:hiddenLine xmlns:a14="http://schemas.microsoft.com/office/drawing/2010/main" w="9525">
                 <a:solidFill>
                   <a:srgbClr val="000000"/>
                 </a:solidFill>
@@ -13147,7 +19342,7 @@
   <p:timing>
     <p:tnLst>
       <p:par>
-        <p:cTn id="1" dur="indefinite" restart="never" nodeType="tmRoot"/>
+        <p:cTn xmlns:p14="http://schemas.microsoft.com/office/powerpoint/2010/main" id="1" dur="indefinite" restart="never" nodeType="tmRoot"/>
       </p:par>
     </p:tnLst>
   </p:timing>
@@ -13188,13 +19383,26 @@
           </a:xfrm>
         </p:spPr>
         <p:txBody>
-          <a:bodyPr/>
+          <a:bodyPr>
+            <a:normAutofit fontScale="90000"/>
+          </a:bodyPr>
           <a:lstStyle/>
           <a:p>
             <a:pPr algn="ctr"/>
             <a:r>
               <a:rPr lang="en-US" dirty="0" smtClean="0"/>
-              <a:t>WHO?</a:t>
+              <a:t>WHO</a:t>
+            </a:r>
+            <a:r>
+              <a:rPr lang="en-US" dirty="0" smtClean="0"/>
+              <a:t>?</a:t>
+            </a:r>
+            <a:br>
+              <a:rPr lang="en-US" dirty="0" smtClean="0"/>
+            </a:br>
+            <a:r>
+              <a:rPr lang="en-US" dirty="0" smtClean="0"/>
+              <a:t>Enterprise Architecture Group</a:t>
             </a:r>
             <a:endParaRPr lang="en-US" dirty="0"/>
           </a:p>
@@ -13236,6 +19444,13 @@
   <p:clrMapOvr>
     <a:masterClrMapping/>
   </p:clrMapOvr>
+  <p:timing>
+    <p:tnLst>
+      <p:par>
+        <p:cTn xmlns:p14="http://schemas.microsoft.com/office/powerpoint/2010/main" id="1" dur="indefinite" restart="never" nodeType="tmRoot"/>
+      </p:par>
+    </p:tnLst>
+  </p:timing>
 </p:sld>
 </file>
 
@@ -13652,6 +19867,13 @@
   <p:clrMapOvr>
     <a:masterClrMapping/>
   </p:clrMapOvr>
+  <p:timing>
+    <p:tnLst>
+      <p:par>
+        <p:cTn xmlns:p14="http://schemas.microsoft.com/office/powerpoint/2010/main" id="1" dur="indefinite" restart="never" nodeType="tmRoot"/>
+      </p:par>
+    </p:tnLst>
+  </p:timing>
 </p:sld>
 </file>
 
@@ -13754,6 +19976,13 @@
   <p:clrMapOvr>
     <a:masterClrMapping/>
   </p:clrMapOvr>
+  <p:timing>
+    <p:tnLst>
+      <p:par>
+        <p:cTn xmlns:p14="http://schemas.microsoft.com/office/powerpoint/2010/main" id="1" dur="indefinite" restart="never" nodeType="tmRoot"/>
+      </p:par>
+    </p:tnLst>
+  </p:timing>
 </p:sld>
 </file>
 
@@ -13791,13 +20020,33 @@
           </a:xfrm>
         </p:spPr>
         <p:txBody>
-          <a:bodyPr/>
+          <a:bodyPr>
+            <a:normAutofit fontScale="90000"/>
+          </a:bodyPr>
           <a:lstStyle/>
           <a:p>
             <a:pPr algn="ctr"/>
             <a:r>
               <a:rPr lang="en-US" dirty="0" smtClean="0"/>
-              <a:t>WHY?</a:t>
+              <a:t>WHY</a:t>
+            </a:r>
+            <a:r>
+              <a:rPr lang="en-US" dirty="0" smtClean="0"/>
+              <a:t>?</a:t>
+            </a:r>
+            <a:br>
+              <a:rPr lang="en-US" dirty="0" smtClean="0"/>
+            </a:br>
+            <a:r>
+              <a:rPr lang="en-US" dirty="0" smtClean="0"/>
+              <a:t>Enterprise Architecture</a:t>
+            </a:r>
+            <a:br>
+              <a:rPr lang="en-US" dirty="0" smtClean="0"/>
+            </a:br>
+            <a:r>
+              <a:rPr lang="en-US" dirty="0" smtClean="0"/>
+              <a:t>value proposition</a:t>
             </a:r>
             <a:endParaRPr lang="en-US" dirty="0"/>
           </a:p>
@@ -13839,6 +20088,13 @@
   <p:clrMapOvr>
     <a:masterClrMapping/>
   </p:clrMapOvr>
+  <p:timing>
+    <p:tnLst>
+      <p:par>
+        <p:cTn xmlns:p14="http://schemas.microsoft.com/office/powerpoint/2010/main" id="1" dur="indefinite" restart="never" nodeType="tmRoot"/>
+      </p:par>
+    </p:tnLst>
+  </p:timing>
 </p:sld>
 </file>
 
@@ -13876,12 +20132,34 @@
           <a:p>
             <a:r>
               <a:rPr lang="en-US" dirty="0" smtClean="0"/>
-              <a:t>Story time...</a:t>
+              <a:t>Why – EA Value Proposition</a:t>
             </a:r>
             <a:endParaRPr lang="en-US" dirty="0"/>
           </a:p>
         </p:txBody>
       </p:sp>
+      <p:pic>
+        <p:nvPicPr>
+          <p:cNvPr id="5" name="Content Placeholder 4"/>
+          <p:cNvPicPr>
+            <a:picLocks noGrp="1" noChangeAspect="1"/>
+          </p:cNvPicPr>
+          <p:nvPr>
+            <p:ph idx="1"/>
+          </p:nvPr>
+        </p:nvPicPr>
+        <p:blipFill rotWithShape="1">
+          <a:blip r:embed="rId2"/>
+          <a:srcRect l="-615" r="-960"/>
+          <a:stretch/>
+        </p:blipFill>
+        <p:spPr>
+          <a:xfrm>
+            <a:off x="570346" y="706150"/>
+            <a:ext cx="7989454" cy="5072386"/>
+          </a:xfrm>
+        </p:spPr>
+      </p:pic>
       <p:sp>
         <p:nvSpPr>
           <p:cNvPr id="4" name="Footer Placeholder 3"/>
@@ -13908,91 +20186,23 @@
           </a:p>
         </p:txBody>
       </p:sp>
-      <p:pic>
-        <p:nvPicPr>
-          <p:cNvPr id="7" name="Content Placeholder 6"/>
-          <p:cNvPicPr>
-            <a:picLocks noGrp="1" noChangeAspect="1"/>
-          </p:cNvPicPr>
-          <p:nvPr>
-            <p:ph idx="1"/>
-          </p:nvPr>
-        </p:nvPicPr>
-        <p:blipFill>
-          <a:blip r:embed="rId3">
-            <a:extLst>
-              <a:ext uri="{28A0092B-C50C-407E-A947-70E740481C1C}">
-                <a14:useLocalDpi xmlns:a14="http://schemas.microsoft.com/office/drawing/2010/main" val="0"/>
-              </a:ext>
-            </a:extLst>
-          </a:blip>
-          <a:stretch>
-            <a:fillRect/>
-          </a:stretch>
-        </p:blipFill>
-        <p:spPr>
-          <a:xfrm>
-            <a:off x="2910605" y="1240492"/>
-            <a:ext cx="2877728" cy="3574576"/>
-          </a:xfrm>
-        </p:spPr>
-      </p:pic>
-      <p:sp>
-        <p:nvSpPr>
-          <p:cNvPr id="9" name="TextBox 8"/>
-          <p:cNvSpPr txBox="1"/>
-          <p:nvPr/>
-        </p:nvSpPr>
-        <p:spPr>
-          <a:xfrm>
-            <a:off x="2615879" y="5405923"/>
-            <a:ext cx="6277681" cy="261610"/>
-          </a:xfrm>
-          <a:prstGeom prst="rect">
-            <a:avLst/>
-          </a:prstGeom>
-          <a:noFill/>
-        </p:spPr>
-        <p:txBody>
-          <a:bodyPr wrap="none" rtlCol="0">
-            <a:spAutoFit/>
-          </a:bodyPr>
-          <a:lstStyle/>
-          <a:p>
-            <a:r>
-              <a:rPr lang="en-US" sz="1100" smtClean="0"/>
-              <a:t>SOURCE: http</a:t>
-            </a:r>
-            <a:r>
-              <a:rPr lang="en-US" sz="1100" dirty="0"/>
-              <a:t>://</a:t>
-            </a:r>
-            <a:r>
-              <a:rPr lang="en-US" sz="1100" dirty="0" err="1"/>
-              <a:t>www.usborne.com</a:t>
-            </a:r>
-            <a:r>
-              <a:rPr lang="en-US" sz="1100" dirty="0"/>
-              <a:t>/catalogue/book/1~ED~EDWYO~5161/write-your-own-story-</a:t>
-            </a:r>
-            <a:r>
-              <a:rPr lang="en-US" sz="1100" dirty="0" err="1"/>
-              <a:t>book.aspx</a:t>
-            </a:r>
-            <a:endParaRPr lang="en-US" sz="1100" dirty="0"/>
-          </a:p>
-        </p:txBody>
-      </p:sp>
     </p:spTree>
     <p:extLst>
       <p:ext uri="{BB962C8B-B14F-4D97-AF65-F5344CB8AC3E}">
-        <p14:creationId xmlns:p14="http://schemas.microsoft.com/office/powerpoint/2010/main" val="1171768130"/>
+        <p14:creationId xmlns:p14="http://schemas.microsoft.com/office/powerpoint/2010/main" val="4263207760"/>
       </p:ext>
     </p:extLst>
   </p:cSld>
   <p:clrMapOvr>
     <a:masterClrMapping/>
   </p:clrMapOvr>
+  <p:timing>
+    <p:tnLst>
+      <p:par>
+        <p:cTn xmlns:p14="http://schemas.microsoft.com/office/powerpoint/2010/main" id="1" dur="indefinite" restart="never" nodeType="tmRoot"/>
+      </p:par>
+    </p:tnLst>
+  </p:timing>
 </p:sld>
 </file>
 
@@ -14315,7 +20525,7 @@
   <a:extraClrSchemeLst/>
   <a:extLst>
     <a:ext uri="{05A4C25C-085E-4340-85A3-A5531E510DB2}">
-      <thm15:themeFamily xmlns:thm15="http://schemas.microsoft.com/office/thememl/2012/main" name="Presentation1" id="{9477BE6E-335C-6A4D-9AC4-F2AD07DB35E5}" vid="{6E65C0AF-245B-1445-948D-96A7C6D0ECEB}"/>
+      <thm15:themeFamily xmlns:thm15="http://schemas.microsoft.com/office/thememl/2012/main" xmlns="" name="Presentation1" id="{9477BE6E-335C-6A4D-9AC4-F2AD07DB35E5}" vid="{6E65C0AF-245B-1445-948D-96A7C6D0ECEB}"/>
     </a:ext>
   </a:extLst>
 </a:theme>

--- a/ISTEA-WatITis2015.pptx
+++ b/ISTEA-WatITis2015.pptx
@@ -5,10 +5,10 @@
     <p:sldMasterId id="2147483648" r:id="rId1"/>
   </p:sldMasterIdLst>
   <p:notesMasterIdLst>
-    <p:notesMasterId r:id="rId25"/>
+    <p:notesMasterId r:id="rId41"/>
   </p:notesMasterIdLst>
   <p:handoutMasterIdLst>
-    <p:handoutMasterId r:id="rId26"/>
+    <p:handoutMasterId r:id="rId42"/>
   </p:handoutMasterIdLst>
   <p:sldIdLst>
     <p:sldId id="256" r:id="rId2"/>
@@ -22,18 +22,34 @@
     <p:sldId id="271" r:id="rId10"/>
     <p:sldId id="281" r:id="rId11"/>
     <p:sldId id="282" r:id="rId12"/>
-    <p:sldId id="273" r:id="rId13"/>
-    <p:sldId id="284" r:id="rId14"/>
-    <p:sldId id="276" r:id="rId15"/>
-    <p:sldId id="275" r:id="rId16"/>
-    <p:sldId id="285" r:id="rId17"/>
-    <p:sldId id="286" r:id="rId18"/>
-    <p:sldId id="287" r:id="rId19"/>
-    <p:sldId id="277" r:id="rId20"/>
-    <p:sldId id="278" r:id="rId21"/>
-    <p:sldId id="279" r:id="rId22"/>
-    <p:sldId id="280" r:id="rId23"/>
-    <p:sldId id="258" r:id="rId24"/>
+    <p:sldId id="295" r:id="rId13"/>
+    <p:sldId id="293" r:id="rId14"/>
+    <p:sldId id="288" r:id="rId15"/>
+    <p:sldId id="273" r:id="rId16"/>
+    <p:sldId id="294" r:id="rId17"/>
+    <p:sldId id="284" r:id="rId18"/>
+    <p:sldId id="276" r:id="rId19"/>
+    <p:sldId id="275" r:id="rId20"/>
+    <p:sldId id="285" r:id="rId21"/>
+    <p:sldId id="286" r:id="rId22"/>
+    <p:sldId id="298" r:id="rId23"/>
+    <p:sldId id="299" r:id="rId24"/>
+    <p:sldId id="300" r:id="rId25"/>
+    <p:sldId id="303" r:id="rId26"/>
+    <p:sldId id="304" r:id="rId27"/>
+    <p:sldId id="305" r:id="rId28"/>
+    <p:sldId id="306" r:id="rId29"/>
+    <p:sldId id="296" r:id="rId30"/>
+    <p:sldId id="289" r:id="rId31"/>
+    <p:sldId id="290" r:id="rId32"/>
+    <p:sldId id="291" r:id="rId33"/>
+    <p:sldId id="292" r:id="rId34"/>
+    <p:sldId id="277" r:id="rId35"/>
+    <p:sldId id="302" r:id="rId36"/>
+    <p:sldId id="301" r:id="rId37"/>
+    <p:sldId id="279" r:id="rId38"/>
+    <p:sldId id="280" r:id="rId39"/>
+    <p:sldId id="258" r:id="rId40"/>
   </p:sldIdLst>
   <p:sldSz cx="9144000" cy="6858000" type="screen4x3"/>
   <p:notesSz cx="6858000" cy="9144000"/>
@@ -164,7 +180,7 @@
   </p:defaultTextStyle>
   <p:extLst>
     <p:ext uri="{EFAFB233-063F-42B5-8137-9DF3F51BA10A}">
-      <p15:sldGuideLst xmlns:p15="http://schemas.microsoft.com/office/powerpoint/2012/main" xmlns="">
+      <p15:sldGuideLst xmlns:p15="http://schemas.microsoft.com/office/powerpoint/2012/main">
         <p15:guide id="1" orient="horz" pos="2160">
           <p15:clr>
             <a:srgbClr val="A4A3A4"/>
@@ -6047,7 +6063,7 @@
           <a:p>
             <a:fld id="{3EBD304B-4F32-DB42-AA51-EDA38B867F6B}" type="datetimeFigureOut">
               <a:rPr lang="en-US" smtClean="0"/>
-              <a:t>15-12-06</a:t>
+              <a:t>12/6/15</a:t>
             </a:fld>
             <a:endParaRPr lang="en-US"/>
           </a:p>
@@ -6242,7 +6258,7 @@
               <a:pPr>
                 <a:defRPr/>
               </a:pPr>
-              <a:t>15-12-06</a:t>
+              <a:t>12/6/15</a:t>
             </a:fld>
             <a:endParaRPr lang="en-US"/>
           </a:p>
@@ -6660,7 +6676,7 @@
 </p:notes>
 </file>
 
-<file path=ppt/notesSlides/notesSlide2.xml><?xml version="1.0" encoding="utf-8"?>
+<file path=ppt/notesSlides/notesSlide10.xml><?xml version="1.0" encoding="utf-8"?>
 <p:notes xmlns:a="http://schemas.openxmlformats.org/drawingml/2006/main" xmlns:r="http://schemas.openxmlformats.org/officeDocument/2006/relationships" xmlns:p="http://schemas.openxmlformats.org/presentationml/2006/main">
   <p:cSld>
     <p:spTree>
@@ -6704,816 +6720,341 @@
           <a:bodyPr/>
           <a:lstStyle/>
           <a:p>
-            <a:r>
-              <a:rPr lang="en-US" dirty="0" smtClean="0"/>
-              <a:t>We want</a:t>
-            </a:r>
-            <a:r>
-              <a:rPr lang="en-US" baseline="0" dirty="0" smtClean="0"/>
-              <a:t> to begin by introducing Enterprise Architecture through a </a:t>
-            </a:r>
-            <a:r>
-              <a:rPr lang="en-US" baseline="0" dirty="0" err="1" smtClean="0"/>
-              <a:t>strawdog</a:t>
-            </a:r>
-            <a:r>
-              <a:rPr lang="en-US" baseline="0" dirty="0" smtClean="0"/>
-              <a:t> story. The ideas and problems introduced in this story are meant to be representative of the problems an enterprise faces when widespread change is occurring simultaneously across multiple areas of the business. </a:t>
-            </a:r>
-          </a:p>
-          <a:p>
-            <a:endParaRPr lang="en-US" sz="1200" b="1" i="0" kern="1200" baseline="0" dirty="0" smtClean="0">
+            <a:pPr marL="0" marR="0" indent="0" algn="l" defTabSz="457200" rtl="0" eaLnBrk="0" fontAlgn="base" latinLnBrk="0" hangingPunct="0">
+              <a:lnSpc>
+                <a:spcPct val="100000"/>
+              </a:lnSpc>
+              <a:spcBef>
+                <a:spcPct val="30000"/>
+              </a:spcBef>
+              <a:spcAft>
+                <a:spcPct val="0"/>
+              </a:spcAft>
+              <a:buClrTx/>
+              <a:buSzTx/>
+              <a:buFontTx/>
+              <a:buNone/>
+              <a:tabLst/>
+              <a:defRPr/>
+            </a:pPr>
+            <a:r>
+              <a:rPr lang="en-US" sz="1200" b="1" dirty="0" smtClean="0">
+                <a:solidFill>
+                  <a:srgbClr val="002060"/>
+                </a:solidFill>
+                <a:latin typeface="Calibri" panose="020F0502020204030204" pitchFamily="34" charset="0"/>
+              </a:rPr>
+              <a:t>IST-EA’s Simplified Definitions</a:t>
+            </a:r>
+          </a:p>
+          <a:p>
+            <a:pPr marL="0" marR="0" indent="0" algn="l" defTabSz="457200" rtl="0" eaLnBrk="0" fontAlgn="base" latinLnBrk="0" hangingPunct="0">
+              <a:lnSpc>
+                <a:spcPct val="100000"/>
+              </a:lnSpc>
+              <a:spcBef>
+                <a:spcPct val="30000"/>
+              </a:spcBef>
+              <a:spcAft>
+                <a:spcPct val="0"/>
+              </a:spcAft>
+              <a:buClrTx/>
+              <a:buSzTx/>
+              <a:buFontTx/>
+              <a:buNone/>
+              <a:tabLst/>
+              <a:defRPr/>
+            </a:pPr>
+            <a:r>
+              <a:rPr lang="en-US" sz="1200" b="1" dirty="0" smtClean="0">
+                <a:solidFill>
+                  <a:srgbClr val="002060"/>
+                </a:solidFill>
+                <a:latin typeface="Calibri" panose="020F0502020204030204" pitchFamily="34" charset="0"/>
+              </a:rPr>
+              <a:t>=========================</a:t>
+            </a:r>
+          </a:p>
+          <a:p>
+            <a:pPr marL="0" marR="0" indent="0" algn="l" defTabSz="457200" rtl="0" eaLnBrk="0" fontAlgn="base" latinLnBrk="0" hangingPunct="0">
+              <a:lnSpc>
+                <a:spcPct val="100000"/>
+              </a:lnSpc>
+              <a:spcBef>
+                <a:spcPct val="30000"/>
+              </a:spcBef>
+              <a:spcAft>
+                <a:spcPct val="0"/>
+              </a:spcAft>
+              <a:buClrTx/>
+              <a:buSzTx/>
+              <a:buFontTx/>
+              <a:buNone/>
+              <a:tabLst/>
+              <a:defRPr/>
+            </a:pPr>
+            <a:endParaRPr lang="en-US" sz="1200" b="1" dirty="0" smtClean="0">
               <a:solidFill>
-                <a:schemeClr val="tx1"/>
+                <a:srgbClr val="002060"/>
               </a:solidFill>
-              <a:effectLst/>
-              <a:latin typeface="+mn-lt"/>
-              <a:ea typeface="ＭＳ Ｐゴシック" charset="0"/>
-              <a:cs typeface="ＭＳ Ｐゴシック" charset="0"/>
+              <a:latin typeface="Calibri" panose="020F0502020204030204" pitchFamily="34" charset="0"/>
             </a:endParaRPr>
           </a:p>
           <a:p>
-            <a:r>
-              <a:rPr lang="en-US" sz="1200" b="1" i="0" kern="1200" baseline="0" dirty="0" smtClean="0">
+            <a:pPr marL="0" marR="0" indent="0" algn="l" defTabSz="457200" rtl="0" eaLnBrk="0" fontAlgn="base" latinLnBrk="0" hangingPunct="0">
+              <a:lnSpc>
+                <a:spcPct val="100000"/>
+              </a:lnSpc>
+              <a:spcBef>
+                <a:spcPct val="30000"/>
+              </a:spcBef>
+              <a:spcAft>
+                <a:spcPct val="0"/>
+              </a:spcAft>
+              <a:buClrTx/>
+              <a:buSzTx/>
+              <a:buFontTx/>
+              <a:buNone/>
+              <a:tabLst/>
+              <a:defRPr/>
+            </a:pPr>
+            <a:r>
+              <a:rPr lang="en-US" sz="1200" b="1" dirty="0" smtClean="0">
                 <a:solidFill>
-                  <a:schemeClr val="tx1"/>
+                  <a:srgbClr val="002060"/>
                 </a:solidFill>
-                <a:effectLst/>
-                <a:latin typeface="+mn-lt"/>
-                <a:ea typeface="ＭＳ Ｐゴシック" charset="0"/>
-                <a:cs typeface="ＭＳ Ｐゴシック" charset="0"/>
+                <a:latin typeface="Calibri" panose="020F0502020204030204" pitchFamily="34" charset="0"/>
               </a:rPr>
-              <a:t>DISCLAIMER: </a:t>
-            </a:r>
-            <a:r>
-              <a:rPr lang="en-US" sz="1200" b="1" i="0" kern="1200" dirty="0" smtClean="0">
+              <a:t>Business Architecture</a:t>
+            </a:r>
+            <a:r>
+              <a:rPr lang="en-US" sz="1200" dirty="0" smtClean="0">
                 <a:solidFill>
-                  <a:schemeClr val="tx1"/>
+                  <a:srgbClr val="002060"/>
                 </a:solidFill>
-                <a:effectLst/>
-                <a:latin typeface="+mn-lt"/>
-                <a:ea typeface="ＭＳ Ｐゴシック" charset="0"/>
-                <a:cs typeface="ＭＳ Ｐゴシック" charset="0"/>
+                <a:latin typeface="Calibri" panose="020F0502020204030204" pitchFamily="34" charset="0"/>
               </a:rPr>
-              <a:t>All characters appearing in this work are fictitious. Any resemblance to real persons, living or dead, is purely coincidental.</a:t>
-            </a:r>
-          </a:p>
-          <a:p>
-            <a:endParaRPr lang="en-US" sz="1200" b="1" i="0" kern="1200" dirty="0" smtClean="0">
-              <a:solidFill>
-                <a:schemeClr val="tx1"/>
-              </a:solidFill>
-              <a:effectLst/>
-              <a:latin typeface="+mn-lt"/>
-              <a:ea typeface="ＭＳ Ｐゴシック" charset="0"/>
-              <a:cs typeface="ＭＳ Ｐゴシック" charset="0"/>
+              <a:t>: </a:t>
+            </a:r>
+            <a:r>
+              <a:rPr lang="en-US" sz="1200" dirty="0" smtClean="0">
+                <a:latin typeface="Calibri" panose="020F0502020204030204" pitchFamily="34" charset="0"/>
+              </a:rPr>
+              <a:t>Vision, strategy, goals, objectives. It covers business units, functions, services, processes, and capabilities.</a:t>
+            </a:r>
+          </a:p>
+          <a:p>
+            <a:endParaRPr lang="en-US" dirty="0" smtClean="0"/>
+          </a:p>
+          <a:p>
+            <a:pPr marL="0" marR="0" indent="0" algn="l" defTabSz="457200" rtl="0" eaLnBrk="0" fontAlgn="base" latinLnBrk="0" hangingPunct="0">
+              <a:lnSpc>
+                <a:spcPct val="100000"/>
+              </a:lnSpc>
+              <a:spcBef>
+                <a:spcPct val="30000"/>
+              </a:spcBef>
+              <a:spcAft>
+                <a:spcPct val="0"/>
+              </a:spcAft>
+              <a:buClrTx/>
+              <a:buSzTx/>
+              <a:buFontTx/>
+              <a:buNone/>
+              <a:tabLst/>
+              <a:defRPr/>
+            </a:pPr>
+            <a:r>
+              <a:rPr lang="en-US" sz="1200" b="1" dirty="0" smtClean="0">
+                <a:solidFill>
+                  <a:srgbClr val="002060"/>
+                </a:solidFill>
+                <a:latin typeface="Calibri" panose="020F0502020204030204" pitchFamily="34" charset="0"/>
+              </a:rPr>
+              <a:t>Information Architecture: </a:t>
+            </a:r>
+            <a:r>
+              <a:rPr lang="en-US" sz="1200" dirty="0" smtClean="0">
+                <a:latin typeface="Calibri" panose="020F0502020204030204" pitchFamily="34" charset="0"/>
+              </a:rPr>
+              <a:t>Describes how enterprise information is organized and accessed.</a:t>
+            </a:r>
+          </a:p>
+          <a:p>
+            <a:pPr marL="0" marR="0" indent="0" algn="l" defTabSz="457200" rtl="0" eaLnBrk="0" fontAlgn="base" latinLnBrk="0" hangingPunct="0">
+              <a:lnSpc>
+                <a:spcPct val="100000"/>
+              </a:lnSpc>
+              <a:spcBef>
+                <a:spcPct val="30000"/>
+              </a:spcBef>
+              <a:spcAft>
+                <a:spcPct val="0"/>
+              </a:spcAft>
+              <a:buClrTx/>
+              <a:buSzTx/>
+              <a:buFontTx/>
+              <a:buNone/>
+              <a:tabLst/>
+              <a:defRPr/>
+            </a:pPr>
+            <a:endParaRPr lang="en-US" dirty="0" smtClean="0"/>
+          </a:p>
+          <a:p>
+            <a:pPr marL="0" marR="0" indent="0" algn="l" defTabSz="457200" rtl="0" eaLnBrk="0" fontAlgn="base" latinLnBrk="0" hangingPunct="0">
+              <a:lnSpc>
+                <a:spcPct val="100000"/>
+              </a:lnSpc>
+              <a:spcBef>
+                <a:spcPct val="30000"/>
+              </a:spcBef>
+              <a:spcAft>
+                <a:spcPct val="0"/>
+              </a:spcAft>
+              <a:buClrTx/>
+              <a:buSzTx/>
+              <a:buFontTx/>
+              <a:buNone/>
+              <a:tabLst/>
+              <a:defRPr/>
+            </a:pPr>
+            <a:r>
+              <a:rPr lang="en-US" sz="1200" b="1" dirty="0" smtClean="0">
+                <a:solidFill>
+                  <a:srgbClr val="002060"/>
+                </a:solidFill>
+                <a:latin typeface="Calibri" panose="020F0502020204030204" pitchFamily="34" charset="0"/>
+              </a:rPr>
+              <a:t>Applications Architecture: </a:t>
+            </a:r>
+            <a:r>
+              <a:rPr lang="en-US" sz="1200" dirty="0" smtClean="0">
+                <a:latin typeface="Calibri" panose="020F0502020204030204" pitchFamily="34" charset="0"/>
+              </a:rPr>
+              <a:t>Describes applications’ structures, capabilities, and their interrelations.</a:t>
+            </a:r>
+          </a:p>
+          <a:p>
+            <a:pPr marL="0" marR="0" indent="0" algn="l" defTabSz="457200" rtl="0" eaLnBrk="0" fontAlgn="base" latinLnBrk="0" hangingPunct="0">
+              <a:lnSpc>
+                <a:spcPct val="100000"/>
+              </a:lnSpc>
+              <a:spcBef>
+                <a:spcPct val="30000"/>
+              </a:spcBef>
+              <a:spcAft>
+                <a:spcPct val="0"/>
+              </a:spcAft>
+              <a:buClrTx/>
+              <a:buSzTx/>
+              <a:buFontTx/>
+              <a:buNone/>
+              <a:tabLst/>
+              <a:defRPr/>
+            </a:pPr>
+            <a:endParaRPr lang="en-US" dirty="0" smtClean="0"/>
+          </a:p>
+          <a:p>
+            <a:pPr marL="0" marR="0" indent="0" algn="l" defTabSz="457200" rtl="0" eaLnBrk="0" fontAlgn="base" latinLnBrk="0" hangingPunct="0">
+              <a:lnSpc>
+                <a:spcPct val="100000"/>
+              </a:lnSpc>
+              <a:spcBef>
+                <a:spcPct val="30000"/>
+              </a:spcBef>
+              <a:spcAft>
+                <a:spcPct val="0"/>
+              </a:spcAft>
+              <a:buClrTx/>
+              <a:buSzTx/>
+              <a:buFontTx/>
+              <a:buNone/>
+              <a:tabLst/>
+              <a:defRPr/>
+            </a:pPr>
+            <a:r>
+              <a:rPr lang="en-US" sz="1200" b="1" dirty="0" smtClean="0">
+                <a:solidFill>
+                  <a:srgbClr val="002060"/>
+                </a:solidFill>
+                <a:latin typeface="Calibri" panose="020F0502020204030204" pitchFamily="34" charset="0"/>
+              </a:rPr>
+              <a:t>Technology Architecture: </a:t>
+            </a:r>
+            <a:r>
+              <a:rPr lang="en-US" sz="1200" dirty="0" smtClean="0">
+                <a:latin typeface="Calibri" panose="020F0502020204030204" pitchFamily="34" charset="0"/>
+              </a:rPr>
+              <a:t>Describes the hardware and software infrastructure that support the applications and their interactions.</a:t>
+            </a:r>
+          </a:p>
+          <a:p>
+            <a:pPr marL="0" marR="0" indent="0" algn="l" defTabSz="457200" rtl="0" eaLnBrk="0" fontAlgn="base" latinLnBrk="0" hangingPunct="0">
+              <a:lnSpc>
+                <a:spcPct val="100000"/>
+              </a:lnSpc>
+              <a:spcBef>
+                <a:spcPct val="30000"/>
+              </a:spcBef>
+              <a:spcAft>
+                <a:spcPct val="0"/>
+              </a:spcAft>
+              <a:buClrTx/>
+              <a:buSzTx/>
+              <a:buFontTx/>
+              <a:buNone/>
+              <a:tabLst/>
+              <a:defRPr/>
+            </a:pPr>
+            <a:endParaRPr lang="en-US" sz="1200" dirty="0" smtClean="0">
+              <a:latin typeface="Calibri" panose="020F0502020204030204" pitchFamily="34" charset="0"/>
             </a:endParaRPr>
           </a:p>
           <a:p>
-            <a:r>
-              <a:rPr lang="en-US" sz="1200" b="0" i="0" kern="1200" dirty="0" smtClean="0">
+            <a:pPr marL="0" marR="0" indent="0" algn="l" defTabSz="457200" rtl="0" eaLnBrk="0" fontAlgn="base" latinLnBrk="0" hangingPunct="0">
+              <a:lnSpc>
+                <a:spcPct val="100000"/>
+              </a:lnSpc>
+              <a:spcBef>
+                <a:spcPct val="30000"/>
+              </a:spcBef>
+              <a:spcAft>
+                <a:spcPct val="0"/>
+              </a:spcAft>
+              <a:buClrTx/>
+              <a:buSzTx/>
+              <a:buFontTx/>
+              <a:buNone/>
+              <a:tabLst/>
+              <a:defRPr/>
+            </a:pPr>
+            <a:r>
+              <a:rPr lang="en-US" sz="1200" b="1" dirty="0" smtClean="0">
                 <a:solidFill>
-                  <a:schemeClr val="tx1"/>
+                  <a:srgbClr val="002060"/>
                 </a:solidFill>
-                <a:effectLst/>
-                <a:latin typeface="+mn-lt"/>
-                <a:ea typeface="ＭＳ Ｐゴシック" charset="0"/>
-                <a:cs typeface="ＭＳ Ｐゴシック" charset="0"/>
+                <a:latin typeface="Calibri" panose="020F0502020204030204" pitchFamily="34" charset="0"/>
               </a:rPr>
-              <a:t>Let’s start with an</a:t>
-            </a:r>
-            <a:r>
-              <a:rPr lang="en-US" sz="1200" b="0" i="0" kern="1200" baseline="0" dirty="0" smtClean="0">
-                <a:solidFill>
-                  <a:schemeClr val="tx1"/>
-                </a:solidFill>
-                <a:effectLst/>
-                <a:latin typeface="+mn-lt"/>
-                <a:ea typeface="ＭＳ Ｐゴシック" charset="0"/>
-                <a:cs typeface="ＭＳ Ｐゴシック" charset="0"/>
+              <a:t>Security Architecture: </a:t>
+            </a:r>
+            <a:r>
+              <a:rPr lang="en-US" sz="1200" dirty="0" smtClean="0">
+                <a:latin typeface="Calibri" panose="020F0502020204030204" pitchFamily="34" charset="0"/>
               </a:rPr>
-              <a:t> enterprise called ACME Academy. ACME has been operating for a number of years and has two core missions: training coyotes and developing innovative roadrunner counter measures. To fulfill these missions, ACME maintains a number business units that support their core missions.</a:t>
-            </a:r>
-          </a:p>
-          <a:p>
-            <a:endParaRPr lang="en-US" sz="1200" b="0" i="0" kern="1200" baseline="0" dirty="0" smtClean="0">
-              <a:solidFill>
-                <a:schemeClr val="tx1"/>
-              </a:solidFill>
-              <a:effectLst/>
-              <a:latin typeface="+mn-lt"/>
-              <a:ea typeface="ＭＳ Ｐゴシック" charset="0"/>
-              <a:cs typeface="ＭＳ Ｐゴシック" charset="0"/>
-            </a:endParaRPr>
-          </a:p>
-          <a:p>
-            <a:r>
-              <a:rPr lang="en-US" sz="1200" b="0" i="0" kern="1200" baseline="0" dirty="0" smtClean="0">
-                <a:solidFill>
-                  <a:schemeClr val="tx1"/>
-                </a:solidFill>
-                <a:effectLst/>
-                <a:latin typeface="+mn-lt"/>
-                <a:ea typeface="ＭＳ Ｐゴシック" charset="0"/>
-                <a:cs typeface="ＭＳ Ｐゴシック" charset="0"/>
+              <a:t>Describes all aspects related to applications and data security, along with a set of guidelines</a:t>
+            </a:r>
+            <a:r>
+              <a:rPr lang="en-US" sz="1200" baseline="0" dirty="0" smtClean="0">
+                <a:latin typeface="Calibri" panose="020F0502020204030204" pitchFamily="34" charset="0"/>
               </a:rPr>
-              <a:t>To fulfill their core missions, ACME must:</a:t>
-            </a:r>
-          </a:p>
-          <a:p>
-            <a:endParaRPr lang="en-US" sz="1200" b="0" i="0" kern="1200" baseline="0" dirty="0" smtClean="0">
-              <a:solidFill>
-                <a:schemeClr val="tx1"/>
-              </a:solidFill>
-              <a:effectLst/>
-              <a:latin typeface="+mn-lt"/>
-              <a:ea typeface="ＭＳ Ｐゴシック" charset="0"/>
-              <a:cs typeface="ＭＳ Ｐゴシック" charset="0"/>
-            </a:endParaRPr>
-          </a:p>
-          <a:p>
-            <a:r>
-              <a:rPr lang="en-US" sz="1200" b="0" i="0" kern="1200" baseline="0" dirty="0" smtClean="0">
-                <a:solidFill>
-                  <a:schemeClr val="tx1"/>
-                </a:solidFill>
-                <a:effectLst/>
-                <a:latin typeface="+mn-lt"/>
-                <a:ea typeface="ＭＳ Ｐゴシック" charset="0"/>
-                <a:cs typeface="ＭＳ Ｐゴシック" charset="0"/>
+              <a:t> and procedures for </a:t>
+            </a:r>
+            <a:r>
+              <a:rPr lang="en-US" sz="1200" dirty="0" smtClean="0">
+                <a:latin typeface="Calibri" panose="020F0502020204030204" pitchFamily="34" charset="0"/>
               </a:rPr>
-              <a:t> - Find high quality coyotes and convince them to train with ACME.</a:t>
-            </a:r>
-          </a:p>
-          <a:p>
-            <a:r>
-              <a:rPr lang="en-US" sz="1200" b="0" i="0" kern="1200" baseline="0" dirty="0" smtClean="0">
-                <a:solidFill>
-                  <a:schemeClr val="tx1"/>
-                </a:solidFill>
-                <a:effectLst/>
-                <a:latin typeface="+mn-lt"/>
-                <a:ea typeface="ＭＳ Ｐゴシック" charset="0"/>
-                <a:cs typeface="ＭＳ Ｐゴシック" charset="0"/>
-              </a:rPr>
-              <a:t>    - Deliver top-notch training facilities and services to keep coyotes at ACME.</a:t>
-            </a:r>
-          </a:p>
-          <a:p>
-            <a:endParaRPr lang="en-US" sz="1200" b="0" i="0" kern="1200" baseline="0" dirty="0" smtClean="0">
-              <a:solidFill>
-                <a:schemeClr val="tx1"/>
-              </a:solidFill>
-              <a:effectLst/>
-              <a:latin typeface="+mn-lt"/>
-              <a:ea typeface="ＭＳ Ｐゴシック" charset="0"/>
-              <a:cs typeface="ＭＳ Ｐゴシック" charset="0"/>
-            </a:endParaRPr>
-          </a:p>
-          <a:p>
-            <a:r>
-              <a:rPr lang="en-US" sz="1200" b="0" i="0" kern="1200" baseline="0" dirty="0" smtClean="0">
-                <a:solidFill>
-                  <a:schemeClr val="tx1"/>
-                </a:solidFill>
-                <a:effectLst/>
-                <a:latin typeface="+mn-lt"/>
-                <a:ea typeface="ＭＳ Ｐゴシック" charset="0"/>
-                <a:cs typeface="ＭＳ Ｐゴシック" charset="0"/>
-              </a:rPr>
-              <a:t> - Find the best and the brightest roadrunner specialists and convince them to join ACME’s cause.</a:t>
-            </a:r>
-          </a:p>
-          <a:p>
-            <a:r>
-              <a:rPr lang="en-US" sz="1200" b="0" i="0" kern="1200" baseline="0" dirty="0" smtClean="0">
-                <a:solidFill>
-                  <a:schemeClr val="tx1"/>
-                </a:solidFill>
-                <a:effectLst/>
-                <a:latin typeface="+mn-lt"/>
-                <a:ea typeface="ＭＳ Ｐゴシック" charset="0"/>
-                <a:cs typeface="ＭＳ Ｐゴシック" charset="0"/>
-              </a:rPr>
-              <a:t>    - Provide a series of support services and facilities to allow these specialists to focus on their work.</a:t>
-            </a:r>
-          </a:p>
-          <a:p>
-            <a:endParaRPr lang="en-US" sz="1200" b="0" i="0" kern="1200" baseline="0" dirty="0" smtClean="0">
-              <a:solidFill>
-                <a:schemeClr val="tx1"/>
-              </a:solidFill>
-              <a:effectLst/>
-              <a:latin typeface="+mn-lt"/>
-              <a:ea typeface="ＭＳ Ｐゴシック" charset="0"/>
-              <a:cs typeface="ＭＳ Ｐゴシック" charset="0"/>
-            </a:endParaRPr>
-          </a:p>
-          <a:p>
-            <a:r>
-              <a:rPr lang="en-US" sz="1200" b="0" i="0" kern="1200" baseline="0" dirty="0" smtClean="0">
-                <a:solidFill>
-                  <a:schemeClr val="tx1"/>
-                </a:solidFill>
-                <a:effectLst/>
-                <a:latin typeface="+mn-lt"/>
-                <a:ea typeface="ＭＳ Ｐゴシック" charset="0"/>
-                <a:cs typeface="ＭＳ Ｐゴシック" charset="0"/>
-              </a:rPr>
-              <a:t>In support of these core missions, ACME must maintain or acquire business units to:</a:t>
-            </a:r>
-          </a:p>
-          <a:p>
-            <a:r>
-              <a:rPr lang="en-US" sz="1200" b="0" i="0" kern="1200" baseline="0" dirty="0" smtClean="0">
-                <a:solidFill>
-                  <a:schemeClr val="tx1"/>
-                </a:solidFill>
-                <a:effectLst/>
-                <a:latin typeface="+mn-lt"/>
-                <a:ea typeface="ＭＳ Ｐゴシック" charset="0"/>
-                <a:cs typeface="ＭＳ Ｐゴシック" charset="0"/>
-              </a:rPr>
-              <a:t> - Manage finances.</a:t>
-            </a:r>
-          </a:p>
-          <a:p>
-            <a:r>
-              <a:rPr lang="en-US" sz="1200" b="0" i="0" kern="1200" baseline="0" dirty="0" smtClean="0">
-                <a:solidFill>
-                  <a:schemeClr val="tx1"/>
-                </a:solidFill>
-                <a:effectLst/>
-                <a:latin typeface="+mn-lt"/>
-                <a:ea typeface="ＭＳ Ｐゴシック" charset="0"/>
-                <a:cs typeface="ＭＳ Ｐゴシック" charset="0"/>
-              </a:rPr>
-              <a:t> - Support the coyotes in training.</a:t>
-            </a:r>
-          </a:p>
-          <a:p>
-            <a:r>
-              <a:rPr lang="en-US" sz="1200" b="0" i="0" kern="1200" baseline="0" dirty="0" smtClean="0">
-                <a:solidFill>
-                  <a:schemeClr val="tx1"/>
-                </a:solidFill>
-                <a:effectLst/>
-                <a:latin typeface="+mn-lt"/>
-                <a:ea typeface="ＭＳ Ｐゴシック" charset="0"/>
-                <a:cs typeface="ＭＳ Ｐゴシック" charset="0"/>
-              </a:rPr>
-              <a:t> - Support the individuals and teams that work on roadrunner innovations.</a:t>
-            </a:r>
-          </a:p>
-          <a:p>
-            <a:r>
-              <a:rPr lang="en-US" sz="1200" b="0" i="0" kern="1200" baseline="0" dirty="0" smtClean="0">
-                <a:solidFill>
-                  <a:schemeClr val="tx1"/>
-                </a:solidFill>
-                <a:effectLst/>
-                <a:latin typeface="+mn-lt"/>
-                <a:ea typeface="ＭＳ Ｐゴシック" charset="0"/>
-                <a:cs typeface="ＭＳ Ｐゴシック" charset="0"/>
-              </a:rPr>
-              <a:t> - Support the individuals that manage finances, support the coyotes, and support the innovators.</a:t>
-            </a:r>
-          </a:p>
-          <a:p>
-            <a:r>
-              <a:rPr lang="en-US" sz="1200" b="0" i="0" kern="1200" baseline="0" dirty="0" smtClean="0">
-                <a:solidFill>
-                  <a:schemeClr val="tx1"/>
-                </a:solidFill>
-                <a:effectLst/>
-                <a:latin typeface="+mn-lt"/>
-                <a:ea typeface="ＭＳ Ｐゴシック" charset="0"/>
-                <a:cs typeface="ＭＳ Ｐゴシック" charset="0"/>
-              </a:rPr>
-              <a:t> - Keep records and information about the activities of ACME Incorporated.</a:t>
-            </a:r>
-          </a:p>
-          <a:p>
-            <a:r>
-              <a:rPr lang="en-US" sz="1200" b="0" i="0" kern="1200" baseline="0" dirty="0" smtClean="0">
-                <a:solidFill>
-                  <a:schemeClr val="tx1"/>
-                </a:solidFill>
-                <a:effectLst/>
-                <a:latin typeface="+mn-lt"/>
-                <a:ea typeface="ＭＳ Ｐゴシック" charset="0"/>
-                <a:cs typeface="ＭＳ Ｐゴシック" charset="0"/>
-              </a:rPr>
-              <a:t> - Maintain a physical space for everyone to work (the ACME Incorporated campus).</a:t>
-            </a:r>
-          </a:p>
-          <a:p>
-            <a:r>
-              <a:rPr lang="en-US" sz="1200" b="0" i="0" kern="1200" baseline="0" dirty="0" smtClean="0">
-                <a:solidFill>
-                  <a:schemeClr val="tx1"/>
-                </a:solidFill>
-                <a:effectLst/>
-                <a:latin typeface="+mn-lt"/>
-                <a:ea typeface="ＭＳ Ｐゴシック" charset="0"/>
-                <a:cs typeface="ＭＳ Ｐゴシック" charset="0"/>
-              </a:rPr>
-              <a:t> - Create anvils, magic ‘tunnel’ paint, and other “tools of the trade.”</a:t>
-            </a:r>
-          </a:p>
-          <a:p>
-            <a:r>
-              <a:rPr lang="en-US" sz="1200" b="0" i="0" kern="1200" baseline="0" dirty="0" smtClean="0">
-                <a:solidFill>
-                  <a:schemeClr val="tx1"/>
-                </a:solidFill>
-                <a:effectLst/>
-                <a:latin typeface="+mn-lt"/>
-                <a:ea typeface="ＭＳ Ｐゴシック" charset="0"/>
-                <a:cs typeface="ＭＳ Ｐゴシック" charset="0"/>
-              </a:rPr>
-              <a:t> - Market, advertise, and seek support for the ACME mission.</a:t>
-            </a:r>
-          </a:p>
-          <a:p>
-            <a:r>
-              <a:rPr lang="en-US" sz="1200" b="0" i="0" kern="1200" baseline="0" dirty="0" smtClean="0">
-                <a:solidFill>
-                  <a:schemeClr val="tx1"/>
-                </a:solidFill>
-                <a:effectLst/>
-                <a:latin typeface="+mn-lt"/>
-                <a:ea typeface="ＭＳ Ｐゴシック" charset="0"/>
-                <a:cs typeface="ＭＳ Ｐゴシック" charset="0"/>
-              </a:rPr>
-              <a:t> - Plan how ACME will respond to changes in the world around it.</a:t>
-            </a:r>
-          </a:p>
-          <a:p>
-            <a:r>
-              <a:rPr lang="en-US" sz="1200" b="0" i="0" kern="1200" baseline="0" dirty="0" smtClean="0">
-                <a:solidFill>
-                  <a:schemeClr val="tx1"/>
-                </a:solidFill>
-                <a:effectLst/>
-                <a:latin typeface="+mn-lt"/>
-                <a:ea typeface="ＭＳ Ｐゴシック" charset="0"/>
-                <a:cs typeface="ＭＳ Ｐゴシック" charset="0"/>
-              </a:rPr>
-              <a:t> - Manage / Administer the whole orchestra of individuals that make up ACME.</a:t>
-            </a:r>
-          </a:p>
-          <a:p>
-            <a:r>
-              <a:rPr lang="en-US" sz="1200" b="0" i="0" kern="1200" baseline="0" dirty="0" smtClean="0">
-                <a:solidFill>
-                  <a:schemeClr val="tx1"/>
-                </a:solidFill>
-                <a:effectLst/>
-                <a:latin typeface="+mn-lt"/>
-                <a:ea typeface="ＭＳ Ｐゴシック" charset="0"/>
-                <a:cs typeface="ＭＳ Ｐゴシック" charset="0"/>
-              </a:rPr>
-              <a:t> - NOTE: This list is not complete.</a:t>
-            </a:r>
-          </a:p>
-          <a:p>
-            <a:endParaRPr lang="en-US" sz="1200" b="0" i="0" kern="1200" baseline="0" dirty="0" smtClean="0">
-              <a:solidFill>
-                <a:schemeClr val="tx1"/>
-              </a:solidFill>
-              <a:effectLst/>
-              <a:latin typeface="+mn-lt"/>
-              <a:ea typeface="ＭＳ Ｐゴシック" charset="0"/>
-              <a:cs typeface="ＭＳ Ｐゴシック" charset="0"/>
-            </a:endParaRPr>
-          </a:p>
-          <a:p>
-            <a:r>
-              <a:rPr lang="en-US" sz="1200" b="0" i="0" kern="1200" baseline="0" dirty="0" smtClean="0">
-                <a:solidFill>
-                  <a:schemeClr val="tx1"/>
-                </a:solidFill>
-                <a:effectLst/>
-                <a:latin typeface="+mn-lt"/>
-                <a:ea typeface="ＭＳ Ｐゴシック" charset="0"/>
-                <a:cs typeface="ＭＳ Ｐゴシック" charset="0"/>
-              </a:rPr>
-              <a:t>As ACME is a modern enterprise, business units require technology to fulfill their respective mandates.</a:t>
-            </a:r>
-          </a:p>
-          <a:p>
-            <a:endParaRPr lang="en-US" sz="1200" b="0" i="0" kern="1200" baseline="0" dirty="0" smtClean="0">
-              <a:solidFill>
-                <a:schemeClr val="tx1"/>
-              </a:solidFill>
-              <a:effectLst/>
-              <a:latin typeface="+mn-lt"/>
-              <a:ea typeface="ＭＳ Ｐゴシック" charset="0"/>
-              <a:cs typeface="ＭＳ Ｐゴシック" charset="0"/>
-            </a:endParaRPr>
-          </a:p>
-          <a:p>
-            <a:r>
-              <a:rPr lang="en-US" sz="1200" b="0" i="0" kern="1200" baseline="0" dirty="0" smtClean="0">
-                <a:solidFill>
-                  <a:schemeClr val="tx1"/>
-                </a:solidFill>
-                <a:effectLst/>
-                <a:latin typeface="+mn-lt"/>
-                <a:ea typeface="ＭＳ Ｐゴシック" charset="0"/>
-                <a:cs typeface="ＭＳ Ｐゴシック" charset="0"/>
-              </a:rPr>
-              <a:t>This provides the basis for our story. With this in mind, we will discuss a common challenge experienced by every modern enterprise.</a:t>
-            </a:r>
-          </a:p>
-          <a:p>
-            <a:endParaRPr lang="en-US" sz="1200" b="0" i="0" kern="1200" baseline="0" dirty="0" smtClean="0">
-              <a:solidFill>
-                <a:schemeClr val="tx1"/>
-              </a:solidFill>
-              <a:effectLst/>
-              <a:latin typeface="+mn-lt"/>
-              <a:ea typeface="ＭＳ Ｐゴシック" charset="0"/>
-              <a:cs typeface="ＭＳ Ｐゴシック" charset="0"/>
-            </a:endParaRPr>
-          </a:p>
-          <a:p>
-            <a:r>
-              <a:rPr lang="en-US" sz="1200" b="0" i="0" kern="1200" baseline="0" dirty="0" smtClean="0">
-                <a:solidFill>
-                  <a:schemeClr val="tx1"/>
-                </a:solidFill>
-                <a:effectLst/>
-                <a:latin typeface="+mn-lt"/>
-                <a:ea typeface="ＭＳ Ｐゴシック" charset="0"/>
-                <a:cs typeface="ＭＳ Ｐゴシック" charset="0"/>
-              </a:rPr>
-              <a:t>In an effort to better serve the core missions of the enterprise, business units are constantly on the look out to improve themselves. They want to be efficient and effective to better support the core mission of the enterprise.  To do this, changes to business processes and underlying technology are required.</a:t>
-            </a:r>
-          </a:p>
-          <a:p>
-            <a:endParaRPr lang="en-US" sz="1200" b="0" i="0" kern="1200" baseline="0" dirty="0" smtClean="0">
-              <a:solidFill>
-                <a:schemeClr val="tx1"/>
-              </a:solidFill>
-              <a:effectLst/>
-              <a:latin typeface="+mn-lt"/>
-              <a:ea typeface="ＭＳ Ｐゴシック" charset="0"/>
-              <a:cs typeface="ＭＳ Ｐゴシック" charset="0"/>
-            </a:endParaRPr>
-          </a:p>
-          <a:p>
-            <a:r>
-              <a:rPr lang="en-US" sz="1200" b="0" i="0" kern="1200" baseline="0" dirty="0" smtClean="0">
-                <a:solidFill>
-                  <a:schemeClr val="tx1"/>
-                </a:solidFill>
-                <a:effectLst/>
-                <a:latin typeface="+mn-lt"/>
-                <a:ea typeface="ＭＳ Ｐゴシック" charset="0"/>
-                <a:cs typeface="ＭＳ Ｐゴシック" charset="0"/>
-              </a:rPr>
-              <a:t>A business unit has individuals working with technology the way it works today.  This is the referred to as the ‘current state’.  They have some combination of technologies that support their operations.  Often times other units of the enterprise rely on these technologies for something local to them. Work flows from one business unit to another through some combination of process, people, and technology.  Sometimes that technology is paper and pen.  More often than not, as it is 2015, that technology is some combination of IT systems.</a:t>
-            </a:r>
-          </a:p>
-          <a:p>
-            <a:endParaRPr lang="en-US" sz="1200" b="0" i="0" kern="1200" baseline="0" dirty="0" smtClean="0">
-              <a:solidFill>
-                <a:schemeClr val="tx1"/>
-              </a:solidFill>
-              <a:effectLst/>
-              <a:latin typeface="+mn-lt"/>
-              <a:ea typeface="ＭＳ Ｐゴシック" charset="0"/>
-              <a:cs typeface="ＭＳ Ｐゴシック" charset="0"/>
-            </a:endParaRPr>
-          </a:p>
-          <a:p>
-            <a:r>
-              <a:rPr lang="en-US" sz="1200" b="0" i="0" kern="1200" baseline="0" dirty="0" smtClean="0">
-                <a:solidFill>
-                  <a:schemeClr val="tx1"/>
-                </a:solidFill>
-                <a:effectLst/>
-                <a:latin typeface="+mn-lt"/>
-                <a:ea typeface="ＭＳ Ｐゴシック" charset="0"/>
-                <a:cs typeface="ＭＳ Ｐゴシック" charset="0"/>
-              </a:rPr>
-              <a:t>One day a business unit identifies some problem with their current technology. For this example we will point at the anvil production line in the ACME Academy ‘Anvil Department.’ The Anvil Department has a production management system that keeps track of how many anvils are needed, when they are needed, and how much iron ore is needed to make them.  They realize that the tool they’ve been using for years fails to capture and validate some key information on the way into the production system.  They learned this the hard way after creating and delivering 200 anvils when the requestor only needed 2.  They’ve always known there was a problem with validation but they always cautioned users to be careful.  This one slipped through and, while it seems like a simple fix, the system vendor has moved on to a new version and doesn’t support changing the system they are running on.</a:t>
-            </a:r>
-          </a:p>
-          <a:p>
-            <a:endParaRPr lang="en-US" sz="1200" b="0" i="0" kern="1200" baseline="0" dirty="0" smtClean="0">
-              <a:solidFill>
-                <a:schemeClr val="tx1"/>
-              </a:solidFill>
-              <a:effectLst/>
-              <a:latin typeface="+mn-lt"/>
-              <a:ea typeface="ＭＳ Ｐゴシック" charset="0"/>
-              <a:cs typeface="ＭＳ Ｐゴシック" charset="0"/>
-            </a:endParaRPr>
-          </a:p>
-          <a:p>
-            <a:r>
-              <a:rPr lang="en-US" sz="1200" b="0" i="0" kern="1200" baseline="0" dirty="0" smtClean="0">
-                <a:solidFill>
-                  <a:schemeClr val="tx1"/>
-                </a:solidFill>
-                <a:effectLst/>
-                <a:latin typeface="+mn-lt"/>
-                <a:ea typeface="ＭＳ Ｐゴシック" charset="0"/>
-                <a:cs typeface="ＭＳ Ｐゴシック" charset="0"/>
-              </a:rPr>
-              <a:t>ACME Anvil has a decision to make. How do they fix the problem? As the problem is with the old production management system, they immediate think “let’s buy a new one.”  ACME’s anvil department then sets off on a journey to buy a new production management system. They issue an RFP that describes what their old system does with a special focus on that pesky capture and validation problem– they know their requirements “we need our old system plus these features.”</a:t>
-            </a:r>
-          </a:p>
-          <a:p>
-            <a:endParaRPr lang="en-US" sz="1200" b="0" i="0" kern="1200" baseline="0" dirty="0" smtClean="0">
-              <a:solidFill>
-                <a:schemeClr val="tx1"/>
-              </a:solidFill>
-              <a:effectLst/>
-              <a:latin typeface="+mn-lt"/>
-              <a:ea typeface="ＭＳ Ｐゴシック" charset="0"/>
-              <a:cs typeface="ＭＳ Ｐゴシック" charset="0"/>
-            </a:endParaRPr>
-          </a:p>
-          <a:p>
-            <a:r>
-              <a:rPr lang="en-US" sz="1200" b="0" i="0" kern="1200" baseline="0" dirty="0" smtClean="0">
-                <a:solidFill>
-                  <a:schemeClr val="tx1"/>
-                </a:solidFill>
-                <a:effectLst/>
-                <a:latin typeface="+mn-lt"/>
-                <a:ea typeface="ＭＳ Ｐゴシック" charset="0"/>
-                <a:cs typeface="ＭＳ Ｐゴシック" charset="0"/>
-              </a:rPr>
-              <a:t>When responses come in ACME is faced with a first question:  Cloud or On-Premise.  They decide on Cloud because it seems easy.  It won’t require them to worry about the ACME IT department (which always seems to be a bottleneck).  They can sign on the dotted line and get a new production management system.  They’ve made a decision to start a transition– they have an ‘intermediate state’ defined.</a:t>
-            </a:r>
-          </a:p>
-          <a:p>
-            <a:endParaRPr lang="en-US" sz="1200" b="0" i="0" kern="1200" baseline="0" dirty="0" smtClean="0">
-              <a:solidFill>
-                <a:schemeClr val="tx1"/>
-              </a:solidFill>
-              <a:effectLst/>
-              <a:latin typeface="+mn-lt"/>
-              <a:ea typeface="ＭＳ Ｐゴシック" charset="0"/>
-              <a:cs typeface="ＭＳ Ｐゴシック" charset="0"/>
-            </a:endParaRPr>
-          </a:p>
-          <a:p>
-            <a:r>
-              <a:rPr lang="en-US" sz="1200" b="0" i="0" kern="1200" baseline="0" dirty="0" smtClean="0">
-                <a:solidFill>
-                  <a:schemeClr val="tx1"/>
-                </a:solidFill>
-                <a:effectLst/>
-                <a:latin typeface="+mn-lt"/>
-                <a:ea typeface="ＭＳ Ｐゴシック" charset="0"/>
-                <a:cs typeface="ＭＳ Ｐゴシック" charset="0"/>
-              </a:rPr>
-              <a:t>Then implementation starts.  As this is a cloud solution it is up and running quickly. They get a login screen, create some accounts, and they are off to the races.  Anvils are being produced and there will never be a mistake again. Champagne for all!</a:t>
-            </a:r>
-          </a:p>
-          <a:p>
-            <a:endParaRPr lang="en-US" sz="1200" b="0" i="0" kern="1200" baseline="0" dirty="0" smtClean="0">
-              <a:solidFill>
-                <a:schemeClr val="tx1"/>
-              </a:solidFill>
-              <a:effectLst/>
-              <a:latin typeface="+mn-lt"/>
-              <a:ea typeface="ＭＳ Ｐゴシック" charset="0"/>
-              <a:cs typeface="ＭＳ Ｐゴシック" charset="0"/>
-            </a:endParaRPr>
-          </a:p>
-          <a:p>
-            <a:r>
-              <a:rPr lang="en-US" sz="1200" b="0" i="0" kern="1200" baseline="0" dirty="0" smtClean="0">
-                <a:solidFill>
-                  <a:schemeClr val="tx1"/>
-                </a:solidFill>
-                <a:effectLst/>
-                <a:latin typeface="+mn-lt"/>
-                <a:ea typeface="ＭＳ Ｐゴシック" charset="0"/>
-                <a:cs typeface="ＭＳ Ｐゴシック" charset="0"/>
-              </a:rPr>
-              <a:t>Three weeks go by when the anvil department receives their first phone call. The ACME finance department is phoning asking why the anvil department hasn’t validated their monthly expenses in the Finance system. After some digging they realize there was an old process in the old system that ran a report and put the output of the on a network share.  The people involved thought the new system dealt with that so they didn’t mention it.  Turns out that old report does not exist in the new system. They scrape the bottom of their budget (running a little over) and contract the cloud provider to make the report for them.  Close call but all is resolved.  Back to anvil production.</a:t>
-            </a:r>
-          </a:p>
-          <a:p>
-            <a:endParaRPr lang="en-US" sz="1200" b="0" i="0" kern="1200" baseline="0" dirty="0" smtClean="0">
-              <a:solidFill>
-                <a:schemeClr val="tx1"/>
-              </a:solidFill>
-              <a:effectLst/>
-              <a:latin typeface="+mn-lt"/>
-              <a:ea typeface="ＭＳ Ｐゴシック" charset="0"/>
-              <a:cs typeface="ＭＳ Ｐゴシック" charset="0"/>
-            </a:endParaRPr>
-          </a:p>
-          <a:p>
-            <a:r>
-              <a:rPr lang="en-US" sz="1200" b="0" i="0" kern="1200" baseline="0" dirty="0" smtClean="0">
-                <a:solidFill>
-                  <a:schemeClr val="tx1"/>
-                </a:solidFill>
-                <a:effectLst/>
-                <a:latin typeface="+mn-lt"/>
-                <a:ea typeface="ＭＳ Ｐゴシック" charset="0"/>
-                <a:cs typeface="ＭＳ Ｐゴシック" charset="0"/>
-              </a:rPr>
-              <a:t>Then another couple weeks go by and they receive a call from the ACME police saying a former employee had been stopped with a car full of anvils.  They look at the production management system and realize that person had been asking for anvils to be made for weeks.  The anvil department phones HR to ask why they weren’t notified of this person’s departure.  The HR department tells them they don’t notify everyone, they update the central authentication system.  A couple more phone calls and the anvil department realizes they need IT to help configure the central authentication system for use in their cloud solution.  Luckily the protocol is supported by the cloud solution so anvil schedules some ‘emergency’ work with the ACME IT department.</a:t>
-            </a:r>
-          </a:p>
-          <a:p>
-            <a:endParaRPr lang="en-US" sz="1200" b="0" i="0" kern="1200" baseline="0" dirty="0" smtClean="0">
-              <a:solidFill>
-                <a:schemeClr val="tx1"/>
-              </a:solidFill>
-              <a:effectLst/>
-              <a:latin typeface="+mn-lt"/>
-              <a:ea typeface="ＭＳ Ｐゴシック" charset="0"/>
-              <a:cs typeface="ＭＳ Ｐゴシック" charset="0"/>
-            </a:endParaRPr>
-          </a:p>
-          <a:p>
-            <a:r>
-              <a:rPr lang="en-US" sz="1200" b="0" i="0" kern="1200" baseline="0" dirty="0" smtClean="0">
-                <a:solidFill>
-                  <a:schemeClr val="tx1"/>
-                </a:solidFill>
-                <a:effectLst/>
-                <a:latin typeface="+mn-lt"/>
-                <a:ea typeface="ＭＳ Ｐゴシック" charset="0"/>
-                <a:cs typeface="ＭＳ Ｐゴシック" charset="0"/>
-              </a:rPr>
-              <a:t>Next there is a phone call from someone in the innovation department.  They say they’ve figured out a brilliant new alloy for the anvils and they’d like to start asking for alloy anvils instead of iron.  The anvil department looks at the tool and realizes there is no way to set ‘alloy’ as an option.  They tell the requestor to just use the ‘notes’ field in the submission form.  When they start looking through the production management system they realize that they can only track ordering of iron ore anvils.  To track the alloy instead, they need to manually read all requests and see if they want alloy and order the alloy separate from the iron ore.</a:t>
-            </a:r>
-          </a:p>
-          <a:p>
-            <a:endParaRPr lang="en-US" sz="1200" b="0" i="0" kern="1200" baseline="0" dirty="0" smtClean="0">
-              <a:solidFill>
-                <a:schemeClr val="tx1"/>
-              </a:solidFill>
-              <a:effectLst/>
-              <a:latin typeface="+mn-lt"/>
-              <a:ea typeface="ＭＳ Ｐゴシック" charset="0"/>
-              <a:cs typeface="ＭＳ Ｐゴシック" charset="0"/>
-            </a:endParaRPr>
-          </a:p>
-          <a:p>
-            <a:r>
-              <a:rPr lang="en-US" sz="1200" b="0" i="0" kern="1200" baseline="0" dirty="0" smtClean="0">
-                <a:solidFill>
-                  <a:schemeClr val="tx1"/>
-                </a:solidFill>
-                <a:effectLst/>
-                <a:latin typeface="+mn-lt"/>
-                <a:ea typeface="ＭＳ Ｐゴシック" charset="0"/>
-                <a:cs typeface="ＭＳ Ｐゴシック" charset="0"/>
-              </a:rPr>
-              <a:t>Next the HR department calls. The auditors have reviewed the enterprise operations and ACME has had major problems with anvil related injuries. They ask the anvil department to initiate a training program to keep people from receiving anvils without the necessary training.  They realize that their system does not support this and, so, they have to go shopping for a new safety training system.  They pay a new vendor and the original cloud vendor to build a nice slick integrated anvil production management system with safety interlocks.</a:t>
-            </a:r>
-          </a:p>
-          <a:p>
-            <a:endParaRPr lang="en-US" sz="1200" b="0" i="0" kern="1200" baseline="0" dirty="0" smtClean="0">
-              <a:solidFill>
-                <a:schemeClr val="tx1"/>
-              </a:solidFill>
-              <a:effectLst/>
-              <a:latin typeface="+mn-lt"/>
-              <a:ea typeface="ＭＳ Ｐゴシック" charset="0"/>
-              <a:cs typeface="ＭＳ Ｐゴシック" charset="0"/>
-            </a:endParaRPr>
-          </a:p>
-          <a:p>
-            <a:r>
-              <a:rPr lang="en-US" sz="1200" b="0" i="0" kern="1200" baseline="0" dirty="0" smtClean="0">
-                <a:solidFill>
-                  <a:schemeClr val="tx1"/>
-                </a:solidFill>
-                <a:effectLst/>
-                <a:latin typeface="+mn-lt"/>
-                <a:ea typeface="ＭＳ Ｐゴシック" charset="0"/>
-                <a:cs typeface="ＭＳ Ｐゴシック" charset="0"/>
-              </a:rPr>
-              <a:t>Everything was good… for a time.</a:t>
-            </a:r>
-          </a:p>
-          <a:p>
-            <a:endParaRPr lang="en-US" sz="1200" b="0" i="0" kern="1200" baseline="0" dirty="0" smtClean="0">
-              <a:solidFill>
-                <a:schemeClr val="tx1"/>
-              </a:solidFill>
-              <a:effectLst/>
-              <a:latin typeface="+mn-lt"/>
-              <a:ea typeface="ＭＳ Ｐゴシック" charset="0"/>
-              <a:cs typeface="ＭＳ Ｐゴシック" charset="0"/>
-            </a:endParaRPr>
-          </a:p>
-          <a:p>
-            <a:r>
-              <a:rPr lang="en-US" sz="1200" b="0" i="0" kern="1200" baseline="0" dirty="0" smtClean="0">
-                <a:solidFill>
-                  <a:schemeClr val="tx1"/>
-                </a:solidFill>
-                <a:effectLst/>
-                <a:latin typeface="+mn-lt"/>
-                <a:ea typeface="ＭＳ Ｐゴシック" charset="0"/>
-                <a:cs typeface="ＭＳ Ｐゴシック" charset="0"/>
-              </a:rPr>
-              <a:t>Then the finance department called again.  They’ve got a new system coming.  The anvil department is told it will need to find money in its budget to upgrade the custom integration with the old system to support the new system.</a:t>
-            </a:r>
-          </a:p>
-          <a:p>
-            <a:endParaRPr lang="en-US" sz="1200" b="0" i="0" kern="1200" baseline="0" dirty="0" smtClean="0">
-              <a:solidFill>
-                <a:schemeClr val="tx1"/>
-              </a:solidFill>
-              <a:effectLst/>
-              <a:latin typeface="+mn-lt"/>
-              <a:ea typeface="ＭＳ Ｐゴシック" charset="0"/>
-              <a:cs typeface="ＭＳ Ｐゴシック" charset="0"/>
-            </a:endParaRPr>
-          </a:p>
-          <a:p>
-            <a:r>
-              <a:rPr lang="en-US" sz="1200" b="0" i="0" kern="1200" baseline="0" dirty="0" smtClean="0">
-                <a:solidFill>
-                  <a:schemeClr val="tx1"/>
-                </a:solidFill>
-                <a:effectLst/>
-                <a:latin typeface="+mn-lt"/>
-                <a:ea typeface="ＭＳ Ｐゴシック" charset="0"/>
-                <a:cs typeface="ＭＳ Ｐゴシック" charset="0"/>
-              </a:rPr>
-              <a:t>Not long after that, the HR department is calling again.  They’ve got a new system coming too.  They will need the anvil department to update their training system and integration to support the new system.</a:t>
-            </a:r>
-          </a:p>
-          <a:p>
-            <a:endParaRPr lang="en-US" sz="1200" b="0" i="0" kern="1200" baseline="0" dirty="0" smtClean="0">
-              <a:solidFill>
-                <a:schemeClr val="tx1"/>
-              </a:solidFill>
-              <a:effectLst/>
-              <a:latin typeface="+mn-lt"/>
-              <a:ea typeface="ＭＳ Ｐゴシック" charset="0"/>
-              <a:cs typeface="ＭＳ Ｐゴシック" charset="0"/>
-            </a:endParaRPr>
-          </a:p>
-          <a:p>
-            <a:r>
-              <a:rPr lang="en-US" sz="1200" b="0" i="0" kern="1200" baseline="0" dirty="0" smtClean="0">
-                <a:solidFill>
-                  <a:schemeClr val="tx1"/>
-                </a:solidFill>
-                <a:effectLst/>
-                <a:latin typeface="+mn-lt"/>
-                <a:ea typeface="ＭＳ Ｐゴシック" charset="0"/>
-                <a:cs typeface="ＭＳ Ｐゴシック" charset="0"/>
-              </a:rPr>
-              <a:t>No sooner than the HR department has hung up, the ACME police calling again.  There is another person with anvils that should not have them.  They discover an order number with the anvils that they trace back to a person named ‘</a:t>
-            </a:r>
-            <a:r>
-              <a:rPr lang="en-US" sz="1200" b="0" i="0" kern="1200" baseline="0" dirty="0" err="1" smtClean="0">
-                <a:solidFill>
-                  <a:schemeClr val="tx1"/>
-                </a:solidFill>
-                <a:effectLst/>
-                <a:latin typeface="+mn-lt"/>
-                <a:ea typeface="ＭＳ Ｐゴシック" charset="0"/>
-                <a:cs typeface="ＭＳ Ｐゴシック" charset="0"/>
-              </a:rPr>
-              <a:t>closetsystem</a:t>
-            </a:r>
-            <a:r>
-              <a:rPr lang="en-US" sz="1200" b="0" i="0" kern="1200" baseline="0" dirty="0" smtClean="0">
-                <a:solidFill>
-                  <a:schemeClr val="tx1"/>
-                </a:solidFill>
-                <a:effectLst/>
-                <a:latin typeface="+mn-lt"/>
-                <a:ea typeface="ＭＳ Ｐゴシック" charset="0"/>
-                <a:cs typeface="ＭＳ Ｐゴシック" charset="0"/>
-              </a:rPr>
-              <a:t>.’  They determine that one of employees in the innovation department has ‘innovated’ around a problem– they’ve built an automatic system locally that orders anvils based on a camera taking pictures of a storage closet.</a:t>
-            </a:r>
-          </a:p>
-          <a:p>
-            <a:endParaRPr lang="en-US" sz="1200" b="0" i="0" kern="1200" baseline="0" dirty="0" smtClean="0">
-              <a:solidFill>
-                <a:schemeClr val="tx1"/>
-              </a:solidFill>
-              <a:effectLst/>
-              <a:latin typeface="+mn-lt"/>
-              <a:ea typeface="ＭＳ Ｐゴシック" charset="0"/>
-              <a:cs typeface="ＭＳ Ｐゴシック" charset="0"/>
-            </a:endParaRPr>
-          </a:p>
-          <a:p>
-            <a:endParaRPr lang="en-US" dirty="0"/>
+              <a:t>building secure environments.</a:t>
+            </a:r>
           </a:p>
         </p:txBody>
       </p:sp>
@@ -7540,7 +7081,7 @@
               <a:pPr>
                 <a:defRPr/>
               </a:pPr>
-              <a:t>8</a:t>
+              <a:t>29</a:t>
             </a:fld>
             <a:endParaRPr lang="en-US"/>
           </a:p>
@@ -7549,7 +7090,7 @@
     </p:spTree>
     <p:extLst>
       <p:ext uri="{BB962C8B-B14F-4D97-AF65-F5344CB8AC3E}">
-        <p14:creationId xmlns:p14="http://schemas.microsoft.com/office/powerpoint/2010/main" val="4239418155"/>
+        <p14:creationId xmlns:p14="http://schemas.microsoft.com/office/powerpoint/2010/main" val="2075702350"/>
       </p:ext>
     </p:extLst>
   </p:cSld>
@@ -7559,7 +7100,7 @@
 </p:notes>
 </file>
 
-<file path=ppt/notesSlides/notesSlide3.xml><?xml version="1.0" encoding="utf-8"?>
+<file path=ppt/notesSlides/notesSlide11.xml><?xml version="1.0" encoding="utf-8"?>
 <p:notes xmlns:a="http://schemas.openxmlformats.org/drawingml/2006/main" xmlns:r="http://schemas.openxmlformats.org/officeDocument/2006/relationships" xmlns:p="http://schemas.openxmlformats.org/presentationml/2006/main">
   <p:cSld>
     <p:spTree>
@@ -7603,263 +7144,6 @@
           <a:bodyPr/>
           <a:lstStyle/>
           <a:p>
-            <a:r>
-              <a:rPr lang="en-US" dirty="0" smtClean="0"/>
-              <a:t>Gartner(http://</a:t>
-            </a:r>
-            <a:r>
-              <a:rPr lang="en-US" dirty="0" err="1" smtClean="0"/>
-              <a:t>www.gartner.com</a:t>
-            </a:r>
-            <a:r>
-              <a:rPr lang="en-US" dirty="0" smtClean="0"/>
-              <a:t>/it-glossary/enterprise-architecture-</a:t>
-            </a:r>
-            <a:r>
-              <a:rPr lang="en-US" dirty="0" err="1" smtClean="0"/>
-              <a:t>ea</a:t>
-            </a:r>
-            <a:r>
-              <a:rPr lang="en-US" dirty="0" smtClean="0"/>
-              <a:t>/):</a:t>
-            </a:r>
-            <a:r>
-              <a:rPr lang="en-US" baseline="0" dirty="0" smtClean="0"/>
-              <a:t> </a:t>
-            </a:r>
-            <a:r>
-              <a:rPr lang="en-US" sz="1200" b="1" kern="1200" dirty="0" smtClean="0">
-                <a:solidFill>
-                  <a:schemeClr val="tx1"/>
-                </a:solidFill>
-                <a:latin typeface="+mn-lt"/>
-                <a:ea typeface="ＭＳ Ｐゴシック" charset="0"/>
-                <a:cs typeface="ＭＳ Ｐゴシック" charset="0"/>
-              </a:rPr>
-              <a:t>Enterprise architecture (EA)</a:t>
-            </a:r>
-            <a:r>
-              <a:rPr lang="en-US" sz="1200" b="0" kern="1200" dirty="0" smtClean="0">
-                <a:solidFill>
-                  <a:schemeClr val="tx1"/>
-                </a:solidFill>
-                <a:latin typeface="+mn-lt"/>
-                <a:ea typeface="ＭＳ Ｐゴシック" charset="0"/>
-                <a:cs typeface="ＭＳ Ｐゴシック" charset="0"/>
-              </a:rPr>
-              <a:t> is a discipline for proactively and holistically leading enterprise responses to disruptive forces by identifying and analyzing the execution of change toward desired business vision and outcomes. EA delivers value by presenting business and IT leaders with signature-ready recommendations for adjusting policies and projects to achieve target business outcomes that capitalize on relevant business disruptions.</a:t>
-            </a:r>
-          </a:p>
-          <a:p>
-            <a:endParaRPr lang="en-US" sz="1200" b="0" kern="1200" dirty="0" smtClean="0">
-              <a:solidFill>
-                <a:schemeClr val="tx1"/>
-              </a:solidFill>
-              <a:latin typeface="+mn-lt"/>
-              <a:ea typeface="ＭＳ Ｐゴシック" charset="0"/>
-              <a:cs typeface="ＭＳ Ｐゴシック" charset="0"/>
-            </a:endParaRPr>
-          </a:p>
-          <a:p>
-            <a:r>
-              <a:rPr lang="en-US" sz="1200" b="0" kern="1200" dirty="0" smtClean="0">
-                <a:solidFill>
-                  <a:schemeClr val="tx1"/>
-                </a:solidFill>
-                <a:latin typeface="+mn-lt"/>
-                <a:ea typeface="ＭＳ Ｐゴシック" charset="0"/>
-                <a:cs typeface="ＭＳ Ｐゴシック" charset="0"/>
-              </a:rPr>
-              <a:t>Wikipedia(https://</a:t>
-            </a:r>
-            <a:r>
-              <a:rPr lang="en-US" sz="1200" b="0" kern="1200" dirty="0" err="1" smtClean="0">
-                <a:solidFill>
-                  <a:schemeClr val="tx1"/>
-                </a:solidFill>
-                <a:latin typeface="+mn-lt"/>
-                <a:ea typeface="ＭＳ Ｐゴシック" charset="0"/>
-                <a:cs typeface="ＭＳ Ｐゴシック" charset="0"/>
-              </a:rPr>
-              <a:t>en.wikipedia.org</a:t>
-            </a:r>
-            <a:r>
-              <a:rPr lang="en-US" sz="1200" b="0" kern="1200" dirty="0" smtClean="0">
-                <a:solidFill>
-                  <a:schemeClr val="tx1"/>
-                </a:solidFill>
-                <a:latin typeface="+mn-lt"/>
-                <a:ea typeface="ＭＳ Ｐゴシック" charset="0"/>
-                <a:cs typeface="ＭＳ Ｐゴシック" charset="0"/>
-              </a:rPr>
-              <a:t>/wiki/</a:t>
-            </a:r>
-            <a:r>
-              <a:rPr lang="en-US" sz="1200" b="0" kern="1200" dirty="0" err="1" smtClean="0">
-                <a:solidFill>
-                  <a:schemeClr val="tx1"/>
-                </a:solidFill>
-                <a:latin typeface="+mn-lt"/>
-                <a:ea typeface="ＭＳ Ｐゴシック" charset="0"/>
-                <a:cs typeface="ＭＳ Ｐゴシック" charset="0"/>
-              </a:rPr>
-              <a:t>Enterprise_architecture</a:t>
-            </a:r>
-            <a:r>
-              <a:rPr lang="en-US" sz="1200" b="0" kern="1200" dirty="0" smtClean="0">
-                <a:solidFill>
-                  <a:schemeClr val="tx1"/>
-                </a:solidFill>
-                <a:latin typeface="+mn-lt"/>
-                <a:ea typeface="ＭＳ Ｐゴシック" charset="0"/>
-                <a:cs typeface="ＭＳ Ｐゴシック" charset="0"/>
-              </a:rPr>
-              <a:t>):</a:t>
-            </a:r>
-            <a:r>
-              <a:rPr lang="en-US" sz="1200" b="0" kern="1200" baseline="0" dirty="0" smtClean="0">
-                <a:solidFill>
-                  <a:schemeClr val="tx1"/>
-                </a:solidFill>
-                <a:latin typeface="+mn-lt"/>
-                <a:ea typeface="ＭＳ Ｐゴシック" charset="0"/>
-                <a:cs typeface="ＭＳ Ｐゴシック" charset="0"/>
-              </a:rPr>
-              <a:t> </a:t>
-            </a:r>
-            <a:r>
-              <a:rPr lang="en-US" sz="1200" b="1" kern="1200" dirty="0" smtClean="0">
-                <a:solidFill>
-                  <a:schemeClr val="tx1"/>
-                </a:solidFill>
-                <a:latin typeface="+mn-lt"/>
-                <a:ea typeface="ＭＳ Ｐゴシック" charset="0"/>
-                <a:cs typeface="ＭＳ Ｐゴシック" charset="0"/>
-              </a:rPr>
-              <a:t>Enterprise architecture</a:t>
-            </a:r>
-            <a:r>
-              <a:rPr lang="en-US" sz="1200" b="0" kern="1200" dirty="0" smtClean="0">
-                <a:solidFill>
-                  <a:schemeClr val="tx1"/>
-                </a:solidFill>
-                <a:latin typeface="+mn-lt"/>
-                <a:ea typeface="ＭＳ Ｐゴシック" charset="0"/>
-                <a:cs typeface="ＭＳ Ｐゴシック" charset="0"/>
-              </a:rPr>
-              <a:t> (</a:t>
-            </a:r>
-            <a:r>
-              <a:rPr lang="en-US" sz="1200" b="1" kern="1200" dirty="0" smtClean="0">
-                <a:solidFill>
-                  <a:schemeClr val="tx1"/>
-                </a:solidFill>
-                <a:latin typeface="+mn-lt"/>
-                <a:ea typeface="ＭＳ Ｐゴシック" charset="0"/>
-                <a:cs typeface="ＭＳ Ｐゴシック" charset="0"/>
-              </a:rPr>
-              <a:t>EA</a:t>
-            </a:r>
-            <a:r>
-              <a:rPr lang="en-US" sz="1200" b="0" kern="1200" dirty="0" smtClean="0">
-                <a:solidFill>
-                  <a:schemeClr val="tx1"/>
-                </a:solidFill>
-                <a:latin typeface="+mn-lt"/>
-                <a:ea typeface="ＭＳ Ｐゴシック" charset="0"/>
-                <a:cs typeface="ＭＳ Ｐゴシック" charset="0"/>
-              </a:rPr>
-              <a:t>) is "a well-defined practice for conducting enterprise analysis, design, planning, and implementation, using a holistic approach at all times, for the successful development and execution of strategy. Enterprise architecture applies architecture principles and practices to guide organizations through the business, information, process, and technology changes necessary to execute their strategies. These practices utilize the various aspects of an enterprise to identify, motivate, and achieve these changes.".</a:t>
-            </a:r>
-            <a:r>
-              <a:rPr lang="en-US" sz="1200" b="0" kern="1200" baseline="30000" dirty="0" smtClean="0">
-                <a:solidFill>
-                  <a:schemeClr val="tx1"/>
-                </a:solidFill>
-                <a:latin typeface="+mn-lt"/>
-                <a:ea typeface="ＭＳ Ｐゴシック" charset="0"/>
-                <a:cs typeface="ＭＳ Ｐゴシック" charset="0"/>
-                <a:hlinkClick r:id="rId3"/>
-              </a:rPr>
-              <a:t>[1]</a:t>
-            </a:r>
-            <a:endParaRPr lang="en-US" sz="1200" b="0" kern="1200" baseline="0" dirty="0" smtClean="0">
-              <a:solidFill>
-                <a:schemeClr val="tx1"/>
-              </a:solidFill>
-              <a:latin typeface="+mn-lt"/>
-              <a:ea typeface="ＭＳ Ｐゴシック" charset="0"/>
-              <a:cs typeface="ＭＳ Ｐゴシック" charset="0"/>
-            </a:endParaRPr>
-          </a:p>
-          <a:p>
-            <a:r>
-              <a:rPr lang="en-US" sz="1200" b="0" kern="1200" baseline="0" dirty="0" smtClean="0">
-                <a:solidFill>
-                  <a:schemeClr val="tx1"/>
-                </a:solidFill>
-                <a:latin typeface="+mn-lt"/>
-                <a:ea typeface="ＭＳ Ｐゴシック" charset="0"/>
-                <a:cs typeface="ＭＳ Ｐゴシック" charset="0"/>
-              </a:rPr>
-              <a:t>    =&gt; BASED ON:  Federation of Enterprise Architecture Professional Organizations: FEAPO - http://</a:t>
-            </a:r>
-            <a:r>
-              <a:rPr lang="en-US" sz="1200" b="0" kern="1200" baseline="0" dirty="0" err="1" smtClean="0">
-                <a:solidFill>
-                  <a:schemeClr val="tx1"/>
-                </a:solidFill>
-                <a:latin typeface="+mn-lt"/>
-                <a:ea typeface="ＭＳ Ｐゴシック" charset="0"/>
-                <a:cs typeface="ＭＳ Ｐゴシック" charset="0"/>
-              </a:rPr>
-              <a:t>feapo.org</a:t>
-            </a:r>
-            <a:r>
-              <a:rPr lang="en-US" sz="1200" b="0" kern="1200" baseline="0" dirty="0" smtClean="0">
-                <a:solidFill>
-                  <a:schemeClr val="tx1"/>
-                </a:solidFill>
-                <a:latin typeface="+mn-lt"/>
-                <a:ea typeface="ＭＳ Ｐゴシック" charset="0"/>
-                <a:cs typeface="ＭＳ Ｐゴシック" charset="0"/>
-              </a:rPr>
-              <a:t>/</a:t>
-            </a:r>
-            <a:r>
-              <a:rPr lang="en-US" sz="1200" b="0" kern="1200" baseline="0" dirty="0" err="1" smtClean="0">
-                <a:solidFill>
-                  <a:schemeClr val="tx1"/>
-                </a:solidFill>
-                <a:latin typeface="+mn-lt"/>
-                <a:ea typeface="ＭＳ Ｐゴシック" charset="0"/>
-                <a:cs typeface="ＭＳ Ｐゴシック" charset="0"/>
-              </a:rPr>
-              <a:t>wp</a:t>
-            </a:r>
-            <a:r>
-              <a:rPr lang="en-US" sz="1200" b="0" kern="1200" baseline="0" dirty="0" smtClean="0">
-                <a:solidFill>
-                  <a:schemeClr val="tx1"/>
-                </a:solidFill>
-                <a:latin typeface="+mn-lt"/>
-                <a:ea typeface="ＭＳ Ｐゴシック" charset="0"/>
-                <a:cs typeface="ＭＳ Ｐゴシック" charset="0"/>
-              </a:rPr>
-              <a:t>-content/uploads/2013/11/Common-Perspectives-on-Enterprise-Architecture-v15.pdf</a:t>
-            </a:r>
-          </a:p>
-          <a:p>
-            <a:endParaRPr lang="en-US" sz="1200" b="0" kern="1200" baseline="0" dirty="0" smtClean="0">
-              <a:solidFill>
-                <a:schemeClr val="tx1"/>
-              </a:solidFill>
-              <a:latin typeface="+mn-lt"/>
-              <a:ea typeface="ＭＳ Ｐゴシック" charset="0"/>
-              <a:cs typeface="ＭＳ Ｐゴシック" charset="0"/>
-            </a:endParaRPr>
-          </a:p>
-          <a:p>
             <a:pPr marL="0" marR="0" indent="0" algn="l" defTabSz="457200" rtl="0" eaLnBrk="0" fontAlgn="base" latinLnBrk="0" hangingPunct="0">
               <a:lnSpc>
                 <a:spcPct val="100000"/>
@@ -7878,162 +7162,18 @@
               <a:defRPr/>
             </a:pPr>
             <a:r>
-              <a:rPr lang="en-US" sz="1200" b="0" kern="1200" baseline="0" dirty="0" smtClean="0">
-                <a:solidFill>
-                  <a:schemeClr val="tx1"/>
-                </a:solidFill>
-                <a:latin typeface="+mn-lt"/>
-                <a:ea typeface="ＭＳ Ｐゴシック" charset="0"/>
-                <a:cs typeface="ＭＳ Ｐゴシック" charset="0"/>
+              <a:rPr lang="en-US" sz="1200" b="1" dirty="0" smtClean="0">
+                <a:latin typeface="Calibri" panose="020F0502020204030204" pitchFamily="34" charset="0"/>
               </a:rPr>
-              <a:t>IST-EA’s 3-year plan(): </a:t>
-            </a:r>
-            <a:r>
-              <a:rPr lang="en-CA" sz="1200" b="1" kern="1200" dirty="0" smtClean="0">
-                <a:solidFill>
-                  <a:schemeClr val="tx1"/>
-                </a:solidFill>
-                <a:effectLst/>
-                <a:latin typeface="+mn-lt"/>
-                <a:ea typeface="ＭＳ Ｐゴシック" charset="0"/>
-                <a:cs typeface="ＭＳ Ｐゴシック" charset="0"/>
+              <a:t>Governance</a:t>
+            </a:r>
+            <a:r>
+              <a:rPr lang="en-US" sz="1200" baseline="0" dirty="0" smtClean="0">
+                <a:latin typeface="Calibri" panose="020F0502020204030204" pitchFamily="34" charset="0"/>
               </a:rPr>
-              <a:t>Enterprise Architecture (EA)</a:t>
-            </a:r>
-            <a:r>
-              <a:rPr lang="en-CA" sz="1200" kern="1200" dirty="0" smtClean="0">
-                <a:solidFill>
-                  <a:schemeClr val="tx1"/>
-                </a:solidFill>
-                <a:effectLst/>
-                <a:latin typeface="+mn-lt"/>
-                <a:ea typeface="ＭＳ Ｐゴシック" charset="0"/>
-                <a:cs typeface="ＭＳ Ｐゴシック" charset="0"/>
-              </a:rPr>
-              <a:t> is the overall representation of an enterprise’s business and information technology.  EA plays a key role in formulating and implementing the strategic plans of an enterprise.  It provides architectural principles, standards and guidelines to inform the procurement, development and deployment of an integrated technology ecosystem. The ultimate goal of EA is to meet the business needs within the enterprise in an </a:t>
-            </a:r>
-            <a:r>
-              <a:rPr lang="en-US" sz="1200" kern="1200" dirty="0" smtClean="0">
-                <a:solidFill>
-                  <a:schemeClr val="tx1"/>
-                </a:solidFill>
-                <a:effectLst/>
-                <a:latin typeface="+mn-lt"/>
-                <a:ea typeface="ＭＳ Ｐゴシック" charset="0"/>
-                <a:cs typeface="ＭＳ Ｐゴシック" charset="0"/>
-              </a:rPr>
-              <a:t>efficient, sustainable, agile and adaptable manner</a:t>
-            </a:r>
-            <a:r>
-              <a:rPr lang="en-CA" sz="1200" kern="1200" dirty="0" smtClean="0">
-                <a:solidFill>
-                  <a:schemeClr val="tx1"/>
-                </a:solidFill>
-                <a:effectLst/>
-                <a:latin typeface="+mn-lt"/>
-                <a:ea typeface="ＭＳ Ｐゴシック" charset="0"/>
-                <a:cs typeface="ＭＳ Ｐゴシック" charset="0"/>
-              </a:rPr>
-              <a:t>. </a:t>
-            </a:r>
-          </a:p>
-          <a:p>
-            <a:endParaRPr lang="en-US" sz="1200" b="0" kern="1200" baseline="30000" dirty="0" smtClean="0">
-              <a:solidFill>
-                <a:schemeClr val="tx1"/>
-              </a:solidFill>
-              <a:latin typeface="+mn-lt"/>
-              <a:ea typeface="ＭＳ Ｐゴシック" charset="0"/>
-              <a:cs typeface="ＭＳ Ｐゴシック" charset="0"/>
-            </a:endParaRPr>
-          </a:p>
-        </p:txBody>
-      </p:sp>
-      <p:sp>
-        <p:nvSpPr>
-          <p:cNvPr id="4" name="Slide Number Placeholder 3"/>
-          <p:cNvSpPr>
-            <a:spLocks noGrp="1"/>
-          </p:cNvSpPr>
-          <p:nvPr>
-            <p:ph type="sldNum" sz="quarter" idx="10"/>
-          </p:nvPr>
-        </p:nvSpPr>
-        <p:spPr/>
-        <p:txBody>
-          <a:bodyPr/>
-          <a:lstStyle/>
-          <a:p>
-            <a:pPr>
-              <a:defRPr/>
-            </a:pPr>
-            <a:fld id="{2243CCA8-BAFD-7144-8E02-BD9119658895}" type="slidenum">
-              <a:rPr lang="en-US" smtClean="0"/>
-              <a:pPr>
-                <a:defRPr/>
-              </a:pPr>
-              <a:t>16</a:t>
-            </a:fld>
-            <a:endParaRPr lang="en-US"/>
-          </a:p>
-        </p:txBody>
-      </p:sp>
-    </p:spTree>
-    <p:extLst>
-      <p:ext uri="{BB962C8B-B14F-4D97-AF65-F5344CB8AC3E}">
-        <p14:creationId xmlns:p14="http://schemas.microsoft.com/office/powerpoint/2010/main" val="527736154"/>
-      </p:ext>
-    </p:extLst>
-  </p:cSld>
-  <p:clrMapOvr>
-    <a:masterClrMapping/>
-  </p:clrMapOvr>
-</p:notes>
-</file>
-
-<file path=ppt/notesSlides/notesSlide4.xml><?xml version="1.0" encoding="utf-8"?>
-<p:notes xmlns:a="http://schemas.openxmlformats.org/drawingml/2006/main" xmlns:r="http://schemas.openxmlformats.org/officeDocument/2006/relationships" xmlns:p="http://schemas.openxmlformats.org/presentationml/2006/main">
-  <p:cSld>
-    <p:spTree>
-      <p:nvGrpSpPr>
-        <p:cNvPr id="1" name=""/>
-        <p:cNvGrpSpPr/>
-        <p:nvPr/>
-      </p:nvGrpSpPr>
-      <p:grpSpPr>
-        <a:xfrm>
-          <a:off x="0" y="0"/>
-          <a:ext cx="0" cy="0"/>
-          <a:chOff x="0" y="0"/>
-          <a:chExt cx="0" cy="0"/>
-        </a:xfrm>
-      </p:grpSpPr>
-      <p:sp>
-        <p:nvSpPr>
-          <p:cNvPr id="2" name="Slide Image Placeholder 1"/>
-          <p:cNvSpPr>
-            <a:spLocks noGrp="1" noRot="1" noChangeAspect="1"/>
-          </p:cNvSpPr>
-          <p:nvPr>
-            <p:ph type="sldImg"/>
-          </p:nvPr>
-        </p:nvSpPr>
-        <p:spPr/>
-      </p:sp>
-      <p:sp>
-        <p:nvSpPr>
-          <p:cNvPr id="3" name="Notes Placeholder 2"/>
-          <p:cNvSpPr>
-            <a:spLocks noGrp="1"/>
-          </p:cNvSpPr>
-          <p:nvPr>
-            <p:ph type="body" idx="1"/>
-          </p:nvPr>
-        </p:nvSpPr>
-        <p:spPr/>
-        <p:txBody>
-          <a:bodyPr/>
-          <a:lstStyle/>
+              <a:t> unpacks to be:</a:t>
+            </a:r>
+          </a:p>
           <a:p>
             <a:pPr marL="0" marR="0" indent="0" algn="l" defTabSz="457200" rtl="0" eaLnBrk="0" fontAlgn="base" latinLnBrk="0" hangingPunct="0">
               <a:lnSpc>
@@ -8052,168 +7192,113 @@
               <a:tabLst/>
               <a:defRPr/>
             </a:pPr>
-            <a:r>
-              <a:rPr lang="en-CA" sz="1200" kern="1200" dirty="0" smtClean="0">
+            <a:endParaRPr lang="en-US" sz="1200" baseline="0" dirty="0" smtClean="0">
+              <a:latin typeface="Calibri" panose="020F0502020204030204" pitchFamily="34" charset="0"/>
+            </a:endParaRPr>
+          </a:p>
+          <a:p>
+            <a:r>
+              <a:rPr lang="en-US" sz="1200" baseline="0" dirty="0" smtClean="0">
+                <a:latin typeface="Calibri" panose="020F0502020204030204" pitchFamily="34" charset="0"/>
+              </a:rPr>
+              <a:t> - </a:t>
+            </a:r>
+            <a:r>
+              <a:rPr lang="en-US" sz="1200" b="1" i="0" dirty="0" smtClean="0">
                 <a:solidFill>
-                  <a:schemeClr val="tx1"/>
+                  <a:srgbClr val="000099"/>
                 </a:solidFill>
-                <a:effectLst/>
-                <a:latin typeface="+mn-lt"/>
-                <a:ea typeface="ＭＳ Ｐゴシック" charset="0"/>
-                <a:cs typeface="ＭＳ Ｐゴシック" charset="0"/>
+                <a:latin typeface="Calibri" panose="020F0502020204030204" pitchFamily="34" charset="0"/>
               </a:rPr>
-              <a:t>Whitehouse (https://</a:t>
-            </a:r>
-            <a:r>
-              <a:rPr lang="en-CA" sz="1200" kern="1200" dirty="0" err="1" smtClean="0">
+              <a:t>Integration Architecture:</a:t>
+            </a:r>
+            <a:r>
+              <a:rPr lang="en-US" sz="1200" b="1" i="0" baseline="0" dirty="0" smtClean="0">
                 <a:solidFill>
-                  <a:schemeClr val="tx1"/>
+                  <a:srgbClr val="000099"/>
                 </a:solidFill>
-                <a:effectLst/>
-                <a:latin typeface="+mn-lt"/>
-                <a:ea typeface="ＭＳ Ｐゴシック" charset="0"/>
-                <a:cs typeface="ＭＳ Ｐゴシック" charset="0"/>
-              </a:rPr>
-              <a:t>www.whitehouse.gov</a:t>
-            </a:r>
-            <a:r>
-              <a:rPr lang="en-CA" sz="1200" kern="1200" dirty="0" smtClean="0">
-                <a:solidFill>
-                  <a:schemeClr val="tx1"/>
-                </a:solidFill>
-                <a:effectLst/>
-                <a:latin typeface="+mn-lt"/>
-                <a:ea typeface="ＭＳ Ｐゴシック" charset="0"/>
-                <a:cs typeface="ＭＳ Ｐゴシック" charset="0"/>
-              </a:rPr>
-              <a:t>/sites/default/files/</a:t>
-            </a:r>
-            <a:r>
-              <a:rPr lang="en-CA" sz="1200" kern="1200" dirty="0" err="1" smtClean="0">
-                <a:solidFill>
-                  <a:schemeClr val="tx1"/>
-                </a:solidFill>
-                <a:effectLst/>
-                <a:latin typeface="+mn-lt"/>
-                <a:ea typeface="ＭＳ Ｐゴシック" charset="0"/>
-                <a:cs typeface="ＭＳ Ｐゴシック" charset="0"/>
-              </a:rPr>
-              <a:t>omb</a:t>
-            </a:r>
-            <a:r>
-              <a:rPr lang="en-CA" sz="1200" kern="1200" dirty="0" smtClean="0">
-                <a:solidFill>
-                  <a:schemeClr val="tx1"/>
-                </a:solidFill>
-                <a:effectLst/>
-                <a:latin typeface="+mn-lt"/>
-                <a:ea typeface="ＭＳ Ｐゴシック" charset="0"/>
-                <a:cs typeface="ＭＳ Ｐゴシック" charset="0"/>
-              </a:rPr>
-              <a:t>/assets/</a:t>
-            </a:r>
-            <a:r>
-              <a:rPr lang="en-CA" sz="1200" kern="1200" dirty="0" err="1" smtClean="0">
-                <a:solidFill>
-                  <a:schemeClr val="tx1"/>
-                </a:solidFill>
-                <a:effectLst/>
-                <a:latin typeface="+mn-lt"/>
-                <a:ea typeface="ＭＳ Ｐゴシック" charset="0"/>
-                <a:cs typeface="ＭＳ Ｐゴシック" charset="0"/>
-              </a:rPr>
-              <a:t>egov_docs</a:t>
-            </a:r>
-            <a:r>
-              <a:rPr lang="en-CA" sz="1200" kern="1200" dirty="0" smtClean="0">
-                <a:solidFill>
-                  <a:schemeClr val="tx1"/>
-                </a:solidFill>
-                <a:effectLst/>
-                <a:latin typeface="+mn-lt"/>
-                <a:ea typeface="ＭＳ Ｐゴシック" charset="0"/>
-                <a:cs typeface="ＭＳ Ｐゴシック" charset="0"/>
-              </a:rPr>
-              <a:t>/</a:t>
-            </a:r>
-            <a:r>
-              <a:rPr lang="en-CA" sz="1200" kern="1200" dirty="0" err="1" smtClean="0">
-                <a:solidFill>
-                  <a:schemeClr val="tx1"/>
-                </a:solidFill>
-                <a:effectLst/>
-                <a:latin typeface="+mn-lt"/>
-                <a:ea typeface="ＭＳ Ｐゴシック" charset="0"/>
-                <a:cs typeface="ＭＳ Ｐゴシック" charset="0"/>
-              </a:rPr>
-              <a:t>common_approach_to_federal_ea.pdf</a:t>
-            </a:r>
-            <a:r>
-              <a:rPr lang="en-CA" sz="1200" kern="1200" dirty="0" smtClean="0">
-                <a:solidFill>
-                  <a:schemeClr val="tx1"/>
-                </a:solidFill>
-                <a:effectLst/>
-                <a:latin typeface="+mn-lt"/>
-                <a:ea typeface="ＭＳ Ｐゴシック" charset="0"/>
-                <a:cs typeface="ＭＳ Ｐゴシック" charset="0"/>
-              </a:rPr>
-              <a:t>)</a:t>
-            </a:r>
-            <a:r>
-              <a:rPr lang="en-CA" sz="1200" b="1" kern="1200" dirty="0" smtClean="0">
-                <a:solidFill>
-                  <a:schemeClr val="tx1"/>
-                </a:solidFill>
-                <a:effectLst/>
-                <a:latin typeface="+mn-lt"/>
-                <a:ea typeface="ＭＳ Ｐゴシック" charset="0"/>
-                <a:cs typeface="ＭＳ Ｐゴシック" charset="0"/>
-              </a:rPr>
-              <a:t>:</a:t>
-            </a:r>
-            <a:r>
-              <a:rPr lang="en-CA" sz="1200" b="1" kern="1200" baseline="0" dirty="0" smtClean="0">
-                <a:solidFill>
-                  <a:schemeClr val="tx1"/>
-                </a:solidFill>
-                <a:effectLst/>
-                <a:latin typeface="+mn-lt"/>
-                <a:ea typeface="ＭＳ Ｐゴシック" charset="0"/>
-                <a:cs typeface="ＭＳ Ｐゴシック" charset="0"/>
+                <a:latin typeface="Calibri" panose="020F0502020204030204" pitchFamily="34" charset="0"/>
               </a:rPr>
               <a:t> </a:t>
             </a:r>
             <a:r>
-              <a:rPr lang="en-US" sz="1200" b="1" kern="1200" dirty="0" smtClean="0">
+              <a:rPr lang="en-US" sz="1200" dirty="0" smtClean="0">
+                <a:latin typeface="Calibri" panose="020F0502020204030204" pitchFamily="34" charset="0"/>
+              </a:rPr>
+              <a:t>A business-centric integration architecture approach that provides the necessary standards and guidelines to connect disparate data, processes, systems, services, expertise, and knowledge together to drive business towards achieving its goals.</a:t>
+            </a:r>
+          </a:p>
+          <a:p>
+            <a:endParaRPr lang="en-US" sz="1200" dirty="0" smtClean="0">
+              <a:latin typeface="Calibri" panose="020F0502020204030204" pitchFamily="34" charset="0"/>
+            </a:endParaRPr>
+          </a:p>
+          <a:p>
+            <a:r>
+              <a:rPr lang="en-US" sz="1200" dirty="0" smtClean="0">
+                <a:latin typeface="Calibri" panose="020F0502020204030204" pitchFamily="34" charset="0"/>
+              </a:rPr>
+              <a:t> - </a:t>
+            </a:r>
+            <a:r>
+              <a:rPr lang="en-US" sz="1200" b="1" i="0" dirty="0" smtClean="0">
                 <a:solidFill>
-                  <a:schemeClr val="tx1"/>
+                  <a:srgbClr val="000099"/>
                 </a:solidFill>
-                <a:latin typeface="+mn-lt"/>
-                <a:ea typeface="ＭＳ Ｐゴシック" charset="0"/>
-                <a:cs typeface="ＭＳ Ｐゴシック" charset="0"/>
+                <a:latin typeface="Calibri" panose="020F0502020204030204" pitchFamily="34" charset="0"/>
               </a:rPr>
-              <a:t>Enterprise Architecture </a:t>
-            </a:r>
-            <a:r>
-              <a:rPr lang="en-US" sz="1200" kern="1200" dirty="0" smtClean="0">
+              <a:t>Performance Architecture:</a:t>
+            </a:r>
+            <a:r>
+              <a:rPr lang="en-US" sz="1200" b="1" i="0" baseline="0" dirty="0" smtClean="0">
                 <a:solidFill>
-                  <a:schemeClr val="tx1"/>
+                  <a:srgbClr val="000099"/>
                 </a:solidFill>
-                <a:latin typeface="+mn-lt"/>
-                <a:ea typeface="ＭＳ Ｐゴシック" charset="0"/>
-                <a:cs typeface="ＭＳ Ｐゴシック" charset="0"/>
+                <a:latin typeface="Calibri" panose="020F0502020204030204" pitchFamily="34" charset="0"/>
               </a:rPr>
-              <a:t>means a strategic information asset base, which defines the mission; the information necessary to perform the mission, the technologies necessary to perform the mission, and the transitional processes for implementing new technologies in response to changing mission needs; and includes a baseline architecture, a target architecture, and a sequencing plan.</a:t>
-            </a:r>
-            <a:endParaRPr lang="en-US" sz="1200" b="0" kern="1200" baseline="30000" dirty="0" smtClean="0">
-              <a:solidFill>
-                <a:schemeClr val="tx1"/>
-              </a:solidFill>
-              <a:latin typeface="+mn-lt"/>
-              <a:ea typeface="ＭＳ Ｐゴシック" charset="0"/>
-              <a:cs typeface="ＭＳ Ｐゴシック" charset="0"/>
+              <a:t> </a:t>
+            </a:r>
+            <a:r>
+              <a:rPr lang="en-US" sz="1200" dirty="0" smtClean="0">
+                <a:latin typeface="Calibri" panose="020F0502020204030204" pitchFamily="34" charset="0"/>
+              </a:rPr>
+              <a:t>Performance architecture is the mean to evaluate the progress of the enterprise strategic goals and objectives. It defines metrics and measures to evaluate business and IT processes and their outcome and captures systems’ quality attributes such as usability, reliability, scalability, interoperability, and maintainability. </a:t>
+            </a:r>
+          </a:p>
+          <a:p>
+            <a:endParaRPr lang="en-US" sz="1200" dirty="0" smtClean="0">
+              <a:latin typeface="Calibri" panose="020F0502020204030204" pitchFamily="34" charset="0"/>
             </a:endParaRPr>
+          </a:p>
+          <a:p>
+            <a:pPr marL="171450" indent="-171450">
+              <a:buFontTx/>
+              <a:buChar char="-"/>
+            </a:pPr>
+            <a:r>
+              <a:rPr lang="en-US" sz="1200" b="1" i="0" dirty="0" smtClean="0">
+                <a:solidFill>
+                  <a:srgbClr val="000099"/>
+                </a:solidFill>
+                <a:latin typeface="Calibri" panose="020F0502020204030204" pitchFamily="34" charset="0"/>
+              </a:rPr>
+              <a:t>Architecture Principles:</a:t>
+            </a:r>
+            <a:r>
+              <a:rPr lang="en-US" sz="1200" b="1" i="0" baseline="0" dirty="0" smtClean="0">
+                <a:solidFill>
+                  <a:srgbClr val="000099"/>
+                </a:solidFill>
+                <a:latin typeface="Calibri" panose="020F0502020204030204" pitchFamily="34" charset="0"/>
+              </a:rPr>
+              <a:t> </a:t>
+            </a:r>
+            <a:r>
+              <a:rPr lang="en-US" sz="1200" dirty="0" smtClean="0">
+                <a:latin typeface="Calibri" panose="020F0502020204030204" pitchFamily="34" charset="0"/>
+              </a:rPr>
+              <a:t>Guide IT decision-making and activities and form the foundation of the University IT architecture standards, and guidelines.</a:t>
+            </a:r>
           </a:p>
         </p:txBody>
       </p:sp>
@@ -8240,7 +7325,7 @@
               <a:pPr>
                 <a:defRPr/>
               </a:pPr>
-              <a:t>17</a:t>
+              <a:t>33</a:t>
             </a:fld>
             <a:endParaRPr lang="en-US"/>
           </a:p>
@@ -8249,7 +7334,7 @@
     </p:spTree>
     <p:extLst>
       <p:ext uri="{BB962C8B-B14F-4D97-AF65-F5344CB8AC3E}">
-        <p14:creationId xmlns:p14="http://schemas.microsoft.com/office/powerpoint/2010/main" val="527736154"/>
+        <p14:creationId xmlns:p14="http://schemas.microsoft.com/office/powerpoint/2010/main" val="478217381"/>
       </p:ext>
     </p:extLst>
   </p:cSld>
@@ -8259,7 +7344,7 @@
 </p:notes>
 </file>
 
-<file path=ppt/notesSlides/notesSlide5.xml><?xml version="1.0" encoding="utf-8"?>
+<file path=ppt/notesSlides/notesSlide12.xml><?xml version="1.0" encoding="utf-8"?>
 <p:notes xmlns:a="http://schemas.openxmlformats.org/drawingml/2006/main" xmlns:r="http://schemas.openxmlformats.org/officeDocument/2006/relationships" xmlns:p="http://schemas.openxmlformats.org/presentationml/2006/main">
   <p:cSld>
     <p:spTree>
@@ -8297,15 +7382,15 @@
             <a:tailEnd/>
           </a:ln>
           <a:extLst>
+            <a:ext uri="{FAA26D3D-D897-4be2-8F04-BA451C77F1D7}">
+              <ma14:placeholderFlag xmlns:ma14="http://schemas.microsoft.com/office/mac/drawingml/2011/main" val="1"/>
+            </a:ext>
             <a:ext uri="{909E8E84-426E-40dd-AFC4-6F175D3DCCD1}">
-              <a14:hiddenFill xmlns:a14="http://schemas.microsoft.com/office/drawing/2010/main">
+              <a14:hiddenFill xmlns:a14="http://schemas.microsoft.com/office/drawing/2010/main" xmlns="">
                 <a:solidFill>
                   <a:srgbClr val="FFFFFF"/>
                 </a:solidFill>
               </a14:hiddenFill>
-            </a:ext>
-            <a:ext uri="{FAA26D3D-D897-4be2-8F04-BA451C77F1D7}">
-              <ma14:placeholderFlag xmlns:ma14="http://schemas.microsoft.com/office/mac/drawingml/2011/main" val="1"/>
             </a:ext>
           </a:extLst>
         </p:spPr>
@@ -8323,14 +7408,14 @@
         <p:spPr bwMode="auto">
           <a:extLst>
             <a:ext uri="{909E8E84-426E-40dd-AFC4-6F175D3DCCD1}">
-              <a14:hiddenFill xmlns:a14="http://schemas.microsoft.com/office/drawing/2010/main">
+              <a14:hiddenFill xmlns:a14="http://schemas.microsoft.com/office/drawing/2010/main" xmlns="">
                 <a:solidFill>
                   <a:srgbClr val="FFFFFF"/>
                 </a:solidFill>
               </a14:hiddenFill>
             </a:ext>
             <a:ext uri="{91240B29-F687-4f45-9708-019B960494DF}">
-              <a14:hiddenLine xmlns:a14="http://schemas.microsoft.com/office/drawing/2010/main" w="9525">
+              <a14:hiddenLine xmlns:a14="http://schemas.microsoft.com/office/drawing/2010/main" xmlns="" w="9525">
                 <a:solidFill>
                   <a:srgbClr val="000000"/>
                 </a:solidFill>
@@ -8423,14 +7508,14 @@
           <a:noFill/>
           <a:extLst>
             <a:ext uri="{909E8E84-426E-40dd-AFC4-6F175D3DCCD1}">
-              <a14:hiddenFill xmlns:a14="http://schemas.microsoft.com/office/drawing/2010/main">
+              <a14:hiddenFill xmlns:a14="http://schemas.microsoft.com/office/drawing/2010/main" xmlns="">
                 <a:solidFill>
                   <a:srgbClr val="FFFFFF"/>
                 </a:solidFill>
               </a14:hiddenFill>
             </a:ext>
             <a:ext uri="{91240B29-F687-4f45-9708-019B960494DF}">
-              <a14:hiddenLine xmlns:a14="http://schemas.microsoft.com/office/drawing/2010/main" w="9525">
+              <a14:hiddenLine xmlns:a14="http://schemas.microsoft.com/office/drawing/2010/main" xmlns="" w="9525">
                 <a:solidFill>
                   <a:srgbClr val="000000"/>
                 </a:solidFill>
@@ -8574,7 +7659,7 @@
                   <a:spcPct val="0"/>
                 </a:spcAft>
               </a:pPr>
-              <a:t>23</a:t>
+              <a:t>39</a:t>
             </a:fld>
             <a:endParaRPr lang="en-US" sz="1200"/>
           </a:p>
@@ -8584,6 +7669,3323 @@
     <p:extLst>
       <p:ext uri="{BB962C8B-B14F-4D97-AF65-F5344CB8AC3E}">
         <p14:creationId xmlns:p14="http://schemas.microsoft.com/office/powerpoint/2010/main" val="364430543"/>
+      </p:ext>
+    </p:extLst>
+  </p:cSld>
+  <p:clrMapOvr>
+    <a:masterClrMapping/>
+  </p:clrMapOvr>
+</p:notes>
+</file>
+
+<file path=ppt/notesSlides/notesSlide2.xml><?xml version="1.0" encoding="utf-8"?>
+<p:notes xmlns:a="http://schemas.openxmlformats.org/drawingml/2006/main" xmlns:r="http://schemas.openxmlformats.org/officeDocument/2006/relationships" xmlns:p="http://schemas.openxmlformats.org/presentationml/2006/main">
+  <p:cSld>
+    <p:spTree>
+      <p:nvGrpSpPr>
+        <p:cNvPr id="1" name=""/>
+        <p:cNvGrpSpPr/>
+        <p:nvPr/>
+      </p:nvGrpSpPr>
+      <p:grpSpPr>
+        <a:xfrm>
+          <a:off x="0" y="0"/>
+          <a:ext cx="0" cy="0"/>
+          <a:chOff x="0" y="0"/>
+          <a:chExt cx="0" cy="0"/>
+        </a:xfrm>
+      </p:grpSpPr>
+      <p:sp>
+        <p:nvSpPr>
+          <p:cNvPr id="2" name="Slide Image Placeholder 1"/>
+          <p:cNvSpPr>
+            <a:spLocks noGrp="1" noRot="1" noChangeAspect="1"/>
+          </p:cNvSpPr>
+          <p:nvPr>
+            <p:ph type="sldImg"/>
+          </p:nvPr>
+        </p:nvSpPr>
+        <p:spPr/>
+      </p:sp>
+      <p:sp>
+        <p:nvSpPr>
+          <p:cNvPr id="3" name="Notes Placeholder 2"/>
+          <p:cNvSpPr>
+            <a:spLocks noGrp="1"/>
+          </p:cNvSpPr>
+          <p:nvPr>
+            <p:ph type="body" idx="1"/>
+          </p:nvPr>
+        </p:nvSpPr>
+        <p:spPr/>
+        <p:txBody>
+          <a:bodyPr/>
+          <a:lstStyle/>
+          <a:p>
+            <a:r>
+              <a:rPr lang="en-US" dirty="0" smtClean="0"/>
+              <a:t>We want</a:t>
+            </a:r>
+            <a:r>
+              <a:rPr lang="en-US" baseline="0" dirty="0" smtClean="0"/>
+              <a:t> to begin by introducing Enterprise Architecture through a </a:t>
+            </a:r>
+            <a:r>
+              <a:rPr lang="en-US" baseline="0" dirty="0" err="1" smtClean="0"/>
+              <a:t>strawdog</a:t>
+            </a:r>
+            <a:r>
+              <a:rPr lang="en-US" baseline="0" dirty="0" smtClean="0"/>
+              <a:t> story. The ideas and problems introduced in this story are meant to be representative of the problems an enterprise faces when widespread change is occurring simultaneously across multiple areas of the business. </a:t>
+            </a:r>
+          </a:p>
+          <a:p>
+            <a:endParaRPr lang="en-US" sz="1200" b="1" i="0" kern="1200" baseline="0" dirty="0" smtClean="0">
+              <a:solidFill>
+                <a:schemeClr val="tx1"/>
+              </a:solidFill>
+              <a:effectLst/>
+              <a:latin typeface="+mn-lt"/>
+              <a:ea typeface="ＭＳ Ｐゴシック" charset="0"/>
+              <a:cs typeface="ＭＳ Ｐゴシック" charset="0"/>
+            </a:endParaRPr>
+          </a:p>
+          <a:p>
+            <a:r>
+              <a:rPr lang="en-US" sz="1200" b="1" i="0" kern="1200" baseline="0" dirty="0" smtClean="0">
+                <a:solidFill>
+                  <a:schemeClr val="tx1"/>
+                </a:solidFill>
+                <a:effectLst/>
+                <a:latin typeface="+mn-lt"/>
+                <a:ea typeface="ＭＳ Ｐゴシック" charset="0"/>
+                <a:cs typeface="ＭＳ Ｐゴシック" charset="0"/>
+              </a:rPr>
+              <a:t>DISCLAIMER: </a:t>
+            </a:r>
+            <a:r>
+              <a:rPr lang="en-US" sz="1200" b="1" i="0" kern="1200" dirty="0" smtClean="0">
+                <a:solidFill>
+                  <a:schemeClr val="tx1"/>
+                </a:solidFill>
+                <a:effectLst/>
+                <a:latin typeface="+mn-lt"/>
+                <a:ea typeface="ＭＳ Ｐゴシック" charset="0"/>
+                <a:cs typeface="ＭＳ Ｐゴシック" charset="0"/>
+              </a:rPr>
+              <a:t>All characters appearing in this work are fictitious. Any resemblance to real persons, living or dead, is purely coincidental.</a:t>
+            </a:r>
+          </a:p>
+          <a:p>
+            <a:endParaRPr lang="en-US" sz="1200" b="1" i="0" kern="1200" dirty="0" smtClean="0">
+              <a:solidFill>
+                <a:schemeClr val="tx1"/>
+              </a:solidFill>
+              <a:effectLst/>
+              <a:latin typeface="+mn-lt"/>
+              <a:ea typeface="ＭＳ Ｐゴシック" charset="0"/>
+              <a:cs typeface="ＭＳ Ｐゴシック" charset="0"/>
+            </a:endParaRPr>
+          </a:p>
+          <a:p>
+            <a:r>
+              <a:rPr lang="en-US" sz="1200" b="0" i="0" kern="1200" dirty="0" smtClean="0">
+                <a:solidFill>
+                  <a:schemeClr val="tx1"/>
+                </a:solidFill>
+                <a:effectLst/>
+                <a:latin typeface="+mn-lt"/>
+                <a:ea typeface="ＭＳ Ｐゴシック" charset="0"/>
+                <a:cs typeface="ＭＳ Ｐゴシック" charset="0"/>
+              </a:rPr>
+              <a:t>Let’s start with an</a:t>
+            </a:r>
+            <a:r>
+              <a:rPr lang="en-US" sz="1200" b="0" i="0" kern="1200" baseline="0" dirty="0" smtClean="0">
+                <a:solidFill>
+                  <a:schemeClr val="tx1"/>
+                </a:solidFill>
+                <a:effectLst/>
+                <a:latin typeface="+mn-lt"/>
+                <a:ea typeface="ＭＳ Ｐゴシック" charset="0"/>
+                <a:cs typeface="ＭＳ Ｐゴシック" charset="0"/>
+              </a:rPr>
+              <a:t> enterprise called ACME Academy. ACME has been operating for a number of years and has two core missions: training coyotes and developing innovative roadrunner counter measures. To fulfill these missions, ACME maintains a number business units that support their core missions.</a:t>
+            </a:r>
+          </a:p>
+          <a:p>
+            <a:endParaRPr lang="en-US" sz="1200" b="0" i="0" kern="1200" baseline="0" dirty="0" smtClean="0">
+              <a:solidFill>
+                <a:schemeClr val="tx1"/>
+              </a:solidFill>
+              <a:effectLst/>
+              <a:latin typeface="+mn-lt"/>
+              <a:ea typeface="ＭＳ Ｐゴシック" charset="0"/>
+              <a:cs typeface="ＭＳ Ｐゴシック" charset="0"/>
+            </a:endParaRPr>
+          </a:p>
+          <a:p>
+            <a:r>
+              <a:rPr lang="en-US" sz="1200" b="0" i="0" kern="1200" baseline="0" dirty="0" smtClean="0">
+                <a:solidFill>
+                  <a:schemeClr val="tx1"/>
+                </a:solidFill>
+                <a:effectLst/>
+                <a:latin typeface="+mn-lt"/>
+                <a:ea typeface="ＭＳ Ｐゴシック" charset="0"/>
+                <a:cs typeface="ＭＳ Ｐゴシック" charset="0"/>
+              </a:rPr>
+              <a:t>To fulfill their core missions, ACME must:</a:t>
+            </a:r>
+          </a:p>
+          <a:p>
+            <a:endParaRPr lang="en-US" sz="1200" b="0" i="0" kern="1200" baseline="0" dirty="0" smtClean="0">
+              <a:solidFill>
+                <a:schemeClr val="tx1"/>
+              </a:solidFill>
+              <a:effectLst/>
+              <a:latin typeface="+mn-lt"/>
+              <a:ea typeface="ＭＳ Ｐゴシック" charset="0"/>
+              <a:cs typeface="ＭＳ Ｐゴシック" charset="0"/>
+            </a:endParaRPr>
+          </a:p>
+          <a:p>
+            <a:r>
+              <a:rPr lang="en-US" sz="1200" b="0" i="0" kern="1200" baseline="0" dirty="0" smtClean="0">
+                <a:solidFill>
+                  <a:schemeClr val="tx1"/>
+                </a:solidFill>
+                <a:effectLst/>
+                <a:latin typeface="+mn-lt"/>
+                <a:ea typeface="ＭＳ Ｐゴシック" charset="0"/>
+                <a:cs typeface="ＭＳ Ｐゴシック" charset="0"/>
+              </a:rPr>
+              <a:t> - Find high quality coyotes and convince them to train with ACME.</a:t>
+            </a:r>
+          </a:p>
+          <a:p>
+            <a:r>
+              <a:rPr lang="en-US" sz="1200" b="0" i="0" kern="1200" baseline="0" dirty="0" smtClean="0">
+                <a:solidFill>
+                  <a:schemeClr val="tx1"/>
+                </a:solidFill>
+                <a:effectLst/>
+                <a:latin typeface="+mn-lt"/>
+                <a:ea typeface="ＭＳ Ｐゴシック" charset="0"/>
+                <a:cs typeface="ＭＳ Ｐゴシック" charset="0"/>
+              </a:rPr>
+              <a:t>    - Deliver top-notch training facilities and services to keep coyotes at ACME.</a:t>
+            </a:r>
+          </a:p>
+          <a:p>
+            <a:endParaRPr lang="en-US" sz="1200" b="0" i="0" kern="1200" baseline="0" dirty="0" smtClean="0">
+              <a:solidFill>
+                <a:schemeClr val="tx1"/>
+              </a:solidFill>
+              <a:effectLst/>
+              <a:latin typeface="+mn-lt"/>
+              <a:ea typeface="ＭＳ Ｐゴシック" charset="0"/>
+              <a:cs typeface="ＭＳ Ｐゴシック" charset="0"/>
+            </a:endParaRPr>
+          </a:p>
+          <a:p>
+            <a:r>
+              <a:rPr lang="en-US" sz="1200" b="0" i="0" kern="1200" baseline="0" dirty="0" smtClean="0">
+                <a:solidFill>
+                  <a:schemeClr val="tx1"/>
+                </a:solidFill>
+                <a:effectLst/>
+                <a:latin typeface="+mn-lt"/>
+                <a:ea typeface="ＭＳ Ｐゴシック" charset="0"/>
+                <a:cs typeface="ＭＳ Ｐゴシック" charset="0"/>
+              </a:rPr>
+              <a:t> - Find the best and the brightest roadrunner specialists and convince them to join ACME’s cause.</a:t>
+            </a:r>
+          </a:p>
+          <a:p>
+            <a:r>
+              <a:rPr lang="en-US" sz="1200" b="0" i="0" kern="1200" baseline="0" dirty="0" smtClean="0">
+                <a:solidFill>
+                  <a:schemeClr val="tx1"/>
+                </a:solidFill>
+                <a:effectLst/>
+                <a:latin typeface="+mn-lt"/>
+                <a:ea typeface="ＭＳ Ｐゴシック" charset="0"/>
+                <a:cs typeface="ＭＳ Ｐゴシック" charset="0"/>
+              </a:rPr>
+              <a:t>    - Provide a series of support services and facilities to allow these specialists to focus on their work.</a:t>
+            </a:r>
+          </a:p>
+          <a:p>
+            <a:endParaRPr lang="en-US" sz="1200" b="0" i="0" kern="1200" baseline="0" dirty="0" smtClean="0">
+              <a:solidFill>
+                <a:schemeClr val="tx1"/>
+              </a:solidFill>
+              <a:effectLst/>
+              <a:latin typeface="+mn-lt"/>
+              <a:ea typeface="ＭＳ Ｐゴシック" charset="0"/>
+              <a:cs typeface="ＭＳ Ｐゴシック" charset="0"/>
+            </a:endParaRPr>
+          </a:p>
+          <a:p>
+            <a:r>
+              <a:rPr lang="en-US" sz="1200" b="0" i="0" kern="1200" baseline="0" dirty="0" smtClean="0">
+                <a:solidFill>
+                  <a:schemeClr val="tx1"/>
+                </a:solidFill>
+                <a:effectLst/>
+                <a:latin typeface="+mn-lt"/>
+                <a:ea typeface="ＭＳ Ｐゴシック" charset="0"/>
+                <a:cs typeface="ＭＳ Ｐゴシック" charset="0"/>
+              </a:rPr>
+              <a:t>In support of these core missions, ACME must maintain or acquire business units to:</a:t>
+            </a:r>
+          </a:p>
+          <a:p>
+            <a:r>
+              <a:rPr lang="en-US" sz="1200" b="0" i="0" kern="1200" baseline="0" dirty="0" smtClean="0">
+                <a:solidFill>
+                  <a:schemeClr val="tx1"/>
+                </a:solidFill>
+                <a:effectLst/>
+                <a:latin typeface="+mn-lt"/>
+                <a:ea typeface="ＭＳ Ｐゴシック" charset="0"/>
+                <a:cs typeface="ＭＳ Ｐゴシック" charset="0"/>
+              </a:rPr>
+              <a:t> - Manage finances.</a:t>
+            </a:r>
+          </a:p>
+          <a:p>
+            <a:r>
+              <a:rPr lang="en-US" sz="1200" b="0" i="0" kern="1200" baseline="0" dirty="0" smtClean="0">
+                <a:solidFill>
+                  <a:schemeClr val="tx1"/>
+                </a:solidFill>
+                <a:effectLst/>
+                <a:latin typeface="+mn-lt"/>
+                <a:ea typeface="ＭＳ Ｐゴシック" charset="0"/>
+                <a:cs typeface="ＭＳ Ｐゴシック" charset="0"/>
+              </a:rPr>
+              <a:t> - Support the coyotes in training.</a:t>
+            </a:r>
+          </a:p>
+          <a:p>
+            <a:r>
+              <a:rPr lang="en-US" sz="1200" b="0" i="0" kern="1200" baseline="0" dirty="0" smtClean="0">
+                <a:solidFill>
+                  <a:schemeClr val="tx1"/>
+                </a:solidFill>
+                <a:effectLst/>
+                <a:latin typeface="+mn-lt"/>
+                <a:ea typeface="ＭＳ Ｐゴシック" charset="0"/>
+                <a:cs typeface="ＭＳ Ｐゴシック" charset="0"/>
+              </a:rPr>
+              <a:t> - Support the individuals and teams that work on roadrunner innovations.</a:t>
+            </a:r>
+          </a:p>
+          <a:p>
+            <a:r>
+              <a:rPr lang="en-US" sz="1200" b="0" i="0" kern="1200" baseline="0" dirty="0" smtClean="0">
+                <a:solidFill>
+                  <a:schemeClr val="tx1"/>
+                </a:solidFill>
+                <a:effectLst/>
+                <a:latin typeface="+mn-lt"/>
+                <a:ea typeface="ＭＳ Ｐゴシック" charset="0"/>
+                <a:cs typeface="ＭＳ Ｐゴシック" charset="0"/>
+              </a:rPr>
+              <a:t> - Support the individuals that manage finances, support the coyotes, and support the innovators.</a:t>
+            </a:r>
+          </a:p>
+          <a:p>
+            <a:r>
+              <a:rPr lang="en-US" sz="1200" b="0" i="0" kern="1200" baseline="0" dirty="0" smtClean="0">
+                <a:solidFill>
+                  <a:schemeClr val="tx1"/>
+                </a:solidFill>
+                <a:effectLst/>
+                <a:latin typeface="+mn-lt"/>
+                <a:ea typeface="ＭＳ Ｐゴシック" charset="0"/>
+                <a:cs typeface="ＭＳ Ｐゴシック" charset="0"/>
+              </a:rPr>
+              <a:t> - Keep records and information about the activities of ACME Incorporated.</a:t>
+            </a:r>
+          </a:p>
+          <a:p>
+            <a:r>
+              <a:rPr lang="en-US" sz="1200" b="0" i="0" kern="1200" baseline="0" dirty="0" smtClean="0">
+                <a:solidFill>
+                  <a:schemeClr val="tx1"/>
+                </a:solidFill>
+                <a:effectLst/>
+                <a:latin typeface="+mn-lt"/>
+                <a:ea typeface="ＭＳ Ｐゴシック" charset="0"/>
+                <a:cs typeface="ＭＳ Ｐゴシック" charset="0"/>
+              </a:rPr>
+              <a:t> - Maintain a physical space for everyone to work (the ACME Incorporated campus).</a:t>
+            </a:r>
+          </a:p>
+          <a:p>
+            <a:r>
+              <a:rPr lang="en-US" sz="1200" b="0" i="0" kern="1200" baseline="0" dirty="0" smtClean="0">
+                <a:solidFill>
+                  <a:schemeClr val="tx1"/>
+                </a:solidFill>
+                <a:effectLst/>
+                <a:latin typeface="+mn-lt"/>
+                <a:ea typeface="ＭＳ Ｐゴシック" charset="0"/>
+                <a:cs typeface="ＭＳ Ｐゴシック" charset="0"/>
+              </a:rPr>
+              <a:t> - Create anvils, magic ‘tunnel’ paint, and other “tools of the trade.”</a:t>
+            </a:r>
+          </a:p>
+          <a:p>
+            <a:r>
+              <a:rPr lang="en-US" sz="1200" b="0" i="0" kern="1200" baseline="0" dirty="0" smtClean="0">
+                <a:solidFill>
+                  <a:schemeClr val="tx1"/>
+                </a:solidFill>
+                <a:effectLst/>
+                <a:latin typeface="+mn-lt"/>
+                <a:ea typeface="ＭＳ Ｐゴシック" charset="0"/>
+                <a:cs typeface="ＭＳ Ｐゴシック" charset="0"/>
+              </a:rPr>
+              <a:t> - Market, advertise, and seek support for the ACME mission.</a:t>
+            </a:r>
+          </a:p>
+          <a:p>
+            <a:r>
+              <a:rPr lang="en-US" sz="1200" b="0" i="0" kern="1200" baseline="0" dirty="0" smtClean="0">
+                <a:solidFill>
+                  <a:schemeClr val="tx1"/>
+                </a:solidFill>
+                <a:effectLst/>
+                <a:latin typeface="+mn-lt"/>
+                <a:ea typeface="ＭＳ Ｐゴシック" charset="0"/>
+                <a:cs typeface="ＭＳ Ｐゴシック" charset="0"/>
+              </a:rPr>
+              <a:t> - Plan how ACME will respond to changes in the world around it.</a:t>
+            </a:r>
+          </a:p>
+          <a:p>
+            <a:r>
+              <a:rPr lang="en-US" sz="1200" b="0" i="0" kern="1200" baseline="0" dirty="0" smtClean="0">
+                <a:solidFill>
+                  <a:schemeClr val="tx1"/>
+                </a:solidFill>
+                <a:effectLst/>
+                <a:latin typeface="+mn-lt"/>
+                <a:ea typeface="ＭＳ Ｐゴシック" charset="0"/>
+                <a:cs typeface="ＭＳ Ｐゴシック" charset="0"/>
+              </a:rPr>
+              <a:t> - Manage / Administer the whole orchestra of individuals that make up ACME.</a:t>
+            </a:r>
+          </a:p>
+          <a:p>
+            <a:r>
+              <a:rPr lang="en-US" sz="1200" b="0" i="0" kern="1200" baseline="0" dirty="0" smtClean="0">
+                <a:solidFill>
+                  <a:schemeClr val="tx1"/>
+                </a:solidFill>
+                <a:effectLst/>
+                <a:latin typeface="+mn-lt"/>
+                <a:ea typeface="ＭＳ Ｐゴシック" charset="0"/>
+                <a:cs typeface="ＭＳ Ｐゴシック" charset="0"/>
+              </a:rPr>
+              <a:t> - NOTE: This list is not complete.</a:t>
+            </a:r>
+          </a:p>
+          <a:p>
+            <a:endParaRPr lang="en-US" sz="1200" b="0" i="0" kern="1200" baseline="0" dirty="0" smtClean="0">
+              <a:solidFill>
+                <a:schemeClr val="tx1"/>
+              </a:solidFill>
+              <a:effectLst/>
+              <a:latin typeface="+mn-lt"/>
+              <a:ea typeface="ＭＳ Ｐゴシック" charset="0"/>
+              <a:cs typeface="ＭＳ Ｐゴシック" charset="0"/>
+            </a:endParaRPr>
+          </a:p>
+          <a:p>
+            <a:r>
+              <a:rPr lang="en-US" sz="1200" b="0" i="0" kern="1200" baseline="0" dirty="0" smtClean="0">
+                <a:solidFill>
+                  <a:schemeClr val="tx1"/>
+                </a:solidFill>
+                <a:effectLst/>
+                <a:latin typeface="+mn-lt"/>
+                <a:ea typeface="ＭＳ Ｐゴシック" charset="0"/>
+                <a:cs typeface="ＭＳ Ｐゴシック" charset="0"/>
+              </a:rPr>
+              <a:t>As ACME is a modern enterprise, business units require technology to fulfill their respective mandates.</a:t>
+            </a:r>
+          </a:p>
+          <a:p>
+            <a:endParaRPr lang="en-US" sz="1200" b="0" i="0" kern="1200" baseline="0" dirty="0" smtClean="0">
+              <a:solidFill>
+                <a:schemeClr val="tx1"/>
+              </a:solidFill>
+              <a:effectLst/>
+              <a:latin typeface="+mn-lt"/>
+              <a:ea typeface="ＭＳ Ｐゴシック" charset="0"/>
+              <a:cs typeface="ＭＳ Ｐゴシック" charset="0"/>
+            </a:endParaRPr>
+          </a:p>
+          <a:p>
+            <a:r>
+              <a:rPr lang="en-US" sz="1200" b="0" i="0" kern="1200" baseline="0" dirty="0" smtClean="0">
+                <a:solidFill>
+                  <a:schemeClr val="tx1"/>
+                </a:solidFill>
+                <a:effectLst/>
+                <a:latin typeface="+mn-lt"/>
+                <a:ea typeface="ＭＳ Ｐゴシック" charset="0"/>
+                <a:cs typeface="ＭＳ Ｐゴシック" charset="0"/>
+              </a:rPr>
+              <a:t>This provides the basis for our story. With this in mind, we will discuss a common challenge experienced by every modern enterprise.</a:t>
+            </a:r>
+          </a:p>
+          <a:p>
+            <a:endParaRPr lang="en-US" sz="1200" b="0" i="0" kern="1200" baseline="0" dirty="0" smtClean="0">
+              <a:solidFill>
+                <a:schemeClr val="tx1"/>
+              </a:solidFill>
+              <a:effectLst/>
+              <a:latin typeface="+mn-lt"/>
+              <a:ea typeface="ＭＳ Ｐゴシック" charset="0"/>
+              <a:cs typeface="ＭＳ Ｐゴシック" charset="0"/>
+            </a:endParaRPr>
+          </a:p>
+          <a:p>
+            <a:r>
+              <a:rPr lang="en-US" sz="1200" b="0" i="0" kern="1200" baseline="0" dirty="0" smtClean="0">
+                <a:solidFill>
+                  <a:schemeClr val="tx1"/>
+                </a:solidFill>
+                <a:effectLst/>
+                <a:latin typeface="+mn-lt"/>
+                <a:ea typeface="ＭＳ Ｐゴシック" charset="0"/>
+                <a:cs typeface="ＭＳ Ｐゴシック" charset="0"/>
+              </a:rPr>
+              <a:t>In an effort to better serve the core missions of the enterprise, business units are constantly on the look out to improve themselves. They want to be efficient and effective to better support the core mission of the enterprise.  To do this, changes to business processes and underlying technology are required.</a:t>
+            </a:r>
+          </a:p>
+          <a:p>
+            <a:endParaRPr lang="en-US" sz="1200" b="0" i="0" kern="1200" baseline="0" dirty="0" smtClean="0">
+              <a:solidFill>
+                <a:schemeClr val="tx1"/>
+              </a:solidFill>
+              <a:effectLst/>
+              <a:latin typeface="+mn-lt"/>
+              <a:ea typeface="ＭＳ Ｐゴシック" charset="0"/>
+              <a:cs typeface="ＭＳ Ｐゴシック" charset="0"/>
+            </a:endParaRPr>
+          </a:p>
+          <a:p>
+            <a:r>
+              <a:rPr lang="en-US" sz="1200" b="0" i="0" kern="1200" baseline="0" dirty="0" smtClean="0">
+                <a:solidFill>
+                  <a:schemeClr val="tx1"/>
+                </a:solidFill>
+                <a:effectLst/>
+                <a:latin typeface="+mn-lt"/>
+                <a:ea typeface="ＭＳ Ｐゴシック" charset="0"/>
+                <a:cs typeface="ＭＳ Ｐゴシック" charset="0"/>
+              </a:rPr>
+              <a:t>A business unit has individuals working with technology the way it works today.  This is the referred to as the ‘current state’.  They have some combination of technologies that support their operations.  Often times other units of the enterprise rely on these technologies for something local to them. Work flows from one business unit to another through some combination of process, people, and technology.  Sometimes that technology is paper and pen.  More often than not, as it is 2015, that technology is some combination of IT systems.</a:t>
+            </a:r>
+          </a:p>
+          <a:p>
+            <a:endParaRPr lang="en-US" sz="1200" b="0" i="0" kern="1200" baseline="0" dirty="0" smtClean="0">
+              <a:solidFill>
+                <a:schemeClr val="tx1"/>
+              </a:solidFill>
+              <a:effectLst/>
+              <a:latin typeface="+mn-lt"/>
+              <a:ea typeface="ＭＳ Ｐゴシック" charset="0"/>
+              <a:cs typeface="ＭＳ Ｐゴシック" charset="0"/>
+            </a:endParaRPr>
+          </a:p>
+          <a:p>
+            <a:r>
+              <a:rPr lang="en-US" sz="1200" b="0" i="0" kern="1200" baseline="0" dirty="0" smtClean="0">
+                <a:solidFill>
+                  <a:schemeClr val="tx1"/>
+                </a:solidFill>
+                <a:effectLst/>
+                <a:latin typeface="+mn-lt"/>
+                <a:ea typeface="ＭＳ Ｐゴシック" charset="0"/>
+                <a:cs typeface="ＭＳ Ｐゴシック" charset="0"/>
+              </a:rPr>
+              <a:t>One day a business unit identifies some problem with their current technology. For this example we will </a:t>
+            </a:r>
+            <a:r>
+              <a:rPr lang="en-US" sz="1200" b="0" i="0" kern="1200" baseline="0" dirty="0" smtClean="0">
+                <a:solidFill>
+                  <a:schemeClr val="tx1"/>
+                </a:solidFill>
+                <a:effectLst/>
+                <a:latin typeface="+mn-lt"/>
+                <a:ea typeface="ＭＳ Ｐゴシック" charset="0"/>
+                <a:cs typeface="ＭＳ Ｐゴシック" charset="0"/>
+              </a:rPr>
+              <a:t>look at </a:t>
+            </a:r>
+            <a:r>
+              <a:rPr lang="en-US" sz="1200" b="0" i="0" kern="1200" baseline="0" dirty="0" smtClean="0">
+                <a:solidFill>
+                  <a:schemeClr val="tx1"/>
+                </a:solidFill>
+                <a:effectLst/>
+                <a:latin typeface="+mn-lt"/>
+                <a:ea typeface="ＭＳ Ｐゴシック" charset="0"/>
+                <a:cs typeface="ＭＳ Ｐゴシック" charset="0"/>
+              </a:rPr>
+              <a:t>the anvil production line in the ACME Academy ‘Anvil Department.’ The Anvil Department has a production management system that keeps track of how many anvils are needed, when they are needed, and how much iron ore is needed to make them.  They realize that the tool they’ve been using for years fails to capture and validate some key information on the way into the production system.  They learned this the hard way after creating and delivering 200 anvils when the requestor only needed 2.  They’ve always known there was a problem with validation but they always cautioned users to be careful.  This one slipped through and, while it seems like a simple fix, the system vendor has moved on to a new version and doesn’t support changing the system they are running on.</a:t>
+            </a:r>
+          </a:p>
+          <a:p>
+            <a:endParaRPr lang="en-US" sz="1200" b="0" i="0" kern="1200" baseline="0" dirty="0" smtClean="0">
+              <a:solidFill>
+                <a:schemeClr val="tx1"/>
+              </a:solidFill>
+              <a:effectLst/>
+              <a:latin typeface="+mn-lt"/>
+              <a:ea typeface="ＭＳ Ｐゴシック" charset="0"/>
+              <a:cs typeface="ＭＳ Ｐゴシック" charset="0"/>
+            </a:endParaRPr>
+          </a:p>
+          <a:p>
+            <a:r>
+              <a:rPr lang="en-US" sz="1200" b="0" i="0" kern="1200" baseline="0" dirty="0" smtClean="0">
+                <a:solidFill>
+                  <a:schemeClr val="tx1"/>
+                </a:solidFill>
+                <a:effectLst/>
+                <a:latin typeface="+mn-lt"/>
+                <a:ea typeface="ＭＳ Ｐゴシック" charset="0"/>
+                <a:cs typeface="ＭＳ Ｐゴシック" charset="0"/>
+              </a:rPr>
+              <a:t>ACME Anvil has a decision to make. How do they fix the problem? As the problem is with the old production management system, they immediate think “let’s buy a new one.”  ACME’s anvil department then sets off on a journey to buy a new production management system. They issue an RFP that describes what their old system does with a special focus on that pesky capture and validation problem– they know their requirements “we need our old system plus these features.”</a:t>
+            </a:r>
+          </a:p>
+          <a:p>
+            <a:endParaRPr lang="en-US" sz="1200" b="0" i="0" kern="1200" baseline="0" dirty="0" smtClean="0">
+              <a:solidFill>
+                <a:schemeClr val="tx1"/>
+              </a:solidFill>
+              <a:effectLst/>
+              <a:latin typeface="+mn-lt"/>
+              <a:ea typeface="ＭＳ Ｐゴシック" charset="0"/>
+              <a:cs typeface="ＭＳ Ｐゴシック" charset="0"/>
+            </a:endParaRPr>
+          </a:p>
+          <a:p>
+            <a:r>
+              <a:rPr lang="en-US" sz="1200" b="0" i="0" kern="1200" baseline="0" dirty="0" smtClean="0">
+                <a:solidFill>
+                  <a:schemeClr val="tx1"/>
+                </a:solidFill>
+                <a:effectLst/>
+                <a:latin typeface="+mn-lt"/>
+                <a:ea typeface="ＭＳ Ｐゴシック" charset="0"/>
+                <a:cs typeface="ＭＳ Ｐゴシック" charset="0"/>
+              </a:rPr>
+              <a:t>When responses come in ACME is faced with a first question:  Cloud or On-Premise.  They decide on Cloud because it seems easy.  It won’t require them to worry about the ACME IT department (which always seems to be a bottleneck).  They can sign on the dotted line and get a new production management system.  They’ve made a decision to start a transition– they have an ‘intermediate state’ defined.</a:t>
+            </a:r>
+          </a:p>
+          <a:p>
+            <a:endParaRPr lang="en-US" sz="1200" b="0" i="0" kern="1200" baseline="0" dirty="0" smtClean="0">
+              <a:solidFill>
+                <a:schemeClr val="tx1"/>
+              </a:solidFill>
+              <a:effectLst/>
+              <a:latin typeface="+mn-lt"/>
+              <a:ea typeface="ＭＳ Ｐゴシック" charset="0"/>
+              <a:cs typeface="ＭＳ Ｐゴシック" charset="0"/>
+            </a:endParaRPr>
+          </a:p>
+          <a:p>
+            <a:r>
+              <a:rPr lang="en-US" sz="1200" b="0" i="0" kern="1200" baseline="0" dirty="0" smtClean="0">
+                <a:solidFill>
+                  <a:schemeClr val="tx1"/>
+                </a:solidFill>
+                <a:effectLst/>
+                <a:latin typeface="+mn-lt"/>
+                <a:ea typeface="ＭＳ Ｐゴシック" charset="0"/>
+                <a:cs typeface="ＭＳ Ｐゴシック" charset="0"/>
+              </a:rPr>
+              <a:t>Then implementation starts.  As this is a cloud solution it is up and running quickly. They get a login screen, create some accounts, and they are off to the races.  Anvils are being produced and there will never be a mistake again. Champagne for all!</a:t>
+            </a:r>
+          </a:p>
+          <a:p>
+            <a:endParaRPr lang="en-US" sz="1200" b="0" i="0" kern="1200" baseline="0" dirty="0" smtClean="0">
+              <a:solidFill>
+                <a:schemeClr val="tx1"/>
+              </a:solidFill>
+              <a:effectLst/>
+              <a:latin typeface="+mn-lt"/>
+              <a:ea typeface="ＭＳ Ｐゴシック" charset="0"/>
+              <a:cs typeface="ＭＳ Ｐゴシック" charset="0"/>
+            </a:endParaRPr>
+          </a:p>
+          <a:p>
+            <a:r>
+              <a:rPr lang="en-US" sz="1200" b="0" i="0" kern="1200" baseline="0" dirty="0" smtClean="0">
+                <a:solidFill>
+                  <a:schemeClr val="tx1"/>
+                </a:solidFill>
+                <a:effectLst/>
+                <a:latin typeface="+mn-lt"/>
+                <a:ea typeface="ＭＳ Ｐゴシック" charset="0"/>
+                <a:cs typeface="ＭＳ Ｐゴシック" charset="0"/>
+              </a:rPr>
+              <a:t>Three weeks go by when the anvil department receives </a:t>
+            </a:r>
+            <a:r>
+              <a:rPr lang="en-US" sz="1200" b="0" i="0" kern="1200" baseline="0" dirty="0" smtClean="0">
+                <a:solidFill>
+                  <a:schemeClr val="tx1"/>
+                </a:solidFill>
+                <a:effectLst/>
+                <a:latin typeface="+mn-lt"/>
+                <a:ea typeface="ＭＳ Ｐゴシック" charset="0"/>
+                <a:cs typeface="ＭＳ Ｐゴシック" charset="0"/>
+              </a:rPr>
+              <a:t>a call</a:t>
+            </a:r>
+            <a:r>
+              <a:rPr lang="en-US" sz="1200" b="0" i="0" kern="1200" baseline="0" dirty="0" smtClean="0">
+                <a:solidFill>
+                  <a:schemeClr val="tx1"/>
+                </a:solidFill>
+                <a:effectLst/>
+                <a:latin typeface="+mn-lt"/>
+                <a:ea typeface="ＭＳ Ｐゴシック" charset="0"/>
+                <a:cs typeface="ＭＳ Ｐゴシック" charset="0"/>
+              </a:rPr>
+              <a:t>. The ACME finance department </a:t>
+            </a:r>
+            <a:r>
+              <a:rPr lang="en-US" sz="1200" b="0" i="0" kern="1200" baseline="0" dirty="0" smtClean="0">
+                <a:solidFill>
+                  <a:schemeClr val="tx1"/>
+                </a:solidFill>
+                <a:effectLst/>
+                <a:latin typeface="+mn-lt"/>
+                <a:ea typeface="ＭＳ Ｐゴシック" charset="0"/>
+                <a:cs typeface="ＭＳ Ｐゴシック" charset="0"/>
+              </a:rPr>
+              <a:t>is </a:t>
+            </a:r>
+            <a:r>
+              <a:rPr lang="en-US" sz="1200" b="0" i="0" kern="1200" baseline="0" dirty="0" smtClean="0">
+                <a:solidFill>
+                  <a:schemeClr val="tx1"/>
+                </a:solidFill>
+                <a:effectLst/>
+                <a:latin typeface="+mn-lt"/>
+                <a:ea typeface="ＭＳ Ｐゴシック" charset="0"/>
+                <a:cs typeface="ＭＳ Ｐゴシック" charset="0"/>
+              </a:rPr>
+              <a:t>asking why the anvil department hasn’t validated their monthly expenses in the </a:t>
+            </a:r>
+            <a:r>
+              <a:rPr lang="en-US" sz="1200" b="0" i="0" kern="1200" baseline="0" dirty="0" smtClean="0">
+                <a:solidFill>
+                  <a:schemeClr val="tx1"/>
+                </a:solidFill>
+                <a:effectLst/>
+                <a:latin typeface="+mn-lt"/>
+                <a:ea typeface="ＭＳ Ｐゴシック" charset="0"/>
+                <a:cs typeface="ＭＳ Ｐゴシック" charset="0"/>
+              </a:rPr>
+              <a:t>finance </a:t>
+            </a:r>
+            <a:r>
+              <a:rPr lang="en-US" sz="1200" b="0" i="0" kern="1200" baseline="0" dirty="0" smtClean="0">
+                <a:solidFill>
+                  <a:schemeClr val="tx1"/>
+                </a:solidFill>
+                <a:effectLst/>
+                <a:latin typeface="+mn-lt"/>
+                <a:ea typeface="ＭＳ Ｐゴシック" charset="0"/>
+                <a:cs typeface="ＭＳ Ｐゴシック" charset="0"/>
+              </a:rPr>
+              <a:t>system. After some digging they realize there was </a:t>
+            </a:r>
+            <a:r>
+              <a:rPr lang="en-US" sz="1200" b="0" i="0" kern="1200" baseline="0" dirty="0" smtClean="0">
+                <a:solidFill>
+                  <a:schemeClr val="tx1"/>
+                </a:solidFill>
+                <a:effectLst/>
+                <a:latin typeface="+mn-lt"/>
+                <a:ea typeface="ＭＳ Ｐゴシック" charset="0"/>
+                <a:cs typeface="ＭＳ Ｐゴシック" charset="0"/>
+              </a:rPr>
+              <a:t>a process </a:t>
+            </a:r>
+            <a:r>
+              <a:rPr lang="en-US" sz="1200" b="0" i="0" kern="1200" baseline="0" dirty="0" smtClean="0">
+                <a:solidFill>
+                  <a:schemeClr val="tx1"/>
+                </a:solidFill>
+                <a:effectLst/>
+                <a:latin typeface="+mn-lt"/>
+                <a:ea typeface="ＭＳ Ｐゴシック" charset="0"/>
+                <a:cs typeface="ＭＳ Ｐゴシック" charset="0"/>
+              </a:rPr>
+              <a:t>in the old system that ran a report and put the output </a:t>
+            </a:r>
+            <a:r>
+              <a:rPr lang="en-US" sz="1200" b="0" i="0" kern="1200" baseline="0" dirty="0" smtClean="0">
+                <a:solidFill>
+                  <a:schemeClr val="tx1"/>
+                </a:solidFill>
+                <a:effectLst/>
+                <a:latin typeface="+mn-lt"/>
+                <a:ea typeface="ＭＳ Ｐゴシック" charset="0"/>
+                <a:cs typeface="ＭＳ Ｐゴシック" charset="0"/>
+              </a:rPr>
+              <a:t>on a </a:t>
+            </a:r>
+            <a:r>
+              <a:rPr lang="en-US" sz="1200" b="0" i="0" kern="1200" baseline="0" dirty="0" smtClean="0">
+                <a:solidFill>
+                  <a:schemeClr val="tx1"/>
+                </a:solidFill>
+                <a:effectLst/>
+                <a:latin typeface="+mn-lt"/>
+                <a:ea typeface="ＭＳ Ｐゴシック" charset="0"/>
+                <a:cs typeface="ＭＳ Ｐゴシック" charset="0"/>
+              </a:rPr>
+              <a:t>network share.  The people involved thought the new system dealt with that so they didn’t mention it.  Turns out that old report does not exist in the new system. They scrape the bottom of their budget (running a little over) and contract the cloud provider to make the report for them.  Close call but all is resolved.  Back to anvil production.</a:t>
+            </a:r>
+          </a:p>
+          <a:p>
+            <a:endParaRPr lang="en-US" sz="1200" b="0" i="0" kern="1200" baseline="0" dirty="0" smtClean="0">
+              <a:solidFill>
+                <a:schemeClr val="tx1"/>
+              </a:solidFill>
+              <a:effectLst/>
+              <a:latin typeface="+mn-lt"/>
+              <a:ea typeface="ＭＳ Ｐゴシック" charset="0"/>
+              <a:cs typeface="ＭＳ Ｐゴシック" charset="0"/>
+            </a:endParaRPr>
+          </a:p>
+          <a:p>
+            <a:r>
+              <a:rPr lang="en-US" sz="1200" b="0" i="0" kern="1200" baseline="0" dirty="0" smtClean="0">
+                <a:solidFill>
+                  <a:schemeClr val="tx1"/>
+                </a:solidFill>
+                <a:effectLst/>
+                <a:latin typeface="+mn-lt"/>
+                <a:ea typeface="ＭＳ Ｐゴシック" charset="0"/>
+                <a:cs typeface="ＭＳ Ｐゴシック" charset="0"/>
+              </a:rPr>
+              <a:t>Then another couple weeks go by and they receive a call from the ACME police saying a former employee had been stopped with a car full of anvils.  They look at the production management system and realize that person had been </a:t>
+            </a:r>
+            <a:r>
+              <a:rPr lang="en-US" sz="1200" b="0" i="0" kern="1200" baseline="0" dirty="0" smtClean="0">
+                <a:solidFill>
+                  <a:schemeClr val="tx1"/>
+                </a:solidFill>
+                <a:effectLst/>
+                <a:latin typeface="+mn-lt"/>
+                <a:ea typeface="ＭＳ Ｐゴシック" charset="0"/>
+                <a:cs typeface="ＭＳ Ｐゴシック" charset="0"/>
+              </a:rPr>
+              <a:t>requesting anvils for </a:t>
+            </a:r>
+            <a:r>
+              <a:rPr lang="en-US" sz="1200" b="0" i="0" kern="1200" baseline="0" dirty="0" smtClean="0">
+                <a:solidFill>
+                  <a:schemeClr val="tx1"/>
+                </a:solidFill>
+                <a:effectLst/>
+                <a:latin typeface="+mn-lt"/>
+                <a:ea typeface="ＭＳ Ｐゴシック" charset="0"/>
+                <a:cs typeface="ＭＳ Ｐゴシック" charset="0"/>
+              </a:rPr>
+              <a:t>weeks.  The anvil department phones HR to ask why they weren’t notified of this person’s departure.  The HR department tells them they don’t notify everyone, they update the central authentication system.  A couple more phone calls and the anvil department realizes they need IT to help configure the central authentication system for use in their cloud solution.  Luckily the protocol is supported by the cloud solution so anvil schedules some ‘emergency’ work with the ACME IT department.</a:t>
+            </a:r>
+          </a:p>
+          <a:p>
+            <a:endParaRPr lang="en-US" sz="1200" b="0" i="0" kern="1200" baseline="0" dirty="0" smtClean="0">
+              <a:solidFill>
+                <a:schemeClr val="tx1"/>
+              </a:solidFill>
+              <a:effectLst/>
+              <a:latin typeface="+mn-lt"/>
+              <a:ea typeface="ＭＳ Ｐゴシック" charset="0"/>
+              <a:cs typeface="ＭＳ Ｐゴシック" charset="0"/>
+            </a:endParaRPr>
+          </a:p>
+          <a:p>
+            <a:r>
+              <a:rPr lang="en-US" sz="1200" b="0" i="0" kern="1200" baseline="0" dirty="0" smtClean="0">
+                <a:solidFill>
+                  <a:schemeClr val="tx1"/>
+                </a:solidFill>
+                <a:effectLst/>
+                <a:latin typeface="+mn-lt"/>
+                <a:ea typeface="ＭＳ Ｐゴシック" charset="0"/>
+                <a:cs typeface="ＭＳ Ｐゴシック" charset="0"/>
+              </a:rPr>
+              <a:t>Next there is a phone call from someone in the innovation department.  They say they’ve figured out a brilliant new alloy for the anvils and they’d like to start asking for alloy anvils instead of iron.  The anvil department looks at the tool and realizes there is no way to set ‘alloy’ as an option.  They tell the requestor to just use the ‘notes’ field in the submission form.  When they start looking through the production management system they realize that they can only track ordering of iron ore anvils.  To track the alloy instead, they need to manually read all requests and see if they want alloy and order the alloy separate from the iron ore.</a:t>
+            </a:r>
+          </a:p>
+          <a:p>
+            <a:endParaRPr lang="en-US" sz="1200" b="0" i="0" kern="1200" baseline="0" dirty="0" smtClean="0">
+              <a:solidFill>
+                <a:schemeClr val="tx1"/>
+              </a:solidFill>
+              <a:effectLst/>
+              <a:latin typeface="+mn-lt"/>
+              <a:ea typeface="ＭＳ Ｐゴシック" charset="0"/>
+              <a:cs typeface="ＭＳ Ｐゴシック" charset="0"/>
+            </a:endParaRPr>
+          </a:p>
+          <a:p>
+            <a:r>
+              <a:rPr lang="en-US" sz="1200" b="0" i="0" kern="1200" baseline="0" dirty="0" smtClean="0">
+                <a:solidFill>
+                  <a:schemeClr val="tx1"/>
+                </a:solidFill>
+                <a:effectLst/>
+                <a:latin typeface="+mn-lt"/>
+                <a:ea typeface="ＭＳ Ｐゴシック" charset="0"/>
+                <a:cs typeface="ＭＳ Ｐゴシック" charset="0"/>
+              </a:rPr>
+              <a:t>Then </a:t>
+            </a:r>
+            <a:r>
+              <a:rPr lang="en-US" sz="1200" b="0" i="0" kern="1200" baseline="0" dirty="0" smtClean="0">
+                <a:solidFill>
+                  <a:schemeClr val="tx1"/>
+                </a:solidFill>
+                <a:effectLst/>
+                <a:latin typeface="+mn-lt"/>
+                <a:ea typeface="ＭＳ Ｐゴシック" charset="0"/>
+                <a:cs typeface="ＭＳ Ｐゴシック" charset="0"/>
+              </a:rPr>
+              <a:t>the HR department calls. The auditors have reviewed the enterprise operations and ACME has had major problems with anvil related injuries. They ask the anvil department to initiate a training program to keep people from receiving anvils without the necessary training.  They realize that their system does not support this and, so, they have to go shopping for a new </a:t>
+            </a:r>
+            <a:r>
+              <a:rPr lang="en-US" sz="1200" b="0" i="0" kern="1200" baseline="0" dirty="0" smtClean="0">
+                <a:solidFill>
+                  <a:schemeClr val="tx1"/>
+                </a:solidFill>
+                <a:effectLst/>
+                <a:latin typeface="+mn-lt"/>
+                <a:ea typeface="ＭＳ Ｐゴシック" charset="0"/>
+                <a:cs typeface="ＭＳ Ｐゴシック" charset="0"/>
+              </a:rPr>
+              <a:t>anvil training </a:t>
+            </a:r>
+            <a:r>
+              <a:rPr lang="en-US" sz="1200" b="0" i="0" kern="1200" baseline="0" dirty="0" smtClean="0">
+                <a:solidFill>
+                  <a:schemeClr val="tx1"/>
+                </a:solidFill>
+                <a:effectLst/>
+                <a:latin typeface="+mn-lt"/>
+                <a:ea typeface="ＭＳ Ｐゴシック" charset="0"/>
+                <a:cs typeface="ＭＳ Ｐゴシック" charset="0"/>
+              </a:rPr>
+              <a:t>system.  They pay a new vendor and the original cloud vendor to build a nice slick integrated anvil production management system with safety interlocks.</a:t>
+            </a:r>
+          </a:p>
+          <a:p>
+            <a:endParaRPr lang="en-US" sz="1200" b="0" i="0" kern="1200" baseline="0" dirty="0" smtClean="0">
+              <a:solidFill>
+                <a:schemeClr val="tx1"/>
+              </a:solidFill>
+              <a:effectLst/>
+              <a:latin typeface="+mn-lt"/>
+              <a:ea typeface="ＭＳ Ｐゴシック" charset="0"/>
+              <a:cs typeface="ＭＳ Ｐゴシック" charset="0"/>
+            </a:endParaRPr>
+          </a:p>
+          <a:p>
+            <a:r>
+              <a:rPr lang="en-US" sz="1200" b="0" i="0" kern="1200" baseline="0" dirty="0" smtClean="0">
+                <a:solidFill>
+                  <a:schemeClr val="tx1"/>
+                </a:solidFill>
+                <a:effectLst/>
+                <a:latin typeface="+mn-lt"/>
+                <a:ea typeface="ＭＳ Ｐゴシック" charset="0"/>
+                <a:cs typeface="ＭＳ Ｐゴシック" charset="0"/>
+              </a:rPr>
+              <a:t>Everything was good… for a time.</a:t>
+            </a:r>
+          </a:p>
+          <a:p>
+            <a:endParaRPr lang="en-US" sz="1200" b="0" i="0" kern="1200" baseline="0" dirty="0" smtClean="0">
+              <a:solidFill>
+                <a:schemeClr val="tx1"/>
+              </a:solidFill>
+              <a:effectLst/>
+              <a:latin typeface="+mn-lt"/>
+              <a:ea typeface="ＭＳ Ｐゴシック" charset="0"/>
+              <a:cs typeface="ＭＳ Ｐゴシック" charset="0"/>
+            </a:endParaRPr>
+          </a:p>
+          <a:p>
+            <a:r>
+              <a:rPr lang="en-US" sz="1200" b="0" i="0" kern="1200" baseline="0" dirty="0" smtClean="0">
+                <a:solidFill>
+                  <a:schemeClr val="tx1"/>
+                </a:solidFill>
+                <a:effectLst/>
+                <a:latin typeface="+mn-lt"/>
+                <a:ea typeface="ＭＳ Ｐゴシック" charset="0"/>
+                <a:cs typeface="ＭＳ Ｐゴシック" charset="0"/>
+              </a:rPr>
+              <a:t>Then the finance department called again.  They’ve got a new system coming.  The anvil department is told it will need to find money in its budget to upgrade the custom integration with the old system to support the new system.</a:t>
+            </a:r>
+          </a:p>
+          <a:p>
+            <a:endParaRPr lang="en-US" sz="1200" b="0" i="0" kern="1200" baseline="0" dirty="0" smtClean="0">
+              <a:solidFill>
+                <a:schemeClr val="tx1"/>
+              </a:solidFill>
+              <a:effectLst/>
+              <a:latin typeface="+mn-lt"/>
+              <a:ea typeface="ＭＳ Ｐゴシック" charset="0"/>
+              <a:cs typeface="ＭＳ Ｐゴシック" charset="0"/>
+            </a:endParaRPr>
+          </a:p>
+          <a:p>
+            <a:r>
+              <a:rPr lang="en-US" sz="1200" b="0" i="0" kern="1200" baseline="0" dirty="0" smtClean="0">
+                <a:solidFill>
+                  <a:schemeClr val="tx1"/>
+                </a:solidFill>
+                <a:effectLst/>
+                <a:latin typeface="+mn-lt"/>
+                <a:ea typeface="ＭＳ Ｐゴシック" charset="0"/>
+                <a:cs typeface="ＭＳ Ｐゴシック" charset="0"/>
+              </a:rPr>
+              <a:t>Not long after that, the HR department is calling again.  They’ve got a new system coming too.  They will need the anvil department to update their training system and integration to support the new system.</a:t>
+            </a:r>
+          </a:p>
+          <a:p>
+            <a:endParaRPr lang="en-US" sz="1200" b="0" i="0" kern="1200" baseline="0" dirty="0" smtClean="0">
+              <a:solidFill>
+                <a:schemeClr val="tx1"/>
+              </a:solidFill>
+              <a:effectLst/>
+              <a:latin typeface="+mn-lt"/>
+              <a:ea typeface="ＭＳ Ｐゴシック" charset="0"/>
+              <a:cs typeface="ＭＳ Ｐゴシック" charset="0"/>
+            </a:endParaRPr>
+          </a:p>
+          <a:p>
+            <a:r>
+              <a:rPr lang="en-US" sz="1200" b="0" i="0" kern="1200" baseline="0" dirty="0" smtClean="0">
+                <a:solidFill>
+                  <a:schemeClr val="tx1"/>
+                </a:solidFill>
+                <a:effectLst/>
+                <a:latin typeface="+mn-lt"/>
+                <a:ea typeface="ＭＳ Ｐゴシック" charset="0"/>
+                <a:cs typeface="ＭＳ Ｐゴシック" charset="0"/>
+              </a:rPr>
+              <a:t>No sooner than the HR department has hung up, the ACME police calling again.  There is another person with anvils that should not have them.  They discover an order number with the anvils that they trace back to a person named ‘</a:t>
+            </a:r>
+            <a:r>
+              <a:rPr lang="en-US" sz="1200" b="0" i="0" kern="1200" baseline="0" dirty="0" err="1" smtClean="0">
+                <a:solidFill>
+                  <a:schemeClr val="tx1"/>
+                </a:solidFill>
+                <a:effectLst/>
+                <a:latin typeface="+mn-lt"/>
+                <a:ea typeface="ＭＳ Ｐゴシック" charset="0"/>
+                <a:cs typeface="ＭＳ Ｐゴシック" charset="0"/>
+              </a:rPr>
+              <a:t>closetsystem</a:t>
+            </a:r>
+            <a:r>
+              <a:rPr lang="en-US" sz="1200" b="0" i="0" kern="1200" baseline="0" dirty="0" smtClean="0">
+                <a:solidFill>
+                  <a:schemeClr val="tx1"/>
+                </a:solidFill>
+                <a:effectLst/>
+                <a:latin typeface="+mn-lt"/>
+                <a:ea typeface="ＭＳ Ｐゴシック" charset="0"/>
+                <a:cs typeface="ＭＳ Ｐゴシック" charset="0"/>
+              </a:rPr>
+              <a:t>.’  They determine that one of employees in the innovation department has ‘innovated’ around a problem– they’ve built an automatic system locally that orders anvils based on a camera taking pictures of a storage closet.</a:t>
+            </a:r>
+          </a:p>
+          <a:p>
+            <a:endParaRPr lang="en-US" sz="1200" b="0" i="0" kern="1200" baseline="0" dirty="0" smtClean="0">
+              <a:solidFill>
+                <a:schemeClr val="tx1"/>
+              </a:solidFill>
+              <a:effectLst/>
+              <a:latin typeface="+mn-lt"/>
+              <a:ea typeface="ＭＳ Ｐゴシック" charset="0"/>
+              <a:cs typeface="ＭＳ Ｐゴシック" charset="0"/>
+            </a:endParaRPr>
+          </a:p>
+          <a:p>
+            <a:endParaRPr lang="en-US" dirty="0"/>
+          </a:p>
+        </p:txBody>
+      </p:sp>
+      <p:sp>
+        <p:nvSpPr>
+          <p:cNvPr id="4" name="Slide Number Placeholder 3"/>
+          <p:cNvSpPr>
+            <a:spLocks noGrp="1"/>
+          </p:cNvSpPr>
+          <p:nvPr>
+            <p:ph type="sldNum" sz="quarter" idx="10"/>
+          </p:nvPr>
+        </p:nvSpPr>
+        <p:spPr/>
+        <p:txBody>
+          <a:bodyPr/>
+          <a:lstStyle/>
+          <a:p>
+            <a:pPr>
+              <a:defRPr/>
+            </a:pPr>
+            <a:fld id="{2243CCA8-BAFD-7144-8E02-BD9119658895}" type="slidenum">
+              <a:rPr lang="en-US" smtClean="0"/>
+              <a:pPr>
+                <a:defRPr/>
+              </a:pPr>
+              <a:t>8</a:t>
+            </a:fld>
+            <a:endParaRPr lang="en-US"/>
+          </a:p>
+        </p:txBody>
+      </p:sp>
+    </p:spTree>
+    <p:extLst>
+      <p:ext uri="{BB962C8B-B14F-4D97-AF65-F5344CB8AC3E}">
+        <p14:creationId xmlns:p14="http://schemas.microsoft.com/office/powerpoint/2010/main" val="4239418155"/>
+      </p:ext>
+    </p:extLst>
+  </p:cSld>
+  <p:clrMapOvr>
+    <a:masterClrMapping/>
+  </p:clrMapOvr>
+</p:notes>
+</file>
+
+<file path=ppt/notesSlides/notesSlide3.xml><?xml version="1.0" encoding="utf-8"?>
+<p:notes xmlns:a="http://schemas.openxmlformats.org/drawingml/2006/main" xmlns:r="http://schemas.openxmlformats.org/officeDocument/2006/relationships" xmlns:p="http://schemas.openxmlformats.org/presentationml/2006/main">
+  <p:cSld>
+    <p:spTree>
+      <p:nvGrpSpPr>
+        <p:cNvPr id="1" name=""/>
+        <p:cNvGrpSpPr/>
+        <p:nvPr/>
+      </p:nvGrpSpPr>
+      <p:grpSpPr>
+        <a:xfrm>
+          <a:off x="0" y="0"/>
+          <a:ext cx="0" cy="0"/>
+          <a:chOff x="0" y="0"/>
+          <a:chExt cx="0" cy="0"/>
+        </a:xfrm>
+      </p:grpSpPr>
+      <p:sp>
+        <p:nvSpPr>
+          <p:cNvPr id="2" name="Slide Image Placeholder 1"/>
+          <p:cNvSpPr>
+            <a:spLocks noGrp="1" noRot="1" noChangeAspect="1"/>
+          </p:cNvSpPr>
+          <p:nvPr>
+            <p:ph type="sldImg"/>
+          </p:nvPr>
+        </p:nvSpPr>
+        <p:spPr/>
+      </p:sp>
+      <p:sp>
+        <p:nvSpPr>
+          <p:cNvPr id="3" name="Notes Placeholder 2"/>
+          <p:cNvSpPr>
+            <a:spLocks noGrp="1"/>
+          </p:cNvSpPr>
+          <p:nvPr>
+            <p:ph type="body" idx="1"/>
+          </p:nvPr>
+        </p:nvSpPr>
+        <p:spPr/>
+        <p:txBody>
+          <a:bodyPr/>
+          <a:lstStyle/>
+          <a:p>
+            <a:endParaRPr lang="en-US" dirty="0"/>
+          </a:p>
+        </p:txBody>
+      </p:sp>
+      <p:sp>
+        <p:nvSpPr>
+          <p:cNvPr id="4" name="Slide Number Placeholder 3"/>
+          <p:cNvSpPr>
+            <a:spLocks noGrp="1"/>
+          </p:cNvSpPr>
+          <p:nvPr>
+            <p:ph type="sldNum" sz="quarter" idx="10"/>
+          </p:nvPr>
+        </p:nvSpPr>
+        <p:spPr/>
+        <p:txBody>
+          <a:bodyPr/>
+          <a:lstStyle/>
+          <a:p>
+            <a:pPr>
+              <a:defRPr/>
+            </a:pPr>
+            <a:fld id="{2243CCA8-BAFD-7144-8E02-BD9119658895}" type="slidenum">
+              <a:rPr lang="en-US" smtClean="0"/>
+              <a:pPr>
+                <a:defRPr/>
+              </a:pPr>
+              <a:t>9</a:t>
+            </a:fld>
+            <a:endParaRPr lang="en-US"/>
+          </a:p>
+        </p:txBody>
+      </p:sp>
+    </p:spTree>
+    <p:extLst>
+      <p:ext uri="{BB962C8B-B14F-4D97-AF65-F5344CB8AC3E}">
+        <p14:creationId xmlns:p14="http://schemas.microsoft.com/office/powerpoint/2010/main" val="1345941181"/>
+      </p:ext>
+    </p:extLst>
+  </p:cSld>
+  <p:clrMapOvr>
+    <a:masterClrMapping/>
+  </p:clrMapOvr>
+</p:notes>
+</file>
+
+<file path=ppt/notesSlides/notesSlide4.xml><?xml version="1.0" encoding="utf-8"?>
+<p:notes xmlns:a="http://schemas.openxmlformats.org/drawingml/2006/main" xmlns:r="http://schemas.openxmlformats.org/officeDocument/2006/relationships" xmlns:p="http://schemas.openxmlformats.org/presentationml/2006/main">
+  <p:cSld>
+    <p:spTree>
+      <p:nvGrpSpPr>
+        <p:cNvPr id="1" name=""/>
+        <p:cNvGrpSpPr/>
+        <p:nvPr/>
+      </p:nvGrpSpPr>
+      <p:grpSpPr>
+        <a:xfrm>
+          <a:off x="0" y="0"/>
+          <a:ext cx="0" cy="0"/>
+          <a:chOff x="0" y="0"/>
+          <a:chExt cx="0" cy="0"/>
+        </a:xfrm>
+      </p:grpSpPr>
+      <p:sp>
+        <p:nvSpPr>
+          <p:cNvPr id="2" name="Slide Image Placeholder 1"/>
+          <p:cNvSpPr>
+            <a:spLocks noGrp="1" noRot="1" noChangeAspect="1"/>
+          </p:cNvSpPr>
+          <p:nvPr>
+            <p:ph type="sldImg"/>
+          </p:nvPr>
+        </p:nvSpPr>
+        <p:spPr/>
+      </p:sp>
+      <p:sp>
+        <p:nvSpPr>
+          <p:cNvPr id="3" name="Notes Placeholder 2"/>
+          <p:cNvSpPr>
+            <a:spLocks noGrp="1"/>
+          </p:cNvSpPr>
+          <p:nvPr>
+            <p:ph type="body" idx="1"/>
+          </p:nvPr>
+        </p:nvSpPr>
+        <p:spPr/>
+        <p:txBody>
+          <a:bodyPr/>
+          <a:lstStyle/>
+          <a:p>
+            <a:pPr marL="0" marR="0" indent="0" algn="l" defTabSz="457200" rtl="0" eaLnBrk="0" fontAlgn="base" latinLnBrk="0" hangingPunct="0">
+              <a:lnSpc>
+                <a:spcPct val="100000"/>
+              </a:lnSpc>
+              <a:spcBef>
+                <a:spcPct val="30000"/>
+              </a:spcBef>
+              <a:spcAft>
+                <a:spcPct val="0"/>
+              </a:spcAft>
+              <a:buClrTx/>
+              <a:buSzTx/>
+              <a:buFontTx/>
+              <a:buNone/>
+              <a:tabLst/>
+              <a:defRPr/>
+            </a:pPr>
+            <a:r>
+              <a:rPr lang="en-US" sz="1200" b="1" dirty="0" smtClean="0">
+                <a:solidFill>
+                  <a:srgbClr val="002060"/>
+                </a:solidFill>
+                <a:latin typeface="Calibri" panose="020F0502020204030204" pitchFamily="34" charset="0"/>
+              </a:rPr>
+              <a:t>IST-EA’s Simplified Definitions</a:t>
+            </a:r>
+          </a:p>
+          <a:p>
+            <a:pPr marL="0" marR="0" indent="0" algn="l" defTabSz="457200" rtl="0" eaLnBrk="0" fontAlgn="base" latinLnBrk="0" hangingPunct="0">
+              <a:lnSpc>
+                <a:spcPct val="100000"/>
+              </a:lnSpc>
+              <a:spcBef>
+                <a:spcPct val="30000"/>
+              </a:spcBef>
+              <a:spcAft>
+                <a:spcPct val="0"/>
+              </a:spcAft>
+              <a:buClrTx/>
+              <a:buSzTx/>
+              <a:buFontTx/>
+              <a:buNone/>
+              <a:tabLst/>
+              <a:defRPr/>
+            </a:pPr>
+            <a:r>
+              <a:rPr lang="en-US" sz="1200" b="1" dirty="0" smtClean="0">
+                <a:solidFill>
+                  <a:srgbClr val="002060"/>
+                </a:solidFill>
+                <a:latin typeface="Calibri" panose="020F0502020204030204" pitchFamily="34" charset="0"/>
+              </a:rPr>
+              <a:t>=========================</a:t>
+            </a:r>
+          </a:p>
+          <a:p>
+            <a:pPr marL="0" marR="0" indent="0" algn="l" defTabSz="457200" rtl="0" eaLnBrk="0" fontAlgn="base" latinLnBrk="0" hangingPunct="0">
+              <a:lnSpc>
+                <a:spcPct val="100000"/>
+              </a:lnSpc>
+              <a:spcBef>
+                <a:spcPct val="30000"/>
+              </a:spcBef>
+              <a:spcAft>
+                <a:spcPct val="0"/>
+              </a:spcAft>
+              <a:buClrTx/>
+              <a:buSzTx/>
+              <a:buFontTx/>
+              <a:buNone/>
+              <a:tabLst/>
+              <a:defRPr/>
+            </a:pPr>
+            <a:endParaRPr lang="en-US" sz="1200" b="1" dirty="0" smtClean="0">
+              <a:solidFill>
+                <a:srgbClr val="002060"/>
+              </a:solidFill>
+              <a:latin typeface="Calibri" panose="020F0502020204030204" pitchFamily="34" charset="0"/>
+            </a:endParaRPr>
+          </a:p>
+          <a:p>
+            <a:pPr marL="0" marR="0" indent="0" algn="l" defTabSz="457200" rtl="0" eaLnBrk="0" fontAlgn="base" latinLnBrk="0" hangingPunct="0">
+              <a:lnSpc>
+                <a:spcPct val="100000"/>
+              </a:lnSpc>
+              <a:spcBef>
+                <a:spcPct val="30000"/>
+              </a:spcBef>
+              <a:spcAft>
+                <a:spcPct val="0"/>
+              </a:spcAft>
+              <a:buClrTx/>
+              <a:buSzTx/>
+              <a:buFontTx/>
+              <a:buNone/>
+              <a:tabLst/>
+              <a:defRPr/>
+            </a:pPr>
+            <a:r>
+              <a:rPr lang="en-US" sz="1200" b="1" dirty="0" smtClean="0">
+                <a:solidFill>
+                  <a:srgbClr val="002060"/>
+                </a:solidFill>
+                <a:latin typeface="Calibri" panose="020F0502020204030204" pitchFamily="34" charset="0"/>
+              </a:rPr>
+              <a:t>Business Architecture</a:t>
+            </a:r>
+            <a:r>
+              <a:rPr lang="en-US" sz="1200" dirty="0" smtClean="0">
+                <a:solidFill>
+                  <a:srgbClr val="002060"/>
+                </a:solidFill>
+                <a:latin typeface="Calibri" panose="020F0502020204030204" pitchFamily="34" charset="0"/>
+              </a:rPr>
+              <a:t>: </a:t>
+            </a:r>
+            <a:r>
+              <a:rPr lang="en-US" sz="1200" dirty="0" smtClean="0">
+                <a:latin typeface="Calibri" panose="020F0502020204030204" pitchFamily="34" charset="0"/>
+              </a:rPr>
+              <a:t>Vision, strategy, goals, objectives. It covers business units, functions, services, processes, and capabilities.</a:t>
+            </a:r>
+          </a:p>
+          <a:p>
+            <a:endParaRPr lang="en-US" dirty="0" smtClean="0"/>
+          </a:p>
+          <a:p>
+            <a:pPr marL="0" marR="0" indent="0" algn="l" defTabSz="457200" rtl="0" eaLnBrk="0" fontAlgn="base" latinLnBrk="0" hangingPunct="0">
+              <a:lnSpc>
+                <a:spcPct val="100000"/>
+              </a:lnSpc>
+              <a:spcBef>
+                <a:spcPct val="30000"/>
+              </a:spcBef>
+              <a:spcAft>
+                <a:spcPct val="0"/>
+              </a:spcAft>
+              <a:buClrTx/>
+              <a:buSzTx/>
+              <a:buFontTx/>
+              <a:buNone/>
+              <a:tabLst/>
+              <a:defRPr/>
+            </a:pPr>
+            <a:r>
+              <a:rPr lang="en-US" sz="1200" b="1" dirty="0" smtClean="0">
+                <a:solidFill>
+                  <a:srgbClr val="002060"/>
+                </a:solidFill>
+                <a:latin typeface="Calibri" panose="020F0502020204030204" pitchFamily="34" charset="0"/>
+              </a:rPr>
+              <a:t>Information Architecture: </a:t>
+            </a:r>
+            <a:r>
+              <a:rPr lang="en-US" sz="1200" dirty="0" smtClean="0">
+                <a:latin typeface="Calibri" panose="020F0502020204030204" pitchFamily="34" charset="0"/>
+              </a:rPr>
+              <a:t>Describes how enterprise information is organized and accessed.</a:t>
+            </a:r>
+          </a:p>
+          <a:p>
+            <a:pPr marL="0" marR="0" indent="0" algn="l" defTabSz="457200" rtl="0" eaLnBrk="0" fontAlgn="base" latinLnBrk="0" hangingPunct="0">
+              <a:lnSpc>
+                <a:spcPct val="100000"/>
+              </a:lnSpc>
+              <a:spcBef>
+                <a:spcPct val="30000"/>
+              </a:spcBef>
+              <a:spcAft>
+                <a:spcPct val="0"/>
+              </a:spcAft>
+              <a:buClrTx/>
+              <a:buSzTx/>
+              <a:buFontTx/>
+              <a:buNone/>
+              <a:tabLst/>
+              <a:defRPr/>
+            </a:pPr>
+            <a:endParaRPr lang="en-US" dirty="0" smtClean="0"/>
+          </a:p>
+          <a:p>
+            <a:pPr marL="0" marR="0" indent="0" algn="l" defTabSz="457200" rtl="0" eaLnBrk="0" fontAlgn="base" latinLnBrk="0" hangingPunct="0">
+              <a:lnSpc>
+                <a:spcPct val="100000"/>
+              </a:lnSpc>
+              <a:spcBef>
+                <a:spcPct val="30000"/>
+              </a:spcBef>
+              <a:spcAft>
+                <a:spcPct val="0"/>
+              </a:spcAft>
+              <a:buClrTx/>
+              <a:buSzTx/>
+              <a:buFontTx/>
+              <a:buNone/>
+              <a:tabLst/>
+              <a:defRPr/>
+            </a:pPr>
+            <a:r>
+              <a:rPr lang="en-US" sz="1200" b="1" dirty="0" smtClean="0">
+                <a:solidFill>
+                  <a:srgbClr val="002060"/>
+                </a:solidFill>
+                <a:latin typeface="Calibri" panose="020F0502020204030204" pitchFamily="34" charset="0"/>
+              </a:rPr>
+              <a:t>Applications Architecture: </a:t>
+            </a:r>
+            <a:r>
+              <a:rPr lang="en-US" sz="1200" dirty="0" smtClean="0">
+                <a:latin typeface="Calibri" panose="020F0502020204030204" pitchFamily="34" charset="0"/>
+              </a:rPr>
+              <a:t>Describes applications’ structures, capabilities, and their interrelations.</a:t>
+            </a:r>
+          </a:p>
+          <a:p>
+            <a:pPr marL="0" marR="0" indent="0" algn="l" defTabSz="457200" rtl="0" eaLnBrk="0" fontAlgn="base" latinLnBrk="0" hangingPunct="0">
+              <a:lnSpc>
+                <a:spcPct val="100000"/>
+              </a:lnSpc>
+              <a:spcBef>
+                <a:spcPct val="30000"/>
+              </a:spcBef>
+              <a:spcAft>
+                <a:spcPct val="0"/>
+              </a:spcAft>
+              <a:buClrTx/>
+              <a:buSzTx/>
+              <a:buFontTx/>
+              <a:buNone/>
+              <a:tabLst/>
+              <a:defRPr/>
+            </a:pPr>
+            <a:endParaRPr lang="en-US" dirty="0" smtClean="0"/>
+          </a:p>
+          <a:p>
+            <a:pPr marL="0" marR="0" indent="0" algn="l" defTabSz="457200" rtl="0" eaLnBrk="0" fontAlgn="base" latinLnBrk="0" hangingPunct="0">
+              <a:lnSpc>
+                <a:spcPct val="100000"/>
+              </a:lnSpc>
+              <a:spcBef>
+                <a:spcPct val="30000"/>
+              </a:spcBef>
+              <a:spcAft>
+                <a:spcPct val="0"/>
+              </a:spcAft>
+              <a:buClrTx/>
+              <a:buSzTx/>
+              <a:buFontTx/>
+              <a:buNone/>
+              <a:tabLst/>
+              <a:defRPr/>
+            </a:pPr>
+            <a:r>
+              <a:rPr lang="en-US" sz="1200" b="1" dirty="0" smtClean="0">
+                <a:solidFill>
+                  <a:srgbClr val="002060"/>
+                </a:solidFill>
+                <a:latin typeface="Calibri" panose="020F0502020204030204" pitchFamily="34" charset="0"/>
+              </a:rPr>
+              <a:t>Technology Architecture: </a:t>
+            </a:r>
+            <a:r>
+              <a:rPr lang="en-US" sz="1200" dirty="0" smtClean="0">
+                <a:latin typeface="Calibri" panose="020F0502020204030204" pitchFamily="34" charset="0"/>
+              </a:rPr>
+              <a:t>Describes the hardware and software infrastructure that support the applications and their interactions.</a:t>
+            </a:r>
+          </a:p>
+        </p:txBody>
+      </p:sp>
+      <p:sp>
+        <p:nvSpPr>
+          <p:cNvPr id="4" name="Slide Number Placeholder 3"/>
+          <p:cNvSpPr>
+            <a:spLocks noGrp="1"/>
+          </p:cNvSpPr>
+          <p:nvPr>
+            <p:ph type="sldNum" sz="quarter" idx="10"/>
+          </p:nvPr>
+        </p:nvSpPr>
+        <p:spPr/>
+        <p:txBody>
+          <a:bodyPr/>
+          <a:lstStyle/>
+          <a:p>
+            <a:pPr>
+              <a:defRPr/>
+            </a:pPr>
+            <a:fld id="{2243CCA8-BAFD-7144-8E02-BD9119658895}" type="slidenum">
+              <a:rPr lang="en-US" smtClean="0"/>
+              <a:pPr>
+                <a:defRPr/>
+              </a:pPr>
+              <a:t>16</a:t>
+            </a:fld>
+            <a:endParaRPr lang="en-US"/>
+          </a:p>
+        </p:txBody>
+      </p:sp>
+    </p:spTree>
+    <p:extLst>
+      <p:ext uri="{BB962C8B-B14F-4D97-AF65-F5344CB8AC3E}">
+        <p14:creationId xmlns:p14="http://schemas.microsoft.com/office/powerpoint/2010/main" val="910409922"/>
+      </p:ext>
+    </p:extLst>
+  </p:cSld>
+  <p:clrMapOvr>
+    <a:masterClrMapping/>
+  </p:clrMapOvr>
+</p:notes>
+</file>
+
+<file path=ppt/notesSlides/notesSlide5.xml><?xml version="1.0" encoding="utf-8"?>
+<p:notes xmlns:a="http://schemas.openxmlformats.org/drawingml/2006/main" xmlns:r="http://schemas.openxmlformats.org/officeDocument/2006/relationships" xmlns:p="http://schemas.openxmlformats.org/presentationml/2006/main">
+  <p:cSld>
+    <p:spTree>
+      <p:nvGrpSpPr>
+        <p:cNvPr id="1" name=""/>
+        <p:cNvGrpSpPr/>
+        <p:nvPr/>
+      </p:nvGrpSpPr>
+      <p:grpSpPr>
+        <a:xfrm>
+          <a:off x="0" y="0"/>
+          <a:ext cx="0" cy="0"/>
+          <a:chOff x="0" y="0"/>
+          <a:chExt cx="0" cy="0"/>
+        </a:xfrm>
+      </p:grpSpPr>
+      <p:sp>
+        <p:nvSpPr>
+          <p:cNvPr id="2" name="Slide Image Placeholder 1"/>
+          <p:cNvSpPr>
+            <a:spLocks noGrp="1" noRot="1" noChangeAspect="1"/>
+          </p:cNvSpPr>
+          <p:nvPr>
+            <p:ph type="sldImg"/>
+          </p:nvPr>
+        </p:nvSpPr>
+        <p:spPr/>
+      </p:sp>
+      <p:sp>
+        <p:nvSpPr>
+          <p:cNvPr id="3" name="Notes Placeholder 2"/>
+          <p:cNvSpPr>
+            <a:spLocks noGrp="1"/>
+          </p:cNvSpPr>
+          <p:nvPr>
+            <p:ph type="body" idx="1"/>
+          </p:nvPr>
+        </p:nvSpPr>
+        <p:spPr/>
+        <p:txBody>
+          <a:bodyPr/>
+          <a:lstStyle/>
+          <a:p>
+            <a:r>
+              <a:rPr lang="en-US" dirty="0" smtClean="0"/>
+              <a:t>Gartner(http://</a:t>
+            </a:r>
+            <a:r>
+              <a:rPr lang="en-US" dirty="0" err="1" smtClean="0"/>
+              <a:t>www.gartner.com</a:t>
+            </a:r>
+            <a:r>
+              <a:rPr lang="en-US" dirty="0" smtClean="0"/>
+              <a:t>/it-glossary/enterprise-architecture-</a:t>
+            </a:r>
+            <a:r>
+              <a:rPr lang="en-US" dirty="0" err="1" smtClean="0"/>
+              <a:t>ea</a:t>
+            </a:r>
+            <a:r>
+              <a:rPr lang="en-US" dirty="0" smtClean="0"/>
+              <a:t>/):</a:t>
+            </a:r>
+            <a:r>
+              <a:rPr lang="en-US" baseline="0" dirty="0" smtClean="0"/>
+              <a:t> </a:t>
+            </a:r>
+            <a:r>
+              <a:rPr lang="en-US" sz="1200" b="1" kern="1200" dirty="0" smtClean="0">
+                <a:solidFill>
+                  <a:schemeClr val="tx1"/>
+                </a:solidFill>
+                <a:latin typeface="+mn-lt"/>
+                <a:ea typeface="ＭＳ Ｐゴシック" charset="0"/>
+                <a:cs typeface="ＭＳ Ｐゴシック" charset="0"/>
+              </a:rPr>
+              <a:t>Enterprise architecture (EA)</a:t>
+            </a:r>
+            <a:r>
+              <a:rPr lang="en-US" sz="1200" b="0" kern="1200" dirty="0" smtClean="0">
+                <a:solidFill>
+                  <a:schemeClr val="tx1"/>
+                </a:solidFill>
+                <a:latin typeface="+mn-lt"/>
+                <a:ea typeface="ＭＳ Ｐゴシック" charset="0"/>
+                <a:cs typeface="ＭＳ Ｐゴシック" charset="0"/>
+              </a:rPr>
+              <a:t> is a discipline for proactively and holistically leading enterprise responses to disruptive forces by identifying and analyzing the execution of change toward desired business vision and outcomes. EA delivers value by presenting business and IT leaders with signature-ready recommendations for adjusting policies and projects to achieve target business outcomes that capitalize on relevant business disruptions.</a:t>
+            </a:r>
+          </a:p>
+          <a:p>
+            <a:endParaRPr lang="en-US" sz="1200" b="0" kern="1200" dirty="0" smtClean="0">
+              <a:solidFill>
+                <a:schemeClr val="tx1"/>
+              </a:solidFill>
+              <a:latin typeface="+mn-lt"/>
+              <a:ea typeface="ＭＳ Ｐゴシック" charset="0"/>
+              <a:cs typeface="ＭＳ Ｐゴシック" charset="0"/>
+            </a:endParaRPr>
+          </a:p>
+          <a:p>
+            <a:r>
+              <a:rPr lang="en-US" sz="1200" b="0" kern="1200" dirty="0" smtClean="0">
+                <a:solidFill>
+                  <a:schemeClr val="tx1"/>
+                </a:solidFill>
+                <a:latin typeface="+mn-lt"/>
+                <a:ea typeface="ＭＳ Ｐゴシック" charset="0"/>
+                <a:cs typeface="ＭＳ Ｐゴシック" charset="0"/>
+              </a:rPr>
+              <a:t>Wikipedia(https://</a:t>
+            </a:r>
+            <a:r>
+              <a:rPr lang="en-US" sz="1200" b="0" kern="1200" dirty="0" err="1" smtClean="0">
+                <a:solidFill>
+                  <a:schemeClr val="tx1"/>
+                </a:solidFill>
+                <a:latin typeface="+mn-lt"/>
+                <a:ea typeface="ＭＳ Ｐゴシック" charset="0"/>
+                <a:cs typeface="ＭＳ Ｐゴシック" charset="0"/>
+              </a:rPr>
+              <a:t>en.wikipedia.org</a:t>
+            </a:r>
+            <a:r>
+              <a:rPr lang="en-US" sz="1200" b="0" kern="1200" dirty="0" smtClean="0">
+                <a:solidFill>
+                  <a:schemeClr val="tx1"/>
+                </a:solidFill>
+                <a:latin typeface="+mn-lt"/>
+                <a:ea typeface="ＭＳ Ｐゴシック" charset="0"/>
+                <a:cs typeface="ＭＳ Ｐゴシック" charset="0"/>
+              </a:rPr>
+              <a:t>/wiki/</a:t>
+            </a:r>
+            <a:r>
+              <a:rPr lang="en-US" sz="1200" b="0" kern="1200" dirty="0" err="1" smtClean="0">
+                <a:solidFill>
+                  <a:schemeClr val="tx1"/>
+                </a:solidFill>
+                <a:latin typeface="+mn-lt"/>
+                <a:ea typeface="ＭＳ Ｐゴシック" charset="0"/>
+                <a:cs typeface="ＭＳ Ｐゴシック" charset="0"/>
+              </a:rPr>
+              <a:t>Enterprise_architecture</a:t>
+            </a:r>
+            <a:r>
+              <a:rPr lang="en-US" sz="1200" b="0" kern="1200" dirty="0" smtClean="0">
+                <a:solidFill>
+                  <a:schemeClr val="tx1"/>
+                </a:solidFill>
+                <a:latin typeface="+mn-lt"/>
+                <a:ea typeface="ＭＳ Ｐゴシック" charset="0"/>
+                <a:cs typeface="ＭＳ Ｐゴシック" charset="0"/>
+              </a:rPr>
+              <a:t>):</a:t>
+            </a:r>
+            <a:r>
+              <a:rPr lang="en-US" sz="1200" b="0" kern="1200" baseline="0" dirty="0" smtClean="0">
+                <a:solidFill>
+                  <a:schemeClr val="tx1"/>
+                </a:solidFill>
+                <a:latin typeface="+mn-lt"/>
+                <a:ea typeface="ＭＳ Ｐゴシック" charset="0"/>
+                <a:cs typeface="ＭＳ Ｐゴシック" charset="0"/>
+              </a:rPr>
+              <a:t> </a:t>
+            </a:r>
+            <a:r>
+              <a:rPr lang="en-US" sz="1200" b="1" kern="1200" dirty="0" smtClean="0">
+                <a:solidFill>
+                  <a:schemeClr val="tx1"/>
+                </a:solidFill>
+                <a:latin typeface="+mn-lt"/>
+                <a:ea typeface="ＭＳ Ｐゴシック" charset="0"/>
+                <a:cs typeface="ＭＳ Ｐゴシック" charset="0"/>
+              </a:rPr>
+              <a:t>Enterprise architecture</a:t>
+            </a:r>
+            <a:r>
+              <a:rPr lang="en-US" sz="1200" b="0" kern="1200" dirty="0" smtClean="0">
+                <a:solidFill>
+                  <a:schemeClr val="tx1"/>
+                </a:solidFill>
+                <a:latin typeface="+mn-lt"/>
+                <a:ea typeface="ＭＳ Ｐゴシック" charset="0"/>
+                <a:cs typeface="ＭＳ Ｐゴシック" charset="0"/>
+              </a:rPr>
+              <a:t> (</a:t>
+            </a:r>
+            <a:r>
+              <a:rPr lang="en-US" sz="1200" b="1" kern="1200" dirty="0" smtClean="0">
+                <a:solidFill>
+                  <a:schemeClr val="tx1"/>
+                </a:solidFill>
+                <a:latin typeface="+mn-lt"/>
+                <a:ea typeface="ＭＳ Ｐゴシック" charset="0"/>
+                <a:cs typeface="ＭＳ Ｐゴシック" charset="0"/>
+              </a:rPr>
+              <a:t>EA</a:t>
+            </a:r>
+            <a:r>
+              <a:rPr lang="en-US" sz="1200" b="0" kern="1200" dirty="0" smtClean="0">
+                <a:solidFill>
+                  <a:schemeClr val="tx1"/>
+                </a:solidFill>
+                <a:latin typeface="+mn-lt"/>
+                <a:ea typeface="ＭＳ Ｐゴシック" charset="0"/>
+                <a:cs typeface="ＭＳ Ｐゴシック" charset="0"/>
+              </a:rPr>
+              <a:t>) is "a well-defined practice for conducting enterprise analysis, design, planning, and implementation, using a holistic approach at all times, for the successful development and execution of strategy. Enterprise architecture applies architecture principles and practices to guide organizations through the business, information, process, and technology changes necessary to execute their strategies. These practices utilize the various aspects of an enterprise to identify, motivate, and achieve these changes.".</a:t>
+            </a:r>
+            <a:r>
+              <a:rPr lang="en-US" sz="1200" b="0" kern="1200" baseline="30000" dirty="0" smtClean="0">
+                <a:solidFill>
+                  <a:schemeClr val="tx1"/>
+                </a:solidFill>
+                <a:latin typeface="+mn-lt"/>
+                <a:ea typeface="ＭＳ Ｐゴシック" charset="0"/>
+                <a:cs typeface="ＭＳ Ｐゴシック" charset="0"/>
+                <a:hlinkClick r:id="rId3"/>
+              </a:rPr>
+              <a:t>[1]</a:t>
+            </a:r>
+            <a:endParaRPr lang="en-US" sz="1200" b="0" kern="1200" baseline="0" dirty="0" smtClean="0">
+              <a:solidFill>
+                <a:schemeClr val="tx1"/>
+              </a:solidFill>
+              <a:latin typeface="+mn-lt"/>
+              <a:ea typeface="ＭＳ Ｐゴシック" charset="0"/>
+              <a:cs typeface="ＭＳ Ｐゴシック" charset="0"/>
+            </a:endParaRPr>
+          </a:p>
+          <a:p>
+            <a:r>
+              <a:rPr lang="en-US" sz="1200" b="0" kern="1200" baseline="0" dirty="0" smtClean="0">
+                <a:solidFill>
+                  <a:schemeClr val="tx1"/>
+                </a:solidFill>
+                <a:latin typeface="+mn-lt"/>
+                <a:ea typeface="ＭＳ Ｐゴシック" charset="0"/>
+                <a:cs typeface="ＭＳ Ｐゴシック" charset="0"/>
+              </a:rPr>
+              <a:t>    =&gt; BASED ON:  Federation of Enterprise Architecture Professional Organizations: FEAPO - http://</a:t>
+            </a:r>
+            <a:r>
+              <a:rPr lang="en-US" sz="1200" b="0" kern="1200" baseline="0" dirty="0" err="1" smtClean="0">
+                <a:solidFill>
+                  <a:schemeClr val="tx1"/>
+                </a:solidFill>
+                <a:latin typeface="+mn-lt"/>
+                <a:ea typeface="ＭＳ Ｐゴシック" charset="0"/>
+                <a:cs typeface="ＭＳ Ｐゴシック" charset="0"/>
+              </a:rPr>
+              <a:t>feapo.org</a:t>
+            </a:r>
+            <a:r>
+              <a:rPr lang="en-US" sz="1200" b="0" kern="1200" baseline="0" dirty="0" smtClean="0">
+                <a:solidFill>
+                  <a:schemeClr val="tx1"/>
+                </a:solidFill>
+                <a:latin typeface="+mn-lt"/>
+                <a:ea typeface="ＭＳ Ｐゴシック" charset="0"/>
+                <a:cs typeface="ＭＳ Ｐゴシック" charset="0"/>
+              </a:rPr>
+              <a:t>/</a:t>
+            </a:r>
+            <a:r>
+              <a:rPr lang="en-US" sz="1200" b="0" kern="1200" baseline="0" dirty="0" err="1" smtClean="0">
+                <a:solidFill>
+                  <a:schemeClr val="tx1"/>
+                </a:solidFill>
+                <a:latin typeface="+mn-lt"/>
+                <a:ea typeface="ＭＳ Ｐゴシック" charset="0"/>
+                <a:cs typeface="ＭＳ Ｐゴシック" charset="0"/>
+              </a:rPr>
+              <a:t>wp</a:t>
+            </a:r>
+            <a:r>
+              <a:rPr lang="en-US" sz="1200" b="0" kern="1200" baseline="0" dirty="0" smtClean="0">
+                <a:solidFill>
+                  <a:schemeClr val="tx1"/>
+                </a:solidFill>
+                <a:latin typeface="+mn-lt"/>
+                <a:ea typeface="ＭＳ Ｐゴシック" charset="0"/>
+                <a:cs typeface="ＭＳ Ｐゴシック" charset="0"/>
+              </a:rPr>
+              <a:t>-content/uploads/2013/11/Common-Perspectives-on-Enterprise-Architecture-v15.pdf</a:t>
+            </a:r>
+          </a:p>
+          <a:p>
+            <a:endParaRPr lang="en-US" sz="1200" b="0" kern="1200" baseline="0" dirty="0" smtClean="0">
+              <a:solidFill>
+                <a:schemeClr val="tx1"/>
+              </a:solidFill>
+              <a:latin typeface="+mn-lt"/>
+              <a:ea typeface="ＭＳ Ｐゴシック" charset="0"/>
+              <a:cs typeface="ＭＳ Ｐゴシック" charset="0"/>
+            </a:endParaRPr>
+          </a:p>
+          <a:p>
+            <a:pPr marL="0" marR="0" indent="0" algn="l" defTabSz="457200" rtl="0" eaLnBrk="0" fontAlgn="base" latinLnBrk="0" hangingPunct="0">
+              <a:lnSpc>
+                <a:spcPct val="100000"/>
+              </a:lnSpc>
+              <a:spcBef>
+                <a:spcPct val="30000"/>
+              </a:spcBef>
+              <a:spcAft>
+                <a:spcPct val="0"/>
+              </a:spcAft>
+              <a:buClrTx/>
+              <a:buSzTx/>
+              <a:buFontTx/>
+              <a:buNone/>
+              <a:tabLst/>
+              <a:defRPr/>
+            </a:pPr>
+            <a:r>
+              <a:rPr lang="en-US" sz="1200" b="0" kern="1200" baseline="0" dirty="0" smtClean="0">
+                <a:solidFill>
+                  <a:schemeClr val="tx1"/>
+                </a:solidFill>
+                <a:latin typeface="+mn-lt"/>
+                <a:ea typeface="ＭＳ Ｐゴシック" charset="0"/>
+                <a:cs typeface="ＭＳ Ｐゴシック" charset="0"/>
+              </a:rPr>
+              <a:t>IST-EA’s 3-year plan(): </a:t>
+            </a:r>
+            <a:r>
+              <a:rPr lang="en-CA" sz="1200" b="1" kern="1200" dirty="0" smtClean="0">
+                <a:solidFill>
+                  <a:schemeClr val="tx1"/>
+                </a:solidFill>
+                <a:effectLst/>
+                <a:latin typeface="+mn-lt"/>
+                <a:ea typeface="ＭＳ Ｐゴシック" charset="0"/>
+                <a:cs typeface="ＭＳ Ｐゴシック" charset="0"/>
+              </a:rPr>
+              <a:t>Enterprise Architecture (EA)</a:t>
+            </a:r>
+            <a:r>
+              <a:rPr lang="en-CA" sz="1200" kern="1200" dirty="0" smtClean="0">
+                <a:solidFill>
+                  <a:schemeClr val="tx1"/>
+                </a:solidFill>
+                <a:effectLst/>
+                <a:latin typeface="+mn-lt"/>
+                <a:ea typeface="ＭＳ Ｐゴシック" charset="0"/>
+                <a:cs typeface="ＭＳ Ｐゴシック" charset="0"/>
+              </a:rPr>
+              <a:t> is the overall representation of an enterprise’s business and information technology.  EA plays a key role in formulating and implementing the strategic plans of an enterprise.  It provides architectural principles, standards and guidelines to inform the procurement, development and deployment of an integrated technology ecosystem. The ultimate goal of EA is to meet the business needs within the enterprise in an </a:t>
+            </a:r>
+            <a:r>
+              <a:rPr lang="en-US" sz="1200" kern="1200" dirty="0" smtClean="0">
+                <a:solidFill>
+                  <a:schemeClr val="tx1"/>
+                </a:solidFill>
+                <a:effectLst/>
+                <a:latin typeface="+mn-lt"/>
+                <a:ea typeface="ＭＳ Ｐゴシック" charset="0"/>
+                <a:cs typeface="ＭＳ Ｐゴシック" charset="0"/>
+              </a:rPr>
+              <a:t>efficient, sustainable, agile and adaptable manner</a:t>
+            </a:r>
+            <a:r>
+              <a:rPr lang="en-CA" sz="1200" kern="1200" dirty="0" smtClean="0">
+                <a:solidFill>
+                  <a:schemeClr val="tx1"/>
+                </a:solidFill>
+                <a:effectLst/>
+                <a:latin typeface="+mn-lt"/>
+                <a:ea typeface="ＭＳ Ｐゴシック" charset="0"/>
+                <a:cs typeface="ＭＳ Ｐゴシック" charset="0"/>
+              </a:rPr>
+              <a:t>. </a:t>
+            </a:r>
+          </a:p>
+          <a:p>
+            <a:endParaRPr lang="en-US" sz="1200" b="0" kern="1200" baseline="30000" dirty="0" smtClean="0">
+              <a:solidFill>
+                <a:schemeClr val="tx1"/>
+              </a:solidFill>
+              <a:latin typeface="+mn-lt"/>
+              <a:ea typeface="ＭＳ Ｐゴシック" charset="0"/>
+              <a:cs typeface="ＭＳ Ｐゴシック" charset="0"/>
+            </a:endParaRPr>
+          </a:p>
+        </p:txBody>
+      </p:sp>
+      <p:sp>
+        <p:nvSpPr>
+          <p:cNvPr id="4" name="Slide Number Placeholder 3"/>
+          <p:cNvSpPr>
+            <a:spLocks noGrp="1"/>
+          </p:cNvSpPr>
+          <p:nvPr>
+            <p:ph type="sldNum" sz="quarter" idx="10"/>
+          </p:nvPr>
+        </p:nvSpPr>
+        <p:spPr/>
+        <p:txBody>
+          <a:bodyPr/>
+          <a:lstStyle/>
+          <a:p>
+            <a:pPr>
+              <a:defRPr/>
+            </a:pPr>
+            <a:fld id="{2243CCA8-BAFD-7144-8E02-BD9119658895}" type="slidenum">
+              <a:rPr lang="en-US" smtClean="0"/>
+              <a:pPr>
+                <a:defRPr/>
+              </a:pPr>
+              <a:t>20</a:t>
+            </a:fld>
+            <a:endParaRPr lang="en-US"/>
+          </a:p>
+        </p:txBody>
+      </p:sp>
+    </p:spTree>
+    <p:extLst>
+      <p:ext uri="{BB962C8B-B14F-4D97-AF65-F5344CB8AC3E}">
+        <p14:creationId xmlns:p14="http://schemas.microsoft.com/office/powerpoint/2010/main" val="527736154"/>
+      </p:ext>
+    </p:extLst>
+  </p:cSld>
+  <p:clrMapOvr>
+    <a:masterClrMapping/>
+  </p:clrMapOvr>
+</p:notes>
+</file>
+
+<file path=ppt/notesSlides/notesSlide6.xml><?xml version="1.0" encoding="utf-8"?>
+<p:notes xmlns:a="http://schemas.openxmlformats.org/drawingml/2006/main" xmlns:r="http://schemas.openxmlformats.org/officeDocument/2006/relationships" xmlns:p="http://schemas.openxmlformats.org/presentationml/2006/main">
+  <p:cSld>
+    <p:spTree>
+      <p:nvGrpSpPr>
+        <p:cNvPr id="1" name=""/>
+        <p:cNvGrpSpPr/>
+        <p:nvPr/>
+      </p:nvGrpSpPr>
+      <p:grpSpPr>
+        <a:xfrm>
+          <a:off x="0" y="0"/>
+          <a:ext cx="0" cy="0"/>
+          <a:chOff x="0" y="0"/>
+          <a:chExt cx="0" cy="0"/>
+        </a:xfrm>
+      </p:grpSpPr>
+      <p:sp>
+        <p:nvSpPr>
+          <p:cNvPr id="2" name="Slide Image Placeholder 1"/>
+          <p:cNvSpPr>
+            <a:spLocks noGrp="1" noRot="1" noChangeAspect="1"/>
+          </p:cNvSpPr>
+          <p:nvPr>
+            <p:ph type="sldImg"/>
+          </p:nvPr>
+        </p:nvSpPr>
+        <p:spPr/>
+      </p:sp>
+      <p:sp>
+        <p:nvSpPr>
+          <p:cNvPr id="3" name="Notes Placeholder 2"/>
+          <p:cNvSpPr>
+            <a:spLocks noGrp="1"/>
+          </p:cNvSpPr>
+          <p:nvPr>
+            <p:ph type="body" idx="1"/>
+          </p:nvPr>
+        </p:nvSpPr>
+        <p:spPr/>
+        <p:txBody>
+          <a:bodyPr/>
+          <a:lstStyle/>
+          <a:p>
+            <a:pPr marL="0" marR="0" indent="0" algn="l" defTabSz="457200" rtl="0" eaLnBrk="0" fontAlgn="base" latinLnBrk="0" hangingPunct="0">
+              <a:lnSpc>
+                <a:spcPct val="100000"/>
+              </a:lnSpc>
+              <a:spcBef>
+                <a:spcPct val="30000"/>
+              </a:spcBef>
+              <a:spcAft>
+                <a:spcPct val="0"/>
+              </a:spcAft>
+              <a:buClrTx/>
+              <a:buSzTx/>
+              <a:buFontTx/>
+              <a:buNone/>
+              <a:tabLst/>
+              <a:defRPr/>
+            </a:pPr>
+            <a:r>
+              <a:rPr lang="en-CA" sz="1200" kern="1200" dirty="0" smtClean="0">
+                <a:solidFill>
+                  <a:schemeClr val="tx1"/>
+                </a:solidFill>
+                <a:effectLst/>
+                <a:latin typeface="+mn-lt"/>
+                <a:ea typeface="ＭＳ Ｐゴシック" charset="0"/>
+                <a:cs typeface="ＭＳ Ｐゴシック" charset="0"/>
+              </a:rPr>
+              <a:t>Whitehouse (https://</a:t>
+            </a:r>
+            <a:r>
+              <a:rPr lang="en-CA" sz="1200" kern="1200" dirty="0" err="1" smtClean="0">
+                <a:solidFill>
+                  <a:schemeClr val="tx1"/>
+                </a:solidFill>
+                <a:effectLst/>
+                <a:latin typeface="+mn-lt"/>
+                <a:ea typeface="ＭＳ Ｐゴシック" charset="0"/>
+                <a:cs typeface="ＭＳ Ｐゴシック" charset="0"/>
+              </a:rPr>
+              <a:t>www.whitehouse.gov</a:t>
+            </a:r>
+            <a:r>
+              <a:rPr lang="en-CA" sz="1200" kern="1200" dirty="0" smtClean="0">
+                <a:solidFill>
+                  <a:schemeClr val="tx1"/>
+                </a:solidFill>
+                <a:effectLst/>
+                <a:latin typeface="+mn-lt"/>
+                <a:ea typeface="ＭＳ Ｐゴシック" charset="0"/>
+                <a:cs typeface="ＭＳ Ｐゴシック" charset="0"/>
+              </a:rPr>
+              <a:t>/sites/default/files/</a:t>
+            </a:r>
+            <a:r>
+              <a:rPr lang="en-CA" sz="1200" kern="1200" dirty="0" err="1" smtClean="0">
+                <a:solidFill>
+                  <a:schemeClr val="tx1"/>
+                </a:solidFill>
+                <a:effectLst/>
+                <a:latin typeface="+mn-lt"/>
+                <a:ea typeface="ＭＳ Ｐゴシック" charset="0"/>
+                <a:cs typeface="ＭＳ Ｐゴシック" charset="0"/>
+              </a:rPr>
+              <a:t>omb</a:t>
+            </a:r>
+            <a:r>
+              <a:rPr lang="en-CA" sz="1200" kern="1200" dirty="0" smtClean="0">
+                <a:solidFill>
+                  <a:schemeClr val="tx1"/>
+                </a:solidFill>
+                <a:effectLst/>
+                <a:latin typeface="+mn-lt"/>
+                <a:ea typeface="ＭＳ Ｐゴシック" charset="0"/>
+                <a:cs typeface="ＭＳ Ｐゴシック" charset="0"/>
+              </a:rPr>
+              <a:t>/assets/</a:t>
+            </a:r>
+            <a:r>
+              <a:rPr lang="en-CA" sz="1200" kern="1200" dirty="0" err="1" smtClean="0">
+                <a:solidFill>
+                  <a:schemeClr val="tx1"/>
+                </a:solidFill>
+                <a:effectLst/>
+                <a:latin typeface="+mn-lt"/>
+                <a:ea typeface="ＭＳ Ｐゴシック" charset="0"/>
+                <a:cs typeface="ＭＳ Ｐゴシック" charset="0"/>
+              </a:rPr>
+              <a:t>egov_docs</a:t>
+            </a:r>
+            <a:r>
+              <a:rPr lang="en-CA" sz="1200" kern="1200" dirty="0" smtClean="0">
+                <a:solidFill>
+                  <a:schemeClr val="tx1"/>
+                </a:solidFill>
+                <a:effectLst/>
+                <a:latin typeface="+mn-lt"/>
+                <a:ea typeface="ＭＳ Ｐゴシック" charset="0"/>
+                <a:cs typeface="ＭＳ Ｐゴシック" charset="0"/>
+              </a:rPr>
+              <a:t>/</a:t>
+            </a:r>
+            <a:r>
+              <a:rPr lang="en-CA" sz="1200" kern="1200" dirty="0" err="1" smtClean="0">
+                <a:solidFill>
+                  <a:schemeClr val="tx1"/>
+                </a:solidFill>
+                <a:effectLst/>
+                <a:latin typeface="+mn-lt"/>
+                <a:ea typeface="ＭＳ Ｐゴシック" charset="0"/>
+                <a:cs typeface="ＭＳ Ｐゴシック" charset="0"/>
+              </a:rPr>
+              <a:t>common_approach_to_federal_ea.pdf</a:t>
+            </a:r>
+            <a:r>
+              <a:rPr lang="en-CA" sz="1200" kern="1200" dirty="0" smtClean="0">
+                <a:solidFill>
+                  <a:schemeClr val="tx1"/>
+                </a:solidFill>
+                <a:effectLst/>
+                <a:latin typeface="+mn-lt"/>
+                <a:ea typeface="ＭＳ Ｐゴシック" charset="0"/>
+                <a:cs typeface="ＭＳ Ｐゴシック" charset="0"/>
+              </a:rPr>
+              <a:t>)</a:t>
+            </a:r>
+            <a:r>
+              <a:rPr lang="en-CA" sz="1200" b="1" kern="1200" dirty="0" smtClean="0">
+                <a:solidFill>
+                  <a:schemeClr val="tx1"/>
+                </a:solidFill>
+                <a:effectLst/>
+                <a:latin typeface="+mn-lt"/>
+                <a:ea typeface="ＭＳ Ｐゴシック" charset="0"/>
+                <a:cs typeface="ＭＳ Ｐゴシック" charset="0"/>
+              </a:rPr>
+              <a:t>:</a:t>
+            </a:r>
+            <a:r>
+              <a:rPr lang="en-CA" sz="1200" b="1" kern="1200" baseline="0" dirty="0" smtClean="0">
+                <a:solidFill>
+                  <a:schemeClr val="tx1"/>
+                </a:solidFill>
+                <a:effectLst/>
+                <a:latin typeface="+mn-lt"/>
+                <a:ea typeface="ＭＳ Ｐゴシック" charset="0"/>
+                <a:cs typeface="ＭＳ Ｐゴシック" charset="0"/>
+              </a:rPr>
+              <a:t> </a:t>
+            </a:r>
+            <a:r>
+              <a:rPr lang="en-US" sz="1200" b="1" kern="1200" dirty="0" smtClean="0">
+                <a:solidFill>
+                  <a:schemeClr val="tx1"/>
+                </a:solidFill>
+                <a:latin typeface="+mn-lt"/>
+                <a:ea typeface="ＭＳ Ｐゴシック" charset="0"/>
+                <a:cs typeface="ＭＳ Ｐゴシック" charset="0"/>
+              </a:rPr>
+              <a:t>Enterprise Architecture </a:t>
+            </a:r>
+            <a:r>
+              <a:rPr lang="en-US" sz="1200" kern="1200" dirty="0" smtClean="0">
+                <a:solidFill>
+                  <a:schemeClr val="tx1"/>
+                </a:solidFill>
+                <a:latin typeface="+mn-lt"/>
+                <a:ea typeface="ＭＳ Ｐゴシック" charset="0"/>
+                <a:cs typeface="ＭＳ Ｐゴシック" charset="0"/>
+              </a:rPr>
+              <a:t>means a strategic information asset base, which defines the mission; the information necessary to perform the mission, the technologies necessary to perform the mission, and the transitional processes for implementing new technologies in response to changing mission needs; and includes a baseline architecture, a target architecture, and a sequencing plan.</a:t>
+            </a:r>
+            <a:endParaRPr lang="en-US" sz="1200" b="0" kern="1200" baseline="30000" dirty="0" smtClean="0">
+              <a:solidFill>
+                <a:schemeClr val="tx1"/>
+              </a:solidFill>
+              <a:latin typeface="+mn-lt"/>
+              <a:ea typeface="ＭＳ Ｐゴシック" charset="0"/>
+              <a:cs typeface="ＭＳ Ｐゴシック" charset="0"/>
+            </a:endParaRPr>
+          </a:p>
+        </p:txBody>
+      </p:sp>
+      <p:sp>
+        <p:nvSpPr>
+          <p:cNvPr id="4" name="Slide Number Placeholder 3"/>
+          <p:cNvSpPr>
+            <a:spLocks noGrp="1"/>
+          </p:cNvSpPr>
+          <p:nvPr>
+            <p:ph type="sldNum" sz="quarter" idx="10"/>
+          </p:nvPr>
+        </p:nvSpPr>
+        <p:spPr/>
+        <p:txBody>
+          <a:bodyPr/>
+          <a:lstStyle/>
+          <a:p>
+            <a:pPr>
+              <a:defRPr/>
+            </a:pPr>
+            <a:fld id="{2243CCA8-BAFD-7144-8E02-BD9119658895}" type="slidenum">
+              <a:rPr lang="en-US" smtClean="0"/>
+              <a:pPr>
+                <a:defRPr/>
+              </a:pPr>
+              <a:t>21</a:t>
+            </a:fld>
+            <a:endParaRPr lang="en-US"/>
+          </a:p>
+        </p:txBody>
+      </p:sp>
+    </p:spTree>
+    <p:extLst>
+      <p:ext uri="{BB962C8B-B14F-4D97-AF65-F5344CB8AC3E}">
+        <p14:creationId xmlns:p14="http://schemas.microsoft.com/office/powerpoint/2010/main" val="527736154"/>
+      </p:ext>
+    </p:extLst>
+  </p:cSld>
+  <p:clrMapOvr>
+    <a:masterClrMapping/>
+  </p:clrMapOvr>
+</p:notes>
+</file>
+
+<file path=ppt/notesSlides/notesSlide7.xml><?xml version="1.0" encoding="utf-8"?>
+<p:notes xmlns:a="http://schemas.openxmlformats.org/drawingml/2006/main" xmlns:r="http://schemas.openxmlformats.org/officeDocument/2006/relationships" xmlns:p="http://schemas.openxmlformats.org/presentationml/2006/main">
+  <p:cSld>
+    <p:spTree>
+      <p:nvGrpSpPr>
+        <p:cNvPr id="1" name=""/>
+        <p:cNvGrpSpPr/>
+        <p:nvPr/>
+      </p:nvGrpSpPr>
+      <p:grpSpPr>
+        <a:xfrm>
+          <a:off x="0" y="0"/>
+          <a:ext cx="0" cy="0"/>
+          <a:chOff x="0" y="0"/>
+          <a:chExt cx="0" cy="0"/>
+        </a:xfrm>
+      </p:grpSpPr>
+      <p:sp>
+        <p:nvSpPr>
+          <p:cNvPr id="2" name="Slide Image Placeholder 1"/>
+          <p:cNvSpPr>
+            <a:spLocks noGrp="1" noRot="1" noChangeAspect="1"/>
+          </p:cNvSpPr>
+          <p:nvPr>
+            <p:ph type="sldImg"/>
+          </p:nvPr>
+        </p:nvSpPr>
+        <p:spPr/>
+      </p:sp>
+      <p:sp>
+        <p:nvSpPr>
+          <p:cNvPr id="3" name="Notes Placeholder 2"/>
+          <p:cNvSpPr>
+            <a:spLocks noGrp="1"/>
+          </p:cNvSpPr>
+          <p:nvPr>
+            <p:ph type="body" idx="1"/>
+          </p:nvPr>
+        </p:nvSpPr>
+        <p:spPr/>
+        <p:txBody>
+          <a:bodyPr/>
+          <a:lstStyle/>
+          <a:p>
+            <a:pPr marL="0" marR="0" indent="0" algn="l" defTabSz="457200" rtl="0" eaLnBrk="0" fontAlgn="base" latinLnBrk="0" hangingPunct="0">
+              <a:lnSpc>
+                <a:spcPct val="100000"/>
+              </a:lnSpc>
+              <a:spcBef>
+                <a:spcPct val="30000"/>
+              </a:spcBef>
+              <a:spcAft>
+                <a:spcPct val="0"/>
+              </a:spcAft>
+              <a:buClrTx/>
+              <a:buSzTx/>
+              <a:buFontTx/>
+              <a:buNone/>
+              <a:tabLst/>
+              <a:defRPr/>
+            </a:pPr>
+            <a:r>
+              <a:rPr lang="en-US" sz="1200" b="1" dirty="0" smtClean="0">
+                <a:solidFill>
+                  <a:srgbClr val="002060"/>
+                </a:solidFill>
+                <a:latin typeface="Calibri" panose="020F0502020204030204" pitchFamily="34" charset="0"/>
+              </a:rPr>
+              <a:t>IST-EA’s Simplified Definitions</a:t>
+            </a:r>
+          </a:p>
+          <a:p>
+            <a:pPr marL="0" marR="0" indent="0" algn="l" defTabSz="457200" rtl="0" eaLnBrk="0" fontAlgn="base" latinLnBrk="0" hangingPunct="0">
+              <a:lnSpc>
+                <a:spcPct val="100000"/>
+              </a:lnSpc>
+              <a:spcBef>
+                <a:spcPct val="30000"/>
+              </a:spcBef>
+              <a:spcAft>
+                <a:spcPct val="0"/>
+              </a:spcAft>
+              <a:buClrTx/>
+              <a:buSzTx/>
+              <a:buFontTx/>
+              <a:buNone/>
+              <a:tabLst/>
+              <a:defRPr/>
+            </a:pPr>
+            <a:r>
+              <a:rPr lang="en-US" sz="1200" b="1" dirty="0" smtClean="0">
+                <a:solidFill>
+                  <a:srgbClr val="002060"/>
+                </a:solidFill>
+                <a:latin typeface="Calibri" panose="020F0502020204030204" pitchFamily="34" charset="0"/>
+              </a:rPr>
+              <a:t>=========================</a:t>
+            </a:r>
+          </a:p>
+          <a:p>
+            <a:pPr marL="0" marR="0" indent="0" algn="l" defTabSz="457200" rtl="0" eaLnBrk="0" fontAlgn="base" latinLnBrk="0" hangingPunct="0">
+              <a:lnSpc>
+                <a:spcPct val="100000"/>
+              </a:lnSpc>
+              <a:spcBef>
+                <a:spcPct val="30000"/>
+              </a:spcBef>
+              <a:spcAft>
+                <a:spcPct val="0"/>
+              </a:spcAft>
+              <a:buClrTx/>
+              <a:buSzTx/>
+              <a:buFontTx/>
+              <a:buNone/>
+              <a:tabLst/>
+              <a:defRPr/>
+            </a:pPr>
+            <a:endParaRPr lang="en-US" sz="1200" b="1" dirty="0" smtClean="0">
+              <a:solidFill>
+                <a:srgbClr val="002060"/>
+              </a:solidFill>
+              <a:latin typeface="Calibri" panose="020F0502020204030204" pitchFamily="34" charset="0"/>
+            </a:endParaRPr>
+          </a:p>
+          <a:p>
+            <a:pPr marL="0" marR="0" indent="0" algn="l" defTabSz="457200" rtl="0" eaLnBrk="0" fontAlgn="base" latinLnBrk="0" hangingPunct="0">
+              <a:lnSpc>
+                <a:spcPct val="100000"/>
+              </a:lnSpc>
+              <a:spcBef>
+                <a:spcPct val="30000"/>
+              </a:spcBef>
+              <a:spcAft>
+                <a:spcPct val="0"/>
+              </a:spcAft>
+              <a:buClrTx/>
+              <a:buSzTx/>
+              <a:buFontTx/>
+              <a:buNone/>
+              <a:tabLst/>
+              <a:defRPr/>
+            </a:pPr>
+            <a:r>
+              <a:rPr lang="en-US" sz="1200" b="1" dirty="0" smtClean="0">
+                <a:solidFill>
+                  <a:srgbClr val="002060"/>
+                </a:solidFill>
+                <a:latin typeface="Calibri" panose="020F0502020204030204" pitchFamily="34" charset="0"/>
+              </a:rPr>
+              <a:t>Business Architecture</a:t>
+            </a:r>
+            <a:r>
+              <a:rPr lang="en-US" sz="1200" dirty="0" smtClean="0">
+                <a:solidFill>
+                  <a:srgbClr val="002060"/>
+                </a:solidFill>
+                <a:latin typeface="Calibri" panose="020F0502020204030204" pitchFamily="34" charset="0"/>
+              </a:rPr>
+              <a:t>: </a:t>
+            </a:r>
+            <a:r>
+              <a:rPr lang="en-US" sz="1200" dirty="0" smtClean="0">
+                <a:latin typeface="Calibri" panose="020F0502020204030204" pitchFamily="34" charset="0"/>
+              </a:rPr>
+              <a:t>Vision, strategy, goals, objectives. It covers business units, functions, services, processes, and capabilities.</a:t>
+            </a:r>
+          </a:p>
+          <a:p>
+            <a:endParaRPr lang="en-US" dirty="0" smtClean="0"/>
+          </a:p>
+          <a:p>
+            <a:pPr marL="0" marR="0" indent="0" algn="l" defTabSz="457200" rtl="0" eaLnBrk="0" fontAlgn="base" latinLnBrk="0" hangingPunct="0">
+              <a:lnSpc>
+                <a:spcPct val="100000"/>
+              </a:lnSpc>
+              <a:spcBef>
+                <a:spcPct val="30000"/>
+              </a:spcBef>
+              <a:spcAft>
+                <a:spcPct val="0"/>
+              </a:spcAft>
+              <a:buClrTx/>
+              <a:buSzTx/>
+              <a:buFontTx/>
+              <a:buNone/>
+              <a:tabLst/>
+              <a:defRPr/>
+            </a:pPr>
+            <a:r>
+              <a:rPr lang="en-US" sz="1200" b="1" dirty="0" smtClean="0">
+                <a:solidFill>
+                  <a:srgbClr val="002060"/>
+                </a:solidFill>
+                <a:latin typeface="Calibri" panose="020F0502020204030204" pitchFamily="34" charset="0"/>
+              </a:rPr>
+              <a:t>Information Architecture: </a:t>
+            </a:r>
+            <a:r>
+              <a:rPr lang="en-US" sz="1200" dirty="0" smtClean="0">
+                <a:latin typeface="Calibri" panose="020F0502020204030204" pitchFamily="34" charset="0"/>
+              </a:rPr>
+              <a:t>Describes how enterprise information is organized and accessed.</a:t>
+            </a:r>
+          </a:p>
+          <a:p>
+            <a:pPr marL="0" marR="0" indent="0" algn="l" defTabSz="457200" rtl="0" eaLnBrk="0" fontAlgn="base" latinLnBrk="0" hangingPunct="0">
+              <a:lnSpc>
+                <a:spcPct val="100000"/>
+              </a:lnSpc>
+              <a:spcBef>
+                <a:spcPct val="30000"/>
+              </a:spcBef>
+              <a:spcAft>
+                <a:spcPct val="0"/>
+              </a:spcAft>
+              <a:buClrTx/>
+              <a:buSzTx/>
+              <a:buFontTx/>
+              <a:buNone/>
+              <a:tabLst/>
+              <a:defRPr/>
+            </a:pPr>
+            <a:endParaRPr lang="en-US" dirty="0" smtClean="0"/>
+          </a:p>
+          <a:p>
+            <a:pPr marL="0" marR="0" indent="0" algn="l" defTabSz="457200" rtl="0" eaLnBrk="0" fontAlgn="base" latinLnBrk="0" hangingPunct="0">
+              <a:lnSpc>
+                <a:spcPct val="100000"/>
+              </a:lnSpc>
+              <a:spcBef>
+                <a:spcPct val="30000"/>
+              </a:spcBef>
+              <a:spcAft>
+                <a:spcPct val="0"/>
+              </a:spcAft>
+              <a:buClrTx/>
+              <a:buSzTx/>
+              <a:buFontTx/>
+              <a:buNone/>
+              <a:tabLst/>
+              <a:defRPr/>
+            </a:pPr>
+            <a:r>
+              <a:rPr lang="en-US" sz="1200" b="1" dirty="0" smtClean="0">
+                <a:solidFill>
+                  <a:srgbClr val="002060"/>
+                </a:solidFill>
+                <a:latin typeface="Calibri" panose="020F0502020204030204" pitchFamily="34" charset="0"/>
+              </a:rPr>
+              <a:t>Applications Architecture: </a:t>
+            </a:r>
+            <a:r>
+              <a:rPr lang="en-US" sz="1200" dirty="0" smtClean="0">
+                <a:latin typeface="Calibri" panose="020F0502020204030204" pitchFamily="34" charset="0"/>
+              </a:rPr>
+              <a:t>Describes applications’ structures, capabilities, and their interrelations.</a:t>
+            </a:r>
+          </a:p>
+          <a:p>
+            <a:pPr marL="0" marR="0" indent="0" algn="l" defTabSz="457200" rtl="0" eaLnBrk="0" fontAlgn="base" latinLnBrk="0" hangingPunct="0">
+              <a:lnSpc>
+                <a:spcPct val="100000"/>
+              </a:lnSpc>
+              <a:spcBef>
+                <a:spcPct val="30000"/>
+              </a:spcBef>
+              <a:spcAft>
+                <a:spcPct val="0"/>
+              </a:spcAft>
+              <a:buClrTx/>
+              <a:buSzTx/>
+              <a:buFontTx/>
+              <a:buNone/>
+              <a:tabLst/>
+              <a:defRPr/>
+            </a:pPr>
+            <a:endParaRPr lang="en-US" dirty="0" smtClean="0"/>
+          </a:p>
+          <a:p>
+            <a:pPr marL="0" marR="0" indent="0" algn="l" defTabSz="457200" rtl="0" eaLnBrk="0" fontAlgn="base" latinLnBrk="0" hangingPunct="0">
+              <a:lnSpc>
+                <a:spcPct val="100000"/>
+              </a:lnSpc>
+              <a:spcBef>
+                <a:spcPct val="30000"/>
+              </a:spcBef>
+              <a:spcAft>
+                <a:spcPct val="0"/>
+              </a:spcAft>
+              <a:buClrTx/>
+              <a:buSzTx/>
+              <a:buFontTx/>
+              <a:buNone/>
+              <a:tabLst/>
+              <a:defRPr/>
+            </a:pPr>
+            <a:r>
+              <a:rPr lang="en-US" sz="1200" b="1" dirty="0" smtClean="0">
+                <a:solidFill>
+                  <a:srgbClr val="002060"/>
+                </a:solidFill>
+                <a:latin typeface="Calibri" panose="020F0502020204030204" pitchFamily="34" charset="0"/>
+              </a:rPr>
+              <a:t>Technology Architecture: </a:t>
+            </a:r>
+            <a:r>
+              <a:rPr lang="en-US" sz="1200" dirty="0" smtClean="0">
+                <a:latin typeface="Calibri" panose="020F0502020204030204" pitchFamily="34" charset="0"/>
+              </a:rPr>
+              <a:t>Describes the hardware and software infrastructure that support the applications and their interactions.</a:t>
+            </a:r>
+          </a:p>
+        </p:txBody>
+      </p:sp>
+      <p:sp>
+        <p:nvSpPr>
+          <p:cNvPr id="4" name="Slide Number Placeholder 3"/>
+          <p:cNvSpPr>
+            <a:spLocks noGrp="1"/>
+          </p:cNvSpPr>
+          <p:nvPr>
+            <p:ph type="sldNum" sz="quarter" idx="10"/>
+          </p:nvPr>
+        </p:nvSpPr>
+        <p:spPr/>
+        <p:txBody>
+          <a:bodyPr/>
+          <a:lstStyle/>
+          <a:p>
+            <a:pPr>
+              <a:defRPr/>
+            </a:pPr>
+            <a:fld id="{2243CCA8-BAFD-7144-8E02-BD9119658895}" type="slidenum">
+              <a:rPr lang="en-US" smtClean="0"/>
+              <a:pPr>
+                <a:defRPr/>
+              </a:pPr>
+              <a:t>22</a:t>
+            </a:fld>
+            <a:endParaRPr lang="en-US"/>
+          </a:p>
+        </p:txBody>
+      </p:sp>
+    </p:spTree>
+    <p:extLst>
+      <p:ext uri="{BB962C8B-B14F-4D97-AF65-F5344CB8AC3E}">
+        <p14:creationId xmlns:p14="http://schemas.microsoft.com/office/powerpoint/2010/main" val="1718235075"/>
+      </p:ext>
+    </p:extLst>
+  </p:cSld>
+  <p:clrMapOvr>
+    <a:masterClrMapping/>
+  </p:clrMapOvr>
+</p:notes>
+</file>
+
+<file path=ppt/notesSlides/notesSlide8.xml><?xml version="1.0" encoding="utf-8"?>
+<p:notes xmlns:a="http://schemas.openxmlformats.org/drawingml/2006/main" xmlns:r="http://schemas.openxmlformats.org/officeDocument/2006/relationships" xmlns:p="http://schemas.openxmlformats.org/presentationml/2006/main">
+  <p:cSld>
+    <p:spTree>
+      <p:nvGrpSpPr>
+        <p:cNvPr id="1" name=""/>
+        <p:cNvGrpSpPr/>
+        <p:nvPr/>
+      </p:nvGrpSpPr>
+      <p:grpSpPr>
+        <a:xfrm>
+          <a:off x="0" y="0"/>
+          <a:ext cx="0" cy="0"/>
+          <a:chOff x="0" y="0"/>
+          <a:chExt cx="0" cy="0"/>
+        </a:xfrm>
+      </p:grpSpPr>
+      <p:sp>
+        <p:nvSpPr>
+          <p:cNvPr id="2" name="Slide Image Placeholder 1"/>
+          <p:cNvSpPr>
+            <a:spLocks noGrp="1" noRot="1" noChangeAspect="1"/>
+          </p:cNvSpPr>
+          <p:nvPr>
+            <p:ph type="sldImg"/>
+          </p:nvPr>
+        </p:nvSpPr>
+        <p:spPr/>
+      </p:sp>
+      <p:sp>
+        <p:nvSpPr>
+          <p:cNvPr id="3" name="Notes Placeholder 2"/>
+          <p:cNvSpPr>
+            <a:spLocks noGrp="1"/>
+          </p:cNvSpPr>
+          <p:nvPr>
+            <p:ph type="body" idx="1"/>
+          </p:nvPr>
+        </p:nvSpPr>
+        <p:spPr/>
+        <p:txBody>
+          <a:bodyPr/>
+          <a:lstStyle/>
+          <a:p>
+            <a:pPr marL="0" marR="0" indent="0" algn="l" defTabSz="457200" rtl="0" eaLnBrk="0" fontAlgn="base" latinLnBrk="0" hangingPunct="0">
+              <a:lnSpc>
+                <a:spcPct val="100000"/>
+              </a:lnSpc>
+              <a:spcBef>
+                <a:spcPct val="30000"/>
+              </a:spcBef>
+              <a:spcAft>
+                <a:spcPct val="0"/>
+              </a:spcAft>
+              <a:buClrTx/>
+              <a:buSzTx/>
+              <a:buFontTx/>
+              <a:buNone/>
+              <a:tabLst/>
+              <a:defRPr/>
+            </a:pPr>
+            <a:r>
+              <a:rPr lang="en-US" sz="1200" b="1" dirty="0" smtClean="0">
+                <a:solidFill>
+                  <a:srgbClr val="002060"/>
+                </a:solidFill>
+                <a:latin typeface="Calibri" panose="020F0502020204030204" pitchFamily="34" charset="0"/>
+              </a:rPr>
+              <a:t>IST-EA’s Simplified Definitions</a:t>
+            </a:r>
+          </a:p>
+          <a:p>
+            <a:pPr marL="0" marR="0" indent="0" algn="l" defTabSz="457200" rtl="0" eaLnBrk="0" fontAlgn="base" latinLnBrk="0" hangingPunct="0">
+              <a:lnSpc>
+                <a:spcPct val="100000"/>
+              </a:lnSpc>
+              <a:spcBef>
+                <a:spcPct val="30000"/>
+              </a:spcBef>
+              <a:spcAft>
+                <a:spcPct val="0"/>
+              </a:spcAft>
+              <a:buClrTx/>
+              <a:buSzTx/>
+              <a:buFontTx/>
+              <a:buNone/>
+              <a:tabLst/>
+              <a:defRPr/>
+            </a:pPr>
+            <a:r>
+              <a:rPr lang="en-US" sz="1200" b="1" dirty="0" smtClean="0">
+                <a:solidFill>
+                  <a:srgbClr val="002060"/>
+                </a:solidFill>
+                <a:latin typeface="Calibri" panose="020F0502020204030204" pitchFamily="34" charset="0"/>
+              </a:rPr>
+              <a:t>=========================</a:t>
+            </a:r>
+          </a:p>
+          <a:p>
+            <a:pPr marL="0" marR="0" indent="0" algn="l" defTabSz="457200" rtl="0" eaLnBrk="0" fontAlgn="base" latinLnBrk="0" hangingPunct="0">
+              <a:lnSpc>
+                <a:spcPct val="100000"/>
+              </a:lnSpc>
+              <a:spcBef>
+                <a:spcPct val="30000"/>
+              </a:spcBef>
+              <a:spcAft>
+                <a:spcPct val="0"/>
+              </a:spcAft>
+              <a:buClrTx/>
+              <a:buSzTx/>
+              <a:buFontTx/>
+              <a:buNone/>
+              <a:tabLst/>
+              <a:defRPr/>
+            </a:pPr>
+            <a:endParaRPr lang="en-US" sz="1200" b="1" dirty="0" smtClean="0">
+              <a:solidFill>
+                <a:srgbClr val="002060"/>
+              </a:solidFill>
+              <a:latin typeface="Calibri" panose="020F0502020204030204" pitchFamily="34" charset="0"/>
+            </a:endParaRPr>
+          </a:p>
+          <a:p>
+            <a:pPr marL="0" marR="0" indent="0" algn="l" defTabSz="457200" rtl="0" eaLnBrk="0" fontAlgn="base" latinLnBrk="0" hangingPunct="0">
+              <a:lnSpc>
+                <a:spcPct val="100000"/>
+              </a:lnSpc>
+              <a:spcBef>
+                <a:spcPct val="30000"/>
+              </a:spcBef>
+              <a:spcAft>
+                <a:spcPct val="0"/>
+              </a:spcAft>
+              <a:buClrTx/>
+              <a:buSzTx/>
+              <a:buFontTx/>
+              <a:buNone/>
+              <a:tabLst/>
+              <a:defRPr/>
+            </a:pPr>
+            <a:r>
+              <a:rPr lang="en-US" sz="1200" b="1" dirty="0" smtClean="0">
+                <a:solidFill>
+                  <a:srgbClr val="002060"/>
+                </a:solidFill>
+                <a:latin typeface="Calibri" panose="020F0502020204030204" pitchFamily="34" charset="0"/>
+              </a:rPr>
+              <a:t>Business Architecture</a:t>
+            </a:r>
+            <a:r>
+              <a:rPr lang="en-US" sz="1200" dirty="0" smtClean="0">
+                <a:solidFill>
+                  <a:srgbClr val="002060"/>
+                </a:solidFill>
+                <a:latin typeface="Calibri" panose="020F0502020204030204" pitchFamily="34" charset="0"/>
+              </a:rPr>
+              <a:t>: </a:t>
+            </a:r>
+            <a:r>
+              <a:rPr lang="en-US" sz="1200" dirty="0" smtClean="0">
+                <a:latin typeface="Calibri" panose="020F0502020204030204" pitchFamily="34" charset="0"/>
+              </a:rPr>
+              <a:t>Vision, strategy, goals, objectives. It covers business units, functions, services, processes, and capabilities.</a:t>
+            </a:r>
+          </a:p>
+          <a:p>
+            <a:endParaRPr lang="en-US" dirty="0" smtClean="0"/>
+          </a:p>
+          <a:p>
+            <a:pPr marL="0" marR="0" indent="0" algn="l" defTabSz="457200" rtl="0" eaLnBrk="0" fontAlgn="base" latinLnBrk="0" hangingPunct="0">
+              <a:lnSpc>
+                <a:spcPct val="100000"/>
+              </a:lnSpc>
+              <a:spcBef>
+                <a:spcPct val="30000"/>
+              </a:spcBef>
+              <a:spcAft>
+                <a:spcPct val="0"/>
+              </a:spcAft>
+              <a:buClrTx/>
+              <a:buSzTx/>
+              <a:buFontTx/>
+              <a:buNone/>
+              <a:tabLst/>
+              <a:defRPr/>
+            </a:pPr>
+            <a:r>
+              <a:rPr lang="en-US" sz="1200" b="1" dirty="0" smtClean="0">
+                <a:solidFill>
+                  <a:srgbClr val="002060"/>
+                </a:solidFill>
+                <a:latin typeface="Calibri" panose="020F0502020204030204" pitchFamily="34" charset="0"/>
+              </a:rPr>
+              <a:t>Information Architecture: </a:t>
+            </a:r>
+            <a:r>
+              <a:rPr lang="en-US" sz="1200" dirty="0" smtClean="0">
+                <a:latin typeface="Calibri" panose="020F0502020204030204" pitchFamily="34" charset="0"/>
+              </a:rPr>
+              <a:t>Describes how enterprise information is organized and accessed.</a:t>
+            </a:r>
+          </a:p>
+          <a:p>
+            <a:pPr marL="0" marR="0" indent="0" algn="l" defTabSz="457200" rtl="0" eaLnBrk="0" fontAlgn="base" latinLnBrk="0" hangingPunct="0">
+              <a:lnSpc>
+                <a:spcPct val="100000"/>
+              </a:lnSpc>
+              <a:spcBef>
+                <a:spcPct val="30000"/>
+              </a:spcBef>
+              <a:spcAft>
+                <a:spcPct val="0"/>
+              </a:spcAft>
+              <a:buClrTx/>
+              <a:buSzTx/>
+              <a:buFontTx/>
+              <a:buNone/>
+              <a:tabLst/>
+              <a:defRPr/>
+            </a:pPr>
+            <a:endParaRPr lang="en-US" dirty="0" smtClean="0"/>
+          </a:p>
+          <a:p>
+            <a:pPr marL="0" marR="0" indent="0" algn="l" defTabSz="457200" rtl="0" eaLnBrk="0" fontAlgn="base" latinLnBrk="0" hangingPunct="0">
+              <a:lnSpc>
+                <a:spcPct val="100000"/>
+              </a:lnSpc>
+              <a:spcBef>
+                <a:spcPct val="30000"/>
+              </a:spcBef>
+              <a:spcAft>
+                <a:spcPct val="0"/>
+              </a:spcAft>
+              <a:buClrTx/>
+              <a:buSzTx/>
+              <a:buFontTx/>
+              <a:buNone/>
+              <a:tabLst/>
+              <a:defRPr/>
+            </a:pPr>
+            <a:r>
+              <a:rPr lang="en-US" sz="1200" b="1" dirty="0" smtClean="0">
+                <a:solidFill>
+                  <a:srgbClr val="002060"/>
+                </a:solidFill>
+                <a:latin typeface="Calibri" panose="020F0502020204030204" pitchFamily="34" charset="0"/>
+              </a:rPr>
+              <a:t>Applications Architecture: </a:t>
+            </a:r>
+            <a:r>
+              <a:rPr lang="en-US" sz="1200" dirty="0" smtClean="0">
+                <a:latin typeface="Calibri" panose="020F0502020204030204" pitchFamily="34" charset="0"/>
+              </a:rPr>
+              <a:t>Describes applications’ structures, capabilities, and their interrelations.</a:t>
+            </a:r>
+          </a:p>
+          <a:p>
+            <a:pPr marL="0" marR="0" indent="0" algn="l" defTabSz="457200" rtl="0" eaLnBrk="0" fontAlgn="base" latinLnBrk="0" hangingPunct="0">
+              <a:lnSpc>
+                <a:spcPct val="100000"/>
+              </a:lnSpc>
+              <a:spcBef>
+                <a:spcPct val="30000"/>
+              </a:spcBef>
+              <a:spcAft>
+                <a:spcPct val="0"/>
+              </a:spcAft>
+              <a:buClrTx/>
+              <a:buSzTx/>
+              <a:buFontTx/>
+              <a:buNone/>
+              <a:tabLst/>
+              <a:defRPr/>
+            </a:pPr>
+            <a:endParaRPr lang="en-US" dirty="0" smtClean="0"/>
+          </a:p>
+          <a:p>
+            <a:pPr marL="0" marR="0" indent="0" algn="l" defTabSz="457200" rtl="0" eaLnBrk="0" fontAlgn="base" latinLnBrk="0" hangingPunct="0">
+              <a:lnSpc>
+                <a:spcPct val="100000"/>
+              </a:lnSpc>
+              <a:spcBef>
+                <a:spcPct val="30000"/>
+              </a:spcBef>
+              <a:spcAft>
+                <a:spcPct val="0"/>
+              </a:spcAft>
+              <a:buClrTx/>
+              <a:buSzTx/>
+              <a:buFontTx/>
+              <a:buNone/>
+              <a:tabLst/>
+              <a:defRPr/>
+            </a:pPr>
+            <a:r>
+              <a:rPr lang="en-US" sz="1200" b="1" dirty="0" smtClean="0">
+                <a:solidFill>
+                  <a:srgbClr val="002060"/>
+                </a:solidFill>
+                <a:latin typeface="Calibri" panose="020F0502020204030204" pitchFamily="34" charset="0"/>
+              </a:rPr>
+              <a:t>Technology Architecture: </a:t>
+            </a:r>
+            <a:r>
+              <a:rPr lang="en-US" sz="1200" dirty="0" smtClean="0">
+                <a:latin typeface="Calibri" panose="020F0502020204030204" pitchFamily="34" charset="0"/>
+              </a:rPr>
+              <a:t>Describes the hardware and software infrastructure that support the applications and their interactions.</a:t>
+            </a:r>
+          </a:p>
+        </p:txBody>
+      </p:sp>
+      <p:sp>
+        <p:nvSpPr>
+          <p:cNvPr id="4" name="Slide Number Placeholder 3"/>
+          <p:cNvSpPr>
+            <a:spLocks noGrp="1"/>
+          </p:cNvSpPr>
+          <p:nvPr>
+            <p:ph type="sldNum" sz="quarter" idx="10"/>
+          </p:nvPr>
+        </p:nvSpPr>
+        <p:spPr/>
+        <p:txBody>
+          <a:bodyPr/>
+          <a:lstStyle/>
+          <a:p>
+            <a:pPr>
+              <a:defRPr/>
+            </a:pPr>
+            <a:fld id="{2243CCA8-BAFD-7144-8E02-BD9119658895}" type="slidenum">
+              <a:rPr lang="en-US" smtClean="0"/>
+              <a:pPr>
+                <a:defRPr/>
+              </a:pPr>
+              <a:t>23</a:t>
+            </a:fld>
+            <a:endParaRPr lang="en-US"/>
+          </a:p>
+        </p:txBody>
+      </p:sp>
+    </p:spTree>
+    <p:extLst>
+      <p:ext uri="{BB962C8B-B14F-4D97-AF65-F5344CB8AC3E}">
+        <p14:creationId xmlns:p14="http://schemas.microsoft.com/office/powerpoint/2010/main" val="1206617104"/>
+      </p:ext>
+    </p:extLst>
+  </p:cSld>
+  <p:clrMapOvr>
+    <a:masterClrMapping/>
+  </p:clrMapOvr>
+</p:notes>
+</file>
+
+<file path=ppt/notesSlides/notesSlide9.xml><?xml version="1.0" encoding="utf-8"?>
+<p:notes xmlns:a="http://schemas.openxmlformats.org/drawingml/2006/main" xmlns:r="http://schemas.openxmlformats.org/officeDocument/2006/relationships" xmlns:p="http://schemas.openxmlformats.org/presentationml/2006/main">
+  <p:cSld>
+    <p:spTree>
+      <p:nvGrpSpPr>
+        <p:cNvPr id="1" name=""/>
+        <p:cNvGrpSpPr/>
+        <p:nvPr/>
+      </p:nvGrpSpPr>
+      <p:grpSpPr>
+        <a:xfrm>
+          <a:off x="0" y="0"/>
+          <a:ext cx="0" cy="0"/>
+          <a:chOff x="0" y="0"/>
+          <a:chExt cx="0" cy="0"/>
+        </a:xfrm>
+      </p:grpSpPr>
+      <p:sp>
+        <p:nvSpPr>
+          <p:cNvPr id="2" name="Slide Image Placeholder 1"/>
+          <p:cNvSpPr>
+            <a:spLocks noGrp="1" noRot="1" noChangeAspect="1"/>
+          </p:cNvSpPr>
+          <p:nvPr>
+            <p:ph type="sldImg"/>
+          </p:nvPr>
+        </p:nvSpPr>
+        <p:spPr/>
+      </p:sp>
+      <p:sp>
+        <p:nvSpPr>
+          <p:cNvPr id="3" name="Notes Placeholder 2"/>
+          <p:cNvSpPr>
+            <a:spLocks noGrp="1"/>
+          </p:cNvSpPr>
+          <p:nvPr>
+            <p:ph type="body" idx="1"/>
+          </p:nvPr>
+        </p:nvSpPr>
+        <p:spPr/>
+        <p:txBody>
+          <a:bodyPr/>
+          <a:lstStyle/>
+          <a:p>
+            <a:pPr marL="0" marR="0" indent="0" algn="l" defTabSz="457200" rtl="0" eaLnBrk="0" fontAlgn="base" latinLnBrk="0" hangingPunct="0">
+              <a:lnSpc>
+                <a:spcPct val="100000"/>
+              </a:lnSpc>
+              <a:spcBef>
+                <a:spcPct val="30000"/>
+              </a:spcBef>
+              <a:spcAft>
+                <a:spcPct val="0"/>
+              </a:spcAft>
+              <a:buClrTx/>
+              <a:buSzTx/>
+              <a:buFontTx/>
+              <a:buNone/>
+              <a:tabLst/>
+              <a:defRPr/>
+            </a:pPr>
+            <a:r>
+              <a:rPr lang="en-US" sz="1200" b="1" dirty="0" smtClean="0">
+                <a:solidFill>
+                  <a:srgbClr val="002060"/>
+                </a:solidFill>
+                <a:latin typeface="Calibri" panose="020F0502020204030204" pitchFamily="34" charset="0"/>
+              </a:rPr>
+              <a:t>IST-EA’s Simplified Definitions</a:t>
+            </a:r>
+          </a:p>
+          <a:p>
+            <a:pPr marL="0" marR="0" indent="0" algn="l" defTabSz="457200" rtl="0" eaLnBrk="0" fontAlgn="base" latinLnBrk="0" hangingPunct="0">
+              <a:lnSpc>
+                <a:spcPct val="100000"/>
+              </a:lnSpc>
+              <a:spcBef>
+                <a:spcPct val="30000"/>
+              </a:spcBef>
+              <a:spcAft>
+                <a:spcPct val="0"/>
+              </a:spcAft>
+              <a:buClrTx/>
+              <a:buSzTx/>
+              <a:buFontTx/>
+              <a:buNone/>
+              <a:tabLst/>
+              <a:defRPr/>
+            </a:pPr>
+            <a:r>
+              <a:rPr lang="en-US" sz="1200" b="1" dirty="0" smtClean="0">
+                <a:solidFill>
+                  <a:srgbClr val="002060"/>
+                </a:solidFill>
+                <a:latin typeface="Calibri" panose="020F0502020204030204" pitchFamily="34" charset="0"/>
+              </a:rPr>
+              <a:t>=========================</a:t>
+            </a:r>
+          </a:p>
+          <a:p>
+            <a:pPr marL="0" marR="0" indent="0" algn="l" defTabSz="457200" rtl="0" eaLnBrk="0" fontAlgn="base" latinLnBrk="0" hangingPunct="0">
+              <a:lnSpc>
+                <a:spcPct val="100000"/>
+              </a:lnSpc>
+              <a:spcBef>
+                <a:spcPct val="30000"/>
+              </a:spcBef>
+              <a:spcAft>
+                <a:spcPct val="0"/>
+              </a:spcAft>
+              <a:buClrTx/>
+              <a:buSzTx/>
+              <a:buFontTx/>
+              <a:buNone/>
+              <a:tabLst/>
+              <a:defRPr/>
+            </a:pPr>
+            <a:endParaRPr lang="en-US" sz="1200" b="1" dirty="0" smtClean="0">
+              <a:solidFill>
+                <a:srgbClr val="002060"/>
+              </a:solidFill>
+              <a:latin typeface="Calibri" panose="020F0502020204030204" pitchFamily="34" charset="0"/>
+            </a:endParaRPr>
+          </a:p>
+          <a:p>
+            <a:pPr marL="0" marR="0" indent="0" algn="l" defTabSz="457200" rtl="0" eaLnBrk="0" fontAlgn="base" latinLnBrk="0" hangingPunct="0">
+              <a:lnSpc>
+                <a:spcPct val="100000"/>
+              </a:lnSpc>
+              <a:spcBef>
+                <a:spcPct val="30000"/>
+              </a:spcBef>
+              <a:spcAft>
+                <a:spcPct val="0"/>
+              </a:spcAft>
+              <a:buClrTx/>
+              <a:buSzTx/>
+              <a:buFontTx/>
+              <a:buNone/>
+              <a:tabLst/>
+              <a:defRPr/>
+            </a:pPr>
+            <a:r>
+              <a:rPr lang="en-US" sz="1200" b="1" dirty="0" smtClean="0">
+                <a:solidFill>
+                  <a:srgbClr val="002060"/>
+                </a:solidFill>
+                <a:latin typeface="Calibri" panose="020F0502020204030204" pitchFamily="34" charset="0"/>
+              </a:rPr>
+              <a:t>Business Architecture</a:t>
+            </a:r>
+            <a:r>
+              <a:rPr lang="en-US" sz="1200" dirty="0" smtClean="0">
+                <a:solidFill>
+                  <a:srgbClr val="002060"/>
+                </a:solidFill>
+                <a:latin typeface="Calibri" panose="020F0502020204030204" pitchFamily="34" charset="0"/>
+              </a:rPr>
+              <a:t>: </a:t>
+            </a:r>
+            <a:r>
+              <a:rPr lang="en-US" sz="1200" dirty="0" smtClean="0">
+                <a:latin typeface="Calibri" panose="020F0502020204030204" pitchFamily="34" charset="0"/>
+              </a:rPr>
+              <a:t>Vision, strategy, goals, objectives. It covers business units, functions, services, processes, and capabilities.</a:t>
+            </a:r>
+          </a:p>
+          <a:p>
+            <a:endParaRPr lang="en-US" dirty="0" smtClean="0"/>
+          </a:p>
+          <a:p>
+            <a:pPr marL="0" marR="0" indent="0" algn="l" defTabSz="457200" rtl="0" eaLnBrk="0" fontAlgn="base" latinLnBrk="0" hangingPunct="0">
+              <a:lnSpc>
+                <a:spcPct val="100000"/>
+              </a:lnSpc>
+              <a:spcBef>
+                <a:spcPct val="30000"/>
+              </a:spcBef>
+              <a:spcAft>
+                <a:spcPct val="0"/>
+              </a:spcAft>
+              <a:buClrTx/>
+              <a:buSzTx/>
+              <a:buFontTx/>
+              <a:buNone/>
+              <a:tabLst/>
+              <a:defRPr/>
+            </a:pPr>
+            <a:r>
+              <a:rPr lang="en-US" sz="1200" b="1" dirty="0" smtClean="0">
+                <a:solidFill>
+                  <a:srgbClr val="002060"/>
+                </a:solidFill>
+                <a:latin typeface="Calibri" panose="020F0502020204030204" pitchFamily="34" charset="0"/>
+              </a:rPr>
+              <a:t>Information Architecture: </a:t>
+            </a:r>
+            <a:r>
+              <a:rPr lang="en-US" sz="1200" dirty="0" smtClean="0">
+                <a:latin typeface="Calibri" panose="020F0502020204030204" pitchFamily="34" charset="0"/>
+              </a:rPr>
+              <a:t>Describes how enterprise information is organized and accessed.</a:t>
+            </a:r>
+          </a:p>
+          <a:p>
+            <a:pPr marL="0" marR="0" indent="0" algn="l" defTabSz="457200" rtl="0" eaLnBrk="0" fontAlgn="base" latinLnBrk="0" hangingPunct="0">
+              <a:lnSpc>
+                <a:spcPct val="100000"/>
+              </a:lnSpc>
+              <a:spcBef>
+                <a:spcPct val="30000"/>
+              </a:spcBef>
+              <a:spcAft>
+                <a:spcPct val="0"/>
+              </a:spcAft>
+              <a:buClrTx/>
+              <a:buSzTx/>
+              <a:buFontTx/>
+              <a:buNone/>
+              <a:tabLst/>
+              <a:defRPr/>
+            </a:pPr>
+            <a:endParaRPr lang="en-US" dirty="0" smtClean="0"/>
+          </a:p>
+          <a:p>
+            <a:pPr marL="0" marR="0" indent="0" algn="l" defTabSz="457200" rtl="0" eaLnBrk="0" fontAlgn="base" latinLnBrk="0" hangingPunct="0">
+              <a:lnSpc>
+                <a:spcPct val="100000"/>
+              </a:lnSpc>
+              <a:spcBef>
+                <a:spcPct val="30000"/>
+              </a:spcBef>
+              <a:spcAft>
+                <a:spcPct val="0"/>
+              </a:spcAft>
+              <a:buClrTx/>
+              <a:buSzTx/>
+              <a:buFontTx/>
+              <a:buNone/>
+              <a:tabLst/>
+              <a:defRPr/>
+            </a:pPr>
+            <a:r>
+              <a:rPr lang="en-US" sz="1200" b="1" dirty="0" smtClean="0">
+                <a:solidFill>
+                  <a:srgbClr val="002060"/>
+                </a:solidFill>
+                <a:latin typeface="Calibri" panose="020F0502020204030204" pitchFamily="34" charset="0"/>
+              </a:rPr>
+              <a:t>Applications Architecture: </a:t>
+            </a:r>
+            <a:r>
+              <a:rPr lang="en-US" sz="1200" dirty="0" smtClean="0">
+                <a:latin typeface="Calibri" panose="020F0502020204030204" pitchFamily="34" charset="0"/>
+              </a:rPr>
+              <a:t>Describes applications’ structures, capabilities, and their interrelations.</a:t>
+            </a:r>
+          </a:p>
+          <a:p>
+            <a:pPr marL="0" marR="0" indent="0" algn="l" defTabSz="457200" rtl="0" eaLnBrk="0" fontAlgn="base" latinLnBrk="0" hangingPunct="0">
+              <a:lnSpc>
+                <a:spcPct val="100000"/>
+              </a:lnSpc>
+              <a:spcBef>
+                <a:spcPct val="30000"/>
+              </a:spcBef>
+              <a:spcAft>
+                <a:spcPct val="0"/>
+              </a:spcAft>
+              <a:buClrTx/>
+              <a:buSzTx/>
+              <a:buFontTx/>
+              <a:buNone/>
+              <a:tabLst/>
+              <a:defRPr/>
+            </a:pPr>
+            <a:endParaRPr lang="en-US" dirty="0" smtClean="0"/>
+          </a:p>
+          <a:p>
+            <a:pPr marL="0" marR="0" indent="0" algn="l" defTabSz="457200" rtl="0" eaLnBrk="0" fontAlgn="base" latinLnBrk="0" hangingPunct="0">
+              <a:lnSpc>
+                <a:spcPct val="100000"/>
+              </a:lnSpc>
+              <a:spcBef>
+                <a:spcPct val="30000"/>
+              </a:spcBef>
+              <a:spcAft>
+                <a:spcPct val="0"/>
+              </a:spcAft>
+              <a:buClrTx/>
+              <a:buSzTx/>
+              <a:buFontTx/>
+              <a:buNone/>
+              <a:tabLst/>
+              <a:defRPr/>
+            </a:pPr>
+            <a:r>
+              <a:rPr lang="en-US" sz="1200" b="1" dirty="0" smtClean="0">
+                <a:solidFill>
+                  <a:srgbClr val="002060"/>
+                </a:solidFill>
+                <a:latin typeface="Calibri" panose="020F0502020204030204" pitchFamily="34" charset="0"/>
+              </a:rPr>
+              <a:t>Technology Architecture: </a:t>
+            </a:r>
+            <a:r>
+              <a:rPr lang="en-US" sz="1200" dirty="0" smtClean="0">
+                <a:latin typeface="Calibri" panose="020F0502020204030204" pitchFamily="34" charset="0"/>
+              </a:rPr>
+              <a:t>Describes the hardware and software infrastructure that support the applications and their interactions.</a:t>
+            </a:r>
+          </a:p>
+        </p:txBody>
+      </p:sp>
+      <p:sp>
+        <p:nvSpPr>
+          <p:cNvPr id="4" name="Slide Number Placeholder 3"/>
+          <p:cNvSpPr>
+            <a:spLocks noGrp="1"/>
+          </p:cNvSpPr>
+          <p:nvPr>
+            <p:ph type="sldNum" sz="quarter" idx="10"/>
+          </p:nvPr>
+        </p:nvSpPr>
+        <p:spPr/>
+        <p:txBody>
+          <a:bodyPr/>
+          <a:lstStyle/>
+          <a:p>
+            <a:pPr>
+              <a:defRPr/>
+            </a:pPr>
+            <a:fld id="{2243CCA8-BAFD-7144-8E02-BD9119658895}" type="slidenum">
+              <a:rPr lang="en-US" smtClean="0"/>
+              <a:pPr>
+                <a:defRPr/>
+              </a:pPr>
+              <a:t>24</a:t>
+            </a:fld>
+            <a:endParaRPr lang="en-US"/>
+          </a:p>
+        </p:txBody>
+      </p:sp>
+    </p:spTree>
+    <p:extLst>
+      <p:ext uri="{BB962C8B-B14F-4D97-AF65-F5344CB8AC3E}">
+        <p14:creationId xmlns:p14="http://schemas.microsoft.com/office/powerpoint/2010/main" val="2094938329"/>
       </p:ext>
     </p:extLst>
   </p:cSld>
@@ -9949,14 +12351,14 @@
           </a:ln>
           <a:extLst>
             <a:ext uri="{909E8E84-426E-40dd-AFC4-6F175D3DCCD1}">
-              <a14:hiddenFill xmlns:a14="http://schemas.microsoft.com/office/drawing/2010/main">
+              <a14:hiddenFill xmlns:a14="http://schemas.microsoft.com/office/drawing/2010/main" xmlns="">
                 <a:solidFill>
                   <a:srgbClr val="FFFFFF"/>
                 </a:solidFill>
               </a14:hiddenFill>
             </a:ext>
             <a:ext uri="{91240B29-F687-4f45-9708-019B960494DF}">
-              <a14:hiddenLine xmlns:a14="http://schemas.microsoft.com/office/drawing/2010/main" w="9525">
+              <a14:hiddenLine xmlns:a14="http://schemas.microsoft.com/office/drawing/2010/main" xmlns="" w="9525">
                 <a:solidFill>
                   <a:srgbClr val="000000"/>
                 </a:solidFill>
@@ -10673,7 +13075,7 @@
   <p:clrMapOvr>
     <a:masterClrMapping/>
   </p:clrMapOvr>
-  <p:transition xmlns:p14="http://schemas.microsoft.com/office/powerpoint/2010/main">
+  <p:transition>
     <p:fade/>
   </p:transition>
 </p:sldLayout>
@@ -10736,14 +13138,14 @@
           </a:ln>
           <a:extLst>
             <a:ext uri="{909E8E84-426E-40dd-AFC4-6F175D3DCCD1}">
-              <a14:hiddenFill xmlns:a14="http://schemas.microsoft.com/office/drawing/2010/main">
+              <a14:hiddenFill xmlns:a14="http://schemas.microsoft.com/office/drawing/2010/main" xmlns="">
                 <a:solidFill>
                   <a:srgbClr val="FFFFFF"/>
                 </a:solidFill>
               </a14:hiddenFill>
             </a:ext>
             <a:ext uri="{91240B29-F687-4f45-9708-019B960494DF}">
-              <a14:hiddenLine xmlns:a14="http://schemas.microsoft.com/office/drawing/2010/main" w="9525">
+              <a14:hiddenLine xmlns:a14="http://schemas.microsoft.com/office/drawing/2010/main" xmlns="" w="9525">
                 <a:solidFill>
                   <a:srgbClr val="000000"/>
                 </a:solidFill>
@@ -11034,7 +13436,7 @@
   <p:timing>
     <p:tnLst>
       <p:par>
-        <p:cTn xmlns:p14="http://schemas.microsoft.com/office/powerpoint/2010/main" id="1" dur="indefinite" restart="never" nodeType="tmRoot"/>
+        <p:cTn id="1" dur="indefinite" restart="never" nodeType="tmRoot"/>
       </p:par>
     </p:tnLst>
   </p:timing>
@@ -11633,7 +14035,7 @@
   <p:timing>
     <p:tnLst>
       <p:par>
-        <p:cTn xmlns:p14="http://schemas.microsoft.com/office/powerpoint/2010/main" id="1" dur="indefinite" restart="never" nodeType="tmRoot"/>
+        <p:cTn id="1" dur="indefinite" restart="never" nodeType="tmRoot"/>
       </p:par>
     </p:tnLst>
   </p:timing>
@@ -12593,7 +14995,7 @@
   <p:timing>
     <p:tnLst>
       <p:par>
-        <p:cTn xmlns:p14="http://schemas.microsoft.com/office/powerpoint/2010/main" id="1" dur="indefinite" restart="never" nodeType="tmRoot">
+        <p:cTn id="1" dur="indefinite" restart="never" nodeType="tmRoot">
           <p:childTnLst>
             <p:seq concurrent="1" nextAc="seek">
               <p:cTn id="2" dur="indefinite" nodeType="mainSeq">
@@ -17099,80 +19501,6 @@
           </a:p>
         </p:txBody>
       </p:sp>
-      <p:sp>
-        <p:nvSpPr>
-          <p:cNvPr id="3" name="Content Placeholder 2"/>
-          <p:cNvSpPr>
-            <a:spLocks noGrp="1"/>
-          </p:cNvSpPr>
-          <p:nvPr>
-            <p:ph idx="1"/>
-          </p:nvPr>
-        </p:nvSpPr>
-        <p:spPr/>
-        <p:txBody>
-          <a:bodyPr/>
-          <a:lstStyle/>
-          <a:p>
-            <a:r>
-              <a:rPr lang="en-US" dirty="0" smtClean="0"/>
-              <a:t>“Spaghetti Architecture”</a:t>
-            </a:r>
-          </a:p>
-          <a:p>
-            <a:pPr lvl="1"/>
-            <a:r>
-              <a:rPr lang="en-US" dirty="0" smtClean="0"/>
-              <a:t>Each unit is trying to optimize locally.</a:t>
-            </a:r>
-          </a:p>
-          <a:p>
-            <a:pPr marL="457200" lvl="1" indent="0">
-              <a:buNone/>
-            </a:pPr>
-            <a:endParaRPr lang="en-US" dirty="0" smtClean="0"/>
-          </a:p>
-          <a:p>
-            <a:pPr lvl="1"/>
-            <a:r>
-              <a:rPr lang="en-US" dirty="0" smtClean="0"/>
-              <a:t>Many interdependencies are created.</a:t>
-            </a:r>
-          </a:p>
-          <a:p>
-            <a:pPr lvl="2"/>
-            <a:r>
-              <a:rPr lang="en-US" dirty="0" smtClean="0"/>
-              <a:t>Increases costs (maintenance) + risks (change)</a:t>
-            </a:r>
-          </a:p>
-          <a:p>
-            <a:pPr marL="914400" lvl="2" indent="0">
-              <a:buNone/>
-            </a:pPr>
-            <a:endParaRPr lang="en-US" dirty="0" smtClean="0"/>
-          </a:p>
-          <a:p>
-            <a:pPr lvl="1"/>
-            <a:r>
-              <a:rPr lang="en-US" dirty="0" smtClean="0"/>
-              <a:t>Local optima artificially constrain the search for global optima.</a:t>
-            </a:r>
-          </a:p>
-          <a:p>
-            <a:pPr lvl="2"/>
-            <a:r>
-              <a:rPr lang="en-US" dirty="0"/>
-              <a:t>Decreases enterprises ability to </a:t>
-            </a:r>
-            <a:r>
-              <a:rPr lang="en-US" dirty="0" smtClean="0"/>
-              <a:t>optimize.</a:t>
-            </a:r>
-            <a:endParaRPr lang="en-US" dirty="0"/>
-          </a:p>
-        </p:txBody>
-      </p:sp>
     </p:spTree>
     <p:extLst>
       <p:ext uri="{BB962C8B-B14F-4D97-AF65-F5344CB8AC3E}">
@@ -17186,7 +19514,7 @@
   <p:timing>
     <p:tnLst>
       <p:par>
-        <p:cTn xmlns:p14="http://schemas.microsoft.com/office/powerpoint/2010/main" id="1" dur="indefinite" restart="never" nodeType="tmRoot"/>
+        <p:cTn id="1" dur="indefinite" restart="never" nodeType="tmRoot"/>
       </p:par>
     </p:tnLst>
   </p:timing>
@@ -17235,43 +19563,6 @@
       </p:sp>
       <p:sp>
         <p:nvSpPr>
-          <p:cNvPr id="3" name="Content Placeholder 2"/>
-          <p:cNvSpPr>
-            <a:spLocks noGrp="1"/>
-          </p:cNvSpPr>
-          <p:nvPr>
-            <p:ph idx="1"/>
-          </p:nvPr>
-        </p:nvSpPr>
-        <p:spPr>
-          <a:xfrm>
-            <a:off x="457200" y="2749694"/>
-            <a:ext cx="8229600" cy="794760"/>
-          </a:xfrm>
-        </p:spPr>
-        <p:txBody>
-          <a:bodyPr>
-            <a:normAutofit/>
-          </a:bodyPr>
-          <a:lstStyle/>
-          <a:p>
-            <a:pPr marL="0" indent="0" algn="ctr">
-              <a:buNone/>
-            </a:pPr>
-            <a:r>
-              <a:rPr lang="en-US" dirty="0" smtClean="0"/>
-              <a:t>This is where EA comes in</a:t>
-            </a:r>
-            <a:r>
-              <a:rPr lang="en-US" dirty="0" smtClean="0"/>
-              <a:t>.</a:t>
-            </a:r>
-            <a:endParaRPr lang="en-US" dirty="0" smtClean="0"/>
-          </a:p>
-        </p:txBody>
-      </p:sp>
-      <p:sp>
-        <p:nvSpPr>
           <p:cNvPr id="4" name="Footer Placeholder 3"/>
           <p:cNvSpPr>
             <a:spLocks noGrp="1"/>
@@ -17296,10 +19587,34 @@
           </a:p>
         </p:txBody>
       </p:sp>
+      <p:pic>
+        <p:nvPicPr>
+          <p:cNvPr id="6" name="Picture 5"/>
+          <p:cNvPicPr>
+            <a:picLocks noChangeAspect="1"/>
+          </p:cNvPicPr>
+          <p:nvPr/>
+        </p:nvPicPr>
+        <p:blipFill>
+          <a:blip r:embed="rId2"/>
+          <a:stretch>
+            <a:fillRect/>
+          </a:stretch>
+        </p:blipFill>
+        <p:spPr>
+          <a:xfrm>
+            <a:off x="1402673" y="835687"/>
+            <a:ext cx="6081514" cy="5021101"/>
+          </a:xfrm>
+          <a:prstGeom prst="rect">
+            <a:avLst/>
+          </a:prstGeom>
+        </p:spPr>
+      </p:pic>
     </p:spTree>
     <p:extLst>
       <p:ext uri="{BB962C8B-B14F-4D97-AF65-F5344CB8AC3E}">
-        <p14:creationId xmlns:p14="http://schemas.microsoft.com/office/powerpoint/2010/main" val="3472154492"/>
+        <p14:creationId xmlns:p14="http://schemas.microsoft.com/office/powerpoint/2010/main" val="565770331"/>
       </p:ext>
     </p:extLst>
   </p:cSld>
@@ -17309,7 +19624,7 @@
   <p:timing>
     <p:tnLst>
       <p:par>
-        <p:cTn xmlns:p14="http://schemas.microsoft.com/office/powerpoint/2010/main" id="1" dur="indefinite" restart="never" nodeType="tmRoot"/>
+        <p:cTn id="1" dur="indefinite" restart="never" nodeType="tmRoot"/>
       </p:par>
     </p:tnLst>
   </p:timing>
@@ -17382,6 +19697,727 @@
           </a:p>
         </p:txBody>
       </p:sp>
+      <p:pic>
+        <p:nvPicPr>
+          <p:cNvPr id="5" name="Picture 4"/>
+          <p:cNvPicPr>
+            <a:picLocks noChangeAspect="1"/>
+          </p:cNvPicPr>
+          <p:nvPr/>
+        </p:nvPicPr>
+        <p:blipFill>
+          <a:blip r:embed="rId2">
+            <a:extLst>
+              <a:ext uri="{28A0092B-C50C-407E-A947-70E740481C1C}">
+                <a14:useLocalDpi xmlns:a14="http://schemas.microsoft.com/office/drawing/2010/main" val="0"/>
+              </a:ext>
+            </a:extLst>
+          </a:blip>
+          <a:srcRect/>
+          <a:stretch>
+            <a:fillRect/>
+          </a:stretch>
+        </p:blipFill>
+        <p:spPr bwMode="auto">
+          <a:xfrm>
+            <a:off x="2074862" y="1250750"/>
+            <a:ext cx="4994275" cy="3776663"/>
+          </a:xfrm>
+          <a:prstGeom prst="rect">
+            <a:avLst/>
+          </a:prstGeom>
+          <a:noFill/>
+          <a:ln>
+            <a:noFill/>
+          </a:ln>
+          <a:extLst>
+            <a:ext uri="{909E8E84-426E-40DD-AFC4-6F175D3DCCD1}">
+              <a14:hiddenFill xmlns:a14="http://schemas.microsoft.com/office/drawing/2010/main">
+                <a:solidFill>
+                  <a:srgbClr val="FFFFFF"/>
+                </a:solidFill>
+              </a14:hiddenFill>
+            </a:ext>
+            <a:ext uri="{91240B29-F687-4F45-9708-019B960494DF}">
+              <a14:hiddenLine xmlns:a14="http://schemas.microsoft.com/office/drawing/2010/main" w="9525">
+                <a:solidFill>
+                  <a:srgbClr val="000000"/>
+                </a:solidFill>
+                <a:miter lim="800000"/>
+                <a:headEnd/>
+                <a:tailEnd/>
+              </a14:hiddenLine>
+            </a:ext>
+          </a:extLst>
+        </p:spPr>
+      </p:pic>
+      <p:sp>
+        <p:nvSpPr>
+          <p:cNvPr id="3" name="TextBox 2"/>
+          <p:cNvSpPr txBox="1"/>
+          <p:nvPr/>
+        </p:nvSpPr>
+        <p:spPr>
+          <a:xfrm>
+            <a:off x="457200" y="5027413"/>
+            <a:ext cx="8485015" cy="923330"/>
+          </a:xfrm>
+          <a:prstGeom prst="rect">
+            <a:avLst/>
+          </a:prstGeom>
+          <a:noFill/>
+        </p:spPr>
+        <p:txBody>
+          <a:bodyPr wrap="none" rtlCol="0">
+            <a:spAutoFit/>
+          </a:bodyPr>
+          <a:lstStyle/>
+          <a:p>
+            <a:r>
+              <a:rPr lang="en-US" dirty="0"/>
+              <a:t>P. Weill and J.W. Ross. IT Savvy: What Top Executives Must Know to Go from Pain to </a:t>
+            </a:r>
+            <a:r>
+              <a:rPr lang="en-US" dirty="0" smtClean="0"/>
+              <a:t>Gain.</a:t>
+            </a:r>
+          </a:p>
+          <a:p>
+            <a:r>
+              <a:rPr lang="en-US" dirty="0" smtClean="0"/>
+              <a:t>Harvard </a:t>
+            </a:r>
+            <a:r>
+              <a:rPr lang="en-US" dirty="0"/>
+              <a:t>Business Press, 2009. </a:t>
+            </a:r>
+            <a:endParaRPr lang="en-US" dirty="0"/>
+          </a:p>
+          <a:p>
+            <a:endParaRPr lang="en-US" dirty="0"/>
+          </a:p>
+        </p:txBody>
+      </p:sp>
+    </p:spTree>
+    <p:extLst>
+      <p:ext uri="{BB962C8B-B14F-4D97-AF65-F5344CB8AC3E}">
+        <p14:creationId xmlns:p14="http://schemas.microsoft.com/office/powerpoint/2010/main" val="1846091644"/>
+      </p:ext>
+    </p:extLst>
+  </p:cSld>
+  <p:clrMapOvr>
+    <a:masterClrMapping/>
+  </p:clrMapOvr>
+  <p:timing>
+    <p:tnLst>
+      <p:par>
+        <p:cTn id="1" dur="indefinite" restart="never" nodeType="tmRoot"/>
+      </p:par>
+    </p:tnLst>
+  </p:timing>
+</p:sld>
+</file>
+
+<file path=ppt/slides/slide14.xml><?xml version="1.0" encoding="utf-8"?>
+<p:sld xmlns:a="http://schemas.openxmlformats.org/drawingml/2006/main" xmlns:r="http://schemas.openxmlformats.org/officeDocument/2006/relationships" xmlns:p="http://schemas.openxmlformats.org/presentationml/2006/main">
+  <p:cSld>
+    <p:spTree>
+      <p:nvGrpSpPr>
+        <p:cNvPr id="1" name=""/>
+        <p:cNvGrpSpPr/>
+        <p:nvPr/>
+      </p:nvGrpSpPr>
+      <p:grpSpPr>
+        <a:xfrm>
+          <a:off x="0" y="0"/>
+          <a:ext cx="0" cy="0"/>
+          <a:chOff x="0" y="0"/>
+          <a:chExt cx="0" cy="0"/>
+        </a:xfrm>
+      </p:grpSpPr>
+      <p:sp>
+        <p:nvSpPr>
+          <p:cNvPr id="2" name="Title 1"/>
+          <p:cNvSpPr>
+            <a:spLocks noGrp="1"/>
+          </p:cNvSpPr>
+          <p:nvPr>
+            <p:ph type="title"/>
+          </p:nvPr>
+        </p:nvSpPr>
+        <p:spPr/>
+        <p:txBody>
+          <a:bodyPr/>
+          <a:lstStyle/>
+          <a:p>
+            <a:r>
+              <a:rPr lang="en-US" dirty="0" smtClean="0"/>
+              <a:t>Why – EA Value Proposition</a:t>
+            </a:r>
+            <a:endParaRPr lang="en-US" dirty="0"/>
+          </a:p>
+        </p:txBody>
+      </p:sp>
+      <p:sp>
+        <p:nvSpPr>
+          <p:cNvPr id="4" name="Footer Placeholder 3"/>
+          <p:cNvSpPr>
+            <a:spLocks noGrp="1"/>
+          </p:cNvSpPr>
+          <p:nvPr>
+            <p:ph type="ftr" sz="quarter" idx="10"/>
+          </p:nvPr>
+        </p:nvSpPr>
+        <p:spPr/>
+        <p:txBody>
+          <a:bodyPr/>
+          <a:lstStyle/>
+          <a:p>
+            <a:pPr>
+              <a:defRPr/>
+            </a:pPr>
+            <a:r>
+              <a:rPr lang="en-US" dirty="0" smtClean="0"/>
+              <a:t>Enterprise Architecture @ Waterloo</a:t>
+            </a:r>
+            <a:endParaRPr lang="en-US" dirty="0"/>
+          </a:p>
+        </p:txBody>
+      </p:sp>
+      <p:sp>
+        <p:nvSpPr>
+          <p:cNvPr id="3" name="Content Placeholder 2"/>
+          <p:cNvSpPr>
+            <a:spLocks noGrp="1"/>
+          </p:cNvSpPr>
+          <p:nvPr>
+            <p:ph idx="1"/>
+          </p:nvPr>
+        </p:nvSpPr>
+        <p:spPr/>
+        <p:txBody>
+          <a:bodyPr/>
+          <a:lstStyle/>
+          <a:p>
+            <a:r>
+              <a:rPr lang="en-US" dirty="0" smtClean="0"/>
+              <a:t>“Spaghetti Architecture”</a:t>
+            </a:r>
+          </a:p>
+          <a:p>
+            <a:pPr lvl="1"/>
+            <a:r>
+              <a:rPr lang="en-US" dirty="0" smtClean="0"/>
+              <a:t>Each unit is trying to optimize locally.</a:t>
+            </a:r>
+          </a:p>
+          <a:p>
+            <a:pPr marL="457200" lvl="1" indent="0">
+              <a:buNone/>
+            </a:pPr>
+            <a:endParaRPr lang="en-US" dirty="0" smtClean="0"/>
+          </a:p>
+          <a:p>
+            <a:pPr lvl="1"/>
+            <a:r>
+              <a:rPr lang="en-US" dirty="0" smtClean="0"/>
+              <a:t>Many unknown interdependencies are created.</a:t>
+            </a:r>
+            <a:endParaRPr lang="en-US" dirty="0" smtClean="0"/>
+          </a:p>
+          <a:p>
+            <a:pPr lvl="2"/>
+            <a:r>
+              <a:rPr lang="en-US" dirty="0" smtClean="0"/>
+              <a:t>Increased </a:t>
+            </a:r>
+            <a:r>
+              <a:rPr lang="en-US" dirty="0" smtClean="0"/>
+              <a:t>costs </a:t>
+            </a:r>
+            <a:r>
+              <a:rPr lang="en-US" dirty="0" smtClean="0"/>
+              <a:t>(to maintain)</a:t>
+            </a:r>
+          </a:p>
+          <a:p>
+            <a:pPr lvl="2"/>
+            <a:r>
+              <a:rPr lang="en-US" dirty="0" smtClean="0"/>
+              <a:t>Increased </a:t>
+            </a:r>
+            <a:r>
+              <a:rPr lang="en-US" dirty="0" smtClean="0"/>
+              <a:t>risks (to change</a:t>
+            </a:r>
+            <a:r>
+              <a:rPr lang="en-US" dirty="0" smtClean="0"/>
+              <a:t>)</a:t>
+            </a:r>
+          </a:p>
+          <a:p>
+            <a:pPr marL="914400" lvl="2" indent="0">
+              <a:buNone/>
+            </a:pPr>
+            <a:endParaRPr lang="en-US" dirty="0" smtClean="0"/>
+          </a:p>
+          <a:p>
+            <a:pPr lvl="1"/>
+            <a:r>
+              <a:rPr lang="en-US" dirty="0" smtClean="0"/>
+              <a:t>Local optima artificially constrain the search for global optima.</a:t>
+            </a:r>
+          </a:p>
+          <a:p>
+            <a:pPr lvl="2"/>
+            <a:r>
+              <a:rPr lang="en-US" dirty="0" smtClean="0"/>
+              <a:t>This l</a:t>
+            </a:r>
+            <a:r>
+              <a:rPr lang="en-US" dirty="0" smtClean="0"/>
+              <a:t>imits the whole enterprise’s </a:t>
+            </a:r>
+            <a:r>
+              <a:rPr lang="en-US" dirty="0"/>
+              <a:t>ability to </a:t>
+            </a:r>
+            <a:r>
+              <a:rPr lang="en-US" dirty="0" smtClean="0"/>
+              <a:t>improve.</a:t>
+            </a:r>
+            <a:endParaRPr lang="en-US" dirty="0"/>
+          </a:p>
+        </p:txBody>
+      </p:sp>
+    </p:spTree>
+    <p:extLst>
+      <p:ext uri="{BB962C8B-B14F-4D97-AF65-F5344CB8AC3E}">
+        <p14:creationId xmlns:p14="http://schemas.microsoft.com/office/powerpoint/2010/main" val="1181019191"/>
+      </p:ext>
+    </p:extLst>
+  </p:cSld>
+  <p:clrMapOvr>
+    <a:masterClrMapping/>
+  </p:clrMapOvr>
+  <p:timing>
+    <p:tnLst>
+      <p:par>
+        <p:cTn id="1" dur="indefinite" restart="never" nodeType="tmRoot"/>
+      </p:par>
+    </p:tnLst>
+  </p:timing>
+</p:sld>
+</file>
+
+<file path=ppt/slides/slide15.xml><?xml version="1.0" encoding="utf-8"?>
+<p:sld xmlns:a="http://schemas.openxmlformats.org/drawingml/2006/main" xmlns:r="http://schemas.openxmlformats.org/officeDocument/2006/relationships" xmlns:p="http://schemas.openxmlformats.org/presentationml/2006/main">
+  <p:cSld>
+    <p:spTree>
+      <p:nvGrpSpPr>
+        <p:cNvPr id="1" name=""/>
+        <p:cNvGrpSpPr/>
+        <p:nvPr/>
+      </p:nvGrpSpPr>
+      <p:grpSpPr>
+        <a:xfrm>
+          <a:off x="0" y="0"/>
+          <a:ext cx="0" cy="0"/>
+          <a:chOff x="0" y="0"/>
+          <a:chExt cx="0" cy="0"/>
+        </a:xfrm>
+      </p:grpSpPr>
+      <p:sp>
+        <p:nvSpPr>
+          <p:cNvPr id="2" name="Title 1"/>
+          <p:cNvSpPr>
+            <a:spLocks noGrp="1"/>
+          </p:cNvSpPr>
+          <p:nvPr>
+            <p:ph type="title"/>
+          </p:nvPr>
+        </p:nvSpPr>
+        <p:spPr/>
+        <p:txBody>
+          <a:bodyPr/>
+          <a:lstStyle/>
+          <a:p>
+            <a:r>
+              <a:rPr lang="en-US" dirty="0" smtClean="0"/>
+              <a:t>Why – EA Value Proposition</a:t>
+            </a:r>
+            <a:endParaRPr lang="en-US" dirty="0"/>
+          </a:p>
+        </p:txBody>
+      </p:sp>
+      <p:sp>
+        <p:nvSpPr>
+          <p:cNvPr id="3" name="Content Placeholder 2"/>
+          <p:cNvSpPr>
+            <a:spLocks noGrp="1"/>
+          </p:cNvSpPr>
+          <p:nvPr>
+            <p:ph idx="1"/>
+          </p:nvPr>
+        </p:nvSpPr>
+        <p:spPr>
+          <a:xfrm>
+            <a:off x="457200" y="2749694"/>
+            <a:ext cx="8229600" cy="794760"/>
+          </a:xfrm>
+        </p:spPr>
+        <p:txBody>
+          <a:bodyPr>
+            <a:normAutofit fontScale="92500"/>
+          </a:bodyPr>
+          <a:lstStyle/>
+          <a:p>
+            <a:pPr marL="0" indent="0" algn="ctr">
+              <a:buNone/>
+            </a:pPr>
+            <a:r>
+              <a:rPr lang="en-US" dirty="0" smtClean="0"/>
+              <a:t>This is where </a:t>
+            </a:r>
+            <a:r>
+              <a:rPr lang="en-US" dirty="0" smtClean="0"/>
+              <a:t>Enterprise Architecture (EA) helps.</a:t>
+            </a:r>
+            <a:endParaRPr lang="en-US" dirty="0" smtClean="0"/>
+          </a:p>
+        </p:txBody>
+      </p:sp>
+      <p:sp>
+        <p:nvSpPr>
+          <p:cNvPr id="4" name="Footer Placeholder 3"/>
+          <p:cNvSpPr>
+            <a:spLocks noGrp="1"/>
+          </p:cNvSpPr>
+          <p:nvPr>
+            <p:ph type="ftr" sz="quarter" idx="10"/>
+          </p:nvPr>
+        </p:nvSpPr>
+        <p:spPr/>
+        <p:txBody>
+          <a:bodyPr/>
+          <a:lstStyle/>
+          <a:p>
+            <a:pPr>
+              <a:defRPr/>
+            </a:pPr>
+            <a:r>
+              <a:rPr lang="en-US" dirty="0" smtClean="0"/>
+              <a:t>Enterprise Architecture @ Waterloo</a:t>
+            </a:r>
+            <a:endParaRPr lang="en-US" dirty="0"/>
+          </a:p>
+        </p:txBody>
+      </p:sp>
+      <p:sp>
+        <p:nvSpPr>
+          <p:cNvPr id="5" name="TextBox 4"/>
+          <p:cNvSpPr txBox="1"/>
+          <p:nvPr/>
+        </p:nvSpPr>
+        <p:spPr>
+          <a:xfrm>
+            <a:off x="2299583" y="4117270"/>
+            <a:ext cx="4544834" cy="646331"/>
+          </a:xfrm>
+          <a:prstGeom prst="rect">
+            <a:avLst/>
+          </a:prstGeom>
+          <a:noFill/>
+        </p:spPr>
+        <p:txBody>
+          <a:bodyPr wrap="none" rtlCol="0">
+            <a:spAutoFit/>
+          </a:bodyPr>
+          <a:lstStyle/>
+          <a:p>
+            <a:r>
+              <a:rPr lang="en-US" sz="3600" b="1" dirty="0" smtClean="0">
+                <a:latin typeface="Arial" charset="0"/>
+                <a:ea typeface="Arial" charset="0"/>
+                <a:cs typeface="Arial" charset="0"/>
+              </a:rPr>
+              <a:t>Divide and Conquer</a:t>
+            </a:r>
+            <a:endParaRPr lang="en-US" sz="3600" b="1" dirty="0">
+              <a:latin typeface="Arial" charset="0"/>
+              <a:ea typeface="Arial" charset="0"/>
+              <a:cs typeface="Arial" charset="0"/>
+            </a:endParaRPr>
+          </a:p>
+        </p:txBody>
+      </p:sp>
+    </p:spTree>
+    <p:extLst>
+      <p:ext uri="{BB962C8B-B14F-4D97-AF65-F5344CB8AC3E}">
+        <p14:creationId xmlns:p14="http://schemas.microsoft.com/office/powerpoint/2010/main" val="3472154492"/>
+      </p:ext>
+    </p:extLst>
+  </p:cSld>
+  <p:clrMapOvr>
+    <a:masterClrMapping/>
+  </p:clrMapOvr>
+  <p:timing>
+    <p:tnLst>
+      <p:par>
+        <p:cTn id="1" dur="indefinite" restart="never" nodeType="tmRoot">
+          <p:childTnLst>
+            <p:seq concurrent="1" nextAc="seek">
+              <p:cTn id="2" dur="indefinite" nodeType="mainSeq">
+                <p:childTnLst>
+                  <p:par>
+                    <p:cTn id="3" fill="hold">
+                      <p:stCondLst>
+                        <p:cond delay="indefinite"/>
+                      </p:stCondLst>
+                      <p:childTnLst>
+                        <p:par>
+                          <p:cTn id="4" fill="hold">
+                            <p:stCondLst>
+                              <p:cond delay="0"/>
+                            </p:stCondLst>
+                            <p:childTnLst>
+                              <p:par>
+                                <p:cTn id="5" presetID="1" presetClass="entr" presetSubtype="0" fill="hold" grpId="0" nodeType="clickEffect">
+                                  <p:stCondLst>
+                                    <p:cond delay="0"/>
+                                  </p:stCondLst>
+                                  <p:childTnLst>
+                                    <p:set>
+                                      <p:cBhvr>
+                                        <p:cTn id="6" dur="1" fill="hold">
+                                          <p:stCondLst>
+                                            <p:cond delay="0"/>
+                                          </p:stCondLst>
+                                        </p:cTn>
+                                        <p:tgtEl>
+                                          <p:spTgt spid="5"/>
+                                        </p:tgtEl>
+                                        <p:attrNameLst>
+                                          <p:attrName>style.visibility</p:attrName>
+                                        </p:attrNameLst>
+                                      </p:cBhvr>
+                                      <p:to>
+                                        <p:strVal val="visible"/>
+                                      </p:to>
+                                    </p:set>
+                                  </p:childTnLst>
+                                </p:cTn>
+                              </p:par>
+                            </p:childTnLst>
+                          </p:cTn>
+                        </p:par>
+                      </p:childTnLst>
+                    </p:cTn>
+                  </p:par>
+                </p:childTnLst>
+              </p:cTn>
+              <p:prevCondLst>
+                <p:cond evt="onPrev" delay="0">
+                  <p:tgtEl>
+                    <p:sldTgt/>
+                  </p:tgtEl>
+                </p:cond>
+              </p:prevCondLst>
+              <p:nextCondLst>
+                <p:cond evt="onNext" delay="0">
+                  <p:tgtEl>
+                    <p:sldTgt/>
+                  </p:tgtEl>
+                </p:cond>
+              </p:nextCondLst>
+            </p:seq>
+          </p:childTnLst>
+        </p:cTn>
+      </p:par>
+    </p:tnLst>
+    <p:bldLst>
+      <p:bldP spid="5" grpId="0"/>
+    </p:bldLst>
+  </p:timing>
+</p:sld>
+</file>
+
+<file path=ppt/slides/slide16.xml><?xml version="1.0" encoding="utf-8"?>
+<p:sld xmlns:a="http://schemas.openxmlformats.org/drawingml/2006/main" xmlns:r="http://schemas.openxmlformats.org/officeDocument/2006/relationships" xmlns:p="http://schemas.openxmlformats.org/presentationml/2006/main">
+  <p:cSld>
+    <p:spTree>
+      <p:nvGrpSpPr>
+        <p:cNvPr id="1" name=""/>
+        <p:cNvGrpSpPr/>
+        <p:nvPr/>
+      </p:nvGrpSpPr>
+      <p:grpSpPr>
+        <a:xfrm>
+          <a:off x="0" y="0"/>
+          <a:ext cx="0" cy="0"/>
+          <a:chOff x="0" y="0"/>
+          <a:chExt cx="0" cy="0"/>
+        </a:xfrm>
+      </p:grpSpPr>
+      <p:sp>
+        <p:nvSpPr>
+          <p:cNvPr id="2" name="Title 1"/>
+          <p:cNvSpPr>
+            <a:spLocks noGrp="1"/>
+          </p:cNvSpPr>
+          <p:nvPr>
+            <p:ph type="title"/>
+          </p:nvPr>
+        </p:nvSpPr>
+        <p:spPr/>
+        <p:txBody>
+          <a:bodyPr/>
+          <a:lstStyle/>
+          <a:p>
+            <a:r>
+              <a:rPr lang="en-US" dirty="0" smtClean="0"/>
+              <a:t>Enterprise Architecture (EA)</a:t>
+            </a:r>
+            <a:endParaRPr lang="en-US" dirty="0"/>
+          </a:p>
+        </p:txBody>
+      </p:sp>
+      <p:sp>
+        <p:nvSpPr>
+          <p:cNvPr id="4" name="Footer Placeholder 3"/>
+          <p:cNvSpPr>
+            <a:spLocks noGrp="1"/>
+          </p:cNvSpPr>
+          <p:nvPr>
+            <p:ph type="ftr" sz="quarter" idx="10"/>
+          </p:nvPr>
+        </p:nvSpPr>
+        <p:spPr/>
+        <p:txBody>
+          <a:bodyPr/>
+          <a:lstStyle/>
+          <a:p>
+            <a:pPr>
+              <a:defRPr/>
+            </a:pPr>
+            <a:r>
+              <a:rPr lang="en-US" dirty="0" smtClean="0"/>
+              <a:t>Enterprise Architecture @ Waterloo</a:t>
+            </a:r>
+            <a:endParaRPr lang="en-US" dirty="0"/>
+          </a:p>
+        </p:txBody>
+      </p:sp>
+      <p:pic>
+        <p:nvPicPr>
+          <p:cNvPr id="5" name="Picture 4"/>
+          <p:cNvPicPr>
+            <a:picLocks noChangeAspect="1"/>
+          </p:cNvPicPr>
+          <p:nvPr/>
+        </p:nvPicPr>
+        <p:blipFill>
+          <a:blip r:embed="rId3"/>
+          <a:stretch>
+            <a:fillRect/>
+          </a:stretch>
+        </p:blipFill>
+        <p:spPr>
+          <a:xfrm>
+            <a:off x="1803400" y="1330285"/>
+            <a:ext cx="5537200" cy="3479800"/>
+          </a:xfrm>
+          <a:prstGeom prst="rect">
+            <a:avLst/>
+          </a:prstGeom>
+        </p:spPr>
+      </p:pic>
+    </p:spTree>
+    <p:extLst>
+      <p:ext uri="{BB962C8B-B14F-4D97-AF65-F5344CB8AC3E}">
+        <p14:creationId xmlns:p14="http://schemas.microsoft.com/office/powerpoint/2010/main" val="1371888127"/>
+      </p:ext>
+    </p:extLst>
+  </p:cSld>
+  <p:clrMapOvr>
+    <a:masterClrMapping/>
+  </p:clrMapOvr>
+  <p:timing>
+    <p:tnLst>
+      <p:par>
+        <p:cTn id="1" dur="indefinite" restart="never" nodeType="tmRoot"/>
+      </p:par>
+    </p:tnLst>
+  </p:timing>
+</p:sld>
+</file>
+
+<file path=ppt/slides/slide17.xml><?xml version="1.0" encoding="utf-8"?>
+<p:sld xmlns:a="http://schemas.openxmlformats.org/drawingml/2006/main" xmlns:r="http://schemas.openxmlformats.org/officeDocument/2006/relationships" xmlns:p="http://schemas.openxmlformats.org/presentationml/2006/main">
+  <p:cSld>
+    <p:spTree>
+      <p:nvGrpSpPr>
+        <p:cNvPr id="1" name=""/>
+        <p:cNvGrpSpPr/>
+        <p:nvPr/>
+      </p:nvGrpSpPr>
+      <p:grpSpPr>
+        <a:xfrm>
+          <a:off x="0" y="0"/>
+          <a:ext cx="0" cy="0"/>
+          <a:chOff x="0" y="0"/>
+          <a:chExt cx="0" cy="0"/>
+        </a:xfrm>
+      </p:grpSpPr>
+      <p:sp>
+        <p:nvSpPr>
+          <p:cNvPr id="2" name="Title 1"/>
+          <p:cNvSpPr>
+            <a:spLocks noGrp="1"/>
+          </p:cNvSpPr>
+          <p:nvPr>
+            <p:ph type="title"/>
+          </p:nvPr>
+        </p:nvSpPr>
+        <p:spPr/>
+        <p:txBody>
+          <a:bodyPr/>
+          <a:lstStyle/>
+          <a:p>
+            <a:r>
+              <a:rPr lang="en-US" dirty="0" smtClean="0"/>
+              <a:t>Why – EA Value Proposition</a:t>
+            </a:r>
+            <a:endParaRPr lang="en-US" dirty="0"/>
+          </a:p>
+        </p:txBody>
+      </p:sp>
+      <p:sp>
+        <p:nvSpPr>
+          <p:cNvPr id="4" name="Footer Placeholder 3"/>
+          <p:cNvSpPr>
+            <a:spLocks noGrp="1"/>
+          </p:cNvSpPr>
+          <p:nvPr>
+            <p:ph type="ftr" sz="quarter" idx="10"/>
+          </p:nvPr>
+        </p:nvSpPr>
+        <p:spPr/>
+        <p:txBody>
+          <a:bodyPr/>
+          <a:lstStyle/>
+          <a:p>
+            <a:pPr>
+              <a:defRPr/>
+            </a:pPr>
+            <a:r>
+              <a:rPr lang="en-US" dirty="0" smtClean="0"/>
+              <a:t>Enterprise Architecture @ Waterloo</a:t>
+            </a:r>
+            <a:endParaRPr lang="en-US" dirty="0"/>
+          </a:p>
+        </p:txBody>
+      </p:sp>
       <p:sp>
         <p:nvSpPr>
           <p:cNvPr id="3" name="Content Placeholder 2"/>
@@ -17395,7 +20431,7 @@
         <p:spPr/>
         <p:txBody>
           <a:bodyPr>
-            <a:normAutofit/>
+            <a:normAutofit lnSpcReduction="10000"/>
           </a:bodyPr>
           <a:lstStyle/>
           <a:p>
@@ -17419,27 +20455,48 @@
             </a:r>
             <a:r>
               <a:rPr lang="en-US" dirty="0"/>
-              <a:t>need (mission) </a:t>
+              <a:t>need </a:t>
             </a:r>
             <a:r>
               <a:rPr lang="en-US" dirty="0" smtClean="0"/>
-              <a:t>alongside IT.</a:t>
+              <a:t>through to Technology.</a:t>
             </a:r>
             <a:endParaRPr lang="en-US" dirty="0"/>
           </a:p>
           <a:p>
             <a:r>
               <a:rPr lang="en-US" dirty="0"/>
-              <a:t>Support optimal global acquisition of </a:t>
+              <a:t>Support </a:t>
+            </a:r>
+            <a:r>
+              <a:rPr lang="en-US" dirty="0" smtClean="0"/>
+              <a:t>planning and acquisition </a:t>
+            </a:r>
+            <a:r>
+              <a:rPr lang="en-US" sz="2000" dirty="0" smtClean="0"/>
+              <a:t>(buy or build)</a:t>
+            </a:r>
+            <a:r>
+              <a:rPr lang="en-US" dirty="0" smtClean="0"/>
+              <a:t> </a:t>
+            </a:r>
+            <a:r>
+              <a:rPr lang="en-US" dirty="0"/>
+              <a:t>of </a:t>
             </a:r>
             <a:r>
               <a:rPr lang="en-US" dirty="0" smtClean="0"/>
               <a:t>enterprise components </a:t>
             </a:r>
             <a:r>
-              <a:rPr lang="en-US" dirty="0"/>
-              <a:t>that are:</a:t>
-            </a:r>
+              <a:rPr lang="en-US" dirty="0" smtClean="0"/>
+              <a:t>that are</a:t>
+            </a:r>
+            <a:r>
+              <a:rPr lang="en-US" dirty="0" smtClean="0"/>
+              <a:t>:</a:t>
+            </a:r>
+            <a:endParaRPr lang="en-US" dirty="0"/>
           </a:p>
           <a:p>
             <a:pPr lvl="1"/>
@@ -17466,7 +20523,14 @@
             <a:pPr lvl="1"/>
             <a:r>
               <a:rPr lang="en-US" dirty="0" smtClean="0"/>
-              <a:t>Efficient + Effective</a:t>
+              <a:t>Efficient (ordered)</a:t>
+            </a:r>
+          </a:p>
+          <a:p>
+            <a:pPr lvl="1"/>
+            <a:r>
+              <a:rPr lang="en-US" dirty="0" smtClean="0"/>
+              <a:t>Effective (capable)</a:t>
             </a:r>
             <a:endParaRPr lang="en-US" dirty="0"/>
           </a:p>
@@ -17485,14 +20549,14 @@
   <p:timing>
     <p:tnLst>
       <p:par>
-        <p:cTn xmlns:p14="http://schemas.microsoft.com/office/powerpoint/2010/main" id="1" dur="indefinite" restart="never" nodeType="tmRoot"/>
+        <p:cTn id="1" dur="indefinite" restart="never" nodeType="tmRoot"/>
       </p:par>
     </p:tnLst>
   </p:timing>
 </p:sld>
 </file>
 
-<file path=ppt/slides/slide14.xml><?xml version="1.0" encoding="utf-8"?>
+<file path=ppt/slides/slide18.xml><?xml version="1.0" encoding="utf-8"?>
 <p:sld xmlns:a="http://schemas.openxmlformats.org/drawingml/2006/main" xmlns:r="http://schemas.openxmlformats.org/officeDocument/2006/relationships" xmlns:p="http://schemas.openxmlformats.org/presentationml/2006/main">
   <p:cSld>
     <p:spTree>
@@ -17545,6 +20609,13 @@
             </a:br>
             <a:r>
               <a:rPr lang="en-US" dirty="0" smtClean="0"/>
+              <a:t/>
+            </a:r>
+            <a:br>
+              <a:rPr lang="en-US" dirty="0" smtClean="0"/>
+            </a:br>
+            <a:r>
+              <a:rPr lang="en-US" dirty="0" smtClean="0"/>
               <a:t>The “Enterprise Architecture”</a:t>
             </a:r>
             <a:endParaRPr lang="en-US" dirty="0"/>
@@ -17590,573 +20661,7 @@
   <p:timing>
     <p:tnLst>
       <p:par>
-        <p:cTn xmlns:p14="http://schemas.microsoft.com/office/powerpoint/2010/main" id="1" dur="indefinite" restart="never" nodeType="tmRoot"/>
-      </p:par>
-    </p:tnLst>
-  </p:timing>
-</p:sld>
-</file>
-
-<file path=ppt/slides/slide15.xml><?xml version="1.0" encoding="utf-8"?>
-<p:sld xmlns:a="http://schemas.openxmlformats.org/drawingml/2006/main" xmlns:r="http://schemas.openxmlformats.org/officeDocument/2006/relationships" xmlns:p="http://schemas.openxmlformats.org/presentationml/2006/main">
-  <p:cSld>
-    <p:spTree>
-      <p:nvGrpSpPr>
-        <p:cNvPr id="1" name=""/>
-        <p:cNvGrpSpPr/>
-        <p:nvPr/>
-      </p:nvGrpSpPr>
-      <p:grpSpPr>
-        <a:xfrm>
-          <a:off x="0" y="0"/>
-          <a:ext cx="0" cy="0"/>
-          <a:chOff x="0" y="0"/>
-          <a:chExt cx="0" cy="0"/>
-        </a:xfrm>
-      </p:grpSpPr>
-      <p:sp>
-        <p:nvSpPr>
-          <p:cNvPr id="2" name="Title 1"/>
-          <p:cNvSpPr>
-            <a:spLocks noGrp="1"/>
-          </p:cNvSpPr>
-          <p:nvPr>
-            <p:ph type="title"/>
-          </p:nvPr>
-        </p:nvSpPr>
-        <p:spPr/>
-        <p:txBody>
-          <a:bodyPr/>
-          <a:lstStyle/>
-          <a:p>
-            <a:r>
-              <a:rPr lang="en-US" dirty="0" smtClean="0"/>
-              <a:t>What – Enterprise Architecture</a:t>
-            </a:r>
-            <a:endParaRPr lang="en-US" dirty="0"/>
-          </a:p>
-        </p:txBody>
-      </p:sp>
-      <p:sp>
-        <p:nvSpPr>
-          <p:cNvPr id="3" name="Content Placeholder 2"/>
-          <p:cNvSpPr>
-            <a:spLocks noGrp="1"/>
-          </p:cNvSpPr>
-          <p:nvPr>
-            <p:ph idx="1"/>
-          </p:nvPr>
-        </p:nvSpPr>
-        <p:spPr/>
-        <p:txBody>
-          <a:bodyPr>
-            <a:normAutofit/>
-          </a:bodyPr>
-          <a:lstStyle/>
-          <a:p>
-            <a:r>
-              <a:rPr lang="en-US" dirty="0" smtClean="0"/>
-              <a:t>Multiple definitions and approaches exist.</a:t>
-            </a:r>
-          </a:p>
-          <a:p>
-            <a:r>
-              <a:rPr lang="en-US" dirty="0"/>
-              <a:t>E</a:t>
-            </a:r>
-            <a:r>
-              <a:rPr lang="en-US" dirty="0" smtClean="0"/>
-              <a:t>nterprises must </a:t>
-            </a:r>
-            <a:r>
-              <a:rPr lang="en-US" dirty="0" smtClean="0"/>
-              <a:t>reach consensus about what</a:t>
-            </a:r>
-            <a:r>
-              <a:rPr lang="en-US" dirty="0" smtClean="0"/>
-              <a:t> EA is to them (captured in an “Enterprise Architecture Framework”)</a:t>
-            </a:r>
-          </a:p>
-          <a:p>
-            <a:pPr lvl="1"/>
-            <a:r>
-              <a:rPr lang="en-US" dirty="0" smtClean="0"/>
-              <a:t>Some ‘big’ EAFs exist: </a:t>
-            </a:r>
-            <a:r>
-              <a:rPr lang="en-US" dirty="0" err="1" smtClean="0"/>
-              <a:t>Zachman</a:t>
-            </a:r>
-            <a:r>
-              <a:rPr lang="en-US" dirty="0" smtClean="0"/>
-              <a:t>, TOGAF, FEAF</a:t>
-            </a:r>
-          </a:p>
-          <a:p>
-            <a:pPr lvl="1"/>
-            <a:r>
-              <a:rPr lang="en-US" dirty="0" smtClean="0"/>
-              <a:t>Many enterprises build hybrids to fit their needs.</a:t>
-            </a:r>
-            <a:endParaRPr lang="en-US" dirty="0" smtClean="0"/>
-          </a:p>
-          <a:p>
-            <a:r>
-              <a:rPr lang="en-US" dirty="0" smtClean="0"/>
-              <a:t>This presentation is intended to initiate a discussion about the </a:t>
-            </a:r>
-            <a:r>
-              <a:rPr lang="en-US" b="1" dirty="0" smtClean="0"/>
-              <a:t>“Waterloo Enterprise Architecture Framework”</a:t>
-            </a:r>
-            <a:endParaRPr lang="en-US" b="1" dirty="0"/>
-          </a:p>
-        </p:txBody>
-      </p:sp>
-      <p:sp>
-        <p:nvSpPr>
-          <p:cNvPr id="4" name="Footer Placeholder 3"/>
-          <p:cNvSpPr>
-            <a:spLocks noGrp="1"/>
-          </p:cNvSpPr>
-          <p:nvPr>
-            <p:ph type="ftr" sz="quarter" idx="10"/>
-          </p:nvPr>
-        </p:nvSpPr>
-        <p:spPr/>
-        <p:txBody>
-          <a:bodyPr/>
-          <a:lstStyle/>
-          <a:p>
-            <a:pPr>
-              <a:defRPr/>
-            </a:pPr>
-            <a:r>
-              <a:rPr lang="en-US" dirty="0" smtClean="0"/>
-              <a:t>Enterprise Architecture @ Waterloo</a:t>
-            </a:r>
-            <a:endParaRPr lang="en-US" dirty="0"/>
-          </a:p>
-        </p:txBody>
-      </p:sp>
-    </p:spTree>
-    <p:extLst>
-      <p:ext uri="{BB962C8B-B14F-4D97-AF65-F5344CB8AC3E}">
-        <p14:creationId xmlns:p14="http://schemas.microsoft.com/office/powerpoint/2010/main" val="1941461553"/>
-      </p:ext>
-    </p:extLst>
-  </p:cSld>
-  <p:clrMapOvr>
-    <a:masterClrMapping/>
-  </p:clrMapOvr>
-  <p:timing>
-    <p:tnLst>
-      <p:par>
-        <p:cTn xmlns:p14="http://schemas.microsoft.com/office/powerpoint/2010/main" id="1" dur="indefinite" restart="never" nodeType="tmRoot"/>
-      </p:par>
-    </p:tnLst>
-  </p:timing>
-</p:sld>
-</file>
-
-<file path=ppt/slides/slide16.xml><?xml version="1.0" encoding="utf-8"?>
-<p:sld xmlns:a="http://schemas.openxmlformats.org/drawingml/2006/main" xmlns:r="http://schemas.openxmlformats.org/officeDocument/2006/relationships" xmlns:p="http://schemas.openxmlformats.org/presentationml/2006/main">
-  <p:cSld>
-    <p:spTree>
-      <p:nvGrpSpPr>
-        <p:cNvPr id="1" name=""/>
-        <p:cNvGrpSpPr/>
-        <p:nvPr/>
-      </p:nvGrpSpPr>
-      <p:grpSpPr>
-        <a:xfrm>
-          <a:off x="0" y="0"/>
-          <a:ext cx="0" cy="0"/>
-          <a:chOff x="0" y="0"/>
-          <a:chExt cx="0" cy="0"/>
-        </a:xfrm>
-      </p:grpSpPr>
-      <p:sp>
-        <p:nvSpPr>
-          <p:cNvPr id="2" name="Title 1"/>
-          <p:cNvSpPr>
-            <a:spLocks noGrp="1"/>
-          </p:cNvSpPr>
-          <p:nvPr>
-            <p:ph type="title"/>
-          </p:nvPr>
-        </p:nvSpPr>
-        <p:spPr/>
-        <p:txBody>
-          <a:bodyPr/>
-          <a:lstStyle/>
-          <a:p>
-            <a:r>
-              <a:rPr lang="en-US" dirty="0" smtClean="0"/>
-              <a:t>Enterprise Architecture definitions</a:t>
-            </a:r>
-            <a:endParaRPr lang="en-US" dirty="0"/>
-          </a:p>
-        </p:txBody>
-      </p:sp>
-      <p:sp>
-        <p:nvSpPr>
-          <p:cNvPr id="3" name="Content Placeholder 2"/>
-          <p:cNvSpPr>
-            <a:spLocks noGrp="1"/>
-          </p:cNvSpPr>
-          <p:nvPr>
-            <p:ph idx="1"/>
-          </p:nvPr>
-        </p:nvSpPr>
-        <p:spPr/>
-        <p:txBody>
-          <a:bodyPr/>
-          <a:lstStyle/>
-          <a:p>
-            <a:r>
-              <a:rPr lang="en-US" dirty="0" smtClean="0"/>
-              <a:t>Gartner</a:t>
-            </a:r>
-          </a:p>
-          <a:p>
-            <a:endParaRPr lang="en-US" dirty="0"/>
-          </a:p>
-          <a:p>
-            <a:r>
-              <a:rPr lang="en-US" dirty="0" smtClean="0"/>
-              <a:t>Wikipedia</a:t>
-            </a:r>
-          </a:p>
-          <a:p>
-            <a:pPr marL="0" indent="0">
-              <a:buNone/>
-            </a:pPr>
-            <a:endParaRPr lang="en-US" dirty="0"/>
-          </a:p>
-          <a:p>
-            <a:r>
-              <a:rPr lang="en-US" dirty="0" smtClean="0"/>
-              <a:t>Maher’s definition in IST-EA’s 3-year Plan</a:t>
-            </a:r>
-          </a:p>
-          <a:p>
-            <a:endParaRPr lang="en-US" dirty="0"/>
-          </a:p>
-          <a:p>
-            <a:endParaRPr lang="en-US" dirty="0"/>
-          </a:p>
-        </p:txBody>
-      </p:sp>
-      <p:sp>
-        <p:nvSpPr>
-          <p:cNvPr id="4" name="Footer Placeholder 3"/>
-          <p:cNvSpPr>
-            <a:spLocks noGrp="1"/>
-          </p:cNvSpPr>
-          <p:nvPr>
-            <p:ph type="ftr" sz="quarter" idx="10"/>
-          </p:nvPr>
-        </p:nvSpPr>
-        <p:spPr/>
-        <p:txBody>
-          <a:bodyPr/>
-          <a:lstStyle/>
-          <a:p>
-            <a:pPr>
-              <a:defRPr/>
-            </a:pPr>
-            <a:r>
-              <a:rPr lang="en-US" dirty="0" smtClean="0"/>
-              <a:t>Enterprise Architecture @ Waterloo</a:t>
-            </a:r>
-            <a:endParaRPr lang="en-US" dirty="0"/>
-          </a:p>
-        </p:txBody>
-      </p:sp>
-    </p:spTree>
-    <p:extLst>
-      <p:ext uri="{BB962C8B-B14F-4D97-AF65-F5344CB8AC3E}">
-        <p14:creationId xmlns:p14="http://schemas.microsoft.com/office/powerpoint/2010/main" val="2833954216"/>
-      </p:ext>
-    </p:extLst>
-  </p:cSld>
-  <p:clrMapOvr>
-    <a:masterClrMapping/>
-  </p:clrMapOvr>
-  <p:timing>
-    <p:tnLst>
-      <p:par>
-        <p:cTn xmlns:p14="http://schemas.microsoft.com/office/powerpoint/2010/main" id="1" dur="indefinite" restart="never" nodeType="tmRoot"/>
-      </p:par>
-    </p:tnLst>
-  </p:timing>
-</p:sld>
-</file>
-
-<file path=ppt/slides/slide17.xml><?xml version="1.0" encoding="utf-8"?>
-<p:sld xmlns:a="http://schemas.openxmlformats.org/drawingml/2006/main" xmlns:r="http://schemas.openxmlformats.org/officeDocument/2006/relationships" xmlns:p="http://schemas.openxmlformats.org/presentationml/2006/main">
-  <p:cSld>
-    <p:spTree>
-      <p:nvGrpSpPr>
-        <p:cNvPr id="1" name=""/>
-        <p:cNvGrpSpPr/>
-        <p:nvPr/>
-      </p:nvGrpSpPr>
-      <p:grpSpPr>
-        <a:xfrm>
-          <a:off x="0" y="0"/>
-          <a:ext cx="0" cy="0"/>
-          <a:chOff x="0" y="0"/>
-          <a:chExt cx="0" cy="0"/>
-        </a:xfrm>
-      </p:grpSpPr>
-      <p:sp>
-        <p:nvSpPr>
-          <p:cNvPr id="2" name="Title 1"/>
-          <p:cNvSpPr>
-            <a:spLocks noGrp="1"/>
-          </p:cNvSpPr>
-          <p:nvPr>
-            <p:ph type="title"/>
-          </p:nvPr>
-        </p:nvSpPr>
-        <p:spPr/>
-        <p:txBody>
-          <a:bodyPr/>
-          <a:lstStyle/>
-          <a:p>
-            <a:r>
-              <a:rPr lang="en-US" dirty="0" smtClean="0"/>
-              <a:t>Enterprise Architecture definitions</a:t>
-            </a:r>
-            <a:endParaRPr lang="en-US" dirty="0"/>
-          </a:p>
-        </p:txBody>
-      </p:sp>
-      <p:sp>
-        <p:nvSpPr>
-          <p:cNvPr id="3" name="Content Placeholder 2"/>
-          <p:cNvSpPr>
-            <a:spLocks noGrp="1"/>
-          </p:cNvSpPr>
-          <p:nvPr>
-            <p:ph idx="1"/>
-          </p:nvPr>
-        </p:nvSpPr>
-        <p:spPr/>
-        <p:txBody>
-          <a:bodyPr>
-            <a:normAutofit fontScale="92500" lnSpcReduction="10000"/>
-          </a:bodyPr>
-          <a:lstStyle/>
-          <a:p>
-            <a:r>
-              <a:rPr lang="en-US" dirty="0" smtClean="0"/>
-              <a:t>Current working definition:</a:t>
-            </a:r>
-          </a:p>
-          <a:p>
-            <a:pPr lvl="1"/>
-            <a:r>
-              <a:rPr lang="en-US" dirty="0" smtClean="0"/>
-              <a:t>Whitehouse Common Approach to Federal Enterprise Architecture:</a:t>
-            </a:r>
-          </a:p>
-          <a:p>
-            <a:pPr marL="457200" lvl="1" indent="0">
-              <a:buNone/>
-            </a:pPr>
-            <a:endParaRPr lang="en-US" dirty="0"/>
-          </a:p>
-          <a:p>
-            <a:pPr marL="457200" lvl="1" indent="0">
-              <a:buNone/>
-            </a:pPr>
-            <a:r>
-              <a:rPr lang="en-US" dirty="0" smtClean="0"/>
-              <a:t>“An Enterprise </a:t>
-            </a:r>
-            <a:r>
-              <a:rPr lang="en-US" dirty="0"/>
-              <a:t>Architecture </a:t>
-            </a:r>
-            <a:r>
-              <a:rPr lang="en-US" dirty="0" smtClean="0"/>
-              <a:t>is </a:t>
-            </a:r>
-            <a:r>
-              <a:rPr lang="en-US" dirty="0"/>
-              <a:t>a strategic information asset base, which defines the mission; the information necessary to perform the mission, the technologies necessary to perform the mission, and the transitional processes for implementing new technologies in response to changing mission </a:t>
-            </a:r>
-            <a:r>
-              <a:rPr lang="en-US" dirty="0" smtClean="0"/>
-              <a:t>needs. An EA includes </a:t>
-            </a:r>
-            <a:r>
-              <a:rPr lang="en-US" dirty="0"/>
-              <a:t>a baseline architecture, a target architecture, and a sequencing plan</a:t>
-            </a:r>
-            <a:r>
-              <a:rPr lang="en-US" dirty="0" smtClean="0"/>
-              <a:t>.”</a:t>
-            </a:r>
-            <a:endParaRPr lang="en-US" dirty="0"/>
-          </a:p>
-          <a:p>
-            <a:endParaRPr lang="en-US" dirty="0"/>
-          </a:p>
-        </p:txBody>
-      </p:sp>
-      <p:sp>
-        <p:nvSpPr>
-          <p:cNvPr id="4" name="Footer Placeholder 3"/>
-          <p:cNvSpPr>
-            <a:spLocks noGrp="1"/>
-          </p:cNvSpPr>
-          <p:nvPr>
-            <p:ph type="ftr" sz="quarter" idx="10"/>
-          </p:nvPr>
-        </p:nvSpPr>
-        <p:spPr/>
-        <p:txBody>
-          <a:bodyPr/>
-          <a:lstStyle/>
-          <a:p>
-            <a:pPr>
-              <a:defRPr/>
-            </a:pPr>
-            <a:r>
-              <a:rPr lang="en-US" dirty="0" smtClean="0"/>
-              <a:t>Enterprise Architecture @ Waterloo</a:t>
-            </a:r>
-            <a:endParaRPr lang="en-US" dirty="0"/>
-          </a:p>
-        </p:txBody>
-      </p:sp>
-    </p:spTree>
-    <p:extLst>
-      <p:ext uri="{BB962C8B-B14F-4D97-AF65-F5344CB8AC3E}">
-        <p14:creationId xmlns:p14="http://schemas.microsoft.com/office/powerpoint/2010/main" val="2485257446"/>
-      </p:ext>
-    </p:extLst>
-  </p:cSld>
-  <p:clrMapOvr>
-    <a:masterClrMapping/>
-  </p:clrMapOvr>
-  <p:timing>
-    <p:tnLst>
-      <p:par>
-        <p:cTn xmlns:p14="http://schemas.microsoft.com/office/powerpoint/2010/main" id="1" dur="indefinite" restart="never" nodeType="tmRoot"/>
-      </p:par>
-    </p:tnLst>
-  </p:timing>
-</p:sld>
-</file>
-
-<file path=ppt/slides/slide18.xml><?xml version="1.0" encoding="utf-8"?>
-<p:sld xmlns:a="http://schemas.openxmlformats.org/drawingml/2006/main" xmlns:r="http://schemas.openxmlformats.org/officeDocument/2006/relationships" xmlns:p="http://schemas.openxmlformats.org/presentationml/2006/main">
-  <p:cSld>
-    <p:spTree>
-      <p:nvGrpSpPr>
-        <p:cNvPr id="1" name=""/>
-        <p:cNvGrpSpPr/>
-        <p:nvPr/>
-      </p:nvGrpSpPr>
-      <p:grpSpPr>
-        <a:xfrm>
-          <a:off x="0" y="0"/>
-          <a:ext cx="0" cy="0"/>
-          <a:chOff x="0" y="0"/>
-          <a:chExt cx="0" cy="0"/>
-        </a:xfrm>
-      </p:grpSpPr>
-      <p:sp>
-        <p:nvSpPr>
-          <p:cNvPr id="2" name="Title 1"/>
-          <p:cNvSpPr>
-            <a:spLocks noGrp="1"/>
-          </p:cNvSpPr>
-          <p:nvPr>
-            <p:ph type="title"/>
-          </p:nvPr>
-        </p:nvSpPr>
-        <p:spPr/>
-        <p:txBody>
-          <a:bodyPr/>
-          <a:lstStyle/>
-          <a:p>
-            <a:r>
-              <a:rPr lang="en-US" dirty="0"/>
-              <a:t>Enterprise Architecture </a:t>
-            </a:r>
-            <a:r>
-              <a:rPr lang="en-US" dirty="0" smtClean="0"/>
-              <a:t>VIEWS</a:t>
-            </a:r>
-            <a:endParaRPr lang="en-US" dirty="0"/>
-          </a:p>
-        </p:txBody>
-      </p:sp>
-      <p:sp>
-        <p:nvSpPr>
-          <p:cNvPr id="3" name="Content Placeholder 2"/>
-          <p:cNvSpPr>
-            <a:spLocks noGrp="1"/>
-          </p:cNvSpPr>
-          <p:nvPr>
-            <p:ph idx="1"/>
-          </p:nvPr>
-        </p:nvSpPr>
-        <p:spPr/>
-        <p:txBody>
-          <a:bodyPr/>
-          <a:lstStyle/>
-          <a:p>
-            <a:endParaRPr lang="en-US" dirty="0"/>
-          </a:p>
-        </p:txBody>
-      </p:sp>
-      <p:sp>
-        <p:nvSpPr>
-          <p:cNvPr id="4" name="Footer Placeholder 3"/>
-          <p:cNvSpPr>
-            <a:spLocks noGrp="1"/>
-          </p:cNvSpPr>
-          <p:nvPr>
-            <p:ph type="ftr" sz="quarter" idx="10"/>
-          </p:nvPr>
-        </p:nvSpPr>
-        <p:spPr/>
-        <p:txBody>
-          <a:bodyPr/>
-          <a:lstStyle/>
-          <a:p>
-            <a:pPr>
-              <a:defRPr/>
-            </a:pPr>
-            <a:r>
-              <a:rPr lang="en-US" dirty="0" smtClean="0"/>
-              <a:t>Enterprise Architecture @ Waterloo</a:t>
-            </a:r>
-            <a:endParaRPr lang="en-US" dirty="0"/>
-          </a:p>
-        </p:txBody>
-      </p:sp>
-    </p:spTree>
-    <p:extLst>
-      <p:ext uri="{BB962C8B-B14F-4D97-AF65-F5344CB8AC3E}">
-        <p14:creationId xmlns:p14="http://schemas.microsoft.com/office/powerpoint/2010/main" val="2210544803"/>
-      </p:ext>
-    </p:extLst>
-  </p:cSld>
-  <p:clrMapOvr>
-    <a:masterClrMapping/>
-  </p:clrMapOvr>
-  <p:timing>
-    <p:tnLst>
-      <p:par>
-        <p:cTn xmlns:p14="http://schemas.microsoft.com/office/powerpoint/2010/main" id="1" dur="indefinite" restart="never" nodeType="tmRoot"/>
+        <p:cTn id="1" dur="indefinite" restart="never" nodeType="tmRoot"/>
       </p:par>
     </p:tnLst>
   </p:timing>
@@ -18190,22 +20695,107 @@
             <p:ph type="title"/>
           </p:nvPr>
         </p:nvSpPr>
-        <p:spPr>
-          <a:xfrm>
-            <a:off x="457200" y="2492520"/>
-            <a:ext cx="8229600" cy="1143000"/>
-          </a:xfrm>
-        </p:spPr>
+        <p:spPr/>
         <p:txBody>
           <a:bodyPr/>
           <a:lstStyle/>
           <a:p>
-            <a:pPr algn="ctr"/>
             <a:r>
               <a:rPr lang="en-US" dirty="0" smtClean="0"/>
-              <a:t>HOW?</a:t>
+              <a:t>What – Enterprise Architecture</a:t>
             </a:r>
             <a:endParaRPr lang="en-US" dirty="0"/>
+          </a:p>
+        </p:txBody>
+      </p:sp>
+      <p:sp>
+        <p:nvSpPr>
+          <p:cNvPr id="3" name="Content Placeholder 2"/>
+          <p:cNvSpPr>
+            <a:spLocks noGrp="1"/>
+          </p:cNvSpPr>
+          <p:nvPr>
+            <p:ph idx="1"/>
+          </p:nvPr>
+        </p:nvSpPr>
+        <p:spPr/>
+        <p:txBody>
+          <a:bodyPr>
+            <a:normAutofit/>
+          </a:bodyPr>
+          <a:lstStyle/>
+          <a:p>
+            <a:r>
+              <a:rPr lang="en-US" dirty="0" smtClean="0"/>
+              <a:t>Multiple definitions and approaches exist.</a:t>
+            </a:r>
+          </a:p>
+          <a:p>
+            <a:r>
+              <a:rPr lang="en-US" dirty="0"/>
+              <a:t>E</a:t>
+            </a:r>
+            <a:r>
+              <a:rPr lang="en-US" dirty="0" smtClean="0"/>
+              <a:t>nterprises must reach consensus about what EA is to them </a:t>
+            </a:r>
+            <a:r>
+              <a:rPr lang="en-US" dirty="0" smtClean="0"/>
+              <a:t>(often captured in </a:t>
+            </a:r>
+            <a:r>
+              <a:rPr lang="en-US" dirty="0" smtClean="0"/>
+              <a:t>an “Enterprise Architecture </a:t>
+            </a:r>
+            <a:r>
+              <a:rPr lang="en-US" dirty="0" smtClean="0"/>
+              <a:t>Framework”)</a:t>
+            </a:r>
+            <a:endParaRPr lang="en-US" dirty="0" smtClean="0"/>
+          </a:p>
+          <a:p>
+            <a:pPr lvl="1"/>
+            <a:r>
+              <a:rPr lang="en-US" dirty="0" smtClean="0"/>
+              <a:t>Some ‘big’ EAFs exist: </a:t>
+            </a:r>
+            <a:r>
+              <a:rPr lang="en-US" dirty="0" err="1" smtClean="0"/>
+              <a:t>Zachman</a:t>
+            </a:r>
+            <a:r>
+              <a:rPr lang="en-US" dirty="0" smtClean="0"/>
+              <a:t>, TOGAF, FEAF</a:t>
+            </a:r>
+          </a:p>
+          <a:p>
+            <a:pPr lvl="1"/>
+            <a:r>
+              <a:rPr lang="en-US" dirty="0" smtClean="0"/>
+              <a:t>Many enterprises build hybrids to fit their needs.</a:t>
+            </a:r>
+          </a:p>
+          <a:p>
+            <a:endParaRPr lang="en-US" b="1" dirty="0" smtClean="0"/>
+          </a:p>
+          <a:p>
+            <a:r>
+              <a:rPr lang="en-US" dirty="0" smtClean="0"/>
+              <a:t>What is the </a:t>
+            </a:r>
+            <a:r>
+              <a:rPr lang="en-US" b="1" dirty="0" smtClean="0"/>
+              <a:t>“University of Waterloo </a:t>
+            </a:r>
+            <a:r>
+              <a:rPr lang="en-US" b="1" dirty="0" smtClean="0"/>
+              <a:t>Enterprise Architecture Framework</a:t>
+            </a:r>
+            <a:r>
+              <a:rPr lang="en-US" b="1" dirty="0" smtClean="0"/>
+              <a:t>” ?</a:t>
+            </a:r>
+            <a:endParaRPr lang="en-US" b="1" dirty="0"/>
           </a:p>
         </p:txBody>
       </p:sp>
@@ -18238,13 +20828,20 @@
     </p:spTree>
     <p:extLst>
       <p:ext uri="{BB962C8B-B14F-4D97-AF65-F5344CB8AC3E}">
-        <p14:creationId xmlns:p14="http://schemas.microsoft.com/office/powerpoint/2010/main" val="3160377490"/>
+        <p14:creationId xmlns:p14="http://schemas.microsoft.com/office/powerpoint/2010/main" val="1941461553"/>
       </p:ext>
     </p:extLst>
   </p:cSld>
   <p:clrMapOvr>
     <a:masterClrMapping/>
   </p:clrMapOvr>
+  <p:timing>
+    <p:tnLst>
+      <p:par>
+        <p:cTn id="1" dur="indefinite" restart="never" nodeType="tmRoot"/>
+      </p:par>
+    </p:tnLst>
+  </p:timing>
 </p:sld>
 </file>
 
@@ -18425,7 +21022,11 @@
             </a:r>
             <a:r>
               <a:rPr lang="en-US" sz="1800" dirty="0" smtClean="0"/>
-              <a:t>EA Process</a:t>
+              <a:t>EA </a:t>
+            </a:r>
+            <a:r>
+              <a:rPr lang="en-US" sz="1800" dirty="0" smtClean="0"/>
+              <a:t>Process and Maturity Model</a:t>
             </a:r>
             <a:endParaRPr lang="en-US" sz="1800" dirty="0" smtClean="0">
               <a:ea typeface="+mn-ea"/>
@@ -18543,14 +21144,14 @@
           <a:noFill/>
           <a:extLst>
             <a:ext uri="{909E8E84-426E-40dd-AFC4-6F175D3DCCD1}">
-              <a14:hiddenFill xmlns:a14="http://schemas.microsoft.com/office/drawing/2010/main">
+              <a14:hiddenFill xmlns:a14="http://schemas.microsoft.com/office/drawing/2010/main" xmlns="">
                 <a:solidFill>
                   <a:srgbClr val="FFFFFF"/>
                 </a:solidFill>
               </a14:hiddenFill>
             </a:ext>
             <a:ext uri="{91240B29-F687-4f45-9708-019B960494DF}">
-              <a14:hiddenLine xmlns:a14="http://schemas.microsoft.com/office/drawing/2010/main" w="9525">
+              <a14:hiddenLine xmlns:a14="http://schemas.microsoft.com/office/drawing/2010/main" xmlns="" w="9525">
                 <a:solidFill>
                   <a:srgbClr val="000000"/>
                 </a:solidFill>
@@ -18706,7 +21307,7 @@
   <p:timing>
     <p:tnLst>
       <p:par>
-        <p:cTn xmlns:p14="http://schemas.microsoft.com/office/powerpoint/2010/main" id="1" dur="indefinite" restart="never" nodeType="tmRoot"/>
+        <p:cTn id="1" dur="indefinite" restart="never" nodeType="tmRoot"/>
       </p:par>
     </p:tnLst>
   </p:timing>
@@ -18745,7 +21346,11 @@
           <a:bodyPr/>
           <a:lstStyle/>
           <a:p>
-            <a:endParaRPr lang="en-US"/>
+            <a:r>
+              <a:rPr lang="en-US" dirty="0" smtClean="0"/>
+              <a:t>Enterprise Architecture definitions</a:t>
+            </a:r>
+            <a:endParaRPr lang="en-US" dirty="0"/>
           </a:p>
         </p:txBody>
       </p:sp>
@@ -18761,8 +21366,39 @@
         </p:nvSpPr>
         <p:spPr/>
         <p:txBody>
-          <a:bodyPr/>
+          <a:bodyPr anchor="ctr"/>
           <a:lstStyle/>
+          <a:p>
+            <a:r>
+              <a:rPr lang="en-US" dirty="0" smtClean="0"/>
+              <a:t>Gartner</a:t>
+            </a:r>
+          </a:p>
+          <a:p>
+            <a:endParaRPr lang="en-US" dirty="0"/>
+          </a:p>
+          <a:p>
+            <a:r>
+              <a:rPr lang="en-US" dirty="0" smtClean="0"/>
+              <a:t>Federation of Enterprise Architecture Professional Organizations (FEAPO)</a:t>
+            </a:r>
+            <a:endParaRPr lang="en-US" dirty="0" smtClean="0"/>
+          </a:p>
+          <a:p>
+            <a:pPr marL="0" indent="0">
+              <a:buNone/>
+            </a:pPr>
+            <a:endParaRPr lang="en-US" dirty="0"/>
+          </a:p>
+          <a:p>
+            <a:r>
+              <a:rPr lang="en-US" dirty="0" smtClean="0"/>
+              <a:t>Maher’s definition in IST-EA’s 3-year Plan</a:t>
+            </a:r>
+          </a:p>
+          <a:p>
+            <a:endParaRPr lang="en-US" dirty="0"/>
+          </a:p>
           <a:p>
             <a:endParaRPr lang="en-US" dirty="0"/>
           </a:p>
@@ -18797,7 +21433,7 @@
     </p:spTree>
     <p:extLst>
       <p:ext uri="{BB962C8B-B14F-4D97-AF65-F5344CB8AC3E}">
-        <p14:creationId xmlns:p14="http://schemas.microsoft.com/office/powerpoint/2010/main" val="298649094"/>
+        <p14:creationId xmlns:p14="http://schemas.microsoft.com/office/powerpoint/2010/main" val="2833954216"/>
       </p:ext>
     </p:extLst>
   </p:cSld>
@@ -18807,7 +21443,7 @@
   <p:timing>
     <p:tnLst>
       <p:par>
-        <p:cTn xmlns:p14="http://schemas.microsoft.com/office/powerpoint/2010/main" id="1" dur="indefinite" restart="never" nodeType="tmRoot"/>
+        <p:cTn id="1" dur="indefinite" restart="never" nodeType="tmRoot"/>
       </p:par>
     </p:tnLst>
   </p:timing>
@@ -18815,6 +21451,2418 @@
 </file>
 
 <file path=ppt/slides/slide21.xml><?xml version="1.0" encoding="utf-8"?>
+<p:sld xmlns:a="http://schemas.openxmlformats.org/drawingml/2006/main" xmlns:r="http://schemas.openxmlformats.org/officeDocument/2006/relationships" xmlns:p="http://schemas.openxmlformats.org/presentationml/2006/main">
+  <p:cSld>
+    <p:spTree>
+      <p:nvGrpSpPr>
+        <p:cNvPr id="1" name=""/>
+        <p:cNvGrpSpPr/>
+        <p:nvPr/>
+      </p:nvGrpSpPr>
+      <p:grpSpPr>
+        <a:xfrm>
+          <a:off x="0" y="0"/>
+          <a:ext cx="0" cy="0"/>
+          <a:chOff x="0" y="0"/>
+          <a:chExt cx="0" cy="0"/>
+        </a:xfrm>
+      </p:grpSpPr>
+      <p:sp>
+        <p:nvSpPr>
+          <p:cNvPr id="2" name="Title 1"/>
+          <p:cNvSpPr>
+            <a:spLocks noGrp="1"/>
+          </p:cNvSpPr>
+          <p:nvPr>
+            <p:ph type="title"/>
+          </p:nvPr>
+        </p:nvSpPr>
+        <p:spPr/>
+        <p:txBody>
+          <a:bodyPr/>
+          <a:lstStyle/>
+          <a:p>
+            <a:r>
+              <a:rPr lang="en-US" dirty="0" smtClean="0"/>
+              <a:t>Enterprise Architecture definitions</a:t>
+            </a:r>
+            <a:endParaRPr lang="en-US" dirty="0"/>
+          </a:p>
+        </p:txBody>
+      </p:sp>
+      <p:sp>
+        <p:nvSpPr>
+          <p:cNvPr id="3" name="Content Placeholder 2"/>
+          <p:cNvSpPr>
+            <a:spLocks noGrp="1"/>
+          </p:cNvSpPr>
+          <p:nvPr>
+            <p:ph idx="1"/>
+          </p:nvPr>
+        </p:nvSpPr>
+        <p:spPr/>
+        <p:txBody>
+          <a:bodyPr>
+            <a:normAutofit fontScale="92500" lnSpcReduction="10000"/>
+          </a:bodyPr>
+          <a:lstStyle/>
+          <a:p>
+            <a:r>
+              <a:rPr lang="en-US" dirty="0" smtClean="0"/>
+              <a:t>Current </a:t>
+            </a:r>
+            <a:r>
+              <a:rPr lang="en-US" dirty="0" smtClean="0"/>
+              <a:t>framework </a:t>
+            </a:r>
+            <a:r>
+              <a:rPr lang="en-US" dirty="0" smtClean="0"/>
+              <a:t>definition:</a:t>
+            </a:r>
+          </a:p>
+          <a:p>
+            <a:pPr lvl="1"/>
+            <a:r>
+              <a:rPr lang="en-US" dirty="0" smtClean="0"/>
+              <a:t>Whitehouse Common Approach to Federal Enterprise Architecture:</a:t>
+            </a:r>
+          </a:p>
+          <a:p>
+            <a:pPr marL="457200" lvl="1" indent="0">
+              <a:buNone/>
+            </a:pPr>
+            <a:endParaRPr lang="en-US" dirty="0"/>
+          </a:p>
+          <a:p>
+            <a:pPr marL="457200" lvl="1" indent="0">
+              <a:buNone/>
+            </a:pPr>
+            <a:r>
+              <a:rPr lang="en-US" dirty="0" smtClean="0"/>
+              <a:t>“An Enterprise </a:t>
+            </a:r>
+            <a:r>
+              <a:rPr lang="en-US" dirty="0"/>
+              <a:t>Architecture </a:t>
+            </a:r>
+            <a:r>
+              <a:rPr lang="en-US" dirty="0" smtClean="0"/>
+              <a:t>is </a:t>
+            </a:r>
+            <a:r>
+              <a:rPr lang="en-US" dirty="0"/>
+              <a:t>a strategic information asset base, which defines the mission; the information necessary to perform the mission, the technologies necessary to perform the mission, and the transitional processes for implementing new technologies in response to changing mission </a:t>
+            </a:r>
+            <a:r>
+              <a:rPr lang="en-US" dirty="0" smtClean="0"/>
+              <a:t>needs. An EA includes </a:t>
+            </a:r>
+            <a:r>
+              <a:rPr lang="en-US" dirty="0"/>
+              <a:t>a baseline architecture, a target architecture, and a sequencing plan</a:t>
+            </a:r>
+            <a:r>
+              <a:rPr lang="en-US" dirty="0" smtClean="0"/>
+              <a:t>.”</a:t>
+            </a:r>
+            <a:endParaRPr lang="en-US" dirty="0"/>
+          </a:p>
+          <a:p>
+            <a:endParaRPr lang="en-US" dirty="0"/>
+          </a:p>
+        </p:txBody>
+      </p:sp>
+      <p:sp>
+        <p:nvSpPr>
+          <p:cNvPr id="4" name="Footer Placeholder 3"/>
+          <p:cNvSpPr>
+            <a:spLocks noGrp="1"/>
+          </p:cNvSpPr>
+          <p:nvPr>
+            <p:ph type="ftr" sz="quarter" idx="10"/>
+          </p:nvPr>
+        </p:nvSpPr>
+        <p:spPr/>
+        <p:txBody>
+          <a:bodyPr/>
+          <a:lstStyle/>
+          <a:p>
+            <a:pPr>
+              <a:defRPr/>
+            </a:pPr>
+            <a:r>
+              <a:rPr lang="en-US" dirty="0" smtClean="0"/>
+              <a:t>Enterprise Architecture @ Waterloo</a:t>
+            </a:r>
+            <a:endParaRPr lang="en-US" dirty="0"/>
+          </a:p>
+        </p:txBody>
+      </p:sp>
+    </p:spTree>
+    <p:extLst>
+      <p:ext uri="{BB962C8B-B14F-4D97-AF65-F5344CB8AC3E}">
+        <p14:creationId xmlns:p14="http://schemas.microsoft.com/office/powerpoint/2010/main" val="2485257446"/>
+      </p:ext>
+    </p:extLst>
+  </p:cSld>
+  <p:clrMapOvr>
+    <a:masterClrMapping/>
+  </p:clrMapOvr>
+  <p:timing>
+    <p:tnLst>
+      <p:par>
+        <p:cTn id="1" dur="indefinite" restart="never" nodeType="tmRoot"/>
+      </p:par>
+    </p:tnLst>
+  </p:timing>
+</p:sld>
+</file>
+
+<file path=ppt/slides/slide22.xml><?xml version="1.0" encoding="utf-8"?>
+<p:sld xmlns:a="http://schemas.openxmlformats.org/drawingml/2006/main" xmlns:r="http://schemas.openxmlformats.org/officeDocument/2006/relationships" xmlns:p="http://schemas.openxmlformats.org/presentationml/2006/main">
+  <p:cSld>
+    <p:spTree>
+      <p:nvGrpSpPr>
+        <p:cNvPr id="1" name=""/>
+        <p:cNvGrpSpPr/>
+        <p:nvPr/>
+      </p:nvGrpSpPr>
+      <p:grpSpPr>
+        <a:xfrm>
+          <a:off x="0" y="0"/>
+          <a:ext cx="0" cy="0"/>
+          <a:chOff x="0" y="0"/>
+          <a:chExt cx="0" cy="0"/>
+        </a:xfrm>
+      </p:grpSpPr>
+      <p:sp>
+        <p:nvSpPr>
+          <p:cNvPr id="2" name="Title 1"/>
+          <p:cNvSpPr>
+            <a:spLocks noGrp="1"/>
+          </p:cNvSpPr>
+          <p:nvPr>
+            <p:ph type="title"/>
+          </p:nvPr>
+        </p:nvSpPr>
+        <p:spPr/>
+        <p:txBody>
+          <a:bodyPr>
+            <a:normAutofit fontScale="90000"/>
+          </a:bodyPr>
+          <a:lstStyle/>
+          <a:p>
+            <a:r>
+              <a:rPr lang="en-US" dirty="0" smtClean="0"/>
+              <a:t>Enterprise Architecture (EA)</a:t>
+            </a:r>
+            <a:br>
+              <a:rPr lang="en-US" dirty="0" smtClean="0"/>
+            </a:br>
+            <a:r>
+              <a:rPr lang="en-US" dirty="0" smtClean="0"/>
+              <a:t>Domains</a:t>
+            </a:r>
+            <a:br>
+              <a:rPr lang="en-US" dirty="0" smtClean="0"/>
+            </a:br>
+            <a:endParaRPr lang="en-US" dirty="0"/>
+          </a:p>
+        </p:txBody>
+      </p:sp>
+      <p:sp>
+        <p:nvSpPr>
+          <p:cNvPr id="4" name="Footer Placeholder 3"/>
+          <p:cNvSpPr>
+            <a:spLocks noGrp="1"/>
+          </p:cNvSpPr>
+          <p:nvPr>
+            <p:ph type="ftr" sz="quarter" idx="10"/>
+          </p:nvPr>
+        </p:nvSpPr>
+        <p:spPr/>
+        <p:txBody>
+          <a:bodyPr/>
+          <a:lstStyle/>
+          <a:p>
+            <a:pPr>
+              <a:defRPr/>
+            </a:pPr>
+            <a:r>
+              <a:rPr lang="en-US" dirty="0" smtClean="0"/>
+              <a:t>Enterprise Architecture @ Waterloo</a:t>
+            </a:r>
+            <a:endParaRPr lang="en-US" dirty="0"/>
+          </a:p>
+        </p:txBody>
+      </p:sp>
+      <p:pic>
+        <p:nvPicPr>
+          <p:cNvPr id="5" name="Picture 4"/>
+          <p:cNvPicPr>
+            <a:picLocks noChangeAspect="1"/>
+          </p:cNvPicPr>
+          <p:nvPr/>
+        </p:nvPicPr>
+        <p:blipFill>
+          <a:blip r:embed="rId3"/>
+          <a:stretch>
+            <a:fillRect/>
+          </a:stretch>
+        </p:blipFill>
+        <p:spPr>
+          <a:xfrm>
+            <a:off x="1803400" y="1330285"/>
+            <a:ext cx="5537200" cy="3479800"/>
+          </a:xfrm>
+          <a:prstGeom prst="rect">
+            <a:avLst/>
+          </a:prstGeom>
+        </p:spPr>
+      </p:pic>
+    </p:spTree>
+    <p:extLst>
+      <p:ext uri="{BB962C8B-B14F-4D97-AF65-F5344CB8AC3E}">
+        <p14:creationId xmlns:p14="http://schemas.microsoft.com/office/powerpoint/2010/main" val="741953251"/>
+      </p:ext>
+    </p:extLst>
+  </p:cSld>
+  <p:clrMapOvr>
+    <a:masterClrMapping/>
+  </p:clrMapOvr>
+  <p:timing>
+    <p:tnLst>
+      <p:par>
+        <p:cTn id="1" dur="indefinite" restart="never" nodeType="tmRoot"/>
+      </p:par>
+    </p:tnLst>
+  </p:timing>
+</p:sld>
+</file>
+
+<file path=ppt/slides/slide23.xml><?xml version="1.0" encoding="utf-8"?>
+<p:sld xmlns:a="http://schemas.openxmlformats.org/drawingml/2006/main" xmlns:r="http://schemas.openxmlformats.org/officeDocument/2006/relationships" xmlns:p="http://schemas.openxmlformats.org/presentationml/2006/main">
+  <p:cSld>
+    <p:spTree>
+      <p:nvGrpSpPr>
+        <p:cNvPr id="1" name=""/>
+        <p:cNvGrpSpPr/>
+        <p:nvPr/>
+      </p:nvGrpSpPr>
+      <p:grpSpPr>
+        <a:xfrm>
+          <a:off x="0" y="0"/>
+          <a:ext cx="0" cy="0"/>
+          <a:chOff x="0" y="0"/>
+          <a:chExt cx="0" cy="0"/>
+        </a:xfrm>
+      </p:grpSpPr>
+      <p:sp>
+        <p:nvSpPr>
+          <p:cNvPr id="2" name="Title 1"/>
+          <p:cNvSpPr>
+            <a:spLocks noGrp="1"/>
+          </p:cNvSpPr>
+          <p:nvPr>
+            <p:ph type="title"/>
+          </p:nvPr>
+        </p:nvSpPr>
+        <p:spPr/>
+        <p:txBody>
+          <a:bodyPr>
+            <a:normAutofit fontScale="90000"/>
+          </a:bodyPr>
+          <a:lstStyle/>
+          <a:p>
+            <a:r>
+              <a:rPr lang="en-US" dirty="0" smtClean="0"/>
+              <a:t>Enterprise Architecture (EA)</a:t>
+            </a:r>
+            <a:br>
+              <a:rPr lang="en-US" dirty="0" smtClean="0"/>
+            </a:br>
+            <a:r>
+              <a:rPr lang="en-US" dirty="0" smtClean="0"/>
+              <a:t>Domains</a:t>
+            </a:r>
+            <a:br>
+              <a:rPr lang="en-US" dirty="0" smtClean="0"/>
+            </a:br>
+            <a:endParaRPr lang="en-US" dirty="0"/>
+          </a:p>
+        </p:txBody>
+      </p:sp>
+      <p:sp>
+        <p:nvSpPr>
+          <p:cNvPr id="4" name="Footer Placeholder 3"/>
+          <p:cNvSpPr>
+            <a:spLocks noGrp="1"/>
+          </p:cNvSpPr>
+          <p:nvPr>
+            <p:ph type="ftr" sz="quarter" idx="10"/>
+          </p:nvPr>
+        </p:nvSpPr>
+        <p:spPr/>
+        <p:txBody>
+          <a:bodyPr/>
+          <a:lstStyle/>
+          <a:p>
+            <a:pPr>
+              <a:defRPr/>
+            </a:pPr>
+            <a:r>
+              <a:rPr lang="en-US" dirty="0" smtClean="0"/>
+              <a:t>Enterprise Architecture @ Waterloo</a:t>
+            </a:r>
+            <a:endParaRPr lang="en-US" dirty="0"/>
+          </a:p>
+        </p:txBody>
+      </p:sp>
+      <p:pic>
+        <p:nvPicPr>
+          <p:cNvPr id="5" name="Picture 4"/>
+          <p:cNvPicPr>
+            <a:picLocks noChangeAspect="1"/>
+          </p:cNvPicPr>
+          <p:nvPr/>
+        </p:nvPicPr>
+        <p:blipFill>
+          <a:blip r:embed="rId3"/>
+          <a:stretch>
+            <a:fillRect/>
+          </a:stretch>
+        </p:blipFill>
+        <p:spPr>
+          <a:xfrm>
+            <a:off x="457200" y="1316638"/>
+            <a:ext cx="2226571" cy="1399267"/>
+          </a:xfrm>
+          <a:prstGeom prst="rect">
+            <a:avLst/>
+          </a:prstGeom>
+        </p:spPr>
+      </p:pic>
+      <p:sp>
+        <p:nvSpPr>
+          <p:cNvPr id="3" name="TextBox 2"/>
+          <p:cNvSpPr txBox="1"/>
+          <p:nvPr/>
+        </p:nvSpPr>
+        <p:spPr>
+          <a:xfrm>
+            <a:off x="2961564" y="1834861"/>
+            <a:ext cx="5895833" cy="2862322"/>
+          </a:xfrm>
+          <a:prstGeom prst="rect">
+            <a:avLst/>
+          </a:prstGeom>
+          <a:noFill/>
+        </p:spPr>
+        <p:txBody>
+          <a:bodyPr wrap="square" rtlCol="0">
+            <a:spAutoFit/>
+          </a:bodyPr>
+          <a:lstStyle/>
+          <a:p>
+            <a:r>
+              <a:rPr lang="en-US" sz="2000" b="1" dirty="0"/>
+              <a:t>Business Architecture (BA) </a:t>
+            </a:r>
+            <a:r>
+              <a:rPr lang="en-US" sz="2000" dirty="0"/>
+              <a:t>defines the business strategy, organization, business capabilities and key business processes which realize those business </a:t>
+            </a:r>
+            <a:r>
+              <a:rPr lang="en-US" sz="2000" dirty="0" smtClean="0"/>
+              <a:t>capabilities</a:t>
+            </a:r>
+          </a:p>
+          <a:p>
+            <a:endParaRPr lang="en-US" sz="2000" dirty="0" smtClean="0"/>
+          </a:p>
+          <a:p>
+            <a:r>
+              <a:rPr lang="en-US" sz="2000" b="1" dirty="0" smtClean="0"/>
+              <a:t>Information </a:t>
+            </a:r>
+            <a:r>
+              <a:rPr lang="en-US" sz="2000" b="1" dirty="0"/>
+              <a:t>Architecture (IA) </a:t>
+            </a:r>
+            <a:r>
+              <a:rPr lang="en-US" sz="2000" dirty="0"/>
+              <a:t>describes the fundamental organization of the data assets and data management resources that support an enterprise’s business processes and enabling application systems</a:t>
+            </a:r>
+            <a:endParaRPr lang="en-US" sz="2000" dirty="0">
+              <a:latin typeface="Arial" charset="0"/>
+              <a:ea typeface="Arial" charset="0"/>
+              <a:cs typeface="Arial" charset="0"/>
+            </a:endParaRPr>
+          </a:p>
+        </p:txBody>
+      </p:sp>
+      <p:sp>
+        <p:nvSpPr>
+          <p:cNvPr id="6" name="TextBox 5"/>
+          <p:cNvSpPr txBox="1"/>
+          <p:nvPr/>
+        </p:nvSpPr>
+        <p:spPr>
+          <a:xfrm>
+            <a:off x="3132161" y="5377218"/>
+            <a:ext cx="5725236" cy="369332"/>
+          </a:xfrm>
+          <a:prstGeom prst="rect">
+            <a:avLst/>
+          </a:prstGeom>
+          <a:noFill/>
+        </p:spPr>
+        <p:txBody>
+          <a:bodyPr wrap="square" rtlCol="0">
+            <a:spAutoFit/>
+          </a:bodyPr>
+          <a:lstStyle/>
+          <a:p>
+            <a:r>
+              <a:rPr lang="en-US" dirty="0" smtClean="0"/>
+              <a:t>SOURCE: California </a:t>
+            </a:r>
+            <a:r>
+              <a:rPr lang="en-US" smtClean="0"/>
+              <a:t>Enterprise Architecture Framework </a:t>
+            </a:r>
+            <a:r>
+              <a:rPr lang="en-US" dirty="0" smtClean="0"/>
+              <a:t>2.0</a:t>
+            </a:r>
+            <a:endParaRPr lang="en-US" dirty="0"/>
+          </a:p>
+        </p:txBody>
+      </p:sp>
+    </p:spTree>
+    <p:extLst>
+      <p:ext uri="{BB962C8B-B14F-4D97-AF65-F5344CB8AC3E}">
+        <p14:creationId xmlns:p14="http://schemas.microsoft.com/office/powerpoint/2010/main" val="614532961"/>
+      </p:ext>
+    </p:extLst>
+  </p:cSld>
+  <p:clrMapOvr>
+    <a:masterClrMapping/>
+  </p:clrMapOvr>
+  <p:timing>
+    <p:tnLst>
+      <p:par>
+        <p:cTn id="1" dur="indefinite" restart="never" nodeType="tmRoot"/>
+      </p:par>
+    </p:tnLst>
+  </p:timing>
+</p:sld>
+</file>
+
+<file path=ppt/slides/slide24.xml><?xml version="1.0" encoding="utf-8"?>
+<p:sld xmlns:a="http://schemas.openxmlformats.org/drawingml/2006/main" xmlns:r="http://schemas.openxmlformats.org/officeDocument/2006/relationships" xmlns:p="http://schemas.openxmlformats.org/presentationml/2006/main">
+  <p:cSld>
+    <p:spTree>
+      <p:nvGrpSpPr>
+        <p:cNvPr id="1" name=""/>
+        <p:cNvGrpSpPr/>
+        <p:nvPr/>
+      </p:nvGrpSpPr>
+      <p:grpSpPr>
+        <a:xfrm>
+          <a:off x="0" y="0"/>
+          <a:ext cx="0" cy="0"/>
+          <a:chOff x="0" y="0"/>
+          <a:chExt cx="0" cy="0"/>
+        </a:xfrm>
+      </p:grpSpPr>
+      <p:sp>
+        <p:nvSpPr>
+          <p:cNvPr id="2" name="Title 1"/>
+          <p:cNvSpPr>
+            <a:spLocks noGrp="1"/>
+          </p:cNvSpPr>
+          <p:nvPr>
+            <p:ph type="title"/>
+          </p:nvPr>
+        </p:nvSpPr>
+        <p:spPr/>
+        <p:txBody>
+          <a:bodyPr>
+            <a:normAutofit fontScale="90000"/>
+          </a:bodyPr>
+          <a:lstStyle/>
+          <a:p>
+            <a:r>
+              <a:rPr lang="en-US" dirty="0" smtClean="0"/>
+              <a:t>Enterprise Architecture (EA)</a:t>
+            </a:r>
+            <a:br>
+              <a:rPr lang="en-US" dirty="0" smtClean="0"/>
+            </a:br>
+            <a:r>
+              <a:rPr lang="en-US" dirty="0" smtClean="0"/>
+              <a:t>Domains</a:t>
+            </a:r>
+            <a:br>
+              <a:rPr lang="en-US" dirty="0" smtClean="0"/>
+            </a:br>
+            <a:endParaRPr lang="en-US" dirty="0"/>
+          </a:p>
+        </p:txBody>
+      </p:sp>
+      <p:sp>
+        <p:nvSpPr>
+          <p:cNvPr id="4" name="Footer Placeholder 3"/>
+          <p:cNvSpPr>
+            <a:spLocks noGrp="1"/>
+          </p:cNvSpPr>
+          <p:nvPr>
+            <p:ph type="ftr" sz="quarter" idx="10"/>
+          </p:nvPr>
+        </p:nvSpPr>
+        <p:spPr/>
+        <p:txBody>
+          <a:bodyPr/>
+          <a:lstStyle/>
+          <a:p>
+            <a:pPr>
+              <a:defRPr/>
+            </a:pPr>
+            <a:r>
+              <a:rPr lang="en-US" dirty="0" smtClean="0"/>
+              <a:t>Enterprise Architecture @ Waterloo</a:t>
+            </a:r>
+            <a:endParaRPr lang="en-US" dirty="0"/>
+          </a:p>
+        </p:txBody>
+      </p:sp>
+      <p:pic>
+        <p:nvPicPr>
+          <p:cNvPr id="5" name="Picture 4"/>
+          <p:cNvPicPr>
+            <a:picLocks noChangeAspect="1"/>
+          </p:cNvPicPr>
+          <p:nvPr/>
+        </p:nvPicPr>
+        <p:blipFill>
+          <a:blip r:embed="rId3"/>
+          <a:stretch>
+            <a:fillRect/>
+          </a:stretch>
+        </p:blipFill>
+        <p:spPr>
+          <a:xfrm>
+            <a:off x="457200" y="1316638"/>
+            <a:ext cx="2226571" cy="1399267"/>
+          </a:xfrm>
+          <a:prstGeom prst="rect">
+            <a:avLst/>
+          </a:prstGeom>
+        </p:spPr>
+      </p:pic>
+      <p:sp>
+        <p:nvSpPr>
+          <p:cNvPr id="3" name="TextBox 2"/>
+          <p:cNvSpPr txBox="1"/>
+          <p:nvPr/>
+        </p:nvSpPr>
+        <p:spPr>
+          <a:xfrm>
+            <a:off x="2961564" y="1834861"/>
+            <a:ext cx="5895833" cy="3477875"/>
+          </a:xfrm>
+          <a:prstGeom prst="rect">
+            <a:avLst/>
+          </a:prstGeom>
+          <a:noFill/>
+        </p:spPr>
+        <p:txBody>
+          <a:bodyPr wrap="square" rtlCol="0">
+            <a:spAutoFit/>
+          </a:bodyPr>
+          <a:lstStyle/>
+          <a:p>
+            <a:r>
+              <a:rPr lang="en-US" sz="2000" b="1" dirty="0"/>
+              <a:t>Applications Architecture (AA) </a:t>
+            </a:r>
+            <a:r>
+              <a:rPr lang="en-US" sz="2000" dirty="0"/>
+              <a:t>describes the structure and behavior of the major kinds of application systems, their key components, their interactions, and their relationships to the core business </a:t>
+            </a:r>
+            <a:r>
+              <a:rPr lang="en-US" sz="2000" dirty="0" smtClean="0"/>
+              <a:t>processes</a:t>
+            </a:r>
+          </a:p>
+          <a:p>
+            <a:endParaRPr lang="en-US" sz="2000" dirty="0" smtClean="0"/>
+          </a:p>
+          <a:p>
+            <a:r>
+              <a:rPr lang="en-US" sz="2000" b="1" dirty="0" smtClean="0"/>
+              <a:t>Technology </a:t>
+            </a:r>
+            <a:r>
+              <a:rPr lang="en-US" sz="2000" b="1" dirty="0"/>
+              <a:t>Architecture (TA) </a:t>
+            </a:r>
+            <a:r>
+              <a:rPr lang="en-US" sz="2000" dirty="0"/>
+              <a:t>describes the logical software and hardware capabilities that are required to support the deployment of business, information, and application services. This includes IT infrastructure, middleware, networks, communications, processing, and standards</a:t>
+            </a:r>
+            <a:endParaRPr lang="en-US" sz="2000" dirty="0">
+              <a:latin typeface="Arial" charset="0"/>
+              <a:ea typeface="Arial" charset="0"/>
+              <a:cs typeface="Arial" charset="0"/>
+            </a:endParaRPr>
+          </a:p>
+        </p:txBody>
+      </p:sp>
+      <p:sp>
+        <p:nvSpPr>
+          <p:cNvPr id="6" name="TextBox 5"/>
+          <p:cNvSpPr txBox="1"/>
+          <p:nvPr/>
+        </p:nvSpPr>
+        <p:spPr>
+          <a:xfrm>
+            <a:off x="3132161" y="5377218"/>
+            <a:ext cx="5725236" cy="369332"/>
+          </a:xfrm>
+          <a:prstGeom prst="rect">
+            <a:avLst/>
+          </a:prstGeom>
+          <a:noFill/>
+        </p:spPr>
+        <p:txBody>
+          <a:bodyPr wrap="square" rtlCol="0">
+            <a:spAutoFit/>
+          </a:bodyPr>
+          <a:lstStyle/>
+          <a:p>
+            <a:r>
+              <a:rPr lang="en-US" dirty="0" smtClean="0"/>
+              <a:t>SOURCE: California </a:t>
+            </a:r>
+            <a:r>
+              <a:rPr lang="en-US" smtClean="0"/>
+              <a:t>Enterprise Architecture Framework </a:t>
+            </a:r>
+            <a:r>
+              <a:rPr lang="en-US" dirty="0" smtClean="0"/>
+              <a:t>2.0</a:t>
+            </a:r>
+            <a:endParaRPr lang="en-US" dirty="0"/>
+          </a:p>
+        </p:txBody>
+      </p:sp>
+    </p:spTree>
+    <p:extLst>
+      <p:ext uri="{BB962C8B-B14F-4D97-AF65-F5344CB8AC3E}">
+        <p14:creationId xmlns:p14="http://schemas.microsoft.com/office/powerpoint/2010/main" val="209289324"/>
+      </p:ext>
+    </p:extLst>
+  </p:cSld>
+  <p:clrMapOvr>
+    <a:masterClrMapping/>
+  </p:clrMapOvr>
+  <p:timing>
+    <p:tnLst>
+      <p:par>
+        <p:cTn id="1" dur="indefinite" restart="never" nodeType="tmRoot"/>
+      </p:par>
+    </p:tnLst>
+  </p:timing>
+</p:sld>
+</file>
+
+<file path=ppt/slides/slide25.xml><?xml version="1.0" encoding="utf-8"?>
+<p:sld xmlns:a="http://schemas.openxmlformats.org/drawingml/2006/main" xmlns:r="http://schemas.openxmlformats.org/officeDocument/2006/relationships" xmlns:p="http://schemas.openxmlformats.org/presentationml/2006/main" show="0">
+  <p:cSld>
+    <p:spTree>
+      <p:nvGrpSpPr>
+        <p:cNvPr id="1" name=""/>
+        <p:cNvGrpSpPr/>
+        <p:nvPr/>
+      </p:nvGrpSpPr>
+      <p:grpSpPr>
+        <a:xfrm>
+          <a:off x="0" y="0"/>
+          <a:ext cx="0" cy="0"/>
+          <a:chOff x="0" y="0"/>
+          <a:chExt cx="0" cy="0"/>
+        </a:xfrm>
+      </p:grpSpPr>
+      <p:sp>
+        <p:nvSpPr>
+          <p:cNvPr id="2" name="Title 1"/>
+          <p:cNvSpPr>
+            <a:spLocks noGrp="1"/>
+          </p:cNvSpPr>
+          <p:nvPr>
+            <p:ph type="title"/>
+          </p:nvPr>
+        </p:nvSpPr>
+        <p:spPr/>
+        <p:txBody>
+          <a:bodyPr/>
+          <a:lstStyle/>
+          <a:p>
+            <a:r>
+              <a:rPr lang="en-US" dirty="0" smtClean="0"/>
+              <a:t>Business Architecture</a:t>
+            </a:r>
+            <a:endParaRPr lang="en-US" dirty="0"/>
+          </a:p>
+        </p:txBody>
+      </p:sp>
+      <p:sp>
+        <p:nvSpPr>
+          <p:cNvPr id="4" name="Footer Placeholder 3"/>
+          <p:cNvSpPr>
+            <a:spLocks noGrp="1"/>
+          </p:cNvSpPr>
+          <p:nvPr>
+            <p:ph type="ftr" sz="quarter" idx="10"/>
+          </p:nvPr>
+        </p:nvSpPr>
+        <p:spPr/>
+        <p:txBody>
+          <a:bodyPr/>
+          <a:lstStyle/>
+          <a:p>
+            <a:pPr>
+              <a:defRPr/>
+            </a:pPr>
+            <a:r>
+              <a:rPr lang="en-US" dirty="0" smtClean="0"/>
+              <a:t>Enterprise Architecture @ Waterloo</a:t>
+            </a:r>
+            <a:endParaRPr lang="en-US" dirty="0"/>
+          </a:p>
+        </p:txBody>
+      </p:sp>
+      <p:pic>
+        <p:nvPicPr>
+          <p:cNvPr id="5" name="Picture 4"/>
+          <p:cNvPicPr>
+            <a:picLocks noChangeAspect="1"/>
+          </p:cNvPicPr>
+          <p:nvPr/>
+        </p:nvPicPr>
+        <p:blipFill>
+          <a:blip r:embed="rId2">
+            <a:extLst>
+              <a:ext uri="{28A0092B-C50C-407E-A947-70E740481C1C}">
+                <a14:useLocalDpi xmlns:a14="http://schemas.microsoft.com/office/drawing/2010/main" val="0"/>
+              </a:ext>
+            </a:extLst>
+          </a:blip>
+          <a:stretch>
+            <a:fillRect/>
+          </a:stretch>
+        </p:blipFill>
+        <p:spPr>
+          <a:xfrm>
+            <a:off x="0" y="1244600"/>
+            <a:ext cx="9144000" cy="4348334"/>
+          </a:xfrm>
+          <a:prstGeom prst="rect">
+            <a:avLst/>
+          </a:prstGeom>
+        </p:spPr>
+      </p:pic>
+    </p:spTree>
+    <p:extLst>
+      <p:ext uri="{BB962C8B-B14F-4D97-AF65-F5344CB8AC3E}">
+        <p14:creationId xmlns:p14="http://schemas.microsoft.com/office/powerpoint/2010/main" val="950429045"/>
+      </p:ext>
+    </p:extLst>
+  </p:cSld>
+  <p:clrMapOvr>
+    <a:masterClrMapping/>
+  </p:clrMapOvr>
+  <mc:AlternateContent xmlns:mc="http://schemas.openxmlformats.org/markup-compatibility/2006">
+    <mc:Choice xmlns:p14="http://schemas.microsoft.com/office/powerpoint/2010/main" Requires="p14">
+      <p:transition spd="slow" p14:dur="2000"/>
+    </mc:Choice>
+    <mc:Fallback>
+      <p:transition spd="slow"/>
+    </mc:Fallback>
+  </mc:AlternateContent>
+  <p:timing>
+    <p:tnLst>
+      <p:par>
+        <p:cTn id="1" dur="indefinite" restart="never" nodeType="tmRoot"/>
+      </p:par>
+    </p:tnLst>
+  </p:timing>
+</p:sld>
+</file>
+
+<file path=ppt/slides/slide26.xml><?xml version="1.0" encoding="utf-8"?>
+<p:sld xmlns:a="http://schemas.openxmlformats.org/drawingml/2006/main" xmlns:r="http://schemas.openxmlformats.org/officeDocument/2006/relationships" xmlns:p="http://schemas.openxmlformats.org/presentationml/2006/main" show="0">
+  <p:cSld>
+    <p:spTree>
+      <p:nvGrpSpPr>
+        <p:cNvPr id="1" name=""/>
+        <p:cNvGrpSpPr/>
+        <p:nvPr/>
+      </p:nvGrpSpPr>
+      <p:grpSpPr>
+        <a:xfrm>
+          <a:off x="0" y="0"/>
+          <a:ext cx="0" cy="0"/>
+          <a:chOff x="0" y="0"/>
+          <a:chExt cx="0" cy="0"/>
+        </a:xfrm>
+      </p:grpSpPr>
+      <p:sp>
+        <p:nvSpPr>
+          <p:cNvPr id="2" name="Title 1"/>
+          <p:cNvSpPr>
+            <a:spLocks noGrp="1"/>
+          </p:cNvSpPr>
+          <p:nvPr>
+            <p:ph type="title"/>
+          </p:nvPr>
+        </p:nvSpPr>
+        <p:spPr/>
+        <p:txBody>
+          <a:bodyPr/>
+          <a:lstStyle/>
+          <a:p>
+            <a:r>
+              <a:rPr lang="en-US" dirty="0" smtClean="0"/>
+              <a:t>Information Architecture</a:t>
+            </a:r>
+            <a:endParaRPr lang="en-US" dirty="0"/>
+          </a:p>
+        </p:txBody>
+      </p:sp>
+      <p:sp>
+        <p:nvSpPr>
+          <p:cNvPr id="4" name="Footer Placeholder 3"/>
+          <p:cNvSpPr>
+            <a:spLocks noGrp="1"/>
+          </p:cNvSpPr>
+          <p:nvPr>
+            <p:ph type="ftr" sz="quarter" idx="10"/>
+          </p:nvPr>
+        </p:nvSpPr>
+        <p:spPr/>
+        <p:txBody>
+          <a:bodyPr/>
+          <a:lstStyle/>
+          <a:p>
+            <a:pPr>
+              <a:defRPr/>
+            </a:pPr>
+            <a:r>
+              <a:rPr lang="en-US" dirty="0" smtClean="0"/>
+              <a:t>Enterprise Architecture @ Waterloo</a:t>
+            </a:r>
+            <a:endParaRPr lang="en-US" dirty="0"/>
+          </a:p>
+        </p:txBody>
+      </p:sp>
+      <p:pic>
+        <p:nvPicPr>
+          <p:cNvPr id="5" name="Picture 4"/>
+          <p:cNvPicPr>
+            <a:picLocks noChangeAspect="1"/>
+          </p:cNvPicPr>
+          <p:nvPr/>
+        </p:nvPicPr>
+        <p:blipFill>
+          <a:blip r:embed="rId2">
+            <a:extLst>
+              <a:ext uri="{28A0092B-C50C-407E-A947-70E740481C1C}">
+                <a14:useLocalDpi xmlns:a14="http://schemas.microsoft.com/office/drawing/2010/main" val="0"/>
+              </a:ext>
+            </a:extLst>
+          </a:blip>
+          <a:stretch>
+            <a:fillRect/>
+          </a:stretch>
+        </p:blipFill>
+        <p:spPr>
+          <a:xfrm>
+            <a:off x="900990" y="858838"/>
+            <a:ext cx="6660973" cy="5003698"/>
+          </a:xfrm>
+          <a:prstGeom prst="rect">
+            <a:avLst/>
+          </a:prstGeom>
+        </p:spPr>
+      </p:pic>
+    </p:spTree>
+    <p:extLst>
+      <p:ext uri="{BB962C8B-B14F-4D97-AF65-F5344CB8AC3E}">
+        <p14:creationId xmlns:p14="http://schemas.microsoft.com/office/powerpoint/2010/main" val="1410215117"/>
+      </p:ext>
+    </p:extLst>
+  </p:cSld>
+  <p:clrMapOvr>
+    <a:masterClrMapping/>
+  </p:clrMapOvr>
+  <mc:AlternateContent xmlns:mc="http://schemas.openxmlformats.org/markup-compatibility/2006">
+    <mc:Choice xmlns:p14="http://schemas.microsoft.com/office/powerpoint/2010/main" Requires="p14">
+      <p:transition spd="slow" p14:dur="2000"/>
+    </mc:Choice>
+    <mc:Fallback>
+      <p:transition spd="slow"/>
+    </mc:Fallback>
+  </mc:AlternateContent>
+  <p:timing>
+    <p:tnLst>
+      <p:par>
+        <p:cTn id="1" dur="indefinite" restart="never" nodeType="tmRoot"/>
+      </p:par>
+    </p:tnLst>
+  </p:timing>
+</p:sld>
+</file>
+
+<file path=ppt/slides/slide27.xml><?xml version="1.0" encoding="utf-8"?>
+<p:sld xmlns:a="http://schemas.openxmlformats.org/drawingml/2006/main" xmlns:r="http://schemas.openxmlformats.org/officeDocument/2006/relationships" xmlns:p="http://schemas.openxmlformats.org/presentationml/2006/main" show="0">
+  <p:cSld>
+    <p:spTree>
+      <p:nvGrpSpPr>
+        <p:cNvPr id="1" name=""/>
+        <p:cNvGrpSpPr/>
+        <p:nvPr/>
+      </p:nvGrpSpPr>
+      <p:grpSpPr>
+        <a:xfrm>
+          <a:off x="0" y="0"/>
+          <a:ext cx="0" cy="0"/>
+          <a:chOff x="0" y="0"/>
+          <a:chExt cx="0" cy="0"/>
+        </a:xfrm>
+      </p:grpSpPr>
+      <p:sp>
+        <p:nvSpPr>
+          <p:cNvPr id="2" name="Title 1"/>
+          <p:cNvSpPr>
+            <a:spLocks noGrp="1"/>
+          </p:cNvSpPr>
+          <p:nvPr>
+            <p:ph type="title"/>
+          </p:nvPr>
+        </p:nvSpPr>
+        <p:spPr/>
+        <p:txBody>
+          <a:bodyPr/>
+          <a:lstStyle/>
+          <a:p>
+            <a:r>
+              <a:rPr lang="en-US" dirty="0" smtClean="0"/>
+              <a:t>Applications Architecture</a:t>
+            </a:r>
+            <a:endParaRPr lang="en-US" dirty="0"/>
+          </a:p>
+        </p:txBody>
+      </p:sp>
+      <p:sp>
+        <p:nvSpPr>
+          <p:cNvPr id="4" name="Footer Placeholder 3"/>
+          <p:cNvSpPr>
+            <a:spLocks noGrp="1"/>
+          </p:cNvSpPr>
+          <p:nvPr>
+            <p:ph type="ftr" sz="quarter" idx="10"/>
+          </p:nvPr>
+        </p:nvSpPr>
+        <p:spPr/>
+        <p:txBody>
+          <a:bodyPr/>
+          <a:lstStyle/>
+          <a:p>
+            <a:pPr>
+              <a:defRPr/>
+            </a:pPr>
+            <a:r>
+              <a:rPr lang="en-US" dirty="0" smtClean="0"/>
+              <a:t>Enterprise Architecture @ Waterloo</a:t>
+            </a:r>
+            <a:endParaRPr lang="en-US" dirty="0"/>
+          </a:p>
+        </p:txBody>
+      </p:sp>
+    </p:spTree>
+    <p:extLst>
+      <p:ext uri="{BB962C8B-B14F-4D97-AF65-F5344CB8AC3E}">
+        <p14:creationId xmlns:p14="http://schemas.microsoft.com/office/powerpoint/2010/main" val="1840859989"/>
+      </p:ext>
+    </p:extLst>
+  </p:cSld>
+  <p:clrMapOvr>
+    <a:masterClrMapping/>
+  </p:clrMapOvr>
+  <mc:AlternateContent xmlns:mc="http://schemas.openxmlformats.org/markup-compatibility/2006">
+    <mc:Choice xmlns:p14="http://schemas.microsoft.com/office/powerpoint/2010/main" Requires="p14">
+      <p:transition spd="slow" p14:dur="2000"/>
+    </mc:Choice>
+    <mc:Fallback>
+      <p:transition spd="slow"/>
+    </mc:Fallback>
+  </mc:AlternateContent>
+  <p:timing>
+    <p:tnLst>
+      <p:par>
+        <p:cTn id="1" dur="indefinite" restart="never" nodeType="tmRoot"/>
+      </p:par>
+    </p:tnLst>
+  </p:timing>
+</p:sld>
+</file>
+
+<file path=ppt/slides/slide28.xml><?xml version="1.0" encoding="utf-8"?>
+<p:sld xmlns:a="http://schemas.openxmlformats.org/drawingml/2006/main" xmlns:r="http://schemas.openxmlformats.org/officeDocument/2006/relationships" xmlns:p="http://schemas.openxmlformats.org/presentationml/2006/main" show="0">
+  <p:cSld>
+    <p:spTree>
+      <p:nvGrpSpPr>
+        <p:cNvPr id="1" name=""/>
+        <p:cNvGrpSpPr/>
+        <p:nvPr/>
+      </p:nvGrpSpPr>
+      <p:grpSpPr>
+        <a:xfrm>
+          <a:off x="0" y="0"/>
+          <a:ext cx="0" cy="0"/>
+          <a:chOff x="0" y="0"/>
+          <a:chExt cx="0" cy="0"/>
+        </a:xfrm>
+      </p:grpSpPr>
+      <p:sp>
+        <p:nvSpPr>
+          <p:cNvPr id="2" name="Title 1"/>
+          <p:cNvSpPr>
+            <a:spLocks noGrp="1"/>
+          </p:cNvSpPr>
+          <p:nvPr>
+            <p:ph type="title"/>
+          </p:nvPr>
+        </p:nvSpPr>
+        <p:spPr/>
+        <p:txBody>
+          <a:bodyPr/>
+          <a:lstStyle/>
+          <a:p>
+            <a:r>
+              <a:rPr lang="en-US" dirty="0" smtClean="0"/>
+              <a:t>Technology Architecture</a:t>
+            </a:r>
+            <a:endParaRPr lang="en-US" dirty="0"/>
+          </a:p>
+        </p:txBody>
+      </p:sp>
+      <p:sp>
+        <p:nvSpPr>
+          <p:cNvPr id="4" name="Footer Placeholder 3"/>
+          <p:cNvSpPr>
+            <a:spLocks noGrp="1"/>
+          </p:cNvSpPr>
+          <p:nvPr>
+            <p:ph type="ftr" sz="quarter" idx="10"/>
+          </p:nvPr>
+        </p:nvSpPr>
+        <p:spPr/>
+        <p:txBody>
+          <a:bodyPr/>
+          <a:lstStyle/>
+          <a:p>
+            <a:pPr>
+              <a:defRPr/>
+            </a:pPr>
+            <a:r>
+              <a:rPr lang="en-US" dirty="0" smtClean="0"/>
+              <a:t>Enterprise Architecture @ Waterloo</a:t>
+            </a:r>
+            <a:endParaRPr lang="en-US" dirty="0"/>
+          </a:p>
+        </p:txBody>
+      </p:sp>
+      <p:pic>
+        <p:nvPicPr>
+          <p:cNvPr id="5" name="Picture 4"/>
+          <p:cNvPicPr>
+            <a:picLocks noChangeAspect="1"/>
+          </p:cNvPicPr>
+          <p:nvPr/>
+        </p:nvPicPr>
+        <p:blipFill>
+          <a:blip r:embed="rId2">
+            <a:extLst>
+              <a:ext uri="{28A0092B-C50C-407E-A947-70E740481C1C}">
+                <a14:useLocalDpi xmlns:a14="http://schemas.microsoft.com/office/drawing/2010/main" val="0"/>
+              </a:ext>
+            </a:extLst>
+          </a:blip>
+          <a:stretch>
+            <a:fillRect/>
+          </a:stretch>
+        </p:blipFill>
+        <p:spPr>
+          <a:xfrm>
+            <a:off x="1358900" y="858838"/>
+            <a:ext cx="6426200" cy="4965700"/>
+          </a:xfrm>
+          <a:prstGeom prst="rect">
+            <a:avLst/>
+          </a:prstGeom>
+        </p:spPr>
+      </p:pic>
+    </p:spTree>
+    <p:extLst>
+      <p:ext uri="{BB962C8B-B14F-4D97-AF65-F5344CB8AC3E}">
+        <p14:creationId xmlns:p14="http://schemas.microsoft.com/office/powerpoint/2010/main" val="1526990096"/>
+      </p:ext>
+    </p:extLst>
+  </p:cSld>
+  <p:clrMapOvr>
+    <a:masterClrMapping/>
+  </p:clrMapOvr>
+  <mc:AlternateContent xmlns:mc="http://schemas.openxmlformats.org/markup-compatibility/2006">
+    <mc:Choice xmlns:p14="http://schemas.microsoft.com/office/powerpoint/2010/main" Requires="p14">
+      <p:transition spd="slow" p14:dur="2000"/>
+    </mc:Choice>
+    <mc:Fallback>
+      <p:transition spd="slow"/>
+    </mc:Fallback>
+  </mc:AlternateContent>
+  <p:timing>
+    <p:tnLst>
+      <p:par>
+        <p:cTn id="1" dur="indefinite" restart="never" nodeType="tmRoot"/>
+      </p:par>
+    </p:tnLst>
+  </p:timing>
+</p:sld>
+</file>
+
+<file path=ppt/slides/slide29.xml><?xml version="1.0" encoding="utf-8"?>
+<p:sld xmlns:a="http://schemas.openxmlformats.org/drawingml/2006/main" xmlns:r="http://schemas.openxmlformats.org/officeDocument/2006/relationships" xmlns:p="http://schemas.openxmlformats.org/presentationml/2006/main">
+  <p:cSld>
+    <p:spTree>
+      <p:nvGrpSpPr>
+        <p:cNvPr id="1" name=""/>
+        <p:cNvGrpSpPr/>
+        <p:nvPr/>
+      </p:nvGrpSpPr>
+      <p:grpSpPr>
+        <a:xfrm>
+          <a:off x="0" y="0"/>
+          <a:ext cx="0" cy="0"/>
+          <a:chOff x="0" y="0"/>
+          <a:chExt cx="0" cy="0"/>
+        </a:xfrm>
+      </p:grpSpPr>
+      <p:sp>
+        <p:nvSpPr>
+          <p:cNvPr id="2" name="Title 1"/>
+          <p:cNvSpPr>
+            <a:spLocks noGrp="1"/>
+          </p:cNvSpPr>
+          <p:nvPr>
+            <p:ph type="title"/>
+          </p:nvPr>
+        </p:nvSpPr>
+        <p:spPr/>
+        <p:txBody>
+          <a:bodyPr>
+            <a:normAutofit fontScale="90000"/>
+          </a:bodyPr>
+          <a:lstStyle/>
+          <a:p>
+            <a:r>
+              <a:rPr lang="en-US" dirty="0" smtClean="0"/>
+              <a:t>Waterloo’s EA–</a:t>
+            </a:r>
+            <a:br>
+              <a:rPr lang="en-US" dirty="0" smtClean="0"/>
+            </a:br>
+            <a:r>
+              <a:rPr lang="en-US" dirty="0" smtClean="0"/>
+              <a:t>SIMPLE Domain Hierarchy Model</a:t>
+            </a:r>
+            <a:endParaRPr lang="en-US" dirty="0"/>
+          </a:p>
+        </p:txBody>
+      </p:sp>
+      <p:sp>
+        <p:nvSpPr>
+          <p:cNvPr id="4" name="Footer Placeholder 3"/>
+          <p:cNvSpPr>
+            <a:spLocks noGrp="1"/>
+          </p:cNvSpPr>
+          <p:nvPr>
+            <p:ph type="ftr" sz="quarter" idx="10"/>
+          </p:nvPr>
+        </p:nvSpPr>
+        <p:spPr/>
+        <p:txBody>
+          <a:bodyPr/>
+          <a:lstStyle/>
+          <a:p>
+            <a:pPr>
+              <a:defRPr/>
+            </a:pPr>
+            <a:r>
+              <a:rPr lang="en-US" dirty="0" smtClean="0"/>
+              <a:t>Enterprise Architecture @ Waterloo</a:t>
+            </a:r>
+            <a:endParaRPr lang="en-US" dirty="0"/>
+          </a:p>
+        </p:txBody>
+      </p:sp>
+      <p:pic>
+        <p:nvPicPr>
+          <p:cNvPr id="6" name="Picture 5"/>
+          <p:cNvPicPr>
+            <a:picLocks noChangeAspect="1"/>
+          </p:cNvPicPr>
+          <p:nvPr/>
+        </p:nvPicPr>
+        <p:blipFill>
+          <a:blip r:embed="rId3"/>
+          <a:stretch>
+            <a:fillRect/>
+          </a:stretch>
+        </p:blipFill>
+        <p:spPr>
+          <a:xfrm>
+            <a:off x="1615311" y="1430338"/>
+            <a:ext cx="5676739" cy="4361906"/>
+          </a:xfrm>
+          <a:prstGeom prst="rect">
+            <a:avLst/>
+          </a:prstGeom>
+        </p:spPr>
+      </p:pic>
+    </p:spTree>
+    <p:extLst>
+      <p:ext uri="{BB962C8B-B14F-4D97-AF65-F5344CB8AC3E}">
+        <p14:creationId xmlns:p14="http://schemas.microsoft.com/office/powerpoint/2010/main" val="1505291430"/>
+      </p:ext>
+    </p:extLst>
+  </p:cSld>
+  <p:clrMapOvr>
+    <a:masterClrMapping/>
+  </p:clrMapOvr>
+  <p:timing>
+    <p:tnLst>
+      <p:par>
+        <p:cTn id="1" dur="indefinite" restart="never" nodeType="tmRoot"/>
+      </p:par>
+    </p:tnLst>
+  </p:timing>
+</p:sld>
+</file>
+
+<file path=ppt/slides/slide3.xml><?xml version="1.0" encoding="utf-8"?>
+<p:sld xmlns:a="http://schemas.openxmlformats.org/drawingml/2006/main" xmlns:r="http://schemas.openxmlformats.org/officeDocument/2006/relationships" xmlns:p="http://schemas.openxmlformats.org/presentationml/2006/main">
+  <p:cSld>
+    <p:spTree>
+      <p:nvGrpSpPr>
+        <p:cNvPr id="1" name=""/>
+        <p:cNvGrpSpPr/>
+        <p:nvPr/>
+      </p:nvGrpSpPr>
+      <p:grpSpPr>
+        <a:xfrm>
+          <a:off x="0" y="0"/>
+          <a:ext cx="0" cy="0"/>
+          <a:chOff x="0" y="0"/>
+          <a:chExt cx="0" cy="0"/>
+        </a:xfrm>
+      </p:grpSpPr>
+      <p:sp>
+        <p:nvSpPr>
+          <p:cNvPr id="2" name="Title 1"/>
+          <p:cNvSpPr>
+            <a:spLocks noGrp="1"/>
+          </p:cNvSpPr>
+          <p:nvPr>
+            <p:ph type="title"/>
+          </p:nvPr>
+        </p:nvSpPr>
+        <p:spPr>
+          <a:xfrm>
+            <a:off x="457200" y="2492520"/>
+            <a:ext cx="8229600" cy="1143000"/>
+          </a:xfrm>
+        </p:spPr>
+        <p:txBody>
+          <a:bodyPr>
+            <a:normAutofit fontScale="90000"/>
+          </a:bodyPr>
+          <a:lstStyle/>
+          <a:p>
+            <a:pPr algn="ctr"/>
+            <a:r>
+              <a:rPr lang="en-US" dirty="0" smtClean="0"/>
+              <a:t>WHO</a:t>
+            </a:r>
+            <a:r>
+              <a:rPr lang="en-US" dirty="0" smtClean="0"/>
+              <a:t>?</a:t>
+            </a:r>
+            <a:br>
+              <a:rPr lang="en-US" dirty="0" smtClean="0"/>
+            </a:br>
+            <a:r>
+              <a:rPr lang="en-US" dirty="0" smtClean="0"/>
+              <a:t/>
+            </a:r>
+            <a:br>
+              <a:rPr lang="en-US" dirty="0" smtClean="0"/>
+            </a:br>
+            <a:r>
+              <a:rPr lang="en-US" dirty="0" smtClean="0"/>
+              <a:t>Enterprise Architecture Group</a:t>
+            </a:r>
+            <a:endParaRPr lang="en-US" dirty="0"/>
+          </a:p>
+        </p:txBody>
+      </p:sp>
+      <p:sp>
+        <p:nvSpPr>
+          <p:cNvPr id="4" name="Footer Placeholder 3"/>
+          <p:cNvSpPr>
+            <a:spLocks noGrp="1"/>
+          </p:cNvSpPr>
+          <p:nvPr>
+            <p:ph type="ftr" sz="quarter" idx="10"/>
+          </p:nvPr>
+        </p:nvSpPr>
+        <p:spPr/>
+        <p:txBody>
+          <a:bodyPr/>
+          <a:lstStyle/>
+          <a:p>
+            <a:pPr>
+              <a:defRPr/>
+            </a:pPr>
+            <a:r>
+              <a:rPr lang="en-US" dirty="0" smtClean="0"/>
+              <a:t>Enterprise Architecture @ Waterloo</a:t>
+            </a:r>
+            <a:endParaRPr lang="en-US" dirty="0"/>
+          </a:p>
+        </p:txBody>
+      </p:sp>
+    </p:spTree>
+    <p:extLst>
+      <p:ext uri="{BB962C8B-B14F-4D97-AF65-F5344CB8AC3E}">
+        <p14:creationId xmlns:p14="http://schemas.microsoft.com/office/powerpoint/2010/main" val="1698768535"/>
+      </p:ext>
+    </p:extLst>
+  </p:cSld>
+  <p:clrMapOvr>
+    <a:masterClrMapping/>
+  </p:clrMapOvr>
+  <p:timing>
+    <p:tnLst>
+      <p:par>
+        <p:cTn id="1" dur="indefinite" restart="never" nodeType="tmRoot"/>
+      </p:par>
+    </p:tnLst>
+  </p:timing>
+</p:sld>
+</file>
+
+<file path=ppt/slides/slide30.xml><?xml version="1.0" encoding="utf-8"?>
+<p:sld xmlns:a="http://schemas.openxmlformats.org/drawingml/2006/main" xmlns:r="http://schemas.openxmlformats.org/officeDocument/2006/relationships" xmlns:p="http://schemas.openxmlformats.org/presentationml/2006/main">
+  <p:cSld>
+    <p:spTree>
+      <p:nvGrpSpPr>
+        <p:cNvPr id="1" name=""/>
+        <p:cNvGrpSpPr/>
+        <p:nvPr/>
+      </p:nvGrpSpPr>
+      <p:grpSpPr>
+        <a:xfrm>
+          <a:off x="0" y="0"/>
+          <a:ext cx="0" cy="0"/>
+          <a:chOff x="0" y="0"/>
+          <a:chExt cx="0" cy="0"/>
+        </a:xfrm>
+      </p:grpSpPr>
+      <p:sp>
+        <p:nvSpPr>
+          <p:cNvPr id="2" name="Title 1"/>
+          <p:cNvSpPr>
+            <a:spLocks noGrp="1"/>
+          </p:cNvSpPr>
+          <p:nvPr>
+            <p:ph type="title"/>
+          </p:nvPr>
+        </p:nvSpPr>
+        <p:spPr/>
+        <p:txBody>
+          <a:bodyPr>
+            <a:normAutofit fontScale="90000"/>
+          </a:bodyPr>
+          <a:lstStyle/>
+          <a:p>
+            <a:r>
+              <a:rPr lang="en-US" dirty="0" smtClean="0"/>
+              <a:t>Waterloo’s EA–</a:t>
+            </a:r>
+            <a:br>
+              <a:rPr lang="en-US" dirty="0" smtClean="0"/>
+            </a:br>
+            <a:r>
+              <a:rPr lang="en-US" dirty="0" smtClean="0"/>
+              <a:t>SIMPLE </a:t>
+            </a:r>
+            <a:r>
+              <a:rPr lang="en-US" dirty="0"/>
+              <a:t>Domain </a:t>
+            </a:r>
+            <a:r>
+              <a:rPr lang="en-US" dirty="0" smtClean="0"/>
+              <a:t>Hierarchy MODEL</a:t>
+            </a:r>
+            <a:br>
+              <a:rPr lang="en-US" dirty="0" smtClean="0"/>
+            </a:br>
+            <a:endParaRPr lang="en-US" dirty="0"/>
+          </a:p>
+        </p:txBody>
+      </p:sp>
+      <p:sp>
+        <p:nvSpPr>
+          <p:cNvPr id="3" name="Content Placeholder 2"/>
+          <p:cNvSpPr>
+            <a:spLocks noGrp="1"/>
+          </p:cNvSpPr>
+          <p:nvPr>
+            <p:ph idx="1"/>
+          </p:nvPr>
+        </p:nvSpPr>
+        <p:spPr/>
+        <p:txBody>
+          <a:bodyPr anchor="t"/>
+          <a:lstStyle/>
+          <a:p>
+            <a:r>
+              <a:rPr lang="en-US" dirty="0" smtClean="0"/>
+              <a:t>It is not that “simple.”</a:t>
+            </a:r>
+          </a:p>
+          <a:p>
+            <a:endParaRPr lang="en-US" dirty="0"/>
+          </a:p>
+          <a:p>
+            <a:r>
+              <a:rPr lang="en-US" dirty="0" smtClean="0"/>
+              <a:t>No single viewpoint works for all needs.</a:t>
+            </a:r>
+          </a:p>
+          <a:p>
+            <a:endParaRPr lang="en-US" dirty="0" smtClean="0"/>
+          </a:p>
+          <a:p>
+            <a:r>
+              <a:rPr lang="en-US" dirty="0" smtClean="0"/>
+              <a:t>Many architecture documents (artifacts) can benefit the enterprise independent of documentation from other domains.</a:t>
+            </a:r>
+          </a:p>
+          <a:p>
+            <a:pPr lvl="1"/>
+            <a:r>
+              <a:rPr lang="en-US" dirty="0" smtClean="0"/>
+              <a:t>EA is not a ‘stack’ of work.  We need another view.</a:t>
+            </a:r>
+          </a:p>
+          <a:p>
+            <a:endParaRPr lang="en-US" dirty="0" smtClean="0"/>
+          </a:p>
+          <a:p>
+            <a:endParaRPr lang="en-US" dirty="0" smtClean="0"/>
+          </a:p>
+          <a:p>
+            <a:endParaRPr lang="en-US" dirty="0" smtClean="0"/>
+          </a:p>
+          <a:p>
+            <a:endParaRPr lang="en-US" dirty="0"/>
+          </a:p>
+        </p:txBody>
+      </p:sp>
+      <p:sp>
+        <p:nvSpPr>
+          <p:cNvPr id="4" name="Footer Placeholder 3"/>
+          <p:cNvSpPr>
+            <a:spLocks noGrp="1"/>
+          </p:cNvSpPr>
+          <p:nvPr>
+            <p:ph type="ftr" sz="quarter" idx="10"/>
+          </p:nvPr>
+        </p:nvSpPr>
+        <p:spPr/>
+        <p:txBody>
+          <a:bodyPr/>
+          <a:lstStyle/>
+          <a:p>
+            <a:pPr>
+              <a:defRPr/>
+            </a:pPr>
+            <a:r>
+              <a:rPr lang="en-US" dirty="0" smtClean="0"/>
+              <a:t>Enterprise Architecture @ Waterloo</a:t>
+            </a:r>
+            <a:endParaRPr lang="en-US" dirty="0"/>
+          </a:p>
+        </p:txBody>
+      </p:sp>
+    </p:spTree>
+    <p:extLst>
+      <p:ext uri="{BB962C8B-B14F-4D97-AF65-F5344CB8AC3E}">
+        <p14:creationId xmlns:p14="http://schemas.microsoft.com/office/powerpoint/2010/main" val="1363858573"/>
+      </p:ext>
+    </p:extLst>
+  </p:cSld>
+  <p:clrMapOvr>
+    <a:masterClrMapping/>
+  </p:clrMapOvr>
+  <p:timing>
+    <p:tnLst>
+      <p:par>
+        <p:cTn id="1" dur="indefinite" restart="never" nodeType="tmRoot"/>
+      </p:par>
+    </p:tnLst>
+  </p:timing>
+</p:sld>
+</file>
+
+<file path=ppt/slides/slide31.xml><?xml version="1.0" encoding="utf-8"?>
+<p:sld xmlns:a="http://schemas.openxmlformats.org/drawingml/2006/main" xmlns:r="http://schemas.openxmlformats.org/officeDocument/2006/relationships" xmlns:p="http://schemas.openxmlformats.org/presentationml/2006/main">
+  <p:cSld>
+    <p:spTree>
+      <p:nvGrpSpPr>
+        <p:cNvPr id="1" name=""/>
+        <p:cNvGrpSpPr/>
+        <p:nvPr/>
+      </p:nvGrpSpPr>
+      <p:grpSpPr>
+        <a:xfrm>
+          <a:off x="0" y="0"/>
+          <a:ext cx="0" cy="0"/>
+          <a:chOff x="0" y="0"/>
+          <a:chExt cx="0" cy="0"/>
+        </a:xfrm>
+      </p:grpSpPr>
+      <p:sp>
+        <p:nvSpPr>
+          <p:cNvPr id="2" name="Title 1"/>
+          <p:cNvSpPr>
+            <a:spLocks noGrp="1"/>
+          </p:cNvSpPr>
+          <p:nvPr>
+            <p:ph type="title"/>
+          </p:nvPr>
+        </p:nvSpPr>
+        <p:spPr/>
+        <p:txBody>
+          <a:bodyPr>
+            <a:normAutofit fontScale="90000"/>
+          </a:bodyPr>
+          <a:lstStyle/>
+          <a:p>
+            <a:r>
+              <a:rPr lang="en-US" dirty="0" smtClean="0"/>
+              <a:t>Waterloo’s EA–</a:t>
+            </a:r>
+            <a:br>
+              <a:rPr lang="en-US" dirty="0" smtClean="0"/>
+            </a:br>
+            <a:r>
+              <a:rPr lang="en-US" dirty="0" smtClean="0"/>
+              <a:t>SIMPLE Domain Banded MODEL</a:t>
+            </a:r>
+            <a:br>
+              <a:rPr lang="en-US" dirty="0" smtClean="0"/>
+            </a:br>
+            <a:endParaRPr lang="en-US" dirty="0"/>
+          </a:p>
+        </p:txBody>
+      </p:sp>
+      <p:sp>
+        <p:nvSpPr>
+          <p:cNvPr id="4" name="Footer Placeholder 3"/>
+          <p:cNvSpPr>
+            <a:spLocks noGrp="1"/>
+          </p:cNvSpPr>
+          <p:nvPr>
+            <p:ph type="ftr" sz="quarter" idx="10"/>
+          </p:nvPr>
+        </p:nvSpPr>
+        <p:spPr/>
+        <p:txBody>
+          <a:bodyPr/>
+          <a:lstStyle/>
+          <a:p>
+            <a:pPr>
+              <a:defRPr/>
+            </a:pPr>
+            <a:r>
+              <a:rPr lang="en-US" dirty="0" smtClean="0"/>
+              <a:t>Enterprise Architecture @ Waterloo</a:t>
+            </a:r>
+            <a:endParaRPr lang="en-US" dirty="0"/>
+          </a:p>
+        </p:txBody>
+      </p:sp>
+      <p:pic>
+        <p:nvPicPr>
+          <p:cNvPr id="3" name="Picture 2"/>
+          <p:cNvPicPr>
+            <a:picLocks noChangeAspect="1"/>
+          </p:cNvPicPr>
+          <p:nvPr/>
+        </p:nvPicPr>
+        <p:blipFill>
+          <a:blip r:embed="rId2"/>
+          <a:stretch>
+            <a:fillRect/>
+          </a:stretch>
+        </p:blipFill>
+        <p:spPr>
+          <a:xfrm>
+            <a:off x="2025570" y="1337740"/>
+            <a:ext cx="4872941" cy="4389230"/>
+          </a:xfrm>
+          <a:prstGeom prst="rect">
+            <a:avLst/>
+          </a:prstGeom>
+        </p:spPr>
+      </p:pic>
+    </p:spTree>
+    <p:extLst>
+      <p:ext uri="{BB962C8B-B14F-4D97-AF65-F5344CB8AC3E}">
+        <p14:creationId xmlns:p14="http://schemas.microsoft.com/office/powerpoint/2010/main" val="1506651724"/>
+      </p:ext>
+    </p:extLst>
+  </p:cSld>
+  <p:clrMapOvr>
+    <a:masterClrMapping/>
+  </p:clrMapOvr>
+  <p:timing>
+    <p:tnLst>
+      <p:par>
+        <p:cTn id="1" dur="indefinite" restart="never" nodeType="tmRoot"/>
+      </p:par>
+    </p:tnLst>
+  </p:timing>
+</p:sld>
+</file>
+
+<file path=ppt/slides/slide32.xml><?xml version="1.0" encoding="utf-8"?>
+<p:sld xmlns:a="http://schemas.openxmlformats.org/drawingml/2006/main" xmlns:r="http://schemas.openxmlformats.org/officeDocument/2006/relationships" xmlns:p="http://schemas.openxmlformats.org/presentationml/2006/main">
+  <p:cSld>
+    <p:spTree>
+      <p:nvGrpSpPr>
+        <p:cNvPr id="1" name=""/>
+        <p:cNvGrpSpPr/>
+        <p:nvPr/>
+      </p:nvGrpSpPr>
+      <p:grpSpPr>
+        <a:xfrm>
+          <a:off x="0" y="0"/>
+          <a:ext cx="0" cy="0"/>
+          <a:chOff x="0" y="0"/>
+          <a:chExt cx="0" cy="0"/>
+        </a:xfrm>
+      </p:grpSpPr>
+      <p:sp>
+        <p:nvSpPr>
+          <p:cNvPr id="2" name="Title 1"/>
+          <p:cNvSpPr>
+            <a:spLocks noGrp="1"/>
+          </p:cNvSpPr>
+          <p:nvPr>
+            <p:ph type="title"/>
+          </p:nvPr>
+        </p:nvSpPr>
+        <p:spPr/>
+        <p:txBody>
+          <a:bodyPr>
+            <a:normAutofit fontScale="90000"/>
+          </a:bodyPr>
+          <a:lstStyle/>
+          <a:p>
+            <a:r>
+              <a:rPr lang="en-US" dirty="0" smtClean="0"/>
+              <a:t>Waterloo’s EA</a:t>
+            </a:r>
+            <a:r>
+              <a:rPr lang="en-US" dirty="0" smtClean="0"/>
+              <a:t>–</a:t>
+            </a:r>
+            <a:br>
+              <a:rPr lang="en-US" dirty="0" smtClean="0"/>
+            </a:br>
+            <a:r>
+              <a:rPr lang="en-US" dirty="0" smtClean="0"/>
+              <a:t>DOMAIN INTERCONNECTED </a:t>
+            </a:r>
+            <a:r>
+              <a:rPr lang="en-US" dirty="0" smtClean="0"/>
+              <a:t>MODEL</a:t>
+            </a:r>
+            <a:endParaRPr lang="en-US" dirty="0"/>
+          </a:p>
+        </p:txBody>
+      </p:sp>
+      <p:sp>
+        <p:nvSpPr>
+          <p:cNvPr id="4" name="Footer Placeholder 3"/>
+          <p:cNvSpPr>
+            <a:spLocks noGrp="1"/>
+          </p:cNvSpPr>
+          <p:nvPr>
+            <p:ph type="ftr" sz="quarter" idx="10"/>
+          </p:nvPr>
+        </p:nvSpPr>
+        <p:spPr/>
+        <p:txBody>
+          <a:bodyPr/>
+          <a:lstStyle/>
+          <a:p>
+            <a:pPr>
+              <a:defRPr/>
+            </a:pPr>
+            <a:r>
+              <a:rPr lang="en-US" dirty="0" smtClean="0"/>
+              <a:t>Enterprise Architecture @ Waterloo</a:t>
+            </a:r>
+            <a:endParaRPr lang="en-US" dirty="0"/>
+          </a:p>
+        </p:txBody>
+      </p:sp>
+      <p:pic>
+        <p:nvPicPr>
+          <p:cNvPr id="6" name="Picture 5"/>
+          <p:cNvPicPr>
+            <a:picLocks noChangeAspect="1"/>
+          </p:cNvPicPr>
+          <p:nvPr/>
+        </p:nvPicPr>
+        <p:blipFill>
+          <a:blip r:embed="rId2"/>
+          <a:stretch>
+            <a:fillRect/>
+          </a:stretch>
+        </p:blipFill>
+        <p:spPr>
+          <a:xfrm>
+            <a:off x="2342427" y="1430338"/>
+            <a:ext cx="4162546" cy="4162546"/>
+          </a:xfrm>
+          <a:prstGeom prst="rect">
+            <a:avLst/>
+          </a:prstGeom>
+        </p:spPr>
+      </p:pic>
+    </p:spTree>
+    <p:extLst>
+      <p:ext uri="{BB962C8B-B14F-4D97-AF65-F5344CB8AC3E}">
+        <p14:creationId xmlns:p14="http://schemas.microsoft.com/office/powerpoint/2010/main" val="1995183533"/>
+      </p:ext>
+    </p:extLst>
+  </p:cSld>
+  <p:clrMapOvr>
+    <a:masterClrMapping/>
+  </p:clrMapOvr>
+  <mc:AlternateContent xmlns:mc="http://schemas.openxmlformats.org/markup-compatibility/2006">
+    <mc:Choice xmlns:p14="http://schemas.microsoft.com/office/powerpoint/2010/main" Requires="p14">
+      <p:transition p14:dur="100">
+        <p:cut/>
+      </p:transition>
+    </mc:Choice>
+    <mc:Fallback>
+      <p:transition>
+        <p:cut/>
+      </p:transition>
+    </mc:Fallback>
+  </mc:AlternateContent>
+  <p:timing>
+    <p:tnLst>
+      <p:par>
+        <p:cTn id="1" dur="indefinite" restart="never" nodeType="tmRoot"/>
+      </p:par>
+    </p:tnLst>
+  </p:timing>
+</p:sld>
+</file>
+
+<file path=ppt/slides/slide33.xml><?xml version="1.0" encoding="utf-8"?>
+<p:sld xmlns:a="http://schemas.openxmlformats.org/drawingml/2006/main" xmlns:r="http://schemas.openxmlformats.org/officeDocument/2006/relationships" xmlns:p="http://schemas.openxmlformats.org/presentationml/2006/main">
+  <p:cSld>
+    <p:spTree>
+      <p:nvGrpSpPr>
+        <p:cNvPr id="1" name=""/>
+        <p:cNvGrpSpPr/>
+        <p:nvPr/>
+      </p:nvGrpSpPr>
+      <p:grpSpPr>
+        <a:xfrm>
+          <a:off x="0" y="0"/>
+          <a:ext cx="0" cy="0"/>
+          <a:chOff x="0" y="0"/>
+          <a:chExt cx="0" cy="0"/>
+        </a:xfrm>
+      </p:grpSpPr>
+      <p:sp>
+        <p:nvSpPr>
+          <p:cNvPr id="2" name="Title 1"/>
+          <p:cNvSpPr>
+            <a:spLocks noGrp="1"/>
+          </p:cNvSpPr>
+          <p:nvPr>
+            <p:ph type="title"/>
+          </p:nvPr>
+        </p:nvSpPr>
+        <p:spPr/>
+        <p:txBody>
+          <a:bodyPr>
+            <a:normAutofit fontScale="90000"/>
+          </a:bodyPr>
+          <a:lstStyle/>
+          <a:p>
+            <a:r>
+              <a:rPr lang="en-US" dirty="0" smtClean="0"/>
+              <a:t>Waterloo’s EA-</a:t>
+            </a:r>
+            <a:br>
+              <a:rPr lang="en-US" dirty="0" smtClean="0"/>
+            </a:br>
+            <a:r>
+              <a:rPr lang="en-US" dirty="0" smtClean="0"/>
+              <a:t>Governance Unpacked</a:t>
+            </a:r>
+            <a:br>
+              <a:rPr lang="en-US" dirty="0" smtClean="0"/>
+            </a:br>
+            <a:endParaRPr lang="en-US" dirty="0"/>
+          </a:p>
+        </p:txBody>
+      </p:sp>
+      <p:sp>
+        <p:nvSpPr>
+          <p:cNvPr id="4" name="Footer Placeholder 3"/>
+          <p:cNvSpPr>
+            <a:spLocks noGrp="1"/>
+          </p:cNvSpPr>
+          <p:nvPr>
+            <p:ph type="ftr" sz="quarter" idx="10"/>
+          </p:nvPr>
+        </p:nvSpPr>
+        <p:spPr/>
+        <p:txBody>
+          <a:bodyPr/>
+          <a:lstStyle/>
+          <a:p>
+            <a:pPr>
+              <a:defRPr/>
+            </a:pPr>
+            <a:r>
+              <a:rPr lang="en-US" dirty="0" smtClean="0"/>
+              <a:t>Enterprise Architecture @ Waterloo</a:t>
+            </a:r>
+            <a:endParaRPr lang="en-US" dirty="0"/>
+          </a:p>
+        </p:txBody>
+      </p:sp>
+      <p:pic>
+        <p:nvPicPr>
+          <p:cNvPr id="6" name="Picture 2"/>
+          <p:cNvPicPr>
+            <a:picLocks noChangeAspect="1"/>
+          </p:cNvPicPr>
+          <p:nvPr/>
+        </p:nvPicPr>
+        <p:blipFill>
+          <a:blip r:embed="rId3">
+            <a:extLst>
+              <a:ext uri="{28A0092B-C50C-407E-A947-70E740481C1C}">
+                <a14:useLocalDpi xmlns:a14="http://schemas.microsoft.com/office/drawing/2010/main" val="0"/>
+              </a:ext>
+            </a:extLst>
+          </a:blip>
+          <a:srcRect/>
+          <a:stretch>
+            <a:fillRect/>
+          </a:stretch>
+        </p:blipFill>
+        <p:spPr bwMode="auto">
+          <a:xfrm>
+            <a:off x="435870" y="1871741"/>
+            <a:ext cx="8250930" cy="3487337"/>
+          </a:xfrm>
+          <a:prstGeom prst="rect">
+            <a:avLst/>
+          </a:prstGeom>
+          <a:noFill/>
+          <a:ln>
+            <a:noFill/>
+          </a:ln>
+          <a:extLst>
+            <a:ext uri="{909E8E84-426E-40DD-AFC4-6F175D3DCCD1}">
+              <a14:hiddenFill xmlns:a14="http://schemas.microsoft.com/office/drawing/2010/main">
+                <a:solidFill>
+                  <a:srgbClr val="FFFFFF"/>
+                </a:solidFill>
+              </a14:hiddenFill>
+            </a:ext>
+            <a:ext uri="{91240B29-F687-4F45-9708-019B960494DF}">
+              <a14:hiddenLine xmlns:a14="http://schemas.microsoft.com/office/drawing/2010/main" w="9525">
+                <a:solidFill>
+                  <a:srgbClr val="000000"/>
+                </a:solidFill>
+                <a:miter lim="800000"/>
+                <a:headEnd/>
+                <a:tailEnd/>
+              </a14:hiddenLine>
+            </a:ext>
+          </a:extLst>
+        </p:spPr>
+      </p:pic>
+    </p:spTree>
+    <p:extLst>
+      <p:ext uri="{BB962C8B-B14F-4D97-AF65-F5344CB8AC3E}">
+        <p14:creationId xmlns:p14="http://schemas.microsoft.com/office/powerpoint/2010/main" val="1918674139"/>
+      </p:ext>
+    </p:extLst>
+  </p:cSld>
+  <p:clrMapOvr>
+    <a:masterClrMapping/>
+  </p:clrMapOvr>
+  <p:timing>
+    <p:tnLst>
+      <p:par>
+        <p:cTn id="1" dur="indefinite" restart="never" nodeType="tmRoot"/>
+      </p:par>
+    </p:tnLst>
+  </p:timing>
+</p:sld>
+</file>
+
+<file path=ppt/slides/slide34.xml><?xml version="1.0" encoding="utf-8"?>
+<p:sld xmlns:a="http://schemas.openxmlformats.org/drawingml/2006/main" xmlns:r="http://schemas.openxmlformats.org/officeDocument/2006/relationships" xmlns:p="http://schemas.openxmlformats.org/presentationml/2006/main">
+  <p:cSld>
+    <p:spTree>
+      <p:nvGrpSpPr>
+        <p:cNvPr id="1" name=""/>
+        <p:cNvGrpSpPr/>
+        <p:nvPr/>
+      </p:nvGrpSpPr>
+      <p:grpSpPr>
+        <a:xfrm>
+          <a:off x="0" y="0"/>
+          <a:ext cx="0" cy="0"/>
+          <a:chOff x="0" y="0"/>
+          <a:chExt cx="0" cy="0"/>
+        </a:xfrm>
+      </p:grpSpPr>
+      <p:sp>
+        <p:nvSpPr>
+          <p:cNvPr id="2" name="Title 1"/>
+          <p:cNvSpPr>
+            <a:spLocks noGrp="1"/>
+          </p:cNvSpPr>
+          <p:nvPr>
+            <p:ph type="title"/>
+          </p:nvPr>
+        </p:nvSpPr>
+        <p:spPr>
+          <a:xfrm>
+            <a:off x="457200" y="2492520"/>
+            <a:ext cx="8229600" cy="1143000"/>
+          </a:xfrm>
+        </p:spPr>
+        <p:txBody>
+          <a:bodyPr>
+            <a:normAutofit fontScale="90000"/>
+          </a:bodyPr>
+          <a:lstStyle/>
+          <a:p>
+            <a:pPr algn="ctr"/>
+            <a:r>
+              <a:rPr lang="en-US" dirty="0" smtClean="0"/>
+              <a:t>HOW</a:t>
+            </a:r>
+            <a:r>
+              <a:rPr lang="en-US" dirty="0" smtClean="0"/>
+              <a:t>?</a:t>
+            </a:r>
+            <a:br>
+              <a:rPr lang="en-US" dirty="0" smtClean="0"/>
+            </a:br>
+            <a:r>
+              <a:rPr lang="en-US" dirty="0"/>
+              <a:t/>
+            </a:r>
+            <a:br>
+              <a:rPr lang="en-US" dirty="0"/>
+            </a:br>
+            <a:r>
+              <a:rPr lang="en-US" dirty="0" smtClean="0"/>
+              <a:t>EA Process and Maturity Model</a:t>
+            </a:r>
+            <a:endParaRPr lang="en-US" dirty="0"/>
+          </a:p>
+        </p:txBody>
+      </p:sp>
+      <p:sp>
+        <p:nvSpPr>
+          <p:cNvPr id="4" name="Footer Placeholder 3"/>
+          <p:cNvSpPr>
+            <a:spLocks noGrp="1"/>
+          </p:cNvSpPr>
+          <p:nvPr>
+            <p:ph type="ftr" sz="quarter" idx="10"/>
+          </p:nvPr>
+        </p:nvSpPr>
+        <p:spPr/>
+        <p:txBody>
+          <a:bodyPr/>
+          <a:lstStyle/>
+          <a:p>
+            <a:pPr>
+              <a:defRPr/>
+            </a:pPr>
+            <a:r>
+              <a:rPr lang="en-US" dirty="0" smtClean="0"/>
+              <a:t>Enterprise Architecture @ Waterloo</a:t>
+            </a:r>
+            <a:endParaRPr lang="en-US" dirty="0"/>
+          </a:p>
+        </p:txBody>
+      </p:sp>
+    </p:spTree>
+    <p:extLst>
+      <p:ext uri="{BB962C8B-B14F-4D97-AF65-F5344CB8AC3E}">
+        <p14:creationId xmlns:p14="http://schemas.microsoft.com/office/powerpoint/2010/main" val="3160377490"/>
+      </p:ext>
+    </p:extLst>
+  </p:cSld>
+  <p:clrMapOvr>
+    <a:masterClrMapping/>
+  </p:clrMapOvr>
+  <p:timing>
+    <p:tnLst>
+      <p:par>
+        <p:cTn id="1" dur="indefinite" restart="never" nodeType="tmRoot"/>
+      </p:par>
+    </p:tnLst>
+  </p:timing>
+</p:sld>
+</file>
+
+<file path=ppt/slides/slide35.xml><?xml version="1.0" encoding="utf-8"?>
+<p:sld xmlns:a="http://schemas.openxmlformats.org/drawingml/2006/main" xmlns:r="http://schemas.openxmlformats.org/officeDocument/2006/relationships" xmlns:p="http://schemas.openxmlformats.org/presentationml/2006/main">
+  <p:cSld>
+    <p:spTree>
+      <p:nvGrpSpPr>
+        <p:cNvPr id="1" name=""/>
+        <p:cNvGrpSpPr/>
+        <p:nvPr/>
+      </p:nvGrpSpPr>
+      <p:grpSpPr>
+        <a:xfrm>
+          <a:off x="0" y="0"/>
+          <a:ext cx="0" cy="0"/>
+          <a:chOff x="0" y="0"/>
+          <a:chExt cx="0" cy="0"/>
+        </a:xfrm>
+      </p:grpSpPr>
+      <p:sp>
+        <p:nvSpPr>
+          <p:cNvPr id="2" name="Title 1"/>
+          <p:cNvSpPr>
+            <a:spLocks noGrp="1"/>
+          </p:cNvSpPr>
+          <p:nvPr>
+            <p:ph type="title"/>
+          </p:nvPr>
+        </p:nvSpPr>
+        <p:spPr/>
+        <p:txBody>
+          <a:bodyPr/>
+          <a:lstStyle/>
+          <a:p>
+            <a:r>
+              <a:rPr lang="en-US" dirty="0" smtClean="0"/>
+              <a:t>Enterprise Architecture Process</a:t>
+            </a:r>
+            <a:endParaRPr lang="en-US" dirty="0"/>
+          </a:p>
+        </p:txBody>
+      </p:sp>
+      <p:sp>
+        <p:nvSpPr>
+          <p:cNvPr id="4" name="Footer Placeholder 3"/>
+          <p:cNvSpPr>
+            <a:spLocks noGrp="1"/>
+          </p:cNvSpPr>
+          <p:nvPr>
+            <p:ph type="ftr" sz="quarter" idx="10"/>
+          </p:nvPr>
+        </p:nvSpPr>
+        <p:spPr/>
+        <p:txBody>
+          <a:bodyPr/>
+          <a:lstStyle/>
+          <a:p>
+            <a:pPr>
+              <a:defRPr/>
+            </a:pPr>
+            <a:r>
+              <a:rPr lang="en-US" dirty="0" smtClean="0"/>
+              <a:t>Enterprise Architecture @ Waterloo</a:t>
+            </a:r>
+            <a:endParaRPr lang="en-US" dirty="0"/>
+          </a:p>
+        </p:txBody>
+      </p:sp>
+      <p:pic>
+        <p:nvPicPr>
+          <p:cNvPr id="5" name="Picture 4"/>
+          <p:cNvPicPr>
+            <a:picLocks noChangeAspect="1"/>
+          </p:cNvPicPr>
+          <p:nvPr/>
+        </p:nvPicPr>
+        <p:blipFill>
+          <a:blip r:embed="rId2"/>
+          <a:stretch>
+            <a:fillRect/>
+          </a:stretch>
+        </p:blipFill>
+        <p:spPr>
+          <a:xfrm>
+            <a:off x="0" y="1624651"/>
+            <a:ext cx="9144000" cy="4163786"/>
+          </a:xfrm>
+          <a:prstGeom prst="rect">
+            <a:avLst/>
+          </a:prstGeom>
+        </p:spPr>
+      </p:pic>
+    </p:spTree>
+    <p:extLst>
+      <p:ext uri="{BB962C8B-B14F-4D97-AF65-F5344CB8AC3E}">
+        <p14:creationId xmlns:p14="http://schemas.microsoft.com/office/powerpoint/2010/main" val="1387244787"/>
+      </p:ext>
+    </p:extLst>
+  </p:cSld>
+  <p:clrMapOvr>
+    <a:masterClrMapping/>
+  </p:clrMapOvr>
+  <p:timing>
+    <p:tnLst>
+      <p:par>
+        <p:cTn id="1" dur="indefinite" restart="never" nodeType="tmRoot"/>
+      </p:par>
+    </p:tnLst>
+  </p:timing>
+</p:sld>
+</file>
+
+<file path=ppt/slides/slide36.xml><?xml version="1.0" encoding="utf-8"?>
+<p:sld xmlns:a="http://schemas.openxmlformats.org/drawingml/2006/main" xmlns:r="http://schemas.openxmlformats.org/officeDocument/2006/relationships" xmlns:p="http://schemas.openxmlformats.org/presentationml/2006/main">
+  <p:cSld>
+    <p:spTree>
+      <p:nvGrpSpPr>
+        <p:cNvPr id="1" name=""/>
+        <p:cNvGrpSpPr/>
+        <p:nvPr/>
+      </p:nvGrpSpPr>
+      <p:grpSpPr>
+        <a:xfrm>
+          <a:off x="0" y="0"/>
+          <a:ext cx="0" cy="0"/>
+          <a:chOff x="0" y="0"/>
+          <a:chExt cx="0" cy="0"/>
+        </a:xfrm>
+      </p:grpSpPr>
+      <p:sp>
+        <p:nvSpPr>
+          <p:cNvPr id="2" name="Title 1"/>
+          <p:cNvSpPr>
+            <a:spLocks noGrp="1"/>
+          </p:cNvSpPr>
+          <p:nvPr>
+            <p:ph type="title"/>
+          </p:nvPr>
+        </p:nvSpPr>
+        <p:spPr/>
+        <p:txBody>
+          <a:bodyPr/>
+          <a:lstStyle/>
+          <a:p>
+            <a:r>
+              <a:rPr lang="en-US" dirty="0" smtClean="0"/>
+              <a:t>Enterprise Architecture Maturity Model</a:t>
+            </a:r>
+            <a:endParaRPr lang="en-US" dirty="0"/>
+          </a:p>
+        </p:txBody>
+      </p:sp>
+      <p:sp>
+        <p:nvSpPr>
+          <p:cNvPr id="4" name="Footer Placeholder 3"/>
+          <p:cNvSpPr>
+            <a:spLocks noGrp="1"/>
+          </p:cNvSpPr>
+          <p:nvPr>
+            <p:ph type="ftr" sz="quarter" idx="10"/>
+          </p:nvPr>
+        </p:nvSpPr>
+        <p:spPr/>
+        <p:txBody>
+          <a:bodyPr/>
+          <a:lstStyle/>
+          <a:p>
+            <a:pPr>
+              <a:defRPr/>
+            </a:pPr>
+            <a:endParaRPr lang="en-US"/>
+          </a:p>
+        </p:txBody>
+      </p:sp>
+      <p:pic>
+        <p:nvPicPr>
+          <p:cNvPr id="5" name="Picture 2"/>
+          <p:cNvPicPr>
+            <a:picLocks noChangeAspect="1" noChangeArrowheads="1"/>
+          </p:cNvPicPr>
+          <p:nvPr/>
+        </p:nvPicPr>
+        <p:blipFill>
+          <a:blip r:embed="rId2">
+            <a:extLst>
+              <a:ext uri="{28A0092B-C50C-407E-A947-70E740481C1C}">
+                <a14:useLocalDpi xmlns:a14="http://schemas.microsoft.com/office/drawing/2010/main" val="0"/>
+              </a:ext>
+            </a:extLst>
+          </a:blip>
+          <a:srcRect/>
+          <a:stretch>
+            <a:fillRect/>
+          </a:stretch>
+        </p:blipFill>
+        <p:spPr bwMode="auto">
+          <a:xfrm>
+            <a:off x="1341417" y="1269419"/>
+            <a:ext cx="6461166" cy="3757994"/>
+          </a:xfrm>
+          <a:prstGeom prst="rect">
+            <a:avLst/>
+          </a:prstGeom>
+          <a:noFill/>
+          <a:ln>
+            <a:noFill/>
+          </a:ln>
+          <a:extLst>
+            <a:ext uri="{909E8E84-426E-40DD-AFC4-6F175D3DCCD1}">
+              <a14:hiddenFill xmlns:a14="http://schemas.microsoft.com/office/drawing/2010/main">
+                <a:solidFill>
+                  <a:schemeClr val="accent1"/>
+                </a:solidFill>
+              </a14:hiddenFill>
+            </a:ext>
+            <a:ext uri="{91240B29-F687-4F45-9708-019B960494DF}">
+              <a14:hiddenLine xmlns:a14="http://schemas.microsoft.com/office/drawing/2010/main" w="9525">
+                <a:solidFill>
+                  <a:schemeClr val="tx1"/>
+                </a:solidFill>
+                <a:miter lim="800000"/>
+                <a:headEnd/>
+                <a:tailEnd/>
+              </a14:hiddenLine>
+            </a:ext>
+          </a:extLst>
+        </p:spPr>
+      </p:pic>
+      <p:sp>
+        <p:nvSpPr>
+          <p:cNvPr id="6" name="TextBox 5"/>
+          <p:cNvSpPr txBox="1"/>
+          <p:nvPr/>
+        </p:nvSpPr>
+        <p:spPr>
+          <a:xfrm>
+            <a:off x="457200" y="5027413"/>
+            <a:ext cx="8423140" cy="923330"/>
+          </a:xfrm>
+          <a:prstGeom prst="rect">
+            <a:avLst/>
+          </a:prstGeom>
+          <a:noFill/>
+        </p:spPr>
+        <p:txBody>
+          <a:bodyPr wrap="none" rtlCol="0">
+            <a:spAutoFit/>
+          </a:bodyPr>
+          <a:lstStyle/>
+          <a:p>
+            <a:r>
+              <a:rPr lang="en-CA" altLang="en-US" dirty="0"/>
+              <a:t>Source: Enterprise Architecture as Strategy: Creating Foundation for Business </a:t>
+            </a:r>
+            <a:r>
+              <a:rPr lang="en-CA" altLang="en-US" dirty="0" smtClean="0"/>
+              <a:t>Execution,</a:t>
+            </a:r>
+          </a:p>
+          <a:p>
+            <a:r>
+              <a:rPr lang="en-CA" altLang="en-US" dirty="0" smtClean="0"/>
+              <a:t>J</a:t>
+            </a:r>
+            <a:r>
+              <a:rPr lang="en-CA" altLang="en-US" dirty="0"/>
+              <a:t>. Ross, P Well, D. Robertson, HBS Press, </a:t>
+            </a:r>
+            <a:r>
+              <a:rPr lang="en-CA" altLang="en-US" dirty="0" smtClean="0"/>
+              <a:t>2006.</a:t>
+            </a:r>
+            <a:endParaRPr lang="en-CA" altLang="en-US" dirty="0"/>
+          </a:p>
+          <a:p>
+            <a:endParaRPr lang="en-US" dirty="0"/>
+          </a:p>
+        </p:txBody>
+      </p:sp>
+    </p:spTree>
+    <p:extLst>
+      <p:ext uri="{BB962C8B-B14F-4D97-AF65-F5344CB8AC3E}">
+        <p14:creationId xmlns:p14="http://schemas.microsoft.com/office/powerpoint/2010/main" val="1030570560"/>
+      </p:ext>
+    </p:extLst>
+  </p:cSld>
+  <p:clrMapOvr>
+    <a:masterClrMapping/>
+  </p:clrMapOvr>
+  <p:timing>
+    <p:tnLst>
+      <p:par>
+        <p:cTn id="1" dur="indefinite" restart="never" nodeType="tmRoot"/>
+      </p:par>
+    </p:tnLst>
+  </p:timing>
+</p:sld>
+</file>
+
+<file path=ppt/slides/slide37.xml><?xml version="1.0" encoding="utf-8"?>
 <p:sld xmlns:a="http://schemas.openxmlformats.org/drawingml/2006/main" xmlns:r="http://schemas.openxmlformats.org/officeDocument/2006/relationships" xmlns:p="http://schemas.openxmlformats.org/presentationml/2006/main">
   <p:cSld>
     <p:spTree>
@@ -18899,14 +23947,14 @@
   <p:timing>
     <p:tnLst>
       <p:par>
-        <p:cTn xmlns:p14="http://schemas.microsoft.com/office/powerpoint/2010/main" id="1" dur="indefinite" restart="never" nodeType="tmRoot"/>
+        <p:cTn id="1" dur="indefinite" restart="never" nodeType="tmRoot"/>
       </p:par>
     </p:tnLst>
   </p:timing>
 </p:sld>
 </file>
 
-<file path=ppt/slides/slide22.xml><?xml version="1.0" encoding="utf-8"?>
+<file path=ppt/slides/slide38.xml><?xml version="1.0" encoding="utf-8"?>
 <p:sld xmlns:a="http://schemas.openxmlformats.org/drawingml/2006/main" xmlns:r="http://schemas.openxmlformats.org/officeDocument/2006/relationships" xmlns:p="http://schemas.openxmlformats.org/presentationml/2006/main">
   <p:cSld>
     <p:spTree>
@@ -18997,10 +24045,17 @@
   <p:clrMapOvr>
     <a:masterClrMapping/>
   </p:clrMapOvr>
+  <p:timing>
+    <p:tnLst>
+      <p:par>
+        <p:cTn id="1" dur="indefinite" restart="never" nodeType="tmRoot"/>
+      </p:par>
+    </p:tnLst>
+  </p:timing>
 </p:sld>
 </file>
 
-<file path=ppt/slides/slide23.xml><?xml version="1.0" encoding="utf-8"?>
+<file path=ppt/slides/slide39.xml><?xml version="1.0" encoding="utf-8"?>
 <p:sld xmlns:a="http://schemas.openxmlformats.org/drawingml/2006/main" xmlns:r="http://schemas.openxmlformats.org/officeDocument/2006/relationships" xmlns:p="http://schemas.openxmlformats.org/presentationml/2006/main">
   <p:cSld>
     <p:spTree>
@@ -19031,14 +24086,14 @@
           <a:noFill/>
           <a:extLst>
             <a:ext uri="{909E8E84-426E-40dd-AFC4-6F175D3DCCD1}">
-              <a14:hiddenFill xmlns:a14="http://schemas.microsoft.com/office/drawing/2010/main">
+              <a14:hiddenFill xmlns:a14="http://schemas.microsoft.com/office/drawing/2010/main" xmlns="">
                 <a:solidFill>
                   <a:srgbClr val="FFFFFF"/>
                 </a:solidFill>
               </a14:hiddenFill>
             </a:ext>
             <a:ext uri="{91240B29-F687-4f45-9708-019B960494DF}">
-              <a14:hiddenLine xmlns:a14="http://schemas.microsoft.com/office/drawing/2010/main" w="9525">
+              <a14:hiddenLine xmlns:a14="http://schemas.microsoft.com/office/drawing/2010/main" xmlns="" w="9525">
                 <a:solidFill>
                   <a:srgbClr val="000000"/>
                 </a:solidFill>
@@ -19315,14 +24370,14 @@
           </a:ln>
           <a:extLst>
             <a:ext uri="{909E8E84-426E-40dd-AFC4-6F175D3DCCD1}">
-              <a14:hiddenFill xmlns:a14="http://schemas.microsoft.com/office/drawing/2010/main">
+              <a14:hiddenFill xmlns:a14="http://schemas.microsoft.com/office/drawing/2010/main" xmlns="">
                 <a:solidFill>
                   <a:srgbClr val="FFFFFF"/>
                 </a:solidFill>
               </a14:hiddenFill>
             </a:ext>
             <a:ext uri="{91240B29-F687-4f45-9708-019B960494DF}">
-              <a14:hiddenLine xmlns:a14="http://schemas.microsoft.com/office/drawing/2010/main" w="9525">
+              <a14:hiddenLine xmlns:a14="http://schemas.microsoft.com/office/drawing/2010/main" xmlns="" w="9525">
                 <a:solidFill>
                   <a:srgbClr val="000000"/>
                 </a:solidFill>
@@ -19342,112 +24397,7 @@
   <p:timing>
     <p:tnLst>
       <p:par>
-        <p:cTn xmlns:p14="http://schemas.microsoft.com/office/powerpoint/2010/main" id="1" dur="indefinite" restart="never" nodeType="tmRoot"/>
-      </p:par>
-    </p:tnLst>
-  </p:timing>
-</p:sld>
-</file>
-
-<file path=ppt/slides/slide3.xml><?xml version="1.0" encoding="utf-8"?>
-<p:sld xmlns:a="http://schemas.openxmlformats.org/drawingml/2006/main" xmlns:r="http://schemas.openxmlformats.org/officeDocument/2006/relationships" xmlns:p="http://schemas.openxmlformats.org/presentationml/2006/main">
-  <p:cSld>
-    <p:spTree>
-      <p:nvGrpSpPr>
-        <p:cNvPr id="1" name=""/>
-        <p:cNvGrpSpPr/>
-        <p:nvPr/>
-      </p:nvGrpSpPr>
-      <p:grpSpPr>
-        <a:xfrm>
-          <a:off x="0" y="0"/>
-          <a:ext cx="0" cy="0"/>
-          <a:chOff x="0" y="0"/>
-          <a:chExt cx="0" cy="0"/>
-        </a:xfrm>
-      </p:grpSpPr>
-      <p:sp>
-        <p:nvSpPr>
-          <p:cNvPr id="2" name="Title 1"/>
-          <p:cNvSpPr>
-            <a:spLocks noGrp="1"/>
-          </p:cNvSpPr>
-          <p:nvPr>
-            <p:ph type="title"/>
-          </p:nvPr>
-        </p:nvSpPr>
-        <p:spPr>
-          <a:xfrm>
-            <a:off x="457200" y="2492520"/>
-            <a:ext cx="8229600" cy="1143000"/>
-          </a:xfrm>
-        </p:spPr>
-        <p:txBody>
-          <a:bodyPr>
-            <a:normAutofit fontScale="90000"/>
-          </a:bodyPr>
-          <a:lstStyle/>
-          <a:p>
-            <a:pPr algn="ctr"/>
-            <a:r>
-              <a:rPr lang="en-US" dirty="0" smtClean="0"/>
-              <a:t>WHO</a:t>
-            </a:r>
-            <a:r>
-              <a:rPr lang="en-US" dirty="0" smtClean="0"/>
-              <a:t>?</a:t>
-            </a:r>
-            <a:br>
-              <a:rPr lang="en-US" dirty="0" smtClean="0"/>
-            </a:br>
-            <a:r>
-              <a:rPr lang="en-US" dirty="0" smtClean="0"/>
-              <a:t>Enterprise Architecture Group</a:t>
-            </a:r>
-            <a:endParaRPr lang="en-US" dirty="0"/>
-          </a:p>
-        </p:txBody>
-      </p:sp>
-      <p:sp>
-        <p:nvSpPr>
-          <p:cNvPr id="4" name="Footer Placeholder 3"/>
-          <p:cNvSpPr>
-            <a:spLocks noGrp="1"/>
-          </p:cNvSpPr>
-          <p:nvPr>
-            <p:ph type="ftr" sz="quarter" idx="10"/>
-          </p:nvPr>
-        </p:nvSpPr>
-        <p:spPr/>
-        <p:txBody>
-          <a:bodyPr/>
-          <a:lstStyle/>
-          <a:p>
-            <a:pPr>
-              <a:defRPr/>
-            </a:pPr>
-            <a:r>
-              <a:rPr lang="en-US" dirty="0" smtClean="0"/>
-              <a:t>Enterprise Architecture @ Waterloo</a:t>
-            </a:r>
-            <a:endParaRPr lang="en-US" dirty="0"/>
-          </a:p>
-        </p:txBody>
-      </p:sp>
-    </p:spTree>
-    <p:extLst>
-      <p:ext uri="{BB962C8B-B14F-4D97-AF65-F5344CB8AC3E}">
-        <p14:creationId xmlns:p14="http://schemas.microsoft.com/office/powerpoint/2010/main" val="1698768535"/>
-      </p:ext>
-    </p:extLst>
-  </p:cSld>
-  <p:clrMapOvr>
-    <a:masterClrMapping/>
-  </p:clrMapOvr>
-  <p:timing>
-    <p:tnLst>
-      <p:par>
-        <p:cTn xmlns:p14="http://schemas.microsoft.com/office/powerpoint/2010/main" id="1" dur="indefinite" restart="never" nodeType="tmRoot"/>
+        <p:cTn id="1" dur="indefinite" restart="never" nodeType="tmRoot"/>
       </p:par>
     </p:tnLst>
   </p:timing>
@@ -19575,6 +24525,13 @@
   <p:clrMapOvr>
     <a:masterClrMapping/>
   </p:clrMapOvr>
+  <p:timing>
+    <p:tnLst>
+      <p:par>
+        <p:cTn id="1" dur="indefinite" restart="never" nodeType="tmRoot"/>
+      </p:par>
+    </p:tnLst>
+  </p:timing>
 </p:sld>
 </file>
 
@@ -19723,6 +24680,13 @@
   <p:clrMapOvr>
     <a:masterClrMapping/>
   </p:clrMapOvr>
+  <p:timing>
+    <p:tnLst>
+      <p:par>
+        <p:cTn id="1" dur="indefinite" restart="never" nodeType="tmRoot"/>
+      </p:par>
+    </p:tnLst>
+  </p:timing>
 </p:sld>
 </file>
 
@@ -19870,7 +24834,7 @@
   <p:timing>
     <p:tnLst>
       <p:par>
-        <p:cTn xmlns:p14="http://schemas.microsoft.com/office/powerpoint/2010/main" id="1" dur="indefinite" restart="never" nodeType="tmRoot"/>
+        <p:cTn id="1" dur="indefinite" restart="never" nodeType="tmRoot"/>
       </p:par>
     </p:tnLst>
   </p:timing>
@@ -19979,7 +24943,7 @@
   <p:timing>
     <p:tnLst>
       <p:par>
-        <p:cTn xmlns:p14="http://schemas.microsoft.com/office/powerpoint/2010/main" id="1" dur="indefinite" restart="never" nodeType="tmRoot"/>
+        <p:cTn id="1" dur="indefinite" restart="never" nodeType="tmRoot"/>
       </p:par>
     </p:tnLst>
   </p:timing>
@@ -20039,6 +25003,13 @@
             </a:br>
             <a:r>
               <a:rPr lang="en-US" dirty="0" smtClean="0"/>
+              <a:t/>
+            </a:r>
+            <a:br>
+              <a:rPr lang="en-US" dirty="0" smtClean="0"/>
+            </a:br>
+            <a:r>
+              <a:rPr lang="en-US" dirty="0" smtClean="0"/>
               <a:t>Enterprise Architecture</a:t>
             </a:r>
             <a:br>
@@ -20091,7 +25062,7 @@
   <p:timing>
     <p:tnLst>
       <p:par>
-        <p:cTn xmlns:p14="http://schemas.microsoft.com/office/powerpoint/2010/main" id="1" dur="indefinite" restart="never" nodeType="tmRoot"/>
+        <p:cTn id="1" dur="indefinite" restart="never" nodeType="tmRoot"/>
       </p:par>
     </p:tnLst>
   </p:timing>
@@ -20149,7 +25120,7 @@
           </p:nvPr>
         </p:nvPicPr>
         <p:blipFill rotWithShape="1">
-          <a:blip r:embed="rId2"/>
+          <a:blip r:embed="rId3"/>
           <a:srcRect l="-615" r="-960"/>
           <a:stretch/>
         </p:blipFill>
@@ -20199,7 +25170,7 @@
   <p:timing>
     <p:tnLst>
       <p:par>
-        <p:cTn xmlns:p14="http://schemas.microsoft.com/office/powerpoint/2010/main" id="1" dur="indefinite" restart="never" nodeType="tmRoot"/>
+        <p:cTn id="1" dur="indefinite" restart="never" nodeType="tmRoot"/>
       </p:par>
     </p:tnLst>
   </p:timing>
@@ -20525,7 +25496,7 @@
   <a:extraClrSchemeLst/>
   <a:extLst>
     <a:ext uri="{05A4C25C-085E-4340-85A3-A5531E510DB2}">
-      <thm15:themeFamily xmlns:thm15="http://schemas.microsoft.com/office/thememl/2012/main" xmlns="" name="Presentation1" id="{9477BE6E-335C-6A4D-9AC4-F2AD07DB35E5}" vid="{6E65C0AF-245B-1445-948D-96A7C6D0ECEB}"/>
+      <thm15:themeFamily xmlns:thm15="http://schemas.microsoft.com/office/thememl/2012/main" name="Presentation1" id="{9477BE6E-335C-6A4D-9AC4-F2AD07DB35E5}" vid="{6E65C0AF-245B-1445-948D-96A7C6D0ECEB}"/>
     </a:ext>
   </a:extLst>
 </a:theme>

--- a/ISTEA-WatITis2015.pptx
+++ b/ISTEA-WatITis2015.pptx
@@ -5,10 +5,10 @@
     <p:sldMasterId id="2147483648" r:id="rId1"/>
   </p:sldMasterIdLst>
   <p:notesMasterIdLst>
-    <p:notesMasterId r:id="rId41"/>
+    <p:notesMasterId r:id="rId53"/>
   </p:notesMasterIdLst>
   <p:handoutMasterIdLst>
-    <p:handoutMasterId r:id="rId42"/>
+    <p:handoutMasterId r:id="rId54"/>
   </p:handoutMasterIdLst>
   <p:sldIdLst>
     <p:sldId id="256" r:id="rId2"/>
@@ -45,11 +45,23 @@
     <p:sldId id="291" r:id="rId33"/>
     <p:sldId id="292" r:id="rId34"/>
     <p:sldId id="277" r:id="rId35"/>
-    <p:sldId id="302" r:id="rId36"/>
-    <p:sldId id="301" r:id="rId37"/>
-    <p:sldId id="279" r:id="rId38"/>
-    <p:sldId id="280" r:id="rId39"/>
-    <p:sldId id="258" r:id="rId40"/>
+    <p:sldId id="319" r:id="rId36"/>
+    <p:sldId id="307" r:id="rId37"/>
+    <p:sldId id="308" r:id="rId38"/>
+    <p:sldId id="309" r:id="rId39"/>
+    <p:sldId id="302" r:id="rId40"/>
+    <p:sldId id="301" r:id="rId41"/>
+    <p:sldId id="279" r:id="rId42"/>
+    <p:sldId id="310" r:id="rId43"/>
+    <p:sldId id="311" r:id="rId44"/>
+    <p:sldId id="280" r:id="rId45"/>
+    <p:sldId id="312" r:id="rId46"/>
+    <p:sldId id="313" r:id="rId47"/>
+    <p:sldId id="314" r:id="rId48"/>
+    <p:sldId id="316" r:id="rId49"/>
+    <p:sldId id="317" r:id="rId50"/>
+    <p:sldId id="318" r:id="rId51"/>
+    <p:sldId id="258" r:id="rId52"/>
   </p:sldIdLst>
   <p:sldSz cx="9144000" cy="6858000" type="screen4x3"/>
   <p:notesSz cx="6858000" cy="9144000"/>
@@ -7175,6 +7187,216 @@
             </a:r>
           </a:p>
           <a:p>
+            <a:endParaRPr lang="en-US" sz="1200" b="0" i="0" baseline="0" dirty="0" smtClean="0">
+              <a:solidFill>
+                <a:schemeClr val="tx1"/>
+              </a:solidFill>
+              <a:latin typeface="Calibri" panose="020F0502020204030204" pitchFamily="34" charset="0"/>
+            </a:endParaRPr>
+          </a:p>
+          <a:p>
+            <a:r>
+              <a:rPr lang="en-US" sz="1200" b="0" i="0" baseline="0" dirty="0" smtClean="0">
+                <a:solidFill>
+                  <a:schemeClr val="tx1"/>
+                </a:solidFill>
+                <a:latin typeface="Calibri" panose="020F0502020204030204" pitchFamily="34" charset="0"/>
+              </a:rPr>
+              <a:t>- </a:t>
+            </a:r>
+            <a:r>
+              <a:rPr lang="en-US" sz="1200" b="1" i="0" dirty="0" smtClean="0">
+                <a:solidFill>
+                  <a:srgbClr val="000099"/>
+                </a:solidFill>
+                <a:latin typeface="Calibri" panose="020F0502020204030204" pitchFamily="34" charset="0"/>
+              </a:rPr>
+              <a:t>Integration Architecture:</a:t>
+            </a:r>
+            <a:r>
+              <a:rPr lang="en-US" sz="1200" b="1" i="0" baseline="0" dirty="0" smtClean="0">
+                <a:solidFill>
+                  <a:srgbClr val="000099"/>
+                </a:solidFill>
+                <a:latin typeface="Calibri" panose="020F0502020204030204" pitchFamily="34" charset="0"/>
+              </a:rPr>
+              <a:t> </a:t>
+            </a:r>
+            <a:r>
+              <a:rPr lang="en-US" sz="1200" dirty="0" smtClean="0">
+                <a:latin typeface="Calibri" panose="020F0502020204030204" pitchFamily="34" charset="0"/>
+              </a:rPr>
+              <a:t>A business-centric integration architecture approach that provides the necessary standards and guidelines to connect disparate data, processes, systems, services, expertise, and knowledge together to drive business towards achieving its goals.</a:t>
+            </a:r>
+          </a:p>
+          <a:p>
+            <a:endParaRPr lang="en-US" sz="1200" b="0" i="0" dirty="0" smtClean="0">
+              <a:solidFill>
+                <a:schemeClr val="tx1"/>
+              </a:solidFill>
+              <a:latin typeface="Calibri" panose="020F0502020204030204" pitchFamily="34" charset="0"/>
+            </a:endParaRPr>
+          </a:p>
+          <a:p>
+            <a:pPr marL="171450" indent="-171450">
+              <a:buFontTx/>
+              <a:buChar char="-"/>
+            </a:pPr>
+            <a:r>
+              <a:rPr lang="en-US" sz="1200" b="1" i="0" dirty="0" smtClean="0">
+                <a:solidFill>
+                  <a:srgbClr val="000099"/>
+                </a:solidFill>
+                <a:latin typeface="Calibri" panose="020F0502020204030204" pitchFamily="34" charset="0"/>
+              </a:rPr>
+              <a:t>Performance Architecture:</a:t>
+            </a:r>
+            <a:r>
+              <a:rPr lang="en-US" sz="1200" b="1" i="0" baseline="0" dirty="0" smtClean="0">
+                <a:solidFill>
+                  <a:srgbClr val="000099"/>
+                </a:solidFill>
+                <a:latin typeface="Calibri" panose="020F0502020204030204" pitchFamily="34" charset="0"/>
+              </a:rPr>
+              <a:t> </a:t>
+            </a:r>
+            <a:r>
+              <a:rPr lang="en-US" sz="1200" dirty="0" smtClean="0">
+                <a:latin typeface="Calibri" panose="020F0502020204030204" pitchFamily="34" charset="0"/>
+              </a:rPr>
+              <a:t>Performance architecture is the mean to evaluate the progress of the enterprise strategic goals and objectives. It defines metrics and measures to evaluate business and IT processes and their outcome and captures systems’ quality attributes such as usability, reliability, scalability, interoperability, and maintainability. </a:t>
+            </a:r>
+          </a:p>
+          <a:p>
+            <a:pPr marL="171450" indent="-171450">
+              <a:buFontTx/>
+              <a:buChar char="-"/>
+            </a:pPr>
+            <a:endParaRPr lang="en-US" sz="1200" b="0" i="0" dirty="0" smtClean="0">
+              <a:solidFill>
+                <a:schemeClr val="tx1"/>
+              </a:solidFill>
+              <a:latin typeface="Calibri" panose="020F0502020204030204" pitchFamily="34" charset="0"/>
+            </a:endParaRPr>
+          </a:p>
+          <a:p>
+            <a:pPr marL="171450" indent="-171450">
+              <a:buFontTx/>
+              <a:buChar char="-"/>
+            </a:pPr>
+            <a:r>
+              <a:rPr lang="en-US" sz="1200" b="1" i="0" dirty="0" smtClean="0">
+                <a:solidFill>
+                  <a:srgbClr val="000099"/>
+                </a:solidFill>
+                <a:latin typeface="Calibri" panose="020F0502020204030204" pitchFamily="34" charset="0"/>
+              </a:rPr>
+              <a:t>Architecture Principles:</a:t>
+            </a:r>
+            <a:r>
+              <a:rPr lang="en-US" sz="1200" b="1" i="0" baseline="0" dirty="0" smtClean="0">
+                <a:solidFill>
+                  <a:srgbClr val="000099"/>
+                </a:solidFill>
+                <a:latin typeface="Calibri" panose="020F0502020204030204" pitchFamily="34" charset="0"/>
+              </a:rPr>
+              <a:t> </a:t>
+            </a:r>
+            <a:r>
+              <a:rPr lang="en-US" sz="1200" dirty="0" smtClean="0">
+                <a:latin typeface="Calibri" panose="020F0502020204030204" pitchFamily="34" charset="0"/>
+              </a:rPr>
+              <a:t>Guide IT decision-making and activities and form the foundation of the University IT architecture standards, and guidelines.</a:t>
+            </a:r>
+          </a:p>
+        </p:txBody>
+      </p:sp>
+      <p:sp>
+        <p:nvSpPr>
+          <p:cNvPr id="4" name="Slide Number Placeholder 3"/>
+          <p:cNvSpPr>
+            <a:spLocks noGrp="1"/>
+          </p:cNvSpPr>
+          <p:nvPr>
+            <p:ph type="sldNum" sz="quarter" idx="10"/>
+          </p:nvPr>
+        </p:nvSpPr>
+        <p:spPr/>
+        <p:txBody>
+          <a:bodyPr/>
+          <a:lstStyle/>
+          <a:p>
+            <a:pPr>
+              <a:defRPr/>
+            </a:pPr>
+            <a:fld id="{2243CCA8-BAFD-7144-8E02-BD9119658895}" type="slidenum">
+              <a:rPr lang="en-US" smtClean="0"/>
+              <a:pPr>
+                <a:defRPr/>
+              </a:pPr>
+              <a:t>33</a:t>
+            </a:fld>
+            <a:endParaRPr lang="en-US"/>
+          </a:p>
+        </p:txBody>
+      </p:sp>
+    </p:spTree>
+    <p:extLst>
+      <p:ext uri="{BB962C8B-B14F-4D97-AF65-F5344CB8AC3E}">
+        <p14:creationId xmlns:p14="http://schemas.microsoft.com/office/powerpoint/2010/main" val="478217381"/>
+      </p:ext>
+    </p:extLst>
+  </p:cSld>
+  <p:clrMapOvr>
+    <a:masterClrMapping/>
+  </p:clrMapOvr>
+</p:notes>
+</file>
+
+<file path=ppt/notesSlides/notesSlide12.xml><?xml version="1.0" encoding="utf-8"?>
+<p:notes xmlns:a="http://schemas.openxmlformats.org/drawingml/2006/main" xmlns:r="http://schemas.openxmlformats.org/officeDocument/2006/relationships" xmlns:p="http://schemas.openxmlformats.org/presentationml/2006/main">
+  <p:cSld>
+    <p:spTree>
+      <p:nvGrpSpPr>
+        <p:cNvPr id="1" name=""/>
+        <p:cNvGrpSpPr/>
+        <p:nvPr/>
+      </p:nvGrpSpPr>
+      <p:grpSpPr>
+        <a:xfrm>
+          <a:off x="0" y="0"/>
+          <a:ext cx="0" cy="0"/>
+          <a:chOff x="0" y="0"/>
+          <a:chExt cx="0" cy="0"/>
+        </a:xfrm>
+      </p:grpSpPr>
+      <p:sp>
+        <p:nvSpPr>
+          <p:cNvPr id="2" name="Slide Image Placeholder 1"/>
+          <p:cNvSpPr>
+            <a:spLocks noGrp="1" noRot="1" noChangeAspect="1"/>
+          </p:cNvSpPr>
+          <p:nvPr>
+            <p:ph type="sldImg"/>
+          </p:nvPr>
+        </p:nvSpPr>
+        <p:spPr/>
+      </p:sp>
+      <p:sp>
+        <p:nvSpPr>
+          <p:cNvPr id="3" name="Notes Placeholder 2"/>
+          <p:cNvSpPr>
+            <a:spLocks noGrp="1"/>
+          </p:cNvSpPr>
+          <p:nvPr>
+            <p:ph type="body" idx="1"/>
+          </p:nvPr>
+        </p:nvSpPr>
+        <p:spPr/>
+        <p:txBody>
+          <a:bodyPr/>
+          <a:lstStyle/>
+          <a:p>
             <a:pPr marL="0" marR="0" indent="0" algn="l" defTabSz="457200" rtl="0" eaLnBrk="0" fontAlgn="base" latinLnBrk="0" hangingPunct="0">
               <a:lnSpc>
                 <a:spcPct val="100000"/>
@@ -7192,112 +7414,255 @@
               <a:tabLst/>
               <a:defRPr/>
             </a:pPr>
-            <a:endParaRPr lang="en-US" sz="1200" baseline="0" dirty="0" smtClean="0">
-              <a:latin typeface="Calibri" panose="020F0502020204030204" pitchFamily="34" charset="0"/>
-            </a:endParaRPr>
-          </a:p>
-          <a:p>
-            <a:r>
-              <a:rPr lang="en-US" sz="1200" baseline="0" dirty="0" smtClean="0">
-                <a:latin typeface="Calibri" panose="020F0502020204030204" pitchFamily="34" charset="0"/>
-              </a:rPr>
-              <a:t> - </a:t>
-            </a:r>
-            <a:r>
-              <a:rPr lang="en-US" sz="1200" b="1" i="0" dirty="0" smtClean="0">
+            <a:r>
+              <a:rPr lang="en-US" sz="1200" b="1" dirty="0" smtClean="0">
                 <a:solidFill>
-                  <a:srgbClr val="000099"/>
+                  <a:srgbClr val="002060"/>
                 </a:solidFill>
                 <a:latin typeface="Calibri" panose="020F0502020204030204" pitchFamily="34" charset="0"/>
               </a:rPr>
-              <a:t>Integration Architecture:</a:t>
-            </a:r>
-            <a:r>
-              <a:rPr lang="en-US" sz="1200" b="1" i="0" baseline="0" dirty="0" smtClean="0">
+              <a:t>IST-EA’s Simplified Definitions</a:t>
+            </a:r>
+          </a:p>
+          <a:p>
+            <a:pPr marL="0" marR="0" indent="0" algn="l" defTabSz="457200" rtl="0" eaLnBrk="0" fontAlgn="base" latinLnBrk="0" hangingPunct="0">
+              <a:lnSpc>
+                <a:spcPct val="100000"/>
+              </a:lnSpc>
+              <a:spcBef>
+                <a:spcPct val="30000"/>
+              </a:spcBef>
+              <a:spcAft>
+                <a:spcPct val="0"/>
+              </a:spcAft>
+              <a:buClrTx/>
+              <a:buSzTx/>
+              <a:buFontTx/>
+              <a:buNone/>
+              <a:tabLst/>
+              <a:defRPr/>
+            </a:pPr>
+            <a:r>
+              <a:rPr lang="en-US" sz="1200" b="1" dirty="0" smtClean="0">
                 <a:solidFill>
-                  <a:srgbClr val="000099"/>
+                  <a:srgbClr val="002060"/>
                 </a:solidFill>
                 <a:latin typeface="Calibri" panose="020F0502020204030204" pitchFamily="34" charset="0"/>
               </a:rPr>
-              <a:t> </a:t>
+              <a:t>=========================</a:t>
+            </a:r>
+          </a:p>
+          <a:p>
+            <a:pPr marL="0" marR="0" indent="0" algn="l" defTabSz="457200" rtl="0" eaLnBrk="0" fontAlgn="base" latinLnBrk="0" hangingPunct="0">
+              <a:lnSpc>
+                <a:spcPct val="100000"/>
+              </a:lnSpc>
+              <a:spcBef>
+                <a:spcPct val="30000"/>
+              </a:spcBef>
+              <a:spcAft>
+                <a:spcPct val="0"/>
+              </a:spcAft>
+              <a:buClrTx/>
+              <a:buSzTx/>
+              <a:buFontTx/>
+              <a:buNone/>
+              <a:tabLst/>
+              <a:defRPr/>
+            </a:pPr>
+            <a:endParaRPr lang="en-US" sz="1200" b="1" dirty="0" smtClean="0">
+              <a:solidFill>
+                <a:srgbClr val="002060"/>
+              </a:solidFill>
+              <a:latin typeface="Calibri" panose="020F0502020204030204" pitchFamily="34" charset="0"/>
+            </a:endParaRPr>
+          </a:p>
+          <a:p>
+            <a:pPr marL="0" marR="0" indent="0" algn="l" defTabSz="457200" rtl="0" eaLnBrk="0" fontAlgn="base" latinLnBrk="0" hangingPunct="0">
+              <a:lnSpc>
+                <a:spcPct val="100000"/>
+              </a:lnSpc>
+              <a:spcBef>
+                <a:spcPct val="30000"/>
+              </a:spcBef>
+              <a:spcAft>
+                <a:spcPct val="0"/>
+              </a:spcAft>
+              <a:buClrTx/>
+              <a:buSzTx/>
+              <a:buFontTx/>
+              <a:buNone/>
+              <a:tabLst/>
+              <a:defRPr/>
+            </a:pPr>
+            <a:r>
+              <a:rPr lang="en-US" sz="1200" b="1" dirty="0" smtClean="0">
+                <a:solidFill>
+                  <a:srgbClr val="002060"/>
+                </a:solidFill>
+                <a:latin typeface="Calibri" panose="020F0502020204030204" pitchFamily="34" charset="0"/>
+              </a:rPr>
+              <a:t>Business Architecture</a:t>
+            </a:r>
+            <a:r>
+              <a:rPr lang="en-US" sz="1200" dirty="0" smtClean="0">
+                <a:solidFill>
+                  <a:srgbClr val="002060"/>
+                </a:solidFill>
+                <a:latin typeface="Calibri" panose="020F0502020204030204" pitchFamily="34" charset="0"/>
+              </a:rPr>
+              <a:t>: </a:t>
             </a:r>
             <a:r>
               <a:rPr lang="en-US" sz="1200" dirty="0" smtClean="0">
                 <a:latin typeface="Calibri" panose="020F0502020204030204" pitchFamily="34" charset="0"/>
               </a:rPr>
-              <a:t>A business-centric integration architecture approach that provides the necessary standards and guidelines to connect disparate data, processes, systems, services, expertise, and knowledge together to drive business towards achieving its goals.</a:t>
-            </a:r>
-          </a:p>
-          <a:p>
-            <a:endParaRPr lang="en-US" sz="1200" dirty="0" smtClean="0">
-              <a:latin typeface="Calibri" panose="020F0502020204030204" pitchFamily="34" charset="0"/>
-            </a:endParaRPr>
-          </a:p>
-          <a:p>
+              <a:t>Vision, strategy, goals, objectives. It covers business units, functions, services, processes, and capabilities.</a:t>
+            </a:r>
+          </a:p>
+          <a:p>
+            <a:endParaRPr lang="en-US" dirty="0" smtClean="0"/>
+          </a:p>
+          <a:p>
+            <a:pPr marL="0" marR="0" indent="0" algn="l" defTabSz="457200" rtl="0" eaLnBrk="0" fontAlgn="base" latinLnBrk="0" hangingPunct="0">
+              <a:lnSpc>
+                <a:spcPct val="100000"/>
+              </a:lnSpc>
+              <a:spcBef>
+                <a:spcPct val="30000"/>
+              </a:spcBef>
+              <a:spcAft>
+                <a:spcPct val="0"/>
+              </a:spcAft>
+              <a:buClrTx/>
+              <a:buSzTx/>
+              <a:buFontTx/>
+              <a:buNone/>
+              <a:tabLst/>
+              <a:defRPr/>
+            </a:pPr>
+            <a:r>
+              <a:rPr lang="en-US" sz="1200" b="1" dirty="0" smtClean="0">
+                <a:solidFill>
+                  <a:srgbClr val="002060"/>
+                </a:solidFill>
+                <a:latin typeface="Calibri" panose="020F0502020204030204" pitchFamily="34" charset="0"/>
+              </a:rPr>
+              <a:t>Information Architecture: </a:t>
+            </a:r>
             <a:r>
               <a:rPr lang="en-US" sz="1200" dirty="0" smtClean="0">
                 <a:latin typeface="Calibri" panose="020F0502020204030204" pitchFamily="34" charset="0"/>
               </a:rPr>
-              <a:t> - </a:t>
-            </a:r>
-            <a:r>
-              <a:rPr lang="en-US" sz="1200" b="1" i="0" dirty="0" smtClean="0">
+              <a:t>Describes how enterprise information is organized and accessed.</a:t>
+            </a:r>
+          </a:p>
+          <a:p>
+            <a:pPr marL="0" marR="0" indent="0" algn="l" defTabSz="457200" rtl="0" eaLnBrk="0" fontAlgn="base" latinLnBrk="0" hangingPunct="0">
+              <a:lnSpc>
+                <a:spcPct val="100000"/>
+              </a:lnSpc>
+              <a:spcBef>
+                <a:spcPct val="30000"/>
+              </a:spcBef>
+              <a:spcAft>
+                <a:spcPct val="0"/>
+              </a:spcAft>
+              <a:buClrTx/>
+              <a:buSzTx/>
+              <a:buFontTx/>
+              <a:buNone/>
+              <a:tabLst/>
+              <a:defRPr/>
+            </a:pPr>
+            <a:endParaRPr lang="en-US" dirty="0" smtClean="0"/>
+          </a:p>
+          <a:p>
+            <a:pPr marL="0" marR="0" indent="0" algn="l" defTabSz="457200" rtl="0" eaLnBrk="0" fontAlgn="base" latinLnBrk="0" hangingPunct="0">
+              <a:lnSpc>
+                <a:spcPct val="100000"/>
+              </a:lnSpc>
+              <a:spcBef>
+                <a:spcPct val="30000"/>
+              </a:spcBef>
+              <a:spcAft>
+                <a:spcPct val="0"/>
+              </a:spcAft>
+              <a:buClrTx/>
+              <a:buSzTx/>
+              <a:buFontTx/>
+              <a:buNone/>
+              <a:tabLst/>
+              <a:defRPr/>
+            </a:pPr>
+            <a:r>
+              <a:rPr lang="en-US" sz="1200" b="1" dirty="0" smtClean="0">
                 <a:solidFill>
-                  <a:srgbClr val="000099"/>
+                  <a:srgbClr val="002060"/>
                 </a:solidFill>
                 <a:latin typeface="Calibri" panose="020F0502020204030204" pitchFamily="34" charset="0"/>
               </a:rPr>
-              <a:t>Performance Architecture:</a:t>
-            </a:r>
-            <a:r>
-              <a:rPr lang="en-US" sz="1200" b="1" i="0" baseline="0" dirty="0" smtClean="0">
+              <a:t>Applications Architecture: </a:t>
+            </a:r>
+            <a:r>
+              <a:rPr lang="en-US" sz="1200" dirty="0" smtClean="0">
+                <a:latin typeface="Calibri" panose="020F0502020204030204" pitchFamily="34" charset="0"/>
+              </a:rPr>
+              <a:t>Describes applications’ structures, capabilities, and their interrelations.</a:t>
+            </a:r>
+          </a:p>
+          <a:p>
+            <a:pPr marL="0" marR="0" indent="0" algn="l" defTabSz="457200" rtl="0" eaLnBrk="0" fontAlgn="base" latinLnBrk="0" hangingPunct="0">
+              <a:lnSpc>
+                <a:spcPct val="100000"/>
+              </a:lnSpc>
+              <a:spcBef>
+                <a:spcPct val="30000"/>
+              </a:spcBef>
+              <a:spcAft>
+                <a:spcPct val="0"/>
+              </a:spcAft>
+              <a:buClrTx/>
+              <a:buSzTx/>
+              <a:buFontTx/>
+              <a:buNone/>
+              <a:tabLst/>
+              <a:defRPr/>
+            </a:pPr>
+            <a:endParaRPr lang="en-US" dirty="0" smtClean="0"/>
+          </a:p>
+          <a:p>
+            <a:pPr marL="0" marR="0" indent="0" algn="l" defTabSz="457200" rtl="0" eaLnBrk="0" fontAlgn="base" latinLnBrk="0" hangingPunct="0">
+              <a:lnSpc>
+                <a:spcPct val="100000"/>
+              </a:lnSpc>
+              <a:spcBef>
+                <a:spcPct val="30000"/>
+              </a:spcBef>
+              <a:spcAft>
+                <a:spcPct val="0"/>
+              </a:spcAft>
+              <a:buClrTx/>
+              <a:buSzTx/>
+              <a:buFontTx/>
+              <a:buNone/>
+              <a:tabLst/>
+              <a:defRPr/>
+            </a:pPr>
+            <a:r>
+              <a:rPr lang="en-US" sz="1200" b="1" dirty="0" smtClean="0">
                 <a:solidFill>
-                  <a:srgbClr val="000099"/>
+                  <a:srgbClr val="002060"/>
                 </a:solidFill>
                 <a:latin typeface="Calibri" panose="020F0502020204030204" pitchFamily="34" charset="0"/>
               </a:rPr>
-              <a:t> </a:t>
+              <a:t>Technology Architecture: </a:t>
             </a:r>
             <a:r>
               <a:rPr lang="en-US" sz="1200" dirty="0" smtClean="0">
                 <a:latin typeface="Calibri" panose="020F0502020204030204" pitchFamily="34" charset="0"/>
               </a:rPr>
-              <a:t>Performance architecture is the mean to evaluate the progress of the enterprise strategic goals and objectives. It defines metrics and measures to evaluate business and IT processes and their outcome and captures systems’ quality attributes such as usability, reliability, scalability, interoperability, and maintainability. </a:t>
-            </a:r>
-          </a:p>
-          <a:p>
-            <a:endParaRPr lang="en-US" sz="1200" dirty="0" smtClean="0">
-              <a:latin typeface="Calibri" panose="020F0502020204030204" pitchFamily="34" charset="0"/>
-            </a:endParaRPr>
-          </a:p>
-          <a:p>
-            <a:pPr marL="171450" indent="-171450">
-              <a:buFontTx/>
-              <a:buChar char="-"/>
-            </a:pPr>
-            <a:r>
-              <a:rPr lang="en-US" sz="1200" b="1" i="0" dirty="0" smtClean="0">
-                <a:solidFill>
-                  <a:srgbClr val="000099"/>
-                </a:solidFill>
-                <a:latin typeface="Calibri" panose="020F0502020204030204" pitchFamily="34" charset="0"/>
-              </a:rPr>
-              <a:t>Architecture Principles:</a:t>
-            </a:r>
-            <a:r>
-              <a:rPr lang="en-US" sz="1200" b="1" i="0" baseline="0" dirty="0" smtClean="0">
-                <a:solidFill>
-                  <a:srgbClr val="000099"/>
-                </a:solidFill>
-                <a:latin typeface="Calibri" panose="020F0502020204030204" pitchFamily="34" charset="0"/>
-              </a:rPr>
-              <a:t> </a:t>
-            </a:r>
-            <a:r>
-              <a:rPr lang="en-US" sz="1200" dirty="0" smtClean="0">
-                <a:latin typeface="Calibri" panose="020F0502020204030204" pitchFamily="34" charset="0"/>
-              </a:rPr>
-              <a:t>Guide IT decision-making and activities and form the foundation of the University IT architecture standards, and guidelines.</a:t>
+              <a:t>Describes the hardware and software infrastructure that support the applications and their interactions.</a:t>
             </a:r>
           </a:p>
         </p:txBody>
@@ -7325,7 +7690,7 @@
               <a:pPr>
                 <a:defRPr/>
               </a:pPr>
-              <a:t>33</a:t>
+              <a:t>49</a:t>
             </a:fld>
             <a:endParaRPr lang="en-US"/>
           </a:p>
@@ -7334,7 +7699,7 @@
     </p:spTree>
     <p:extLst>
       <p:ext uri="{BB962C8B-B14F-4D97-AF65-F5344CB8AC3E}">
-        <p14:creationId xmlns:p14="http://schemas.microsoft.com/office/powerpoint/2010/main" val="478217381"/>
+        <p14:creationId xmlns:p14="http://schemas.microsoft.com/office/powerpoint/2010/main" val="1744166451"/>
       </p:ext>
     </p:extLst>
   </p:cSld>
@@ -7344,7 +7709,7 @@
 </p:notes>
 </file>
 
-<file path=ppt/notesSlides/notesSlide12.xml><?xml version="1.0" encoding="utf-8"?>
+<file path=ppt/notesSlides/notesSlide13.xml><?xml version="1.0" encoding="utf-8"?>
 <p:notes xmlns:a="http://schemas.openxmlformats.org/drawingml/2006/main" xmlns:r="http://schemas.openxmlformats.org/officeDocument/2006/relationships" xmlns:p="http://schemas.openxmlformats.org/presentationml/2006/main">
   <p:cSld>
     <p:spTree>
@@ -7659,7 +8024,7 @@
                   <a:spcPct val="0"/>
                 </a:spcAft>
               </a:pPr>
-              <a:t>39</a:t>
+              <a:t>51</a:t>
             </a:fld>
             <a:endParaRPr lang="en-US" sz="1200"/>
           </a:p>
@@ -20702,7 +21067,19 @@
           <a:p>
             <a:r>
               <a:rPr lang="en-US" dirty="0" smtClean="0"/>
-              <a:t>What – Enterprise Architecture</a:t>
+              <a:t>What </a:t>
+            </a:r>
+            <a:r>
+              <a:rPr lang="en-US" dirty="0" smtClean="0"/>
+              <a:t>IS </a:t>
+            </a:r>
+            <a:r>
+              <a:rPr lang="en-US" dirty="0" smtClean="0"/>
+              <a:t>Enterprise </a:t>
+            </a:r>
+            <a:r>
+              <a:rPr lang="en-US" dirty="0" smtClean="0"/>
+              <a:t>Architecture?</a:t>
             </a:r>
             <a:endParaRPr lang="en-US" dirty="0"/>
           </a:p>
@@ -21022,11 +21399,7 @@
             </a:r>
             <a:r>
               <a:rPr lang="en-US" sz="1800" dirty="0" smtClean="0"/>
-              <a:t>EA </a:t>
-            </a:r>
-            <a:r>
-              <a:rPr lang="en-US" sz="1800" dirty="0" smtClean="0"/>
-              <a:t>Process and Maturity Model</a:t>
+              <a:t>EA Process and Maturity Model</a:t>
             </a:r>
             <a:endParaRPr lang="en-US" sz="1800" dirty="0" smtClean="0">
               <a:ea typeface="+mn-ea"/>
@@ -21057,8 +21430,9 @@
             </a:r>
             <a:r>
               <a:rPr lang="en-US" sz="1800" dirty="0" smtClean="0"/>
-              <a:t>to interact with EA</a:t>
-            </a:r>
+              <a:t>are we today</a:t>
+            </a:r>
+            <a:endParaRPr lang="en-US" sz="1800" dirty="0" smtClean="0"/>
           </a:p>
           <a:p>
             <a:pPr fontAlgn="auto">
@@ -21087,7 +21461,7 @@
             </a:r>
             <a:r>
               <a:rPr lang="en-US" sz="1800" dirty="0" smtClean="0"/>
-              <a:t>now</a:t>
+              <a:t>can you get involved</a:t>
             </a:r>
             <a:endParaRPr lang="en-US" sz="1800" dirty="0"/>
           </a:p>
@@ -23598,6 +23972,514 @@
           <a:lstStyle/>
           <a:p>
             <a:r>
+              <a:rPr lang="en-US" dirty="0"/>
+              <a:t>Enterprise Architecture </a:t>
+            </a:r>
+            <a:r>
+              <a:rPr lang="en-US" dirty="0" smtClean="0"/>
+              <a:t>Process – GPS Analogy</a:t>
+            </a:r>
+            <a:endParaRPr lang="en-US" dirty="0"/>
+          </a:p>
+        </p:txBody>
+      </p:sp>
+      <p:sp>
+        <p:nvSpPr>
+          <p:cNvPr id="4" name="Footer Placeholder 3"/>
+          <p:cNvSpPr>
+            <a:spLocks noGrp="1"/>
+          </p:cNvSpPr>
+          <p:nvPr>
+            <p:ph type="ftr" sz="quarter" idx="10"/>
+          </p:nvPr>
+        </p:nvSpPr>
+        <p:spPr/>
+        <p:txBody>
+          <a:bodyPr/>
+          <a:lstStyle/>
+          <a:p>
+            <a:pPr>
+              <a:defRPr/>
+            </a:pPr>
+            <a:r>
+              <a:rPr lang="en-US" dirty="0" smtClean="0"/>
+              <a:t>Enterprise Architec</a:t>
+            </a:r>
+            <a:r>
+              <a:rPr lang="en-US" dirty="0" smtClean="0"/>
+              <a:t>ture @ Waterloo</a:t>
+            </a:r>
+            <a:endParaRPr lang="en-US" dirty="0"/>
+          </a:p>
+        </p:txBody>
+      </p:sp>
+      <p:pic>
+        <p:nvPicPr>
+          <p:cNvPr id="7" name="Picture 6"/>
+          <p:cNvPicPr>
+            <a:picLocks noChangeAspect="1"/>
+          </p:cNvPicPr>
+          <p:nvPr/>
+        </p:nvPicPr>
+        <p:blipFill>
+          <a:blip r:embed="rId2">
+            <a:extLst>
+              <a:ext uri="{28A0092B-C50C-407E-A947-70E740481C1C}">
+                <a14:useLocalDpi xmlns:a14="http://schemas.microsoft.com/office/drawing/2010/main" val="0"/>
+              </a:ext>
+            </a:extLst>
+          </a:blip>
+          <a:stretch>
+            <a:fillRect/>
+          </a:stretch>
+        </p:blipFill>
+        <p:spPr>
+          <a:xfrm>
+            <a:off x="2233225" y="1430338"/>
+            <a:ext cx="4677549" cy="3989674"/>
+          </a:xfrm>
+          <a:prstGeom prst="rect">
+            <a:avLst/>
+          </a:prstGeom>
+        </p:spPr>
+      </p:pic>
+      <p:sp>
+        <p:nvSpPr>
+          <p:cNvPr id="8" name="TextBox 7"/>
+          <p:cNvSpPr txBox="1"/>
+          <p:nvPr/>
+        </p:nvSpPr>
+        <p:spPr>
+          <a:xfrm>
+            <a:off x="5655263" y="5420012"/>
+            <a:ext cx="3031536" cy="369332"/>
+          </a:xfrm>
+          <a:prstGeom prst="rect">
+            <a:avLst/>
+          </a:prstGeom>
+          <a:noFill/>
+        </p:spPr>
+        <p:txBody>
+          <a:bodyPr wrap="none" rtlCol="0">
+            <a:spAutoFit/>
+          </a:bodyPr>
+          <a:lstStyle/>
+          <a:p>
+            <a:r>
+              <a:rPr lang="en-US" smtClean="0"/>
+              <a:t>SOURCE: http</a:t>
+            </a:r>
+            <a:r>
+              <a:rPr lang="en-US" dirty="0"/>
+              <a:t>://</a:t>
+            </a:r>
+            <a:r>
+              <a:rPr lang="en-US" dirty="0" err="1"/>
+              <a:t>www.gps.gov</a:t>
+            </a:r>
+            <a:r>
+              <a:rPr lang="en-US" dirty="0"/>
+              <a:t>/</a:t>
+            </a:r>
+          </a:p>
+        </p:txBody>
+      </p:sp>
+    </p:spTree>
+    <p:extLst>
+      <p:ext uri="{BB962C8B-B14F-4D97-AF65-F5344CB8AC3E}">
+        <p14:creationId xmlns:p14="http://schemas.microsoft.com/office/powerpoint/2010/main" val="828387311"/>
+      </p:ext>
+    </p:extLst>
+  </p:cSld>
+  <p:clrMapOvr>
+    <a:masterClrMapping/>
+  </p:clrMapOvr>
+  <p:timing>
+    <p:tnLst>
+      <p:par>
+        <p:cTn id="1" dur="indefinite" restart="never" nodeType="tmRoot"/>
+      </p:par>
+    </p:tnLst>
+  </p:timing>
+</p:sld>
+</file>
+
+<file path=ppt/slides/slide36.xml><?xml version="1.0" encoding="utf-8"?>
+<p:sld xmlns:a="http://schemas.openxmlformats.org/drawingml/2006/main" xmlns:r="http://schemas.openxmlformats.org/officeDocument/2006/relationships" xmlns:p="http://schemas.openxmlformats.org/presentationml/2006/main">
+  <p:cSld>
+    <p:spTree>
+      <p:nvGrpSpPr>
+        <p:cNvPr id="1" name=""/>
+        <p:cNvGrpSpPr/>
+        <p:nvPr/>
+      </p:nvGrpSpPr>
+      <p:grpSpPr>
+        <a:xfrm>
+          <a:off x="0" y="0"/>
+          <a:ext cx="0" cy="0"/>
+          <a:chOff x="0" y="0"/>
+          <a:chExt cx="0" cy="0"/>
+        </a:xfrm>
+      </p:grpSpPr>
+      <p:sp>
+        <p:nvSpPr>
+          <p:cNvPr id="2" name="Title 1"/>
+          <p:cNvSpPr>
+            <a:spLocks noGrp="1"/>
+          </p:cNvSpPr>
+          <p:nvPr>
+            <p:ph type="title"/>
+          </p:nvPr>
+        </p:nvSpPr>
+        <p:spPr/>
+        <p:txBody>
+          <a:bodyPr/>
+          <a:lstStyle/>
+          <a:p>
+            <a:r>
+              <a:rPr lang="en-US" dirty="0"/>
+              <a:t>Enterprise Architecture Process</a:t>
+            </a:r>
+          </a:p>
+        </p:txBody>
+      </p:sp>
+      <p:sp>
+        <p:nvSpPr>
+          <p:cNvPr id="4" name="Footer Placeholder 3"/>
+          <p:cNvSpPr>
+            <a:spLocks noGrp="1"/>
+          </p:cNvSpPr>
+          <p:nvPr>
+            <p:ph type="ftr" sz="quarter" idx="10"/>
+          </p:nvPr>
+        </p:nvSpPr>
+        <p:spPr/>
+        <p:txBody>
+          <a:bodyPr/>
+          <a:lstStyle/>
+          <a:p>
+            <a:pPr>
+              <a:defRPr/>
+            </a:pPr>
+            <a:r>
+              <a:rPr lang="en-US" dirty="0" smtClean="0"/>
+              <a:t>Enterprise Architec</a:t>
+            </a:r>
+            <a:r>
+              <a:rPr lang="en-US" dirty="0" smtClean="0"/>
+              <a:t>ture @ Waterloo</a:t>
+            </a:r>
+            <a:endParaRPr lang="en-US" dirty="0"/>
+          </a:p>
+        </p:txBody>
+      </p:sp>
+      <p:pic>
+        <p:nvPicPr>
+          <p:cNvPr id="5" name="Picture 4"/>
+          <p:cNvPicPr>
+            <a:picLocks noChangeAspect="1"/>
+          </p:cNvPicPr>
+          <p:nvPr/>
+        </p:nvPicPr>
+        <p:blipFill>
+          <a:blip r:embed="rId2"/>
+          <a:stretch>
+            <a:fillRect/>
+          </a:stretch>
+        </p:blipFill>
+        <p:spPr>
+          <a:xfrm>
+            <a:off x="0" y="1294871"/>
+            <a:ext cx="9144000" cy="4471466"/>
+          </a:xfrm>
+          <a:prstGeom prst="rect">
+            <a:avLst/>
+          </a:prstGeom>
+        </p:spPr>
+      </p:pic>
+    </p:spTree>
+    <p:extLst>
+      <p:ext uri="{BB962C8B-B14F-4D97-AF65-F5344CB8AC3E}">
+        <p14:creationId xmlns:p14="http://schemas.microsoft.com/office/powerpoint/2010/main" val="1773892877"/>
+      </p:ext>
+    </p:extLst>
+  </p:cSld>
+  <p:clrMapOvr>
+    <a:masterClrMapping/>
+  </p:clrMapOvr>
+  <p:timing>
+    <p:tnLst>
+      <p:par>
+        <p:cTn id="1" dur="indefinite" restart="never" nodeType="tmRoot"/>
+      </p:par>
+    </p:tnLst>
+  </p:timing>
+</p:sld>
+</file>
+
+<file path=ppt/slides/slide37.xml><?xml version="1.0" encoding="utf-8"?>
+<p:sld xmlns:a="http://schemas.openxmlformats.org/drawingml/2006/main" xmlns:r="http://schemas.openxmlformats.org/officeDocument/2006/relationships" xmlns:p="http://schemas.openxmlformats.org/presentationml/2006/main">
+  <p:cSld>
+    <p:spTree>
+      <p:nvGrpSpPr>
+        <p:cNvPr id="1" name=""/>
+        <p:cNvGrpSpPr/>
+        <p:nvPr/>
+      </p:nvGrpSpPr>
+      <p:grpSpPr>
+        <a:xfrm>
+          <a:off x="0" y="0"/>
+          <a:ext cx="0" cy="0"/>
+          <a:chOff x="0" y="0"/>
+          <a:chExt cx="0" cy="0"/>
+        </a:xfrm>
+      </p:grpSpPr>
+      <p:sp>
+        <p:nvSpPr>
+          <p:cNvPr id="2" name="Title 1"/>
+          <p:cNvSpPr>
+            <a:spLocks noGrp="1"/>
+          </p:cNvSpPr>
+          <p:nvPr>
+            <p:ph type="title"/>
+          </p:nvPr>
+        </p:nvSpPr>
+        <p:spPr/>
+        <p:txBody>
+          <a:bodyPr/>
+          <a:lstStyle/>
+          <a:p>
+            <a:r>
+              <a:rPr lang="en-US" dirty="0" smtClean="0"/>
+              <a:t>EA Artifact Repository – Current state</a:t>
+            </a:r>
+            <a:endParaRPr lang="en-US" dirty="0"/>
+          </a:p>
+        </p:txBody>
+      </p:sp>
+      <p:sp>
+        <p:nvSpPr>
+          <p:cNvPr id="4" name="Footer Placeholder 3"/>
+          <p:cNvSpPr>
+            <a:spLocks noGrp="1"/>
+          </p:cNvSpPr>
+          <p:nvPr>
+            <p:ph type="ftr" sz="quarter" idx="10"/>
+          </p:nvPr>
+        </p:nvSpPr>
+        <p:spPr/>
+        <p:txBody>
+          <a:bodyPr/>
+          <a:lstStyle/>
+          <a:p>
+            <a:pPr>
+              <a:defRPr/>
+            </a:pPr>
+            <a:r>
+              <a:rPr lang="en-US" dirty="0" smtClean="0"/>
+              <a:t>Enterprise Architecture @ Waterloo</a:t>
+            </a:r>
+            <a:endParaRPr lang="en-US" dirty="0"/>
+          </a:p>
+        </p:txBody>
+      </p:sp>
+      <p:pic>
+        <p:nvPicPr>
+          <p:cNvPr id="5" name="Picture 4"/>
+          <p:cNvPicPr>
+            <a:picLocks noChangeAspect="1"/>
+          </p:cNvPicPr>
+          <p:nvPr/>
+        </p:nvPicPr>
+        <p:blipFill rotWithShape="1">
+          <a:blip r:embed="rId2">
+            <a:extLst>
+              <a:ext uri="{28A0092B-C50C-407E-A947-70E740481C1C}">
+                <a14:useLocalDpi xmlns:a14="http://schemas.microsoft.com/office/drawing/2010/main" val="0"/>
+              </a:ext>
+            </a:extLst>
+          </a:blip>
+          <a:srcRect t="8632" b="55864"/>
+          <a:stretch/>
+        </p:blipFill>
+        <p:spPr>
+          <a:xfrm>
+            <a:off x="289983" y="1286932"/>
+            <a:ext cx="8564033" cy="4542545"/>
+          </a:xfrm>
+          <a:prstGeom prst="rect">
+            <a:avLst/>
+          </a:prstGeom>
+        </p:spPr>
+      </p:pic>
+    </p:spTree>
+    <p:extLst>
+      <p:ext uri="{BB962C8B-B14F-4D97-AF65-F5344CB8AC3E}">
+        <p14:creationId xmlns:p14="http://schemas.microsoft.com/office/powerpoint/2010/main" val="1758239989"/>
+      </p:ext>
+    </p:extLst>
+  </p:cSld>
+  <p:clrMapOvr>
+    <a:masterClrMapping/>
+  </p:clrMapOvr>
+  <p:timing>
+    <p:tnLst>
+      <p:par>
+        <p:cTn id="1" dur="indefinite" restart="never" nodeType="tmRoot"/>
+      </p:par>
+    </p:tnLst>
+  </p:timing>
+</p:sld>
+</file>
+
+<file path=ppt/slides/slide38.xml><?xml version="1.0" encoding="utf-8"?>
+<p:sld xmlns:a="http://schemas.openxmlformats.org/drawingml/2006/main" xmlns:r="http://schemas.openxmlformats.org/officeDocument/2006/relationships" xmlns:p="http://schemas.openxmlformats.org/presentationml/2006/main">
+  <p:cSld>
+    <p:spTree>
+      <p:nvGrpSpPr>
+        <p:cNvPr id="1" name=""/>
+        <p:cNvGrpSpPr/>
+        <p:nvPr/>
+      </p:nvGrpSpPr>
+      <p:grpSpPr>
+        <a:xfrm>
+          <a:off x="0" y="0"/>
+          <a:ext cx="0" cy="0"/>
+          <a:chOff x="0" y="0"/>
+          <a:chExt cx="0" cy="0"/>
+        </a:xfrm>
+      </p:grpSpPr>
+      <p:sp>
+        <p:nvSpPr>
+          <p:cNvPr id="2" name="Title 1"/>
+          <p:cNvSpPr>
+            <a:spLocks noGrp="1"/>
+          </p:cNvSpPr>
+          <p:nvPr>
+            <p:ph type="title"/>
+          </p:nvPr>
+        </p:nvSpPr>
+        <p:spPr/>
+        <p:txBody>
+          <a:bodyPr/>
+          <a:lstStyle/>
+          <a:p>
+            <a:r>
+              <a:rPr lang="en-US" dirty="0" smtClean="0"/>
+              <a:t>EA Artifact Repository – Proposed Future state</a:t>
+            </a:r>
+            <a:endParaRPr lang="en-US" dirty="0"/>
+          </a:p>
+        </p:txBody>
+      </p:sp>
+      <p:sp>
+        <p:nvSpPr>
+          <p:cNvPr id="4" name="Footer Placeholder 3"/>
+          <p:cNvSpPr>
+            <a:spLocks noGrp="1"/>
+          </p:cNvSpPr>
+          <p:nvPr>
+            <p:ph type="ftr" sz="quarter" idx="10"/>
+          </p:nvPr>
+        </p:nvSpPr>
+        <p:spPr/>
+        <p:txBody>
+          <a:bodyPr/>
+          <a:lstStyle/>
+          <a:p>
+            <a:pPr>
+              <a:defRPr/>
+            </a:pPr>
+            <a:r>
+              <a:rPr lang="en-US" dirty="0" smtClean="0"/>
+              <a:t>Enterprise Architecture @ Waterloo</a:t>
+            </a:r>
+            <a:endParaRPr lang="en-US" dirty="0"/>
+          </a:p>
+        </p:txBody>
+      </p:sp>
+      <p:pic>
+        <p:nvPicPr>
+          <p:cNvPr id="5" name="Picture 4"/>
+          <p:cNvPicPr>
+            <a:picLocks noChangeAspect="1"/>
+          </p:cNvPicPr>
+          <p:nvPr/>
+        </p:nvPicPr>
+        <p:blipFill rotWithShape="1">
+          <a:blip r:embed="rId2">
+            <a:extLst>
+              <a:ext uri="{28A0092B-C50C-407E-A947-70E740481C1C}">
+                <a14:useLocalDpi xmlns:a14="http://schemas.microsoft.com/office/drawing/2010/main" val="0"/>
+              </a:ext>
+            </a:extLst>
+          </a:blip>
+          <a:srcRect l="6500" t="50190" r="9664" b="6135"/>
+          <a:stretch/>
+        </p:blipFill>
+        <p:spPr>
+          <a:xfrm>
+            <a:off x="1676400" y="1286933"/>
+            <a:ext cx="5757333" cy="4480944"/>
+          </a:xfrm>
+          <a:prstGeom prst="rect">
+            <a:avLst/>
+          </a:prstGeom>
+        </p:spPr>
+      </p:pic>
+    </p:spTree>
+    <p:extLst>
+      <p:ext uri="{BB962C8B-B14F-4D97-AF65-F5344CB8AC3E}">
+        <p14:creationId xmlns:p14="http://schemas.microsoft.com/office/powerpoint/2010/main" val="1028249745"/>
+      </p:ext>
+    </p:extLst>
+  </p:cSld>
+  <p:clrMapOvr>
+    <a:masterClrMapping/>
+  </p:clrMapOvr>
+  <p:timing>
+    <p:tnLst>
+      <p:par>
+        <p:cTn id="1" dur="indefinite" restart="never" nodeType="tmRoot"/>
+      </p:par>
+    </p:tnLst>
+  </p:timing>
+</p:sld>
+</file>
+
+<file path=ppt/slides/slide39.xml><?xml version="1.0" encoding="utf-8"?>
+<p:sld xmlns:a="http://schemas.openxmlformats.org/drawingml/2006/main" xmlns:r="http://schemas.openxmlformats.org/officeDocument/2006/relationships" xmlns:p="http://schemas.openxmlformats.org/presentationml/2006/main">
+  <p:cSld>
+    <p:spTree>
+      <p:nvGrpSpPr>
+        <p:cNvPr id="1" name=""/>
+        <p:cNvGrpSpPr/>
+        <p:nvPr/>
+      </p:nvGrpSpPr>
+      <p:grpSpPr>
+        <a:xfrm>
+          <a:off x="0" y="0"/>
+          <a:ext cx="0" cy="0"/>
+          <a:chOff x="0" y="0"/>
+          <a:chExt cx="0" cy="0"/>
+        </a:xfrm>
+      </p:grpSpPr>
+      <p:sp>
+        <p:nvSpPr>
+          <p:cNvPr id="2" name="Title 1"/>
+          <p:cNvSpPr>
+            <a:spLocks noGrp="1"/>
+          </p:cNvSpPr>
+          <p:nvPr>
+            <p:ph type="title"/>
+          </p:nvPr>
+        </p:nvSpPr>
+        <p:spPr/>
+        <p:txBody>
+          <a:bodyPr/>
+          <a:lstStyle/>
+          <a:p>
+            <a:r>
               <a:rPr lang="en-US" dirty="0" smtClean="0"/>
               <a:t>Enterprise Architecture Process</a:t>
             </a:r>
@@ -23675,7 +24557,138 @@
 </p:sld>
 </file>
 
-<file path=ppt/slides/slide36.xml><?xml version="1.0" encoding="utf-8"?>
+<file path=ppt/slides/slide4.xml><?xml version="1.0" encoding="utf-8"?>
+<p:sld xmlns:a="http://schemas.openxmlformats.org/drawingml/2006/main" xmlns:r="http://schemas.openxmlformats.org/officeDocument/2006/relationships" xmlns:p="http://schemas.openxmlformats.org/presentationml/2006/main">
+  <p:cSld>
+    <p:spTree>
+      <p:nvGrpSpPr>
+        <p:cNvPr id="1" name=""/>
+        <p:cNvGrpSpPr/>
+        <p:nvPr/>
+      </p:nvGrpSpPr>
+      <p:grpSpPr>
+        <a:xfrm>
+          <a:off x="0" y="0"/>
+          <a:ext cx="0" cy="0"/>
+          <a:chOff x="0" y="0"/>
+          <a:chExt cx="0" cy="0"/>
+        </a:xfrm>
+      </p:grpSpPr>
+      <p:sp>
+        <p:nvSpPr>
+          <p:cNvPr id="2" name="Title 1"/>
+          <p:cNvSpPr>
+            <a:spLocks noGrp="1"/>
+          </p:cNvSpPr>
+          <p:nvPr>
+            <p:ph type="title"/>
+          </p:nvPr>
+        </p:nvSpPr>
+        <p:spPr/>
+        <p:txBody>
+          <a:bodyPr/>
+          <a:lstStyle/>
+          <a:p>
+            <a:r>
+              <a:rPr lang="en-US" dirty="0" smtClean="0"/>
+              <a:t>Who – The enterprise architecture group</a:t>
+            </a:r>
+            <a:endParaRPr lang="en-US" dirty="0"/>
+          </a:p>
+        </p:txBody>
+      </p:sp>
+      <p:sp>
+        <p:nvSpPr>
+          <p:cNvPr id="3" name="Content Placeholder 2"/>
+          <p:cNvSpPr>
+            <a:spLocks noGrp="1"/>
+          </p:cNvSpPr>
+          <p:nvPr>
+            <p:ph idx="1"/>
+          </p:nvPr>
+        </p:nvSpPr>
+        <p:spPr/>
+        <p:txBody>
+          <a:bodyPr/>
+          <a:lstStyle/>
+          <a:p>
+            <a:r>
+              <a:rPr lang="en-US" dirty="0" smtClean="0"/>
+              <a:t>Mandate</a:t>
+            </a:r>
+          </a:p>
+          <a:p>
+            <a:pPr lvl="1"/>
+            <a:r>
+              <a:rPr lang="en-US" dirty="0" smtClean="0"/>
+              <a:t>The </a:t>
+            </a:r>
+            <a:r>
+              <a:rPr lang="en-US" dirty="0"/>
+              <a:t>mandate of this group is to </a:t>
+            </a:r>
+            <a:r>
+              <a:rPr lang="en-US" dirty="0">
+                <a:solidFill>
+                  <a:schemeClr val="tx1"/>
+                </a:solidFill>
+              </a:rPr>
+              <a:t>develop</a:t>
+            </a:r>
+            <a:r>
+              <a:rPr lang="en-US" dirty="0"/>
+              <a:t> the enterprise architecture strategy, framework and program for the university that addresses both current and future information management and information technology needs.</a:t>
+            </a:r>
+          </a:p>
+        </p:txBody>
+      </p:sp>
+      <p:sp>
+        <p:nvSpPr>
+          <p:cNvPr id="4" name="Footer Placeholder 3"/>
+          <p:cNvSpPr>
+            <a:spLocks noGrp="1"/>
+          </p:cNvSpPr>
+          <p:nvPr>
+            <p:ph type="ftr" sz="quarter" idx="10"/>
+          </p:nvPr>
+        </p:nvSpPr>
+        <p:spPr/>
+        <p:txBody>
+          <a:bodyPr/>
+          <a:lstStyle/>
+          <a:p>
+            <a:pPr>
+              <a:defRPr/>
+            </a:pPr>
+            <a:r>
+              <a:rPr lang="en-US" dirty="0" smtClean="0"/>
+              <a:t>Enterprise Architecture @ Waterloo</a:t>
+            </a:r>
+            <a:endParaRPr lang="en-US" dirty="0"/>
+          </a:p>
+        </p:txBody>
+      </p:sp>
+    </p:spTree>
+    <p:extLst>
+      <p:ext uri="{BB962C8B-B14F-4D97-AF65-F5344CB8AC3E}">
+        <p14:creationId xmlns:p14="http://schemas.microsoft.com/office/powerpoint/2010/main" val="1173392265"/>
+      </p:ext>
+    </p:extLst>
+  </p:cSld>
+  <p:clrMapOvr>
+    <a:masterClrMapping/>
+  </p:clrMapOvr>
+  <p:timing>
+    <p:tnLst>
+      <p:par>
+        <p:cTn id="1" dur="indefinite" restart="never" nodeType="tmRoot"/>
+      </p:par>
+    </p:tnLst>
+  </p:timing>
+</p:sld>
+</file>
+
+<file path=ppt/slides/slide40.xml><?xml version="1.0" encoding="utf-8"?>
 <p:sld xmlns:a="http://schemas.openxmlformats.org/drawingml/2006/main" xmlns:r="http://schemas.openxmlformats.org/officeDocument/2006/relationships" xmlns:p="http://schemas.openxmlformats.org/presentationml/2006/main">
   <p:cSld>
     <p:spTree>
@@ -23862,7 +24875,7 @@
 </p:sld>
 </file>
 
-<file path=ppt/slides/slide37.xml><?xml version="1.0" encoding="utf-8"?>
+<file path=ppt/slides/slide41.xml><?xml version="1.0" encoding="utf-8"?>
 <p:sld xmlns:a="http://schemas.openxmlformats.org/drawingml/2006/main" xmlns:r="http://schemas.openxmlformats.org/officeDocument/2006/relationships" xmlns:p="http://schemas.openxmlformats.org/presentationml/2006/main">
   <p:cSld>
     <p:spTree>
@@ -23896,13 +24909,33 @@
           </a:xfrm>
         </p:spPr>
         <p:txBody>
-          <a:bodyPr/>
+          <a:bodyPr>
+            <a:normAutofit fontScale="90000"/>
+          </a:bodyPr>
           <a:lstStyle/>
           <a:p>
             <a:pPr algn="ctr"/>
             <a:r>
               <a:rPr lang="en-US" dirty="0" smtClean="0"/>
-              <a:t>WHERE?</a:t>
+              <a:t>WHERE</a:t>
+            </a:r>
+            <a:r>
+              <a:rPr lang="en-US" dirty="0" smtClean="0"/>
+              <a:t>?</a:t>
+            </a:r>
+            <a:br>
+              <a:rPr lang="en-US" dirty="0" smtClean="0"/>
+            </a:br>
+            <a:r>
+              <a:rPr lang="en-US" dirty="0"/>
+              <a:t/>
+            </a:r>
+            <a:br>
+              <a:rPr lang="en-US" dirty="0"/>
+            </a:br>
+            <a:r>
+              <a:rPr lang="en-US" dirty="0" smtClean="0"/>
+              <a:t>Are we today</a:t>
             </a:r>
             <a:endParaRPr lang="en-US" dirty="0"/>
           </a:p>
@@ -23954,7 +24987,7 @@
 </p:sld>
 </file>
 
-<file path=ppt/slides/slide38.xml><?xml version="1.0" encoding="utf-8"?>
+<file path=ppt/slides/slide42.xml><?xml version="1.0" encoding="utf-8"?>
 <p:sld xmlns:a="http://schemas.openxmlformats.org/drawingml/2006/main" xmlns:r="http://schemas.openxmlformats.org/officeDocument/2006/relationships" xmlns:p="http://schemas.openxmlformats.org/presentationml/2006/main">
   <p:cSld>
     <p:spTree>
@@ -23986,7 +25019,18 @@
           <a:bodyPr/>
           <a:lstStyle/>
           <a:p>
-            <a:endParaRPr lang="en-US"/>
+            <a:r>
+              <a:rPr lang="en-US" dirty="0" smtClean="0"/>
+              <a:t>Along Maturity Model-</a:t>
+            </a:r>
+            <a:br>
+              <a:rPr lang="en-US" dirty="0" smtClean="0"/>
+            </a:br>
+            <a:r>
+              <a:rPr lang="en-US" dirty="0" smtClean="0"/>
+              <a:t>Just starting.</a:t>
+            </a:r>
+            <a:endParaRPr lang="en-US" dirty="0"/>
           </a:p>
         </p:txBody>
       </p:sp>
@@ -24005,7 +25049,389 @@
           <a:bodyPr/>
           <a:lstStyle/>
           <a:p>
+            <a:r>
+              <a:rPr lang="en-US" dirty="0" smtClean="0"/>
+              <a:t>Less than 1 year with full architecture team.</a:t>
+            </a:r>
+          </a:p>
+          <a:p>
+            <a:pPr lvl="1"/>
+            <a:r>
+              <a:rPr lang="en-US" dirty="0" smtClean="0"/>
+              <a:t>Foundational research amassed.</a:t>
+            </a:r>
+          </a:p>
+          <a:p>
+            <a:pPr lvl="1"/>
+            <a:r>
+              <a:rPr lang="en-US" dirty="0" smtClean="0"/>
+              <a:t>Preparing release of </a:t>
+            </a:r>
+            <a:r>
+              <a:rPr lang="en-US" i="1" dirty="0" smtClean="0"/>
+              <a:t>University of Waterloo Enterprise Architecture Framework</a:t>
+            </a:r>
+            <a:r>
+              <a:rPr lang="en-US" dirty="0" smtClean="0"/>
+              <a:t>.</a:t>
+            </a:r>
+          </a:p>
+          <a:p>
+            <a:pPr lvl="2"/>
+            <a:r>
+              <a:rPr lang="en-US" b="1" dirty="0" smtClean="0"/>
+              <a:t>Guide</a:t>
+            </a:r>
+            <a:r>
+              <a:rPr lang="en-US" dirty="0" smtClean="0"/>
+              <a:t> will provide the body of the University of Waterloo Enterprise Architecture Framework. Roles and responsibilities, definitions, etc.</a:t>
+            </a:r>
+          </a:p>
+          <a:p>
+            <a:pPr lvl="2"/>
+            <a:r>
+              <a:rPr lang="en-US" b="1" dirty="0" smtClean="0"/>
+              <a:t>Manual</a:t>
+            </a:r>
+            <a:r>
+              <a:rPr lang="en-US" dirty="0" smtClean="0"/>
+              <a:t> will provide easy-to-follow guidance for EA users and contributors.</a:t>
+            </a:r>
+          </a:p>
+          <a:p>
+            <a:pPr lvl="2"/>
+            <a:r>
+              <a:rPr lang="en-US" b="1" dirty="0" smtClean="0"/>
+              <a:t>Book</a:t>
+            </a:r>
+            <a:r>
+              <a:rPr lang="en-US" dirty="0" smtClean="0"/>
+              <a:t> will provide background research and lessons learned guidance to others attempting to develop a hybrid Enterprise Architecture Framework in their own enterprises.</a:t>
+            </a:r>
+          </a:p>
+          <a:p>
+            <a:pPr lvl="2"/>
             <a:endParaRPr lang="en-US" dirty="0"/>
+          </a:p>
+        </p:txBody>
+      </p:sp>
+      <p:sp>
+        <p:nvSpPr>
+          <p:cNvPr id="4" name="Footer Placeholder 3"/>
+          <p:cNvSpPr>
+            <a:spLocks noGrp="1"/>
+          </p:cNvSpPr>
+          <p:nvPr>
+            <p:ph type="ftr" sz="quarter" idx="10"/>
+          </p:nvPr>
+        </p:nvSpPr>
+        <p:spPr/>
+        <p:txBody>
+          <a:bodyPr/>
+          <a:lstStyle/>
+          <a:p>
+            <a:pPr>
+              <a:defRPr/>
+            </a:pPr>
+            <a:r>
+              <a:rPr lang="en-US" dirty="0" smtClean="0"/>
+              <a:t>Enterprise Architecture @ Waterloo</a:t>
+            </a:r>
+            <a:endParaRPr lang="en-US" dirty="0"/>
+          </a:p>
+        </p:txBody>
+      </p:sp>
+    </p:spTree>
+    <p:extLst>
+      <p:ext uri="{BB962C8B-B14F-4D97-AF65-F5344CB8AC3E}">
+        <p14:creationId xmlns:p14="http://schemas.microsoft.com/office/powerpoint/2010/main" val="990515279"/>
+      </p:ext>
+    </p:extLst>
+  </p:cSld>
+  <p:clrMapOvr>
+    <a:masterClrMapping/>
+  </p:clrMapOvr>
+  <p:timing>
+    <p:tnLst>
+      <p:par>
+        <p:cTn id="1" dur="indefinite" restart="never" nodeType="tmRoot"/>
+      </p:par>
+    </p:tnLst>
+  </p:timing>
+</p:sld>
+</file>
+
+<file path=ppt/slides/slide43.xml><?xml version="1.0" encoding="utf-8"?>
+<p:sld xmlns:a="http://schemas.openxmlformats.org/drawingml/2006/main" xmlns:r="http://schemas.openxmlformats.org/officeDocument/2006/relationships" xmlns:p="http://schemas.openxmlformats.org/presentationml/2006/main">
+  <p:cSld>
+    <p:spTree>
+      <p:nvGrpSpPr>
+        <p:cNvPr id="1" name=""/>
+        <p:cNvGrpSpPr/>
+        <p:nvPr/>
+      </p:nvGrpSpPr>
+      <p:grpSpPr>
+        <a:xfrm>
+          <a:off x="0" y="0"/>
+          <a:ext cx="0" cy="0"/>
+          <a:chOff x="0" y="0"/>
+          <a:chExt cx="0" cy="0"/>
+        </a:xfrm>
+      </p:grpSpPr>
+      <p:sp>
+        <p:nvSpPr>
+          <p:cNvPr id="2" name="Title 1"/>
+          <p:cNvSpPr>
+            <a:spLocks noGrp="1"/>
+          </p:cNvSpPr>
+          <p:nvPr>
+            <p:ph type="title"/>
+          </p:nvPr>
+        </p:nvSpPr>
+        <p:spPr/>
+        <p:txBody>
+          <a:bodyPr/>
+          <a:lstStyle/>
+          <a:p>
+            <a:r>
+              <a:rPr lang="en-US" dirty="0" smtClean="0"/>
+              <a:t>Along Maturity Model-</a:t>
+            </a:r>
+            <a:br>
+              <a:rPr lang="en-US" dirty="0" smtClean="0"/>
+            </a:br>
+            <a:r>
+              <a:rPr lang="en-US" dirty="0" smtClean="0"/>
+              <a:t>Building required skills.</a:t>
+            </a:r>
+            <a:endParaRPr lang="en-US" dirty="0"/>
+          </a:p>
+        </p:txBody>
+      </p:sp>
+      <p:sp>
+        <p:nvSpPr>
+          <p:cNvPr id="3" name="Content Placeholder 2"/>
+          <p:cNvSpPr>
+            <a:spLocks noGrp="1"/>
+          </p:cNvSpPr>
+          <p:nvPr>
+            <p:ph idx="1"/>
+          </p:nvPr>
+        </p:nvSpPr>
+        <p:spPr/>
+        <p:txBody>
+          <a:bodyPr/>
+          <a:lstStyle/>
+          <a:p>
+            <a:r>
+              <a:rPr lang="en-US" dirty="0" smtClean="0"/>
+              <a:t>Developing Enterprise Information Management (EIM) capability to augment EA.</a:t>
+            </a:r>
+          </a:p>
+          <a:p>
+            <a:pPr lvl="1"/>
+            <a:r>
+              <a:rPr lang="en-US" dirty="0" smtClean="0"/>
+              <a:t>Enterprise Data Management (EDM)</a:t>
+            </a:r>
+          </a:p>
+          <a:p>
+            <a:pPr lvl="2"/>
+            <a:r>
+              <a:rPr lang="en-US" dirty="0" smtClean="0"/>
+              <a:t>Business Intelligence</a:t>
+            </a:r>
+          </a:p>
+          <a:p>
+            <a:pPr lvl="2"/>
+            <a:r>
+              <a:rPr lang="en-US" dirty="0" smtClean="0"/>
+              <a:t>Data Warehousing</a:t>
+            </a:r>
+          </a:p>
+          <a:p>
+            <a:pPr lvl="2"/>
+            <a:r>
+              <a:rPr lang="en-US" dirty="0" smtClean="0"/>
+              <a:t>Data Definitions</a:t>
+            </a:r>
+          </a:p>
+          <a:p>
+            <a:pPr lvl="2"/>
+            <a:r>
+              <a:rPr lang="en-US" dirty="0" smtClean="0"/>
+              <a:t>Data Access</a:t>
+            </a:r>
+          </a:p>
+          <a:p>
+            <a:pPr lvl="1"/>
+            <a:r>
+              <a:rPr lang="en-US" dirty="0" smtClean="0"/>
+              <a:t>Enterprise Content Management (ECM)</a:t>
+            </a:r>
+          </a:p>
+          <a:p>
+            <a:pPr lvl="2"/>
+            <a:r>
+              <a:rPr lang="en-US" dirty="0" smtClean="0"/>
+              <a:t>Document and Records Management</a:t>
+            </a:r>
+          </a:p>
+          <a:p>
+            <a:pPr lvl="2"/>
+            <a:r>
+              <a:rPr lang="en-US" dirty="0" smtClean="0"/>
+              <a:t>Standards and Procedures</a:t>
+            </a:r>
+          </a:p>
+          <a:p>
+            <a:pPr lvl="1"/>
+            <a:endParaRPr lang="en-US" dirty="0"/>
+          </a:p>
+        </p:txBody>
+      </p:sp>
+      <p:sp>
+        <p:nvSpPr>
+          <p:cNvPr id="4" name="Footer Placeholder 3"/>
+          <p:cNvSpPr>
+            <a:spLocks noGrp="1"/>
+          </p:cNvSpPr>
+          <p:nvPr>
+            <p:ph type="ftr" sz="quarter" idx="10"/>
+          </p:nvPr>
+        </p:nvSpPr>
+        <p:spPr/>
+        <p:txBody>
+          <a:bodyPr/>
+          <a:lstStyle/>
+          <a:p>
+            <a:pPr>
+              <a:defRPr/>
+            </a:pPr>
+            <a:r>
+              <a:rPr lang="en-US" dirty="0" smtClean="0"/>
+              <a:t>Enterprise Architecture @ Waterloo</a:t>
+            </a:r>
+            <a:endParaRPr lang="en-US" dirty="0"/>
+          </a:p>
+        </p:txBody>
+      </p:sp>
+    </p:spTree>
+    <p:extLst>
+      <p:ext uri="{BB962C8B-B14F-4D97-AF65-F5344CB8AC3E}">
+        <p14:creationId xmlns:p14="http://schemas.microsoft.com/office/powerpoint/2010/main" val="2064625545"/>
+      </p:ext>
+    </p:extLst>
+  </p:cSld>
+  <p:clrMapOvr>
+    <a:masterClrMapping/>
+  </p:clrMapOvr>
+  <p:timing>
+    <p:tnLst>
+      <p:par>
+        <p:cTn id="1" dur="indefinite" restart="never" nodeType="tmRoot"/>
+      </p:par>
+    </p:tnLst>
+  </p:timing>
+</p:sld>
+</file>
+
+<file path=ppt/slides/slide44.xml><?xml version="1.0" encoding="utf-8"?>
+<p:sld xmlns:a="http://schemas.openxmlformats.org/drawingml/2006/main" xmlns:r="http://schemas.openxmlformats.org/officeDocument/2006/relationships" xmlns:p="http://schemas.openxmlformats.org/presentationml/2006/main">
+  <p:cSld>
+    <p:spTree>
+      <p:nvGrpSpPr>
+        <p:cNvPr id="1" name=""/>
+        <p:cNvGrpSpPr/>
+        <p:nvPr/>
+      </p:nvGrpSpPr>
+      <p:grpSpPr>
+        <a:xfrm>
+          <a:off x="0" y="0"/>
+          <a:ext cx="0" cy="0"/>
+          <a:chOff x="0" y="0"/>
+          <a:chExt cx="0" cy="0"/>
+        </a:xfrm>
+      </p:grpSpPr>
+      <p:sp>
+        <p:nvSpPr>
+          <p:cNvPr id="2" name="Title 1"/>
+          <p:cNvSpPr>
+            <a:spLocks noGrp="1"/>
+          </p:cNvSpPr>
+          <p:nvPr>
+            <p:ph type="title"/>
+          </p:nvPr>
+        </p:nvSpPr>
+        <p:spPr/>
+        <p:txBody>
+          <a:bodyPr/>
+          <a:lstStyle/>
+          <a:p>
+            <a:r>
+              <a:rPr lang="en-US" dirty="0" smtClean="0"/>
+              <a:t>Project Involvement –</a:t>
+            </a:r>
+            <a:br>
+              <a:rPr lang="en-US" dirty="0" smtClean="0"/>
+            </a:br>
+            <a:r>
+              <a:rPr lang="en-US" dirty="0" smtClean="0"/>
+              <a:t>Architecture</a:t>
+            </a:r>
+            <a:endParaRPr lang="en-US" dirty="0"/>
+          </a:p>
+        </p:txBody>
+      </p:sp>
+      <p:sp>
+        <p:nvSpPr>
+          <p:cNvPr id="3" name="Content Placeholder 2"/>
+          <p:cNvSpPr>
+            <a:spLocks noGrp="1"/>
+          </p:cNvSpPr>
+          <p:nvPr>
+            <p:ph idx="1"/>
+          </p:nvPr>
+        </p:nvSpPr>
+        <p:spPr/>
+        <p:txBody>
+          <a:bodyPr anchor="ctr"/>
+          <a:lstStyle/>
+          <a:p>
+            <a:r>
+              <a:rPr lang="en-US" dirty="0" smtClean="0"/>
+              <a:t>Finance Implementation</a:t>
+            </a:r>
+          </a:p>
+          <a:p>
+            <a:pPr marL="457200" lvl="1" indent="0">
+              <a:buNone/>
+            </a:pPr>
+            <a:endParaRPr lang="en-US" dirty="0" smtClean="0"/>
+          </a:p>
+          <a:p>
+            <a:r>
+              <a:rPr lang="en-US" dirty="0" smtClean="0"/>
+              <a:t>HR Re-Implementation</a:t>
+            </a:r>
+          </a:p>
+          <a:p>
+            <a:endParaRPr lang="en-US" dirty="0"/>
+          </a:p>
+          <a:p>
+            <a:r>
+              <a:rPr lang="en-US" dirty="0" smtClean="0"/>
+              <a:t>WCMS ‘full-stack’ review</a:t>
+            </a:r>
+          </a:p>
+          <a:p>
+            <a:endParaRPr lang="en-US" dirty="0"/>
+          </a:p>
+          <a:p>
+            <a:r>
+              <a:rPr lang="en-US" dirty="0" smtClean="0"/>
+              <a:t>Business Architecture Pilot</a:t>
+            </a:r>
           </a:p>
         </p:txBody>
       </p:sp>
@@ -24055,7 +25481,946 @@
 </p:sld>
 </file>
 
-<file path=ppt/slides/slide39.xml><?xml version="1.0" encoding="utf-8"?>
+<file path=ppt/slides/slide45.xml><?xml version="1.0" encoding="utf-8"?>
+<p:sld xmlns:a="http://schemas.openxmlformats.org/drawingml/2006/main" xmlns:r="http://schemas.openxmlformats.org/officeDocument/2006/relationships" xmlns:p="http://schemas.openxmlformats.org/presentationml/2006/main">
+  <p:cSld>
+    <p:spTree>
+      <p:nvGrpSpPr>
+        <p:cNvPr id="1" name=""/>
+        <p:cNvGrpSpPr/>
+        <p:nvPr/>
+      </p:nvGrpSpPr>
+      <p:grpSpPr>
+        <a:xfrm>
+          <a:off x="0" y="0"/>
+          <a:ext cx="0" cy="0"/>
+          <a:chOff x="0" y="0"/>
+          <a:chExt cx="0" cy="0"/>
+        </a:xfrm>
+      </p:grpSpPr>
+      <p:sp>
+        <p:nvSpPr>
+          <p:cNvPr id="2" name="Title 1"/>
+          <p:cNvSpPr>
+            <a:spLocks noGrp="1"/>
+          </p:cNvSpPr>
+          <p:nvPr>
+            <p:ph type="title"/>
+          </p:nvPr>
+        </p:nvSpPr>
+        <p:spPr/>
+        <p:txBody>
+          <a:bodyPr/>
+          <a:lstStyle/>
+          <a:p>
+            <a:r>
+              <a:rPr lang="en-US" dirty="0" smtClean="0"/>
+              <a:t>Project Involvement –</a:t>
+            </a:r>
+            <a:br>
+              <a:rPr lang="en-US" dirty="0" smtClean="0"/>
+            </a:br>
+            <a:r>
+              <a:rPr lang="en-US" dirty="0" smtClean="0"/>
+              <a:t>Strategic Innovations</a:t>
+            </a:r>
+            <a:endParaRPr lang="en-US" dirty="0"/>
+          </a:p>
+        </p:txBody>
+      </p:sp>
+      <p:sp>
+        <p:nvSpPr>
+          <p:cNvPr id="3" name="Content Placeholder 2"/>
+          <p:cNvSpPr>
+            <a:spLocks noGrp="1"/>
+          </p:cNvSpPr>
+          <p:nvPr>
+            <p:ph idx="1"/>
+          </p:nvPr>
+        </p:nvSpPr>
+        <p:spPr/>
+        <p:txBody>
+          <a:bodyPr anchor="ctr"/>
+          <a:lstStyle/>
+          <a:p>
+            <a:r>
+              <a:rPr lang="en-US" dirty="0" err="1" smtClean="0"/>
+              <a:t>WatCACE</a:t>
+            </a:r>
+            <a:r>
+              <a:rPr lang="en-US" dirty="0" smtClean="0"/>
+              <a:t> Research Portal</a:t>
+            </a:r>
+          </a:p>
+          <a:p>
+            <a:endParaRPr lang="en-US" dirty="0"/>
+          </a:p>
+          <a:p>
+            <a:r>
+              <a:rPr lang="en-US" dirty="0" smtClean="0"/>
+              <a:t>Policy 73 IP Metrics</a:t>
+            </a:r>
+          </a:p>
+          <a:p>
+            <a:endParaRPr lang="en-US" dirty="0"/>
+          </a:p>
+          <a:p>
+            <a:r>
+              <a:rPr lang="en-US" dirty="0" smtClean="0"/>
+              <a:t>JIRA / Confluence Experimentation</a:t>
+            </a:r>
+          </a:p>
+        </p:txBody>
+      </p:sp>
+      <p:sp>
+        <p:nvSpPr>
+          <p:cNvPr id="4" name="Footer Placeholder 3"/>
+          <p:cNvSpPr>
+            <a:spLocks noGrp="1"/>
+          </p:cNvSpPr>
+          <p:nvPr>
+            <p:ph type="ftr" sz="quarter" idx="10"/>
+          </p:nvPr>
+        </p:nvSpPr>
+        <p:spPr/>
+        <p:txBody>
+          <a:bodyPr/>
+          <a:lstStyle/>
+          <a:p>
+            <a:pPr>
+              <a:defRPr/>
+            </a:pPr>
+            <a:r>
+              <a:rPr lang="en-US" dirty="0" smtClean="0"/>
+              <a:t>Enterprise Architecture @ Waterloo</a:t>
+            </a:r>
+            <a:endParaRPr lang="en-US" dirty="0"/>
+          </a:p>
+        </p:txBody>
+      </p:sp>
+    </p:spTree>
+    <p:extLst>
+      <p:ext uri="{BB962C8B-B14F-4D97-AF65-F5344CB8AC3E}">
+        <p14:creationId xmlns:p14="http://schemas.microsoft.com/office/powerpoint/2010/main" val="702435405"/>
+      </p:ext>
+    </p:extLst>
+  </p:cSld>
+  <p:clrMapOvr>
+    <a:masterClrMapping/>
+  </p:clrMapOvr>
+  <p:timing>
+    <p:tnLst>
+      <p:par>
+        <p:cTn id="1" dur="indefinite" restart="never" nodeType="tmRoot"/>
+      </p:par>
+    </p:tnLst>
+  </p:timing>
+</p:sld>
+</file>
+
+<file path=ppt/slides/slide46.xml><?xml version="1.0" encoding="utf-8"?>
+<p:sld xmlns:a="http://schemas.openxmlformats.org/drawingml/2006/main" xmlns:r="http://schemas.openxmlformats.org/officeDocument/2006/relationships" xmlns:p="http://schemas.openxmlformats.org/presentationml/2006/main">
+  <p:cSld>
+    <p:spTree>
+      <p:nvGrpSpPr>
+        <p:cNvPr id="1" name=""/>
+        <p:cNvGrpSpPr/>
+        <p:nvPr/>
+      </p:nvGrpSpPr>
+      <p:grpSpPr>
+        <a:xfrm>
+          <a:off x="0" y="0"/>
+          <a:ext cx="0" cy="0"/>
+          <a:chOff x="0" y="0"/>
+          <a:chExt cx="0" cy="0"/>
+        </a:xfrm>
+      </p:grpSpPr>
+      <p:sp>
+        <p:nvSpPr>
+          <p:cNvPr id="2" name="Title 1"/>
+          <p:cNvSpPr>
+            <a:spLocks noGrp="1"/>
+          </p:cNvSpPr>
+          <p:nvPr>
+            <p:ph type="title"/>
+          </p:nvPr>
+        </p:nvSpPr>
+        <p:spPr/>
+        <p:txBody>
+          <a:bodyPr/>
+          <a:lstStyle/>
+          <a:p>
+            <a:r>
+              <a:rPr lang="en-US" dirty="0" smtClean="0"/>
+              <a:t>Project Involvement –</a:t>
+            </a:r>
+            <a:br>
+              <a:rPr lang="en-US" dirty="0" smtClean="0"/>
+            </a:br>
+            <a:r>
+              <a:rPr lang="en-US" dirty="0" smtClean="0"/>
+              <a:t>INTEGRATIONS</a:t>
+            </a:r>
+            <a:endParaRPr lang="en-US" dirty="0"/>
+          </a:p>
+        </p:txBody>
+      </p:sp>
+      <p:sp>
+        <p:nvSpPr>
+          <p:cNvPr id="3" name="Content Placeholder 2"/>
+          <p:cNvSpPr>
+            <a:spLocks noGrp="1"/>
+          </p:cNvSpPr>
+          <p:nvPr>
+            <p:ph idx="1"/>
+          </p:nvPr>
+        </p:nvSpPr>
+        <p:spPr/>
+        <p:txBody>
+          <a:bodyPr anchor="ctr"/>
+          <a:lstStyle/>
+          <a:p>
+            <a:r>
+              <a:rPr lang="en-US" dirty="0" smtClean="0"/>
+              <a:t>HR / Finance Integration Normalization</a:t>
+            </a:r>
+          </a:p>
+          <a:p>
+            <a:endParaRPr lang="en-US" dirty="0"/>
+          </a:p>
+          <a:p>
+            <a:r>
+              <a:rPr lang="en-US" dirty="0" smtClean="0"/>
+              <a:t>Developing API Capabilities</a:t>
+            </a:r>
+            <a:endParaRPr lang="en-US" dirty="0"/>
+          </a:p>
+          <a:p>
+            <a:endParaRPr lang="en-US" dirty="0" smtClean="0"/>
+          </a:p>
+          <a:p>
+            <a:r>
+              <a:rPr lang="en-US" dirty="0" smtClean="0"/>
+              <a:t>Warehousing Student Data (QUEST)</a:t>
+            </a:r>
+          </a:p>
+        </p:txBody>
+      </p:sp>
+      <p:sp>
+        <p:nvSpPr>
+          <p:cNvPr id="4" name="Footer Placeholder 3"/>
+          <p:cNvSpPr>
+            <a:spLocks noGrp="1"/>
+          </p:cNvSpPr>
+          <p:nvPr>
+            <p:ph type="ftr" sz="quarter" idx="10"/>
+          </p:nvPr>
+        </p:nvSpPr>
+        <p:spPr/>
+        <p:txBody>
+          <a:bodyPr/>
+          <a:lstStyle/>
+          <a:p>
+            <a:pPr>
+              <a:defRPr/>
+            </a:pPr>
+            <a:r>
+              <a:rPr lang="en-US" dirty="0" smtClean="0"/>
+              <a:t>Enterprise Architecture @ Waterloo</a:t>
+            </a:r>
+            <a:endParaRPr lang="en-US" dirty="0"/>
+          </a:p>
+        </p:txBody>
+      </p:sp>
+    </p:spTree>
+    <p:extLst>
+      <p:ext uri="{BB962C8B-B14F-4D97-AF65-F5344CB8AC3E}">
+        <p14:creationId xmlns:p14="http://schemas.microsoft.com/office/powerpoint/2010/main" val="772917458"/>
+      </p:ext>
+    </p:extLst>
+  </p:cSld>
+  <p:clrMapOvr>
+    <a:masterClrMapping/>
+  </p:clrMapOvr>
+  <p:timing>
+    <p:tnLst>
+      <p:par>
+        <p:cTn id="1" dur="indefinite" restart="never" nodeType="tmRoot"/>
+      </p:par>
+    </p:tnLst>
+  </p:timing>
+</p:sld>
+</file>
+
+<file path=ppt/slides/slide47.xml><?xml version="1.0" encoding="utf-8"?>
+<p:sld xmlns:a="http://schemas.openxmlformats.org/drawingml/2006/main" xmlns:r="http://schemas.openxmlformats.org/officeDocument/2006/relationships" xmlns:p="http://schemas.openxmlformats.org/presentationml/2006/main">
+  <p:cSld>
+    <p:spTree>
+      <p:nvGrpSpPr>
+        <p:cNvPr id="1" name=""/>
+        <p:cNvGrpSpPr/>
+        <p:nvPr/>
+      </p:nvGrpSpPr>
+      <p:grpSpPr>
+        <a:xfrm>
+          <a:off x="0" y="0"/>
+          <a:ext cx="0" cy="0"/>
+          <a:chOff x="0" y="0"/>
+          <a:chExt cx="0" cy="0"/>
+        </a:xfrm>
+      </p:grpSpPr>
+      <p:sp>
+        <p:nvSpPr>
+          <p:cNvPr id="2" name="Title 1"/>
+          <p:cNvSpPr>
+            <a:spLocks noGrp="1"/>
+          </p:cNvSpPr>
+          <p:nvPr>
+            <p:ph type="title"/>
+          </p:nvPr>
+        </p:nvSpPr>
+        <p:spPr>
+          <a:xfrm>
+            <a:off x="457200" y="2492520"/>
+            <a:ext cx="8229600" cy="1143000"/>
+          </a:xfrm>
+        </p:spPr>
+        <p:txBody>
+          <a:bodyPr>
+            <a:normAutofit fontScale="90000"/>
+          </a:bodyPr>
+          <a:lstStyle/>
+          <a:p>
+            <a:pPr algn="ctr"/>
+            <a:r>
+              <a:rPr lang="en-US" dirty="0" smtClean="0"/>
+              <a:t>When?</a:t>
+            </a:r>
+            <a:br>
+              <a:rPr lang="en-US" dirty="0" smtClean="0"/>
+            </a:br>
+            <a:r>
+              <a:rPr lang="en-US" dirty="0"/>
+              <a:t/>
+            </a:r>
+            <a:br>
+              <a:rPr lang="en-US" dirty="0"/>
+            </a:br>
+            <a:r>
+              <a:rPr lang="en-US" dirty="0" smtClean="0"/>
+              <a:t>Can you get involved</a:t>
+            </a:r>
+            <a:endParaRPr lang="en-US" dirty="0"/>
+          </a:p>
+        </p:txBody>
+      </p:sp>
+      <p:sp>
+        <p:nvSpPr>
+          <p:cNvPr id="4" name="Footer Placeholder 3"/>
+          <p:cNvSpPr>
+            <a:spLocks noGrp="1"/>
+          </p:cNvSpPr>
+          <p:nvPr>
+            <p:ph type="ftr" sz="quarter" idx="10"/>
+          </p:nvPr>
+        </p:nvSpPr>
+        <p:spPr/>
+        <p:txBody>
+          <a:bodyPr/>
+          <a:lstStyle/>
+          <a:p>
+            <a:pPr>
+              <a:defRPr/>
+            </a:pPr>
+            <a:r>
+              <a:rPr lang="en-US" dirty="0" smtClean="0"/>
+              <a:t>Enterprise Architecture @ Waterloo</a:t>
+            </a:r>
+            <a:endParaRPr lang="en-US" dirty="0"/>
+          </a:p>
+        </p:txBody>
+      </p:sp>
+    </p:spTree>
+    <p:extLst>
+      <p:ext uri="{BB962C8B-B14F-4D97-AF65-F5344CB8AC3E}">
+        <p14:creationId xmlns:p14="http://schemas.microsoft.com/office/powerpoint/2010/main" val="1296925850"/>
+      </p:ext>
+    </p:extLst>
+  </p:cSld>
+  <p:clrMapOvr>
+    <a:masterClrMapping/>
+  </p:clrMapOvr>
+  <p:timing>
+    <p:tnLst>
+      <p:par>
+        <p:cTn id="1" dur="indefinite" restart="never" nodeType="tmRoot"/>
+      </p:par>
+    </p:tnLst>
+  </p:timing>
+</p:sld>
+</file>
+
+<file path=ppt/slides/slide48.xml><?xml version="1.0" encoding="utf-8"?>
+<p:sld xmlns:a="http://schemas.openxmlformats.org/drawingml/2006/main" xmlns:r="http://schemas.openxmlformats.org/officeDocument/2006/relationships" xmlns:p="http://schemas.openxmlformats.org/presentationml/2006/main">
+  <p:cSld>
+    <p:spTree>
+      <p:nvGrpSpPr>
+        <p:cNvPr id="1" name=""/>
+        <p:cNvGrpSpPr/>
+        <p:nvPr/>
+      </p:nvGrpSpPr>
+      <p:grpSpPr>
+        <a:xfrm>
+          <a:off x="0" y="0"/>
+          <a:ext cx="0" cy="0"/>
+          <a:chOff x="0" y="0"/>
+          <a:chExt cx="0" cy="0"/>
+        </a:xfrm>
+      </p:grpSpPr>
+      <p:sp>
+        <p:nvSpPr>
+          <p:cNvPr id="2" name="Title 1"/>
+          <p:cNvSpPr>
+            <a:spLocks noGrp="1"/>
+          </p:cNvSpPr>
+          <p:nvPr>
+            <p:ph type="title"/>
+          </p:nvPr>
+        </p:nvSpPr>
+        <p:spPr/>
+        <p:txBody>
+          <a:bodyPr/>
+          <a:lstStyle/>
+          <a:p>
+            <a:r>
+              <a:rPr lang="en-US" dirty="0" smtClean="0"/>
+              <a:t>Get involved NOW!</a:t>
+            </a:r>
+            <a:endParaRPr lang="en-US" dirty="0"/>
+          </a:p>
+        </p:txBody>
+      </p:sp>
+      <p:sp>
+        <p:nvSpPr>
+          <p:cNvPr id="3" name="Content Placeholder 2"/>
+          <p:cNvSpPr>
+            <a:spLocks noGrp="1"/>
+          </p:cNvSpPr>
+          <p:nvPr>
+            <p:ph idx="1"/>
+          </p:nvPr>
+        </p:nvSpPr>
+        <p:spPr/>
+        <p:txBody>
+          <a:bodyPr/>
+          <a:lstStyle/>
+          <a:p>
+            <a:r>
+              <a:rPr lang="en-US" dirty="0" smtClean="0"/>
+              <a:t>Many of you are creating architecture artifacts today.</a:t>
+            </a:r>
+          </a:p>
+          <a:p>
+            <a:endParaRPr lang="en-US" dirty="0"/>
+          </a:p>
+          <a:p>
+            <a:r>
+              <a:rPr lang="en-US" dirty="0" smtClean="0"/>
+              <a:t>The EA team needs to know about your work to begin understanding how to leverage it towards a ‘strategic information asset base.’</a:t>
+            </a:r>
+          </a:p>
+          <a:p>
+            <a:endParaRPr lang="en-US" dirty="0"/>
+          </a:p>
+          <a:p>
+            <a:r>
+              <a:rPr lang="en-US" dirty="0" smtClean="0"/>
+              <a:t>We are archeologists, ethnographers, and documenters.  You are the designers!</a:t>
+            </a:r>
+          </a:p>
+          <a:p>
+            <a:endParaRPr lang="en-US" dirty="0"/>
+          </a:p>
+          <a:p>
+            <a:endParaRPr lang="en-US" dirty="0"/>
+          </a:p>
+        </p:txBody>
+      </p:sp>
+      <p:sp>
+        <p:nvSpPr>
+          <p:cNvPr id="4" name="Footer Placeholder 3"/>
+          <p:cNvSpPr>
+            <a:spLocks noGrp="1"/>
+          </p:cNvSpPr>
+          <p:nvPr>
+            <p:ph type="ftr" sz="quarter" idx="10"/>
+          </p:nvPr>
+        </p:nvSpPr>
+        <p:spPr/>
+        <p:txBody>
+          <a:bodyPr/>
+          <a:lstStyle/>
+          <a:p>
+            <a:pPr>
+              <a:defRPr/>
+            </a:pPr>
+            <a:r>
+              <a:rPr lang="en-US" dirty="0" smtClean="0"/>
+              <a:t>Enterprise Architecture @ Waterloo</a:t>
+            </a:r>
+            <a:endParaRPr lang="en-US" dirty="0"/>
+          </a:p>
+        </p:txBody>
+      </p:sp>
+    </p:spTree>
+    <p:extLst>
+      <p:ext uri="{BB962C8B-B14F-4D97-AF65-F5344CB8AC3E}">
+        <p14:creationId xmlns:p14="http://schemas.microsoft.com/office/powerpoint/2010/main" val="1127070848"/>
+      </p:ext>
+    </p:extLst>
+  </p:cSld>
+  <p:clrMapOvr>
+    <a:masterClrMapping/>
+  </p:clrMapOvr>
+  <p:timing>
+    <p:tnLst>
+      <p:par>
+        <p:cTn id="1" dur="indefinite" restart="never" nodeType="tmRoot"/>
+      </p:par>
+    </p:tnLst>
+  </p:timing>
+</p:sld>
+</file>
+
+<file path=ppt/slides/slide49.xml><?xml version="1.0" encoding="utf-8"?>
+<p:sld xmlns:a="http://schemas.openxmlformats.org/drawingml/2006/main" xmlns:r="http://schemas.openxmlformats.org/officeDocument/2006/relationships" xmlns:p="http://schemas.openxmlformats.org/presentationml/2006/main">
+  <p:cSld>
+    <p:spTree>
+      <p:nvGrpSpPr>
+        <p:cNvPr id="1" name=""/>
+        <p:cNvGrpSpPr/>
+        <p:nvPr/>
+      </p:nvGrpSpPr>
+      <p:grpSpPr>
+        <a:xfrm>
+          <a:off x="0" y="0"/>
+          <a:ext cx="0" cy="0"/>
+          <a:chOff x="0" y="0"/>
+          <a:chExt cx="0" cy="0"/>
+        </a:xfrm>
+      </p:grpSpPr>
+      <p:sp>
+        <p:nvSpPr>
+          <p:cNvPr id="2" name="Title 1"/>
+          <p:cNvSpPr>
+            <a:spLocks noGrp="1"/>
+          </p:cNvSpPr>
+          <p:nvPr>
+            <p:ph type="title"/>
+          </p:nvPr>
+        </p:nvSpPr>
+        <p:spPr/>
+        <p:txBody>
+          <a:bodyPr>
+            <a:normAutofit fontScale="90000"/>
+          </a:bodyPr>
+          <a:lstStyle/>
+          <a:p>
+            <a:r>
+              <a:rPr lang="en-US" dirty="0" smtClean="0"/>
+              <a:t>Where do you have expertise?</a:t>
+            </a:r>
+            <a:br>
+              <a:rPr lang="en-US" dirty="0" smtClean="0"/>
+            </a:br>
+            <a:endParaRPr lang="en-US" dirty="0"/>
+          </a:p>
+        </p:txBody>
+      </p:sp>
+      <p:sp>
+        <p:nvSpPr>
+          <p:cNvPr id="4" name="Footer Placeholder 3"/>
+          <p:cNvSpPr>
+            <a:spLocks noGrp="1"/>
+          </p:cNvSpPr>
+          <p:nvPr>
+            <p:ph type="ftr" sz="quarter" idx="10"/>
+          </p:nvPr>
+        </p:nvSpPr>
+        <p:spPr/>
+        <p:txBody>
+          <a:bodyPr/>
+          <a:lstStyle/>
+          <a:p>
+            <a:pPr>
+              <a:defRPr/>
+            </a:pPr>
+            <a:r>
+              <a:rPr lang="en-US" dirty="0" smtClean="0"/>
+              <a:t>Enterprise Architecture @ Waterloo</a:t>
+            </a:r>
+            <a:endParaRPr lang="en-US" dirty="0"/>
+          </a:p>
+        </p:txBody>
+      </p:sp>
+      <p:pic>
+        <p:nvPicPr>
+          <p:cNvPr id="5" name="Picture 4"/>
+          <p:cNvPicPr>
+            <a:picLocks noChangeAspect="1"/>
+          </p:cNvPicPr>
+          <p:nvPr/>
+        </p:nvPicPr>
+        <p:blipFill>
+          <a:blip r:embed="rId3"/>
+          <a:stretch>
+            <a:fillRect/>
+          </a:stretch>
+        </p:blipFill>
+        <p:spPr>
+          <a:xfrm>
+            <a:off x="1803400" y="1330285"/>
+            <a:ext cx="5537200" cy="3479800"/>
+          </a:xfrm>
+          <a:prstGeom prst="rect">
+            <a:avLst/>
+          </a:prstGeom>
+        </p:spPr>
+      </p:pic>
+    </p:spTree>
+    <p:extLst>
+      <p:ext uri="{BB962C8B-B14F-4D97-AF65-F5344CB8AC3E}">
+        <p14:creationId xmlns:p14="http://schemas.microsoft.com/office/powerpoint/2010/main" val="121871606"/>
+      </p:ext>
+    </p:extLst>
+  </p:cSld>
+  <p:clrMapOvr>
+    <a:masterClrMapping/>
+  </p:clrMapOvr>
+  <p:timing>
+    <p:tnLst>
+      <p:par>
+        <p:cTn id="1" dur="indefinite" restart="never" nodeType="tmRoot"/>
+      </p:par>
+    </p:tnLst>
+  </p:timing>
+</p:sld>
+</file>
+
+<file path=ppt/slides/slide5.xml><?xml version="1.0" encoding="utf-8"?>
+<p:sld xmlns:a="http://schemas.openxmlformats.org/drawingml/2006/main" xmlns:r="http://schemas.openxmlformats.org/officeDocument/2006/relationships" xmlns:p="http://schemas.openxmlformats.org/presentationml/2006/main">
+  <p:cSld>
+    <p:spTree>
+      <p:nvGrpSpPr>
+        <p:cNvPr id="1" name=""/>
+        <p:cNvGrpSpPr/>
+        <p:nvPr/>
+      </p:nvGrpSpPr>
+      <p:grpSpPr>
+        <a:xfrm>
+          <a:off x="0" y="0"/>
+          <a:ext cx="0" cy="0"/>
+          <a:chOff x="0" y="0"/>
+          <a:chExt cx="0" cy="0"/>
+        </a:xfrm>
+      </p:grpSpPr>
+      <p:sp>
+        <p:nvSpPr>
+          <p:cNvPr id="2" name="Title 1"/>
+          <p:cNvSpPr>
+            <a:spLocks noGrp="1"/>
+          </p:cNvSpPr>
+          <p:nvPr>
+            <p:ph type="title"/>
+          </p:nvPr>
+        </p:nvSpPr>
+        <p:spPr/>
+        <p:txBody>
+          <a:bodyPr/>
+          <a:lstStyle/>
+          <a:p>
+            <a:r>
+              <a:rPr lang="en-US" dirty="0" smtClean="0"/>
+              <a:t>Who – The enterprise architecture group</a:t>
+            </a:r>
+            <a:endParaRPr lang="en-US" dirty="0"/>
+          </a:p>
+        </p:txBody>
+      </p:sp>
+      <p:sp>
+        <p:nvSpPr>
+          <p:cNvPr id="3" name="Content Placeholder 2"/>
+          <p:cNvSpPr>
+            <a:spLocks noGrp="1"/>
+          </p:cNvSpPr>
+          <p:nvPr>
+            <p:ph idx="1"/>
+          </p:nvPr>
+        </p:nvSpPr>
+        <p:spPr/>
+        <p:txBody>
+          <a:bodyPr/>
+          <a:lstStyle/>
+          <a:p>
+            <a:r>
+              <a:rPr lang="en-US" dirty="0" smtClean="0"/>
+              <a:t>Mandate</a:t>
+            </a:r>
+          </a:p>
+          <a:p>
+            <a:pPr lvl="1"/>
+            <a:r>
+              <a:rPr lang="en-US" dirty="0" smtClean="0"/>
+              <a:t>The </a:t>
+            </a:r>
+            <a:r>
+              <a:rPr lang="en-US" dirty="0"/>
+              <a:t>mandate of this group is to </a:t>
+            </a:r>
+            <a:r>
+              <a:rPr lang="en-US" dirty="0">
+                <a:solidFill>
+                  <a:srgbClr val="A4002B"/>
+                </a:solidFill>
+              </a:rPr>
+              <a:t>develop</a:t>
+            </a:r>
+            <a:r>
+              <a:rPr lang="en-US" dirty="0"/>
+              <a:t> the </a:t>
+            </a:r>
+            <a:r>
+              <a:rPr lang="en-US" dirty="0">
+                <a:solidFill>
+                  <a:srgbClr val="A4002B"/>
+                </a:solidFill>
+              </a:rPr>
+              <a:t>enterprise architecture</a:t>
+            </a:r>
+            <a:r>
+              <a:rPr lang="en-US" dirty="0"/>
+              <a:t> strategy, framework and program </a:t>
+            </a:r>
+            <a:r>
+              <a:rPr lang="en-US" dirty="0">
+                <a:solidFill>
+                  <a:srgbClr val="A4002B"/>
+                </a:solidFill>
+              </a:rPr>
+              <a:t>for the university</a:t>
+            </a:r>
+            <a:r>
+              <a:rPr lang="en-US" dirty="0"/>
+              <a:t> that addresses both current and future information management and information technology needs.</a:t>
+            </a:r>
+          </a:p>
+        </p:txBody>
+      </p:sp>
+      <p:sp>
+        <p:nvSpPr>
+          <p:cNvPr id="4" name="Footer Placeholder 3"/>
+          <p:cNvSpPr>
+            <a:spLocks noGrp="1"/>
+          </p:cNvSpPr>
+          <p:nvPr>
+            <p:ph type="ftr" sz="quarter" idx="10"/>
+          </p:nvPr>
+        </p:nvSpPr>
+        <p:spPr/>
+        <p:txBody>
+          <a:bodyPr/>
+          <a:lstStyle/>
+          <a:p>
+            <a:pPr>
+              <a:defRPr/>
+            </a:pPr>
+            <a:r>
+              <a:rPr lang="en-US" dirty="0" smtClean="0"/>
+              <a:t>Enterprise Architecture @ Waterloo</a:t>
+            </a:r>
+            <a:endParaRPr lang="en-US" dirty="0"/>
+          </a:p>
+        </p:txBody>
+      </p:sp>
+    </p:spTree>
+    <p:extLst>
+      <p:ext uri="{BB962C8B-B14F-4D97-AF65-F5344CB8AC3E}">
+        <p14:creationId xmlns:p14="http://schemas.microsoft.com/office/powerpoint/2010/main" val="1319403073"/>
+      </p:ext>
+    </p:extLst>
+  </p:cSld>
+  <p:clrMapOvr>
+    <a:masterClrMapping/>
+  </p:clrMapOvr>
+  <p:timing>
+    <p:tnLst>
+      <p:par>
+        <p:cTn id="1" dur="indefinite" restart="never" nodeType="tmRoot"/>
+      </p:par>
+    </p:tnLst>
+  </p:timing>
+</p:sld>
+</file>
+
+<file path=ppt/slides/slide50.xml><?xml version="1.0" encoding="utf-8"?>
+<p:sld xmlns:a="http://schemas.openxmlformats.org/drawingml/2006/main" xmlns:r="http://schemas.openxmlformats.org/officeDocument/2006/relationships" xmlns:p="http://schemas.openxmlformats.org/presentationml/2006/main">
+  <p:cSld>
+    <p:spTree>
+      <p:nvGrpSpPr>
+        <p:cNvPr id="1" name=""/>
+        <p:cNvGrpSpPr/>
+        <p:nvPr/>
+      </p:nvGrpSpPr>
+      <p:grpSpPr>
+        <a:xfrm>
+          <a:off x="0" y="0"/>
+          <a:ext cx="0" cy="0"/>
+          <a:chOff x="0" y="0"/>
+          <a:chExt cx="0" cy="0"/>
+        </a:xfrm>
+      </p:grpSpPr>
+      <p:sp>
+        <p:nvSpPr>
+          <p:cNvPr id="2" name="Title 1"/>
+          <p:cNvSpPr>
+            <a:spLocks noGrp="1"/>
+          </p:cNvSpPr>
+          <p:nvPr>
+            <p:ph type="title"/>
+          </p:nvPr>
+        </p:nvSpPr>
+        <p:spPr/>
+        <p:txBody>
+          <a:bodyPr/>
+          <a:lstStyle/>
+          <a:p>
+            <a:r>
+              <a:rPr lang="en-US" dirty="0" smtClean="0"/>
+              <a:t>We are ready when you are!</a:t>
+            </a:r>
+            <a:endParaRPr lang="en-US" dirty="0"/>
+          </a:p>
+        </p:txBody>
+      </p:sp>
+      <p:sp>
+        <p:nvSpPr>
+          <p:cNvPr id="3" name="Content Placeholder 2"/>
+          <p:cNvSpPr>
+            <a:spLocks noGrp="1"/>
+          </p:cNvSpPr>
+          <p:nvPr>
+            <p:ph idx="1"/>
+          </p:nvPr>
+        </p:nvSpPr>
+        <p:spPr/>
+        <p:txBody>
+          <a:bodyPr/>
+          <a:lstStyle/>
+          <a:p>
+            <a:r>
+              <a:rPr lang="en-US" dirty="0" smtClean="0"/>
+              <a:t>Website:</a:t>
+            </a:r>
+          </a:p>
+          <a:p>
+            <a:pPr lvl="1"/>
+            <a:r>
+              <a:rPr lang="en-US" dirty="0">
+                <a:hlinkClick r:id="rId2"/>
+              </a:rPr>
+              <a:t>https://</a:t>
+            </a:r>
+            <a:r>
+              <a:rPr lang="en-US" dirty="0" smtClean="0">
+                <a:hlinkClick r:id="rId2"/>
+              </a:rPr>
+              <a:t>uwaterloo.ca/information-systems-technology/about/organizational-structure/enterprise-architecture-ea</a:t>
+            </a:r>
+            <a:endParaRPr lang="en-US" dirty="0" smtClean="0"/>
+          </a:p>
+          <a:p>
+            <a:pPr lvl="1"/>
+            <a:r>
+              <a:rPr lang="en-US" dirty="0" smtClean="0"/>
+              <a:t>Links to framework documentation will be released here.</a:t>
+            </a:r>
+          </a:p>
+          <a:p>
+            <a:pPr lvl="1"/>
+            <a:endParaRPr lang="en-US" dirty="0"/>
+          </a:p>
+          <a:p>
+            <a:r>
+              <a:rPr lang="en-US" dirty="0" smtClean="0"/>
+              <a:t>Contact:</a:t>
+            </a:r>
+          </a:p>
+          <a:p>
+            <a:pPr lvl="1"/>
+            <a:r>
+              <a:rPr lang="en-US" dirty="0" smtClean="0"/>
+              <a:t>Direct email to </a:t>
+            </a:r>
+            <a:r>
+              <a:rPr lang="en-US" dirty="0" smtClean="0">
+                <a:hlinkClick r:id="rId3"/>
+              </a:rPr>
+              <a:t>ist-ea@uwaterloo.ca</a:t>
+            </a:r>
+            <a:endParaRPr lang="en-US" dirty="0"/>
+          </a:p>
+          <a:p>
+            <a:endParaRPr lang="en-US" dirty="0"/>
+          </a:p>
+        </p:txBody>
+      </p:sp>
+      <p:sp>
+        <p:nvSpPr>
+          <p:cNvPr id="4" name="Footer Placeholder 3"/>
+          <p:cNvSpPr>
+            <a:spLocks noGrp="1"/>
+          </p:cNvSpPr>
+          <p:nvPr>
+            <p:ph type="ftr" sz="quarter" idx="10"/>
+          </p:nvPr>
+        </p:nvSpPr>
+        <p:spPr/>
+        <p:txBody>
+          <a:bodyPr/>
+          <a:lstStyle/>
+          <a:p>
+            <a:pPr>
+              <a:defRPr/>
+            </a:pPr>
+            <a:r>
+              <a:rPr lang="en-US" dirty="0" smtClean="0"/>
+              <a:t>Enterprise Architecture @ Waterloo</a:t>
+            </a:r>
+            <a:endParaRPr lang="en-US" dirty="0"/>
+          </a:p>
+        </p:txBody>
+      </p:sp>
+    </p:spTree>
+    <p:extLst>
+      <p:ext uri="{BB962C8B-B14F-4D97-AF65-F5344CB8AC3E}">
+        <p14:creationId xmlns:p14="http://schemas.microsoft.com/office/powerpoint/2010/main" val="1670188469"/>
+      </p:ext>
+    </p:extLst>
+  </p:cSld>
+  <p:clrMapOvr>
+    <a:masterClrMapping/>
+  </p:clrMapOvr>
+  <p:timing>
+    <p:tnLst>
+      <p:par>
+        <p:cTn id="1" dur="indefinite" restart="never" nodeType="tmRoot"/>
+      </p:par>
+    </p:tnLst>
+  </p:timing>
+</p:sld>
+</file>
+
+<file path=ppt/slides/slide51.xml><?xml version="1.0" encoding="utf-8"?>
 <p:sld xmlns:a="http://schemas.openxmlformats.org/drawingml/2006/main" xmlns:r="http://schemas.openxmlformats.org/officeDocument/2006/relationships" xmlns:p="http://schemas.openxmlformats.org/presentationml/2006/main">
   <p:cSld>
     <p:spTree>
@@ -24227,37 +26592,17 @@
                 <a:spcPct val="0"/>
               </a:spcAft>
             </a:pPr>
-            <a:endParaRPr lang="en-US" sz="1200">
+            <a:r>
+              <a:rPr lang="en-US" sz="1200" dirty="0" smtClean="0">
+                <a:latin typeface="Arial" charset="0"/>
+                <a:cs typeface="Arial" charset="0"/>
+              </a:rPr>
+              <a:t>Enterprise Architecture @ Waterloo</a:t>
+            </a:r>
+            <a:endParaRPr lang="en-US" sz="1200" dirty="0">
               <a:latin typeface="Arial" charset="0"/>
               <a:cs typeface="Arial" charset="0"/>
             </a:endParaRPr>
-          </a:p>
-        </p:txBody>
-      </p:sp>
-      <p:sp>
-        <p:nvSpPr>
-          <p:cNvPr id="4" name="Content Placeholder 3"/>
-          <p:cNvSpPr>
-            <a:spLocks noGrp="1"/>
-          </p:cNvSpPr>
-          <p:nvPr>
-            <p:ph idx="1"/>
-          </p:nvPr>
-        </p:nvSpPr>
-        <p:spPr>
-          <a:xfrm>
-            <a:off x="0" y="9525"/>
-            <a:ext cx="9153525" cy="5851525"/>
-          </a:xfrm>
-        </p:spPr>
-        <p:txBody>
-          <a:bodyPr/>
-          <a:lstStyle/>
-          <a:p>
-            <a:pPr eaLnBrk="1" hangingPunct="1">
-              <a:defRPr/>
-            </a:pPr>
-            <a:endParaRPr lang="en-US" dirty="0"/>
           </a:p>
         </p:txBody>
       </p:sp>
@@ -24270,7 +26615,7 @@
         <p:spPr bwMode="auto">
           <a:xfrm>
             <a:off x="3838575" y="3846513"/>
-            <a:ext cx="5335588" cy="1549400"/>
+            <a:ext cx="5335588" cy="1938992"/>
           </a:xfrm>
           <a:prstGeom prst="rect">
             <a:avLst/>
@@ -24300,7 +26645,7 @@
               <a:defRPr/>
             </a:pPr>
             <a:r>
-              <a:rPr lang="en-US" sz="1600" spc="100" dirty="0">
+              <a:rPr lang="en-US" sz="1600" spc="100" dirty="0" smtClean="0">
                 <a:solidFill>
                   <a:schemeClr val="bg1"/>
                 </a:solidFill>
@@ -24308,10 +26653,24 @@
                 <a:ea typeface="+mn-ea"/>
                 <a:cs typeface="Arial"/>
               </a:rPr>
-              <a:t>This is an optional area for you to put a message or caption for your photo. </a:t>
-            </a:r>
-            <a:r>
-              <a:rPr lang="en-US" sz="1600" spc="100">
+              <a:t>Contact the University of Waterloo Enterprise Architecture Group</a:t>
+            </a:r>
+          </a:p>
+          <a:p>
+            <a:pPr algn="ctr" fontAlgn="auto">
+              <a:lnSpc>
+                <a:spcPct val="150000"/>
+              </a:lnSpc>
+              <a:spcBef>
+                <a:spcPts val="0"/>
+              </a:spcBef>
+              <a:spcAft>
+                <a:spcPts val="0"/>
+              </a:spcAft>
+              <a:defRPr/>
+            </a:pPr>
+            <a:r>
+              <a:rPr lang="en-US" sz="1600" spc="100" dirty="0" smtClean="0">
                 <a:solidFill>
                   <a:schemeClr val="bg1"/>
                 </a:solidFill>
@@ -24319,19 +26678,51 @@
                 <a:ea typeface="+mn-ea"/>
                 <a:cs typeface="Arial"/>
               </a:rPr>
-              <a:t>Delete </a:t>
-            </a:r>
-            <a:r>
-              <a:rPr lang="en-US" sz="1600" spc="100" dirty="0">
+              <a:t>@</a:t>
+            </a:r>
+            <a:endParaRPr lang="en-US" sz="1600" spc="100" dirty="0">
+              <a:solidFill>
+                <a:schemeClr val="bg1"/>
+              </a:solidFill>
+              <a:latin typeface="Arial"/>
+              <a:ea typeface="+mn-ea"/>
+              <a:cs typeface="Arial"/>
+              <a:hlinkClick r:id="rId3"/>
+            </a:endParaRPr>
+          </a:p>
+          <a:p>
+            <a:pPr fontAlgn="auto">
+              <a:lnSpc>
+                <a:spcPct val="150000"/>
+              </a:lnSpc>
+              <a:spcBef>
+                <a:spcPts val="0"/>
+              </a:spcBef>
+              <a:spcAft>
+                <a:spcPts val="0"/>
+              </a:spcAft>
+              <a:defRPr/>
+            </a:pPr>
+            <a:r>
+              <a:rPr lang="en-US" sz="1600" spc="100" dirty="0" smtClean="0">
                 <a:solidFill>
                   <a:schemeClr val="bg1"/>
                 </a:solidFill>
                 <a:latin typeface="Arial"/>
                 <a:ea typeface="+mn-ea"/>
                 <a:cs typeface="Arial"/>
+                <a:hlinkClick r:id="rId3"/>
               </a:rPr>
-              <a:t>it if you don’t need to use it.</a:t>
-            </a:r>
+              <a:t>ist-ea@uwaterloo.ca</a:t>
+            </a:r>
+            <a:endParaRPr lang="en-US" sz="1600" spc="100" dirty="0" smtClean="0">
+              <a:solidFill>
+                <a:schemeClr val="bg1"/>
+              </a:solidFill>
+              <a:latin typeface="Arial"/>
+              <a:ea typeface="+mn-ea"/>
+              <a:cs typeface="Arial"/>
+            </a:endParaRPr>
           </a:p>
         </p:txBody>
       </p:sp>
@@ -24344,7 +26735,7 @@
           <p:nvPr/>
         </p:nvPicPr>
         <p:blipFill>
-          <a:blip r:embed="rId3">
+          <a:blip r:embed="rId4">
             <a:extLst>
               <a:ext uri="{28A0092B-C50C-407E-A947-70E740481C1C}">
                 <a14:useLocalDpi xmlns:a14="http://schemas.microsoft.com/office/drawing/2010/main" val="0"/>
@@ -24390,292 +26781,6 @@
         </p:spPr>
       </p:pic>
     </p:spTree>
-  </p:cSld>
-  <p:clrMapOvr>
-    <a:masterClrMapping/>
-  </p:clrMapOvr>
-  <p:timing>
-    <p:tnLst>
-      <p:par>
-        <p:cTn id="1" dur="indefinite" restart="never" nodeType="tmRoot"/>
-      </p:par>
-    </p:tnLst>
-  </p:timing>
-</p:sld>
-</file>
-
-<file path=ppt/slides/slide4.xml><?xml version="1.0" encoding="utf-8"?>
-<p:sld xmlns:a="http://schemas.openxmlformats.org/drawingml/2006/main" xmlns:r="http://schemas.openxmlformats.org/officeDocument/2006/relationships" xmlns:p="http://schemas.openxmlformats.org/presentationml/2006/main">
-  <p:cSld>
-    <p:spTree>
-      <p:nvGrpSpPr>
-        <p:cNvPr id="1" name=""/>
-        <p:cNvGrpSpPr/>
-        <p:nvPr/>
-      </p:nvGrpSpPr>
-      <p:grpSpPr>
-        <a:xfrm>
-          <a:off x="0" y="0"/>
-          <a:ext cx="0" cy="0"/>
-          <a:chOff x="0" y="0"/>
-          <a:chExt cx="0" cy="0"/>
-        </a:xfrm>
-      </p:grpSpPr>
-      <p:sp>
-        <p:nvSpPr>
-          <p:cNvPr id="2" name="Title 1"/>
-          <p:cNvSpPr>
-            <a:spLocks noGrp="1"/>
-          </p:cNvSpPr>
-          <p:nvPr>
-            <p:ph type="title"/>
-          </p:nvPr>
-        </p:nvSpPr>
-        <p:spPr/>
-        <p:txBody>
-          <a:bodyPr/>
-          <a:lstStyle/>
-          <a:p>
-            <a:r>
-              <a:rPr lang="en-US" dirty="0" smtClean="0"/>
-              <a:t>Who – The enterprise architecture group</a:t>
-            </a:r>
-            <a:endParaRPr lang="en-US" dirty="0"/>
-          </a:p>
-        </p:txBody>
-      </p:sp>
-      <p:sp>
-        <p:nvSpPr>
-          <p:cNvPr id="3" name="Content Placeholder 2"/>
-          <p:cNvSpPr>
-            <a:spLocks noGrp="1"/>
-          </p:cNvSpPr>
-          <p:nvPr>
-            <p:ph idx="1"/>
-          </p:nvPr>
-        </p:nvSpPr>
-        <p:spPr/>
-        <p:txBody>
-          <a:bodyPr/>
-          <a:lstStyle/>
-          <a:p>
-            <a:r>
-              <a:rPr lang="en-US" dirty="0" smtClean="0"/>
-              <a:t>Mandate</a:t>
-            </a:r>
-          </a:p>
-          <a:p>
-            <a:pPr lvl="1"/>
-            <a:r>
-              <a:rPr lang="en-US" dirty="0" smtClean="0"/>
-              <a:t>The </a:t>
-            </a:r>
-            <a:r>
-              <a:rPr lang="en-US" dirty="0"/>
-              <a:t>mandate of this group is to </a:t>
-            </a:r>
-            <a:r>
-              <a:rPr lang="en-US" dirty="0">
-                <a:solidFill>
-                  <a:schemeClr val="tx1"/>
-                </a:solidFill>
-              </a:rPr>
-              <a:t>develop</a:t>
-            </a:r>
-            <a:r>
-              <a:rPr lang="en-US" dirty="0"/>
-              <a:t> the enterprise architecture strategy, framework and program for the university that addresses both current and future information management and information technology needs.</a:t>
-            </a:r>
-          </a:p>
-        </p:txBody>
-      </p:sp>
-      <p:sp>
-        <p:nvSpPr>
-          <p:cNvPr id="4" name="Footer Placeholder 3"/>
-          <p:cNvSpPr>
-            <a:spLocks noGrp="1"/>
-          </p:cNvSpPr>
-          <p:nvPr>
-            <p:ph type="ftr" sz="quarter" idx="10"/>
-          </p:nvPr>
-        </p:nvSpPr>
-        <p:spPr/>
-        <p:txBody>
-          <a:bodyPr/>
-          <a:lstStyle/>
-          <a:p>
-            <a:pPr>
-              <a:defRPr/>
-            </a:pPr>
-            <a:r>
-              <a:rPr lang="en-US" dirty="0" smtClean="0"/>
-              <a:t>Enterprise Architecture @ Waterloo</a:t>
-            </a:r>
-            <a:endParaRPr lang="en-US" dirty="0"/>
-          </a:p>
-        </p:txBody>
-      </p:sp>
-    </p:spTree>
-    <p:extLst>
-      <p:ext uri="{BB962C8B-B14F-4D97-AF65-F5344CB8AC3E}">
-        <p14:creationId xmlns:p14="http://schemas.microsoft.com/office/powerpoint/2010/main" val="1173392265"/>
-      </p:ext>
-    </p:extLst>
-  </p:cSld>
-  <p:clrMapOvr>
-    <a:masterClrMapping/>
-  </p:clrMapOvr>
-  <p:timing>
-    <p:tnLst>
-      <p:par>
-        <p:cTn id="1" dur="indefinite" restart="never" nodeType="tmRoot"/>
-      </p:par>
-    </p:tnLst>
-  </p:timing>
-</p:sld>
-</file>
-
-<file path=ppt/slides/slide5.xml><?xml version="1.0" encoding="utf-8"?>
-<p:sld xmlns:a="http://schemas.openxmlformats.org/drawingml/2006/main" xmlns:r="http://schemas.openxmlformats.org/officeDocument/2006/relationships" xmlns:p="http://schemas.openxmlformats.org/presentationml/2006/main">
-  <p:cSld>
-    <p:spTree>
-      <p:nvGrpSpPr>
-        <p:cNvPr id="1" name=""/>
-        <p:cNvGrpSpPr/>
-        <p:nvPr/>
-      </p:nvGrpSpPr>
-      <p:grpSpPr>
-        <a:xfrm>
-          <a:off x="0" y="0"/>
-          <a:ext cx="0" cy="0"/>
-          <a:chOff x="0" y="0"/>
-          <a:chExt cx="0" cy="0"/>
-        </a:xfrm>
-      </p:grpSpPr>
-      <p:sp>
-        <p:nvSpPr>
-          <p:cNvPr id="2" name="Title 1"/>
-          <p:cNvSpPr>
-            <a:spLocks noGrp="1"/>
-          </p:cNvSpPr>
-          <p:nvPr>
-            <p:ph type="title"/>
-          </p:nvPr>
-        </p:nvSpPr>
-        <p:spPr/>
-        <p:txBody>
-          <a:bodyPr/>
-          <a:lstStyle/>
-          <a:p>
-            <a:r>
-              <a:rPr lang="en-US" dirty="0" smtClean="0"/>
-              <a:t>Who – The enterprise architecture group</a:t>
-            </a:r>
-            <a:endParaRPr lang="en-US" dirty="0"/>
-          </a:p>
-        </p:txBody>
-      </p:sp>
-      <p:sp>
-        <p:nvSpPr>
-          <p:cNvPr id="3" name="Content Placeholder 2"/>
-          <p:cNvSpPr>
-            <a:spLocks noGrp="1"/>
-          </p:cNvSpPr>
-          <p:nvPr>
-            <p:ph idx="1"/>
-          </p:nvPr>
-        </p:nvSpPr>
-        <p:spPr/>
-        <p:txBody>
-          <a:bodyPr/>
-          <a:lstStyle/>
-          <a:p>
-            <a:r>
-              <a:rPr lang="en-US" dirty="0" smtClean="0"/>
-              <a:t>Mandate</a:t>
-            </a:r>
-          </a:p>
-          <a:p>
-            <a:pPr lvl="1"/>
-            <a:r>
-              <a:rPr lang="en-US" dirty="0" smtClean="0"/>
-              <a:t>The </a:t>
-            </a:r>
-            <a:r>
-              <a:rPr lang="en-US" dirty="0"/>
-              <a:t>mandate of this group is to </a:t>
-            </a:r>
-            <a:r>
-              <a:rPr lang="en-US" dirty="0">
-                <a:solidFill>
-                  <a:srgbClr val="A4002B"/>
-                </a:solidFill>
-              </a:rPr>
-              <a:t>develop</a:t>
-            </a:r>
-            <a:r>
-              <a:rPr lang="en-US" dirty="0"/>
-              <a:t> the </a:t>
-            </a:r>
-            <a:r>
-              <a:rPr lang="en-US" dirty="0">
-                <a:solidFill>
-                  <a:srgbClr val="A4002B"/>
-                </a:solidFill>
-              </a:rPr>
-              <a:t>enterprise architecture</a:t>
-            </a:r>
-            <a:r>
-              <a:rPr lang="en-US" dirty="0"/>
-              <a:t> strategy, framework and program </a:t>
-            </a:r>
-            <a:r>
-              <a:rPr lang="en-US" dirty="0">
-                <a:solidFill>
-                  <a:srgbClr val="A4002B"/>
-                </a:solidFill>
-              </a:rPr>
-              <a:t>for the university</a:t>
-            </a:r>
-            <a:r>
-              <a:rPr lang="en-US" dirty="0"/>
-              <a:t> that addresses both current and future information management and information technology needs.</a:t>
-            </a:r>
-          </a:p>
-        </p:txBody>
-      </p:sp>
-      <p:sp>
-        <p:nvSpPr>
-          <p:cNvPr id="4" name="Footer Placeholder 3"/>
-          <p:cNvSpPr>
-            <a:spLocks noGrp="1"/>
-          </p:cNvSpPr>
-          <p:nvPr>
-            <p:ph type="ftr" sz="quarter" idx="10"/>
-          </p:nvPr>
-        </p:nvSpPr>
-        <p:spPr/>
-        <p:txBody>
-          <a:bodyPr/>
-          <a:lstStyle/>
-          <a:p>
-            <a:pPr>
-              <a:defRPr/>
-            </a:pPr>
-            <a:r>
-              <a:rPr lang="en-US" dirty="0" smtClean="0"/>
-              <a:t>Enterprise Architecture @ Waterloo</a:t>
-            </a:r>
-            <a:endParaRPr lang="en-US" dirty="0"/>
-          </a:p>
-        </p:txBody>
-      </p:sp>
-    </p:spTree>
-    <p:extLst>
-      <p:ext uri="{BB962C8B-B14F-4D97-AF65-F5344CB8AC3E}">
-        <p14:creationId xmlns:p14="http://schemas.microsoft.com/office/powerpoint/2010/main" val="1319403073"/>
-      </p:ext>
-    </p:extLst>
   </p:cSld>
   <p:clrMapOvr>
     <a:masterClrMapping/>

--- a/ISTEA-WatITis2015.pptx
+++ b/ISTEA-WatITis2015.pptx
@@ -5,10 +5,10 @@
     <p:sldMasterId id="2147483648" r:id="rId1"/>
   </p:sldMasterIdLst>
   <p:notesMasterIdLst>
-    <p:notesMasterId r:id="rId53"/>
+    <p:notesMasterId r:id="rId57"/>
   </p:notesMasterIdLst>
   <p:handoutMasterIdLst>
-    <p:handoutMasterId r:id="rId54"/>
+    <p:handoutMasterId r:id="rId58"/>
   </p:handoutMasterIdLst>
   <p:sldIdLst>
     <p:sldId id="256" r:id="rId2"/>
@@ -36,32 +36,36 @@
     <p:sldId id="299" r:id="rId24"/>
     <p:sldId id="300" r:id="rId25"/>
     <p:sldId id="303" r:id="rId26"/>
-    <p:sldId id="304" r:id="rId27"/>
-    <p:sldId id="305" r:id="rId28"/>
-    <p:sldId id="306" r:id="rId29"/>
-    <p:sldId id="296" r:id="rId30"/>
-    <p:sldId id="289" r:id="rId31"/>
-    <p:sldId id="290" r:id="rId32"/>
-    <p:sldId id="291" r:id="rId33"/>
-    <p:sldId id="292" r:id="rId34"/>
-    <p:sldId id="277" r:id="rId35"/>
-    <p:sldId id="319" r:id="rId36"/>
-    <p:sldId id="307" r:id="rId37"/>
-    <p:sldId id="308" r:id="rId38"/>
-    <p:sldId id="309" r:id="rId39"/>
-    <p:sldId id="302" r:id="rId40"/>
-    <p:sldId id="301" r:id="rId41"/>
-    <p:sldId id="279" r:id="rId42"/>
-    <p:sldId id="310" r:id="rId43"/>
-    <p:sldId id="311" r:id="rId44"/>
-    <p:sldId id="280" r:id="rId45"/>
-    <p:sldId id="312" r:id="rId46"/>
-    <p:sldId id="313" r:id="rId47"/>
-    <p:sldId id="314" r:id="rId48"/>
-    <p:sldId id="316" r:id="rId49"/>
-    <p:sldId id="317" r:id="rId50"/>
-    <p:sldId id="318" r:id="rId51"/>
-    <p:sldId id="258" r:id="rId52"/>
+    <p:sldId id="320" r:id="rId27"/>
+    <p:sldId id="304" r:id="rId28"/>
+    <p:sldId id="321" r:id="rId29"/>
+    <p:sldId id="305" r:id="rId30"/>
+    <p:sldId id="322" r:id="rId31"/>
+    <p:sldId id="306" r:id="rId32"/>
+    <p:sldId id="323" r:id="rId33"/>
+    <p:sldId id="296" r:id="rId34"/>
+    <p:sldId id="289" r:id="rId35"/>
+    <p:sldId id="290" r:id="rId36"/>
+    <p:sldId id="291" r:id="rId37"/>
+    <p:sldId id="292" r:id="rId38"/>
+    <p:sldId id="277" r:id="rId39"/>
+    <p:sldId id="319" r:id="rId40"/>
+    <p:sldId id="307" r:id="rId41"/>
+    <p:sldId id="308" r:id="rId42"/>
+    <p:sldId id="309" r:id="rId43"/>
+    <p:sldId id="302" r:id="rId44"/>
+    <p:sldId id="301" r:id="rId45"/>
+    <p:sldId id="279" r:id="rId46"/>
+    <p:sldId id="310" r:id="rId47"/>
+    <p:sldId id="311" r:id="rId48"/>
+    <p:sldId id="280" r:id="rId49"/>
+    <p:sldId id="312" r:id="rId50"/>
+    <p:sldId id="313" r:id="rId51"/>
+    <p:sldId id="314" r:id="rId52"/>
+    <p:sldId id="316" r:id="rId53"/>
+    <p:sldId id="317" r:id="rId54"/>
+    <p:sldId id="318" r:id="rId55"/>
+    <p:sldId id="258" r:id="rId56"/>
   </p:sldIdLst>
   <p:sldSz cx="9144000" cy="6858000" type="screen4x3"/>
   <p:notesSz cx="6858000" cy="9144000"/>
@@ -6075,7 +6079,7 @@
           <a:p>
             <a:fld id="{3EBD304B-4F32-DB42-AA51-EDA38B867F6B}" type="datetimeFigureOut">
               <a:rPr lang="en-US" smtClean="0"/>
-              <a:t>12/6/15</a:t>
+              <a:t>12/7/15</a:t>
             </a:fld>
             <a:endParaRPr lang="en-US"/>
           </a:p>
@@ -6270,7 +6274,7 @@
               <a:pPr>
                 <a:defRPr/>
               </a:pPr>
-              <a:t>12/6/15</a:t>
+              <a:t>12/7/15</a:t>
             </a:fld>
             <a:endParaRPr lang="en-US"/>
           </a:p>
@@ -7093,7 +7097,7 @@
               <a:pPr>
                 <a:defRPr/>
               </a:pPr>
-              <a:t>29</a:t>
+              <a:t>33</a:t>
             </a:fld>
             <a:endParaRPr lang="en-US"/>
           </a:p>
@@ -7334,7 +7338,7 @@
               <a:pPr>
                 <a:defRPr/>
               </a:pPr>
-              <a:t>33</a:t>
+              <a:t>37</a:t>
             </a:fld>
             <a:endParaRPr lang="en-US"/>
           </a:p>
@@ -7690,7 +7694,7 @@
               <a:pPr>
                 <a:defRPr/>
               </a:pPr>
-              <a:t>49</a:t>
+              <a:t>53</a:t>
             </a:fld>
             <a:endParaRPr lang="en-US"/>
           </a:p>
@@ -7751,7 +7755,7 @@
               <ma14:placeholderFlag xmlns:ma14="http://schemas.microsoft.com/office/mac/drawingml/2011/main" val="1"/>
             </a:ext>
             <a:ext uri="{909E8E84-426E-40dd-AFC4-6F175D3DCCD1}">
-              <a14:hiddenFill xmlns:a14="http://schemas.microsoft.com/office/drawing/2010/main" xmlns="">
+              <a14:hiddenFill xmlns="" xmlns:a14="http://schemas.microsoft.com/office/drawing/2010/main">
                 <a:solidFill>
                   <a:srgbClr val="FFFFFF"/>
                 </a:solidFill>
@@ -7773,14 +7777,14 @@
         <p:spPr bwMode="auto">
           <a:extLst>
             <a:ext uri="{909E8E84-426E-40dd-AFC4-6F175D3DCCD1}">
-              <a14:hiddenFill xmlns:a14="http://schemas.microsoft.com/office/drawing/2010/main" xmlns="">
+              <a14:hiddenFill xmlns="" xmlns:a14="http://schemas.microsoft.com/office/drawing/2010/main">
                 <a:solidFill>
                   <a:srgbClr val="FFFFFF"/>
                 </a:solidFill>
               </a14:hiddenFill>
             </a:ext>
             <a:ext uri="{91240B29-F687-4f45-9708-019B960494DF}">
-              <a14:hiddenLine xmlns:a14="http://schemas.microsoft.com/office/drawing/2010/main" xmlns="" w="9525">
+              <a14:hiddenLine xmlns="" xmlns:a14="http://schemas.microsoft.com/office/drawing/2010/main" w="9525">
                 <a:solidFill>
                   <a:srgbClr val="000000"/>
                 </a:solidFill>
@@ -7873,14 +7877,14 @@
           <a:noFill/>
           <a:extLst>
             <a:ext uri="{909E8E84-426E-40dd-AFC4-6F175D3DCCD1}">
-              <a14:hiddenFill xmlns:a14="http://schemas.microsoft.com/office/drawing/2010/main" xmlns="">
+              <a14:hiddenFill xmlns="" xmlns:a14="http://schemas.microsoft.com/office/drawing/2010/main">
                 <a:solidFill>
                   <a:srgbClr val="FFFFFF"/>
                 </a:solidFill>
               </a14:hiddenFill>
             </a:ext>
             <a:ext uri="{91240B29-F687-4f45-9708-019B960494DF}">
-              <a14:hiddenLine xmlns:a14="http://schemas.microsoft.com/office/drawing/2010/main" xmlns="" w="9525">
+              <a14:hiddenLine xmlns="" xmlns:a14="http://schemas.microsoft.com/office/drawing/2010/main" w="9525">
                 <a:solidFill>
                   <a:srgbClr val="000000"/>
                 </a:solidFill>
@@ -8024,7 +8028,7 @@
                   <a:spcPct val="0"/>
                 </a:spcAft>
               </a:pPr>
-              <a:t>51</a:t>
+              <a:t>55</a:t>
             </a:fld>
             <a:endParaRPr lang="en-US" sz="1200"/>
           </a:p>
@@ -8582,31 +8586,7 @@
                 <a:ea typeface="ＭＳ Ｐゴシック" charset="0"/>
                 <a:cs typeface="ＭＳ Ｐゴシック" charset="0"/>
               </a:rPr>
-              <a:t>One day a business unit identifies some problem with their current technology. For this example we will </a:t>
-            </a:r>
-            <a:r>
-              <a:rPr lang="en-US" sz="1200" b="0" i="0" kern="1200" baseline="0" dirty="0" smtClean="0">
-                <a:solidFill>
-                  <a:schemeClr val="tx1"/>
-                </a:solidFill>
-                <a:effectLst/>
-                <a:latin typeface="+mn-lt"/>
-                <a:ea typeface="ＭＳ Ｐゴシック" charset="0"/>
-                <a:cs typeface="ＭＳ Ｐゴシック" charset="0"/>
-              </a:rPr>
-              <a:t>look at </a:t>
-            </a:r>
-            <a:r>
-              <a:rPr lang="en-US" sz="1200" b="0" i="0" kern="1200" baseline="0" dirty="0" smtClean="0">
-                <a:solidFill>
-                  <a:schemeClr val="tx1"/>
-                </a:solidFill>
-                <a:effectLst/>
-                <a:latin typeface="+mn-lt"/>
-                <a:ea typeface="ＭＳ Ｐゴシック" charset="0"/>
-                <a:cs typeface="ＭＳ Ｐゴシック" charset="0"/>
-              </a:rPr>
-              <a:t>the anvil production line in the ACME Academy ‘Anvil Department.’ The Anvil Department has a production management system that keeps track of how many anvils are needed, when they are needed, and how much iron ore is needed to make them.  They realize that the tool they’ve been using for years fails to capture and validate some key information on the way into the production system.  They learned this the hard way after creating and delivering 200 anvils when the requestor only needed 2.  They’ve always known there was a problem with validation but they always cautioned users to be careful.  This one slipped through and, while it seems like a simple fix, the system vendor has moved on to a new version and doesn’t support changing the system they are running on.</a:t>
+              <a:t>One day a business unit identifies some problem with their current technology. For this example we will look at the anvil production line in the ACME Academy ‘Anvil Department.’ The Anvil Department has a production management system that keeps track of how many anvils are needed, when they are needed, and how much iron ore is needed to make them.  They realize that the tool they’ve been using for years fails to capture and validate some key information on the way into the production system.  They learned this the hard way after creating and delivering 200 anvils when the requestor only needed 2.  They’ve always known there was a problem with validation but they always cautioned users to be careful.  This one slipped through and, while it seems like a simple fix, the system vendor has moved on to a new version and doesn’t support changing the system they are running on.</a:t>
             </a:r>
           </a:p>
           <a:p>
@@ -8706,8 +8686,21 @@
                 <a:ea typeface="ＭＳ Ｐゴシック" charset="0"/>
                 <a:cs typeface="ＭＳ Ｐゴシック" charset="0"/>
               </a:rPr>
-              <a:t>Three weeks go by when the anvil department receives </a:t>
-            </a:r>
+              <a:t>Three weeks go by when the anvil department receives a call. The ACME finance department is asking why the anvil department hasn’t validated their monthly expenses in the finance system. After some digging they realize there was a process in the old system that ran a report and put the output on a network share.  The people involved thought the new system dealt with that so they didn’t mention it.  Turns out that old report does not exist in the new system. They scrape the bottom of their budget (running a little over) and contract the cloud provider to make the report for them.  Close call but all is resolved.  Back to anvil production.</a:t>
+            </a:r>
+          </a:p>
+          <a:p>
+            <a:endParaRPr lang="en-US" sz="1200" b="0" i="0" kern="1200" baseline="0" dirty="0" smtClean="0">
+              <a:solidFill>
+                <a:schemeClr val="tx1"/>
+              </a:solidFill>
+              <a:effectLst/>
+              <a:latin typeface="+mn-lt"/>
+              <a:ea typeface="ＭＳ Ｐゴシック" charset="0"/>
+              <a:cs typeface="ＭＳ Ｐゴシック" charset="0"/>
+            </a:endParaRPr>
+          </a:p>
+          <a:p>
             <a:r>
               <a:rPr lang="en-US" sz="1200" b="0" i="0" kern="1200" baseline="0" dirty="0" smtClean="0">
                 <a:solidFill>
@@ -8718,164 +8711,7 @@
                 <a:ea typeface="ＭＳ Ｐゴシック" charset="0"/>
                 <a:cs typeface="ＭＳ Ｐゴシック" charset="0"/>
               </a:rPr>
-              <a:t>a call</a:t>
-            </a:r>
-            <a:r>
-              <a:rPr lang="en-US" sz="1200" b="0" i="0" kern="1200" baseline="0" dirty="0" smtClean="0">
-                <a:solidFill>
-                  <a:schemeClr val="tx1"/>
-                </a:solidFill>
-                <a:effectLst/>
-                <a:latin typeface="+mn-lt"/>
-                <a:ea typeface="ＭＳ Ｐゴシック" charset="0"/>
-                <a:cs typeface="ＭＳ Ｐゴシック" charset="0"/>
-              </a:rPr>
-              <a:t>. The ACME finance department </a:t>
-            </a:r>
-            <a:r>
-              <a:rPr lang="en-US" sz="1200" b="0" i="0" kern="1200" baseline="0" dirty="0" smtClean="0">
-                <a:solidFill>
-                  <a:schemeClr val="tx1"/>
-                </a:solidFill>
-                <a:effectLst/>
-                <a:latin typeface="+mn-lt"/>
-                <a:ea typeface="ＭＳ Ｐゴシック" charset="0"/>
-                <a:cs typeface="ＭＳ Ｐゴシック" charset="0"/>
-              </a:rPr>
-              <a:t>is </a:t>
-            </a:r>
-            <a:r>
-              <a:rPr lang="en-US" sz="1200" b="0" i="0" kern="1200" baseline="0" dirty="0" smtClean="0">
-                <a:solidFill>
-                  <a:schemeClr val="tx1"/>
-                </a:solidFill>
-                <a:effectLst/>
-                <a:latin typeface="+mn-lt"/>
-                <a:ea typeface="ＭＳ Ｐゴシック" charset="0"/>
-                <a:cs typeface="ＭＳ Ｐゴシック" charset="0"/>
-              </a:rPr>
-              <a:t>asking why the anvil department hasn’t validated their monthly expenses in the </a:t>
-            </a:r>
-            <a:r>
-              <a:rPr lang="en-US" sz="1200" b="0" i="0" kern="1200" baseline="0" dirty="0" smtClean="0">
-                <a:solidFill>
-                  <a:schemeClr val="tx1"/>
-                </a:solidFill>
-                <a:effectLst/>
-                <a:latin typeface="+mn-lt"/>
-                <a:ea typeface="ＭＳ Ｐゴシック" charset="0"/>
-                <a:cs typeface="ＭＳ Ｐゴシック" charset="0"/>
-              </a:rPr>
-              <a:t>finance </a:t>
-            </a:r>
-            <a:r>
-              <a:rPr lang="en-US" sz="1200" b="0" i="0" kern="1200" baseline="0" dirty="0" smtClean="0">
-                <a:solidFill>
-                  <a:schemeClr val="tx1"/>
-                </a:solidFill>
-                <a:effectLst/>
-                <a:latin typeface="+mn-lt"/>
-                <a:ea typeface="ＭＳ Ｐゴシック" charset="0"/>
-                <a:cs typeface="ＭＳ Ｐゴシック" charset="0"/>
-              </a:rPr>
-              <a:t>system. After some digging they realize there was </a:t>
-            </a:r>
-            <a:r>
-              <a:rPr lang="en-US" sz="1200" b="0" i="0" kern="1200" baseline="0" dirty="0" smtClean="0">
-                <a:solidFill>
-                  <a:schemeClr val="tx1"/>
-                </a:solidFill>
-                <a:effectLst/>
-                <a:latin typeface="+mn-lt"/>
-                <a:ea typeface="ＭＳ Ｐゴシック" charset="0"/>
-                <a:cs typeface="ＭＳ Ｐゴシック" charset="0"/>
-              </a:rPr>
-              <a:t>a process </a:t>
-            </a:r>
-            <a:r>
-              <a:rPr lang="en-US" sz="1200" b="0" i="0" kern="1200" baseline="0" dirty="0" smtClean="0">
-                <a:solidFill>
-                  <a:schemeClr val="tx1"/>
-                </a:solidFill>
-                <a:effectLst/>
-                <a:latin typeface="+mn-lt"/>
-                <a:ea typeface="ＭＳ Ｐゴシック" charset="0"/>
-                <a:cs typeface="ＭＳ Ｐゴシック" charset="0"/>
-              </a:rPr>
-              <a:t>in the old system that ran a report and put the output </a:t>
-            </a:r>
-            <a:r>
-              <a:rPr lang="en-US" sz="1200" b="0" i="0" kern="1200" baseline="0" dirty="0" smtClean="0">
-                <a:solidFill>
-                  <a:schemeClr val="tx1"/>
-                </a:solidFill>
-                <a:effectLst/>
-                <a:latin typeface="+mn-lt"/>
-                <a:ea typeface="ＭＳ Ｐゴシック" charset="0"/>
-                <a:cs typeface="ＭＳ Ｐゴシック" charset="0"/>
-              </a:rPr>
-              <a:t>on a </a:t>
-            </a:r>
-            <a:r>
-              <a:rPr lang="en-US" sz="1200" b="0" i="0" kern="1200" baseline="0" dirty="0" smtClean="0">
-                <a:solidFill>
-                  <a:schemeClr val="tx1"/>
-                </a:solidFill>
-                <a:effectLst/>
-                <a:latin typeface="+mn-lt"/>
-                <a:ea typeface="ＭＳ Ｐゴシック" charset="0"/>
-                <a:cs typeface="ＭＳ Ｐゴシック" charset="0"/>
-              </a:rPr>
-              <a:t>network share.  The people involved thought the new system dealt with that so they didn’t mention it.  Turns out that old report does not exist in the new system. They scrape the bottom of their budget (running a little over) and contract the cloud provider to make the report for them.  Close call but all is resolved.  Back to anvil production.</a:t>
-            </a:r>
-          </a:p>
-          <a:p>
-            <a:endParaRPr lang="en-US" sz="1200" b="0" i="0" kern="1200" baseline="0" dirty="0" smtClean="0">
-              <a:solidFill>
-                <a:schemeClr val="tx1"/>
-              </a:solidFill>
-              <a:effectLst/>
-              <a:latin typeface="+mn-lt"/>
-              <a:ea typeface="ＭＳ Ｐゴシック" charset="0"/>
-              <a:cs typeface="ＭＳ Ｐゴシック" charset="0"/>
-            </a:endParaRPr>
-          </a:p>
-          <a:p>
-            <a:r>
-              <a:rPr lang="en-US" sz="1200" b="0" i="0" kern="1200" baseline="0" dirty="0" smtClean="0">
-                <a:solidFill>
-                  <a:schemeClr val="tx1"/>
-                </a:solidFill>
-                <a:effectLst/>
-                <a:latin typeface="+mn-lt"/>
-                <a:ea typeface="ＭＳ Ｐゴシック" charset="0"/>
-                <a:cs typeface="ＭＳ Ｐゴシック" charset="0"/>
-              </a:rPr>
-              <a:t>Then another couple weeks go by and they receive a call from the ACME police saying a former employee had been stopped with a car full of anvils.  They look at the production management system and realize that person had been </a:t>
-            </a:r>
-            <a:r>
-              <a:rPr lang="en-US" sz="1200" b="0" i="0" kern="1200" baseline="0" dirty="0" smtClean="0">
-                <a:solidFill>
-                  <a:schemeClr val="tx1"/>
-                </a:solidFill>
-                <a:effectLst/>
-                <a:latin typeface="+mn-lt"/>
-                <a:ea typeface="ＭＳ Ｐゴシック" charset="0"/>
-                <a:cs typeface="ＭＳ Ｐゴシック" charset="0"/>
-              </a:rPr>
-              <a:t>requesting anvils for </a:t>
-            </a:r>
-            <a:r>
-              <a:rPr lang="en-US" sz="1200" b="0" i="0" kern="1200" baseline="0" dirty="0" smtClean="0">
-                <a:solidFill>
-                  <a:schemeClr val="tx1"/>
-                </a:solidFill>
-                <a:effectLst/>
-                <a:latin typeface="+mn-lt"/>
-                <a:ea typeface="ＭＳ Ｐゴシック" charset="0"/>
-                <a:cs typeface="ＭＳ Ｐゴシック" charset="0"/>
-              </a:rPr>
-              <a:t>weeks.  The anvil department phones HR to ask why they weren’t notified of this person’s departure.  The HR department tells them they don’t notify everyone, they update the central authentication system.  A couple more phone calls and the anvil department realizes they need IT to help configure the central authentication system for use in their cloud solution.  Luckily the protocol is supported by the cloud solution so anvil schedules some ‘emergency’ work with the ACME IT department.</a:t>
+              <a:t>Then another couple weeks go by and they receive a call from the ACME police saying a former employee had been stopped with a car full of anvils.  They look at the production management system and realize that person had been requesting anvils for weeks.  The anvil department phones HR to ask why they weren’t notified of this person’s departure.  The HR department tells them they don’t notify everyone, they update the central authentication system.  A couple more phone calls and the anvil department realizes they need IT to help configure the central authentication system for use in their cloud solution.  Luckily the protocol is supported by the cloud solution so anvil schedules some ‘emergency’ work with the ACME IT department.</a:t>
             </a:r>
           </a:p>
           <a:p>
@@ -8925,43 +8761,7 @@
                 <a:ea typeface="ＭＳ Ｐゴシック" charset="0"/>
                 <a:cs typeface="ＭＳ Ｐゴシック" charset="0"/>
               </a:rPr>
-              <a:t>Then </a:t>
-            </a:r>
-            <a:r>
-              <a:rPr lang="en-US" sz="1200" b="0" i="0" kern="1200" baseline="0" dirty="0" smtClean="0">
-                <a:solidFill>
-                  <a:schemeClr val="tx1"/>
-                </a:solidFill>
-                <a:effectLst/>
-                <a:latin typeface="+mn-lt"/>
-                <a:ea typeface="ＭＳ Ｐゴシック" charset="0"/>
-                <a:cs typeface="ＭＳ Ｐゴシック" charset="0"/>
-              </a:rPr>
-              <a:t>the HR department calls. The auditors have reviewed the enterprise operations and ACME has had major problems with anvil related injuries. They ask the anvil department to initiate a training program to keep people from receiving anvils without the necessary training.  They realize that their system does not support this and, so, they have to go shopping for a new </a:t>
-            </a:r>
-            <a:r>
-              <a:rPr lang="en-US" sz="1200" b="0" i="0" kern="1200" baseline="0" dirty="0" smtClean="0">
-                <a:solidFill>
-                  <a:schemeClr val="tx1"/>
-                </a:solidFill>
-                <a:effectLst/>
-                <a:latin typeface="+mn-lt"/>
-                <a:ea typeface="ＭＳ Ｐゴシック" charset="0"/>
-                <a:cs typeface="ＭＳ Ｐゴシック" charset="0"/>
-              </a:rPr>
-              <a:t>anvil training </a:t>
-            </a:r>
-            <a:r>
-              <a:rPr lang="en-US" sz="1200" b="0" i="0" kern="1200" baseline="0" dirty="0" smtClean="0">
-                <a:solidFill>
-                  <a:schemeClr val="tx1"/>
-                </a:solidFill>
-                <a:effectLst/>
-                <a:latin typeface="+mn-lt"/>
-                <a:ea typeface="ＭＳ Ｐゴシック" charset="0"/>
-                <a:cs typeface="ＭＳ Ｐゴシック" charset="0"/>
-              </a:rPr>
-              <a:t>system.  They pay a new vendor and the original cloud vendor to build a nice slick integrated anvil production management system with safety interlocks.</a:t>
+              <a:t>Then the HR department calls. The auditors have reviewed the enterprise operations and ACME has had major problems with anvil related injuries. They ask the anvil department to initiate a training program to keep people from receiving anvils without the necessary training.  They realize that their system does not support this and, so, they have to go shopping for a new anvil training system.  They pay a new vendor and the original cloud vendor to build a nice slick integrated anvil production management system with safety interlocks.</a:t>
             </a:r>
           </a:p>
           <a:p>
@@ -12716,14 +12516,14 @@
           </a:ln>
           <a:extLst>
             <a:ext uri="{909E8E84-426E-40dd-AFC4-6F175D3DCCD1}">
-              <a14:hiddenFill xmlns:a14="http://schemas.microsoft.com/office/drawing/2010/main" xmlns="">
+              <a14:hiddenFill xmlns="" xmlns:a14="http://schemas.microsoft.com/office/drawing/2010/main">
                 <a:solidFill>
                   <a:srgbClr val="FFFFFF"/>
                 </a:solidFill>
               </a14:hiddenFill>
             </a:ext>
             <a:ext uri="{91240B29-F687-4f45-9708-019B960494DF}">
-              <a14:hiddenLine xmlns:a14="http://schemas.microsoft.com/office/drawing/2010/main" xmlns="" w="9525">
+              <a14:hiddenLine xmlns="" xmlns:a14="http://schemas.microsoft.com/office/drawing/2010/main" w="9525">
                 <a:solidFill>
                   <a:srgbClr val="000000"/>
                 </a:solidFill>
@@ -13503,14 +13303,14 @@
           </a:ln>
           <a:extLst>
             <a:ext uri="{909E8E84-426E-40dd-AFC4-6F175D3DCCD1}">
-              <a14:hiddenFill xmlns:a14="http://schemas.microsoft.com/office/drawing/2010/main" xmlns="">
+              <a14:hiddenFill xmlns="" xmlns:a14="http://schemas.microsoft.com/office/drawing/2010/main">
                 <a:solidFill>
                   <a:srgbClr val="FFFFFF"/>
                 </a:solidFill>
               </a14:hiddenFill>
             </a:ext>
             <a:ext uri="{91240B29-F687-4f45-9708-019B960494DF}">
-              <a14:hiddenLine xmlns:a14="http://schemas.microsoft.com/office/drawing/2010/main" xmlns="" w="9525">
+              <a14:hiddenLine xmlns="" xmlns:a14="http://schemas.microsoft.com/office/drawing/2010/main" w="9525">
                 <a:solidFill>
                   <a:srgbClr val="000000"/>
                 </a:solidFill>
@@ -20156,7 +19956,6 @@
               <a:rPr lang="en-US" dirty="0"/>
               <a:t>Business Press, 2009. </a:t>
             </a:r>
-            <a:endParaRPr lang="en-US" dirty="0"/>
           </a:p>
           <a:p>
             <a:endParaRPr lang="en-US" dirty="0"/>
@@ -20288,36 +20087,19 @@
               <a:rPr lang="en-US" dirty="0" smtClean="0"/>
               <a:t>Many unknown interdependencies are created.</a:t>
             </a:r>
-            <a:endParaRPr lang="en-US" dirty="0" smtClean="0"/>
           </a:p>
           <a:p>
             <a:pPr lvl="2"/>
             <a:r>
               <a:rPr lang="en-US" dirty="0" smtClean="0"/>
-              <a:t>Increased </a:t>
-            </a:r>
+              <a:t>Increased costs (to maintain)</a:t>
+            </a:r>
+          </a:p>
+          <a:p>
+            <a:pPr lvl="2"/>
             <a:r>
               <a:rPr lang="en-US" dirty="0" smtClean="0"/>
-              <a:t>costs </a:t>
-            </a:r>
-            <a:r>
-              <a:rPr lang="en-US" dirty="0" smtClean="0"/>
-              <a:t>(to maintain)</a:t>
-            </a:r>
-          </a:p>
-          <a:p>
-            <a:pPr lvl="2"/>
-            <a:r>
-              <a:rPr lang="en-US" dirty="0" smtClean="0"/>
-              <a:t>Increased </a:t>
-            </a:r>
-            <a:r>
-              <a:rPr lang="en-US" dirty="0" smtClean="0"/>
-              <a:t>risks (to change</a:t>
-            </a:r>
-            <a:r>
-              <a:rPr lang="en-US" dirty="0" smtClean="0"/>
-              <a:t>)</a:t>
+              <a:t>Increased risks (to change)</a:t>
             </a:r>
           </a:p>
           <a:p>
@@ -20337,11 +20119,7 @@
             <a:pPr lvl="2"/>
             <a:r>
               <a:rPr lang="en-US" dirty="0" smtClean="0"/>
-              <a:t>This l</a:t>
-            </a:r>
-            <a:r>
-              <a:rPr lang="en-US" dirty="0" smtClean="0"/>
-              <a:t>imits the whole enterprise’s </a:t>
+              <a:t>This limits the whole enterprise’s </a:t>
             </a:r>
             <a:r>
               <a:rPr lang="en-US" dirty="0"/>
@@ -20442,13 +20220,8 @@
             </a:pPr>
             <a:r>
               <a:rPr lang="en-US" dirty="0" smtClean="0"/>
-              <a:t>This is where </a:t>
-            </a:r>
-            <a:r>
-              <a:rPr lang="en-US" dirty="0" smtClean="0"/>
-              <a:t>Enterprise Architecture (EA) helps.</a:t>
-            </a:r>
-            <a:endParaRPr lang="en-US" dirty="0" smtClean="0"/>
+              <a:t>This is where Enterprise Architecture (EA) helps.</a:t>
+            </a:r>
           </a:p>
         </p:txBody>
       </p:sp>
@@ -20851,15 +20624,7 @@
             </a:r>
             <a:r>
               <a:rPr lang="en-US" dirty="0" smtClean="0"/>
-              <a:t>enterprise components </a:t>
-            </a:r>
-            <a:r>
-              <a:rPr lang="en-US" dirty="0" smtClean="0"/>
-              <a:t>that are</a:t>
-            </a:r>
-            <a:r>
-              <a:rPr lang="en-US" dirty="0" smtClean="0"/>
-              <a:t>:</a:t>
+              <a:t>enterprise components that are:</a:t>
             </a:r>
             <a:endParaRPr lang="en-US" dirty="0"/>
           </a:p>
@@ -20963,11 +20728,7 @@
             <a:pPr algn="ctr"/>
             <a:r>
               <a:rPr lang="en-US" dirty="0" smtClean="0"/>
-              <a:t>WHAT</a:t>
-            </a:r>
-            <a:r>
-              <a:rPr lang="en-US" dirty="0" smtClean="0"/>
-              <a:t>?</a:t>
+              <a:t>WHAT?</a:t>
             </a:r>
             <a:br>
               <a:rPr lang="en-US" dirty="0" smtClean="0"/>
@@ -21067,19 +20828,7 @@
           <a:p>
             <a:r>
               <a:rPr lang="en-US" dirty="0" smtClean="0"/>
-              <a:t>What </a:t>
-            </a:r>
-            <a:r>
-              <a:rPr lang="en-US" dirty="0" smtClean="0"/>
-              <a:t>IS </a:t>
-            </a:r>
-            <a:r>
-              <a:rPr lang="en-US" dirty="0" smtClean="0"/>
-              <a:t>Enterprise </a:t>
-            </a:r>
-            <a:r>
-              <a:rPr lang="en-US" dirty="0" smtClean="0"/>
-              <a:t>Architecture?</a:t>
+              <a:t>What IS Enterprise Architecture?</a:t>
             </a:r>
             <a:endParaRPr lang="en-US" dirty="0"/>
           </a:p>
@@ -21114,21 +20863,8 @@
             </a:r>
             <a:r>
               <a:rPr lang="en-US" dirty="0" smtClean="0"/>
-              <a:t>nterprises must reach consensus about what EA is to them </a:t>
-            </a:r>
-            <a:r>
-              <a:rPr lang="en-US" dirty="0" smtClean="0"/>
-              <a:t>(often captured in </a:t>
-            </a:r>
-            <a:r>
-              <a:rPr lang="en-US" dirty="0" smtClean="0"/>
-              <a:t>an “Enterprise Architecture </a:t>
-            </a:r>
-            <a:r>
-              <a:rPr lang="en-US" dirty="0" smtClean="0"/>
-              <a:t>Framework”)</a:t>
-            </a:r>
-            <a:endParaRPr lang="en-US" dirty="0" smtClean="0"/>
+              <a:t>nterprises must reach consensus about what EA is to them (often captured in an “Enterprise Architecture Framework”)</a:t>
+            </a:r>
           </a:p>
           <a:p>
             <a:pPr lvl="1"/>
@@ -21162,15 +20898,7 @@
             </a:r>
             <a:r>
               <a:rPr lang="en-US" b="1" dirty="0" smtClean="0"/>
-              <a:t>“University of Waterloo </a:t>
-            </a:r>
-            <a:r>
-              <a:rPr lang="en-US" b="1" dirty="0" smtClean="0"/>
-              <a:t>Enterprise Architecture Framework</a:t>
-            </a:r>
-            <a:r>
-              <a:rPr lang="en-US" b="1" dirty="0" smtClean="0"/>
-              <a:t>” ?</a:t>
+              <a:t>“University of Waterloo Enterprise Architecture Framework” ?</a:t>
             </a:r>
             <a:endParaRPr lang="en-US" b="1" dirty="0"/>
           </a:p>
@@ -21432,7 +21160,6 @@
               <a:rPr lang="en-US" sz="1800" dirty="0" smtClean="0"/>
               <a:t>are we today</a:t>
             </a:r>
-            <a:endParaRPr lang="en-US" sz="1800" dirty="0" smtClean="0"/>
           </a:p>
           <a:p>
             <a:pPr fontAlgn="auto">
@@ -21518,14 +21245,14 @@
           <a:noFill/>
           <a:extLst>
             <a:ext uri="{909E8E84-426E-40dd-AFC4-6F175D3DCCD1}">
-              <a14:hiddenFill xmlns:a14="http://schemas.microsoft.com/office/drawing/2010/main" xmlns="">
+              <a14:hiddenFill xmlns="" xmlns:a14="http://schemas.microsoft.com/office/drawing/2010/main">
                 <a:solidFill>
                   <a:srgbClr val="FFFFFF"/>
                 </a:solidFill>
               </a14:hiddenFill>
             </a:ext>
             <a:ext uri="{91240B29-F687-4f45-9708-019B960494DF}">
-              <a14:hiddenLine xmlns:a14="http://schemas.microsoft.com/office/drawing/2010/main" xmlns="" w="9525">
+              <a14:hiddenLine xmlns="" xmlns:a14="http://schemas.microsoft.com/office/drawing/2010/main" w="9525">
                 <a:solidFill>
                   <a:srgbClr val="000000"/>
                 </a:solidFill>
@@ -21756,7 +21483,6 @@
               <a:rPr lang="en-US" dirty="0" smtClean="0"/>
               <a:t>Federation of Enterprise Architecture Professional Organizations (FEAPO)</a:t>
             </a:r>
-            <a:endParaRPr lang="en-US" dirty="0" smtClean="0"/>
           </a:p>
           <a:p>
             <a:pPr marL="0" indent="0">
@@ -21883,15 +21609,7 @@
           <a:p>
             <a:r>
               <a:rPr lang="en-US" dirty="0" smtClean="0"/>
-              <a:t>Current </a:t>
-            </a:r>
-            <a:r>
-              <a:rPr lang="en-US" dirty="0" smtClean="0"/>
-              <a:t>framework </a:t>
-            </a:r>
-            <a:r>
-              <a:rPr lang="en-US" dirty="0" smtClean="0"/>
-              <a:t>definition:</a:t>
+              <a:t>Current framework definition:</a:t>
             </a:r>
           </a:p>
           <a:p>
@@ -22518,15 +22236,7 @@
           <a:p>
             <a:r>
               <a:rPr lang="en-US" dirty="0" smtClean="0"/>
-              <a:t>SOURCE: California </a:t>
-            </a:r>
-            <a:r>
-              <a:rPr lang="en-US" smtClean="0"/>
-              <a:t>Enterprise Architecture Framework </a:t>
-            </a:r>
-            <a:r>
-              <a:rPr lang="en-US" dirty="0" smtClean="0"/>
-              <a:t>2.0</a:t>
+              <a:t>SOURCE: California Enterprise Architecture Framework 2.0</a:t>
             </a:r>
             <a:endParaRPr lang="en-US" dirty="0"/>
           </a:p>
@@ -22710,6 +22420,168 @@
           <a:p>
             <a:r>
               <a:rPr lang="en-US" dirty="0" smtClean="0"/>
+              <a:t>Business Architecture</a:t>
+            </a:r>
+            <a:endParaRPr lang="en-US" dirty="0"/>
+          </a:p>
+        </p:txBody>
+      </p:sp>
+      <p:sp>
+        <p:nvSpPr>
+          <p:cNvPr id="4" name="Footer Placeholder 3"/>
+          <p:cNvSpPr>
+            <a:spLocks noGrp="1"/>
+          </p:cNvSpPr>
+          <p:nvPr>
+            <p:ph type="ftr" sz="quarter" idx="10"/>
+          </p:nvPr>
+        </p:nvSpPr>
+        <p:spPr/>
+        <p:txBody>
+          <a:bodyPr/>
+          <a:lstStyle/>
+          <a:p>
+            <a:pPr>
+              <a:defRPr/>
+            </a:pPr>
+            <a:r>
+              <a:rPr lang="en-US" dirty="0" smtClean="0"/>
+              <a:t>Enterprise Architecture @ Waterloo</a:t>
+            </a:r>
+            <a:endParaRPr lang="en-US" dirty="0"/>
+          </a:p>
+        </p:txBody>
+      </p:sp>
+      <p:sp>
+        <p:nvSpPr>
+          <p:cNvPr id="6" name="TextBox 5"/>
+          <p:cNvSpPr txBox="1"/>
+          <p:nvPr/>
+        </p:nvSpPr>
+        <p:spPr>
+          <a:xfrm>
+            <a:off x="3132161" y="5377218"/>
+            <a:ext cx="5725236" cy="369332"/>
+          </a:xfrm>
+          <a:prstGeom prst="rect">
+            <a:avLst/>
+          </a:prstGeom>
+          <a:noFill/>
+        </p:spPr>
+        <p:txBody>
+          <a:bodyPr wrap="square" rtlCol="0">
+            <a:spAutoFit/>
+          </a:bodyPr>
+          <a:lstStyle/>
+          <a:p>
+            <a:r>
+              <a:rPr lang="en-US" dirty="0" smtClean="0"/>
+              <a:t>SOURCE: California </a:t>
+            </a:r>
+            <a:r>
+              <a:rPr lang="en-US" smtClean="0"/>
+              <a:t>Enterprise Architecture Framework </a:t>
+            </a:r>
+            <a:r>
+              <a:rPr lang="en-US" dirty="0" smtClean="0"/>
+              <a:t>2.0</a:t>
+            </a:r>
+            <a:endParaRPr lang="en-US" dirty="0"/>
+          </a:p>
+        </p:txBody>
+      </p:sp>
+      <p:pic>
+        <p:nvPicPr>
+          <p:cNvPr id="3" name="Picture 2"/>
+          <p:cNvPicPr>
+            <a:picLocks noChangeAspect="1"/>
+          </p:cNvPicPr>
+          <p:nvPr/>
+        </p:nvPicPr>
+        <p:blipFill>
+          <a:blip r:embed="rId2">
+            <a:extLst>
+              <a:ext uri="{28A0092B-C50C-407E-A947-70E740481C1C}">
+                <a14:useLocalDpi xmlns:a14="http://schemas.microsoft.com/office/drawing/2010/main" val="0"/>
+              </a:ext>
+            </a:extLst>
+          </a:blip>
+          <a:stretch>
+            <a:fillRect/>
+          </a:stretch>
+        </p:blipFill>
+        <p:spPr>
+          <a:xfrm>
+            <a:off x="635000" y="1430338"/>
+            <a:ext cx="7874000" cy="3708400"/>
+          </a:xfrm>
+          <a:prstGeom prst="rect">
+            <a:avLst/>
+          </a:prstGeom>
+        </p:spPr>
+      </p:pic>
+    </p:spTree>
+    <p:extLst>
+      <p:ext uri="{BB962C8B-B14F-4D97-AF65-F5344CB8AC3E}">
+        <p14:creationId xmlns:p14="http://schemas.microsoft.com/office/powerpoint/2010/main" val="1825627206"/>
+      </p:ext>
+    </p:extLst>
+  </p:cSld>
+  <p:clrMapOvr>
+    <a:masterClrMapping/>
+  </p:clrMapOvr>
+  <mc:AlternateContent xmlns:mc="http://schemas.openxmlformats.org/markup-compatibility/2006">
+    <mc:Choice xmlns:p14="http://schemas.microsoft.com/office/powerpoint/2010/main" Requires="p14">
+      <p:transition spd="slow" p14:dur="2000"/>
+    </mc:Choice>
+    <mc:Fallback>
+      <p:transition spd="slow"/>
+    </mc:Fallback>
+  </mc:AlternateContent>
+  <p:timing>
+    <p:tnLst>
+      <p:par>
+        <p:cTn id="1" dur="indefinite" restart="never" nodeType="tmRoot"/>
+      </p:par>
+    </p:tnLst>
+  </p:timing>
+</p:sld>
+</file>
+
+<file path=ppt/slides/slide27.xml><?xml version="1.0" encoding="utf-8"?>
+<p:sld xmlns:a="http://schemas.openxmlformats.org/drawingml/2006/main" xmlns:r="http://schemas.openxmlformats.org/officeDocument/2006/relationships" xmlns:p="http://schemas.openxmlformats.org/presentationml/2006/main" show="0">
+  <p:cSld>
+    <p:spTree>
+      <p:nvGrpSpPr>
+        <p:cNvPr id="1" name=""/>
+        <p:cNvGrpSpPr/>
+        <p:nvPr/>
+      </p:nvGrpSpPr>
+      <p:grpSpPr>
+        <a:xfrm>
+          <a:off x="0" y="0"/>
+          <a:ext cx="0" cy="0"/>
+          <a:chOff x="0" y="0"/>
+          <a:chExt cx="0" cy="0"/>
+        </a:xfrm>
+      </p:grpSpPr>
+      <p:sp>
+        <p:nvSpPr>
+          <p:cNvPr id="2" name="Title 1"/>
+          <p:cNvSpPr>
+            <a:spLocks noGrp="1"/>
+          </p:cNvSpPr>
+          <p:nvPr>
+            <p:ph type="title"/>
+          </p:nvPr>
+        </p:nvSpPr>
+        <p:spPr/>
+        <p:txBody>
+          <a:bodyPr/>
+          <a:lstStyle/>
+          <a:p>
+            <a:r>
+              <a:rPr lang="en-US" dirty="0" smtClean="0"/>
               <a:t>Information Architecture</a:t>
             </a:r>
             <a:endParaRPr lang="en-US" dirty="0"/>
@@ -22800,7 +22672,7 @@
 </p:sld>
 </file>
 
-<file path=ppt/slides/slide27.xml><?xml version="1.0" encoding="utf-8"?>
+<file path=ppt/slides/slide28.xml><?xml version="1.0" encoding="utf-8"?>
 <p:sld xmlns:a="http://schemas.openxmlformats.org/drawingml/2006/main" xmlns:r="http://schemas.openxmlformats.org/officeDocument/2006/relationships" xmlns:p="http://schemas.openxmlformats.org/presentationml/2006/main" show="0">
   <p:cSld>
     <p:spTree>
@@ -22834,6 +22706,168 @@
           <a:p>
             <a:r>
               <a:rPr lang="en-US" dirty="0" smtClean="0"/>
+              <a:t>Information Architecture</a:t>
+            </a:r>
+            <a:endParaRPr lang="en-US" dirty="0"/>
+          </a:p>
+        </p:txBody>
+      </p:sp>
+      <p:sp>
+        <p:nvSpPr>
+          <p:cNvPr id="4" name="Footer Placeholder 3"/>
+          <p:cNvSpPr>
+            <a:spLocks noGrp="1"/>
+          </p:cNvSpPr>
+          <p:nvPr>
+            <p:ph type="ftr" sz="quarter" idx="10"/>
+          </p:nvPr>
+        </p:nvSpPr>
+        <p:spPr/>
+        <p:txBody>
+          <a:bodyPr/>
+          <a:lstStyle/>
+          <a:p>
+            <a:pPr>
+              <a:defRPr/>
+            </a:pPr>
+            <a:r>
+              <a:rPr lang="en-US" dirty="0" smtClean="0"/>
+              <a:t>Enterprise Architecture @ Waterloo</a:t>
+            </a:r>
+            <a:endParaRPr lang="en-US" dirty="0"/>
+          </a:p>
+        </p:txBody>
+      </p:sp>
+      <p:sp>
+        <p:nvSpPr>
+          <p:cNvPr id="6" name="TextBox 5"/>
+          <p:cNvSpPr txBox="1"/>
+          <p:nvPr/>
+        </p:nvSpPr>
+        <p:spPr>
+          <a:xfrm>
+            <a:off x="3132161" y="5377218"/>
+            <a:ext cx="5725236" cy="369332"/>
+          </a:xfrm>
+          <a:prstGeom prst="rect">
+            <a:avLst/>
+          </a:prstGeom>
+          <a:noFill/>
+        </p:spPr>
+        <p:txBody>
+          <a:bodyPr wrap="square" rtlCol="0">
+            <a:spAutoFit/>
+          </a:bodyPr>
+          <a:lstStyle/>
+          <a:p>
+            <a:r>
+              <a:rPr lang="en-US" dirty="0" smtClean="0"/>
+              <a:t>SOURCE: California </a:t>
+            </a:r>
+            <a:r>
+              <a:rPr lang="en-US" smtClean="0"/>
+              <a:t>Enterprise Architecture Framework </a:t>
+            </a:r>
+            <a:r>
+              <a:rPr lang="en-US" dirty="0" smtClean="0"/>
+              <a:t>2.0</a:t>
+            </a:r>
+            <a:endParaRPr lang="en-US" dirty="0"/>
+          </a:p>
+        </p:txBody>
+      </p:sp>
+      <p:pic>
+        <p:nvPicPr>
+          <p:cNvPr id="3" name="Picture 2"/>
+          <p:cNvPicPr>
+            <a:picLocks noChangeAspect="1"/>
+          </p:cNvPicPr>
+          <p:nvPr/>
+        </p:nvPicPr>
+        <p:blipFill>
+          <a:blip r:embed="rId2">
+            <a:extLst>
+              <a:ext uri="{28A0092B-C50C-407E-A947-70E740481C1C}">
+                <a14:useLocalDpi xmlns:a14="http://schemas.microsoft.com/office/drawing/2010/main" val="0"/>
+              </a:ext>
+            </a:extLst>
+          </a:blip>
+          <a:stretch>
+            <a:fillRect/>
+          </a:stretch>
+        </p:blipFill>
+        <p:spPr>
+          <a:xfrm>
+            <a:off x="1600200" y="1322118"/>
+            <a:ext cx="5943600" cy="3937000"/>
+          </a:xfrm>
+          <a:prstGeom prst="rect">
+            <a:avLst/>
+          </a:prstGeom>
+        </p:spPr>
+      </p:pic>
+    </p:spTree>
+    <p:extLst>
+      <p:ext uri="{BB962C8B-B14F-4D97-AF65-F5344CB8AC3E}">
+        <p14:creationId xmlns:p14="http://schemas.microsoft.com/office/powerpoint/2010/main" val="930582785"/>
+      </p:ext>
+    </p:extLst>
+  </p:cSld>
+  <p:clrMapOvr>
+    <a:masterClrMapping/>
+  </p:clrMapOvr>
+  <mc:AlternateContent xmlns:mc="http://schemas.openxmlformats.org/markup-compatibility/2006">
+    <mc:Choice xmlns:p14="http://schemas.microsoft.com/office/powerpoint/2010/main" Requires="p14">
+      <p:transition spd="slow" p14:dur="2000"/>
+    </mc:Choice>
+    <mc:Fallback>
+      <p:transition spd="slow"/>
+    </mc:Fallback>
+  </mc:AlternateContent>
+  <p:timing>
+    <p:tnLst>
+      <p:par>
+        <p:cTn id="1" dur="indefinite" restart="never" nodeType="tmRoot"/>
+      </p:par>
+    </p:tnLst>
+  </p:timing>
+</p:sld>
+</file>
+
+<file path=ppt/slides/slide29.xml><?xml version="1.0" encoding="utf-8"?>
+<p:sld xmlns:a="http://schemas.openxmlformats.org/drawingml/2006/main" xmlns:r="http://schemas.openxmlformats.org/officeDocument/2006/relationships" xmlns:p="http://schemas.openxmlformats.org/presentationml/2006/main" show="0">
+  <p:cSld>
+    <p:spTree>
+      <p:nvGrpSpPr>
+        <p:cNvPr id="1" name=""/>
+        <p:cNvGrpSpPr/>
+        <p:nvPr/>
+      </p:nvGrpSpPr>
+      <p:grpSpPr>
+        <a:xfrm>
+          <a:off x="0" y="0"/>
+          <a:ext cx="0" cy="0"/>
+          <a:chOff x="0" y="0"/>
+          <a:chExt cx="0" cy="0"/>
+        </a:xfrm>
+      </p:grpSpPr>
+      <p:sp>
+        <p:nvSpPr>
+          <p:cNvPr id="2" name="Title 1"/>
+          <p:cNvSpPr>
+            <a:spLocks noGrp="1"/>
+          </p:cNvSpPr>
+          <p:nvPr>
+            <p:ph type="title"/>
+          </p:nvPr>
+        </p:nvSpPr>
+        <p:spPr/>
+        <p:txBody>
+          <a:bodyPr/>
+          <a:lstStyle/>
+          <a:p>
+            <a:r>
+              <a:rPr lang="en-US" dirty="0" smtClean="0"/>
               <a:t>Applications Architecture</a:t>
             </a:r>
             <a:endParaRPr lang="en-US" dirty="0"/>
@@ -22894,7 +22928,277 @@
 </p:sld>
 </file>
 
-<file path=ppt/slides/slide28.xml><?xml version="1.0" encoding="utf-8"?>
+<file path=ppt/slides/slide3.xml><?xml version="1.0" encoding="utf-8"?>
+<p:sld xmlns:a="http://schemas.openxmlformats.org/drawingml/2006/main" xmlns:r="http://schemas.openxmlformats.org/officeDocument/2006/relationships" xmlns:p="http://schemas.openxmlformats.org/presentationml/2006/main">
+  <p:cSld>
+    <p:spTree>
+      <p:nvGrpSpPr>
+        <p:cNvPr id="1" name=""/>
+        <p:cNvGrpSpPr/>
+        <p:nvPr/>
+      </p:nvGrpSpPr>
+      <p:grpSpPr>
+        <a:xfrm>
+          <a:off x="0" y="0"/>
+          <a:ext cx="0" cy="0"/>
+          <a:chOff x="0" y="0"/>
+          <a:chExt cx="0" cy="0"/>
+        </a:xfrm>
+      </p:grpSpPr>
+      <p:sp>
+        <p:nvSpPr>
+          <p:cNvPr id="2" name="Title 1"/>
+          <p:cNvSpPr>
+            <a:spLocks noGrp="1"/>
+          </p:cNvSpPr>
+          <p:nvPr>
+            <p:ph type="title"/>
+          </p:nvPr>
+        </p:nvSpPr>
+        <p:spPr>
+          <a:xfrm>
+            <a:off x="457200" y="2492520"/>
+            <a:ext cx="8229600" cy="1143000"/>
+          </a:xfrm>
+        </p:spPr>
+        <p:txBody>
+          <a:bodyPr>
+            <a:normAutofit fontScale="90000"/>
+          </a:bodyPr>
+          <a:lstStyle/>
+          <a:p>
+            <a:pPr algn="ctr"/>
+            <a:r>
+              <a:rPr lang="en-US" dirty="0" smtClean="0"/>
+              <a:t>WHO?</a:t>
+            </a:r>
+            <a:br>
+              <a:rPr lang="en-US" dirty="0" smtClean="0"/>
+            </a:br>
+            <a:r>
+              <a:rPr lang="en-US" dirty="0" smtClean="0"/>
+              <a:t/>
+            </a:r>
+            <a:br>
+              <a:rPr lang="en-US" dirty="0" smtClean="0"/>
+            </a:br>
+            <a:r>
+              <a:rPr lang="en-US" dirty="0" smtClean="0"/>
+              <a:t>Enterprise Architecture Group</a:t>
+            </a:r>
+            <a:endParaRPr lang="en-US" dirty="0"/>
+          </a:p>
+        </p:txBody>
+      </p:sp>
+      <p:sp>
+        <p:nvSpPr>
+          <p:cNvPr id="4" name="Footer Placeholder 3"/>
+          <p:cNvSpPr>
+            <a:spLocks noGrp="1"/>
+          </p:cNvSpPr>
+          <p:nvPr>
+            <p:ph type="ftr" sz="quarter" idx="10"/>
+          </p:nvPr>
+        </p:nvSpPr>
+        <p:spPr/>
+        <p:txBody>
+          <a:bodyPr/>
+          <a:lstStyle/>
+          <a:p>
+            <a:pPr>
+              <a:defRPr/>
+            </a:pPr>
+            <a:r>
+              <a:rPr lang="en-US" dirty="0" smtClean="0"/>
+              <a:t>Enterprise Architecture @ Waterloo</a:t>
+            </a:r>
+            <a:endParaRPr lang="en-US" dirty="0"/>
+          </a:p>
+        </p:txBody>
+      </p:sp>
+    </p:spTree>
+    <p:extLst>
+      <p:ext uri="{BB962C8B-B14F-4D97-AF65-F5344CB8AC3E}">
+        <p14:creationId xmlns:p14="http://schemas.microsoft.com/office/powerpoint/2010/main" val="1698768535"/>
+      </p:ext>
+    </p:extLst>
+  </p:cSld>
+  <p:clrMapOvr>
+    <a:masterClrMapping/>
+  </p:clrMapOvr>
+  <p:timing>
+    <p:tnLst>
+      <p:par>
+        <p:cTn id="1" dur="indefinite" restart="never" nodeType="tmRoot"/>
+      </p:par>
+    </p:tnLst>
+  </p:timing>
+</p:sld>
+</file>
+
+<file path=ppt/slides/slide30.xml><?xml version="1.0" encoding="utf-8"?>
+<p:sld xmlns:a="http://schemas.openxmlformats.org/drawingml/2006/main" xmlns:r="http://schemas.openxmlformats.org/officeDocument/2006/relationships" xmlns:p="http://schemas.openxmlformats.org/presentationml/2006/main" show="0">
+  <p:cSld>
+    <p:spTree>
+      <p:nvGrpSpPr>
+        <p:cNvPr id="1" name=""/>
+        <p:cNvGrpSpPr/>
+        <p:nvPr/>
+      </p:nvGrpSpPr>
+      <p:grpSpPr>
+        <a:xfrm>
+          <a:off x="0" y="0"/>
+          <a:ext cx="0" cy="0"/>
+          <a:chOff x="0" y="0"/>
+          <a:chExt cx="0" cy="0"/>
+        </a:xfrm>
+      </p:grpSpPr>
+      <p:sp>
+        <p:nvSpPr>
+          <p:cNvPr id="2" name="Title 1"/>
+          <p:cNvSpPr>
+            <a:spLocks noGrp="1"/>
+          </p:cNvSpPr>
+          <p:nvPr>
+            <p:ph type="title"/>
+          </p:nvPr>
+        </p:nvSpPr>
+        <p:spPr/>
+        <p:txBody>
+          <a:bodyPr/>
+          <a:lstStyle/>
+          <a:p>
+            <a:r>
+              <a:rPr lang="en-US" dirty="0" smtClean="0"/>
+              <a:t>Applications Architecture</a:t>
+            </a:r>
+            <a:endParaRPr lang="en-US" dirty="0"/>
+          </a:p>
+        </p:txBody>
+      </p:sp>
+      <p:sp>
+        <p:nvSpPr>
+          <p:cNvPr id="4" name="Footer Placeholder 3"/>
+          <p:cNvSpPr>
+            <a:spLocks noGrp="1"/>
+          </p:cNvSpPr>
+          <p:nvPr>
+            <p:ph type="ftr" sz="quarter" idx="10"/>
+          </p:nvPr>
+        </p:nvSpPr>
+        <p:spPr/>
+        <p:txBody>
+          <a:bodyPr/>
+          <a:lstStyle/>
+          <a:p>
+            <a:pPr>
+              <a:defRPr/>
+            </a:pPr>
+            <a:r>
+              <a:rPr lang="en-US" dirty="0" smtClean="0"/>
+              <a:t>Enterprise Architecture @ Waterloo</a:t>
+            </a:r>
+            <a:endParaRPr lang="en-US" dirty="0"/>
+          </a:p>
+        </p:txBody>
+      </p:sp>
+      <p:sp>
+        <p:nvSpPr>
+          <p:cNvPr id="5" name="TextBox 4"/>
+          <p:cNvSpPr txBox="1"/>
+          <p:nvPr/>
+        </p:nvSpPr>
+        <p:spPr>
+          <a:xfrm>
+            <a:off x="3132161" y="5377218"/>
+            <a:ext cx="5725236" cy="369332"/>
+          </a:xfrm>
+          <a:prstGeom prst="rect">
+            <a:avLst/>
+          </a:prstGeom>
+          <a:noFill/>
+        </p:spPr>
+        <p:txBody>
+          <a:bodyPr wrap="square" rtlCol="0">
+            <a:spAutoFit/>
+          </a:bodyPr>
+          <a:lstStyle/>
+          <a:p>
+            <a:r>
+              <a:rPr lang="en-US" dirty="0" smtClean="0"/>
+              <a:t>SOURCE: California </a:t>
+            </a:r>
+            <a:r>
+              <a:rPr lang="en-US" smtClean="0"/>
+              <a:t>Enterprise Architecture Framework </a:t>
+            </a:r>
+            <a:r>
+              <a:rPr lang="en-US" dirty="0" smtClean="0"/>
+              <a:t>2.0</a:t>
+            </a:r>
+            <a:endParaRPr lang="en-US" dirty="0"/>
+          </a:p>
+        </p:txBody>
+      </p:sp>
+      <p:pic>
+        <p:nvPicPr>
+          <p:cNvPr id="3" name="Picture 2"/>
+          <p:cNvPicPr>
+            <a:picLocks noChangeAspect="1"/>
+          </p:cNvPicPr>
+          <p:nvPr/>
+        </p:nvPicPr>
+        <p:blipFill>
+          <a:blip r:embed="rId2">
+            <a:extLst>
+              <a:ext uri="{28A0092B-C50C-407E-A947-70E740481C1C}">
+                <a14:useLocalDpi xmlns:a14="http://schemas.microsoft.com/office/drawing/2010/main" val="0"/>
+              </a:ext>
+            </a:extLst>
+          </a:blip>
+          <a:stretch>
+            <a:fillRect/>
+          </a:stretch>
+        </p:blipFill>
+        <p:spPr>
+          <a:xfrm>
+            <a:off x="1629833" y="1071133"/>
+            <a:ext cx="5884333" cy="4306085"/>
+          </a:xfrm>
+          <a:prstGeom prst="rect">
+            <a:avLst/>
+          </a:prstGeom>
+        </p:spPr>
+      </p:pic>
+    </p:spTree>
+    <p:extLst>
+      <p:ext uri="{BB962C8B-B14F-4D97-AF65-F5344CB8AC3E}">
+        <p14:creationId xmlns:p14="http://schemas.microsoft.com/office/powerpoint/2010/main" val="695353543"/>
+      </p:ext>
+    </p:extLst>
+  </p:cSld>
+  <p:clrMapOvr>
+    <a:masterClrMapping/>
+  </p:clrMapOvr>
+  <mc:AlternateContent xmlns:mc="http://schemas.openxmlformats.org/markup-compatibility/2006">
+    <mc:Choice xmlns:p14="http://schemas.microsoft.com/office/powerpoint/2010/main" Requires="p14">
+      <p:transition spd="slow" p14:dur="2000"/>
+    </mc:Choice>
+    <mc:Fallback>
+      <p:transition spd="slow"/>
+    </mc:Fallback>
+  </mc:AlternateContent>
+  <p:timing>
+    <p:tnLst>
+      <p:par>
+        <p:cTn id="1" dur="indefinite" restart="never" nodeType="tmRoot"/>
+      </p:par>
+    </p:tnLst>
+  </p:timing>
+</p:sld>
+</file>
+
+<file path=ppt/slides/slide31.xml><?xml version="1.0" encoding="utf-8"?>
 <p:sld xmlns:a="http://schemas.openxmlformats.org/drawingml/2006/main" xmlns:r="http://schemas.openxmlformats.org/officeDocument/2006/relationships" xmlns:p="http://schemas.openxmlformats.org/presentationml/2006/main" show="0">
   <p:cSld>
     <p:spTree>
@@ -23018,7 +23322,169 @@
 </p:sld>
 </file>
 
-<file path=ppt/slides/slide29.xml><?xml version="1.0" encoding="utf-8"?>
+<file path=ppt/slides/slide32.xml><?xml version="1.0" encoding="utf-8"?>
+<p:sld xmlns:a="http://schemas.openxmlformats.org/drawingml/2006/main" xmlns:r="http://schemas.openxmlformats.org/officeDocument/2006/relationships" xmlns:p="http://schemas.openxmlformats.org/presentationml/2006/main" show="0">
+  <p:cSld>
+    <p:spTree>
+      <p:nvGrpSpPr>
+        <p:cNvPr id="1" name=""/>
+        <p:cNvGrpSpPr/>
+        <p:nvPr/>
+      </p:nvGrpSpPr>
+      <p:grpSpPr>
+        <a:xfrm>
+          <a:off x="0" y="0"/>
+          <a:ext cx="0" cy="0"/>
+          <a:chOff x="0" y="0"/>
+          <a:chExt cx="0" cy="0"/>
+        </a:xfrm>
+      </p:grpSpPr>
+      <p:sp>
+        <p:nvSpPr>
+          <p:cNvPr id="2" name="Title 1"/>
+          <p:cNvSpPr>
+            <a:spLocks noGrp="1"/>
+          </p:cNvSpPr>
+          <p:nvPr>
+            <p:ph type="title"/>
+          </p:nvPr>
+        </p:nvSpPr>
+        <p:spPr/>
+        <p:txBody>
+          <a:bodyPr/>
+          <a:lstStyle/>
+          <a:p>
+            <a:r>
+              <a:rPr lang="en-US" dirty="0" smtClean="0"/>
+              <a:t>Technology Architecture</a:t>
+            </a:r>
+            <a:endParaRPr lang="en-US" dirty="0"/>
+          </a:p>
+        </p:txBody>
+      </p:sp>
+      <p:sp>
+        <p:nvSpPr>
+          <p:cNvPr id="4" name="Footer Placeholder 3"/>
+          <p:cNvSpPr>
+            <a:spLocks noGrp="1"/>
+          </p:cNvSpPr>
+          <p:nvPr>
+            <p:ph type="ftr" sz="quarter" idx="10"/>
+          </p:nvPr>
+        </p:nvSpPr>
+        <p:spPr/>
+        <p:txBody>
+          <a:bodyPr/>
+          <a:lstStyle/>
+          <a:p>
+            <a:pPr>
+              <a:defRPr/>
+            </a:pPr>
+            <a:r>
+              <a:rPr lang="en-US" dirty="0" smtClean="0"/>
+              <a:t>Enterprise Architecture @ Waterloo</a:t>
+            </a:r>
+            <a:endParaRPr lang="en-US" dirty="0"/>
+          </a:p>
+        </p:txBody>
+      </p:sp>
+      <p:sp>
+        <p:nvSpPr>
+          <p:cNvPr id="6" name="TextBox 5"/>
+          <p:cNvSpPr txBox="1"/>
+          <p:nvPr/>
+        </p:nvSpPr>
+        <p:spPr>
+          <a:xfrm>
+            <a:off x="3132161" y="5377218"/>
+            <a:ext cx="5725236" cy="369332"/>
+          </a:xfrm>
+          <a:prstGeom prst="rect">
+            <a:avLst/>
+          </a:prstGeom>
+          <a:noFill/>
+        </p:spPr>
+        <p:txBody>
+          <a:bodyPr wrap="square" rtlCol="0">
+            <a:spAutoFit/>
+          </a:bodyPr>
+          <a:lstStyle/>
+          <a:p>
+            <a:r>
+              <a:rPr lang="en-US" dirty="0" smtClean="0"/>
+              <a:t>SOURCE: California </a:t>
+            </a:r>
+            <a:r>
+              <a:rPr lang="en-US" smtClean="0"/>
+              <a:t>Enterprise Architecture Framework </a:t>
+            </a:r>
+            <a:r>
+              <a:rPr lang="en-US" dirty="0" smtClean="0"/>
+              <a:t>2.0</a:t>
+            </a:r>
+            <a:endParaRPr lang="en-US" dirty="0"/>
+          </a:p>
+        </p:txBody>
+      </p:sp>
+      <p:pic>
+        <p:nvPicPr>
+          <p:cNvPr id="3" name="Picture 2"/>
+          <p:cNvPicPr>
+            <a:picLocks noChangeAspect="1"/>
+          </p:cNvPicPr>
+          <p:nvPr/>
+        </p:nvPicPr>
+        <p:blipFill>
+          <a:blip r:embed="rId2">
+            <a:extLst>
+              <a:ext uri="{28A0092B-C50C-407E-A947-70E740481C1C}">
+                <a14:useLocalDpi xmlns:a14="http://schemas.microsoft.com/office/drawing/2010/main" val="0"/>
+              </a:ext>
+            </a:extLst>
+          </a:blip>
+          <a:stretch>
+            <a:fillRect/>
+          </a:stretch>
+        </p:blipFill>
+        <p:spPr>
+          <a:xfrm>
+            <a:off x="774700" y="2006600"/>
+            <a:ext cx="7594600" cy="2844800"/>
+          </a:xfrm>
+          <a:prstGeom prst="rect">
+            <a:avLst/>
+          </a:prstGeom>
+        </p:spPr>
+      </p:pic>
+    </p:spTree>
+    <p:extLst>
+      <p:ext uri="{BB962C8B-B14F-4D97-AF65-F5344CB8AC3E}">
+        <p14:creationId xmlns:p14="http://schemas.microsoft.com/office/powerpoint/2010/main" val="1171783375"/>
+      </p:ext>
+    </p:extLst>
+  </p:cSld>
+  <p:clrMapOvr>
+    <a:masterClrMapping/>
+  </p:clrMapOvr>
+  <mc:AlternateContent xmlns:mc="http://schemas.openxmlformats.org/markup-compatibility/2006">
+    <mc:Choice xmlns:p14="http://schemas.microsoft.com/office/powerpoint/2010/main" Requires="p14">
+      <p:transition spd="slow" p14:dur="2000"/>
+    </mc:Choice>
+    <mc:Fallback>
+      <p:transition spd="slow"/>
+    </mc:Fallback>
+  </mc:AlternateContent>
+  <p:timing>
+    <p:tnLst>
+      <p:par>
+        <p:cTn id="1" dur="indefinite" restart="never" nodeType="tmRoot"/>
+      </p:par>
+    </p:tnLst>
+  </p:timing>
+</p:sld>
+</file>
+
+<file path=ppt/slides/slide33.xml><?xml version="1.0" encoding="utf-8"?>
 <p:sld xmlns:a="http://schemas.openxmlformats.org/drawingml/2006/main" xmlns:r="http://schemas.openxmlformats.org/officeDocument/2006/relationships" xmlns:p="http://schemas.openxmlformats.org/presentationml/2006/main">
   <p:cSld>
     <p:spTree>
@@ -23137,119 +23603,7 @@
 </p:sld>
 </file>
 
-<file path=ppt/slides/slide3.xml><?xml version="1.0" encoding="utf-8"?>
-<p:sld xmlns:a="http://schemas.openxmlformats.org/drawingml/2006/main" xmlns:r="http://schemas.openxmlformats.org/officeDocument/2006/relationships" xmlns:p="http://schemas.openxmlformats.org/presentationml/2006/main">
-  <p:cSld>
-    <p:spTree>
-      <p:nvGrpSpPr>
-        <p:cNvPr id="1" name=""/>
-        <p:cNvGrpSpPr/>
-        <p:nvPr/>
-      </p:nvGrpSpPr>
-      <p:grpSpPr>
-        <a:xfrm>
-          <a:off x="0" y="0"/>
-          <a:ext cx="0" cy="0"/>
-          <a:chOff x="0" y="0"/>
-          <a:chExt cx="0" cy="0"/>
-        </a:xfrm>
-      </p:grpSpPr>
-      <p:sp>
-        <p:nvSpPr>
-          <p:cNvPr id="2" name="Title 1"/>
-          <p:cNvSpPr>
-            <a:spLocks noGrp="1"/>
-          </p:cNvSpPr>
-          <p:nvPr>
-            <p:ph type="title"/>
-          </p:nvPr>
-        </p:nvSpPr>
-        <p:spPr>
-          <a:xfrm>
-            <a:off x="457200" y="2492520"/>
-            <a:ext cx="8229600" cy="1143000"/>
-          </a:xfrm>
-        </p:spPr>
-        <p:txBody>
-          <a:bodyPr>
-            <a:normAutofit fontScale="90000"/>
-          </a:bodyPr>
-          <a:lstStyle/>
-          <a:p>
-            <a:pPr algn="ctr"/>
-            <a:r>
-              <a:rPr lang="en-US" dirty="0" smtClean="0"/>
-              <a:t>WHO</a:t>
-            </a:r>
-            <a:r>
-              <a:rPr lang="en-US" dirty="0" smtClean="0"/>
-              <a:t>?</a:t>
-            </a:r>
-            <a:br>
-              <a:rPr lang="en-US" dirty="0" smtClean="0"/>
-            </a:br>
-            <a:r>
-              <a:rPr lang="en-US" dirty="0" smtClean="0"/>
-              <a:t/>
-            </a:r>
-            <a:br>
-              <a:rPr lang="en-US" dirty="0" smtClean="0"/>
-            </a:br>
-            <a:r>
-              <a:rPr lang="en-US" dirty="0" smtClean="0"/>
-              <a:t>Enterprise Architecture Group</a:t>
-            </a:r>
-            <a:endParaRPr lang="en-US" dirty="0"/>
-          </a:p>
-        </p:txBody>
-      </p:sp>
-      <p:sp>
-        <p:nvSpPr>
-          <p:cNvPr id="4" name="Footer Placeholder 3"/>
-          <p:cNvSpPr>
-            <a:spLocks noGrp="1"/>
-          </p:cNvSpPr>
-          <p:nvPr>
-            <p:ph type="ftr" sz="quarter" idx="10"/>
-          </p:nvPr>
-        </p:nvSpPr>
-        <p:spPr/>
-        <p:txBody>
-          <a:bodyPr/>
-          <a:lstStyle/>
-          <a:p>
-            <a:pPr>
-              <a:defRPr/>
-            </a:pPr>
-            <a:r>
-              <a:rPr lang="en-US" dirty="0" smtClean="0"/>
-              <a:t>Enterprise Architecture @ Waterloo</a:t>
-            </a:r>
-            <a:endParaRPr lang="en-US" dirty="0"/>
-          </a:p>
-        </p:txBody>
-      </p:sp>
-    </p:spTree>
-    <p:extLst>
-      <p:ext uri="{BB962C8B-B14F-4D97-AF65-F5344CB8AC3E}">
-        <p14:creationId xmlns:p14="http://schemas.microsoft.com/office/powerpoint/2010/main" val="1698768535"/>
-      </p:ext>
-    </p:extLst>
-  </p:cSld>
-  <p:clrMapOvr>
-    <a:masterClrMapping/>
-  </p:clrMapOvr>
-  <p:timing>
-    <p:tnLst>
-      <p:par>
-        <p:cTn id="1" dur="indefinite" restart="never" nodeType="tmRoot"/>
-      </p:par>
-    </p:tnLst>
-  </p:timing>
-</p:sld>
-</file>
-
-<file path=ppt/slides/slide30.xml><?xml version="1.0" encoding="utf-8"?>
+<file path=ppt/slides/slide34.xml><?xml version="1.0" encoding="utf-8"?>
 <p:sld xmlns:a="http://schemas.openxmlformats.org/drawingml/2006/main" xmlns:r="http://schemas.openxmlformats.org/officeDocument/2006/relationships" xmlns:p="http://schemas.openxmlformats.org/presentationml/2006/main">
   <p:cSld>
     <p:spTree>
@@ -23414,7 +23768,7 @@
 </p:sld>
 </file>
 
-<file path=ppt/slides/slide31.xml><?xml version="1.0" encoding="utf-8"?>
+<file path=ppt/slides/slide35.xml><?xml version="1.0" encoding="utf-8"?>
 <p:sld xmlns:a="http://schemas.openxmlformats.org/drawingml/2006/main" xmlns:r="http://schemas.openxmlformats.org/officeDocument/2006/relationships" xmlns:p="http://schemas.openxmlformats.org/presentationml/2006/main">
   <p:cSld>
     <p:spTree>
@@ -23536,7 +23890,7 @@
 </p:sld>
 </file>
 
-<file path=ppt/slides/slide32.xml><?xml version="1.0" encoding="utf-8"?>
+<file path=ppt/slides/slide36.xml><?xml version="1.0" encoding="utf-8"?>
 <p:sld xmlns:a="http://schemas.openxmlformats.org/drawingml/2006/main" xmlns:r="http://schemas.openxmlformats.org/officeDocument/2006/relationships" xmlns:p="http://schemas.openxmlformats.org/presentationml/2006/main">
   <p:cSld>
     <p:spTree>
@@ -23572,22 +23926,14 @@
           <a:p>
             <a:r>
               <a:rPr lang="en-US" dirty="0" smtClean="0"/>
-              <a:t>Waterloo’s EA</a:t>
-            </a:r>
-            <a:r>
-              <a:rPr lang="en-US" dirty="0" smtClean="0"/>
-              <a:t>–</a:t>
+              <a:t>Waterloo’s EA–</a:t>
             </a:r>
             <a:br>
               <a:rPr lang="en-US" dirty="0" smtClean="0"/>
             </a:br>
             <a:r>
               <a:rPr lang="en-US" dirty="0" smtClean="0"/>
-              <a:t>DOMAIN INTERCONNECTED </a:t>
-            </a:r>
-            <a:r>
-              <a:rPr lang="en-US" dirty="0" smtClean="0"/>
-              <a:t>MODEL</a:t>
+              <a:t>DOMAIN INTERCONNECTED MODEL</a:t>
             </a:r>
             <a:endParaRPr lang="en-US" dirty="0"/>
           </a:p>
@@ -23653,13 +23999,13 @@
   <p:clrMapOvr>
     <a:masterClrMapping/>
   </p:clrMapOvr>
-  <mc:AlternateContent xmlns:mc="http://schemas.openxmlformats.org/markup-compatibility/2006">
-    <mc:Choice xmlns:p14="http://schemas.microsoft.com/office/powerpoint/2010/main" Requires="p14">
+  <mc:AlternateContent xmlns:mc="http://schemas.openxmlformats.org/markup-compatibility/2006" xmlns:p14="http://schemas.microsoft.com/office/powerpoint/2010/main">
+    <mc:Choice Requires="p14">
       <p:transition p14:dur="100">
         <p:cut/>
       </p:transition>
     </mc:Choice>
-    <mc:Fallback>
+    <mc:Fallback xmlns="">
       <p:transition>
         <p:cut/>
       </p:transition>
@@ -23675,7 +24021,7 @@
 </p:sld>
 </file>
 
-<file path=ppt/slides/slide33.xml><?xml version="1.0" encoding="utf-8"?>
+<file path=ppt/slides/slide37.xml><?xml version="1.0" encoding="utf-8"?>
 <p:sld xmlns:a="http://schemas.openxmlformats.org/drawingml/2006/main" xmlns:r="http://schemas.openxmlformats.org/officeDocument/2006/relationships" xmlns:p="http://schemas.openxmlformats.org/presentationml/2006/main">
   <p:cSld>
     <p:spTree>
@@ -23827,7 +24173,7 @@
 </p:sld>
 </file>
 
-<file path=ppt/slides/slide34.xml><?xml version="1.0" encoding="utf-8"?>
+<file path=ppt/slides/slide38.xml><?xml version="1.0" encoding="utf-8"?>
 <p:sld xmlns:a="http://schemas.openxmlformats.org/drawingml/2006/main" xmlns:r="http://schemas.openxmlformats.org/officeDocument/2006/relationships" xmlns:p="http://schemas.openxmlformats.org/presentationml/2006/main">
   <p:cSld>
     <p:spTree>
@@ -23869,11 +24215,7 @@
             <a:pPr algn="ctr"/>
             <a:r>
               <a:rPr lang="en-US" dirty="0" smtClean="0"/>
-              <a:t>HOW</a:t>
-            </a:r>
-            <a:r>
-              <a:rPr lang="en-US" dirty="0" smtClean="0"/>
-              <a:t>?</a:t>
+              <a:t>HOW?</a:t>
             </a:r>
             <a:br>
               <a:rPr lang="en-US" dirty="0" smtClean="0"/>
@@ -23939,7 +24281,7 @@
 </p:sld>
 </file>
 
-<file path=ppt/slides/slide35.xml><?xml version="1.0" encoding="utf-8"?>
+<file path=ppt/slides/slide39.xml><?xml version="1.0" encoding="utf-8"?>
 <p:sld xmlns:a="http://schemas.openxmlformats.org/drawingml/2006/main" xmlns:r="http://schemas.openxmlformats.org/officeDocument/2006/relationships" xmlns:p="http://schemas.openxmlformats.org/presentationml/2006/main">
   <p:cSld>
     <p:spTree>
@@ -24003,11 +24345,7 @@
             </a:pPr>
             <a:r>
               <a:rPr lang="en-US" dirty="0" smtClean="0"/>
-              <a:t>Enterprise Architec</a:t>
-            </a:r>
-            <a:r>
-              <a:rPr lang="en-US" dirty="0" smtClean="0"/>
-              <a:t>ture @ Waterloo</a:t>
+              <a:t>Enterprise Architecture @ Waterloo</a:t>
             </a:r>
             <a:endParaRPr lang="en-US" dirty="0"/>
           </a:p>
@@ -24104,7 +24442,7 @@
 </p:sld>
 </file>
 
-<file path=ppt/slides/slide36.xml><?xml version="1.0" encoding="utf-8"?>
+<file path=ppt/slides/slide4.xml><?xml version="1.0" encoding="utf-8"?>
 <p:sld xmlns:a="http://schemas.openxmlformats.org/drawingml/2006/main" xmlns:r="http://schemas.openxmlformats.org/officeDocument/2006/relationships" xmlns:p="http://schemas.openxmlformats.org/presentationml/2006/main">
   <p:cSld>
     <p:spTree>
@@ -24137,8 +24475,54 @@
           <a:lstStyle/>
           <a:p>
             <a:r>
+              <a:rPr lang="en-US" dirty="0" smtClean="0"/>
+              <a:t>Who – The enterprise architecture group</a:t>
+            </a:r>
+            <a:endParaRPr lang="en-US" dirty="0"/>
+          </a:p>
+        </p:txBody>
+      </p:sp>
+      <p:sp>
+        <p:nvSpPr>
+          <p:cNvPr id="3" name="Content Placeholder 2"/>
+          <p:cNvSpPr>
+            <a:spLocks noGrp="1"/>
+          </p:cNvSpPr>
+          <p:nvPr>
+            <p:ph idx="1"/>
+          </p:nvPr>
+        </p:nvSpPr>
+        <p:spPr/>
+        <p:txBody>
+          <a:bodyPr/>
+          <a:lstStyle/>
+          <a:p>
+            <a:r>
+              <a:rPr lang="en-US" dirty="0" smtClean="0"/>
+              <a:t>Mandate</a:t>
+            </a:r>
+          </a:p>
+          <a:p>
+            <a:pPr lvl="1"/>
+            <a:r>
+              <a:rPr lang="en-US" dirty="0" smtClean="0"/>
+              <a:t>The </a:t>
+            </a:r>
+            <a:r>
               <a:rPr lang="en-US" dirty="0"/>
-              <a:t>Enterprise Architecture Process</a:t>
+              <a:t>mandate of this group is to </a:t>
+            </a:r>
+            <a:r>
+              <a:rPr lang="en-US" dirty="0">
+                <a:solidFill>
+                  <a:schemeClr val="tx1"/>
+                </a:solidFill>
+              </a:rPr>
+              <a:t>develop</a:t>
+            </a:r>
+            <a:r>
+              <a:rPr lang="en-US" dirty="0"/>
+              <a:t> the enterprise architecture strategy, framework and program for the university that addresses both current and future information management and information technology needs.</a:t>
             </a:r>
           </a:p>
         </p:txBody>
@@ -24163,11 +24547,92 @@
             </a:pPr>
             <a:r>
               <a:rPr lang="en-US" dirty="0" smtClean="0"/>
-              <a:t>Enterprise Architec</a:t>
-            </a:r>
+              <a:t>Enterprise Architecture @ Waterloo</a:t>
+            </a:r>
+            <a:endParaRPr lang="en-US" dirty="0"/>
+          </a:p>
+        </p:txBody>
+      </p:sp>
+    </p:spTree>
+    <p:extLst>
+      <p:ext uri="{BB962C8B-B14F-4D97-AF65-F5344CB8AC3E}">
+        <p14:creationId xmlns:p14="http://schemas.microsoft.com/office/powerpoint/2010/main" val="1173392265"/>
+      </p:ext>
+    </p:extLst>
+  </p:cSld>
+  <p:clrMapOvr>
+    <a:masterClrMapping/>
+  </p:clrMapOvr>
+  <p:timing>
+    <p:tnLst>
+      <p:par>
+        <p:cTn id="1" dur="indefinite" restart="never" nodeType="tmRoot"/>
+      </p:par>
+    </p:tnLst>
+  </p:timing>
+</p:sld>
+</file>
+
+<file path=ppt/slides/slide40.xml><?xml version="1.0" encoding="utf-8"?>
+<p:sld xmlns:a="http://schemas.openxmlformats.org/drawingml/2006/main" xmlns:r="http://schemas.openxmlformats.org/officeDocument/2006/relationships" xmlns:p="http://schemas.openxmlformats.org/presentationml/2006/main">
+  <p:cSld>
+    <p:spTree>
+      <p:nvGrpSpPr>
+        <p:cNvPr id="1" name=""/>
+        <p:cNvGrpSpPr/>
+        <p:nvPr/>
+      </p:nvGrpSpPr>
+      <p:grpSpPr>
+        <a:xfrm>
+          <a:off x="0" y="0"/>
+          <a:ext cx="0" cy="0"/>
+          <a:chOff x="0" y="0"/>
+          <a:chExt cx="0" cy="0"/>
+        </a:xfrm>
+      </p:grpSpPr>
+      <p:sp>
+        <p:nvSpPr>
+          <p:cNvPr id="2" name="Title 1"/>
+          <p:cNvSpPr>
+            <a:spLocks noGrp="1"/>
+          </p:cNvSpPr>
+          <p:nvPr>
+            <p:ph type="title"/>
+          </p:nvPr>
+        </p:nvSpPr>
+        <p:spPr/>
+        <p:txBody>
+          <a:bodyPr/>
+          <a:lstStyle/>
+          <a:p>
+            <a:r>
+              <a:rPr lang="en-US" dirty="0"/>
+              <a:t>Enterprise Architecture Process</a:t>
+            </a:r>
+          </a:p>
+        </p:txBody>
+      </p:sp>
+      <p:sp>
+        <p:nvSpPr>
+          <p:cNvPr id="4" name="Footer Placeholder 3"/>
+          <p:cNvSpPr>
+            <a:spLocks noGrp="1"/>
+          </p:cNvSpPr>
+          <p:nvPr>
+            <p:ph type="ftr" sz="quarter" idx="10"/>
+          </p:nvPr>
+        </p:nvSpPr>
+        <p:spPr/>
+        <p:txBody>
+          <a:bodyPr/>
+          <a:lstStyle/>
+          <a:p>
+            <a:pPr>
+              <a:defRPr/>
+            </a:pPr>
             <a:r>
               <a:rPr lang="en-US" dirty="0" smtClean="0"/>
-              <a:t>ture @ Waterloo</a:t>
+              <a:t>Enterprise Architecture @ Waterloo</a:t>
             </a:r>
             <a:endParaRPr lang="en-US" dirty="0"/>
           </a:p>
@@ -24217,7 +24682,7 @@
 </p:sld>
 </file>
 
-<file path=ppt/slides/slide37.xml><?xml version="1.0" encoding="utf-8"?>
+<file path=ppt/slides/slide41.xml><?xml version="1.0" encoding="utf-8"?>
 <p:sld xmlns:a="http://schemas.openxmlformats.org/drawingml/2006/main" xmlns:r="http://schemas.openxmlformats.org/officeDocument/2006/relationships" xmlns:p="http://schemas.openxmlformats.org/presentationml/2006/main">
   <p:cSld>
     <p:spTree>
@@ -24332,7 +24797,7 @@
 </p:sld>
 </file>
 
-<file path=ppt/slides/slide38.xml><?xml version="1.0" encoding="utf-8"?>
+<file path=ppt/slides/slide42.xml><?xml version="1.0" encoding="utf-8"?>
 <p:sld xmlns:a="http://schemas.openxmlformats.org/drawingml/2006/main" xmlns:r="http://schemas.openxmlformats.org/officeDocument/2006/relationships" xmlns:p="http://schemas.openxmlformats.org/presentationml/2006/main">
   <p:cSld>
     <p:spTree>
@@ -24447,7 +24912,7 @@
 </p:sld>
 </file>
 
-<file path=ppt/slides/slide39.xml><?xml version="1.0" encoding="utf-8"?>
+<file path=ppt/slides/slide43.xml><?xml version="1.0" encoding="utf-8"?>
 <p:sld xmlns:a="http://schemas.openxmlformats.org/drawingml/2006/main" xmlns:r="http://schemas.openxmlformats.org/officeDocument/2006/relationships" xmlns:p="http://schemas.openxmlformats.org/presentationml/2006/main">
   <p:cSld>
     <p:spTree>
@@ -24557,138 +25022,7 @@
 </p:sld>
 </file>
 
-<file path=ppt/slides/slide4.xml><?xml version="1.0" encoding="utf-8"?>
-<p:sld xmlns:a="http://schemas.openxmlformats.org/drawingml/2006/main" xmlns:r="http://schemas.openxmlformats.org/officeDocument/2006/relationships" xmlns:p="http://schemas.openxmlformats.org/presentationml/2006/main">
-  <p:cSld>
-    <p:spTree>
-      <p:nvGrpSpPr>
-        <p:cNvPr id="1" name=""/>
-        <p:cNvGrpSpPr/>
-        <p:nvPr/>
-      </p:nvGrpSpPr>
-      <p:grpSpPr>
-        <a:xfrm>
-          <a:off x="0" y="0"/>
-          <a:ext cx="0" cy="0"/>
-          <a:chOff x="0" y="0"/>
-          <a:chExt cx="0" cy="0"/>
-        </a:xfrm>
-      </p:grpSpPr>
-      <p:sp>
-        <p:nvSpPr>
-          <p:cNvPr id="2" name="Title 1"/>
-          <p:cNvSpPr>
-            <a:spLocks noGrp="1"/>
-          </p:cNvSpPr>
-          <p:nvPr>
-            <p:ph type="title"/>
-          </p:nvPr>
-        </p:nvSpPr>
-        <p:spPr/>
-        <p:txBody>
-          <a:bodyPr/>
-          <a:lstStyle/>
-          <a:p>
-            <a:r>
-              <a:rPr lang="en-US" dirty="0" smtClean="0"/>
-              <a:t>Who – The enterprise architecture group</a:t>
-            </a:r>
-            <a:endParaRPr lang="en-US" dirty="0"/>
-          </a:p>
-        </p:txBody>
-      </p:sp>
-      <p:sp>
-        <p:nvSpPr>
-          <p:cNvPr id="3" name="Content Placeholder 2"/>
-          <p:cNvSpPr>
-            <a:spLocks noGrp="1"/>
-          </p:cNvSpPr>
-          <p:nvPr>
-            <p:ph idx="1"/>
-          </p:nvPr>
-        </p:nvSpPr>
-        <p:spPr/>
-        <p:txBody>
-          <a:bodyPr/>
-          <a:lstStyle/>
-          <a:p>
-            <a:r>
-              <a:rPr lang="en-US" dirty="0" smtClean="0"/>
-              <a:t>Mandate</a:t>
-            </a:r>
-          </a:p>
-          <a:p>
-            <a:pPr lvl="1"/>
-            <a:r>
-              <a:rPr lang="en-US" dirty="0" smtClean="0"/>
-              <a:t>The </a:t>
-            </a:r>
-            <a:r>
-              <a:rPr lang="en-US" dirty="0"/>
-              <a:t>mandate of this group is to </a:t>
-            </a:r>
-            <a:r>
-              <a:rPr lang="en-US" dirty="0">
-                <a:solidFill>
-                  <a:schemeClr val="tx1"/>
-                </a:solidFill>
-              </a:rPr>
-              <a:t>develop</a:t>
-            </a:r>
-            <a:r>
-              <a:rPr lang="en-US" dirty="0"/>
-              <a:t> the enterprise architecture strategy, framework and program for the university that addresses both current and future information management and information technology needs.</a:t>
-            </a:r>
-          </a:p>
-        </p:txBody>
-      </p:sp>
-      <p:sp>
-        <p:nvSpPr>
-          <p:cNvPr id="4" name="Footer Placeholder 3"/>
-          <p:cNvSpPr>
-            <a:spLocks noGrp="1"/>
-          </p:cNvSpPr>
-          <p:nvPr>
-            <p:ph type="ftr" sz="quarter" idx="10"/>
-          </p:nvPr>
-        </p:nvSpPr>
-        <p:spPr/>
-        <p:txBody>
-          <a:bodyPr/>
-          <a:lstStyle/>
-          <a:p>
-            <a:pPr>
-              <a:defRPr/>
-            </a:pPr>
-            <a:r>
-              <a:rPr lang="en-US" dirty="0" smtClean="0"/>
-              <a:t>Enterprise Architecture @ Waterloo</a:t>
-            </a:r>
-            <a:endParaRPr lang="en-US" dirty="0"/>
-          </a:p>
-        </p:txBody>
-      </p:sp>
-    </p:spTree>
-    <p:extLst>
-      <p:ext uri="{BB962C8B-B14F-4D97-AF65-F5344CB8AC3E}">
-        <p14:creationId xmlns:p14="http://schemas.microsoft.com/office/powerpoint/2010/main" val="1173392265"/>
-      </p:ext>
-    </p:extLst>
-  </p:cSld>
-  <p:clrMapOvr>
-    <a:masterClrMapping/>
-  </p:clrMapOvr>
-  <p:timing>
-    <p:tnLst>
-      <p:par>
-        <p:cTn id="1" dur="indefinite" restart="never" nodeType="tmRoot"/>
-      </p:par>
-    </p:tnLst>
-  </p:timing>
-</p:sld>
-</file>
-
-<file path=ppt/slides/slide40.xml><?xml version="1.0" encoding="utf-8"?>
+<file path=ppt/slides/slide44.xml><?xml version="1.0" encoding="utf-8"?>
 <p:sld xmlns:a="http://schemas.openxmlformats.org/drawingml/2006/main" xmlns:r="http://schemas.openxmlformats.org/officeDocument/2006/relationships" xmlns:p="http://schemas.openxmlformats.org/presentationml/2006/main">
   <p:cSld>
     <p:spTree>
@@ -24875,7 +25209,7 @@
 </p:sld>
 </file>
 
-<file path=ppt/slides/slide41.xml><?xml version="1.0" encoding="utf-8"?>
+<file path=ppt/slides/slide45.xml><?xml version="1.0" encoding="utf-8"?>
 <p:sld xmlns:a="http://schemas.openxmlformats.org/drawingml/2006/main" xmlns:r="http://schemas.openxmlformats.org/officeDocument/2006/relationships" xmlns:p="http://schemas.openxmlformats.org/presentationml/2006/main">
   <p:cSld>
     <p:spTree>
@@ -24917,11 +25251,7 @@
             <a:pPr algn="ctr"/>
             <a:r>
               <a:rPr lang="en-US" dirty="0" smtClean="0"/>
-              <a:t>WHERE</a:t>
-            </a:r>
-            <a:r>
-              <a:rPr lang="en-US" dirty="0" smtClean="0"/>
-              <a:t>?</a:t>
+              <a:t>WHERE?</a:t>
             </a:r>
             <a:br>
               <a:rPr lang="en-US" dirty="0" smtClean="0"/>
@@ -24971,637 +25301,6 @@
     <p:extLst>
       <p:ext uri="{BB962C8B-B14F-4D97-AF65-F5344CB8AC3E}">
         <p14:creationId xmlns:p14="http://schemas.microsoft.com/office/powerpoint/2010/main" val="3806824904"/>
-      </p:ext>
-    </p:extLst>
-  </p:cSld>
-  <p:clrMapOvr>
-    <a:masterClrMapping/>
-  </p:clrMapOvr>
-  <p:timing>
-    <p:tnLst>
-      <p:par>
-        <p:cTn id="1" dur="indefinite" restart="never" nodeType="tmRoot"/>
-      </p:par>
-    </p:tnLst>
-  </p:timing>
-</p:sld>
-</file>
-
-<file path=ppt/slides/slide42.xml><?xml version="1.0" encoding="utf-8"?>
-<p:sld xmlns:a="http://schemas.openxmlformats.org/drawingml/2006/main" xmlns:r="http://schemas.openxmlformats.org/officeDocument/2006/relationships" xmlns:p="http://schemas.openxmlformats.org/presentationml/2006/main">
-  <p:cSld>
-    <p:spTree>
-      <p:nvGrpSpPr>
-        <p:cNvPr id="1" name=""/>
-        <p:cNvGrpSpPr/>
-        <p:nvPr/>
-      </p:nvGrpSpPr>
-      <p:grpSpPr>
-        <a:xfrm>
-          <a:off x="0" y="0"/>
-          <a:ext cx="0" cy="0"/>
-          <a:chOff x="0" y="0"/>
-          <a:chExt cx="0" cy="0"/>
-        </a:xfrm>
-      </p:grpSpPr>
-      <p:sp>
-        <p:nvSpPr>
-          <p:cNvPr id="2" name="Title 1"/>
-          <p:cNvSpPr>
-            <a:spLocks noGrp="1"/>
-          </p:cNvSpPr>
-          <p:nvPr>
-            <p:ph type="title"/>
-          </p:nvPr>
-        </p:nvSpPr>
-        <p:spPr/>
-        <p:txBody>
-          <a:bodyPr/>
-          <a:lstStyle/>
-          <a:p>
-            <a:r>
-              <a:rPr lang="en-US" dirty="0" smtClean="0"/>
-              <a:t>Along Maturity Model-</a:t>
-            </a:r>
-            <a:br>
-              <a:rPr lang="en-US" dirty="0" smtClean="0"/>
-            </a:br>
-            <a:r>
-              <a:rPr lang="en-US" dirty="0" smtClean="0"/>
-              <a:t>Just starting.</a:t>
-            </a:r>
-            <a:endParaRPr lang="en-US" dirty="0"/>
-          </a:p>
-        </p:txBody>
-      </p:sp>
-      <p:sp>
-        <p:nvSpPr>
-          <p:cNvPr id="3" name="Content Placeholder 2"/>
-          <p:cNvSpPr>
-            <a:spLocks noGrp="1"/>
-          </p:cNvSpPr>
-          <p:nvPr>
-            <p:ph idx="1"/>
-          </p:nvPr>
-        </p:nvSpPr>
-        <p:spPr/>
-        <p:txBody>
-          <a:bodyPr/>
-          <a:lstStyle/>
-          <a:p>
-            <a:r>
-              <a:rPr lang="en-US" dirty="0" smtClean="0"/>
-              <a:t>Less than 1 year with full architecture team.</a:t>
-            </a:r>
-          </a:p>
-          <a:p>
-            <a:pPr lvl="1"/>
-            <a:r>
-              <a:rPr lang="en-US" dirty="0" smtClean="0"/>
-              <a:t>Foundational research amassed.</a:t>
-            </a:r>
-          </a:p>
-          <a:p>
-            <a:pPr lvl="1"/>
-            <a:r>
-              <a:rPr lang="en-US" dirty="0" smtClean="0"/>
-              <a:t>Preparing release of </a:t>
-            </a:r>
-            <a:r>
-              <a:rPr lang="en-US" i="1" dirty="0" smtClean="0"/>
-              <a:t>University of Waterloo Enterprise Architecture Framework</a:t>
-            </a:r>
-            <a:r>
-              <a:rPr lang="en-US" dirty="0" smtClean="0"/>
-              <a:t>.</a:t>
-            </a:r>
-          </a:p>
-          <a:p>
-            <a:pPr lvl="2"/>
-            <a:r>
-              <a:rPr lang="en-US" b="1" dirty="0" smtClean="0"/>
-              <a:t>Guide</a:t>
-            </a:r>
-            <a:r>
-              <a:rPr lang="en-US" dirty="0" smtClean="0"/>
-              <a:t> will provide the body of the University of Waterloo Enterprise Architecture Framework. Roles and responsibilities, definitions, etc.</a:t>
-            </a:r>
-          </a:p>
-          <a:p>
-            <a:pPr lvl="2"/>
-            <a:r>
-              <a:rPr lang="en-US" b="1" dirty="0" smtClean="0"/>
-              <a:t>Manual</a:t>
-            </a:r>
-            <a:r>
-              <a:rPr lang="en-US" dirty="0" smtClean="0"/>
-              <a:t> will provide easy-to-follow guidance for EA users and contributors.</a:t>
-            </a:r>
-          </a:p>
-          <a:p>
-            <a:pPr lvl="2"/>
-            <a:r>
-              <a:rPr lang="en-US" b="1" dirty="0" smtClean="0"/>
-              <a:t>Book</a:t>
-            </a:r>
-            <a:r>
-              <a:rPr lang="en-US" dirty="0" smtClean="0"/>
-              <a:t> will provide background research and lessons learned guidance to others attempting to develop a hybrid Enterprise Architecture Framework in their own enterprises.</a:t>
-            </a:r>
-          </a:p>
-          <a:p>
-            <a:pPr lvl="2"/>
-            <a:endParaRPr lang="en-US" dirty="0"/>
-          </a:p>
-        </p:txBody>
-      </p:sp>
-      <p:sp>
-        <p:nvSpPr>
-          <p:cNvPr id="4" name="Footer Placeholder 3"/>
-          <p:cNvSpPr>
-            <a:spLocks noGrp="1"/>
-          </p:cNvSpPr>
-          <p:nvPr>
-            <p:ph type="ftr" sz="quarter" idx="10"/>
-          </p:nvPr>
-        </p:nvSpPr>
-        <p:spPr/>
-        <p:txBody>
-          <a:bodyPr/>
-          <a:lstStyle/>
-          <a:p>
-            <a:pPr>
-              <a:defRPr/>
-            </a:pPr>
-            <a:r>
-              <a:rPr lang="en-US" dirty="0" smtClean="0"/>
-              <a:t>Enterprise Architecture @ Waterloo</a:t>
-            </a:r>
-            <a:endParaRPr lang="en-US" dirty="0"/>
-          </a:p>
-        </p:txBody>
-      </p:sp>
-    </p:spTree>
-    <p:extLst>
-      <p:ext uri="{BB962C8B-B14F-4D97-AF65-F5344CB8AC3E}">
-        <p14:creationId xmlns:p14="http://schemas.microsoft.com/office/powerpoint/2010/main" val="990515279"/>
-      </p:ext>
-    </p:extLst>
-  </p:cSld>
-  <p:clrMapOvr>
-    <a:masterClrMapping/>
-  </p:clrMapOvr>
-  <p:timing>
-    <p:tnLst>
-      <p:par>
-        <p:cTn id="1" dur="indefinite" restart="never" nodeType="tmRoot"/>
-      </p:par>
-    </p:tnLst>
-  </p:timing>
-</p:sld>
-</file>
-
-<file path=ppt/slides/slide43.xml><?xml version="1.0" encoding="utf-8"?>
-<p:sld xmlns:a="http://schemas.openxmlformats.org/drawingml/2006/main" xmlns:r="http://schemas.openxmlformats.org/officeDocument/2006/relationships" xmlns:p="http://schemas.openxmlformats.org/presentationml/2006/main">
-  <p:cSld>
-    <p:spTree>
-      <p:nvGrpSpPr>
-        <p:cNvPr id="1" name=""/>
-        <p:cNvGrpSpPr/>
-        <p:nvPr/>
-      </p:nvGrpSpPr>
-      <p:grpSpPr>
-        <a:xfrm>
-          <a:off x="0" y="0"/>
-          <a:ext cx="0" cy="0"/>
-          <a:chOff x="0" y="0"/>
-          <a:chExt cx="0" cy="0"/>
-        </a:xfrm>
-      </p:grpSpPr>
-      <p:sp>
-        <p:nvSpPr>
-          <p:cNvPr id="2" name="Title 1"/>
-          <p:cNvSpPr>
-            <a:spLocks noGrp="1"/>
-          </p:cNvSpPr>
-          <p:nvPr>
-            <p:ph type="title"/>
-          </p:nvPr>
-        </p:nvSpPr>
-        <p:spPr/>
-        <p:txBody>
-          <a:bodyPr/>
-          <a:lstStyle/>
-          <a:p>
-            <a:r>
-              <a:rPr lang="en-US" dirty="0" smtClean="0"/>
-              <a:t>Along Maturity Model-</a:t>
-            </a:r>
-            <a:br>
-              <a:rPr lang="en-US" dirty="0" smtClean="0"/>
-            </a:br>
-            <a:r>
-              <a:rPr lang="en-US" dirty="0" smtClean="0"/>
-              <a:t>Building required skills.</a:t>
-            </a:r>
-            <a:endParaRPr lang="en-US" dirty="0"/>
-          </a:p>
-        </p:txBody>
-      </p:sp>
-      <p:sp>
-        <p:nvSpPr>
-          <p:cNvPr id="3" name="Content Placeholder 2"/>
-          <p:cNvSpPr>
-            <a:spLocks noGrp="1"/>
-          </p:cNvSpPr>
-          <p:nvPr>
-            <p:ph idx="1"/>
-          </p:nvPr>
-        </p:nvSpPr>
-        <p:spPr/>
-        <p:txBody>
-          <a:bodyPr/>
-          <a:lstStyle/>
-          <a:p>
-            <a:r>
-              <a:rPr lang="en-US" dirty="0" smtClean="0"/>
-              <a:t>Developing Enterprise Information Management (EIM) capability to augment EA.</a:t>
-            </a:r>
-          </a:p>
-          <a:p>
-            <a:pPr lvl="1"/>
-            <a:r>
-              <a:rPr lang="en-US" dirty="0" smtClean="0"/>
-              <a:t>Enterprise Data Management (EDM)</a:t>
-            </a:r>
-          </a:p>
-          <a:p>
-            <a:pPr lvl="2"/>
-            <a:r>
-              <a:rPr lang="en-US" dirty="0" smtClean="0"/>
-              <a:t>Business Intelligence</a:t>
-            </a:r>
-          </a:p>
-          <a:p>
-            <a:pPr lvl="2"/>
-            <a:r>
-              <a:rPr lang="en-US" dirty="0" smtClean="0"/>
-              <a:t>Data Warehousing</a:t>
-            </a:r>
-          </a:p>
-          <a:p>
-            <a:pPr lvl="2"/>
-            <a:r>
-              <a:rPr lang="en-US" dirty="0" smtClean="0"/>
-              <a:t>Data Definitions</a:t>
-            </a:r>
-          </a:p>
-          <a:p>
-            <a:pPr lvl="2"/>
-            <a:r>
-              <a:rPr lang="en-US" dirty="0" smtClean="0"/>
-              <a:t>Data Access</a:t>
-            </a:r>
-          </a:p>
-          <a:p>
-            <a:pPr lvl="1"/>
-            <a:r>
-              <a:rPr lang="en-US" dirty="0" smtClean="0"/>
-              <a:t>Enterprise Content Management (ECM)</a:t>
-            </a:r>
-          </a:p>
-          <a:p>
-            <a:pPr lvl="2"/>
-            <a:r>
-              <a:rPr lang="en-US" dirty="0" smtClean="0"/>
-              <a:t>Document and Records Management</a:t>
-            </a:r>
-          </a:p>
-          <a:p>
-            <a:pPr lvl="2"/>
-            <a:r>
-              <a:rPr lang="en-US" dirty="0" smtClean="0"/>
-              <a:t>Standards and Procedures</a:t>
-            </a:r>
-          </a:p>
-          <a:p>
-            <a:pPr lvl="1"/>
-            <a:endParaRPr lang="en-US" dirty="0"/>
-          </a:p>
-        </p:txBody>
-      </p:sp>
-      <p:sp>
-        <p:nvSpPr>
-          <p:cNvPr id="4" name="Footer Placeholder 3"/>
-          <p:cNvSpPr>
-            <a:spLocks noGrp="1"/>
-          </p:cNvSpPr>
-          <p:nvPr>
-            <p:ph type="ftr" sz="quarter" idx="10"/>
-          </p:nvPr>
-        </p:nvSpPr>
-        <p:spPr/>
-        <p:txBody>
-          <a:bodyPr/>
-          <a:lstStyle/>
-          <a:p>
-            <a:pPr>
-              <a:defRPr/>
-            </a:pPr>
-            <a:r>
-              <a:rPr lang="en-US" dirty="0" smtClean="0"/>
-              <a:t>Enterprise Architecture @ Waterloo</a:t>
-            </a:r>
-            <a:endParaRPr lang="en-US" dirty="0"/>
-          </a:p>
-        </p:txBody>
-      </p:sp>
-    </p:spTree>
-    <p:extLst>
-      <p:ext uri="{BB962C8B-B14F-4D97-AF65-F5344CB8AC3E}">
-        <p14:creationId xmlns:p14="http://schemas.microsoft.com/office/powerpoint/2010/main" val="2064625545"/>
-      </p:ext>
-    </p:extLst>
-  </p:cSld>
-  <p:clrMapOvr>
-    <a:masterClrMapping/>
-  </p:clrMapOvr>
-  <p:timing>
-    <p:tnLst>
-      <p:par>
-        <p:cTn id="1" dur="indefinite" restart="never" nodeType="tmRoot"/>
-      </p:par>
-    </p:tnLst>
-  </p:timing>
-</p:sld>
-</file>
-
-<file path=ppt/slides/slide44.xml><?xml version="1.0" encoding="utf-8"?>
-<p:sld xmlns:a="http://schemas.openxmlformats.org/drawingml/2006/main" xmlns:r="http://schemas.openxmlformats.org/officeDocument/2006/relationships" xmlns:p="http://schemas.openxmlformats.org/presentationml/2006/main">
-  <p:cSld>
-    <p:spTree>
-      <p:nvGrpSpPr>
-        <p:cNvPr id="1" name=""/>
-        <p:cNvGrpSpPr/>
-        <p:nvPr/>
-      </p:nvGrpSpPr>
-      <p:grpSpPr>
-        <a:xfrm>
-          <a:off x="0" y="0"/>
-          <a:ext cx="0" cy="0"/>
-          <a:chOff x="0" y="0"/>
-          <a:chExt cx="0" cy="0"/>
-        </a:xfrm>
-      </p:grpSpPr>
-      <p:sp>
-        <p:nvSpPr>
-          <p:cNvPr id="2" name="Title 1"/>
-          <p:cNvSpPr>
-            <a:spLocks noGrp="1"/>
-          </p:cNvSpPr>
-          <p:nvPr>
-            <p:ph type="title"/>
-          </p:nvPr>
-        </p:nvSpPr>
-        <p:spPr/>
-        <p:txBody>
-          <a:bodyPr/>
-          <a:lstStyle/>
-          <a:p>
-            <a:r>
-              <a:rPr lang="en-US" dirty="0" smtClean="0"/>
-              <a:t>Project Involvement –</a:t>
-            </a:r>
-            <a:br>
-              <a:rPr lang="en-US" dirty="0" smtClean="0"/>
-            </a:br>
-            <a:r>
-              <a:rPr lang="en-US" dirty="0" smtClean="0"/>
-              <a:t>Architecture</a:t>
-            </a:r>
-            <a:endParaRPr lang="en-US" dirty="0"/>
-          </a:p>
-        </p:txBody>
-      </p:sp>
-      <p:sp>
-        <p:nvSpPr>
-          <p:cNvPr id="3" name="Content Placeholder 2"/>
-          <p:cNvSpPr>
-            <a:spLocks noGrp="1"/>
-          </p:cNvSpPr>
-          <p:nvPr>
-            <p:ph idx="1"/>
-          </p:nvPr>
-        </p:nvSpPr>
-        <p:spPr/>
-        <p:txBody>
-          <a:bodyPr anchor="ctr"/>
-          <a:lstStyle/>
-          <a:p>
-            <a:r>
-              <a:rPr lang="en-US" dirty="0" smtClean="0"/>
-              <a:t>Finance Implementation</a:t>
-            </a:r>
-          </a:p>
-          <a:p>
-            <a:pPr marL="457200" lvl="1" indent="0">
-              <a:buNone/>
-            </a:pPr>
-            <a:endParaRPr lang="en-US" dirty="0" smtClean="0"/>
-          </a:p>
-          <a:p>
-            <a:r>
-              <a:rPr lang="en-US" dirty="0" smtClean="0"/>
-              <a:t>HR Re-Implementation</a:t>
-            </a:r>
-          </a:p>
-          <a:p>
-            <a:endParaRPr lang="en-US" dirty="0"/>
-          </a:p>
-          <a:p>
-            <a:r>
-              <a:rPr lang="en-US" dirty="0" smtClean="0"/>
-              <a:t>WCMS ‘full-stack’ review</a:t>
-            </a:r>
-          </a:p>
-          <a:p>
-            <a:endParaRPr lang="en-US" dirty="0"/>
-          </a:p>
-          <a:p>
-            <a:r>
-              <a:rPr lang="en-US" dirty="0" smtClean="0"/>
-              <a:t>Business Architecture Pilot</a:t>
-            </a:r>
-          </a:p>
-        </p:txBody>
-      </p:sp>
-      <p:sp>
-        <p:nvSpPr>
-          <p:cNvPr id="4" name="Footer Placeholder 3"/>
-          <p:cNvSpPr>
-            <a:spLocks noGrp="1"/>
-          </p:cNvSpPr>
-          <p:nvPr>
-            <p:ph type="ftr" sz="quarter" idx="10"/>
-          </p:nvPr>
-        </p:nvSpPr>
-        <p:spPr/>
-        <p:txBody>
-          <a:bodyPr/>
-          <a:lstStyle/>
-          <a:p>
-            <a:pPr>
-              <a:defRPr/>
-            </a:pPr>
-            <a:r>
-              <a:rPr lang="en-US" dirty="0" smtClean="0"/>
-              <a:t>Enterprise Architecture @ Waterloo</a:t>
-            </a:r>
-            <a:endParaRPr lang="en-US" dirty="0"/>
-          </a:p>
-        </p:txBody>
-      </p:sp>
-    </p:spTree>
-    <p:extLst>
-      <p:ext uri="{BB962C8B-B14F-4D97-AF65-F5344CB8AC3E}">
-        <p14:creationId xmlns:p14="http://schemas.microsoft.com/office/powerpoint/2010/main" val="3586137305"/>
-      </p:ext>
-    </p:extLst>
-  </p:cSld>
-  <p:clrMapOvr>
-    <a:masterClrMapping/>
-  </p:clrMapOvr>
-  <p:timing>
-    <p:tnLst>
-      <p:par>
-        <p:cTn id="1" dur="indefinite" restart="never" nodeType="tmRoot"/>
-      </p:par>
-    </p:tnLst>
-  </p:timing>
-</p:sld>
-</file>
-
-<file path=ppt/slides/slide45.xml><?xml version="1.0" encoding="utf-8"?>
-<p:sld xmlns:a="http://schemas.openxmlformats.org/drawingml/2006/main" xmlns:r="http://schemas.openxmlformats.org/officeDocument/2006/relationships" xmlns:p="http://schemas.openxmlformats.org/presentationml/2006/main">
-  <p:cSld>
-    <p:spTree>
-      <p:nvGrpSpPr>
-        <p:cNvPr id="1" name=""/>
-        <p:cNvGrpSpPr/>
-        <p:nvPr/>
-      </p:nvGrpSpPr>
-      <p:grpSpPr>
-        <a:xfrm>
-          <a:off x="0" y="0"/>
-          <a:ext cx="0" cy="0"/>
-          <a:chOff x="0" y="0"/>
-          <a:chExt cx="0" cy="0"/>
-        </a:xfrm>
-      </p:grpSpPr>
-      <p:sp>
-        <p:nvSpPr>
-          <p:cNvPr id="2" name="Title 1"/>
-          <p:cNvSpPr>
-            <a:spLocks noGrp="1"/>
-          </p:cNvSpPr>
-          <p:nvPr>
-            <p:ph type="title"/>
-          </p:nvPr>
-        </p:nvSpPr>
-        <p:spPr/>
-        <p:txBody>
-          <a:bodyPr/>
-          <a:lstStyle/>
-          <a:p>
-            <a:r>
-              <a:rPr lang="en-US" dirty="0" smtClean="0"/>
-              <a:t>Project Involvement –</a:t>
-            </a:r>
-            <a:br>
-              <a:rPr lang="en-US" dirty="0" smtClean="0"/>
-            </a:br>
-            <a:r>
-              <a:rPr lang="en-US" dirty="0" smtClean="0"/>
-              <a:t>Strategic Innovations</a:t>
-            </a:r>
-            <a:endParaRPr lang="en-US" dirty="0"/>
-          </a:p>
-        </p:txBody>
-      </p:sp>
-      <p:sp>
-        <p:nvSpPr>
-          <p:cNvPr id="3" name="Content Placeholder 2"/>
-          <p:cNvSpPr>
-            <a:spLocks noGrp="1"/>
-          </p:cNvSpPr>
-          <p:nvPr>
-            <p:ph idx="1"/>
-          </p:nvPr>
-        </p:nvSpPr>
-        <p:spPr/>
-        <p:txBody>
-          <a:bodyPr anchor="ctr"/>
-          <a:lstStyle/>
-          <a:p>
-            <a:r>
-              <a:rPr lang="en-US" dirty="0" err="1" smtClean="0"/>
-              <a:t>WatCACE</a:t>
-            </a:r>
-            <a:r>
-              <a:rPr lang="en-US" dirty="0" smtClean="0"/>
-              <a:t> Research Portal</a:t>
-            </a:r>
-          </a:p>
-          <a:p>
-            <a:endParaRPr lang="en-US" dirty="0"/>
-          </a:p>
-          <a:p>
-            <a:r>
-              <a:rPr lang="en-US" dirty="0" smtClean="0"/>
-              <a:t>Policy 73 IP Metrics</a:t>
-            </a:r>
-          </a:p>
-          <a:p>
-            <a:endParaRPr lang="en-US" dirty="0"/>
-          </a:p>
-          <a:p>
-            <a:r>
-              <a:rPr lang="en-US" dirty="0" smtClean="0"/>
-              <a:t>JIRA / Confluence Experimentation</a:t>
-            </a:r>
-          </a:p>
-        </p:txBody>
-      </p:sp>
-      <p:sp>
-        <p:nvSpPr>
-          <p:cNvPr id="4" name="Footer Placeholder 3"/>
-          <p:cNvSpPr>
-            <a:spLocks noGrp="1"/>
-          </p:cNvSpPr>
-          <p:nvPr>
-            <p:ph type="ftr" sz="quarter" idx="10"/>
-          </p:nvPr>
-        </p:nvSpPr>
-        <p:spPr/>
-        <p:txBody>
-          <a:bodyPr/>
-          <a:lstStyle/>
-          <a:p>
-            <a:pPr>
-              <a:defRPr/>
-            </a:pPr>
-            <a:r>
-              <a:rPr lang="en-US" dirty="0" smtClean="0"/>
-              <a:t>Enterprise Architecture @ Waterloo</a:t>
-            </a:r>
-            <a:endParaRPr lang="en-US" dirty="0"/>
-          </a:p>
-        </p:txBody>
-      </p:sp>
-    </p:spTree>
-    <p:extLst>
-      <p:ext uri="{BB962C8B-B14F-4D97-AF65-F5344CB8AC3E}">
-        <p14:creationId xmlns:p14="http://schemas.microsoft.com/office/powerpoint/2010/main" val="702435405"/>
       </p:ext>
     </p:extLst>
   </p:cSld>
@@ -25652,14 +25351,14 @@
           <a:p>
             <a:r>
               <a:rPr lang="en-US" dirty="0" smtClean="0"/>
-              <a:t>Project Involvement –</a:t>
+              <a:t>Along Maturity Model-</a:t>
             </a:r>
             <a:br>
               <a:rPr lang="en-US" dirty="0" smtClean="0"/>
             </a:br>
             <a:r>
               <a:rPr lang="en-US" dirty="0" smtClean="0"/>
-              <a:t>INTEGRATIONS</a:t>
+              <a:t>Just starting.</a:t>
             </a:r>
             <a:endParaRPr lang="en-US" dirty="0"/>
           </a:p>
@@ -25677,32 +25376,72 @@
         </p:nvSpPr>
         <p:spPr/>
         <p:txBody>
-          <a:bodyPr anchor="ctr"/>
+          <a:bodyPr/>
           <a:lstStyle/>
           <a:p>
             <a:r>
               <a:rPr lang="en-US" dirty="0" smtClean="0"/>
-              <a:t>HR / Finance Integration Normalization</a:t>
-            </a:r>
-          </a:p>
-          <a:p>
+              <a:t>Less than 1 year with full architecture team.</a:t>
+            </a:r>
+          </a:p>
+          <a:p>
+            <a:pPr lvl="1"/>
+            <a:r>
+              <a:rPr lang="en-US" dirty="0" smtClean="0"/>
+              <a:t>Foundational research amassed.</a:t>
+            </a:r>
+          </a:p>
+          <a:p>
+            <a:pPr lvl="1"/>
+            <a:r>
+              <a:rPr lang="en-US" dirty="0" smtClean="0"/>
+              <a:t>Preparing release of </a:t>
+            </a:r>
+            <a:r>
+              <a:rPr lang="en-US" i="1" dirty="0" smtClean="0"/>
+              <a:t>University of Waterloo Enterprise Architecture Framework</a:t>
+            </a:r>
+            <a:r>
+              <a:rPr lang="en-US" dirty="0" smtClean="0"/>
+              <a:t>.</a:t>
+            </a:r>
+          </a:p>
+          <a:p>
+            <a:pPr lvl="2"/>
+            <a:r>
+              <a:rPr lang="en-US" b="1" dirty="0" smtClean="0"/>
+              <a:t>Guide</a:t>
+            </a:r>
+            <a:r>
+              <a:rPr lang="en-US" dirty="0" smtClean="0"/>
+              <a:t> will provide the body of the University of Waterloo Enterprise Architecture Framework. Roles and responsibilities, definitions, etc.</a:t>
+            </a:r>
+          </a:p>
+          <a:p>
+            <a:pPr lvl="2"/>
+            <a:r>
+              <a:rPr lang="en-US" b="1" dirty="0" smtClean="0"/>
+              <a:t>Manual</a:t>
+            </a:r>
+            <a:r>
+              <a:rPr lang="en-US" dirty="0" smtClean="0"/>
+              <a:t> will provide easy-to-follow guidance for EA users and contributors.</a:t>
+            </a:r>
+          </a:p>
+          <a:p>
+            <a:pPr lvl="2"/>
+            <a:r>
+              <a:rPr lang="en-US" b="1" dirty="0" smtClean="0"/>
+              <a:t>Book</a:t>
+            </a:r>
+            <a:r>
+              <a:rPr lang="en-US" dirty="0" smtClean="0"/>
+              <a:t> will provide background research and lessons learned guidance to others attempting to develop a hybrid Enterprise Architecture Framework in their own enterprises.</a:t>
+            </a:r>
+          </a:p>
+          <a:p>
+            <a:pPr lvl="2"/>
             <a:endParaRPr lang="en-US" dirty="0"/>
-          </a:p>
-          <a:p>
-            <a:r>
-              <a:rPr lang="en-US" dirty="0" smtClean="0"/>
-              <a:t>Developing API Capabilities</a:t>
-            </a:r>
-            <a:endParaRPr lang="en-US" dirty="0"/>
-          </a:p>
-          <a:p>
-            <a:endParaRPr lang="en-US" dirty="0" smtClean="0"/>
-          </a:p>
-          <a:p>
-            <a:r>
-              <a:rPr lang="en-US" dirty="0" smtClean="0"/>
-              <a:t>Warehousing Student Data (QUEST)</a:t>
-            </a:r>
           </a:p>
         </p:txBody>
       </p:sp>
@@ -25735,7 +25474,7 @@
     </p:spTree>
     <p:extLst>
       <p:ext uri="{BB962C8B-B14F-4D97-AF65-F5344CB8AC3E}">
-        <p14:creationId xmlns:p14="http://schemas.microsoft.com/office/powerpoint/2010/main" val="772917458"/>
+        <p14:creationId xmlns:p14="http://schemas.microsoft.com/office/powerpoint/2010/main" val="990515279"/>
       </p:ext>
     </p:extLst>
   </p:cSld>
@@ -25779,37 +25518,104 @@
             <p:ph type="title"/>
           </p:nvPr>
         </p:nvSpPr>
-        <p:spPr>
-          <a:xfrm>
-            <a:off x="457200" y="2492520"/>
-            <a:ext cx="8229600" cy="1143000"/>
-          </a:xfrm>
-        </p:spPr>
+        <p:spPr/>
         <p:txBody>
-          <a:bodyPr>
-            <a:normAutofit fontScale="90000"/>
-          </a:bodyPr>
+          <a:bodyPr/>
           <a:lstStyle/>
           <a:p>
-            <a:pPr algn="ctr"/>
             <a:r>
               <a:rPr lang="en-US" dirty="0" smtClean="0"/>
-              <a:t>When?</a:t>
+              <a:t>Along Maturity Model-</a:t>
             </a:r>
             <a:br>
               <a:rPr lang="en-US" dirty="0" smtClean="0"/>
             </a:br>
             <a:r>
-              <a:rPr lang="en-US" dirty="0"/>
-              <a:t/>
-            </a:r>
-            <a:br>
-              <a:rPr lang="en-US" dirty="0"/>
-            </a:br>
-            <a:r>
               <a:rPr lang="en-US" dirty="0" smtClean="0"/>
-              <a:t>Can you get involved</a:t>
-            </a:r>
+              <a:t>Building required skills.</a:t>
+            </a:r>
+            <a:endParaRPr lang="en-US" dirty="0"/>
+          </a:p>
+        </p:txBody>
+      </p:sp>
+      <p:sp>
+        <p:nvSpPr>
+          <p:cNvPr id="3" name="Content Placeholder 2"/>
+          <p:cNvSpPr>
+            <a:spLocks noGrp="1"/>
+          </p:cNvSpPr>
+          <p:nvPr>
+            <p:ph idx="1"/>
+          </p:nvPr>
+        </p:nvSpPr>
+        <p:spPr/>
+        <p:txBody>
+          <a:bodyPr/>
+          <a:lstStyle/>
+          <a:p>
+            <a:r>
+              <a:rPr lang="en-US" dirty="0" smtClean="0"/>
+              <a:t>Developing Enterprise Information Management (EIM) capability to augment EA.</a:t>
+            </a:r>
+          </a:p>
+          <a:p>
+            <a:pPr lvl="1"/>
+            <a:r>
+              <a:rPr lang="en-US" dirty="0" smtClean="0"/>
+              <a:t>Enterprise Data Management (EDM)</a:t>
+            </a:r>
+          </a:p>
+          <a:p>
+            <a:pPr lvl="2"/>
+            <a:r>
+              <a:rPr lang="en-US" dirty="0" smtClean="0"/>
+              <a:t>Business Intelligence</a:t>
+            </a:r>
+          </a:p>
+          <a:p>
+            <a:pPr lvl="2"/>
+            <a:r>
+              <a:rPr lang="en-US" dirty="0" smtClean="0"/>
+              <a:t>Data Warehousing</a:t>
+            </a:r>
+          </a:p>
+          <a:p>
+            <a:pPr lvl="2"/>
+            <a:r>
+              <a:rPr lang="en-US" dirty="0" smtClean="0"/>
+              <a:t>Data Definitions</a:t>
+            </a:r>
+          </a:p>
+          <a:p>
+            <a:pPr lvl="2"/>
+            <a:r>
+              <a:rPr lang="en-US" dirty="0" smtClean="0"/>
+              <a:t>Data Access</a:t>
+            </a:r>
+          </a:p>
+          <a:p>
+            <a:pPr lvl="1"/>
+            <a:r>
+              <a:rPr lang="en-US" dirty="0" smtClean="0"/>
+              <a:t>Enterprise Content Management (ECM)</a:t>
+            </a:r>
+          </a:p>
+          <a:p>
+            <a:pPr lvl="2"/>
+            <a:r>
+              <a:rPr lang="en-US" dirty="0" smtClean="0"/>
+              <a:t>Document and Records Management</a:t>
+            </a:r>
+          </a:p>
+          <a:p>
+            <a:pPr lvl="2"/>
+            <a:r>
+              <a:rPr lang="en-US" dirty="0" smtClean="0"/>
+              <a:t>Standards and Procedures</a:t>
+            </a:r>
+          </a:p>
+          <a:p>
+            <a:pPr lvl="1"/>
             <a:endParaRPr lang="en-US" dirty="0"/>
           </a:p>
         </p:txBody>
@@ -25843,7 +25649,7 @@
     </p:spTree>
     <p:extLst>
       <p:ext uri="{BB962C8B-B14F-4D97-AF65-F5344CB8AC3E}">
-        <p14:creationId xmlns:p14="http://schemas.microsoft.com/office/powerpoint/2010/main" val="1296925850"/>
+        <p14:creationId xmlns:p14="http://schemas.microsoft.com/office/powerpoint/2010/main" val="2064625545"/>
       </p:ext>
     </p:extLst>
   </p:cSld>
@@ -25894,7 +25700,14 @@
           <a:p>
             <a:r>
               <a:rPr lang="en-US" dirty="0" smtClean="0"/>
-              <a:t>Get involved NOW!</a:t>
+              <a:t>Project Involvement –</a:t>
+            </a:r>
+            <a:br>
+              <a:rPr lang="en-US" dirty="0" smtClean="0"/>
+            </a:br>
+            <a:r>
+              <a:rPr lang="en-US" dirty="0" smtClean="0"/>
+              <a:t>Architecture</a:t>
             </a:r>
             <a:endParaRPr lang="en-US" dirty="0"/>
           </a:p>
@@ -25912,12 +25725,24 @@
         </p:nvSpPr>
         <p:spPr/>
         <p:txBody>
-          <a:bodyPr/>
+          <a:bodyPr anchor="ctr"/>
           <a:lstStyle/>
           <a:p>
             <a:r>
               <a:rPr lang="en-US" dirty="0" smtClean="0"/>
-              <a:t>Many of you are creating architecture artifacts today.</a:t>
+              <a:t>Finance Implementation</a:t>
+            </a:r>
+          </a:p>
+          <a:p>
+            <a:pPr marL="457200" lvl="1" indent="0">
+              <a:buNone/>
+            </a:pPr>
+            <a:endParaRPr lang="en-US" dirty="0" smtClean="0"/>
+          </a:p>
+          <a:p>
+            <a:r>
+              <a:rPr lang="en-US" dirty="0" smtClean="0"/>
+              <a:t>HR Re-Implementation</a:t>
             </a:r>
           </a:p>
           <a:p>
@@ -25926,7 +25751,7 @@
           <a:p>
             <a:r>
               <a:rPr lang="en-US" dirty="0" smtClean="0"/>
-              <a:t>The EA team needs to know about your work to begin understanding how to leverage it towards a ‘strategic information asset base.’</a:t>
+              <a:t>WCMS ‘full-stack’ review</a:t>
             </a:r>
           </a:p>
           <a:p>
@@ -25935,14 +25760,8 @@
           <a:p>
             <a:r>
               <a:rPr lang="en-US" dirty="0" smtClean="0"/>
-              <a:t>We are archeologists, ethnographers, and documenters.  You are the designers!</a:t>
-            </a:r>
-          </a:p>
-          <a:p>
-            <a:endParaRPr lang="en-US" dirty="0"/>
-          </a:p>
-          <a:p>
-            <a:endParaRPr lang="en-US" dirty="0"/>
+              <a:t>Business Architecture Pilot</a:t>
+            </a:r>
           </a:p>
         </p:txBody>
       </p:sp>
@@ -25975,7 +25794,7 @@
     </p:spTree>
     <p:extLst>
       <p:ext uri="{BB962C8B-B14F-4D97-AF65-F5344CB8AC3E}">
-        <p14:creationId xmlns:p14="http://schemas.microsoft.com/office/powerpoint/2010/main" val="1127070848"/>
+        <p14:creationId xmlns:p14="http://schemas.microsoft.com/office/powerpoint/2010/main" val="3586137305"/>
       </p:ext>
     </p:extLst>
   </p:cSld>
@@ -26021,19 +25840,65 @@
         </p:nvSpPr>
         <p:spPr/>
         <p:txBody>
-          <a:bodyPr>
-            <a:normAutofit fontScale="90000"/>
-          </a:bodyPr>
+          <a:bodyPr/>
           <a:lstStyle/>
           <a:p>
             <a:r>
               <a:rPr lang="en-US" dirty="0" smtClean="0"/>
-              <a:t>Where do you have expertise?</a:t>
+              <a:t>Project Involvement –</a:t>
             </a:r>
             <a:br>
               <a:rPr lang="en-US" dirty="0" smtClean="0"/>
             </a:br>
+            <a:r>
+              <a:rPr lang="en-US" dirty="0" smtClean="0"/>
+              <a:t>Strategic Innovations</a:t>
+            </a:r>
             <a:endParaRPr lang="en-US" dirty="0"/>
+          </a:p>
+        </p:txBody>
+      </p:sp>
+      <p:sp>
+        <p:nvSpPr>
+          <p:cNvPr id="3" name="Content Placeholder 2"/>
+          <p:cNvSpPr>
+            <a:spLocks noGrp="1"/>
+          </p:cNvSpPr>
+          <p:nvPr>
+            <p:ph idx="1"/>
+          </p:nvPr>
+        </p:nvSpPr>
+        <p:spPr/>
+        <p:txBody>
+          <a:bodyPr anchor="ctr"/>
+          <a:lstStyle/>
+          <a:p>
+            <a:r>
+              <a:rPr lang="en-US" dirty="0" err="1" smtClean="0"/>
+              <a:t>WatCACE</a:t>
+            </a:r>
+            <a:r>
+              <a:rPr lang="en-US" dirty="0" smtClean="0"/>
+              <a:t> Research Portal</a:t>
+            </a:r>
+          </a:p>
+          <a:p>
+            <a:endParaRPr lang="en-US" dirty="0"/>
+          </a:p>
+          <a:p>
+            <a:r>
+              <a:rPr lang="en-US" dirty="0" smtClean="0"/>
+              <a:t>Policy 73 IP Metrics</a:t>
+            </a:r>
+          </a:p>
+          <a:p>
+            <a:endParaRPr lang="en-US" dirty="0"/>
+          </a:p>
+          <a:p>
+            <a:r>
+              <a:rPr lang="en-US" dirty="0" smtClean="0"/>
+              <a:t>JIRA / Confluence Experimentation</a:t>
+            </a:r>
           </a:p>
         </p:txBody>
       </p:sp>
@@ -26063,34 +25928,10 @@
           </a:p>
         </p:txBody>
       </p:sp>
-      <p:pic>
-        <p:nvPicPr>
-          <p:cNvPr id="5" name="Picture 4"/>
-          <p:cNvPicPr>
-            <a:picLocks noChangeAspect="1"/>
-          </p:cNvPicPr>
-          <p:nvPr/>
-        </p:nvPicPr>
-        <p:blipFill>
-          <a:blip r:embed="rId3"/>
-          <a:stretch>
-            <a:fillRect/>
-          </a:stretch>
-        </p:blipFill>
-        <p:spPr>
-          <a:xfrm>
-            <a:off x="1803400" y="1330285"/>
-            <a:ext cx="5537200" cy="3479800"/>
-          </a:xfrm>
-          <a:prstGeom prst="rect">
-            <a:avLst/>
-          </a:prstGeom>
-        </p:spPr>
-      </p:pic>
     </p:spTree>
     <p:extLst>
       <p:ext uri="{BB962C8B-B14F-4D97-AF65-F5344CB8AC3E}">
-        <p14:creationId xmlns:p14="http://schemas.microsoft.com/office/powerpoint/2010/main" val="121871606"/>
+        <p14:creationId xmlns:p14="http://schemas.microsoft.com/office/powerpoint/2010/main" val="702435405"/>
       </p:ext>
     </p:extLst>
   </p:cSld>
@@ -26296,7 +26137,14 @@
           <a:p>
             <a:r>
               <a:rPr lang="en-US" dirty="0" smtClean="0"/>
-              <a:t>We are ready when you are!</a:t>
+              <a:t>Project Involvement –</a:t>
+            </a:r>
+            <a:br>
+              <a:rPr lang="en-US" dirty="0" smtClean="0"/>
+            </a:br>
+            <a:r>
+              <a:rPr lang="en-US" dirty="0" smtClean="0"/>
+              <a:t>INTEGRATIONS</a:t>
             </a:r>
             <a:endParaRPr lang="en-US" dirty="0"/>
           </a:p>
@@ -26314,63 +26162,32 @@
         </p:nvSpPr>
         <p:spPr/>
         <p:txBody>
-          <a:bodyPr/>
+          <a:bodyPr anchor="ctr"/>
           <a:lstStyle/>
           <a:p>
             <a:r>
               <a:rPr lang="en-US" dirty="0" smtClean="0"/>
-              <a:t>Website:</a:t>
-            </a:r>
-          </a:p>
-          <a:p>
-            <a:pPr lvl="1"/>
-            <a:r>
-              <a:rPr lang="en-US" dirty="0">
-                <a:hlinkClick r:id="rId2"/>
-              </a:rPr>
-              <a:t>https://</a:t>
-            </a:r>
-            <a:r>
-              <a:rPr lang="en-US" dirty="0" smtClean="0">
-                <a:hlinkClick r:id="rId2"/>
-              </a:rPr>
-              <a:t>uwaterloo.ca/information-systems-technology/about/organizational-structure/enterprise-architecture-ea</a:t>
-            </a:r>
+              <a:t>HR / Finance Integration Normalization</a:t>
+            </a:r>
+          </a:p>
+          <a:p>
+            <a:endParaRPr lang="en-US" dirty="0"/>
+          </a:p>
+          <a:p>
+            <a:r>
+              <a:rPr lang="en-US" dirty="0" smtClean="0"/>
+              <a:t>Developing API Capabilities</a:t>
+            </a:r>
+            <a:endParaRPr lang="en-US" dirty="0"/>
+          </a:p>
+          <a:p>
             <a:endParaRPr lang="en-US" dirty="0" smtClean="0"/>
           </a:p>
           <a:p>
-            <a:pPr lvl="1"/>
             <a:r>
               <a:rPr lang="en-US" dirty="0" smtClean="0"/>
-              <a:t>Links to framework documentation will be released here.</a:t>
-            </a:r>
-          </a:p>
-          <a:p>
-            <a:pPr lvl="1"/>
-            <a:endParaRPr lang="en-US" dirty="0"/>
-          </a:p>
-          <a:p>
-            <a:r>
-              <a:rPr lang="en-US" dirty="0" smtClean="0"/>
-              <a:t>Contact:</a:t>
-            </a:r>
-          </a:p>
-          <a:p>
-            <a:pPr lvl="1"/>
-            <a:r>
-              <a:rPr lang="en-US" dirty="0" smtClean="0"/>
-              <a:t>Direct email to </a:t>
-            </a:r>
-            <a:r>
-              <a:rPr lang="en-US" dirty="0" smtClean="0">
-                <a:hlinkClick r:id="rId3"/>
-              </a:rPr>
-              <a:t>ist-ea@uwaterloo.ca</a:t>
-            </a:r>
-            <a:endParaRPr lang="en-US" dirty="0"/>
-          </a:p>
-          <a:p>
-            <a:endParaRPr lang="en-US" dirty="0"/>
+              <a:t>Warehousing Student Data (QUEST)</a:t>
+            </a:r>
           </a:p>
         </p:txBody>
       </p:sp>
@@ -26403,7 +26220,7 @@
     </p:spTree>
     <p:extLst>
       <p:ext uri="{BB962C8B-B14F-4D97-AF65-F5344CB8AC3E}">
-        <p14:creationId xmlns:p14="http://schemas.microsoft.com/office/powerpoint/2010/main" val="1670188469"/>
+        <p14:creationId xmlns:p14="http://schemas.microsoft.com/office/powerpoint/2010/main" val="772917458"/>
       </p:ext>
     </p:extLst>
   </p:cSld>
@@ -26439,6 +26256,519 @@
       </p:grpSpPr>
       <p:sp>
         <p:nvSpPr>
+          <p:cNvPr id="2" name="Title 1"/>
+          <p:cNvSpPr>
+            <a:spLocks noGrp="1"/>
+          </p:cNvSpPr>
+          <p:nvPr>
+            <p:ph type="title"/>
+          </p:nvPr>
+        </p:nvSpPr>
+        <p:spPr>
+          <a:xfrm>
+            <a:off x="457200" y="2492520"/>
+            <a:ext cx="8229600" cy="1143000"/>
+          </a:xfrm>
+        </p:spPr>
+        <p:txBody>
+          <a:bodyPr>
+            <a:normAutofit fontScale="90000"/>
+          </a:bodyPr>
+          <a:lstStyle/>
+          <a:p>
+            <a:pPr algn="ctr"/>
+            <a:r>
+              <a:rPr lang="en-US" dirty="0" smtClean="0"/>
+              <a:t>When?</a:t>
+            </a:r>
+            <a:br>
+              <a:rPr lang="en-US" dirty="0" smtClean="0"/>
+            </a:br>
+            <a:r>
+              <a:rPr lang="en-US" dirty="0"/>
+              <a:t/>
+            </a:r>
+            <a:br>
+              <a:rPr lang="en-US" dirty="0"/>
+            </a:br>
+            <a:r>
+              <a:rPr lang="en-US" dirty="0" smtClean="0"/>
+              <a:t>Can you get involved</a:t>
+            </a:r>
+            <a:endParaRPr lang="en-US" dirty="0"/>
+          </a:p>
+        </p:txBody>
+      </p:sp>
+      <p:sp>
+        <p:nvSpPr>
+          <p:cNvPr id="4" name="Footer Placeholder 3"/>
+          <p:cNvSpPr>
+            <a:spLocks noGrp="1"/>
+          </p:cNvSpPr>
+          <p:nvPr>
+            <p:ph type="ftr" sz="quarter" idx="10"/>
+          </p:nvPr>
+        </p:nvSpPr>
+        <p:spPr/>
+        <p:txBody>
+          <a:bodyPr/>
+          <a:lstStyle/>
+          <a:p>
+            <a:pPr>
+              <a:defRPr/>
+            </a:pPr>
+            <a:r>
+              <a:rPr lang="en-US" dirty="0" smtClean="0"/>
+              <a:t>Enterprise Architecture @ Waterloo</a:t>
+            </a:r>
+            <a:endParaRPr lang="en-US" dirty="0"/>
+          </a:p>
+        </p:txBody>
+      </p:sp>
+    </p:spTree>
+    <p:extLst>
+      <p:ext uri="{BB962C8B-B14F-4D97-AF65-F5344CB8AC3E}">
+        <p14:creationId xmlns:p14="http://schemas.microsoft.com/office/powerpoint/2010/main" val="1296925850"/>
+      </p:ext>
+    </p:extLst>
+  </p:cSld>
+  <p:clrMapOvr>
+    <a:masterClrMapping/>
+  </p:clrMapOvr>
+  <p:timing>
+    <p:tnLst>
+      <p:par>
+        <p:cTn id="1" dur="indefinite" restart="never" nodeType="tmRoot"/>
+      </p:par>
+    </p:tnLst>
+  </p:timing>
+</p:sld>
+</file>
+
+<file path=ppt/slides/slide52.xml><?xml version="1.0" encoding="utf-8"?>
+<p:sld xmlns:a="http://schemas.openxmlformats.org/drawingml/2006/main" xmlns:r="http://schemas.openxmlformats.org/officeDocument/2006/relationships" xmlns:p="http://schemas.openxmlformats.org/presentationml/2006/main">
+  <p:cSld>
+    <p:spTree>
+      <p:nvGrpSpPr>
+        <p:cNvPr id="1" name=""/>
+        <p:cNvGrpSpPr/>
+        <p:nvPr/>
+      </p:nvGrpSpPr>
+      <p:grpSpPr>
+        <a:xfrm>
+          <a:off x="0" y="0"/>
+          <a:ext cx="0" cy="0"/>
+          <a:chOff x="0" y="0"/>
+          <a:chExt cx="0" cy="0"/>
+        </a:xfrm>
+      </p:grpSpPr>
+      <p:sp>
+        <p:nvSpPr>
+          <p:cNvPr id="2" name="Title 1"/>
+          <p:cNvSpPr>
+            <a:spLocks noGrp="1"/>
+          </p:cNvSpPr>
+          <p:nvPr>
+            <p:ph type="title"/>
+          </p:nvPr>
+        </p:nvSpPr>
+        <p:spPr/>
+        <p:txBody>
+          <a:bodyPr/>
+          <a:lstStyle/>
+          <a:p>
+            <a:r>
+              <a:rPr lang="en-US" dirty="0" smtClean="0"/>
+              <a:t>Get involved NOW!</a:t>
+            </a:r>
+            <a:endParaRPr lang="en-US" dirty="0"/>
+          </a:p>
+        </p:txBody>
+      </p:sp>
+      <p:sp>
+        <p:nvSpPr>
+          <p:cNvPr id="3" name="Content Placeholder 2"/>
+          <p:cNvSpPr>
+            <a:spLocks noGrp="1"/>
+          </p:cNvSpPr>
+          <p:nvPr>
+            <p:ph idx="1"/>
+          </p:nvPr>
+        </p:nvSpPr>
+        <p:spPr/>
+        <p:txBody>
+          <a:bodyPr/>
+          <a:lstStyle/>
+          <a:p>
+            <a:r>
+              <a:rPr lang="en-US" dirty="0" smtClean="0"/>
+              <a:t>Many of you are creating architecture artifacts today.</a:t>
+            </a:r>
+          </a:p>
+          <a:p>
+            <a:endParaRPr lang="en-US" dirty="0"/>
+          </a:p>
+          <a:p>
+            <a:r>
+              <a:rPr lang="en-US" dirty="0" smtClean="0"/>
+              <a:t>The EA team needs to know about your work to begin understanding how to leverage it towards a ‘strategic information asset base.’</a:t>
+            </a:r>
+          </a:p>
+          <a:p>
+            <a:endParaRPr lang="en-US" dirty="0"/>
+          </a:p>
+          <a:p>
+            <a:r>
+              <a:rPr lang="en-US" dirty="0" smtClean="0"/>
+              <a:t>We are archeologists, ethnographers, and documenters.  You are the designers!</a:t>
+            </a:r>
+          </a:p>
+          <a:p>
+            <a:endParaRPr lang="en-US" dirty="0"/>
+          </a:p>
+          <a:p>
+            <a:endParaRPr lang="en-US" dirty="0"/>
+          </a:p>
+        </p:txBody>
+      </p:sp>
+      <p:sp>
+        <p:nvSpPr>
+          <p:cNvPr id="4" name="Footer Placeholder 3"/>
+          <p:cNvSpPr>
+            <a:spLocks noGrp="1"/>
+          </p:cNvSpPr>
+          <p:nvPr>
+            <p:ph type="ftr" sz="quarter" idx="10"/>
+          </p:nvPr>
+        </p:nvSpPr>
+        <p:spPr/>
+        <p:txBody>
+          <a:bodyPr/>
+          <a:lstStyle/>
+          <a:p>
+            <a:pPr>
+              <a:defRPr/>
+            </a:pPr>
+            <a:r>
+              <a:rPr lang="en-US" dirty="0" smtClean="0"/>
+              <a:t>Enterprise Architecture @ Waterloo</a:t>
+            </a:r>
+            <a:endParaRPr lang="en-US" dirty="0"/>
+          </a:p>
+        </p:txBody>
+      </p:sp>
+    </p:spTree>
+    <p:extLst>
+      <p:ext uri="{BB962C8B-B14F-4D97-AF65-F5344CB8AC3E}">
+        <p14:creationId xmlns:p14="http://schemas.microsoft.com/office/powerpoint/2010/main" val="1127070848"/>
+      </p:ext>
+    </p:extLst>
+  </p:cSld>
+  <p:clrMapOvr>
+    <a:masterClrMapping/>
+  </p:clrMapOvr>
+  <p:timing>
+    <p:tnLst>
+      <p:par>
+        <p:cTn id="1" dur="indefinite" restart="never" nodeType="tmRoot"/>
+      </p:par>
+    </p:tnLst>
+  </p:timing>
+</p:sld>
+</file>
+
+<file path=ppt/slides/slide53.xml><?xml version="1.0" encoding="utf-8"?>
+<p:sld xmlns:a="http://schemas.openxmlformats.org/drawingml/2006/main" xmlns:r="http://schemas.openxmlformats.org/officeDocument/2006/relationships" xmlns:p="http://schemas.openxmlformats.org/presentationml/2006/main">
+  <p:cSld>
+    <p:spTree>
+      <p:nvGrpSpPr>
+        <p:cNvPr id="1" name=""/>
+        <p:cNvGrpSpPr/>
+        <p:nvPr/>
+      </p:nvGrpSpPr>
+      <p:grpSpPr>
+        <a:xfrm>
+          <a:off x="0" y="0"/>
+          <a:ext cx="0" cy="0"/>
+          <a:chOff x="0" y="0"/>
+          <a:chExt cx="0" cy="0"/>
+        </a:xfrm>
+      </p:grpSpPr>
+      <p:sp>
+        <p:nvSpPr>
+          <p:cNvPr id="2" name="Title 1"/>
+          <p:cNvSpPr>
+            <a:spLocks noGrp="1"/>
+          </p:cNvSpPr>
+          <p:nvPr>
+            <p:ph type="title"/>
+          </p:nvPr>
+        </p:nvSpPr>
+        <p:spPr/>
+        <p:txBody>
+          <a:bodyPr>
+            <a:normAutofit fontScale="90000"/>
+          </a:bodyPr>
+          <a:lstStyle/>
+          <a:p>
+            <a:r>
+              <a:rPr lang="en-US" dirty="0" smtClean="0"/>
+              <a:t>Where do you have expertise?</a:t>
+            </a:r>
+            <a:br>
+              <a:rPr lang="en-US" dirty="0" smtClean="0"/>
+            </a:br>
+            <a:endParaRPr lang="en-US" dirty="0"/>
+          </a:p>
+        </p:txBody>
+      </p:sp>
+      <p:sp>
+        <p:nvSpPr>
+          <p:cNvPr id="4" name="Footer Placeholder 3"/>
+          <p:cNvSpPr>
+            <a:spLocks noGrp="1"/>
+          </p:cNvSpPr>
+          <p:nvPr>
+            <p:ph type="ftr" sz="quarter" idx="10"/>
+          </p:nvPr>
+        </p:nvSpPr>
+        <p:spPr/>
+        <p:txBody>
+          <a:bodyPr/>
+          <a:lstStyle/>
+          <a:p>
+            <a:pPr>
+              <a:defRPr/>
+            </a:pPr>
+            <a:r>
+              <a:rPr lang="en-US" dirty="0" smtClean="0"/>
+              <a:t>Enterprise Architecture @ Waterloo</a:t>
+            </a:r>
+            <a:endParaRPr lang="en-US" dirty="0"/>
+          </a:p>
+        </p:txBody>
+      </p:sp>
+      <p:pic>
+        <p:nvPicPr>
+          <p:cNvPr id="5" name="Picture 4"/>
+          <p:cNvPicPr>
+            <a:picLocks noChangeAspect="1"/>
+          </p:cNvPicPr>
+          <p:nvPr/>
+        </p:nvPicPr>
+        <p:blipFill>
+          <a:blip r:embed="rId3"/>
+          <a:stretch>
+            <a:fillRect/>
+          </a:stretch>
+        </p:blipFill>
+        <p:spPr>
+          <a:xfrm>
+            <a:off x="1803400" y="1330285"/>
+            <a:ext cx="5537200" cy="3479800"/>
+          </a:xfrm>
+          <a:prstGeom prst="rect">
+            <a:avLst/>
+          </a:prstGeom>
+        </p:spPr>
+      </p:pic>
+    </p:spTree>
+    <p:extLst>
+      <p:ext uri="{BB962C8B-B14F-4D97-AF65-F5344CB8AC3E}">
+        <p14:creationId xmlns:p14="http://schemas.microsoft.com/office/powerpoint/2010/main" val="121871606"/>
+      </p:ext>
+    </p:extLst>
+  </p:cSld>
+  <p:clrMapOvr>
+    <a:masterClrMapping/>
+  </p:clrMapOvr>
+  <p:timing>
+    <p:tnLst>
+      <p:par>
+        <p:cTn id="1" dur="indefinite" restart="never" nodeType="tmRoot"/>
+      </p:par>
+    </p:tnLst>
+  </p:timing>
+</p:sld>
+</file>
+
+<file path=ppt/slides/slide54.xml><?xml version="1.0" encoding="utf-8"?>
+<p:sld xmlns:a="http://schemas.openxmlformats.org/drawingml/2006/main" xmlns:r="http://schemas.openxmlformats.org/officeDocument/2006/relationships" xmlns:p="http://schemas.openxmlformats.org/presentationml/2006/main">
+  <p:cSld>
+    <p:spTree>
+      <p:nvGrpSpPr>
+        <p:cNvPr id="1" name=""/>
+        <p:cNvGrpSpPr/>
+        <p:nvPr/>
+      </p:nvGrpSpPr>
+      <p:grpSpPr>
+        <a:xfrm>
+          <a:off x="0" y="0"/>
+          <a:ext cx="0" cy="0"/>
+          <a:chOff x="0" y="0"/>
+          <a:chExt cx="0" cy="0"/>
+        </a:xfrm>
+      </p:grpSpPr>
+      <p:sp>
+        <p:nvSpPr>
+          <p:cNvPr id="2" name="Title 1"/>
+          <p:cNvSpPr>
+            <a:spLocks noGrp="1"/>
+          </p:cNvSpPr>
+          <p:nvPr>
+            <p:ph type="title"/>
+          </p:nvPr>
+        </p:nvSpPr>
+        <p:spPr/>
+        <p:txBody>
+          <a:bodyPr/>
+          <a:lstStyle/>
+          <a:p>
+            <a:r>
+              <a:rPr lang="en-US" dirty="0" smtClean="0"/>
+              <a:t>We are ready when you are!</a:t>
+            </a:r>
+            <a:endParaRPr lang="en-US" dirty="0"/>
+          </a:p>
+        </p:txBody>
+      </p:sp>
+      <p:sp>
+        <p:nvSpPr>
+          <p:cNvPr id="3" name="Content Placeholder 2"/>
+          <p:cNvSpPr>
+            <a:spLocks noGrp="1"/>
+          </p:cNvSpPr>
+          <p:nvPr>
+            <p:ph idx="1"/>
+          </p:nvPr>
+        </p:nvSpPr>
+        <p:spPr/>
+        <p:txBody>
+          <a:bodyPr/>
+          <a:lstStyle/>
+          <a:p>
+            <a:r>
+              <a:rPr lang="en-US" dirty="0" smtClean="0"/>
+              <a:t>Website:</a:t>
+            </a:r>
+          </a:p>
+          <a:p>
+            <a:pPr lvl="1"/>
+            <a:r>
+              <a:rPr lang="en-US" dirty="0">
+                <a:hlinkClick r:id="rId2"/>
+              </a:rPr>
+              <a:t>https://</a:t>
+            </a:r>
+            <a:r>
+              <a:rPr lang="en-US" dirty="0" smtClean="0">
+                <a:hlinkClick r:id="rId2"/>
+              </a:rPr>
+              <a:t>uwaterloo.ca/information-systems-technology/about/organizational-structure/enterprise-architecture-ea</a:t>
+            </a:r>
+            <a:endParaRPr lang="en-US" dirty="0" smtClean="0"/>
+          </a:p>
+          <a:p>
+            <a:pPr lvl="1"/>
+            <a:r>
+              <a:rPr lang="en-US" dirty="0" smtClean="0"/>
+              <a:t>Links to framework documentation will be released here.</a:t>
+            </a:r>
+          </a:p>
+          <a:p>
+            <a:pPr lvl="1"/>
+            <a:endParaRPr lang="en-US" dirty="0"/>
+          </a:p>
+          <a:p>
+            <a:r>
+              <a:rPr lang="en-US" dirty="0" smtClean="0"/>
+              <a:t>Contact:</a:t>
+            </a:r>
+          </a:p>
+          <a:p>
+            <a:pPr lvl="1"/>
+            <a:r>
+              <a:rPr lang="en-US" dirty="0" smtClean="0"/>
+              <a:t>Direct email to </a:t>
+            </a:r>
+            <a:r>
+              <a:rPr lang="en-US" dirty="0" smtClean="0">
+                <a:hlinkClick r:id="rId3"/>
+              </a:rPr>
+              <a:t>ist-ea@uwaterloo.ca</a:t>
+            </a:r>
+            <a:endParaRPr lang="en-US" dirty="0"/>
+          </a:p>
+          <a:p>
+            <a:endParaRPr lang="en-US" dirty="0"/>
+          </a:p>
+        </p:txBody>
+      </p:sp>
+      <p:sp>
+        <p:nvSpPr>
+          <p:cNvPr id="4" name="Footer Placeholder 3"/>
+          <p:cNvSpPr>
+            <a:spLocks noGrp="1"/>
+          </p:cNvSpPr>
+          <p:nvPr>
+            <p:ph type="ftr" sz="quarter" idx="10"/>
+          </p:nvPr>
+        </p:nvSpPr>
+        <p:spPr/>
+        <p:txBody>
+          <a:bodyPr/>
+          <a:lstStyle/>
+          <a:p>
+            <a:pPr>
+              <a:defRPr/>
+            </a:pPr>
+            <a:r>
+              <a:rPr lang="en-US" dirty="0" smtClean="0"/>
+              <a:t>Enterprise Architecture @ Waterloo</a:t>
+            </a:r>
+            <a:endParaRPr lang="en-US" dirty="0"/>
+          </a:p>
+        </p:txBody>
+      </p:sp>
+    </p:spTree>
+    <p:extLst>
+      <p:ext uri="{BB962C8B-B14F-4D97-AF65-F5344CB8AC3E}">
+        <p14:creationId xmlns:p14="http://schemas.microsoft.com/office/powerpoint/2010/main" val="1670188469"/>
+      </p:ext>
+    </p:extLst>
+  </p:cSld>
+  <p:clrMapOvr>
+    <a:masterClrMapping/>
+  </p:clrMapOvr>
+  <p:timing>
+    <p:tnLst>
+      <p:par>
+        <p:cTn id="1" dur="indefinite" restart="never" nodeType="tmRoot"/>
+      </p:par>
+    </p:tnLst>
+  </p:timing>
+</p:sld>
+</file>
+
+<file path=ppt/slides/slide55.xml><?xml version="1.0" encoding="utf-8"?>
+<p:sld xmlns:a="http://schemas.openxmlformats.org/drawingml/2006/main" xmlns:r="http://schemas.openxmlformats.org/officeDocument/2006/relationships" xmlns:p="http://schemas.openxmlformats.org/presentationml/2006/main">
+  <p:cSld>
+    <p:spTree>
+      <p:nvGrpSpPr>
+        <p:cNvPr id="1" name=""/>
+        <p:cNvGrpSpPr/>
+        <p:nvPr/>
+      </p:nvGrpSpPr>
+      <p:grpSpPr>
+        <a:xfrm>
+          <a:off x="0" y="0"/>
+          <a:ext cx="0" cy="0"/>
+          <a:chOff x="0" y="0"/>
+          <a:chExt cx="0" cy="0"/>
+        </a:xfrm>
+      </p:grpSpPr>
+      <p:sp>
+        <p:nvSpPr>
           <p:cNvPr id="12289" name="Footer Placeholder 3"/>
           <p:cNvSpPr>
             <a:spLocks noGrp="1"/>
@@ -26451,14 +26781,14 @@
           <a:noFill/>
           <a:extLst>
             <a:ext uri="{909E8E84-426E-40dd-AFC4-6F175D3DCCD1}">
-              <a14:hiddenFill xmlns:a14="http://schemas.microsoft.com/office/drawing/2010/main" xmlns="">
+              <a14:hiddenFill xmlns="" xmlns:a14="http://schemas.microsoft.com/office/drawing/2010/main">
                 <a:solidFill>
                   <a:srgbClr val="FFFFFF"/>
                 </a:solidFill>
               </a14:hiddenFill>
             </a:ext>
             <a:ext uri="{91240B29-F687-4f45-9708-019B960494DF}">
-              <a14:hiddenLine xmlns:a14="http://schemas.microsoft.com/office/drawing/2010/main" xmlns="" w="9525">
+              <a14:hiddenLine xmlns="" xmlns:a14="http://schemas.microsoft.com/office/drawing/2010/main" w="9525">
                 <a:solidFill>
                   <a:srgbClr val="000000"/>
                 </a:solidFill>
@@ -26761,14 +27091,14 @@
           </a:ln>
           <a:extLst>
             <a:ext uri="{909E8E84-426E-40dd-AFC4-6F175D3DCCD1}">
-              <a14:hiddenFill xmlns:a14="http://schemas.microsoft.com/office/drawing/2010/main" xmlns="">
+              <a14:hiddenFill xmlns="" xmlns:a14="http://schemas.microsoft.com/office/drawing/2010/main">
                 <a:solidFill>
                   <a:srgbClr val="FFFFFF"/>
                 </a:solidFill>
               </a14:hiddenFill>
             </a:ext>
             <a:ext uri="{91240B29-F687-4f45-9708-019B960494DF}">
-              <a14:hiddenLine xmlns:a14="http://schemas.microsoft.com/office/drawing/2010/main" xmlns="" w="9525">
+              <a14:hiddenLine xmlns="" xmlns:a14="http://schemas.microsoft.com/office/drawing/2010/main" w="9525">
                 <a:solidFill>
                   <a:srgbClr val="000000"/>
                 </a:solidFill>
@@ -27097,11 +27427,7 @@
             <a:pPr algn="ctr"/>
             <a:r>
               <a:rPr lang="en-US" dirty="0" smtClean="0"/>
-              <a:t>WHY</a:t>
-            </a:r>
-            <a:r>
-              <a:rPr lang="en-US" dirty="0" smtClean="0"/>
-              <a:t>?</a:t>
+              <a:t>WHY?</a:t>
             </a:r>
             <a:br>
               <a:rPr lang="en-US" dirty="0" smtClean="0"/>

--- a/ISTEA-WatITis2015.pptx
+++ b/ISTEA-WatITis2015.pptx
@@ -26420,8 +26420,17 @@
           <a:p>
             <a:r>
               <a:rPr lang="en-US" dirty="0" smtClean="0"/>
-              <a:t>We are archeologists, ethnographers, and documenters.  You are the designers!</a:t>
-            </a:r>
+              <a:t>We are archeologists, ethnographers, and documenters.  You are the </a:t>
+            </a:r>
+            <a:r>
+              <a:rPr lang="en-US" dirty="0" smtClean="0"/>
+              <a:t>architects</a:t>
+            </a:r>
+            <a:r>
+              <a:rPr lang="en-US" dirty="0" smtClean="0"/>
+              <a:t>!</a:t>
+            </a:r>
+            <a:endParaRPr lang="en-US" dirty="0" smtClean="0"/>
           </a:p>
           <a:p>
             <a:endParaRPr lang="en-US" dirty="0"/>

--- a/ISTEA-WatITis2015.pptx
+++ b/ISTEA-WatITis2015.pptx
@@ -25080,7 +25080,11 @@
             <a:pPr>
               <a:defRPr/>
             </a:pPr>
-            <a:endParaRPr lang="en-US"/>
+            <a:r>
+              <a:rPr lang="en-US" dirty="0" smtClean="0"/>
+              <a:t>Enterprise Architecture @ Waterloo</a:t>
+            </a:r>
+            <a:endParaRPr lang="en-US" dirty="0"/>
           </a:p>
         </p:txBody>
       </p:sp>

--- a/ISTEA-WatITis2015.pptx
+++ b/ISTEA-WatITis2015.pptx
@@ -196,7 +196,7 @@
   </p:defaultTextStyle>
   <p:extLst>
     <p:ext uri="{EFAFB233-063F-42B5-8137-9DF3F51BA10A}">
-      <p15:sldGuideLst xmlns:p15="http://schemas.microsoft.com/office/powerpoint/2012/main">
+      <p15:sldGuideLst xmlns:p15="http://schemas.microsoft.com/office/powerpoint/2012/main" xmlns="">
         <p15:guide id="1" orient="horz" pos="2160">
           <p15:clr>
             <a:srgbClr val="A4A3A4"/>
@@ -6079,7 +6079,7 @@
           <a:p>
             <a:fld id="{3EBD304B-4F32-DB42-AA51-EDA38B867F6B}" type="datetimeFigureOut">
               <a:rPr lang="en-US" smtClean="0"/>
-              <a:t>12/7/15</a:t>
+              <a:t>15-12-10</a:t>
             </a:fld>
             <a:endParaRPr lang="en-US"/>
           </a:p>
@@ -6274,7 +6274,7 @@
               <a:pPr>
                 <a:defRPr/>
               </a:pPr>
-              <a:t>12/7/15</a:t>
+              <a:t>15-12-10</a:t>
             </a:fld>
             <a:endParaRPr lang="en-US"/>
           </a:p>
@@ -7751,15 +7751,15 @@
             <a:tailEnd/>
           </a:ln>
           <a:extLst>
-            <a:ext uri="{FAA26D3D-D897-4be2-8F04-BA451C77F1D7}">
-              <ma14:placeholderFlag xmlns:ma14="http://schemas.microsoft.com/office/mac/drawingml/2011/main" val="1"/>
-            </a:ext>
             <a:ext uri="{909E8E84-426E-40dd-AFC4-6F175D3DCCD1}">
-              <a14:hiddenFill xmlns="" xmlns:a14="http://schemas.microsoft.com/office/drawing/2010/main">
+              <a14:hiddenFill xmlns:a14="http://schemas.microsoft.com/office/drawing/2010/main">
                 <a:solidFill>
                   <a:srgbClr val="FFFFFF"/>
                 </a:solidFill>
               </a14:hiddenFill>
+            </a:ext>
+            <a:ext uri="{FAA26D3D-D897-4be2-8F04-BA451C77F1D7}">
+              <ma14:placeholderFlag xmlns:ma14="http://schemas.microsoft.com/office/mac/drawingml/2011/main" val="1"/>
             </a:ext>
           </a:extLst>
         </p:spPr>
@@ -7777,14 +7777,14 @@
         <p:spPr bwMode="auto">
           <a:extLst>
             <a:ext uri="{909E8E84-426E-40dd-AFC4-6F175D3DCCD1}">
-              <a14:hiddenFill xmlns="" xmlns:a14="http://schemas.microsoft.com/office/drawing/2010/main">
+              <a14:hiddenFill xmlns:a14="http://schemas.microsoft.com/office/drawing/2010/main">
                 <a:solidFill>
                   <a:srgbClr val="FFFFFF"/>
                 </a:solidFill>
               </a14:hiddenFill>
             </a:ext>
             <a:ext uri="{91240B29-F687-4f45-9708-019B960494DF}">
-              <a14:hiddenLine xmlns="" xmlns:a14="http://schemas.microsoft.com/office/drawing/2010/main" w="9525">
+              <a14:hiddenLine xmlns:a14="http://schemas.microsoft.com/office/drawing/2010/main" w="9525">
                 <a:solidFill>
                   <a:srgbClr val="000000"/>
                 </a:solidFill>
@@ -7877,14 +7877,14 @@
           <a:noFill/>
           <a:extLst>
             <a:ext uri="{909E8E84-426E-40dd-AFC4-6F175D3DCCD1}">
-              <a14:hiddenFill xmlns="" xmlns:a14="http://schemas.microsoft.com/office/drawing/2010/main">
+              <a14:hiddenFill xmlns:a14="http://schemas.microsoft.com/office/drawing/2010/main">
                 <a:solidFill>
                   <a:srgbClr val="FFFFFF"/>
                 </a:solidFill>
               </a14:hiddenFill>
             </a:ext>
             <a:ext uri="{91240B29-F687-4f45-9708-019B960494DF}">
-              <a14:hiddenLine xmlns="" xmlns:a14="http://schemas.microsoft.com/office/drawing/2010/main" w="9525">
+              <a14:hiddenLine xmlns:a14="http://schemas.microsoft.com/office/drawing/2010/main" w="9525">
                 <a:solidFill>
                   <a:srgbClr val="000000"/>
                 </a:solidFill>
@@ -12516,14 +12516,14 @@
           </a:ln>
           <a:extLst>
             <a:ext uri="{909E8E84-426E-40dd-AFC4-6F175D3DCCD1}">
-              <a14:hiddenFill xmlns="" xmlns:a14="http://schemas.microsoft.com/office/drawing/2010/main">
+              <a14:hiddenFill xmlns:a14="http://schemas.microsoft.com/office/drawing/2010/main">
                 <a:solidFill>
                   <a:srgbClr val="FFFFFF"/>
                 </a:solidFill>
               </a14:hiddenFill>
             </a:ext>
             <a:ext uri="{91240B29-F687-4f45-9708-019B960494DF}">
-              <a14:hiddenLine xmlns="" xmlns:a14="http://schemas.microsoft.com/office/drawing/2010/main" w="9525">
+              <a14:hiddenLine xmlns:a14="http://schemas.microsoft.com/office/drawing/2010/main" w="9525">
                 <a:solidFill>
                   <a:srgbClr val="000000"/>
                 </a:solidFill>
@@ -13240,7 +13240,7 @@
   <p:clrMapOvr>
     <a:masterClrMapping/>
   </p:clrMapOvr>
-  <p:transition>
+  <p:transition xmlns:p14="http://schemas.microsoft.com/office/powerpoint/2010/main">
     <p:fade/>
   </p:transition>
 </p:sldLayout>
@@ -13303,14 +13303,14 @@
           </a:ln>
           <a:extLst>
             <a:ext uri="{909E8E84-426E-40dd-AFC4-6F175D3DCCD1}">
-              <a14:hiddenFill xmlns="" xmlns:a14="http://schemas.microsoft.com/office/drawing/2010/main">
+              <a14:hiddenFill xmlns:a14="http://schemas.microsoft.com/office/drawing/2010/main">
                 <a:solidFill>
                   <a:srgbClr val="FFFFFF"/>
                 </a:solidFill>
               </a14:hiddenFill>
             </a:ext>
             <a:ext uri="{91240B29-F687-4f45-9708-019B960494DF}">
-              <a14:hiddenLine xmlns="" xmlns:a14="http://schemas.microsoft.com/office/drawing/2010/main" w="9525">
+              <a14:hiddenLine xmlns:a14="http://schemas.microsoft.com/office/drawing/2010/main" w="9525">
                 <a:solidFill>
                   <a:srgbClr val="000000"/>
                 </a:solidFill>
@@ -13601,7 +13601,7 @@
   <p:timing>
     <p:tnLst>
       <p:par>
-        <p:cTn id="1" dur="indefinite" restart="never" nodeType="tmRoot"/>
+        <p:cTn xmlns:p14="http://schemas.microsoft.com/office/powerpoint/2010/main" id="1" dur="indefinite" restart="never" nodeType="tmRoot"/>
       </p:par>
     </p:tnLst>
   </p:timing>
@@ -14171,7 +14171,7 @@
         <p:spPr>
           <a:xfrm>
             <a:off x="3590637" y="6176818"/>
-            <a:ext cx="1903085" cy="369332"/>
+            <a:ext cx="1901933" cy="369332"/>
           </a:xfrm>
           <a:prstGeom prst="rect">
             <a:avLst/>
@@ -14186,7 +14186,15 @@
           <a:p>
             <a:r>
               <a:rPr lang="en-US" dirty="0" smtClean="0"/>
-              <a:t>December 7, 2014</a:t>
+              <a:t>December 7</a:t>
+            </a:r>
+            <a:r>
+              <a:rPr lang="en-US" smtClean="0"/>
+              <a:t>, </a:t>
+            </a:r>
+            <a:r>
+              <a:rPr lang="en-US" smtClean="0"/>
+              <a:t>2015</a:t>
             </a:r>
             <a:endParaRPr lang="en-US" dirty="0"/>
           </a:p>
@@ -14200,7 +14208,7 @@
   <p:timing>
     <p:tnLst>
       <p:par>
-        <p:cTn id="1" dur="indefinite" restart="never" nodeType="tmRoot"/>
+        <p:cTn xmlns:p14="http://schemas.microsoft.com/office/powerpoint/2010/main" id="1" dur="indefinite" restart="never" nodeType="tmRoot"/>
       </p:par>
     </p:tnLst>
   </p:timing>
@@ -15160,7 +15168,7 @@
   <p:timing>
     <p:tnLst>
       <p:par>
-        <p:cTn id="1" dur="indefinite" restart="never" nodeType="tmRoot">
+        <p:cTn xmlns:p14="http://schemas.microsoft.com/office/powerpoint/2010/main" id="1" dur="indefinite" restart="never" nodeType="tmRoot">
           <p:childTnLst>
             <p:seq concurrent="1" nextAc="seek">
               <p:cTn id="2" dur="indefinite" nodeType="mainSeq">
@@ -19679,7 +19687,7 @@
   <p:timing>
     <p:tnLst>
       <p:par>
-        <p:cTn id="1" dur="indefinite" restart="never" nodeType="tmRoot"/>
+        <p:cTn xmlns:p14="http://schemas.microsoft.com/office/powerpoint/2010/main" id="1" dur="indefinite" restart="never" nodeType="tmRoot"/>
       </p:par>
     </p:tnLst>
   </p:timing>
@@ -19789,7 +19797,7 @@
   <p:timing>
     <p:tnLst>
       <p:par>
-        <p:cTn id="1" dur="indefinite" restart="never" nodeType="tmRoot"/>
+        <p:cTn xmlns:p14="http://schemas.microsoft.com/office/powerpoint/2010/main" id="1" dur="indefinite" restart="never" nodeType="tmRoot"/>
       </p:par>
     </p:tnLst>
   </p:timing>
@@ -19896,14 +19904,14 @@
             <a:noFill/>
           </a:ln>
           <a:extLst>
-            <a:ext uri="{909E8E84-426E-40DD-AFC4-6F175D3DCCD1}">
+            <a:ext uri="{909E8E84-426E-40dd-AFC4-6F175D3DCCD1}">
               <a14:hiddenFill xmlns:a14="http://schemas.microsoft.com/office/drawing/2010/main">
                 <a:solidFill>
                   <a:srgbClr val="FFFFFF"/>
                 </a:solidFill>
               </a14:hiddenFill>
             </a:ext>
-            <a:ext uri="{91240B29-F687-4F45-9708-019B960494DF}">
+            <a:ext uri="{91240B29-F687-4f45-9708-019B960494DF}">
               <a14:hiddenLine xmlns:a14="http://schemas.microsoft.com/office/drawing/2010/main" w="9525">
                 <a:solidFill>
                   <a:srgbClr val="000000"/>
@@ -19975,7 +19983,7 @@
   <p:timing>
     <p:tnLst>
       <p:par>
-        <p:cTn id="1" dur="indefinite" restart="never" nodeType="tmRoot"/>
+        <p:cTn xmlns:p14="http://schemas.microsoft.com/office/powerpoint/2010/main" id="1" dur="indefinite" restart="never" nodeType="tmRoot"/>
       </p:par>
     </p:tnLst>
   </p:timing>
@@ -20146,7 +20154,7 @@
   <p:timing>
     <p:tnLst>
       <p:par>
-        <p:cTn id="1" dur="indefinite" restart="never" nodeType="tmRoot"/>
+        <p:cTn xmlns:p14="http://schemas.microsoft.com/office/powerpoint/2010/main" id="1" dur="indefinite" restart="never" nodeType="tmRoot"/>
       </p:par>
     </p:tnLst>
   </p:timing>
@@ -20302,7 +20310,7 @@
   <p:timing>
     <p:tnLst>
       <p:par>
-        <p:cTn id="1" dur="indefinite" restart="never" nodeType="tmRoot">
+        <p:cTn xmlns:p14="http://schemas.microsoft.com/office/powerpoint/2010/main" id="1" dur="indefinite" restart="never" nodeType="tmRoot">
           <p:childTnLst>
             <p:seq concurrent="1" nextAc="seek">
               <p:cTn id="2" dur="indefinite" nodeType="mainSeq">
@@ -20483,7 +20491,7 @@
   <p:timing>
     <p:tnLst>
       <p:par>
-        <p:cTn id="1" dur="indefinite" restart="never" nodeType="tmRoot"/>
+        <p:cTn xmlns:p14="http://schemas.microsoft.com/office/powerpoint/2010/main" id="1" dur="indefinite" restart="never" nodeType="tmRoot"/>
       </p:par>
     </p:tnLst>
   </p:timing>
@@ -20679,7 +20687,7 @@
   <p:timing>
     <p:tnLst>
       <p:par>
-        <p:cTn id="1" dur="indefinite" restart="never" nodeType="tmRoot"/>
+        <p:cTn xmlns:p14="http://schemas.microsoft.com/office/powerpoint/2010/main" id="1" dur="indefinite" restart="never" nodeType="tmRoot"/>
       </p:par>
     </p:tnLst>
   </p:timing>
@@ -20787,7 +20795,7 @@
   <p:timing>
     <p:tnLst>
       <p:par>
-        <p:cTn id="1" dur="indefinite" restart="never" nodeType="tmRoot"/>
+        <p:cTn xmlns:p14="http://schemas.microsoft.com/office/powerpoint/2010/main" id="1" dur="indefinite" restart="never" nodeType="tmRoot"/>
       </p:par>
     </p:tnLst>
   </p:timing>
@@ -20943,7 +20951,7 @@
   <p:timing>
     <p:tnLst>
       <p:par>
-        <p:cTn id="1" dur="indefinite" restart="never" nodeType="tmRoot"/>
+        <p:cTn xmlns:p14="http://schemas.microsoft.com/office/powerpoint/2010/main" id="1" dur="indefinite" restart="never" nodeType="tmRoot"/>
       </p:par>
     </p:tnLst>
   </p:timing>
@@ -21245,14 +21253,14 @@
           <a:noFill/>
           <a:extLst>
             <a:ext uri="{909E8E84-426E-40dd-AFC4-6F175D3DCCD1}">
-              <a14:hiddenFill xmlns="" xmlns:a14="http://schemas.microsoft.com/office/drawing/2010/main">
+              <a14:hiddenFill xmlns:a14="http://schemas.microsoft.com/office/drawing/2010/main">
                 <a:solidFill>
                   <a:srgbClr val="FFFFFF"/>
                 </a:solidFill>
               </a14:hiddenFill>
             </a:ext>
             <a:ext uri="{91240B29-F687-4f45-9708-019B960494DF}">
-              <a14:hiddenLine xmlns="" xmlns:a14="http://schemas.microsoft.com/office/drawing/2010/main" w="9525">
+              <a14:hiddenLine xmlns:a14="http://schemas.microsoft.com/office/drawing/2010/main" w="9525">
                 <a:solidFill>
                   <a:srgbClr val="000000"/>
                 </a:solidFill>
@@ -21408,7 +21416,7 @@
   <p:timing>
     <p:tnLst>
       <p:par>
-        <p:cTn id="1" dur="indefinite" restart="never" nodeType="tmRoot"/>
+        <p:cTn xmlns:p14="http://schemas.microsoft.com/office/powerpoint/2010/main" id="1" dur="indefinite" restart="never" nodeType="tmRoot"/>
       </p:par>
     </p:tnLst>
   </p:timing>
@@ -21543,7 +21551,7 @@
   <p:timing>
     <p:tnLst>
       <p:par>
-        <p:cTn id="1" dur="indefinite" restart="never" nodeType="tmRoot"/>
+        <p:cTn xmlns:p14="http://schemas.microsoft.com/office/powerpoint/2010/main" id="1" dur="indefinite" restart="never" nodeType="tmRoot"/>
       </p:par>
     </p:tnLst>
   </p:timing>
@@ -21703,7 +21711,7 @@
   <p:timing>
     <p:tnLst>
       <p:par>
-        <p:cTn id="1" dur="indefinite" restart="never" nodeType="tmRoot"/>
+        <p:cTn xmlns:p14="http://schemas.microsoft.com/office/powerpoint/2010/main" id="1" dur="indefinite" restart="never" nodeType="tmRoot"/>
       </p:par>
     </p:tnLst>
   </p:timing>
@@ -21825,7 +21833,7 @@
   <p:timing>
     <p:tnLst>
       <p:par>
-        <p:cTn id="1" dur="indefinite" restart="never" nodeType="tmRoot"/>
+        <p:cTn xmlns:p14="http://schemas.microsoft.com/office/powerpoint/2010/main" id="1" dur="indefinite" restart="never" nodeType="tmRoot"/>
       </p:par>
     </p:tnLst>
   </p:timing>
@@ -22044,7 +22052,7 @@
   <p:timing>
     <p:tnLst>
       <p:par>
-        <p:cTn id="1" dur="indefinite" restart="never" nodeType="tmRoot"/>
+        <p:cTn xmlns:p14="http://schemas.microsoft.com/office/powerpoint/2010/main" id="1" dur="indefinite" restart="never" nodeType="tmRoot"/>
       </p:par>
     </p:tnLst>
   </p:timing>
@@ -22255,7 +22263,7 @@
   <p:timing>
     <p:tnLst>
       <p:par>
-        <p:cTn id="1" dur="indefinite" restart="never" nodeType="tmRoot"/>
+        <p:cTn xmlns:p14="http://schemas.microsoft.com/office/powerpoint/2010/main" id="1" dur="indefinite" restart="never" nodeType="tmRoot"/>
       </p:par>
     </p:tnLst>
   </p:timing>
@@ -22373,13 +22381,13 @@
       <p:transition spd="slow" p14:dur="2000"/>
     </mc:Choice>
     <mc:Fallback>
-      <p:transition spd="slow"/>
+      <p:transition xmlns:p14="http://schemas.microsoft.com/office/powerpoint/2010/main" spd="slow"/>
     </mc:Fallback>
   </mc:AlternateContent>
   <p:timing>
     <p:tnLst>
       <p:par>
-        <p:cTn id="1" dur="indefinite" restart="never" nodeType="tmRoot"/>
+        <p:cTn xmlns:p14="http://schemas.microsoft.com/office/powerpoint/2010/main" id="1" dur="indefinite" restart="never" nodeType="tmRoot"/>
       </p:par>
     </p:tnLst>
   </p:timing>
@@ -22535,13 +22543,13 @@
       <p:transition spd="slow" p14:dur="2000"/>
     </mc:Choice>
     <mc:Fallback>
-      <p:transition spd="slow"/>
+      <p:transition xmlns:p14="http://schemas.microsoft.com/office/powerpoint/2010/main" spd="slow"/>
     </mc:Fallback>
   </mc:AlternateContent>
   <p:timing>
     <p:tnLst>
       <p:par>
-        <p:cTn id="1" dur="indefinite" restart="never" nodeType="tmRoot"/>
+        <p:cTn xmlns:p14="http://schemas.microsoft.com/office/powerpoint/2010/main" id="1" dur="indefinite" restart="never" nodeType="tmRoot"/>
       </p:par>
     </p:tnLst>
   </p:timing>
@@ -22659,13 +22667,13 @@
       <p:transition spd="slow" p14:dur="2000"/>
     </mc:Choice>
     <mc:Fallback>
-      <p:transition spd="slow"/>
+      <p:transition xmlns:p14="http://schemas.microsoft.com/office/powerpoint/2010/main" spd="slow"/>
     </mc:Fallback>
   </mc:AlternateContent>
   <p:timing>
     <p:tnLst>
       <p:par>
-        <p:cTn id="1" dur="indefinite" restart="never" nodeType="tmRoot"/>
+        <p:cTn xmlns:p14="http://schemas.microsoft.com/office/powerpoint/2010/main" id="1" dur="indefinite" restart="never" nodeType="tmRoot"/>
       </p:par>
     </p:tnLst>
   </p:timing>
@@ -22821,13 +22829,13 @@
       <p:transition spd="slow" p14:dur="2000"/>
     </mc:Choice>
     <mc:Fallback>
-      <p:transition spd="slow"/>
+      <p:transition xmlns:p14="http://schemas.microsoft.com/office/powerpoint/2010/main" spd="slow"/>
     </mc:Fallback>
   </mc:AlternateContent>
   <p:timing>
     <p:tnLst>
       <p:par>
-        <p:cTn id="1" dur="indefinite" restart="never" nodeType="tmRoot"/>
+        <p:cTn xmlns:p14="http://schemas.microsoft.com/office/powerpoint/2010/main" id="1" dur="indefinite" restart="never" nodeType="tmRoot"/>
       </p:par>
     </p:tnLst>
   </p:timing>
@@ -22915,13 +22923,13 @@
       <p:transition spd="slow" p14:dur="2000"/>
     </mc:Choice>
     <mc:Fallback>
-      <p:transition spd="slow"/>
+      <p:transition xmlns:p14="http://schemas.microsoft.com/office/powerpoint/2010/main" spd="slow"/>
     </mc:Fallback>
   </mc:AlternateContent>
   <p:timing>
     <p:tnLst>
       <p:par>
-        <p:cTn id="1" dur="indefinite" restart="never" nodeType="tmRoot"/>
+        <p:cTn xmlns:p14="http://schemas.microsoft.com/office/powerpoint/2010/main" id="1" dur="indefinite" restart="never" nodeType="tmRoot"/>
       </p:par>
     </p:tnLst>
   </p:timing>
@@ -23029,7 +23037,7 @@
   <p:timing>
     <p:tnLst>
       <p:par>
-        <p:cTn id="1" dur="indefinite" restart="never" nodeType="tmRoot"/>
+        <p:cTn xmlns:p14="http://schemas.microsoft.com/office/powerpoint/2010/main" id="1" dur="indefinite" restart="never" nodeType="tmRoot"/>
       </p:par>
     </p:tnLst>
   </p:timing>
@@ -23185,13 +23193,13 @@
       <p:transition spd="slow" p14:dur="2000"/>
     </mc:Choice>
     <mc:Fallback>
-      <p:transition spd="slow"/>
+      <p:transition xmlns:p14="http://schemas.microsoft.com/office/powerpoint/2010/main" spd="slow"/>
     </mc:Fallback>
   </mc:AlternateContent>
   <p:timing>
     <p:tnLst>
       <p:par>
-        <p:cTn id="1" dur="indefinite" restart="never" nodeType="tmRoot"/>
+        <p:cTn xmlns:p14="http://schemas.microsoft.com/office/powerpoint/2010/main" id="1" dur="indefinite" restart="never" nodeType="tmRoot"/>
       </p:par>
     </p:tnLst>
   </p:timing>
@@ -23309,13 +23317,13 @@
       <p:transition spd="slow" p14:dur="2000"/>
     </mc:Choice>
     <mc:Fallback>
-      <p:transition spd="slow"/>
+      <p:transition xmlns:p14="http://schemas.microsoft.com/office/powerpoint/2010/main" spd="slow"/>
     </mc:Fallback>
   </mc:AlternateContent>
   <p:timing>
     <p:tnLst>
       <p:par>
-        <p:cTn id="1" dur="indefinite" restart="never" nodeType="tmRoot"/>
+        <p:cTn xmlns:p14="http://schemas.microsoft.com/office/powerpoint/2010/main" id="1" dur="indefinite" restart="never" nodeType="tmRoot"/>
       </p:par>
     </p:tnLst>
   </p:timing>
@@ -23471,13 +23479,13 @@
       <p:transition spd="slow" p14:dur="2000"/>
     </mc:Choice>
     <mc:Fallback>
-      <p:transition spd="slow"/>
+      <p:transition xmlns:p14="http://schemas.microsoft.com/office/powerpoint/2010/main" spd="slow"/>
     </mc:Fallback>
   </mc:AlternateContent>
   <p:timing>
     <p:tnLst>
       <p:par>
-        <p:cTn id="1" dur="indefinite" restart="never" nodeType="tmRoot"/>
+        <p:cTn xmlns:p14="http://schemas.microsoft.com/office/powerpoint/2010/main" id="1" dur="indefinite" restart="never" nodeType="tmRoot"/>
       </p:par>
     </p:tnLst>
   </p:timing>
@@ -23596,7 +23604,7 @@
   <p:timing>
     <p:tnLst>
       <p:par>
-        <p:cTn id="1" dur="indefinite" restart="never" nodeType="tmRoot"/>
+        <p:cTn xmlns:p14="http://schemas.microsoft.com/office/powerpoint/2010/main" id="1" dur="indefinite" restart="never" nodeType="tmRoot"/>
       </p:par>
     </p:tnLst>
   </p:timing>
@@ -23761,7 +23769,7 @@
   <p:timing>
     <p:tnLst>
       <p:par>
-        <p:cTn id="1" dur="indefinite" restart="never" nodeType="tmRoot"/>
+        <p:cTn xmlns:p14="http://schemas.microsoft.com/office/powerpoint/2010/main" id="1" dur="indefinite" restart="never" nodeType="tmRoot"/>
       </p:par>
     </p:tnLst>
   </p:timing>
@@ -23883,7 +23891,7 @@
   <p:timing>
     <p:tnLst>
       <p:par>
-        <p:cTn id="1" dur="indefinite" restart="never" nodeType="tmRoot"/>
+        <p:cTn xmlns:p14="http://schemas.microsoft.com/office/powerpoint/2010/main" id="1" dur="indefinite" restart="never" nodeType="tmRoot"/>
       </p:par>
     </p:tnLst>
   </p:timing>
@@ -24014,7 +24022,7 @@
   <p:timing>
     <p:tnLst>
       <p:par>
-        <p:cTn id="1" dur="indefinite" restart="never" nodeType="tmRoot"/>
+        <p:cTn xmlns:p14="http://schemas.microsoft.com/office/powerpoint/2010/main" id="1" dur="indefinite" restart="never" nodeType="tmRoot"/>
       </p:par>
     </p:tnLst>
   </p:timing>
@@ -24133,14 +24141,14 @@
             <a:noFill/>
           </a:ln>
           <a:extLst>
-            <a:ext uri="{909E8E84-426E-40DD-AFC4-6F175D3DCCD1}">
+            <a:ext uri="{909E8E84-426E-40dd-AFC4-6F175D3DCCD1}">
               <a14:hiddenFill xmlns:a14="http://schemas.microsoft.com/office/drawing/2010/main">
                 <a:solidFill>
                   <a:srgbClr val="FFFFFF"/>
                 </a:solidFill>
               </a14:hiddenFill>
             </a:ext>
-            <a:ext uri="{91240B29-F687-4F45-9708-019B960494DF}">
+            <a:ext uri="{91240B29-F687-4f45-9708-019B960494DF}">
               <a14:hiddenLine xmlns:a14="http://schemas.microsoft.com/office/drawing/2010/main" w="9525">
                 <a:solidFill>
                   <a:srgbClr val="000000"/>
@@ -24166,7 +24174,7 @@
   <p:timing>
     <p:tnLst>
       <p:par>
-        <p:cTn id="1" dur="indefinite" restart="never" nodeType="tmRoot"/>
+        <p:cTn xmlns:p14="http://schemas.microsoft.com/office/powerpoint/2010/main" id="1" dur="indefinite" restart="never" nodeType="tmRoot"/>
       </p:par>
     </p:tnLst>
   </p:timing>
@@ -24274,7 +24282,7 @@
   <p:timing>
     <p:tnLst>
       <p:par>
-        <p:cTn id="1" dur="indefinite" restart="never" nodeType="tmRoot"/>
+        <p:cTn xmlns:p14="http://schemas.microsoft.com/office/powerpoint/2010/main" id="1" dur="indefinite" restart="never" nodeType="tmRoot"/>
       </p:par>
     </p:tnLst>
   </p:timing>
@@ -24435,7 +24443,7 @@
   <p:timing>
     <p:tnLst>
       <p:par>
-        <p:cTn id="1" dur="indefinite" restart="never" nodeType="tmRoot"/>
+        <p:cTn xmlns:p14="http://schemas.microsoft.com/office/powerpoint/2010/main" id="1" dur="indefinite" restart="never" nodeType="tmRoot"/>
       </p:par>
     </p:tnLst>
   </p:timing>
@@ -24566,7 +24574,7 @@
   <p:timing>
     <p:tnLst>
       <p:par>
-        <p:cTn id="1" dur="indefinite" restart="never" nodeType="tmRoot"/>
+        <p:cTn xmlns:p14="http://schemas.microsoft.com/office/powerpoint/2010/main" id="1" dur="indefinite" restart="never" nodeType="tmRoot"/>
       </p:par>
     </p:tnLst>
   </p:timing>
@@ -24675,7 +24683,7 @@
   <p:timing>
     <p:tnLst>
       <p:par>
-        <p:cTn id="1" dur="indefinite" restart="never" nodeType="tmRoot"/>
+        <p:cTn xmlns:p14="http://schemas.microsoft.com/office/powerpoint/2010/main" id="1" dur="indefinite" restart="never" nodeType="tmRoot"/>
       </p:par>
     </p:tnLst>
   </p:timing>
@@ -24790,7 +24798,7 @@
   <p:timing>
     <p:tnLst>
       <p:par>
-        <p:cTn id="1" dur="indefinite" restart="never" nodeType="tmRoot"/>
+        <p:cTn xmlns:p14="http://schemas.microsoft.com/office/powerpoint/2010/main" id="1" dur="indefinite" restart="never" nodeType="tmRoot"/>
       </p:par>
     </p:tnLst>
   </p:timing>
@@ -24905,7 +24913,7 @@
   <p:timing>
     <p:tnLst>
       <p:par>
-        <p:cTn id="1" dur="indefinite" restart="never" nodeType="tmRoot"/>
+        <p:cTn xmlns:p14="http://schemas.microsoft.com/office/powerpoint/2010/main" id="1" dur="indefinite" restart="never" nodeType="tmRoot"/>
       </p:par>
     </p:tnLst>
   </p:timing>
@@ -25015,7 +25023,7 @@
   <p:timing>
     <p:tnLst>
       <p:par>
-        <p:cTn id="1" dur="indefinite" restart="never" nodeType="tmRoot"/>
+        <p:cTn xmlns:p14="http://schemas.microsoft.com/office/powerpoint/2010/main" id="1" dur="indefinite" restart="never" nodeType="tmRoot"/>
       </p:par>
     </p:tnLst>
   </p:timing>
@@ -25122,14 +25130,14 @@
             <a:noFill/>
           </a:ln>
           <a:extLst>
-            <a:ext uri="{909E8E84-426E-40DD-AFC4-6F175D3DCCD1}">
+            <a:ext uri="{909E8E84-426E-40dd-AFC4-6F175D3DCCD1}">
               <a14:hiddenFill xmlns:a14="http://schemas.microsoft.com/office/drawing/2010/main">
                 <a:solidFill>
                   <a:schemeClr val="accent1"/>
                 </a:solidFill>
               </a14:hiddenFill>
             </a:ext>
-            <a:ext uri="{91240B29-F687-4F45-9708-019B960494DF}">
+            <a:ext uri="{91240B29-F687-4f45-9708-019B960494DF}">
               <a14:hiddenLine xmlns:a14="http://schemas.microsoft.com/office/drawing/2010/main" w="9525">
                 <a:solidFill>
                   <a:schemeClr val="tx1"/>
@@ -25206,7 +25214,7 @@
   <p:timing>
     <p:tnLst>
       <p:par>
-        <p:cTn id="1" dur="indefinite" restart="never" nodeType="tmRoot"/>
+        <p:cTn xmlns:p14="http://schemas.microsoft.com/office/powerpoint/2010/main" id="1" dur="indefinite" restart="never" nodeType="tmRoot"/>
       </p:par>
     </p:tnLst>
   </p:timing>
@@ -25314,7 +25322,7 @@
   <p:timing>
     <p:tnLst>
       <p:par>
-        <p:cTn id="1" dur="indefinite" restart="never" nodeType="tmRoot"/>
+        <p:cTn xmlns:p14="http://schemas.microsoft.com/office/powerpoint/2010/main" id="1" dur="indefinite" restart="never" nodeType="tmRoot"/>
       </p:par>
     </p:tnLst>
   </p:timing>
@@ -25488,7 +25496,7 @@
   <p:timing>
     <p:tnLst>
       <p:par>
-        <p:cTn id="1" dur="indefinite" restart="never" nodeType="tmRoot"/>
+        <p:cTn xmlns:p14="http://schemas.microsoft.com/office/powerpoint/2010/main" id="1" dur="indefinite" restart="never" nodeType="tmRoot"/>
       </p:par>
     </p:tnLst>
   </p:timing>
@@ -25663,7 +25671,7 @@
   <p:timing>
     <p:tnLst>
       <p:par>
-        <p:cTn id="1" dur="indefinite" restart="never" nodeType="tmRoot"/>
+        <p:cTn xmlns:p14="http://schemas.microsoft.com/office/powerpoint/2010/main" id="1" dur="indefinite" restart="never" nodeType="tmRoot"/>
       </p:par>
     </p:tnLst>
   </p:timing>
@@ -25808,7 +25816,7 @@
   <p:timing>
     <p:tnLst>
       <p:par>
-        <p:cTn id="1" dur="indefinite" restart="never" nodeType="tmRoot"/>
+        <p:cTn xmlns:p14="http://schemas.microsoft.com/office/powerpoint/2010/main" id="1" dur="indefinite" restart="never" nodeType="tmRoot"/>
       </p:par>
     </p:tnLst>
   </p:timing>
@@ -25945,7 +25953,7 @@
   <p:timing>
     <p:tnLst>
       <p:par>
-        <p:cTn id="1" dur="indefinite" restart="never" nodeType="tmRoot"/>
+        <p:cTn xmlns:p14="http://schemas.microsoft.com/office/powerpoint/2010/main" id="1" dur="indefinite" restart="never" nodeType="tmRoot"/>
       </p:par>
     </p:tnLst>
   </p:timing>
@@ -26100,7 +26108,7 @@
   <p:timing>
     <p:tnLst>
       <p:par>
-        <p:cTn id="1" dur="indefinite" restart="never" nodeType="tmRoot"/>
+        <p:cTn xmlns:p14="http://schemas.microsoft.com/office/powerpoint/2010/main" id="1" dur="indefinite" restart="never" nodeType="tmRoot"/>
       </p:par>
     </p:tnLst>
   </p:timing>
@@ -26234,7 +26242,7 @@
   <p:timing>
     <p:tnLst>
       <p:par>
-        <p:cTn id="1" dur="indefinite" restart="never" nodeType="tmRoot"/>
+        <p:cTn xmlns:p14="http://schemas.microsoft.com/office/powerpoint/2010/main" id="1" dur="indefinite" restart="never" nodeType="tmRoot"/>
       </p:par>
     </p:tnLst>
   </p:timing>
@@ -26342,7 +26350,7 @@
   <p:timing>
     <p:tnLst>
       <p:par>
-        <p:cTn id="1" dur="indefinite" restart="never" nodeType="tmRoot"/>
+        <p:cTn xmlns:p14="http://schemas.microsoft.com/office/powerpoint/2010/main" id="1" dur="indefinite" restart="never" nodeType="tmRoot"/>
       </p:par>
     </p:tnLst>
   </p:timing>
@@ -26424,17 +26432,8 @@
           <a:p>
             <a:r>
               <a:rPr lang="en-US" dirty="0" smtClean="0"/>
-              <a:t>We are archeologists, ethnographers, and documenters.  You are the </a:t>
-            </a:r>
-            <a:r>
-              <a:rPr lang="en-US" dirty="0" smtClean="0"/>
-              <a:t>architects</a:t>
-            </a:r>
-            <a:r>
-              <a:rPr lang="en-US" dirty="0" smtClean="0"/>
-              <a:t>!</a:t>
-            </a:r>
-            <a:endParaRPr lang="en-US" dirty="0" smtClean="0"/>
+              <a:t>We are archeologists, ethnographers, and documenters.  You are the architects!</a:t>
+            </a:r>
           </a:p>
           <a:p>
             <a:endParaRPr lang="en-US" dirty="0"/>
@@ -26483,7 +26482,7 @@
   <p:timing>
     <p:tnLst>
       <p:par>
-        <p:cTn id="1" dur="indefinite" restart="never" nodeType="tmRoot"/>
+        <p:cTn xmlns:p14="http://schemas.microsoft.com/office/powerpoint/2010/main" id="1" dur="indefinite" restart="never" nodeType="tmRoot"/>
       </p:par>
     </p:tnLst>
   </p:timing>
@@ -26598,7 +26597,7 @@
   <p:timing>
     <p:tnLst>
       <p:par>
-        <p:cTn id="1" dur="indefinite" restart="never" nodeType="tmRoot"/>
+        <p:cTn xmlns:p14="http://schemas.microsoft.com/office/powerpoint/2010/main" id="1" dur="indefinite" restart="never" nodeType="tmRoot"/>
       </p:par>
     </p:tnLst>
   </p:timing>
@@ -26756,7 +26755,7 @@
   <p:timing>
     <p:tnLst>
       <p:par>
-        <p:cTn id="1" dur="indefinite" restart="never" nodeType="tmRoot"/>
+        <p:cTn xmlns:p14="http://schemas.microsoft.com/office/powerpoint/2010/main" id="1" dur="indefinite" restart="never" nodeType="tmRoot"/>
       </p:par>
     </p:tnLst>
   </p:timing>
@@ -26794,14 +26793,14 @@
           <a:noFill/>
           <a:extLst>
             <a:ext uri="{909E8E84-426E-40dd-AFC4-6F175D3DCCD1}">
-              <a14:hiddenFill xmlns="" xmlns:a14="http://schemas.microsoft.com/office/drawing/2010/main">
+              <a14:hiddenFill xmlns:a14="http://schemas.microsoft.com/office/drawing/2010/main">
                 <a:solidFill>
                   <a:srgbClr val="FFFFFF"/>
                 </a:solidFill>
               </a14:hiddenFill>
             </a:ext>
             <a:ext uri="{91240B29-F687-4f45-9708-019B960494DF}">
-              <a14:hiddenLine xmlns="" xmlns:a14="http://schemas.microsoft.com/office/drawing/2010/main" w="9525">
+              <a14:hiddenLine xmlns:a14="http://schemas.microsoft.com/office/drawing/2010/main" w="9525">
                 <a:solidFill>
                   <a:srgbClr val="000000"/>
                 </a:solidFill>
@@ -27104,14 +27103,14 @@
           </a:ln>
           <a:extLst>
             <a:ext uri="{909E8E84-426E-40dd-AFC4-6F175D3DCCD1}">
-              <a14:hiddenFill xmlns="" xmlns:a14="http://schemas.microsoft.com/office/drawing/2010/main">
+              <a14:hiddenFill xmlns:a14="http://schemas.microsoft.com/office/drawing/2010/main">
                 <a:solidFill>
                   <a:srgbClr val="FFFFFF"/>
                 </a:solidFill>
               </a14:hiddenFill>
             </a:ext>
             <a:ext uri="{91240B29-F687-4f45-9708-019B960494DF}">
-              <a14:hiddenLine xmlns="" xmlns:a14="http://schemas.microsoft.com/office/drawing/2010/main" w="9525">
+              <a14:hiddenLine xmlns:a14="http://schemas.microsoft.com/office/drawing/2010/main" w="9525">
                 <a:solidFill>
                   <a:srgbClr val="000000"/>
                 </a:solidFill>
@@ -27131,7 +27130,7 @@
   <p:timing>
     <p:tnLst>
       <p:par>
-        <p:cTn id="1" dur="indefinite" restart="never" nodeType="tmRoot"/>
+        <p:cTn xmlns:p14="http://schemas.microsoft.com/office/powerpoint/2010/main" id="1" dur="indefinite" restart="never" nodeType="tmRoot"/>
       </p:par>
     </p:tnLst>
   </p:timing>
@@ -27282,7 +27281,7 @@
   <p:timing>
     <p:tnLst>
       <p:par>
-        <p:cTn id="1" dur="indefinite" restart="never" nodeType="tmRoot"/>
+        <p:cTn xmlns:p14="http://schemas.microsoft.com/office/powerpoint/2010/main" id="1" dur="indefinite" restart="never" nodeType="tmRoot"/>
       </p:par>
     </p:tnLst>
   </p:timing>
@@ -27391,7 +27390,7 @@
   <p:timing>
     <p:tnLst>
       <p:par>
-        <p:cTn id="1" dur="indefinite" restart="never" nodeType="tmRoot"/>
+        <p:cTn xmlns:p14="http://schemas.microsoft.com/office/powerpoint/2010/main" id="1" dur="indefinite" restart="never" nodeType="tmRoot"/>
       </p:par>
     </p:tnLst>
   </p:timing>
@@ -27506,7 +27505,7 @@
   <p:timing>
     <p:tnLst>
       <p:par>
-        <p:cTn id="1" dur="indefinite" restart="never" nodeType="tmRoot"/>
+        <p:cTn xmlns:p14="http://schemas.microsoft.com/office/powerpoint/2010/main" id="1" dur="indefinite" restart="never" nodeType="tmRoot"/>
       </p:par>
     </p:tnLst>
   </p:timing>
@@ -27614,7 +27613,7 @@
   <p:timing>
     <p:tnLst>
       <p:par>
-        <p:cTn id="1" dur="indefinite" restart="never" nodeType="tmRoot"/>
+        <p:cTn xmlns:p14="http://schemas.microsoft.com/office/powerpoint/2010/main" id="1" dur="indefinite" restart="never" nodeType="tmRoot"/>
       </p:par>
     </p:tnLst>
   </p:timing>
@@ -27940,7 +27939,7 @@
   <a:extraClrSchemeLst/>
   <a:extLst>
     <a:ext uri="{05A4C25C-085E-4340-85A3-A5531E510DB2}">
-      <thm15:themeFamily xmlns:thm15="http://schemas.microsoft.com/office/thememl/2012/main" name="Presentation1" id="{9477BE6E-335C-6A4D-9AC4-F2AD07DB35E5}" vid="{6E65C0AF-245B-1445-948D-96A7C6D0ECEB}"/>
+      <thm15:themeFamily xmlns:thm15="http://schemas.microsoft.com/office/thememl/2012/main" xmlns="" name="Presentation1" id="{9477BE6E-335C-6A4D-9AC4-F2AD07DB35E5}" vid="{6E65C0AF-245B-1445-948D-96A7C6D0ECEB}"/>
     </a:ext>
   </a:extLst>
 </a:theme>
